--- a/doc/overview.pptx
+++ b/doc/overview.pptx
@@ -104,6 +104,11 @@
       </a:defRPr>
     </a:lvl9pPr>
   </p:defaultTextStyle>
+  <p:extLst>
+    <p:ext uri="{EFAFB233-063F-42B5-8137-9DF3F51BA10A}">
+      <p15:sldGuideLst xmlns:p15="http://schemas.microsoft.com/office/powerpoint/2012/main"/>
+    </p:ext>
+  </p:extLst>
 </p:presentation>
 </file>
 
@@ -256,7 +261,7 @@
           <a:p>
             <a:fld id="{0647E4D3-4269-40FF-ADD2-F433546F1734}" type="datetimeFigureOut">
               <a:rPr lang="en-GB" smtClean="0"/>
-              <a:t>09/02/2023</a:t>
+              <a:t>10/02/2023</a:t>
             </a:fld>
             <a:endParaRPr lang="en-GB"/>
           </a:p>
@@ -456,7 +461,7 @@
           <a:p>
             <a:fld id="{0647E4D3-4269-40FF-ADD2-F433546F1734}" type="datetimeFigureOut">
               <a:rPr lang="en-GB" smtClean="0"/>
-              <a:t>09/02/2023</a:t>
+              <a:t>10/02/2023</a:t>
             </a:fld>
             <a:endParaRPr lang="en-GB"/>
           </a:p>
@@ -666,7 +671,7 @@
           <a:p>
             <a:fld id="{0647E4D3-4269-40FF-ADD2-F433546F1734}" type="datetimeFigureOut">
               <a:rPr lang="en-GB" smtClean="0"/>
-              <a:t>09/02/2023</a:t>
+              <a:t>10/02/2023</a:t>
             </a:fld>
             <a:endParaRPr lang="en-GB"/>
           </a:p>
@@ -866,7 +871,7 @@
           <a:p>
             <a:fld id="{0647E4D3-4269-40FF-ADD2-F433546F1734}" type="datetimeFigureOut">
               <a:rPr lang="en-GB" smtClean="0"/>
-              <a:t>09/02/2023</a:t>
+              <a:t>10/02/2023</a:t>
             </a:fld>
             <a:endParaRPr lang="en-GB"/>
           </a:p>
@@ -1142,7 +1147,7 @@
           <a:p>
             <a:fld id="{0647E4D3-4269-40FF-ADD2-F433546F1734}" type="datetimeFigureOut">
               <a:rPr lang="en-GB" smtClean="0"/>
-              <a:t>09/02/2023</a:t>
+              <a:t>10/02/2023</a:t>
             </a:fld>
             <a:endParaRPr lang="en-GB"/>
           </a:p>
@@ -1410,7 +1415,7 @@
           <a:p>
             <a:fld id="{0647E4D3-4269-40FF-ADD2-F433546F1734}" type="datetimeFigureOut">
               <a:rPr lang="en-GB" smtClean="0"/>
-              <a:t>09/02/2023</a:t>
+              <a:t>10/02/2023</a:t>
             </a:fld>
             <a:endParaRPr lang="en-GB"/>
           </a:p>
@@ -1825,7 +1830,7 @@
           <a:p>
             <a:fld id="{0647E4D3-4269-40FF-ADD2-F433546F1734}" type="datetimeFigureOut">
               <a:rPr lang="en-GB" smtClean="0"/>
-              <a:t>09/02/2023</a:t>
+              <a:t>10/02/2023</a:t>
             </a:fld>
             <a:endParaRPr lang="en-GB"/>
           </a:p>
@@ -1967,7 +1972,7 @@
           <a:p>
             <a:fld id="{0647E4D3-4269-40FF-ADD2-F433546F1734}" type="datetimeFigureOut">
               <a:rPr lang="en-GB" smtClean="0"/>
-              <a:t>09/02/2023</a:t>
+              <a:t>10/02/2023</a:t>
             </a:fld>
             <a:endParaRPr lang="en-GB"/>
           </a:p>
@@ -2080,7 +2085,7 @@
           <a:p>
             <a:fld id="{0647E4D3-4269-40FF-ADD2-F433546F1734}" type="datetimeFigureOut">
               <a:rPr lang="en-GB" smtClean="0"/>
-              <a:t>09/02/2023</a:t>
+              <a:t>10/02/2023</a:t>
             </a:fld>
             <a:endParaRPr lang="en-GB"/>
           </a:p>
@@ -2393,7 +2398,7 @@
           <a:p>
             <a:fld id="{0647E4D3-4269-40FF-ADD2-F433546F1734}" type="datetimeFigureOut">
               <a:rPr lang="en-GB" smtClean="0"/>
-              <a:t>09/02/2023</a:t>
+              <a:t>10/02/2023</a:t>
             </a:fld>
             <a:endParaRPr lang="en-GB"/>
           </a:p>
@@ -2682,7 +2687,7 @@
           <a:p>
             <a:fld id="{0647E4D3-4269-40FF-ADD2-F433546F1734}" type="datetimeFigureOut">
               <a:rPr lang="en-GB" smtClean="0"/>
-              <a:t>09/02/2023</a:t>
+              <a:t>10/02/2023</a:t>
             </a:fld>
             <a:endParaRPr lang="en-GB"/>
           </a:p>
@@ -2925,7 +2930,7 @@
           <a:p>
             <a:fld id="{0647E4D3-4269-40FF-ADD2-F433546F1734}" type="datetimeFigureOut">
               <a:rPr lang="en-GB" smtClean="0"/>
-              <a:t>09/02/2023</a:t>
+              <a:t>10/02/2023</a:t>
             </a:fld>
             <a:endParaRPr lang="en-GB"/>
           </a:p>
@@ -4389,7 +4394,7 @@
         </p:nvSpPr>
         <p:spPr>
           <a:xfrm>
-            <a:off x="1452639" y="3004252"/>
+            <a:off x="668776" y="2405858"/>
             <a:ext cx="846707" cy="276999"/>
           </a:xfrm>
           <a:prstGeom prst="rect">
@@ -4425,7 +4430,7 @@
         </p:nvSpPr>
         <p:spPr>
           <a:xfrm>
-            <a:off x="4650823" y="2986009"/>
+            <a:off x="3837261" y="2394043"/>
             <a:ext cx="846707" cy="276999"/>
           </a:xfrm>
           <a:prstGeom prst="rect">
@@ -4952,13 +4957,12 @@
           </p:cNvPr>
           <p:cNvCxnSpPr>
             <a:cxnSpLocks/>
-            <a:stCxn id="7" idx="0"/>
           </p:cNvCxnSpPr>
           <p:nvPr/>
         </p:nvCxnSpPr>
         <p:spPr>
           <a:xfrm flipV="1">
-            <a:off x="6640319" y="823440"/>
+            <a:off x="8235164" y="815076"/>
             <a:ext cx="0" cy="976371"/>
           </a:xfrm>
           <a:prstGeom prst="line">
@@ -5366,7 +5370,7 @@
         <p:spPr>
           <a:xfrm>
             <a:off x="4666263" y="823440"/>
-            <a:ext cx="1965839" cy="8824"/>
+            <a:ext cx="3568901" cy="0"/>
           </a:xfrm>
           <a:prstGeom prst="line">
             <a:avLst/>
@@ -5419,6 +5423,237 @@
             <a:r>
               <a:rPr lang="en-US" sz="1200" dirty="0"/>
               <a:t>16 bit I/Q</a:t>
+            </a:r>
+            <a:endParaRPr lang="en-GB" sz="1200" dirty="0"/>
+          </a:p>
+        </p:txBody>
+      </p:sp>
+      <p:sp>
+        <p:nvSpPr>
+          <p:cNvPr id="2" name="Rectangle 1">
+            <a:extLst>
+              <a:ext uri="{FF2B5EF4-FFF2-40B4-BE49-F238E27FC236}">
+                <a16:creationId xmlns:a16="http://schemas.microsoft.com/office/drawing/2014/main" id="{7EA4FE7E-6846-E249-AC11-0BC697C700E6}"/>
+              </a:ext>
+            </a:extLst>
+          </p:cNvPr>
+          <p:cNvSpPr/>
+          <p:nvPr/>
+        </p:nvSpPr>
+        <p:spPr>
+          <a:xfrm>
+            <a:off x="7838924" y="1799811"/>
+            <a:ext cx="792480" cy="1206137"/>
+          </a:xfrm>
+          <a:prstGeom prst="rect">
+            <a:avLst/>
+          </a:prstGeom>
+          <a:solidFill>
+            <a:schemeClr val="bg1"/>
+          </a:solidFill>
+        </p:spPr>
+        <p:style>
+          <a:lnRef idx="2">
+            <a:schemeClr val="accent1">
+              <a:shade val="50000"/>
+            </a:schemeClr>
+          </a:lnRef>
+          <a:fillRef idx="1">
+            <a:schemeClr val="accent1"/>
+          </a:fillRef>
+          <a:effectRef idx="0">
+            <a:schemeClr val="accent1"/>
+          </a:effectRef>
+          <a:fontRef idx="minor">
+            <a:schemeClr val="lt1"/>
+          </a:fontRef>
+        </p:style>
+        <p:txBody>
+          <a:bodyPr rtlCol="0" anchor="ctr"/>
+          <a:lstStyle/>
+          <a:p>
+            <a:pPr algn="ctr"/>
+            <a:r>
+              <a:rPr lang="en-US" dirty="0">
+                <a:ln w="0"/>
+                <a:solidFill>
+                  <a:schemeClr val="tx1"/>
+                </a:solidFill>
+                <a:effectLst>
+                  <a:outerShdw blurRad="38100" dist="19050" dir="2700000" algn="tl" rotWithShape="0">
+                    <a:schemeClr val="dk1">
+                      <a:alpha val="40000"/>
+                    </a:schemeClr>
+                  </a:outerShdw>
+                </a:effectLst>
+              </a:rPr>
+              <a:t>CFO calc</a:t>
+            </a:r>
+            <a:endParaRPr lang="en-GB" dirty="0">
+              <a:ln w="0"/>
+              <a:solidFill>
+                <a:schemeClr val="tx1"/>
+              </a:solidFill>
+              <a:effectLst>
+                <a:outerShdw blurRad="38100" dist="19050" dir="2700000" algn="tl" rotWithShape="0">
+                  <a:schemeClr val="dk1">
+                    <a:alpha val="40000"/>
+                  </a:schemeClr>
+                </a:outerShdw>
+              </a:effectLst>
+            </a:endParaRPr>
+          </a:p>
+        </p:txBody>
+      </p:sp>
+      <p:cxnSp>
+        <p:nvCxnSpPr>
+          <p:cNvPr id="3" name="Straight Arrow Connector 2">
+            <a:extLst>
+              <a:ext uri="{FF2B5EF4-FFF2-40B4-BE49-F238E27FC236}">
+                <a16:creationId xmlns:a16="http://schemas.microsoft.com/office/drawing/2014/main" id="{87D3E2B2-8356-46FB-64DF-570471996066}"/>
+              </a:ext>
+            </a:extLst>
+          </p:cNvPr>
+          <p:cNvCxnSpPr>
+            <a:cxnSpLocks/>
+          </p:cNvCxnSpPr>
+          <p:nvPr/>
+        </p:nvCxnSpPr>
+        <p:spPr>
+          <a:xfrm>
+            <a:off x="7036559" y="2191109"/>
+            <a:ext cx="800775" cy="0"/>
+          </a:xfrm>
+          <a:prstGeom prst="straightConnector1">
+            <a:avLst/>
+          </a:prstGeom>
+          <a:ln w="19050">
+            <a:tailEnd type="triangle"/>
+          </a:ln>
+        </p:spPr>
+        <p:style>
+          <a:lnRef idx="1">
+            <a:schemeClr val="accent1"/>
+          </a:lnRef>
+          <a:fillRef idx="0">
+            <a:schemeClr val="accent1"/>
+          </a:fillRef>
+          <a:effectRef idx="0">
+            <a:schemeClr val="accent1"/>
+          </a:effectRef>
+          <a:fontRef idx="minor">
+            <a:schemeClr val="tx1"/>
+          </a:fontRef>
+        </p:style>
+      </p:cxnSp>
+      <p:cxnSp>
+        <p:nvCxnSpPr>
+          <p:cNvPr id="11" name="Straight Arrow Connector 10">
+            <a:extLst>
+              <a:ext uri="{FF2B5EF4-FFF2-40B4-BE49-F238E27FC236}">
+                <a16:creationId xmlns:a16="http://schemas.microsoft.com/office/drawing/2014/main" id="{70B3A807-B9E8-1D46-02F6-7D5FB7F0CE16}"/>
+              </a:ext>
+            </a:extLst>
+          </p:cNvPr>
+          <p:cNvCxnSpPr>
+            <a:cxnSpLocks/>
+          </p:cNvCxnSpPr>
+          <p:nvPr/>
+        </p:nvCxnSpPr>
+        <p:spPr>
+          <a:xfrm>
+            <a:off x="7043703" y="2509763"/>
+            <a:ext cx="800775" cy="0"/>
+          </a:xfrm>
+          <a:prstGeom prst="straightConnector1">
+            <a:avLst/>
+          </a:prstGeom>
+          <a:ln w="19050">
+            <a:tailEnd type="triangle"/>
+          </a:ln>
+        </p:spPr>
+        <p:style>
+          <a:lnRef idx="1">
+            <a:schemeClr val="accent1"/>
+          </a:lnRef>
+          <a:fillRef idx="0">
+            <a:schemeClr val="accent1"/>
+          </a:fillRef>
+          <a:effectRef idx="0">
+            <a:schemeClr val="accent1"/>
+          </a:effectRef>
+          <a:fontRef idx="minor">
+            <a:schemeClr val="tx1"/>
+          </a:fontRef>
+        </p:style>
+      </p:cxnSp>
+      <p:sp>
+        <p:nvSpPr>
+          <p:cNvPr id="14" name="TextBox 13">
+            <a:extLst>
+              <a:ext uri="{FF2B5EF4-FFF2-40B4-BE49-F238E27FC236}">
+                <a16:creationId xmlns:a16="http://schemas.microsoft.com/office/drawing/2014/main" id="{7D864CEE-D456-549F-A086-C1E498E78124}"/>
+              </a:ext>
+            </a:extLst>
+          </p:cNvPr>
+          <p:cNvSpPr txBox="1"/>
+          <p:nvPr/>
+        </p:nvSpPr>
+        <p:spPr>
+          <a:xfrm>
+            <a:off x="7229251" y="1946776"/>
+            <a:ext cx="344966" cy="276999"/>
+          </a:xfrm>
+          <a:prstGeom prst="rect">
+            <a:avLst/>
+          </a:prstGeom>
+          <a:noFill/>
+        </p:spPr>
+        <p:txBody>
+          <a:bodyPr wrap="none" rtlCol="0">
+            <a:spAutoFit/>
+          </a:bodyPr>
+          <a:lstStyle/>
+          <a:p>
+            <a:r>
+              <a:rPr lang="en-US" sz="1200" dirty="0"/>
+              <a:t>C0</a:t>
+            </a:r>
+            <a:endParaRPr lang="en-GB" sz="1200" dirty="0"/>
+          </a:p>
+        </p:txBody>
+      </p:sp>
+      <p:sp>
+        <p:nvSpPr>
+          <p:cNvPr id="15" name="TextBox 14">
+            <a:extLst>
+              <a:ext uri="{FF2B5EF4-FFF2-40B4-BE49-F238E27FC236}">
+                <a16:creationId xmlns:a16="http://schemas.microsoft.com/office/drawing/2014/main" id="{3818ED69-B331-B6F7-E10A-3856AF6B36A6}"/>
+              </a:ext>
+            </a:extLst>
+          </p:cNvPr>
+          <p:cNvSpPr txBox="1"/>
+          <p:nvPr/>
+        </p:nvSpPr>
+        <p:spPr>
+          <a:xfrm>
+            <a:off x="7229251" y="2260427"/>
+            <a:ext cx="344966" cy="276999"/>
+          </a:xfrm>
+          <a:prstGeom prst="rect">
+            <a:avLst/>
+          </a:prstGeom>
+          <a:noFill/>
+        </p:spPr>
+        <p:txBody>
+          <a:bodyPr wrap="none" rtlCol="0">
+            <a:spAutoFit/>
+          </a:bodyPr>
+          <a:lstStyle/>
+          <a:p>
+            <a:r>
+              <a:rPr lang="en-US" sz="1200" dirty="0"/>
+              <a:t>C1</a:t>
             </a:r>
             <a:endParaRPr lang="en-GB" sz="1200" dirty="0"/>
           </a:p>

--- a/doc/overview.pptx
+++ b/doc/overview.pptx
@@ -261,7 +261,7 @@
           <a:p>
             <a:fld id="{0647E4D3-4269-40FF-ADD2-F433546F1734}" type="datetimeFigureOut">
               <a:rPr lang="en-GB" smtClean="0"/>
-              <a:t>10/02/2023</a:t>
+              <a:t>12/02/2023</a:t>
             </a:fld>
             <a:endParaRPr lang="en-GB"/>
           </a:p>
@@ -315,7 +315,7 @@
           <a:p>
             <a:fld id="{1991B810-A44B-42D8-B2B0-10522A071A3E}" type="slidenum">
               <a:rPr lang="en-GB" smtClean="0"/>
-              <a:t>‹#›</a:t>
+              <a:t>‹Nr.›</a:t>
             </a:fld>
             <a:endParaRPr lang="en-GB"/>
           </a:p>
@@ -461,7 +461,7 @@
           <a:p>
             <a:fld id="{0647E4D3-4269-40FF-ADD2-F433546F1734}" type="datetimeFigureOut">
               <a:rPr lang="en-GB" smtClean="0"/>
-              <a:t>10/02/2023</a:t>
+              <a:t>12/02/2023</a:t>
             </a:fld>
             <a:endParaRPr lang="en-GB"/>
           </a:p>
@@ -515,7 +515,7 @@
           <a:p>
             <a:fld id="{1991B810-A44B-42D8-B2B0-10522A071A3E}" type="slidenum">
               <a:rPr lang="en-GB" smtClean="0"/>
-              <a:t>‹#›</a:t>
+              <a:t>‹Nr.›</a:t>
             </a:fld>
             <a:endParaRPr lang="en-GB"/>
           </a:p>
@@ -671,7 +671,7 @@
           <a:p>
             <a:fld id="{0647E4D3-4269-40FF-ADD2-F433546F1734}" type="datetimeFigureOut">
               <a:rPr lang="en-GB" smtClean="0"/>
-              <a:t>10/02/2023</a:t>
+              <a:t>12/02/2023</a:t>
             </a:fld>
             <a:endParaRPr lang="en-GB"/>
           </a:p>
@@ -725,7 +725,7 @@
           <a:p>
             <a:fld id="{1991B810-A44B-42D8-B2B0-10522A071A3E}" type="slidenum">
               <a:rPr lang="en-GB" smtClean="0"/>
-              <a:t>‹#›</a:t>
+              <a:t>‹Nr.›</a:t>
             </a:fld>
             <a:endParaRPr lang="en-GB"/>
           </a:p>
@@ -871,7 +871,7 @@
           <a:p>
             <a:fld id="{0647E4D3-4269-40FF-ADD2-F433546F1734}" type="datetimeFigureOut">
               <a:rPr lang="en-GB" smtClean="0"/>
-              <a:t>10/02/2023</a:t>
+              <a:t>12/02/2023</a:t>
             </a:fld>
             <a:endParaRPr lang="en-GB"/>
           </a:p>
@@ -925,7 +925,7 @@
           <a:p>
             <a:fld id="{1991B810-A44B-42D8-B2B0-10522A071A3E}" type="slidenum">
               <a:rPr lang="en-GB" smtClean="0"/>
-              <a:t>‹#›</a:t>
+              <a:t>‹Nr.›</a:t>
             </a:fld>
             <a:endParaRPr lang="en-GB"/>
           </a:p>
@@ -1147,7 +1147,7 @@
           <a:p>
             <a:fld id="{0647E4D3-4269-40FF-ADD2-F433546F1734}" type="datetimeFigureOut">
               <a:rPr lang="en-GB" smtClean="0"/>
-              <a:t>10/02/2023</a:t>
+              <a:t>12/02/2023</a:t>
             </a:fld>
             <a:endParaRPr lang="en-GB"/>
           </a:p>
@@ -1201,7 +1201,7 @@
           <a:p>
             <a:fld id="{1991B810-A44B-42D8-B2B0-10522A071A3E}" type="slidenum">
               <a:rPr lang="en-GB" smtClean="0"/>
-              <a:t>‹#›</a:t>
+              <a:t>‹Nr.›</a:t>
             </a:fld>
             <a:endParaRPr lang="en-GB"/>
           </a:p>
@@ -1415,7 +1415,7 @@
           <a:p>
             <a:fld id="{0647E4D3-4269-40FF-ADD2-F433546F1734}" type="datetimeFigureOut">
               <a:rPr lang="en-GB" smtClean="0"/>
-              <a:t>10/02/2023</a:t>
+              <a:t>12/02/2023</a:t>
             </a:fld>
             <a:endParaRPr lang="en-GB"/>
           </a:p>
@@ -1469,7 +1469,7 @@
           <a:p>
             <a:fld id="{1991B810-A44B-42D8-B2B0-10522A071A3E}" type="slidenum">
               <a:rPr lang="en-GB" smtClean="0"/>
-              <a:t>‹#›</a:t>
+              <a:t>‹Nr.›</a:t>
             </a:fld>
             <a:endParaRPr lang="en-GB"/>
           </a:p>
@@ -1830,7 +1830,7 @@
           <a:p>
             <a:fld id="{0647E4D3-4269-40FF-ADD2-F433546F1734}" type="datetimeFigureOut">
               <a:rPr lang="en-GB" smtClean="0"/>
-              <a:t>10/02/2023</a:t>
+              <a:t>12/02/2023</a:t>
             </a:fld>
             <a:endParaRPr lang="en-GB"/>
           </a:p>
@@ -1884,7 +1884,7 @@
           <a:p>
             <a:fld id="{1991B810-A44B-42D8-B2B0-10522A071A3E}" type="slidenum">
               <a:rPr lang="en-GB" smtClean="0"/>
-              <a:t>‹#›</a:t>
+              <a:t>‹Nr.›</a:t>
             </a:fld>
             <a:endParaRPr lang="en-GB"/>
           </a:p>
@@ -1972,7 +1972,7 @@
           <a:p>
             <a:fld id="{0647E4D3-4269-40FF-ADD2-F433546F1734}" type="datetimeFigureOut">
               <a:rPr lang="en-GB" smtClean="0"/>
-              <a:t>10/02/2023</a:t>
+              <a:t>12/02/2023</a:t>
             </a:fld>
             <a:endParaRPr lang="en-GB"/>
           </a:p>
@@ -2026,7 +2026,7 @@
           <a:p>
             <a:fld id="{1991B810-A44B-42D8-B2B0-10522A071A3E}" type="slidenum">
               <a:rPr lang="en-GB" smtClean="0"/>
-              <a:t>‹#›</a:t>
+              <a:t>‹Nr.›</a:t>
             </a:fld>
             <a:endParaRPr lang="en-GB"/>
           </a:p>
@@ -2085,7 +2085,7 @@
           <a:p>
             <a:fld id="{0647E4D3-4269-40FF-ADD2-F433546F1734}" type="datetimeFigureOut">
               <a:rPr lang="en-GB" smtClean="0"/>
-              <a:t>10/02/2023</a:t>
+              <a:t>12/02/2023</a:t>
             </a:fld>
             <a:endParaRPr lang="en-GB"/>
           </a:p>
@@ -2139,7 +2139,7 @@
           <a:p>
             <a:fld id="{1991B810-A44B-42D8-B2B0-10522A071A3E}" type="slidenum">
               <a:rPr lang="en-GB" smtClean="0"/>
-              <a:t>‹#›</a:t>
+              <a:t>‹Nr.›</a:t>
             </a:fld>
             <a:endParaRPr lang="en-GB"/>
           </a:p>
@@ -2398,7 +2398,7 @@
           <a:p>
             <a:fld id="{0647E4D3-4269-40FF-ADD2-F433546F1734}" type="datetimeFigureOut">
               <a:rPr lang="en-GB" smtClean="0"/>
-              <a:t>10/02/2023</a:t>
+              <a:t>12/02/2023</a:t>
             </a:fld>
             <a:endParaRPr lang="en-GB"/>
           </a:p>
@@ -2452,7 +2452,7 @@
           <a:p>
             <a:fld id="{1991B810-A44B-42D8-B2B0-10522A071A3E}" type="slidenum">
               <a:rPr lang="en-GB" smtClean="0"/>
-              <a:t>‹#›</a:t>
+              <a:t>‹Nr.›</a:t>
             </a:fld>
             <a:endParaRPr lang="en-GB"/>
           </a:p>
@@ -2687,7 +2687,7 @@
           <a:p>
             <a:fld id="{0647E4D3-4269-40FF-ADD2-F433546F1734}" type="datetimeFigureOut">
               <a:rPr lang="en-GB" smtClean="0"/>
-              <a:t>10/02/2023</a:t>
+              <a:t>12/02/2023</a:t>
             </a:fld>
             <a:endParaRPr lang="en-GB"/>
           </a:p>
@@ -2741,7 +2741,7 @@
           <a:p>
             <a:fld id="{1991B810-A44B-42D8-B2B0-10522A071A3E}" type="slidenum">
               <a:rPr lang="en-GB" smtClean="0"/>
-              <a:t>‹#›</a:t>
+              <a:t>‹Nr.›</a:t>
             </a:fld>
             <a:endParaRPr lang="en-GB"/>
           </a:p>
@@ -2930,7 +2930,7 @@
           <a:p>
             <a:fld id="{0647E4D3-4269-40FF-ADD2-F433546F1734}" type="datetimeFigureOut">
               <a:rPr lang="en-GB" smtClean="0"/>
-              <a:t>10/02/2023</a:t>
+              <a:t>12/02/2023</a:t>
             </a:fld>
             <a:endParaRPr lang="en-GB"/>
           </a:p>
@@ -3020,7 +3020,7 @@
           <a:p>
             <a:fld id="{1991B810-A44B-42D8-B2B0-10522A071A3E}" type="slidenum">
               <a:rPr lang="en-GB" smtClean="0"/>
-              <a:t>‹#›</a:t>
+              <a:t>‹Nr.›</a:t>
             </a:fld>
             <a:endParaRPr lang="en-GB"/>
           </a:p>
@@ -4232,14 +4232,13 @@
           </p:cNvPr>
           <p:cNvCxnSpPr>
             <a:cxnSpLocks/>
-            <a:stCxn id="35" idx="3"/>
           </p:cNvCxnSpPr>
           <p:nvPr/>
         </p:nvCxnSpPr>
         <p:spPr>
           <a:xfrm>
-            <a:off x="4327240" y="4146777"/>
-            <a:ext cx="1923983" cy="0"/>
+            <a:off x="5197434" y="4146777"/>
+            <a:ext cx="1053789" cy="0"/>
           </a:xfrm>
           <a:prstGeom prst="straightConnector1">
             <a:avLst/>
@@ -4279,7 +4278,7 @@
         </p:nvCxnSpPr>
         <p:spPr>
           <a:xfrm>
-            <a:off x="2692203" y="2394369"/>
+            <a:off x="2638834" y="2398623"/>
             <a:ext cx="0" cy="1752408"/>
           </a:xfrm>
           <a:prstGeom prst="line">
@@ -4466,8 +4465,8 @@
         </p:nvSpPr>
         <p:spPr>
           <a:xfrm>
-            <a:off x="3534760" y="3543708"/>
-            <a:ext cx="792480" cy="1206137"/>
+            <a:off x="4412097" y="3543709"/>
+            <a:ext cx="868917" cy="1206137"/>
           </a:xfrm>
           <a:prstGeom prst="rect">
             <a:avLst/>
@@ -4514,7 +4513,7 @@
               <a:t>FFT</a:t>
             </a:r>
             <a:br>
-              <a:rPr lang="en-US" dirty="0">
+              <a:rPr lang="en-US">
                 <a:ln w="0"/>
                 <a:solidFill>
                   <a:schemeClr val="tx1"/>
@@ -4529,7 +4528,7 @@
               </a:rPr>
             </a:br>
             <a:r>
-              <a:rPr lang="en-US" dirty="0">
+              <a:rPr lang="en-US">
                 <a:ln w="0"/>
                 <a:solidFill>
                   <a:schemeClr val="tx1"/>
@@ -4542,8 +4541,21 @@
                   </a:outerShdw>
                 </a:effectLst>
               </a:rPr>
-              <a:t>256</a:t>
-            </a:r>
+              <a:t>demodulator</a:t>
+            </a:r>
+            <a:endParaRPr lang="en-US" dirty="0">
+              <a:ln w="0"/>
+              <a:solidFill>
+                <a:schemeClr val="tx1"/>
+              </a:solidFill>
+              <a:effectLst>
+                <a:outerShdw blurRad="38100" dist="19050" dir="2700000" algn="tl" rotWithShape="0">
+                  <a:schemeClr val="dk1">
+                    <a:alpha val="40000"/>
+                  </a:schemeClr>
+                </a:outerShdw>
+              </a:effectLst>
+            </a:endParaRPr>
           </a:p>
         </p:txBody>
       </p:sp>
@@ -4564,8 +4576,8 @@
         </p:nvCxnSpPr>
         <p:spPr>
           <a:xfrm>
-            <a:off x="2692203" y="4146776"/>
-            <a:ext cx="842557" cy="1"/>
+            <a:off x="3916311" y="4146778"/>
+            <a:ext cx="495786" cy="0"/>
           </a:xfrm>
           <a:prstGeom prst="straightConnector1">
             <a:avLst/>
@@ -4683,8 +4695,8 @@
         </p:nvCxnSpPr>
         <p:spPr>
           <a:xfrm>
-            <a:off x="5289231" y="5889683"/>
-            <a:ext cx="806769" cy="1"/>
+            <a:off x="5692615" y="5889682"/>
+            <a:ext cx="403385" cy="2"/>
           </a:xfrm>
           <a:prstGeom prst="straightConnector1">
             <a:avLst/>
@@ -4724,7 +4736,7 @@
         </p:nvCxnSpPr>
         <p:spPr>
           <a:xfrm>
-            <a:off x="5289231" y="4137275"/>
+            <a:off x="5692615" y="4137274"/>
             <a:ext cx="0" cy="1752408"/>
           </a:xfrm>
           <a:prstGeom prst="line">
@@ -5118,7 +5130,7 @@
         </p:nvSpPr>
         <p:spPr>
           <a:xfrm>
-            <a:off x="4814929" y="3891347"/>
+            <a:off x="5341398" y="3867688"/>
             <a:ext cx="702436" cy="276999"/>
           </a:xfrm>
           <a:prstGeom prst="rect">
@@ -5654,6 +5666,298 @@
             <a:r>
               <a:rPr lang="en-US" sz="1200" dirty="0"/>
               <a:t>C1</a:t>
+            </a:r>
+            <a:endParaRPr lang="en-GB" sz="1200" dirty="0"/>
+          </a:p>
+        </p:txBody>
+      </p:sp>
+      <p:sp>
+        <p:nvSpPr>
+          <p:cNvPr id="22" name="Rectangle 34">
+            <a:extLst>
+              <a:ext uri="{FF2B5EF4-FFF2-40B4-BE49-F238E27FC236}">
+                <a16:creationId xmlns:a16="http://schemas.microsoft.com/office/drawing/2014/main" id="{F077CC4C-72DD-EF00-7F77-7E74C7CCB24C}"/>
+              </a:ext>
+            </a:extLst>
+          </p:cNvPr>
+          <p:cNvSpPr/>
+          <p:nvPr/>
+        </p:nvSpPr>
+        <p:spPr>
+          <a:xfrm>
+            <a:off x="3126241" y="3541618"/>
+            <a:ext cx="792480" cy="1206137"/>
+          </a:xfrm>
+          <a:prstGeom prst="rect">
+            <a:avLst/>
+          </a:prstGeom>
+          <a:solidFill>
+            <a:schemeClr val="bg1"/>
+          </a:solidFill>
+        </p:spPr>
+        <p:style>
+          <a:lnRef idx="2">
+            <a:schemeClr val="accent1">
+              <a:shade val="50000"/>
+            </a:schemeClr>
+          </a:lnRef>
+          <a:fillRef idx="1">
+            <a:schemeClr val="accent1"/>
+          </a:fillRef>
+          <a:effectRef idx="0">
+            <a:schemeClr val="accent1"/>
+          </a:effectRef>
+          <a:fontRef idx="minor">
+            <a:schemeClr val="lt1"/>
+          </a:fontRef>
+        </p:style>
+        <p:txBody>
+          <a:bodyPr rtlCol="0" anchor="ctr"/>
+          <a:lstStyle/>
+          <a:p>
+            <a:pPr algn="ctr"/>
+            <a:r>
+              <a:rPr lang="en-US">
+                <a:ln w="0"/>
+                <a:solidFill>
+                  <a:schemeClr val="tx1"/>
+                </a:solidFill>
+                <a:effectLst>
+                  <a:outerShdw blurRad="38100" dist="19050" dir="2700000" algn="tl" rotWithShape="0">
+                    <a:schemeClr val="dk1">
+                      <a:alpha val="40000"/>
+                    </a:schemeClr>
+                  </a:outerShdw>
+                </a:effectLst>
+              </a:rPr>
+              <a:t>CP</a:t>
+            </a:r>
+          </a:p>
+          <a:p>
+            <a:pPr algn="ctr"/>
+            <a:r>
+              <a:rPr lang="en-US">
+                <a:ln w="0"/>
+                <a:solidFill>
+                  <a:schemeClr val="tx1"/>
+                </a:solidFill>
+                <a:effectLst>
+                  <a:outerShdw blurRad="38100" dist="19050" dir="2700000" algn="tl" rotWithShape="0">
+                    <a:schemeClr val="dk1">
+                      <a:alpha val="40000"/>
+                    </a:schemeClr>
+                  </a:outerShdw>
+                </a:effectLst>
+              </a:rPr>
+              <a:t>align</a:t>
+            </a:r>
+            <a:endParaRPr lang="en-US" dirty="0">
+              <a:ln w="0"/>
+              <a:solidFill>
+                <a:schemeClr val="tx1"/>
+              </a:solidFill>
+              <a:effectLst>
+                <a:outerShdw blurRad="38100" dist="19050" dir="2700000" algn="tl" rotWithShape="0">
+                  <a:schemeClr val="dk1">
+                    <a:alpha val="40000"/>
+                  </a:schemeClr>
+                </a:outerShdw>
+              </a:effectLst>
+            </a:endParaRPr>
+          </a:p>
+        </p:txBody>
+      </p:sp>
+      <p:cxnSp>
+        <p:nvCxnSpPr>
+          <p:cNvPr id="26" name="Straight Arrow Connector 35">
+            <a:extLst>
+              <a:ext uri="{FF2B5EF4-FFF2-40B4-BE49-F238E27FC236}">
+                <a16:creationId xmlns:a16="http://schemas.microsoft.com/office/drawing/2014/main" id="{189A6982-3C49-7224-5C3A-CF611E003CBE}"/>
+              </a:ext>
+            </a:extLst>
+          </p:cNvPr>
+          <p:cNvCxnSpPr>
+            <a:cxnSpLocks/>
+          </p:cNvCxnSpPr>
+          <p:nvPr/>
+        </p:nvCxnSpPr>
+        <p:spPr>
+          <a:xfrm>
+            <a:off x="2630454" y="4144686"/>
+            <a:ext cx="495787" cy="0"/>
+          </a:xfrm>
+          <a:prstGeom prst="straightConnector1">
+            <a:avLst/>
+          </a:prstGeom>
+          <a:ln w="19050">
+            <a:tailEnd type="triangle"/>
+          </a:ln>
+        </p:spPr>
+        <p:style>
+          <a:lnRef idx="1">
+            <a:schemeClr val="accent1"/>
+          </a:lnRef>
+          <a:fillRef idx="0">
+            <a:schemeClr val="accent1"/>
+          </a:fillRef>
+          <a:effectRef idx="0">
+            <a:schemeClr val="accent1"/>
+          </a:effectRef>
+          <a:fontRef idx="minor">
+            <a:schemeClr val="tx1"/>
+          </a:fontRef>
+        </p:style>
+      </p:cxnSp>
+      <p:cxnSp>
+        <p:nvCxnSpPr>
+          <p:cNvPr id="28" name="Straight Arrow Connector 26">
+            <a:extLst>
+              <a:ext uri="{FF2B5EF4-FFF2-40B4-BE49-F238E27FC236}">
+                <a16:creationId xmlns:a16="http://schemas.microsoft.com/office/drawing/2014/main" id="{61B51DAB-4945-0584-6321-6C5D72696B8B}"/>
+              </a:ext>
+            </a:extLst>
+          </p:cNvPr>
+          <p:cNvCxnSpPr>
+            <a:cxnSpLocks/>
+          </p:cNvCxnSpPr>
+          <p:nvPr/>
+        </p:nvCxnSpPr>
+        <p:spPr>
+          <a:xfrm>
+            <a:off x="3518556" y="3274827"/>
+            <a:ext cx="0" cy="268882"/>
+          </a:xfrm>
+          <a:prstGeom prst="straightConnector1">
+            <a:avLst/>
+          </a:prstGeom>
+          <a:ln w="19050">
+            <a:tailEnd type="triangle"/>
+          </a:ln>
+        </p:spPr>
+        <p:style>
+          <a:lnRef idx="1">
+            <a:schemeClr val="accent1"/>
+          </a:lnRef>
+          <a:fillRef idx="0">
+            <a:schemeClr val="accent1"/>
+          </a:fillRef>
+          <a:effectRef idx="0">
+            <a:schemeClr val="accent1"/>
+          </a:effectRef>
+          <a:fontRef idx="minor">
+            <a:schemeClr val="tx1"/>
+          </a:fontRef>
+        </p:style>
+      </p:cxnSp>
+      <p:cxnSp>
+        <p:nvCxnSpPr>
+          <p:cNvPr id="33" name="Straight Connector 23">
+            <a:extLst>
+              <a:ext uri="{FF2B5EF4-FFF2-40B4-BE49-F238E27FC236}">
+                <a16:creationId xmlns:a16="http://schemas.microsoft.com/office/drawing/2014/main" id="{6C0E854B-4896-03BA-EF1C-5A4AA011309E}"/>
+              </a:ext>
+            </a:extLst>
+          </p:cNvPr>
+          <p:cNvCxnSpPr>
+            <a:cxnSpLocks/>
+          </p:cNvCxnSpPr>
+          <p:nvPr/>
+        </p:nvCxnSpPr>
+        <p:spPr>
+          <a:xfrm>
+            <a:off x="3518556" y="3274827"/>
+            <a:ext cx="2932157" cy="0"/>
+          </a:xfrm>
+          <a:prstGeom prst="line">
+            <a:avLst/>
+          </a:prstGeom>
+          <a:ln w="19050"/>
+        </p:spPr>
+        <p:style>
+          <a:lnRef idx="1">
+            <a:schemeClr val="accent1"/>
+          </a:lnRef>
+          <a:fillRef idx="0">
+            <a:schemeClr val="accent1"/>
+          </a:fillRef>
+          <a:effectRef idx="0">
+            <a:schemeClr val="accent1"/>
+          </a:effectRef>
+          <a:fontRef idx="minor">
+            <a:schemeClr val="tx1"/>
+          </a:fontRef>
+        </p:style>
+      </p:cxnSp>
+      <p:cxnSp>
+        <p:nvCxnSpPr>
+          <p:cNvPr id="37" name="Straight Connector 23">
+            <a:extLst>
+              <a:ext uri="{FF2B5EF4-FFF2-40B4-BE49-F238E27FC236}">
+                <a16:creationId xmlns:a16="http://schemas.microsoft.com/office/drawing/2014/main" id="{DEFF1940-DE09-401A-545A-DB0D880F05BB}"/>
+              </a:ext>
+            </a:extLst>
+          </p:cNvPr>
+          <p:cNvCxnSpPr>
+            <a:cxnSpLocks/>
+          </p:cNvCxnSpPr>
+          <p:nvPr/>
+        </p:nvCxnSpPr>
+        <p:spPr>
+          <a:xfrm flipV="1">
+            <a:off x="6450713" y="2998035"/>
+            <a:ext cx="0" cy="276792"/>
+          </a:xfrm>
+          <a:prstGeom prst="line">
+            <a:avLst/>
+          </a:prstGeom>
+          <a:ln w="19050"/>
+        </p:spPr>
+        <p:style>
+          <a:lnRef idx="1">
+            <a:schemeClr val="accent1"/>
+          </a:lnRef>
+          <a:fillRef idx="0">
+            <a:schemeClr val="accent1"/>
+          </a:fillRef>
+          <a:effectRef idx="0">
+            <a:schemeClr val="accent1"/>
+          </a:effectRef>
+          <a:fontRef idx="minor">
+            <a:schemeClr val="tx1"/>
+          </a:fontRef>
+        </p:style>
+      </p:cxnSp>
+      <p:sp>
+        <p:nvSpPr>
+          <p:cNvPr id="45" name="TextBox 28">
+            <a:extLst>
+              <a:ext uri="{FF2B5EF4-FFF2-40B4-BE49-F238E27FC236}">
+                <a16:creationId xmlns:a16="http://schemas.microsoft.com/office/drawing/2014/main" id="{1EC3B737-6267-CA58-7D90-353D9140DD9D}"/>
+              </a:ext>
+            </a:extLst>
+          </p:cNvPr>
+          <p:cNvSpPr txBox="1"/>
+          <p:nvPr/>
+        </p:nvSpPr>
+        <p:spPr>
+          <a:xfrm>
+            <a:off x="4834798" y="3026346"/>
+            <a:ext cx="772584" cy="276999"/>
+          </a:xfrm>
+          <a:prstGeom prst="rect">
+            <a:avLst/>
+          </a:prstGeom>
+          <a:noFill/>
+        </p:spPr>
+        <p:txBody>
+          <a:bodyPr wrap="none" rtlCol="0">
+            <a:spAutoFit/>
+          </a:bodyPr>
+          <a:lstStyle/>
+          <a:p>
+            <a:r>
+              <a:rPr lang="en-US" sz="1200"/>
+              <a:t>SSB_start</a:t>
             </a:r>
             <a:endParaRPr lang="en-GB" sz="1200" dirty="0"/>
           </a:p>

--- a/doc/overview.pptx
+++ b/doc/overview.pptx
@@ -4160,13 +4160,16 @@
         </p:nvCxnSpPr>
         <p:spPr>
           <a:xfrm>
-            <a:off x="5450448" y="2394369"/>
+            <a:off x="5450448" y="2622580"/>
             <a:ext cx="800775" cy="0"/>
           </a:xfrm>
           <a:prstGeom prst="straightConnector1">
             <a:avLst/>
           </a:prstGeom>
           <a:ln w="19050">
+            <a:solidFill>
+              <a:srgbClr val="00B050"/>
+            </a:solidFill>
             <a:tailEnd type="triangle"/>
           </a:ln>
         </p:spPr>
@@ -4199,7 +4202,7 @@
         </p:nvSpPr>
         <p:spPr>
           <a:xfrm>
-            <a:off x="5415170" y="2124783"/>
+            <a:off x="5401684" y="2366225"/>
             <a:ext cx="871329" cy="276999"/>
           </a:xfrm>
           <a:prstGeom prst="rect">
@@ -4278,7 +4281,7 @@
         </p:nvCxnSpPr>
         <p:spPr>
           <a:xfrm>
-            <a:off x="2638834" y="2398623"/>
+            <a:off x="2369660" y="2405858"/>
             <a:ext cx="0" cy="1752408"/>
           </a:xfrm>
           <a:prstGeom prst="line">
@@ -4325,6 +4328,9 @@
             <a:avLst/>
           </a:prstGeom>
           <a:ln w="19050">
+            <a:solidFill>
+              <a:srgbClr val="00B050"/>
+            </a:solidFill>
             <a:tailEnd type="triangle"/>
           </a:ln>
         </p:spPr>
@@ -4570,14 +4576,15 @@
           </p:cNvPr>
           <p:cNvCxnSpPr>
             <a:cxnSpLocks/>
+            <a:stCxn id="22" idx="3"/>
             <a:endCxn id="35" idx="1"/>
           </p:cNvCxnSpPr>
           <p:nvPr/>
         </p:nvCxnSpPr>
         <p:spPr>
-          <a:xfrm>
-            <a:off x="3916311" y="4146778"/>
-            <a:ext cx="495786" cy="0"/>
+          <a:xfrm flipV="1">
+            <a:off x="3352711" y="4146778"/>
+            <a:ext cx="1059386" cy="620"/>
           </a:xfrm>
           <a:prstGeom prst="straightConnector1">
             <a:avLst/>
@@ -4624,6 +4631,9 @@
             <a:avLst/>
           </a:prstGeom>
           <a:ln w="19050">
+            <a:solidFill>
+              <a:srgbClr val="00B050"/>
+            </a:solidFill>
             <a:tailEnd type="triangle"/>
           </a:ln>
         </p:spPr>
@@ -4816,13 +4826,16 @@
         </p:nvCxnSpPr>
         <p:spPr>
           <a:xfrm>
-            <a:off x="5450448" y="2835735"/>
+            <a:off x="5450448" y="2203509"/>
             <a:ext cx="800775" cy="0"/>
           </a:xfrm>
           <a:prstGeom prst="straightConnector1">
             <a:avLst/>
           </a:prstGeom>
           <a:ln w="19050">
+            <a:solidFill>
+              <a:srgbClr val="FF0000"/>
+            </a:solidFill>
             <a:tailEnd type="triangle"/>
           </a:ln>
         </p:spPr>
@@ -4855,7 +4868,7 @@
         </p:nvSpPr>
         <p:spPr>
           <a:xfrm>
-            <a:off x="5411599" y="2578629"/>
+            <a:off x="5402952" y="1954749"/>
             <a:ext cx="832536" cy="276999"/>
           </a:xfrm>
           <a:prstGeom prst="rect">
@@ -4900,6 +4913,9 @@
             <a:avLst/>
           </a:prstGeom>
           <a:ln w="19050">
+            <a:solidFill>
+              <a:srgbClr val="FF0000"/>
+            </a:solidFill>
             <a:tailEnd type="triangle"/>
           </a:ln>
         </p:spPr>
@@ -4941,7 +4957,11 @@
           <a:prstGeom prst="line">
             <a:avLst/>
           </a:prstGeom>
-          <a:ln w="19050"/>
+          <a:ln w="19050">
+            <a:solidFill>
+              <a:srgbClr val="FF0000"/>
+            </a:solidFill>
+          </a:ln>
         </p:spPr>
         <p:style>
           <a:lnRef idx="1">
@@ -4980,7 +5000,11 @@
           <a:prstGeom prst="line">
             <a:avLst/>
           </a:prstGeom>
-          <a:ln w="19050"/>
+          <a:ln w="19050">
+            <a:solidFill>
+              <a:srgbClr val="FF0000"/>
+            </a:solidFill>
+          </a:ln>
         </p:spPr>
         <p:style>
           <a:lnRef idx="1">
@@ -5166,7 +5190,7 @@
         </p:nvSpPr>
         <p:spPr>
           <a:xfrm>
-            <a:off x="7072046" y="5620802"/>
+            <a:off x="7085728" y="5869898"/>
             <a:ext cx="702436" cy="276999"/>
           </a:xfrm>
           <a:prstGeom prst="rect">
@@ -5387,7 +5411,11 @@
           <a:prstGeom prst="line">
             <a:avLst/>
           </a:prstGeom>
-          <a:ln w="19050"/>
+          <a:ln w="19050">
+            <a:solidFill>
+              <a:srgbClr val="FF0000"/>
+            </a:solidFill>
+          </a:ln>
         </p:spPr>
         <p:style>
           <a:lnRef idx="1">
@@ -5540,6 +5568,9 @@
             <a:avLst/>
           </a:prstGeom>
           <a:ln w="19050">
+            <a:solidFill>
+              <a:srgbClr val="FF0000"/>
+            </a:solidFill>
             <a:tailEnd type="triangle"/>
           </a:ln>
         </p:spPr>
@@ -5581,6 +5612,9 @@
             <a:avLst/>
           </a:prstGeom>
           <a:ln w="19050">
+            <a:solidFill>
+              <a:srgbClr val="FF0000"/>
+            </a:solidFill>
             <a:tailEnd type="triangle"/>
           </a:ln>
         </p:spPr>
@@ -5685,7 +5719,7 @@
         </p:nvSpPr>
         <p:spPr>
           <a:xfrm>
-            <a:off x="3126241" y="3541618"/>
+            <a:off x="2560231" y="3544329"/>
             <a:ext cx="792480" cy="1206137"/>
           </a:xfrm>
           <a:prstGeom prst="rect">
@@ -5730,9 +5764,520 @@
                   </a:outerShdw>
                 </a:effectLst>
               </a:rPr>
-              <a:t>CP</a:t>
-            </a:r>
-          </a:p>
+              <a:t>Frame sync + CP align</a:t>
+            </a:r>
+            <a:endParaRPr lang="en-US" dirty="0">
+              <a:ln w="0"/>
+              <a:solidFill>
+                <a:schemeClr val="tx1"/>
+              </a:solidFill>
+              <a:effectLst>
+                <a:outerShdw blurRad="38100" dist="19050" dir="2700000" algn="tl" rotWithShape="0">
+                  <a:schemeClr val="dk1">
+                    <a:alpha val="40000"/>
+                  </a:schemeClr>
+                </a:outerShdw>
+              </a:effectLst>
+            </a:endParaRPr>
+          </a:p>
+        </p:txBody>
+      </p:sp>
+      <p:cxnSp>
+        <p:nvCxnSpPr>
+          <p:cNvPr id="26" name="Straight Arrow Connector 35">
+            <a:extLst>
+              <a:ext uri="{FF2B5EF4-FFF2-40B4-BE49-F238E27FC236}">
+                <a16:creationId xmlns:a16="http://schemas.microsoft.com/office/drawing/2014/main" id="{189A6982-3C49-7224-5C3A-CF611E003CBE}"/>
+              </a:ext>
+            </a:extLst>
+          </p:cNvPr>
+          <p:cNvCxnSpPr>
+            <a:cxnSpLocks/>
+          </p:cNvCxnSpPr>
+          <p:nvPr/>
+        </p:nvCxnSpPr>
+        <p:spPr>
+          <a:xfrm>
+            <a:off x="2375241" y="4150377"/>
+            <a:ext cx="189829" cy="0"/>
+          </a:xfrm>
+          <a:prstGeom prst="straightConnector1">
+            <a:avLst/>
+          </a:prstGeom>
+          <a:ln w="19050">
+            <a:tailEnd type="triangle"/>
+          </a:ln>
+        </p:spPr>
+        <p:style>
+          <a:lnRef idx="1">
+            <a:schemeClr val="accent1"/>
+          </a:lnRef>
+          <a:fillRef idx="0">
+            <a:schemeClr val="accent1"/>
+          </a:fillRef>
+          <a:effectRef idx="0">
+            <a:schemeClr val="accent1"/>
+          </a:effectRef>
+          <a:fontRef idx="minor">
+            <a:schemeClr val="tx1"/>
+          </a:fontRef>
+        </p:style>
+      </p:cxnSp>
+      <p:cxnSp>
+        <p:nvCxnSpPr>
+          <p:cNvPr id="28" name="Straight Arrow Connector 26">
+            <a:extLst>
+              <a:ext uri="{FF2B5EF4-FFF2-40B4-BE49-F238E27FC236}">
+                <a16:creationId xmlns:a16="http://schemas.microsoft.com/office/drawing/2014/main" id="{61B51DAB-4945-0584-6321-6C5D72696B8B}"/>
+              </a:ext>
+            </a:extLst>
+          </p:cNvPr>
+          <p:cNvCxnSpPr>
+            <a:cxnSpLocks/>
+          </p:cNvCxnSpPr>
+          <p:nvPr/>
+        </p:nvCxnSpPr>
+        <p:spPr>
+          <a:xfrm>
+            <a:off x="2977760" y="3278886"/>
+            <a:ext cx="0" cy="268882"/>
+          </a:xfrm>
+          <a:prstGeom prst="straightConnector1">
+            <a:avLst/>
+          </a:prstGeom>
+          <a:ln w="19050">
+            <a:solidFill>
+              <a:srgbClr val="FFC000"/>
+            </a:solidFill>
+            <a:tailEnd type="triangle"/>
+          </a:ln>
+        </p:spPr>
+        <p:style>
+          <a:lnRef idx="1">
+            <a:schemeClr val="accent1"/>
+          </a:lnRef>
+          <a:fillRef idx="0">
+            <a:schemeClr val="accent1"/>
+          </a:fillRef>
+          <a:effectRef idx="0">
+            <a:schemeClr val="accent1"/>
+          </a:effectRef>
+          <a:fontRef idx="minor">
+            <a:schemeClr val="tx1"/>
+          </a:fontRef>
+        </p:style>
+      </p:cxnSp>
+      <p:cxnSp>
+        <p:nvCxnSpPr>
+          <p:cNvPr id="33" name="Straight Connector 23">
+            <a:extLst>
+              <a:ext uri="{FF2B5EF4-FFF2-40B4-BE49-F238E27FC236}">
+                <a16:creationId xmlns:a16="http://schemas.microsoft.com/office/drawing/2014/main" id="{6C0E854B-4896-03BA-EF1C-5A4AA011309E}"/>
+              </a:ext>
+            </a:extLst>
+          </p:cNvPr>
+          <p:cNvCxnSpPr>
+            <a:cxnSpLocks/>
+          </p:cNvCxnSpPr>
+          <p:nvPr/>
+        </p:nvCxnSpPr>
+        <p:spPr>
+          <a:xfrm>
+            <a:off x="2977760" y="3274827"/>
+            <a:ext cx="3472953" cy="0"/>
+          </a:xfrm>
+          <a:prstGeom prst="line">
+            <a:avLst/>
+          </a:prstGeom>
+          <a:ln w="19050">
+            <a:solidFill>
+              <a:srgbClr val="FFC000"/>
+            </a:solidFill>
+          </a:ln>
+        </p:spPr>
+        <p:style>
+          <a:lnRef idx="1">
+            <a:schemeClr val="accent1"/>
+          </a:lnRef>
+          <a:fillRef idx="0">
+            <a:schemeClr val="accent1"/>
+          </a:fillRef>
+          <a:effectRef idx="0">
+            <a:schemeClr val="accent1"/>
+          </a:effectRef>
+          <a:fontRef idx="minor">
+            <a:schemeClr val="tx1"/>
+          </a:fontRef>
+        </p:style>
+      </p:cxnSp>
+      <p:cxnSp>
+        <p:nvCxnSpPr>
+          <p:cNvPr id="37" name="Straight Connector 23">
+            <a:extLst>
+              <a:ext uri="{FF2B5EF4-FFF2-40B4-BE49-F238E27FC236}">
+                <a16:creationId xmlns:a16="http://schemas.microsoft.com/office/drawing/2014/main" id="{DEFF1940-DE09-401A-545A-DB0D880F05BB}"/>
+              </a:ext>
+            </a:extLst>
+          </p:cNvPr>
+          <p:cNvCxnSpPr>
+            <a:cxnSpLocks/>
+          </p:cNvCxnSpPr>
+          <p:nvPr/>
+        </p:nvCxnSpPr>
+        <p:spPr>
+          <a:xfrm flipV="1">
+            <a:off x="6450713" y="2998035"/>
+            <a:ext cx="0" cy="276792"/>
+          </a:xfrm>
+          <a:prstGeom prst="line">
+            <a:avLst/>
+          </a:prstGeom>
+          <a:ln w="19050">
+            <a:solidFill>
+              <a:srgbClr val="FFC000"/>
+            </a:solidFill>
+          </a:ln>
+        </p:spPr>
+        <p:style>
+          <a:lnRef idx="1">
+            <a:schemeClr val="accent1"/>
+          </a:lnRef>
+          <a:fillRef idx="0">
+            <a:schemeClr val="accent1"/>
+          </a:fillRef>
+          <a:effectRef idx="0">
+            <a:schemeClr val="accent1"/>
+          </a:effectRef>
+          <a:fontRef idx="minor">
+            <a:schemeClr val="tx1"/>
+          </a:fontRef>
+        </p:style>
+      </p:cxnSp>
+      <p:sp>
+        <p:nvSpPr>
+          <p:cNvPr id="45" name="TextBox 28">
+            <a:extLst>
+              <a:ext uri="{FF2B5EF4-FFF2-40B4-BE49-F238E27FC236}">
+                <a16:creationId xmlns:a16="http://schemas.microsoft.com/office/drawing/2014/main" id="{1EC3B737-6267-CA58-7D90-353D9140DD9D}"/>
+              </a:ext>
+            </a:extLst>
+          </p:cNvPr>
+          <p:cNvSpPr txBox="1"/>
+          <p:nvPr/>
+        </p:nvSpPr>
+        <p:spPr>
+          <a:xfrm>
+            <a:off x="4834798" y="3026346"/>
+            <a:ext cx="772584" cy="276999"/>
+          </a:xfrm>
+          <a:prstGeom prst="rect">
+            <a:avLst/>
+          </a:prstGeom>
+          <a:noFill/>
+        </p:spPr>
+        <p:txBody>
+          <a:bodyPr wrap="none" rtlCol="0">
+            <a:spAutoFit/>
+          </a:bodyPr>
+          <a:lstStyle/>
+          <a:p>
+            <a:r>
+              <a:rPr lang="en-US" sz="1200"/>
+              <a:t>SSB_start</a:t>
+            </a:r>
+            <a:endParaRPr lang="en-GB" sz="1200" dirty="0"/>
+          </a:p>
+        </p:txBody>
+      </p:sp>
+      <p:cxnSp>
+        <p:nvCxnSpPr>
+          <p:cNvPr id="16" name="Straight Arrow Connector 20">
+            <a:extLst>
+              <a:ext uri="{FF2B5EF4-FFF2-40B4-BE49-F238E27FC236}">
+                <a16:creationId xmlns:a16="http://schemas.microsoft.com/office/drawing/2014/main" id="{250F26E1-B29C-706A-9F7C-1D4B1473F0E4}"/>
+              </a:ext>
+            </a:extLst>
+          </p:cNvPr>
+          <p:cNvCxnSpPr>
+            <a:cxnSpLocks/>
+          </p:cNvCxnSpPr>
+          <p:nvPr/>
+        </p:nvCxnSpPr>
+        <p:spPr>
+          <a:xfrm>
+            <a:off x="5281014" y="3741037"/>
+            <a:ext cx="963065" cy="0"/>
+          </a:xfrm>
+          <a:prstGeom prst="straightConnector1">
+            <a:avLst/>
+          </a:prstGeom>
+          <a:ln w="19050">
+            <a:solidFill>
+              <a:srgbClr val="FFC000"/>
+            </a:solidFill>
+            <a:tailEnd type="triangle"/>
+          </a:ln>
+        </p:spPr>
+        <p:style>
+          <a:lnRef idx="1">
+            <a:schemeClr val="accent1"/>
+          </a:lnRef>
+          <a:fillRef idx="0">
+            <a:schemeClr val="accent1"/>
+          </a:fillRef>
+          <a:effectRef idx="0">
+            <a:schemeClr val="accent1"/>
+          </a:effectRef>
+          <a:fontRef idx="minor">
+            <a:schemeClr val="tx1"/>
+          </a:fontRef>
+        </p:style>
+      </p:cxnSp>
+      <p:sp>
+        <p:nvSpPr>
+          <p:cNvPr id="25" name="TextBox 61">
+            <a:extLst>
+              <a:ext uri="{FF2B5EF4-FFF2-40B4-BE49-F238E27FC236}">
+                <a16:creationId xmlns:a16="http://schemas.microsoft.com/office/drawing/2014/main" id="{6FFF3123-B018-FAC5-2E24-603CED33FF4C}"/>
+              </a:ext>
+            </a:extLst>
+          </p:cNvPr>
+          <p:cNvSpPr txBox="1"/>
+          <p:nvPr/>
+        </p:nvSpPr>
+        <p:spPr>
+          <a:xfrm>
+            <a:off x="5353273" y="3474063"/>
+            <a:ext cx="759760" cy="276999"/>
+          </a:xfrm>
+          <a:prstGeom prst="rect">
+            <a:avLst/>
+          </a:prstGeom>
+          <a:noFill/>
+        </p:spPr>
+        <p:txBody>
+          <a:bodyPr wrap="none" rtlCol="0">
+            <a:spAutoFit/>
+          </a:bodyPr>
+          <a:lstStyle/>
+          <a:p>
+            <a:r>
+              <a:rPr lang="en-US" sz="1200"/>
+              <a:t>SSS_start</a:t>
+            </a:r>
+            <a:endParaRPr lang="en-GB" sz="1200" dirty="0"/>
+          </a:p>
+        </p:txBody>
+      </p:sp>
+      <p:cxnSp>
+        <p:nvCxnSpPr>
+          <p:cNvPr id="32" name="Straight Arrow Connector 20">
+            <a:extLst>
+              <a:ext uri="{FF2B5EF4-FFF2-40B4-BE49-F238E27FC236}">
+                <a16:creationId xmlns:a16="http://schemas.microsoft.com/office/drawing/2014/main" id="{82741F6C-C5F8-6820-928B-D82BA23FC46E}"/>
+              </a:ext>
+            </a:extLst>
+          </p:cNvPr>
+          <p:cNvCxnSpPr>
+            <a:cxnSpLocks/>
+          </p:cNvCxnSpPr>
+          <p:nvPr/>
+        </p:nvCxnSpPr>
+        <p:spPr>
+          <a:xfrm flipV="1">
+            <a:off x="5450448" y="6180711"/>
+            <a:ext cx="662585" cy="2694"/>
+          </a:xfrm>
+          <a:prstGeom prst="straightConnector1">
+            <a:avLst/>
+          </a:prstGeom>
+          <a:ln w="19050">
+            <a:solidFill>
+              <a:srgbClr val="FFC000"/>
+            </a:solidFill>
+            <a:tailEnd type="triangle"/>
+          </a:ln>
+        </p:spPr>
+        <p:style>
+          <a:lnRef idx="1">
+            <a:schemeClr val="accent1"/>
+          </a:lnRef>
+          <a:fillRef idx="0">
+            <a:schemeClr val="accent1"/>
+          </a:fillRef>
+          <a:effectRef idx="0">
+            <a:schemeClr val="accent1"/>
+          </a:effectRef>
+          <a:fontRef idx="minor">
+            <a:schemeClr val="tx1"/>
+          </a:fontRef>
+        </p:style>
+      </p:cxnSp>
+      <p:cxnSp>
+        <p:nvCxnSpPr>
+          <p:cNvPr id="34" name="Straight Connector 42">
+            <a:extLst>
+              <a:ext uri="{FF2B5EF4-FFF2-40B4-BE49-F238E27FC236}">
+                <a16:creationId xmlns:a16="http://schemas.microsoft.com/office/drawing/2014/main" id="{23E23C20-0A06-E520-0F96-1AFA62177D0E}"/>
+              </a:ext>
+            </a:extLst>
+          </p:cNvPr>
+          <p:cNvCxnSpPr>
+            <a:cxnSpLocks/>
+          </p:cNvCxnSpPr>
+          <p:nvPr/>
+        </p:nvCxnSpPr>
+        <p:spPr>
+          <a:xfrm>
+            <a:off x="5450448" y="4430997"/>
+            <a:ext cx="0" cy="1752408"/>
+          </a:xfrm>
+          <a:prstGeom prst="line">
+            <a:avLst/>
+          </a:prstGeom>
+          <a:ln w="19050">
+            <a:solidFill>
+              <a:srgbClr val="FFC000"/>
+            </a:solidFill>
+          </a:ln>
+        </p:spPr>
+        <p:style>
+          <a:lnRef idx="1">
+            <a:schemeClr val="accent1"/>
+          </a:lnRef>
+          <a:fillRef idx="0">
+            <a:schemeClr val="accent1"/>
+          </a:fillRef>
+          <a:effectRef idx="0">
+            <a:schemeClr val="accent1"/>
+          </a:effectRef>
+          <a:fontRef idx="minor">
+            <a:schemeClr val="tx1"/>
+          </a:fontRef>
+        </p:style>
+      </p:cxnSp>
+      <p:cxnSp>
+        <p:nvCxnSpPr>
+          <p:cNvPr id="42" name="Straight Connector 42">
+            <a:extLst>
+              <a:ext uri="{FF2B5EF4-FFF2-40B4-BE49-F238E27FC236}">
+                <a16:creationId xmlns:a16="http://schemas.microsoft.com/office/drawing/2014/main" id="{382C3FE4-F70E-3185-11AA-B6C158E370AA}"/>
+              </a:ext>
+            </a:extLst>
+          </p:cNvPr>
+          <p:cNvCxnSpPr>
+            <a:cxnSpLocks/>
+          </p:cNvCxnSpPr>
+          <p:nvPr/>
+        </p:nvCxnSpPr>
+        <p:spPr>
+          <a:xfrm>
+            <a:off x="5281014" y="4430997"/>
+            <a:ext cx="169434" cy="0"/>
+          </a:xfrm>
+          <a:prstGeom prst="line">
+            <a:avLst/>
+          </a:prstGeom>
+          <a:ln w="19050">
+            <a:solidFill>
+              <a:srgbClr val="FFC000"/>
+            </a:solidFill>
+          </a:ln>
+        </p:spPr>
+        <p:style>
+          <a:lnRef idx="1">
+            <a:schemeClr val="accent1"/>
+          </a:lnRef>
+          <a:fillRef idx="0">
+            <a:schemeClr val="accent1"/>
+          </a:fillRef>
+          <a:effectRef idx="0">
+            <a:schemeClr val="accent1"/>
+          </a:effectRef>
+          <a:fontRef idx="minor">
+            <a:schemeClr val="tx1"/>
+          </a:fontRef>
+        </p:style>
+      </p:cxnSp>
+      <p:sp>
+        <p:nvSpPr>
+          <p:cNvPr id="52" name="TextBox 61">
+            <a:extLst>
+              <a:ext uri="{FF2B5EF4-FFF2-40B4-BE49-F238E27FC236}">
+                <a16:creationId xmlns:a16="http://schemas.microsoft.com/office/drawing/2014/main" id="{65043CCA-5B92-F806-DBE2-9C4022635DE0}"/>
+              </a:ext>
+            </a:extLst>
+          </p:cNvPr>
+          <p:cNvSpPr txBox="1"/>
+          <p:nvPr/>
+        </p:nvSpPr>
+        <p:spPr>
+          <a:xfrm>
+            <a:off x="5234949" y="6146897"/>
+            <a:ext cx="889603" cy="276999"/>
+          </a:xfrm>
+          <a:prstGeom prst="rect">
+            <a:avLst/>
+          </a:prstGeom>
+          <a:noFill/>
+        </p:spPr>
+        <p:txBody>
+          <a:bodyPr wrap="none" rtlCol="0">
+            <a:spAutoFit/>
+          </a:bodyPr>
+          <a:lstStyle/>
+          <a:p>
+            <a:r>
+              <a:rPr lang="en-US" sz="1200"/>
+              <a:t>PBCH_start</a:t>
+            </a:r>
+            <a:endParaRPr lang="en-GB" sz="1200" dirty="0"/>
+          </a:p>
+        </p:txBody>
+      </p:sp>
+      <p:sp>
+        <p:nvSpPr>
+          <p:cNvPr id="53" name="Rectangle 9">
+            <a:extLst>
+              <a:ext uri="{FF2B5EF4-FFF2-40B4-BE49-F238E27FC236}">
+                <a16:creationId xmlns:a16="http://schemas.microsoft.com/office/drawing/2014/main" id="{F856C74E-874F-E798-D81E-859B9D682506}"/>
+              </a:ext>
+            </a:extLst>
+          </p:cNvPr>
+          <p:cNvSpPr/>
+          <p:nvPr/>
+        </p:nvSpPr>
+        <p:spPr>
+          <a:xfrm>
+            <a:off x="7835383" y="3877432"/>
+            <a:ext cx="846237" cy="1206137"/>
+          </a:xfrm>
+          <a:prstGeom prst="rect">
+            <a:avLst/>
+          </a:prstGeom>
+          <a:solidFill>
+            <a:schemeClr val="bg1"/>
+          </a:solidFill>
+        </p:spPr>
+        <p:style>
+          <a:lnRef idx="2">
+            <a:schemeClr val="accent1">
+              <a:shade val="50000"/>
+            </a:schemeClr>
+          </a:lnRef>
+          <a:fillRef idx="1">
+            <a:schemeClr val="accent1"/>
+          </a:fillRef>
+          <a:effectRef idx="0">
+            <a:schemeClr val="accent1"/>
+          </a:effectRef>
+          <a:fontRef idx="minor">
+            <a:schemeClr val="lt1"/>
+          </a:fontRef>
+        </p:style>
+        <p:txBody>
+          <a:bodyPr rtlCol="0" anchor="ctr"/>
+          <a:lstStyle/>
           <a:p>
             <a:pPr algn="ctr"/>
             <a:r>
@@ -5749,9 +6294,25 @@
                   </a:outerShdw>
                 </a:effectLst>
               </a:rPr>
-              <a:t>align</a:t>
-            </a:r>
-            <a:endParaRPr lang="en-US" dirty="0">
+              <a:t>QAM soft </a:t>
+            </a:r>
+            <a:r>
+              <a:rPr lang="en-US" dirty="0" err="1">
+                <a:ln w="0"/>
+                <a:solidFill>
+                  <a:schemeClr val="tx1"/>
+                </a:solidFill>
+                <a:effectLst>
+                  <a:outerShdw blurRad="38100" dist="19050" dir="2700000" algn="tl" rotWithShape="0">
+                    <a:schemeClr val="dk1">
+                      <a:alpha val="40000"/>
+                    </a:schemeClr>
+                  </a:outerShdw>
+                </a:effectLst>
+              </a:rPr>
+              <a:t>demap</a:t>
+            </a:r>
+            <a:endParaRPr lang="en-GB" dirty="0">
               <a:ln w="0"/>
               <a:solidFill>
                 <a:schemeClr val="tx1"/>
@@ -5767,12 +6328,105 @@
           </a:p>
         </p:txBody>
       </p:sp>
+      <p:sp>
+        <p:nvSpPr>
+          <p:cNvPr id="55" name="Rectangle 59">
+            <a:extLst>
+              <a:ext uri="{FF2B5EF4-FFF2-40B4-BE49-F238E27FC236}">
+                <a16:creationId xmlns:a16="http://schemas.microsoft.com/office/drawing/2014/main" id="{74A93E4B-2629-FCB5-FD49-EF05F9E672C3}"/>
+              </a:ext>
+            </a:extLst>
+          </p:cNvPr>
+          <p:cNvSpPr/>
+          <p:nvPr/>
+        </p:nvSpPr>
+        <p:spPr>
+          <a:xfrm>
+            <a:off x="9426307" y="3877431"/>
+            <a:ext cx="792480" cy="1206137"/>
+          </a:xfrm>
+          <a:prstGeom prst="rect">
+            <a:avLst/>
+          </a:prstGeom>
+          <a:solidFill>
+            <a:schemeClr val="bg1"/>
+          </a:solidFill>
+        </p:spPr>
+        <p:style>
+          <a:lnRef idx="2">
+            <a:schemeClr val="accent1">
+              <a:shade val="50000"/>
+            </a:schemeClr>
+          </a:lnRef>
+          <a:fillRef idx="1">
+            <a:schemeClr val="accent1"/>
+          </a:fillRef>
+          <a:effectRef idx="0">
+            <a:schemeClr val="accent1"/>
+          </a:effectRef>
+          <a:fontRef idx="minor">
+            <a:schemeClr val="lt1"/>
+          </a:fontRef>
+        </p:style>
+        <p:txBody>
+          <a:bodyPr rtlCol="0" anchor="ctr"/>
+          <a:lstStyle/>
+          <a:p>
+            <a:pPr algn="ctr"/>
+            <a:r>
+              <a:rPr lang="en-US">
+                <a:ln w="0"/>
+                <a:solidFill>
+                  <a:schemeClr val="tx1"/>
+                </a:solidFill>
+                <a:effectLst>
+                  <a:outerShdw blurRad="38100" dist="19050" dir="2700000" algn="tl" rotWithShape="0">
+                    <a:schemeClr val="dk1">
+                      <a:alpha val="40000"/>
+                    </a:schemeClr>
+                  </a:outerShdw>
+                </a:effectLst>
+              </a:rPr>
+              <a:t>LDPC </a:t>
+            </a:r>
+            <a:r>
+              <a:rPr lang="en-US" dirty="0">
+                <a:ln w="0"/>
+                <a:solidFill>
+                  <a:schemeClr val="tx1"/>
+                </a:solidFill>
+                <a:effectLst>
+                  <a:outerShdw blurRad="38100" dist="19050" dir="2700000" algn="tl" rotWithShape="0">
+                    <a:schemeClr val="dk1">
+                      <a:alpha val="40000"/>
+                    </a:schemeClr>
+                  </a:outerShdw>
+                </a:effectLst>
+              </a:rPr>
+              <a:t>decoder</a:t>
+            </a:r>
+            <a:endParaRPr lang="en-GB" dirty="0">
+              <a:ln w="0"/>
+              <a:solidFill>
+                <a:schemeClr val="tx1"/>
+              </a:solidFill>
+              <a:effectLst>
+                <a:outerShdw blurRad="38100" dist="19050" dir="2700000" algn="tl" rotWithShape="0">
+                  <a:schemeClr val="dk1">
+                    <a:alpha val="40000"/>
+                  </a:schemeClr>
+                </a:outerShdw>
+              </a:effectLst>
+            </a:endParaRPr>
+          </a:p>
+        </p:txBody>
+      </p:sp>
       <p:cxnSp>
         <p:nvCxnSpPr>
-          <p:cNvPr id="26" name="Straight Arrow Connector 35">
-            <a:extLst>
-              <a:ext uri="{FF2B5EF4-FFF2-40B4-BE49-F238E27FC236}">
-                <a16:creationId xmlns:a16="http://schemas.microsoft.com/office/drawing/2014/main" id="{189A6982-3C49-7224-5C3A-CF611E003CBE}"/>
+          <p:cNvPr id="56" name="Straight Arrow Connector 60">
+            <a:extLst>
+              <a:ext uri="{FF2B5EF4-FFF2-40B4-BE49-F238E27FC236}">
+                <a16:creationId xmlns:a16="http://schemas.microsoft.com/office/drawing/2014/main" id="{83F5FB04-C463-A27B-1328-71382F60A4A8}"/>
               </a:ext>
             </a:extLst>
           </p:cNvPr>
@@ -5782,9 +6436,9 @@
           <p:nvPr/>
         </p:nvCxnSpPr>
         <p:spPr>
-          <a:xfrm>
-            <a:off x="2630454" y="4144686"/>
-            <a:ext cx="495787" cy="0"/>
+          <a:xfrm flipV="1">
+            <a:off x="8681620" y="4480499"/>
+            <a:ext cx="744687" cy="1"/>
           </a:xfrm>
           <a:prstGeom prst="straightConnector1">
             <a:avLst/>
@@ -5810,10 +6464,10 @@
       </p:cxnSp>
       <p:cxnSp>
         <p:nvCxnSpPr>
-          <p:cNvPr id="28" name="Straight Arrow Connector 26">
-            <a:extLst>
-              <a:ext uri="{FF2B5EF4-FFF2-40B4-BE49-F238E27FC236}">
-                <a16:creationId xmlns:a16="http://schemas.microsoft.com/office/drawing/2014/main" id="{61B51DAB-4945-0584-6321-6C5D72696B8B}"/>
+          <p:cNvPr id="57" name="Straight Arrow Connector 43">
+            <a:extLst>
+              <a:ext uri="{FF2B5EF4-FFF2-40B4-BE49-F238E27FC236}">
+                <a16:creationId xmlns:a16="http://schemas.microsoft.com/office/drawing/2014/main" id="{4424599C-D249-F678-5A36-9EAC99125876}"/>
               </a:ext>
             </a:extLst>
           </p:cNvPr>
@@ -5824,8 +6478,8 @@
         </p:nvCxnSpPr>
         <p:spPr>
           <a:xfrm>
-            <a:off x="3518556" y="3274827"/>
-            <a:ext cx="0" cy="268882"/>
+            <a:off x="7513122" y="4480499"/>
+            <a:ext cx="331356" cy="0"/>
           </a:xfrm>
           <a:prstGeom prst="straightConnector1">
             <a:avLst/>
@@ -5851,10 +6505,10 @@
       </p:cxnSp>
       <p:cxnSp>
         <p:nvCxnSpPr>
-          <p:cNvPr id="33" name="Straight Connector 23">
-            <a:extLst>
-              <a:ext uri="{FF2B5EF4-FFF2-40B4-BE49-F238E27FC236}">
-                <a16:creationId xmlns:a16="http://schemas.microsoft.com/office/drawing/2014/main" id="{6C0E854B-4896-03BA-EF1C-5A4AA011309E}"/>
+          <p:cNvPr id="59" name="Straight Connector 42">
+            <a:extLst>
+              <a:ext uri="{FF2B5EF4-FFF2-40B4-BE49-F238E27FC236}">
+                <a16:creationId xmlns:a16="http://schemas.microsoft.com/office/drawing/2014/main" id="{A0B06B54-35B2-DC52-B0F6-9031CA007D04}"/>
               </a:ext>
             </a:extLst>
           </p:cNvPr>
@@ -5865,8 +6519,8 @@
         </p:nvCxnSpPr>
         <p:spPr>
           <a:xfrm>
-            <a:off x="3518556" y="3274827"/>
-            <a:ext cx="2932157" cy="0"/>
+            <a:off x="7513122" y="4480499"/>
+            <a:ext cx="0" cy="1402883"/>
           </a:xfrm>
           <a:prstGeom prst="line">
             <a:avLst/>
@@ -5890,10 +6544,10 @@
       </p:cxnSp>
       <p:cxnSp>
         <p:nvCxnSpPr>
-          <p:cNvPr id="37" name="Straight Connector 23">
-            <a:extLst>
-              <a:ext uri="{FF2B5EF4-FFF2-40B4-BE49-F238E27FC236}">
-                <a16:creationId xmlns:a16="http://schemas.microsoft.com/office/drawing/2014/main" id="{DEFF1940-DE09-401A-545A-DB0D880F05BB}"/>
+          <p:cNvPr id="66" name="Straight Arrow Connector 20">
+            <a:extLst>
+              <a:ext uri="{FF2B5EF4-FFF2-40B4-BE49-F238E27FC236}">
+                <a16:creationId xmlns:a16="http://schemas.microsoft.com/office/drawing/2014/main" id="{12AC6158-F34A-7A89-BAB2-60553B8D58D7}"/>
               </a:ext>
             </a:extLst>
           </p:cNvPr>
@@ -5903,14 +6557,19 @@
           <p:nvPr/>
         </p:nvCxnSpPr>
         <p:spPr>
-          <a:xfrm flipV="1">
-            <a:off x="6450713" y="2998035"/>
-            <a:ext cx="0" cy="276792"/>
-          </a:xfrm>
-          <a:prstGeom prst="line">
-            <a:avLst/>
-          </a:prstGeom>
-          <a:ln w="19050"/>
+          <a:xfrm>
+            <a:off x="3348527" y="3630685"/>
+            <a:ext cx="1063570" cy="0"/>
+          </a:xfrm>
+          <a:prstGeom prst="straightConnector1">
+            <a:avLst/>
+          </a:prstGeom>
+          <a:ln w="19050">
+            <a:solidFill>
+              <a:srgbClr val="FFC000"/>
+            </a:solidFill>
+            <a:tailEnd type="triangle"/>
+          </a:ln>
         </p:spPr>
         <p:style>
           <a:lnRef idx="1">
@@ -5929,10 +6588,10 @@
       </p:cxnSp>
       <p:sp>
         <p:nvSpPr>
-          <p:cNvPr id="45" name="TextBox 28">
-            <a:extLst>
-              <a:ext uri="{FF2B5EF4-FFF2-40B4-BE49-F238E27FC236}">
-                <a16:creationId xmlns:a16="http://schemas.microsoft.com/office/drawing/2014/main" id="{1EC3B737-6267-CA58-7D90-353D9140DD9D}"/>
+          <p:cNvPr id="74" name="TextBox 61">
+            <a:extLst>
+              <a:ext uri="{FF2B5EF4-FFF2-40B4-BE49-F238E27FC236}">
+                <a16:creationId xmlns:a16="http://schemas.microsoft.com/office/drawing/2014/main" id="{C572DA17-0EC2-93C3-A060-53467914FD5B}"/>
               </a:ext>
             </a:extLst>
           </p:cNvPr>
@@ -5941,8 +6600,8 @@
         </p:nvSpPr>
         <p:spPr>
           <a:xfrm>
-            <a:off x="4834798" y="3026346"/>
-            <a:ext cx="772584" cy="276999"/>
+            <a:off x="3404008" y="3410152"/>
+            <a:ext cx="942566" cy="276999"/>
           </a:xfrm>
           <a:prstGeom prst="rect">
             <a:avLst/>
@@ -5957,7 +6616,493 @@
           <a:p>
             <a:r>
               <a:rPr lang="en-US" sz="1200"/>
-              <a:t>SSB_start</a:t>
+              <a:t>Frame_start</a:t>
+            </a:r>
+            <a:endParaRPr lang="en-GB" sz="1200" dirty="0"/>
+          </a:p>
+        </p:txBody>
+      </p:sp>
+      <p:cxnSp>
+        <p:nvCxnSpPr>
+          <p:cNvPr id="83" name="Straight Arrow Connector 20">
+            <a:extLst>
+              <a:ext uri="{FF2B5EF4-FFF2-40B4-BE49-F238E27FC236}">
+                <a16:creationId xmlns:a16="http://schemas.microsoft.com/office/drawing/2014/main" id="{E65F006B-5FC3-30D3-D3A6-B4042AD90393}"/>
+              </a:ext>
+            </a:extLst>
+          </p:cNvPr>
+          <p:cNvCxnSpPr>
+            <a:cxnSpLocks/>
+          </p:cNvCxnSpPr>
+          <p:nvPr/>
+        </p:nvCxnSpPr>
+        <p:spPr>
+          <a:xfrm>
+            <a:off x="3350619" y="3858586"/>
+            <a:ext cx="1063570" cy="0"/>
+          </a:xfrm>
+          <a:prstGeom prst="straightConnector1">
+            <a:avLst/>
+          </a:prstGeom>
+          <a:ln w="19050">
+            <a:solidFill>
+              <a:srgbClr val="FFC000"/>
+            </a:solidFill>
+            <a:tailEnd type="triangle"/>
+          </a:ln>
+        </p:spPr>
+        <p:style>
+          <a:lnRef idx="1">
+            <a:schemeClr val="accent1"/>
+          </a:lnRef>
+          <a:fillRef idx="0">
+            <a:schemeClr val="accent1"/>
+          </a:fillRef>
+          <a:effectRef idx="0">
+            <a:schemeClr val="accent1"/>
+          </a:effectRef>
+          <a:fontRef idx="minor">
+            <a:schemeClr val="tx1"/>
+          </a:fontRef>
+        </p:style>
+      </p:cxnSp>
+      <p:sp>
+        <p:nvSpPr>
+          <p:cNvPr id="84" name="TextBox 61">
+            <a:extLst>
+              <a:ext uri="{FF2B5EF4-FFF2-40B4-BE49-F238E27FC236}">
+                <a16:creationId xmlns:a16="http://schemas.microsoft.com/office/drawing/2014/main" id="{ACB56E0E-99ED-FA00-5472-978A2E0CF607}"/>
+              </a:ext>
+            </a:extLst>
+          </p:cNvPr>
+          <p:cNvSpPr txBox="1"/>
+          <p:nvPr/>
+        </p:nvSpPr>
+        <p:spPr>
+          <a:xfrm>
+            <a:off x="3418234" y="3629432"/>
+            <a:ext cx="759760" cy="276999"/>
+          </a:xfrm>
+          <a:prstGeom prst="rect">
+            <a:avLst/>
+          </a:prstGeom>
+          <a:noFill/>
+        </p:spPr>
+        <p:txBody>
+          <a:bodyPr wrap="none" rtlCol="0">
+            <a:spAutoFit/>
+          </a:bodyPr>
+          <a:lstStyle/>
+          <a:p>
+            <a:r>
+              <a:rPr lang="en-US" sz="1200"/>
+              <a:t>SSS_start</a:t>
+            </a:r>
+            <a:endParaRPr lang="en-GB" sz="1200" dirty="0"/>
+          </a:p>
+        </p:txBody>
+      </p:sp>
+      <p:cxnSp>
+        <p:nvCxnSpPr>
+          <p:cNvPr id="85" name="Straight Arrow Connector 20">
+            <a:extLst>
+              <a:ext uri="{FF2B5EF4-FFF2-40B4-BE49-F238E27FC236}">
+                <a16:creationId xmlns:a16="http://schemas.microsoft.com/office/drawing/2014/main" id="{BD8504AA-60A3-FEB7-41BC-AE4C2228B570}"/>
+              </a:ext>
+            </a:extLst>
+          </p:cNvPr>
+          <p:cNvCxnSpPr>
+            <a:cxnSpLocks/>
+          </p:cNvCxnSpPr>
+          <p:nvPr/>
+        </p:nvCxnSpPr>
+        <p:spPr>
+          <a:xfrm>
+            <a:off x="3367605" y="4430997"/>
+            <a:ext cx="1063570" cy="0"/>
+          </a:xfrm>
+          <a:prstGeom prst="straightConnector1">
+            <a:avLst/>
+          </a:prstGeom>
+          <a:ln w="19050">
+            <a:solidFill>
+              <a:srgbClr val="FFC000"/>
+            </a:solidFill>
+            <a:tailEnd type="triangle"/>
+          </a:ln>
+        </p:spPr>
+        <p:style>
+          <a:lnRef idx="1">
+            <a:schemeClr val="accent1"/>
+          </a:lnRef>
+          <a:fillRef idx="0">
+            <a:schemeClr val="accent1"/>
+          </a:fillRef>
+          <a:effectRef idx="0">
+            <a:schemeClr val="accent1"/>
+          </a:effectRef>
+          <a:fontRef idx="minor">
+            <a:schemeClr val="tx1"/>
+          </a:fontRef>
+        </p:style>
+      </p:cxnSp>
+      <p:sp>
+        <p:nvSpPr>
+          <p:cNvPr id="87" name="TextBox 61">
+            <a:extLst>
+              <a:ext uri="{FF2B5EF4-FFF2-40B4-BE49-F238E27FC236}">
+                <a16:creationId xmlns:a16="http://schemas.microsoft.com/office/drawing/2014/main" id="{52AB0CA3-22F0-0C31-0598-C01C13E08111}"/>
+              </a:ext>
+            </a:extLst>
+          </p:cNvPr>
+          <p:cNvSpPr txBox="1"/>
+          <p:nvPr/>
+        </p:nvSpPr>
+        <p:spPr>
+          <a:xfrm>
+            <a:off x="3434766" y="4178845"/>
+            <a:ext cx="889603" cy="276999"/>
+          </a:xfrm>
+          <a:prstGeom prst="rect">
+            <a:avLst/>
+          </a:prstGeom>
+          <a:noFill/>
+        </p:spPr>
+        <p:txBody>
+          <a:bodyPr wrap="none" rtlCol="0">
+            <a:spAutoFit/>
+          </a:bodyPr>
+          <a:lstStyle/>
+          <a:p>
+            <a:r>
+              <a:rPr lang="en-US" sz="1200"/>
+              <a:t>PBCH_start</a:t>
+            </a:r>
+            <a:endParaRPr lang="en-GB" sz="1200" dirty="0"/>
+          </a:p>
+        </p:txBody>
+      </p:sp>
+      <p:cxnSp>
+        <p:nvCxnSpPr>
+          <p:cNvPr id="88" name="Straight Arrow Connector 20">
+            <a:extLst>
+              <a:ext uri="{FF2B5EF4-FFF2-40B4-BE49-F238E27FC236}">
+                <a16:creationId xmlns:a16="http://schemas.microsoft.com/office/drawing/2014/main" id="{DEFFBBAB-1F6A-8B76-FF2B-165E6E16F707}"/>
+              </a:ext>
+            </a:extLst>
+          </p:cNvPr>
+          <p:cNvCxnSpPr>
+            <a:cxnSpLocks/>
+          </p:cNvCxnSpPr>
+          <p:nvPr/>
+        </p:nvCxnSpPr>
+        <p:spPr>
+          <a:xfrm>
+            <a:off x="7042432" y="6210316"/>
+            <a:ext cx="792951" cy="0"/>
+          </a:xfrm>
+          <a:prstGeom prst="straightConnector1">
+            <a:avLst/>
+          </a:prstGeom>
+          <a:ln w="19050">
+            <a:solidFill>
+              <a:srgbClr val="FFC000"/>
+            </a:solidFill>
+            <a:tailEnd type="triangle"/>
+          </a:ln>
+        </p:spPr>
+        <p:style>
+          <a:lnRef idx="1">
+            <a:schemeClr val="accent1"/>
+          </a:lnRef>
+          <a:fillRef idx="0">
+            <a:schemeClr val="accent1"/>
+          </a:fillRef>
+          <a:effectRef idx="0">
+            <a:schemeClr val="accent1"/>
+          </a:effectRef>
+          <a:fontRef idx="minor">
+            <a:schemeClr val="tx1"/>
+          </a:fontRef>
+        </p:style>
+      </p:cxnSp>
+      <p:sp>
+        <p:nvSpPr>
+          <p:cNvPr id="90" name="TextBox 61">
+            <a:extLst>
+              <a:ext uri="{FF2B5EF4-FFF2-40B4-BE49-F238E27FC236}">
+                <a16:creationId xmlns:a16="http://schemas.microsoft.com/office/drawing/2014/main" id="{462094A6-98B1-2424-2AF1-B58C60EB7EF0}"/>
+              </a:ext>
+            </a:extLst>
+          </p:cNvPr>
+          <p:cNvSpPr txBox="1"/>
+          <p:nvPr/>
+        </p:nvSpPr>
+        <p:spPr>
+          <a:xfrm>
+            <a:off x="6999288" y="6161316"/>
+            <a:ext cx="889603" cy="276999"/>
+          </a:xfrm>
+          <a:prstGeom prst="rect">
+            <a:avLst/>
+          </a:prstGeom>
+          <a:noFill/>
+        </p:spPr>
+        <p:txBody>
+          <a:bodyPr wrap="none" rtlCol="0">
+            <a:spAutoFit/>
+          </a:bodyPr>
+          <a:lstStyle/>
+          <a:p>
+            <a:r>
+              <a:rPr lang="en-US" sz="1200"/>
+              <a:t>PBCH_start</a:t>
+            </a:r>
+            <a:endParaRPr lang="en-GB" sz="1200" dirty="0"/>
+          </a:p>
+        </p:txBody>
+      </p:sp>
+      <p:cxnSp>
+        <p:nvCxnSpPr>
+          <p:cNvPr id="91" name="Straight Arrow Connector 20">
+            <a:extLst>
+              <a:ext uri="{FF2B5EF4-FFF2-40B4-BE49-F238E27FC236}">
+                <a16:creationId xmlns:a16="http://schemas.microsoft.com/office/drawing/2014/main" id="{32CB675D-6DAB-0789-3FED-DFE543BB2F9C}"/>
+              </a:ext>
+            </a:extLst>
+          </p:cNvPr>
+          <p:cNvCxnSpPr>
+            <a:cxnSpLocks/>
+          </p:cNvCxnSpPr>
+          <p:nvPr/>
+        </p:nvCxnSpPr>
+        <p:spPr>
+          <a:xfrm flipV="1">
+            <a:off x="7212255" y="4170450"/>
+            <a:ext cx="632223" cy="8395"/>
+          </a:xfrm>
+          <a:prstGeom prst="straightConnector1">
+            <a:avLst/>
+          </a:prstGeom>
+          <a:ln w="19050">
+            <a:solidFill>
+              <a:srgbClr val="FFC000"/>
+            </a:solidFill>
+            <a:tailEnd type="triangle"/>
+          </a:ln>
+        </p:spPr>
+        <p:style>
+          <a:lnRef idx="1">
+            <a:schemeClr val="accent1"/>
+          </a:lnRef>
+          <a:fillRef idx="0">
+            <a:schemeClr val="accent1"/>
+          </a:fillRef>
+          <a:effectRef idx="0">
+            <a:schemeClr val="accent1"/>
+          </a:effectRef>
+          <a:fontRef idx="minor">
+            <a:schemeClr val="tx1"/>
+          </a:fontRef>
+        </p:style>
+      </p:cxnSp>
+      <p:cxnSp>
+        <p:nvCxnSpPr>
+          <p:cNvPr id="93" name="Straight Connector 42">
+            <a:extLst>
+              <a:ext uri="{FF2B5EF4-FFF2-40B4-BE49-F238E27FC236}">
+                <a16:creationId xmlns:a16="http://schemas.microsoft.com/office/drawing/2014/main" id="{39802CD1-8AC0-C184-A049-09FEB48FD1D4}"/>
+              </a:ext>
+            </a:extLst>
+          </p:cNvPr>
+          <p:cNvCxnSpPr>
+            <a:cxnSpLocks/>
+          </p:cNvCxnSpPr>
+          <p:nvPr/>
+        </p:nvCxnSpPr>
+        <p:spPr>
+          <a:xfrm>
+            <a:off x="7229251" y="4170450"/>
+            <a:ext cx="0" cy="1454495"/>
+          </a:xfrm>
+          <a:prstGeom prst="line">
+            <a:avLst/>
+          </a:prstGeom>
+          <a:ln w="19050">
+            <a:solidFill>
+              <a:srgbClr val="FFC000"/>
+            </a:solidFill>
+          </a:ln>
+        </p:spPr>
+        <p:style>
+          <a:lnRef idx="1">
+            <a:schemeClr val="accent1"/>
+          </a:lnRef>
+          <a:fillRef idx="0">
+            <a:schemeClr val="accent1"/>
+          </a:fillRef>
+          <a:effectRef idx="0">
+            <a:schemeClr val="accent1"/>
+          </a:effectRef>
+          <a:fontRef idx="minor">
+            <a:schemeClr val="tx1"/>
+          </a:fontRef>
+        </p:style>
+      </p:cxnSp>
+      <p:cxnSp>
+        <p:nvCxnSpPr>
+          <p:cNvPr id="95" name="Straight Connector 42">
+            <a:extLst>
+              <a:ext uri="{FF2B5EF4-FFF2-40B4-BE49-F238E27FC236}">
+                <a16:creationId xmlns:a16="http://schemas.microsoft.com/office/drawing/2014/main" id="{E440E6D1-A6C8-F35C-4B67-1C286DEF8E49}"/>
+              </a:ext>
+            </a:extLst>
+          </p:cNvPr>
+          <p:cNvCxnSpPr>
+            <a:cxnSpLocks/>
+          </p:cNvCxnSpPr>
+          <p:nvPr/>
+        </p:nvCxnSpPr>
+        <p:spPr>
+          <a:xfrm>
+            <a:off x="7050847" y="5624945"/>
+            <a:ext cx="178404" cy="0"/>
+          </a:xfrm>
+          <a:prstGeom prst="line">
+            <a:avLst/>
+          </a:prstGeom>
+          <a:ln w="19050">
+            <a:solidFill>
+              <a:srgbClr val="FFC000"/>
+            </a:solidFill>
+          </a:ln>
+        </p:spPr>
+        <p:style>
+          <a:lnRef idx="1">
+            <a:schemeClr val="accent1"/>
+          </a:lnRef>
+          <a:fillRef idx="0">
+            <a:schemeClr val="accent1"/>
+          </a:fillRef>
+          <a:effectRef idx="0">
+            <a:schemeClr val="accent1"/>
+          </a:effectRef>
+          <a:fontRef idx="minor">
+            <a:schemeClr val="tx1"/>
+          </a:fontRef>
+        </p:style>
+      </p:cxnSp>
+      <p:sp>
+        <p:nvSpPr>
+          <p:cNvPr id="97" name="TextBox 61">
+            <a:extLst>
+              <a:ext uri="{FF2B5EF4-FFF2-40B4-BE49-F238E27FC236}">
+                <a16:creationId xmlns:a16="http://schemas.microsoft.com/office/drawing/2014/main" id="{3656D070-8840-897C-A0E8-8DA9B256D7B3}"/>
+              </a:ext>
+            </a:extLst>
+          </p:cNvPr>
+          <p:cNvSpPr txBox="1"/>
+          <p:nvPr/>
+        </p:nvSpPr>
+        <p:spPr>
+          <a:xfrm>
+            <a:off x="7050847" y="3923669"/>
+            <a:ext cx="838243" cy="276999"/>
+          </a:xfrm>
+          <a:prstGeom prst="rect">
+            <a:avLst/>
+          </a:prstGeom>
+          <a:noFill/>
+        </p:spPr>
+        <p:txBody>
+          <a:bodyPr wrap="none" rtlCol="0">
+            <a:spAutoFit/>
+          </a:bodyPr>
+          <a:lstStyle/>
+          <a:p>
+            <a:r>
+              <a:rPr lang="en-US" sz="1200"/>
+              <a:t>Data_start</a:t>
+            </a:r>
+            <a:endParaRPr lang="en-GB" sz="1200" dirty="0"/>
+          </a:p>
+        </p:txBody>
+      </p:sp>
+      <p:sp>
+        <p:nvSpPr>
+          <p:cNvPr id="23" name="TextBox 62">
+            <a:extLst>
+              <a:ext uri="{FF2B5EF4-FFF2-40B4-BE49-F238E27FC236}">
+                <a16:creationId xmlns:a16="http://schemas.microsoft.com/office/drawing/2014/main" id="{7A20FA97-E2B3-7715-3ACA-5B3A5D42EA96}"/>
+              </a:ext>
+            </a:extLst>
+          </p:cNvPr>
+          <p:cNvSpPr txBox="1"/>
+          <p:nvPr/>
+        </p:nvSpPr>
+        <p:spPr>
+          <a:xfrm>
+            <a:off x="8702745" y="5869897"/>
+            <a:ext cx="712054" cy="276999"/>
+          </a:xfrm>
+          <a:prstGeom prst="rect">
+            <a:avLst/>
+          </a:prstGeom>
+          <a:noFill/>
+        </p:spPr>
+        <p:txBody>
+          <a:bodyPr wrap="none" rtlCol="0">
+            <a:spAutoFit/>
+          </a:bodyPr>
+          <a:lstStyle/>
+          <a:p>
+            <a:r>
+              <a:rPr lang="en-US" sz="1200" dirty="0"/>
+              <a:t>8 </a:t>
+            </a:r>
+            <a:r>
+              <a:rPr lang="en-US" sz="1200"/>
+              <a:t>bit LLR</a:t>
+            </a:r>
+            <a:endParaRPr lang="en-GB" sz="1200" dirty="0"/>
+          </a:p>
+        </p:txBody>
+      </p:sp>
+      <p:sp>
+        <p:nvSpPr>
+          <p:cNvPr id="38" name="TextBox 62">
+            <a:extLst>
+              <a:ext uri="{FF2B5EF4-FFF2-40B4-BE49-F238E27FC236}">
+                <a16:creationId xmlns:a16="http://schemas.microsoft.com/office/drawing/2014/main" id="{A7DCB205-80D9-4111-6C36-9DE13F752147}"/>
+              </a:ext>
+            </a:extLst>
+          </p:cNvPr>
+          <p:cNvSpPr txBox="1"/>
+          <p:nvPr/>
+        </p:nvSpPr>
+        <p:spPr>
+          <a:xfrm>
+            <a:off x="8702745" y="4455844"/>
+            <a:ext cx="712054" cy="276999"/>
+          </a:xfrm>
+          <a:prstGeom prst="rect">
+            <a:avLst/>
+          </a:prstGeom>
+          <a:noFill/>
+        </p:spPr>
+        <p:txBody>
+          <a:bodyPr wrap="none" rtlCol="0">
+            <a:spAutoFit/>
+          </a:bodyPr>
+          <a:lstStyle/>
+          <a:p>
+            <a:r>
+              <a:rPr lang="en-US" sz="1200" dirty="0"/>
+              <a:t>8 </a:t>
+            </a:r>
+            <a:r>
+              <a:rPr lang="en-US" sz="1200"/>
+              <a:t>bit LLR</a:t>
             </a:r>
             <a:endParaRPr lang="en-GB" sz="1200" dirty="0"/>
           </a:p>

--- a/doc/overview.pptx
+++ b/doc/overview.pptx
@@ -261,7 +261,7 @@
           <a:p>
             <a:fld id="{0647E4D3-4269-40FF-ADD2-F433546F1734}" type="datetimeFigureOut">
               <a:rPr lang="en-GB" smtClean="0"/>
-              <a:t>12/02/2023</a:t>
+              <a:t>15/02/2023</a:t>
             </a:fld>
             <a:endParaRPr lang="en-GB"/>
           </a:p>
@@ -315,7 +315,7 @@
           <a:p>
             <a:fld id="{1991B810-A44B-42D8-B2B0-10522A071A3E}" type="slidenum">
               <a:rPr lang="en-GB" smtClean="0"/>
-              <a:t>‹Nr.›</a:t>
+              <a:t>‹#›</a:t>
             </a:fld>
             <a:endParaRPr lang="en-GB"/>
           </a:p>
@@ -461,7 +461,7 @@
           <a:p>
             <a:fld id="{0647E4D3-4269-40FF-ADD2-F433546F1734}" type="datetimeFigureOut">
               <a:rPr lang="en-GB" smtClean="0"/>
-              <a:t>12/02/2023</a:t>
+              <a:t>15/02/2023</a:t>
             </a:fld>
             <a:endParaRPr lang="en-GB"/>
           </a:p>
@@ -515,7 +515,7 @@
           <a:p>
             <a:fld id="{1991B810-A44B-42D8-B2B0-10522A071A3E}" type="slidenum">
               <a:rPr lang="en-GB" smtClean="0"/>
-              <a:t>‹Nr.›</a:t>
+              <a:t>‹#›</a:t>
             </a:fld>
             <a:endParaRPr lang="en-GB"/>
           </a:p>
@@ -671,7 +671,7 @@
           <a:p>
             <a:fld id="{0647E4D3-4269-40FF-ADD2-F433546F1734}" type="datetimeFigureOut">
               <a:rPr lang="en-GB" smtClean="0"/>
-              <a:t>12/02/2023</a:t>
+              <a:t>15/02/2023</a:t>
             </a:fld>
             <a:endParaRPr lang="en-GB"/>
           </a:p>
@@ -725,7 +725,7 @@
           <a:p>
             <a:fld id="{1991B810-A44B-42D8-B2B0-10522A071A3E}" type="slidenum">
               <a:rPr lang="en-GB" smtClean="0"/>
-              <a:t>‹Nr.›</a:t>
+              <a:t>‹#›</a:t>
             </a:fld>
             <a:endParaRPr lang="en-GB"/>
           </a:p>
@@ -871,7 +871,7 @@
           <a:p>
             <a:fld id="{0647E4D3-4269-40FF-ADD2-F433546F1734}" type="datetimeFigureOut">
               <a:rPr lang="en-GB" smtClean="0"/>
-              <a:t>12/02/2023</a:t>
+              <a:t>15/02/2023</a:t>
             </a:fld>
             <a:endParaRPr lang="en-GB"/>
           </a:p>
@@ -925,7 +925,7 @@
           <a:p>
             <a:fld id="{1991B810-A44B-42D8-B2B0-10522A071A3E}" type="slidenum">
               <a:rPr lang="en-GB" smtClean="0"/>
-              <a:t>‹Nr.›</a:t>
+              <a:t>‹#›</a:t>
             </a:fld>
             <a:endParaRPr lang="en-GB"/>
           </a:p>
@@ -1147,7 +1147,7 @@
           <a:p>
             <a:fld id="{0647E4D3-4269-40FF-ADD2-F433546F1734}" type="datetimeFigureOut">
               <a:rPr lang="en-GB" smtClean="0"/>
-              <a:t>12/02/2023</a:t>
+              <a:t>15/02/2023</a:t>
             </a:fld>
             <a:endParaRPr lang="en-GB"/>
           </a:p>
@@ -1201,7 +1201,7 @@
           <a:p>
             <a:fld id="{1991B810-A44B-42D8-B2B0-10522A071A3E}" type="slidenum">
               <a:rPr lang="en-GB" smtClean="0"/>
-              <a:t>‹Nr.›</a:t>
+              <a:t>‹#›</a:t>
             </a:fld>
             <a:endParaRPr lang="en-GB"/>
           </a:p>
@@ -1415,7 +1415,7 @@
           <a:p>
             <a:fld id="{0647E4D3-4269-40FF-ADD2-F433546F1734}" type="datetimeFigureOut">
               <a:rPr lang="en-GB" smtClean="0"/>
-              <a:t>12/02/2023</a:t>
+              <a:t>15/02/2023</a:t>
             </a:fld>
             <a:endParaRPr lang="en-GB"/>
           </a:p>
@@ -1469,7 +1469,7 @@
           <a:p>
             <a:fld id="{1991B810-A44B-42D8-B2B0-10522A071A3E}" type="slidenum">
               <a:rPr lang="en-GB" smtClean="0"/>
-              <a:t>‹Nr.›</a:t>
+              <a:t>‹#›</a:t>
             </a:fld>
             <a:endParaRPr lang="en-GB"/>
           </a:p>
@@ -1830,7 +1830,7 @@
           <a:p>
             <a:fld id="{0647E4D3-4269-40FF-ADD2-F433546F1734}" type="datetimeFigureOut">
               <a:rPr lang="en-GB" smtClean="0"/>
-              <a:t>12/02/2023</a:t>
+              <a:t>15/02/2023</a:t>
             </a:fld>
             <a:endParaRPr lang="en-GB"/>
           </a:p>
@@ -1884,7 +1884,7 @@
           <a:p>
             <a:fld id="{1991B810-A44B-42D8-B2B0-10522A071A3E}" type="slidenum">
               <a:rPr lang="en-GB" smtClean="0"/>
-              <a:t>‹Nr.›</a:t>
+              <a:t>‹#›</a:t>
             </a:fld>
             <a:endParaRPr lang="en-GB"/>
           </a:p>
@@ -1972,7 +1972,7 @@
           <a:p>
             <a:fld id="{0647E4D3-4269-40FF-ADD2-F433546F1734}" type="datetimeFigureOut">
               <a:rPr lang="en-GB" smtClean="0"/>
-              <a:t>12/02/2023</a:t>
+              <a:t>15/02/2023</a:t>
             </a:fld>
             <a:endParaRPr lang="en-GB"/>
           </a:p>
@@ -2026,7 +2026,7 @@
           <a:p>
             <a:fld id="{1991B810-A44B-42D8-B2B0-10522A071A3E}" type="slidenum">
               <a:rPr lang="en-GB" smtClean="0"/>
-              <a:t>‹Nr.›</a:t>
+              <a:t>‹#›</a:t>
             </a:fld>
             <a:endParaRPr lang="en-GB"/>
           </a:p>
@@ -2085,7 +2085,7 @@
           <a:p>
             <a:fld id="{0647E4D3-4269-40FF-ADD2-F433546F1734}" type="datetimeFigureOut">
               <a:rPr lang="en-GB" smtClean="0"/>
-              <a:t>12/02/2023</a:t>
+              <a:t>15/02/2023</a:t>
             </a:fld>
             <a:endParaRPr lang="en-GB"/>
           </a:p>
@@ -2139,7 +2139,7 @@
           <a:p>
             <a:fld id="{1991B810-A44B-42D8-B2B0-10522A071A3E}" type="slidenum">
               <a:rPr lang="en-GB" smtClean="0"/>
-              <a:t>‹Nr.›</a:t>
+              <a:t>‹#›</a:t>
             </a:fld>
             <a:endParaRPr lang="en-GB"/>
           </a:p>
@@ -2398,7 +2398,7 @@
           <a:p>
             <a:fld id="{0647E4D3-4269-40FF-ADD2-F433546F1734}" type="datetimeFigureOut">
               <a:rPr lang="en-GB" smtClean="0"/>
-              <a:t>12/02/2023</a:t>
+              <a:t>15/02/2023</a:t>
             </a:fld>
             <a:endParaRPr lang="en-GB"/>
           </a:p>
@@ -2452,7 +2452,7 @@
           <a:p>
             <a:fld id="{1991B810-A44B-42D8-B2B0-10522A071A3E}" type="slidenum">
               <a:rPr lang="en-GB" smtClean="0"/>
-              <a:t>‹Nr.›</a:t>
+              <a:t>‹#›</a:t>
             </a:fld>
             <a:endParaRPr lang="en-GB"/>
           </a:p>
@@ -2687,7 +2687,7 @@
           <a:p>
             <a:fld id="{0647E4D3-4269-40FF-ADD2-F433546F1734}" type="datetimeFigureOut">
               <a:rPr lang="en-GB" smtClean="0"/>
-              <a:t>12/02/2023</a:t>
+              <a:t>15/02/2023</a:t>
             </a:fld>
             <a:endParaRPr lang="en-GB"/>
           </a:p>
@@ -2741,7 +2741,7 @@
           <a:p>
             <a:fld id="{1991B810-A44B-42D8-B2B0-10522A071A3E}" type="slidenum">
               <a:rPr lang="en-GB" smtClean="0"/>
-              <a:t>‹Nr.›</a:t>
+              <a:t>‹#›</a:t>
             </a:fld>
             <a:endParaRPr lang="en-GB"/>
           </a:p>
@@ -2930,7 +2930,7 @@
           <a:p>
             <a:fld id="{0647E4D3-4269-40FF-ADD2-F433546F1734}" type="datetimeFigureOut">
               <a:rPr lang="en-GB" smtClean="0"/>
-              <a:t>12/02/2023</a:t>
+              <a:t>15/02/2023</a:t>
             </a:fld>
             <a:endParaRPr lang="en-GB"/>
           </a:p>
@@ -3020,7 +3020,7 @@
           <a:p>
             <a:fld id="{1991B810-A44B-42D8-B2B0-10522A071A3E}" type="slidenum">
               <a:rPr lang="en-GB" smtClean="0"/>
-              <a:t>‹Nr.›</a:t>
+              <a:t>‹#›</a:t>
             </a:fld>
             <a:endParaRPr lang="en-GB"/>
           </a:p>
@@ -6228,7 +6228,7 @@
           <a:lstStyle/>
           <a:p>
             <a:r>
-              <a:rPr lang="en-US" sz="1200"/>
+              <a:rPr lang="en-US" sz="1200" dirty="0" err="1"/>
               <a:t>PBCH_start</a:t>
             </a:r>
             <a:endParaRPr lang="en-GB" sz="1200" dirty="0"/>
@@ -7108,6 +7108,262 @@
           </a:p>
         </p:txBody>
       </p:sp>
+      <p:cxnSp>
+        <p:nvCxnSpPr>
+          <p:cNvPr id="49" name="Straight Connector 23">
+            <a:extLst>
+              <a:ext uri="{FF2B5EF4-FFF2-40B4-BE49-F238E27FC236}">
+                <a16:creationId xmlns:a16="http://schemas.microsoft.com/office/drawing/2014/main" id="{0CAD3CCD-094D-28C7-9D7A-718ED6AEBB95}"/>
+              </a:ext>
+            </a:extLst>
+          </p:cNvPr>
+          <p:cNvCxnSpPr>
+            <a:cxnSpLocks/>
+          </p:cNvCxnSpPr>
+          <p:nvPr/>
+        </p:nvCxnSpPr>
+        <p:spPr>
+          <a:xfrm>
+            <a:off x="2977760" y="6680281"/>
+            <a:ext cx="3624921" cy="0"/>
+          </a:xfrm>
+          <a:prstGeom prst="line">
+            <a:avLst/>
+          </a:prstGeom>
+          <a:ln w="19050">
+            <a:solidFill>
+              <a:srgbClr val="FFC000"/>
+            </a:solidFill>
+          </a:ln>
+        </p:spPr>
+        <p:style>
+          <a:lnRef idx="1">
+            <a:schemeClr val="accent1"/>
+          </a:lnRef>
+          <a:fillRef idx="0">
+            <a:schemeClr val="accent1"/>
+          </a:fillRef>
+          <a:effectRef idx="0">
+            <a:schemeClr val="accent1"/>
+          </a:effectRef>
+          <a:fontRef idx="minor">
+            <a:schemeClr val="tx1"/>
+          </a:fontRef>
+        </p:style>
+      </p:cxnSp>
+      <p:cxnSp>
+        <p:nvCxnSpPr>
+          <p:cNvPr id="50" name="Straight Arrow Connector 26">
+            <a:extLst>
+              <a:ext uri="{FF2B5EF4-FFF2-40B4-BE49-F238E27FC236}">
+                <a16:creationId xmlns:a16="http://schemas.microsoft.com/office/drawing/2014/main" id="{E8AEC7AB-9448-7784-8FF2-2A590C8A43CF}"/>
+              </a:ext>
+            </a:extLst>
+          </p:cNvPr>
+          <p:cNvCxnSpPr>
+            <a:cxnSpLocks/>
+          </p:cNvCxnSpPr>
+          <p:nvPr/>
+        </p:nvCxnSpPr>
+        <p:spPr>
+          <a:xfrm flipV="1">
+            <a:off x="2984710" y="4749845"/>
+            <a:ext cx="0" cy="1939137"/>
+          </a:xfrm>
+          <a:prstGeom prst="straightConnector1">
+            <a:avLst/>
+          </a:prstGeom>
+          <a:ln w="19050">
+            <a:solidFill>
+              <a:srgbClr val="FFC000"/>
+            </a:solidFill>
+            <a:tailEnd type="triangle"/>
+          </a:ln>
+        </p:spPr>
+        <p:style>
+          <a:lnRef idx="1">
+            <a:schemeClr val="accent1"/>
+          </a:lnRef>
+          <a:fillRef idx="0">
+            <a:schemeClr val="accent1"/>
+          </a:fillRef>
+          <a:effectRef idx="0">
+            <a:schemeClr val="accent1"/>
+          </a:effectRef>
+          <a:fontRef idx="minor">
+            <a:schemeClr val="tx1"/>
+          </a:fontRef>
+        </p:style>
+      </p:cxnSp>
+      <p:cxnSp>
+        <p:nvCxnSpPr>
+          <p:cNvPr id="67" name="Straight Connector 23">
+            <a:extLst>
+              <a:ext uri="{FF2B5EF4-FFF2-40B4-BE49-F238E27FC236}">
+                <a16:creationId xmlns:a16="http://schemas.microsoft.com/office/drawing/2014/main" id="{E83905BA-9432-AE76-6B49-EF31316E0E8C}"/>
+              </a:ext>
+            </a:extLst>
+          </p:cNvPr>
+          <p:cNvCxnSpPr>
+            <a:cxnSpLocks/>
+          </p:cNvCxnSpPr>
+          <p:nvPr/>
+        </p:nvCxnSpPr>
+        <p:spPr>
+          <a:xfrm flipV="1">
+            <a:off x="6602681" y="6492751"/>
+            <a:ext cx="0" cy="196231"/>
+          </a:xfrm>
+          <a:prstGeom prst="line">
+            <a:avLst/>
+          </a:prstGeom>
+          <a:ln w="19050">
+            <a:solidFill>
+              <a:srgbClr val="FFC000"/>
+            </a:solidFill>
+          </a:ln>
+        </p:spPr>
+        <p:style>
+          <a:lnRef idx="1">
+            <a:schemeClr val="accent1"/>
+          </a:lnRef>
+          <a:fillRef idx="0">
+            <a:schemeClr val="accent1"/>
+          </a:fillRef>
+          <a:effectRef idx="0">
+            <a:schemeClr val="accent1"/>
+          </a:effectRef>
+          <a:fontRef idx="minor">
+            <a:schemeClr val="tx1"/>
+          </a:fontRef>
+        </p:style>
+      </p:cxnSp>
+      <mc:AlternateContent xmlns:mc="http://schemas.openxmlformats.org/markup-compatibility/2006">
+        <mc:Choice xmlns:a14="http://schemas.microsoft.com/office/drawing/2010/main" Requires="a14">
+          <p:sp>
+            <p:nvSpPr>
+              <p:cNvPr id="73" name="TextBox 61">
+                <a:extLst>
+                  <a:ext uri="{FF2B5EF4-FFF2-40B4-BE49-F238E27FC236}">
+                    <a16:creationId xmlns:a16="http://schemas.microsoft.com/office/drawing/2014/main" id="{67D22B7F-2D5E-DCAF-BD52-D06331F1AB7C}"/>
+                  </a:ext>
+                </a:extLst>
+              </p:cNvPr>
+              <p:cNvSpPr txBox="1"/>
+              <p:nvPr/>
+            </p:nvSpPr>
+            <p:spPr>
+              <a:xfrm>
+                <a:off x="4023984" y="6438315"/>
+                <a:ext cx="475066" cy="276999"/>
+              </a:xfrm>
+              <a:prstGeom prst="rect">
+                <a:avLst/>
+              </a:prstGeom>
+              <a:noFill/>
+            </p:spPr>
+            <p:txBody>
+              <a:bodyPr wrap="none" rtlCol="0">
+                <a:spAutoFit/>
+              </a:bodyPr>
+              <a:lstStyle/>
+              <a:p>
+                <a14:m>
+                  <m:oMathPara xmlns:m="http://schemas.openxmlformats.org/officeDocument/2006/math">
+                    <m:oMathParaPr>
+                      <m:jc m:val="centerGroup"/>
+                    </m:oMathParaPr>
+                    <m:oMath xmlns:m="http://schemas.openxmlformats.org/officeDocument/2006/math">
+                      <m:sSub>
+                        <m:sSubPr>
+                          <m:ctrlPr>
+                            <a:rPr lang="en-US" sz="1200" b="0" i="1" dirty="0" smtClean="0">
+                              <a:latin typeface="Cambria Math" panose="02040503050406030204" pitchFamily="18" charset="0"/>
+                            </a:rPr>
+                          </m:ctrlPr>
+                        </m:sSubPr>
+                        <m:e>
+                          <m:acc>
+                            <m:accPr>
+                              <m:chr m:val="̅"/>
+                              <m:ctrlPr>
+                                <a:rPr lang="en-US" sz="1200" i="1" dirty="0" smtClean="0">
+                                  <a:latin typeface="Cambria Math" panose="02040503050406030204" pitchFamily="18" charset="0"/>
+                                </a:rPr>
+                              </m:ctrlPr>
+                            </m:accPr>
+                            <m:e>
+                              <m:r>
+                                <a:rPr lang="en-US" sz="1200" b="0" i="1" dirty="0" smtClean="0">
+                                  <a:latin typeface="Cambria Math" panose="02040503050406030204" pitchFamily="18" charset="0"/>
+                                </a:rPr>
+                                <m:t>𝑖</m:t>
+                              </m:r>
+                            </m:e>
+                          </m:acc>
+                        </m:e>
+                        <m:sub>
+                          <m:r>
+                            <a:rPr lang="en-US" sz="1200" b="0" i="1" dirty="0" smtClean="0">
+                              <a:latin typeface="Cambria Math" panose="02040503050406030204" pitchFamily="18" charset="0"/>
+                            </a:rPr>
+                            <m:t>𝑆𝑆𝐵</m:t>
+                          </m:r>
+                        </m:sub>
+                      </m:sSub>
+                    </m:oMath>
+                  </m:oMathPara>
+                </a14:m>
+                <a:endParaRPr lang="en-GB" sz="1200" dirty="0"/>
+              </a:p>
+            </p:txBody>
+          </p:sp>
+        </mc:Choice>
+        <mc:Fallback>
+          <p:sp>
+            <p:nvSpPr>
+              <p:cNvPr id="73" name="TextBox 61">
+                <a:extLst>
+                  <a:ext uri="{FF2B5EF4-FFF2-40B4-BE49-F238E27FC236}">
+                    <a16:creationId xmlns:a16="http://schemas.microsoft.com/office/drawing/2014/main" id="{67D22B7F-2D5E-DCAF-BD52-D06331F1AB7C}"/>
+                  </a:ext>
+                </a:extLst>
+              </p:cNvPr>
+              <p:cNvSpPr txBox="1">
+                <a:spLocks noRot="1" noChangeAspect="1" noMove="1" noResize="1" noEditPoints="1" noAdjustHandles="1" noChangeArrowheads="1" noChangeShapeType="1" noTextEdit="1"/>
+              </p:cNvSpPr>
+              <p:nvPr/>
+            </p:nvSpPr>
+            <p:spPr>
+              <a:xfrm>
+                <a:off x="4023984" y="6438315"/>
+                <a:ext cx="475066" cy="276999"/>
+              </a:xfrm>
+              <a:prstGeom prst="rect">
+                <a:avLst/>
+              </a:prstGeom>
+              <a:blipFill>
+                <a:blip r:embed="rId2"/>
+                <a:stretch>
+                  <a:fillRect/>
+                </a:stretch>
+              </a:blipFill>
+            </p:spPr>
+            <p:txBody>
+              <a:bodyPr/>
+              <a:lstStyle/>
+              <a:p>
+                <a:r>
+                  <a:rPr lang="en-GB">
+                    <a:noFill/>
+                  </a:rPr>
+                  <a:t> </a:t>
+                </a:r>
+              </a:p>
+            </p:txBody>
+          </p:sp>
+        </mc:Fallback>
+      </mc:AlternateContent>
     </p:spTree>
     <p:extLst>
       <p:ext uri="{BB962C8B-B14F-4D97-AF65-F5344CB8AC3E}">

--- a/doc/overview.pptx
+++ b/doc/overview.pptx
@@ -315,7 +315,7 @@
           <a:p>
             <a:fld id="{1991B810-A44B-42D8-B2B0-10522A071A3E}" type="slidenum">
               <a:rPr lang="en-GB" smtClean="0"/>
-              <a:t>‹#›</a:t>
+              <a:t>‹Nr.›</a:t>
             </a:fld>
             <a:endParaRPr lang="en-GB"/>
           </a:p>
@@ -515,7 +515,7 @@
           <a:p>
             <a:fld id="{1991B810-A44B-42D8-B2B0-10522A071A3E}" type="slidenum">
               <a:rPr lang="en-GB" smtClean="0"/>
-              <a:t>‹#›</a:t>
+              <a:t>‹Nr.›</a:t>
             </a:fld>
             <a:endParaRPr lang="en-GB"/>
           </a:p>
@@ -725,7 +725,7 @@
           <a:p>
             <a:fld id="{1991B810-A44B-42D8-B2B0-10522A071A3E}" type="slidenum">
               <a:rPr lang="en-GB" smtClean="0"/>
-              <a:t>‹#›</a:t>
+              <a:t>‹Nr.›</a:t>
             </a:fld>
             <a:endParaRPr lang="en-GB"/>
           </a:p>
@@ -925,7 +925,7 @@
           <a:p>
             <a:fld id="{1991B810-A44B-42D8-B2B0-10522A071A3E}" type="slidenum">
               <a:rPr lang="en-GB" smtClean="0"/>
-              <a:t>‹#›</a:t>
+              <a:t>‹Nr.›</a:t>
             </a:fld>
             <a:endParaRPr lang="en-GB"/>
           </a:p>
@@ -1201,7 +1201,7 @@
           <a:p>
             <a:fld id="{1991B810-A44B-42D8-B2B0-10522A071A3E}" type="slidenum">
               <a:rPr lang="en-GB" smtClean="0"/>
-              <a:t>‹#›</a:t>
+              <a:t>‹Nr.›</a:t>
             </a:fld>
             <a:endParaRPr lang="en-GB"/>
           </a:p>
@@ -1469,7 +1469,7 @@
           <a:p>
             <a:fld id="{1991B810-A44B-42D8-B2B0-10522A071A3E}" type="slidenum">
               <a:rPr lang="en-GB" smtClean="0"/>
-              <a:t>‹#›</a:t>
+              <a:t>‹Nr.›</a:t>
             </a:fld>
             <a:endParaRPr lang="en-GB"/>
           </a:p>
@@ -1884,7 +1884,7 @@
           <a:p>
             <a:fld id="{1991B810-A44B-42D8-B2B0-10522A071A3E}" type="slidenum">
               <a:rPr lang="en-GB" smtClean="0"/>
-              <a:t>‹#›</a:t>
+              <a:t>‹Nr.›</a:t>
             </a:fld>
             <a:endParaRPr lang="en-GB"/>
           </a:p>
@@ -2026,7 +2026,7 @@
           <a:p>
             <a:fld id="{1991B810-A44B-42D8-B2B0-10522A071A3E}" type="slidenum">
               <a:rPr lang="en-GB" smtClean="0"/>
-              <a:t>‹#›</a:t>
+              <a:t>‹Nr.›</a:t>
             </a:fld>
             <a:endParaRPr lang="en-GB"/>
           </a:p>
@@ -2139,7 +2139,7 @@
           <a:p>
             <a:fld id="{1991B810-A44B-42D8-B2B0-10522A071A3E}" type="slidenum">
               <a:rPr lang="en-GB" smtClean="0"/>
-              <a:t>‹#›</a:t>
+              <a:t>‹Nr.›</a:t>
             </a:fld>
             <a:endParaRPr lang="en-GB"/>
           </a:p>
@@ -2452,7 +2452,7 @@
           <a:p>
             <a:fld id="{1991B810-A44B-42D8-B2B0-10522A071A3E}" type="slidenum">
               <a:rPr lang="en-GB" smtClean="0"/>
-              <a:t>‹#›</a:t>
+              <a:t>‹Nr.›</a:t>
             </a:fld>
             <a:endParaRPr lang="en-GB"/>
           </a:p>
@@ -2741,7 +2741,7 @@
           <a:p>
             <a:fld id="{1991B810-A44B-42D8-B2B0-10522A071A3E}" type="slidenum">
               <a:rPr lang="en-GB" smtClean="0"/>
-              <a:t>‹#›</a:t>
+              <a:t>‹Nr.›</a:t>
             </a:fld>
             <a:endParaRPr lang="en-GB"/>
           </a:p>
@@ -3020,7 +3020,7 @@
           <a:p>
             <a:fld id="{1991B810-A44B-42D8-B2B0-10522A071A3E}" type="slidenum">
               <a:rPr lang="en-GB" smtClean="0"/>
-              <a:t>‹#›</a:t>
+              <a:t>‹Nr.›</a:t>
             </a:fld>
             <a:endParaRPr lang="en-GB"/>
           </a:p>
@@ -3349,6 +3349,58 @@
       </p:grpSpPr>
       <p:sp>
         <p:nvSpPr>
+          <p:cNvPr id="58" name="Rechteck 57">
+            <a:extLst>
+              <a:ext uri="{FF2B5EF4-FFF2-40B4-BE49-F238E27FC236}">
+                <a16:creationId xmlns:a16="http://schemas.microsoft.com/office/drawing/2014/main" id="{594C6E9B-63D2-C2CF-9EE9-4B3F8856B5F1}"/>
+              </a:ext>
+            </a:extLst>
+          </p:cNvPr>
+          <p:cNvSpPr/>
+          <p:nvPr/>
+        </p:nvSpPr>
+        <p:spPr>
+          <a:xfrm>
+            <a:off x="9611854" y="3274828"/>
+            <a:ext cx="1527201" cy="3405452"/>
+          </a:xfrm>
+          <a:prstGeom prst="rect">
+            <a:avLst/>
+          </a:prstGeom>
+          <a:solidFill>
+            <a:schemeClr val="accent5">
+              <a:lumMod val="40000"/>
+              <a:lumOff val="60000"/>
+            </a:schemeClr>
+          </a:solidFill>
+        </p:spPr>
+        <p:style>
+          <a:lnRef idx="2">
+            <a:schemeClr val="accent1">
+              <a:shade val="50000"/>
+            </a:schemeClr>
+          </a:lnRef>
+          <a:fillRef idx="1">
+            <a:schemeClr val="accent1"/>
+          </a:fillRef>
+          <a:effectRef idx="0">
+            <a:schemeClr val="accent1"/>
+          </a:effectRef>
+          <a:fontRef idx="minor">
+            <a:schemeClr val="lt1"/>
+          </a:fontRef>
+        </p:style>
+        <p:txBody>
+          <a:bodyPr rtlCol="0" anchor="ctr"/>
+          <a:lstStyle/>
+          <a:p>
+            <a:pPr algn="ctr"/>
+            <a:endParaRPr lang="de-DE"/>
+          </a:p>
+        </p:txBody>
+      </p:sp>
+      <p:sp>
+        <p:nvSpPr>
           <p:cNvPr id="4" name="Rectangle 3">
             <a:extLst>
               <a:ext uri="{FF2B5EF4-FFF2-40B4-BE49-F238E27FC236}">
@@ -3738,8 +3790,8 @@
         </p:nvSpPr>
         <p:spPr>
           <a:xfrm>
-            <a:off x="6244079" y="3543709"/>
-            <a:ext cx="792480" cy="1206137"/>
+            <a:off x="6047596" y="3543709"/>
+            <a:ext cx="988963" cy="1206137"/>
           </a:xfrm>
           <a:prstGeom prst="rect">
             <a:avLst/>
@@ -3834,8 +3886,8 @@
         </p:nvSpPr>
         <p:spPr>
           <a:xfrm>
-            <a:off x="6096000" y="5286615"/>
-            <a:ext cx="947703" cy="1206137"/>
+            <a:off x="5892162" y="5286615"/>
+            <a:ext cx="1151541" cy="1206137"/>
           </a:xfrm>
           <a:prstGeom prst="rect">
             <a:avLst/>
@@ -4235,13 +4287,14 @@
           </p:cNvPr>
           <p:cNvCxnSpPr>
             <a:cxnSpLocks/>
+            <a:endCxn id="8" idx="1"/>
           </p:cNvCxnSpPr>
           <p:nvPr/>
         </p:nvCxnSpPr>
         <p:spPr>
           <a:xfrm>
             <a:off x="5197434" y="4146777"/>
-            <a:ext cx="1053789" cy="0"/>
+            <a:ext cx="850162" cy="1"/>
           </a:xfrm>
           <a:prstGeom prst="straightConnector1">
             <a:avLst/>
@@ -4315,14 +4368,13 @@
           </p:cNvPr>
           <p:cNvCxnSpPr>
             <a:cxnSpLocks/>
-            <a:endCxn id="8" idx="0"/>
           </p:cNvCxnSpPr>
           <p:nvPr/>
         </p:nvCxnSpPr>
         <p:spPr>
           <a:xfrm>
-            <a:off x="6640319" y="3005948"/>
-            <a:ext cx="0" cy="537761"/>
+            <a:off x="6665654" y="2998035"/>
+            <a:ext cx="0" cy="538865"/>
           </a:xfrm>
           <a:prstGeom prst="straightConnector1">
             <a:avLst/>
@@ -4363,7 +4415,7 @@
         </p:nvSpPr>
         <p:spPr>
           <a:xfrm>
-            <a:off x="6632102" y="3136328"/>
+            <a:off x="6610237" y="3140303"/>
             <a:ext cx="631904" cy="276999"/>
           </a:xfrm>
           <a:prstGeom prst="rect">
@@ -4706,7 +4758,7 @@
         <p:spPr>
           <a:xfrm>
             <a:off x="5692615" y="5889682"/>
-            <a:ext cx="403385" cy="2"/>
+            <a:ext cx="199547" cy="2"/>
           </a:xfrm>
           <a:prstGeom prst="straightConnector1">
             <a:avLst/>
@@ -5035,8 +5087,8 @@
         </p:nvSpPr>
         <p:spPr>
           <a:xfrm>
-            <a:off x="9426307" y="5307201"/>
-            <a:ext cx="792480" cy="1206137"/>
+            <a:off x="9842183" y="5280313"/>
+            <a:ext cx="1040295" cy="1206137"/>
           </a:xfrm>
           <a:prstGeom prst="rect">
             <a:avLst/>
@@ -5110,13 +5162,14 @@
           <p:cNvCxnSpPr>
             <a:cxnSpLocks/>
             <a:stCxn id="10" idx="3"/>
+            <a:endCxn id="60" idx="1"/>
           </p:cNvCxnSpPr>
           <p:nvPr/>
         </p:nvCxnSpPr>
         <p:spPr>
           <a:xfrm flipV="1">
-            <a:off x="8681620" y="5889682"/>
-            <a:ext cx="744687" cy="1"/>
+            <a:off x="8681620" y="5883382"/>
+            <a:ext cx="1160563" cy="6301"/>
           </a:xfrm>
           <a:prstGeom prst="straightConnector1">
             <a:avLst/>
@@ -5154,7 +5207,7 @@
         </p:nvSpPr>
         <p:spPr>
           <a:xfrm>
-            <a:off x="5341398" y="3867688"/>
+            <a:off x="5271297" y="3884309"/>
             <a:ext cx="702436" cy="276999"/>
           </a:xfrm>
           <a:prstGeom prst="rect">
@@ -6006,7 +6059,7 @@
         <p:spPr>
           <a:xfrm>
             <a:off x="5281014" y="3741037"/>
-            <a:ext cx="963065" cy="0"/>
+            <a:ext cx="766582" cy="0"/>
           </a:xfrm>
           <a:prstGeom prst="straightConnector1">
             <a:avLst/>
@@ -6047,7 +6100,7 @@
         </p:nvSpPr>
         <p:spPr>
           <a:xfrm>
-            <a:off x="5353273" y="3474063"/>
+            <a:off x="5279575" y="3485419"/>
             <a:ext cx="759760" cy="276999"/>
           </a:xfrm>
           <a:prstGeom prst="rect">
@@ -6084,9 +6137,9 @@
           <p:nvPr/>
         </p:nvCxnSpPr>
         <p:spPr>
-          <a:xfrm flipV="1">
-            <a:off x="5450448" y="6180711"/>
-            <a:ext cx="662585" cy="2694"/>
+          <a:xfrm>
+            <a:off x="5450448" y="6183405"/>
+            <a:ext cx="441714" cy="0"/>
           </a:xfrm>
           <a:prstGeom prst="straightConnector1">
             <a:avLst/>
@@ -6213,7 +6266,7 @@
         </p:nvSpPr>
         <p:spPr>
           <a:xfrm>
-            <a:off x="5234949" y="6146897"/>
+            <a:off x="5066482" y="6190300"/>
             <a:ext cx="889603" cy="276999"/>
           </a:xfrm>
           <a:prstGeom prst="rect">
@@ -6342,8 +6395,8 @@
         </p:nvSpPr>
         <p:spPr>
           <a:xfrm>
-            <a:off x="9426307" y="3877431"/>
-            <a:ext cx="792480" cy="1206137"/>
+            <a:off x="9843678" y="3877430"/>
+            <a:ext cx="1040296" cy="1206137"/>
           </a:xfrm>
           <a:prstGeom prst="rect">
             <a:avLst/>
@@ -6432,13 +6485,15 @@
           </p:cNvPr>
           <p:cNvCxnSpPr>
             <a:cxnSpLocks/>
+            <a:stCxn id="53" idx="3"/>
+            <a:endCxn id="55" idx="1"/>
           </p:cNvCxnSpPr>
           <p:nvPr/>
         </p:nvCxnSpPr>
         <p:spPr>
           <a:xfrm flipV="1">
             <a:off x="8681620" y="4480499"/>
-            <a:ext cx="744687" cy="1"/>
+            <a:ext cx="1162058" cy="2"/>
           </a:xfrm>
           <a:prstGeom prst="straightConnector1">
             <a:avLst/>
@@ -6719,7 +6774,7 @@
         <p:spPr>
           <a:xfrm>
             <a:off x="3367605" y="4430997"/>
-            <a:ext cx="1063570" cy="0"/>
+            <a:ext cx="1044492" cy="0"/>
           </a:xfrm>
           <a:prstGeom prst="straightConnector1">
             <a:avLst/>
@@ -6840,7 +6895,7 @@
         </p:nvSpPr>
         <p:spPr>
           <a:xfrm>
-            <a:off x="6999288" y="6161316"/>
+            <a:off x="6992144" y="6180711"/>
             <a:ext cx="889603" cy="276999"/>
           </a:xfrm>
           <a:prstGeom prst="rect">
@@ -7006,7 +7061,7 @@
         </p:nvSpPr>
         <p:spPr>
           <a:xfrm>
-            <a:off x="7050847" y="3923669"/>
+            <a:off x="7036559" y="3893450"/>
             <a:ext cx="838243" cy="276999"/>
           </a:xfrm>
           <a:prstGeom prst="rect">
@@ -7042,7 +7097,7 @@
         </p:nvSpPr>
         <p:spPr>
           <a:xfrm>
-            <a:off x="8702745" y="5869897"/>
+            <a:off x="8819716" y="5869897"/>
             <a:ext cx="712054" cy="276999"/>
           </a:xfrm>
           <a:prstGeom prst="rect">
@@ -7082,7 +7137,7 @@
         </p:nvSpPr>
         <p:spPr>
           <a:xfrm>
-            <a:off x="8702745" y="4455844"/>
+            <a:off x="8835816" y="4455844"/>
             <a:ext cx="712054" cy="276999"/>
           </a:xfrm>
           <a:prstGeom prst="rect">
@@ -7123,9 +7178,9 @@
           <p:nvPr/>
         </p:nvCxnSpPr>
         <p:spPr>
-          <a:xfrm>
-            <a:off x="2977760" y="6680281"/>
-            <a:ext cx="3624921" cy="0"/>
+          <a:xfrm flipV="1">
+            <a:off x="2977760" y="6680280"/>
+            <a:ext cx="3490172" cy="1"/>
           </a:xfrm>
           <a:prstGeom prst="line">
             <a:avLst/>
@@ -7211,7 +7266,7 @@
         </p:nvCxnSpPr>
         <p:spPr>
           <a:xfrm flipV="1">
-            <a:off x="6602681" y="6492751"/>
+            <a:off x="6471891" y="6492751"/>
             <a:ext cx="0" cy="196231"/>
           </a:xfrm>
           <a:prstGeom prst="line">
@@ -7238,8 +7293,8 @@
           </a:fontRef>
         </p:style>
       </p:cxnSp>
-      <mc:AlternateContent xmlns:mc="http://schemas.openxmlformats.org/markup-compatibility/2006">
-        <mc:Choice xmlns:a14="http://schemas.microsoft.com/office/drawing/2010/main" Requires="a14">
+      <mc:AlternateContent xmlns:mc="http://schemas.openxmlformats.org/markup-compatibility/2006" xmlns:a14="http://schemas.microsoft.com/office/drawing/2010/main">
+        <mc:Choice Requires="a14">
           <p:sp>
             <p:nvSpPr>
               <p:cNvPr id="73" name="TextBox 61">
@@ -7268,6 +7323,7 @@
               </a:bodyPr>
               <a:lstStyle/>
               <a:p>
+                <a:pPr/>
                 <a14:m>
                   <m:oMathPara xmlns:m="http://schemas.openxmlformats.org/officeDocument/2006/math">
                     <m:oMathParaPr>
@@ -7319,7 +7375,7 @@
             </p:txBody>
           </p:sp>
         </mc:Choice>
-        <mc:Fallback>
+        <mc:Fallback xmlns="">
           <p:sp>
             <p:nvSpPr>
               <p:cNvPr id="73" name="TextBox 61">
@@ -7364,6 +7420,202 @@
           </p:sp>
         </mc:Fallback>
       </mc:AlternateContent>
+      <p:sp>
+        <p:nvSpPr>
+          <p:cNvPr id="78" name="Textfeld 77">
+            <a:extLst>
+              <a:ext uri="{FF2B5EF4-FFF2-40B4-BE49-F238E27FC236}">
+                <a16:creationId xmlns:a16="http://schemas.microsoft.com/office/drawing/2014/main" id="{276F216F-09CE-3EE3-0C81-554CBB717A97}"/>
+              </a:ext>
+            </a:extLst>
+          </p:cNvPr>
+          <p:cNvSpPr txBox="1"/>
+          <p:nvPr/>
+        </p:nvSpPr>
+        <p:spPr>
+          <a:xfrm>
+            <a:off x="10105054" y="3249144"/>
+            <a:ext cx="574196" cy="369332"/>
+          </a:xfrm>
+          <a:prstGeom prst="rect">
+            <a:avLst/>
+          </a:prstGeom>
+          <a:noFill/>
+        </p:spPr>
+        <p:txBody>
+          <a:bodyPr wrap="none" rtlCol="0">
+            <a:spAutoFit/>
+          </a:bodyPr>
+          <a:lstStyle/>
+          <a:p>
+            <a:r>
+              <a:rPr lang="en-US"/>
+              <a:t>CPU</a:t>
+            </a:r>
+            <a:endParaRPr lang="de-DE"/>
+          </a:p>
+        </p:txBody>
+      </p:sp>
+      <p:cxnSp>
+        <p:nvCxnSpPr>
+          <p:cNvPr id="79" name="Straight Arrow Connector 20">
+            <a:extLst>
+              <a:ext uri="{FF2B5EF4-FFF2-40B4-BE49-F238E27FC236}">
+                <a16:creationId xmlns:a16="http://schemas.microsoft.com/office/drawing/2014/main" id="{29F68B52-C706-F204-5EF4-8064858A2547}"/>
+              </a:ext>
+            </a:extLst>
+          </p:cNvPr>
+          <p:cNvCxnSpPr>
+            <a:cxnSpLocks/>
+          </p:cNvCxnSpPr>
+          <p:nvPr/>
+        </p:nvCxnSpPr>
+        <p:spPr>
+          <a:xfrm>
+            <a:off x="8681620" y="6210316"/>
+            <a:ext cx="1160564" cy="0"/>
+          </a:xfrm>
+          <a:prstGeom prst="straightConnector1">
+            <a:avLst/>
+          </a:prstGeom>
+          <a:ln w="19050">
+            <a:solidFill>
+              <a:srgbClr val="FFC000"/>
+            </a:solidFill>
+            <a:tailEnd type="triangle"/>
+          </a:ln>
+        </p:spPr>
+        <p:style>
+          <a:lnRef idx="1">
+            <a:schemeClr val="accent1"/>
+          </a:lnRef>
+          <a:fillRef idx="0">
+            <a:schemeClr val="accent1"/>
+          </a:fillRef>
+          <a:effectRef idx="0">
+            <a:schemeClr val="accent1"/>
+          </a:effectRef>
+          <a:fontRef idx="minor">
+            <a:schemeClr val="tx1"/>
+          </a:fontRef>
+        </p:style>
+      </p:cxnSp>
+      <p:cxnSp>
+        <p:nvCxnSpPr>
+          <p:cNvPr id="81" name="Straight Arrow Connector 20">
+            <a:extLst>
+              <a:ext uri="{FF2B5EF4-FFF2-40B4-BE49-F238E27FC236}">
+                <a16:creationId xmlns:a16="http://schemas.microsoft.com/office/drawing/2014/main" id="{FE0240EC-EF15-BF38-ED35-695EC5E3C65D}"/>
+              </a:ext>
+            </a:extLst>
+          </p:cNvPr>
+          <p:cNvCxnSpPr>
+            <a:cxnSpLocks/>
+          </p:cNvCxnSpPr>
+          <p:nvPr/>
+        </p:nvCxnSpPr>
+        <p:spPr>
+          <a:xfrm>
+            <a:off x="8681620" y="4170450"/>
+            <a:ext cx="1160564" cy="0"/>
+          </a:xfrm>
+          <a:prstGeom prst="straightConnector1">
+            <a:avLst/>
+          </a:prstGeom>
+          <a:ln w="19050">
+            <a:solidFill>
+              <a:srgbClr val="FFC000"/>
+            </a:solidFill>
+            <a:tailEnd type="triangle"/>
+          </a:ln>
+        </p:spPr>
+        <p:style>
+          <a:lnRef idx="1">
+            <a:schemeClr val="accent1"/>
+          </a:lnRef>
+          <a:fillRef idx="0">
+            <a:schemeClr val="accent1"/>
+          </a:fillRef>
+          <a:effectRef idx="0">
+            <a:schemeClr val="accent1"/>
+          </a:effectRef>
+          <a:fontRef idx="minor">
+            <a:schemeClr val="tx1"/>
+          </a:fontRef>
+        </p:style>
+      </p:cxnSp>
+      <p:sp>
+        <p:nvSpPr>
+          <p:cNvPr id="82" name="TextBox 61">
+            <a:extLst>
+              <a:ext uri="{FF2B5EF4-FFF2-40B4-BE49-F238E27FC236}">
+                <a16:creationId xmlns:a16="http://schemas.microsoft.com/office/drawing/2014/main" id="{FFB1D4DC-82FC-4666-3424-10C9498C484F}"/>
+              </a:ext>
+            </a:extLst>
+          </p:cNvPr>
+          <p:cNvSpPr txBox="1"/>
+          <p:nvPr/>
+        </p:nvSpPr>
+        <p:spPr>
+          <a:xfrm>
+            <a:off x="8752944" y="6169887"/>
+            <a:ext cx="889603" cy="276999"/>
+          </a:xfrm>
+          <a:prstGeom prst="rect">
+            <a:avLst/>
+          </a:prstGeom>
+          <a:noFill/>
+        </p:spPr>
+        <p:txBody>
+          <a:bodyPr wrap="none" rtlCol="0">
+            <a:spAutoFit/>
+          </a:bodyPr>
+          <a:lstStyle/>
+          <a:p>
+            <a:r>
+              <a:rPr lang="en-US" sz="1200"/>
+              <a:t>PBCH_start</a:t>
+            </a:r>
+            <a:endParaRPr lang="en-GB" sz="1200" dirty="0"/>
+          </a:p>
+        </p:txBody>
+      </p:sp>
+      <p:sp>
+        <p:nvSpPr>
+          <p:cNvPr id="89" name="TextBox 61">
+            <a:extLst>
+              <a:ext uri="{FF2B5EF4-FFF2-40B4-BE49-F238E27FC236}">
+                <a16:creationId xmlns:a16="http://schemas.microsoft.com/office/drawing/2014/main" id="{E139BD0B-945A-6A65-EFF3-068A7CF95699}"/>
+              </a:ext>
+            </a:extLst>
+          </p:cNvPr>
+          <p:cNvSpPr txBox="1"/>
+          <p:nvPr/>
+        </p:nvSpPr>
+        <p:spPr>
+          <a:xfrm>
+            <a:off x="8777168" y="3899127"/>
+            <a:ext cx="838243" cy="276999"/>
+          </a:xfrm>
+          <a:prstGeom prst="rect">
+            <a:avLst/>
+          </a:prstGeom>
+          <a:noFill/>
+        </p:spPr>
+        <p:txBody>
+          <a:bodyPr wrap="none" rtlCol="0">
+            <a:spAutoFit/>
+          </a:bodyPr>
+          <a:lstStyle/>
+          <a:p>
+            <a:r>
+              <a:rPr lang="en-US" sz="1200"/>
+              <a:t>Data_start</a:t>
+            </a:r>
+            <a:endParaRPr lang="en-GB" sz="1200" dirty="0"/>
+          </a:p>
+        </p:txBody>
+      </p:sp>
     </p:spTree>
     <p:extLst>
       <p:ext uri="{BB962C8B-B14F-4D97-AF65-F5344CB8AC3E}">

--- a/doc/overview.pptx
+++ b/doc/overview.pptx
@@ -261,7 +261,7 @@
           <a:p>
             <a:fld id="{0647E4D3-4269-40FF-ADD2-F433546F1734}" type="datetimeFigureOut">
               <a:rPr lang="en-GB" smtClean="0"/>
-              <a:t>15/02/2023</a:t>
+              <a:t>17/02/2023</a:t>
             </a:fld>
             <a:endParaRPr lang="en-GB"/>
           </a:p>
@@ -315,7 +315,7 @@
           <a:p>
             <a:fld id="{1991B810-A44B-42D8-B2B0-10522A071A3E}" type="slidenum">
               <a:rPr lang="en-GB" smtClean="0"/>
-              <a:t>‹Nr.›</a:t>
+              <a:t>‹#›</a:t>
             </a:fld>
             <a:endParaRPr lang="en-GB"/>
           </a:p>
@@ -461,7 +461,7 @@
           <a:p>
             <a:fld id="{0647E4D3-4269-40FF-ADD2-F433546F1734}" type="datetimeFigureOut">
               <a:rPr lang="en-GB" smtClean="0"/>
-              <a:t>15/02/2023</a:t>
+              <a:t>17/02/2023</a:t>
             </a:fld>
             <a:endParaRPr lang="en-GB"/>
           </a:p>
@@ -515,7 +515,7 @@
           <a:p>
             <a:fld id="{1991B810-A44B-42D8-B2B0-10522A071A3E}" type="slidenum">
               <a:rPr lang="en-GB" smtClean="0"/>
-              <a:t>‹Nr.›</a:t>
+              <a:t>‹#›</a:t>
             </a:fld>
             <a:endParaRPr lang="en-GB"/>
           </a:p>
@@ -671,7 +671,7 @@
           <a:p>
             <a:fld id="{0647E4D3-4269-40FF-ADD2-F433546F1734}" type="datetimeFigureOut">
               <a:rPr lang="en-GB" smtClean="0"/>
-              <a:t>15/02/2023</a:t>
+              <a:t>17/02/2023</a:t>
             </a:fld>
             <a:endParaRPr lang="en-GB"/>
           </a:p>
@@ -725,7 +725,7 @@
           <a:p>
             <a:fld id="{1991B810-A44B-42D8-B2B0-10522A071A3E}" type="slidenum">
               <a:rPr lang="en-GB" smtClean="0"/>
-              <a:t>‹Nr.›</a:t>
+              <a:t>‹#›</a:t>
             </a:fld>
             <a:endParaRPr lang="en-GB"/>
           </a:p>
@@ -871,7 +871,7 @@
           <a:p>
             <a:fld id="{0647E4D3-4269-40FF-ADD2-F433546F1734}" type="datetimeFigureOut">
               <a:rPr lang="en-GB" smtClean="0"/>
-              <a:t>15/02/2023</a:t>
+              <a:t>17/02/2023</a:t>
             </a:fld>
             <a:endParaRPr lang="en-GB"/>
           </a:p>
@@ -925,7 +925,7 @@
           <a:p>
             <a:fld id="{1991B810-A44B-42D8-B2B0-10522A071A3E}" type="slidenum">
               <a:rPr lang="en-GB" smtClean="0"/>
-              <a:t>‹Nr.›</a:t>
+              <a:t>‹#›</a:t>
             </a:fld>
             <a:endParaRPr lang="en-GB"/>
           </a:p>
@@ -1147,7 +1147,7 @@
           <a:p>
             <a:fld id="{0647E4D3-4269-40FF-ADD2-F433546F1734}" type="datetimeFigureOut">
               <a:rPr lang="en-GB" smtClean="0"/>
-              <a:t>15/02/2023</a:t>
+              <a:t>17/02/2023</a:t>
             </a:fld>
             <a:endParaRPr lang="en-GB"/>
           </a:p>
@@ -1201,7 +1201,7 @@
           <a:p>
             <a:fld id="{1991B810-A44B-42D8-B2B0-10522A071A3E}" type="slidenum">
               <a:rPr lang="en-GB" smtClean="0"/>
-              <a:t>‹Nr.›</a:t>
+              <a:t>‹#›</a:t>
             </a:fld>
             <a:endParaRPr lang="en-GB"/>
           </a:p>
@@ -1415,7 +1415,7 @@
           <a:p>
             <a:fld id="{0647E4D3-4269-40FF-ADD2-F433546F1734}" type="datetimeFigureOut">
               <a:rPr lang="en-GB" smtClean="0"/>
-              <a:t>15/02/2023</a:t>
+              <a:t>17/02/2023</a:t>
             </a:fld>
             <a:endParaRPr lang="en-GB"/>
           </a:p>
@@ -1469,7 +1469,7 @@
           <a:p>
             <a:fld id="{1991B810-A44B-42D8-B2B0-10522A071A3E}" type="slidenum">
               <a:rPr lang="en-GB" smtClean="0"/>
-              <a:t>‹Nr.›</a:t>
+              <a:t>‹#›</a:t>
             </a:fld>
             <a:endParaRPr lang="en-GB"/>
           </a:p>
@@ -1830,7 +1830,7 @@
           <a:p>
             <a:fld id="{0647E4D3-4269-40FF-ADD2-F433546F1734}" type="datetimeFigureOut">
               <a:rPr lang="en-GB" smtClean="0"/>
-              <a:t>15/02/2023</a:t>
+              <a:t>17/02/2023</a:t>
             </a:fld>
             <a:endParaRPr lang="en-GB"/>
           </a:p>
@@ -1884,7 +1884,7 @@
           <a:p>
             <a:fld id="{1991B810-A44B-42D8-B2B0-10522A071A3E}" type="slidenum">
               <a:rPr lang="en-GB" smtClean="0"/>
-              <a:t>‹Nr.›</a:t>
+              <a:t>‹#›</a:t>
             </a:fld>
             <a:endParaRPr lang="en-GB"/>
           </a:p>
@@ -1972,7 +1972,7 @@
           <a:p>
             <a:fld id="{0647E4D3-4269-40FF-ADD2-F433546F1734}" type="datetimeFigureOut">
               <a:rPr lang="en-GB" smtClean="0"/>
-              <a:t>15/02/2023</a:t>
+              <a:t>17/02/2023</a:t>
             </a:fld>
             <a:endParaRPr lang="en-GB"/>
           </a:p>
@@ -2026,7 +2026,7 @@
           <a:p>
             <a:fld id="{1991B810-A44B-42D8-B2B0-10522A071A3E}" type="slidenum">
               <a:rPr lang="en-GB" smtClean="0"/>
-              <a:t>‹Nr.›</a:t>
+              <a:t>‹#›</a:t>
             </a:fld>
             <a:endParaRPr lang="en-GB"/>
           </a:p>
@@ -2085,7 +2085,7 @@
           <a:p>
             <a:fld id="{0647E4D3-4269-40FF-ADD2-F433546F1734}" type="datetimeFigureOut">
               <a:rPr lang="en-GB" smtClean="0"/>
-              <a:t>15/02/2023</a:t>
+              <a:t>17/02/2023</a:t>
             </a:fld>
             <a:endParaRPr lang="en-GB"/>
           </a:p>
@@ -2139,7 +2139,7 @@
           <a:p>
             <a:fld id="{1991B810-A44B-42D8-B2B0-10522A071A3E}" type="slidenum">
               <a:rPr lang="en-GB" smtClean="0"/>
-              <a:t>‹Nr.›</a:t>
+              <a:t>‹#›</a:t>
             </a:fld>
             <a:endParaRPr lang="en-GB"/>
           </a:p>
@@ -2398,7 +2398,7 @@
           <a:p>
             <a:fld id="{0647E4D3-4269-40FF-ADD2-F433546F1734}" type="datetimeFigureOut">
               <a:rPr lang="en-GB" smtClean="0"/>
-              <a:t>15/02/2023</a:t>
+              <a:t>17/02/2023</a:t>
             </a:fld>
             <a:endParaRPr lang="en-GB"/>
           </a:p>
@@ -2452,7 +2452,7 @@
           <a:p>
             <a:fld id="{1991B810-A44B-42D8-B2B0-10522A071A3E}" type="slidenum">
               <a:rPr lang="en-GB" smtClean="0"/>
-              <a:t>‹Nr.›</a:t>
+              <a:t>‹#›</a:t>
             </a:fld>
             <a:endParaRPr lang="en-GB"/>
           </a:p>
@@ -2687,7 +2687,7 @@
           <a:p>
             <a:fld id="{0647E4D3-4269-40FF-ADD2-F433546F1734}" type="datetimeFigureOut">
               <a:rPr lang="en-GB" smtClean="0"/>
-              <a:t>15/02/2023</a:t>
+              <a:t>17/02/2023</a:t>
             </a:fld>
             <a:endParaRPr lang="en-GB"/>
           </a:p>
@@ -2741,7 +2741,7 @@
           <a:p>
             <a:fld id="{1991B810-A44B-42D8-B2B0-10522A071A3E}" type="slidenum">
               <a:rPr lang="en-GB" smtClean="0"/>
-              <a:t>‹Nr.›</a:t>
+              <a:t>‹#›</a:t>
             </a:fld>
             <a:endParaRPr lang="en-GB"/>
           </a:p>
@@ -2930,7 +2930,7 @@
           <a:p>
             <a:fld id="{0647E4D3-4269-40FF-ADD2-F433546F1734}" type="datetimeFigureOut">
               <a:rPr lang="en-GB" smtClean="0"/>
-              <a:t>15/02/2023</a:t>
+              <a:t>17/02/2023</a:t>
             </a:fld>
             <a:endParaRPr lang="en-GB"/>
           </a:p>
@@ -3020,7 +3020,7 @@
           <a:p>
             <a:fld id="{1991B810-A44B-42D8-B2B0-10522A071A3E}" type="slidenum">
               <a:rPr lang="en-GB" smtClean="0"/>
-              <a:t>‹Nr.›</a:t>
+              <a:t>‹#›</a:t>
             </a:fld>
             <a:endParaRPr lang="en-GB"/>
           </a:p>
@@ -3349,6 +3349,55 @@
       </p:grpSpPr>
       <p:sp>
         <p:nvSpPr>
+          <p:cNvPr id="64" name="Rectangle 63">
+            <a:extLst>
+              <a:ext uri="{FF2B5EF4-FFF2-40B4-BE49-F238E27FC236}">
+                <a16:creationId xmlns:a16="http://schemas.microsoft.com/office/drawing/2014/main" id="{DDDC8154-D923-8985-60AB-F43A35820802}"/>
+              </a:ext>
+            </a:extLst>
+          </p:cNvPr>
+          <p:cNvSpPr/>
+          <p:nvPr/>
+        </p:nvSpPr>
+        <p:spPr>
+          <a:xfrm>
+            <a:off x="4568835" y="1471230"/>
+            <a:ext cx="4140124" cy="1601493"/>
+          </a:xfrm>
+          <a:prstGeom prst="rect">
+            <a:avLst/>
+          </a:prstGeom>
+          <a:solidFill>
+            <a:schemeClr val="bg1"/>
+          </a:solidFill>
+        </p:spPr>
+        <p:style>
+          <a:lnRef idx="2">
+            <a:schemeClr val="accent1">
+              <a:shade val="50000"/>
+            </a:schemeClr>
+          </a:lnRef>
+          <a:fillRef idx="1">
+            <a:schemeClr val="accent1"/>
+          </a:fillRef>
+          <a:effectRef idx="0">
+            <a:schemeClr val="accent1"/>
+          </a:effectRef>
+          <a:fontRef idx="minor">
+            <a:schemeClr val="lt1"/>
+          </a:fontRef>
+        </p:style>
+        <p:txBody>
+          <a:bodyPr rtlCol="0" anchor="ctr"/>
+          <a:lstStyle/>
+          <a:p>
+            <a:pPr algn="ctr"/>
+            <a:endParaRPr lang="en-GB"/>
+          </a:p>
+        </p:txBody>
+      </p:sp>
+      <p:sp>
+        <p:nvSpPr>
           <p:cNvPr id="58" name="Rechteck 57">
             <a:extLst>
               <a:ext uri="{FF2B5EF4-FFF2-40B4-BE49-F238E27FC236}">
@@ -4415,7 +4464,7 @@
         </p:nvSpPr>
         <p:spPr>
           <a:xfrm>
-            <a:off x="6610237" y="3140303"/>
+            <a:off x="5787150" y="3037292"/>
             <a:ext cx="631904" cy="276999"/>
           </a:xfrm>
           <a:prstGeom prst="rect">
@@ -4487,7 +4536,7 @@
         </p:nvSpPr>
         <p:spPr>
           <a:xfrm>
-            <a:off x="3837261" y="2394043"/>
+            <a:off x="3792197" y="2392968"/>
             <a:ext cx="846707" cy="276999"/>
           </a:xfrm>
           <a:prstGeom prst="rect">
@@ -4997,14 +5046,13 @@
           </p:cNvPr>
           <p:cNvCxnSpPr>
             <a:cxnSpLocks/>
-            <a:endCxn id="75" idx="1"/>
           </p:cNvCxnSpPr>
           <p:nvPr/>
         </p:nvCxnSpPr>
         <p:spPr>
           <a:xfrm>
             <a:off x="1872422" y="832264"/>
-            <a:ext cx="1997213" cy="14377"/>
+            <a:ext cx="1650591" cy="0"/>
           </a:xfrm>
           <a:prstGeom prst="line">
             <a:avLst/>
@@ -5392,7 +5440,7 @@
         </p:nvSpPr>
         <p:spPr>
           <a:xfrm>
-            <a:off x="3869635" y="243572"/>
+            <a:off x="3529067" y="228623"/>
             <a:ext cx="792480" cy="1206137"/>
           </a:xfrm>
           <a:prstGeom prst="rect">
@@ -5453,13 +5501,14 @@
           </p:cNvPr>
           <p:cNvCxnSpPr>
             <a:cxnSpLocks/>
+            <a:stCxn id="75" idx="3"/>
           </p:cNvCxnSpPr>
           <p:nvPr/>
         </p:nvCxnSpPr>
         <p:spPr>
-          <a:xfrm>
-            <a:off x="4666263" y="823440"/>
-            <a:ext cx="3568901" cy="0"/>
+          <a:xfrm flipV="1">
+            <a:off x="4321547" y="823440"/>
+            <a:ext cx="3913617" cy="8252"/>
           </a:xfrm>
           <a:prstGeom prst="line">
             <a:avLst/>
@@ -5892,7 +5941,7 @@
         </p:nvCxnSpPr>
         <p:spPr>
           <a:xfrm>
-            <a:off x="2977760" y="3278886"/>
+            <a:off x="2956516" y="3274827"/>
             <a:ext cx="0" cy="268882"/>
           </a:xfrm>
           <a:prstGeom prst="straightConnector1">
@@ -5900,7 +5949,7 @@
           </a:prstGeom>
           <a:ln w="19050">
             <a:solidFill>
-              <a:srgbClr val="FFC000"/>
+              <a:srgbClr val="00B050"/>
             </a:solidFill>
             <a:tailEnd type="triangle"/>
           </a:ln>
@@ -5936,15 +5985,15 @@
         </p:nvCxnSpPr>
         <p:spPr>
           <a:xfrm>
-            <a:off x="2977760" y="3274827"/>
-            <a:ext cx="3472953" cy="0"/>
+            <a:off x="2956471" y="3278788"/>
+            <a:ext cx="3709183" cy="0"/>
           </a:xfrm>
           <a:prstGeom prst="line">
             <a:avLst/>
           </a:prstGeom>
           <a:ln w="19050">
             <a:solidFill>
-              <a:srgbClr val="FFC000"/>
+              <a:srgbClr val="00B050"/>
             </a:solidFill>
           </a:ln>
         </p:spPr>
@@ -5963,85 +6012,6 @@
           </a:fontRef>
         </p:style>
       </p:cxnSp>
-      <p:cxnSp>
-        <p:nvCxnSpPr>
-          <p:cNvPr id="37" name="Straight Connector 23">
-            <a:extLst>
-              <a:ext uri="{FF2B5EF4-FFF2-40B4-BE49-F238E27FC236}">
-                <a16:creationId xmlns:a16="http://schemas.microsoft.com/office/drawing/2014/main" id="{DEFF1940-DE09-401A-545A-DB0D880F05BB}"/>
-              </a:ext>
-            </a:extLst>
-          </p:cNvPr>
-          <p:cNvCxnSpPr>
-            <a:cxnSpLocks/>
-          </p:cNvCxnSpPr>
-          <p:nvPr/>
-        </p:nvCxnSpPr>
-        <p:spPr>
-          <a:xfrm flipV="1">
-            <a:off x="6450713" y="2998035"/>
-            <a:ext cx="0" cy="276792"/>
-          </a:xfrm>
-          <a:prstGeom prst="line">
-            <a:avLst/>
-          </a:prstGeom>
-          <a:ln w="19050">
-            <a:solidFill>
-              <a:srgbClr val="FFC000"/>
-            </a:solidFill>
-          </a:ln>
-        </p:spPr>
-        <p:style>
-          <a:lnRef idx="1">
-            <a:schemeClr val="accent1"/>
-          </a:lnRef>
-          <a:fillRef idx="0">
-            <a:schemeClr val="accent1"/>
-          </a:fillRef>
-          <a:effectRef idx="0">
-            <a:schemeClr val="accent1"/>
-          </a:effectRef>
-          <a:fontRef idx="minor">
-            <a:schemeClr val="tx1"/>
-          </a:fontRef>
-        </p:style>
-      </p:cxnSp>
-      <p:sp>
-        <p:nvSpPr>
-          <p:cNvPr id="45" name="TextBox 28">
-            <a:extLst>
-              <a:ext uri="{FF2B5EF4-FFF2-40B4-BE49-F238E27FC236}">
-                <a16:creationId xmlns:a16="http://schemas.microsoft.com/office/drawing/2014/main" id="{1EC3B737-6267-CA58-7D90-353D9140DD9D}"/>
-              </a:ext>
-            </a:extLst>
-          </p:cNvPr>
-          <p:cNvSpPr txBox="1"/>
-          <p:nvPr/>
-        </p:nvSpPr>
-        <p:spPr>
-          <a:xfrm>
-            <a:off x="4834798" y="3026346"/>
-            <a:ext cx="772584" cy="276999"/>
-          </a:xfrm>
-          <a:prstGeom prst="rect">
-            <a:avLst/>
-          </a:prstGeom>
-          <a:noFill/>
-        </p:spPr>
-        <p:txBody>
-          <a:bodyPr wrap="none" rtlCol="0">
-            <a:spAutoFit/>
-          </a:bodyPr>
-          <a:lstStyle/>
-          <a:p>
-            <a:r>
-              <a:rPr lang="en-US" sz="1200"/>
-              <a:t>SSB_start</a:t>
-            </a:r>
-            <a:endParaRPr lang="en-GB" sz="1200" dirty="0"/>
-          </a:p>
-        </p:txBody>
-      </p:sp>
       <p:cxnSp>
         <p:nvCxnSpPr>
           <p:cNvPr id="16" name="Straight Arrow Connector 20">
@@ -7449,10 +7419,10 @@
           <a:lstStyle/>
           <a:p>
             <a:r>
-              <a:rPr lang="en-US"/>
+              <a:rPr lang="en-US" dirty="0"/>
               <a:t>CPU</a:t>
             </a:r>
-            <a:endParaRPr lang="de-DE"/>
+            <a:endParaRPr lang="de-DE" dirty="0"/>
           </a:p>
         </p:txBody>
       </p:sp>
@@ -7613,6 +7583,42 @@
               <a:t>Data_start</a:t>
             </a:r>
             <a:endParaRPr lang="en-GB" sz="1200" dirty="0"/>
+          </a:p>
+        </p:txBody>
+      </p:sp>
+      <p:sp>
+        <p:nvSpPr>
+          <p:cNvPr id="65" name="Textfeld 77">
+            <a:extLst>
+              <a:ext uri="{FF2B5EF4-FFF2-40B4-BE49-F238E27FC236}">
+                <a16:creationId xmlns:a16="http://schemas.microsoft.com/office/drawing/2014/main" id="{ADC73C41-ED00-5089-7311-44727E77ADF0}"/>
+              </a:ext>
+            </a:extLst>
+          </p:cNvPr>
+          <p:cNvSpPr txBox="1"/>
+          <p:nvPr/>
+        </p:nvSpPr>
+        <p:spPr>
+          <a:xfrm>
+            <a:off x="6039335" y="1413183"/>
+            <a:ext cx="1368131" cy="369332"/>
+          </a:xfrm>
+          <a:prstGeom prst="rect">
+            <a:avLst/>
+          </a:prstGeom>
+          <a:noFill/>
+        </p:spPr>
+        <p:txBody>
+          <a:bodyPr wrap="none" rtlCol="0">
+            <a:spAutoFit/>
+          </a:bodyPr>
+          <a:lstStyle/>
+          <a:p>
+            <a:r>
+              <a:rPr lang="en-US" dirty="0"/>
+              <a:t>PSS detector</a:t>
+            </a:r>
+            <a:endParaRPr lang="de-DE" dirty="0"/>
           </a:p>
         </p:txBody>
       </p:sp>

--- a/doc/overview.pptx
+++ b/doc/overview.pptx
@@ -261,7 +261,7 @@
           <a:p>
             <a:fld id="{0647E4D3-4269-40FF-ADD2-F433546F1734}" type="datetimeFigureOut">
               <a:rPr lang="en-GB" smtClean="0"/>
-              <a:t>17/02/2023</a:t>
+              <a:t>18/02/2023</a:t>
             </a:fld>
             <a:endParaRPr lang="en-GB"/>
           </a:p>
@@ -315,7 +315,7 @@
           <a:p>
             <a:fld id="{1991B810-A44B-42D8-B2B0-10522A071A3E}" type="slidenum">
               <a:rPr lang="en-GB" smtClean="0"/>
-              <a:t>‹#›</a:t>
+              <a:t>‹Nr.›</a:t>
             </a:fld>
             <a:endParaRPr lang="en-GB"/>
           </a:p>
@@ -461,7 +461,7 @@
           <a:p>
             <a:fld id="{0647E4D3-4269-40FF-ADD2-F433546F1734}" type="datetimeFigureOut">
               <a:rPr lang="en-GB" smtClean="0"/>
-              <a:t>17/02/2023</a:t>
+              <a:t>18/02/2023</a:t>
             </a:fld>
             <a:endParaRPr lang="en-GB"/>
           </a:p>
@@ -515,7 +515,7 @@
           <a:p>
             <a:fld id="{1991B810-A44B-42D8-B2B0-10522A071A3E}" type="slidenum">
               <a:rPr lang="en-GB" smtClean="0"/>
-              <a:t>‹#›</a:t>
+              <a:t>‹Nr.›</a:t>
             </a:fld>
             <a:endParaRPr lang="en-GB"/>
           </a:p>
@@ -671,7 +671,7 @@
           <a:p>
             <a:fld id="{0647E4D3-4269-40FF-ADD2-F433546F1734}" type="datetimeFigureOut">
               <a:rPr lang="en-GB" smtClean="0"/>
-              <a:t>17/02/2023</a:t>
+              <a:t>18/02/2023</a:t>
             </a:fld>
             <a:endParaRPr lang="en-GB"/>
           </a:p>
@@ -725,7 +725,7 @@
           <a:p>
             <a:fld id="{1991B810-A44B-42D8-B2B0-10522A071A3E}" type="slidenum">
               <a:rPr lang="en-GB" smtClean="0"/>
-              <a:t>‹#›</a:t>
+              <a:t>‹Nr.›</a:t>
             </a:fld>
             <a:endParaRPr lang="en-GB"/>
           </a:p>
@@ -871,7 +871,7 @@
           <a:p>
             <a:fld id="{0647E4D3-4269-40FF-ADD2-F433546F1734}" type="datetimeFigureOut">
               <a:rPr lang="en-GB" smtClean="0"/>
-              <a:t>17/02/2023</a:t>
+              <a:t>18/02/2023</a:t>
             </a:fld>
             <a:endParaRPr lang="en-GB"/>
           </a:p>
@@ -925,7 +925,7 @@
           <a:p>
             <a:fld id="{1991B810-A44B-42D8-B2B0-10522A071A3E}" type="slidenum">
               <a:rPr lang="en-GB" smtClean="0"/>
-              <a:t>‹#›</a:t>
+              <a:t>‹Nr.›</a:t>
             </a:fld>
             <a:endParaRPr lang="en-GB"/>
           </a:p>
@@ -1147,7 +1147,7 @@
           <a:p>
             <a:fld id="{0647E4D3-4269-40FF-ADD2-F433546F1734}" type="datetimeFigureOut">
               <a:rPr lang="en-GB" smtClean="0"/>
-              <a:t>17/02/2023</a:t>
+              <a:t>18/02/2023</a:t>
             </a:fld>
             <a:endParaRPr lang="en-GB"/>
           </a:p>
@@ -1201,7 +1201,7 @@
           <a:p>
             <a:fld id="{1991B810-A44B-42D8-B2B0-10522A071A3E}" type="slidenum">
               <a:rPr lang="en-GB" smtClean="0"/>
-              <a:t>‹#›</a:t>
+              <a:t>‹Nr.›</a:t>
             </a:fld>
             <a:endParaRPr lang="en-GB"/>
           </a:p>
@@ -1415,7 +1415,7 @@
           <a:p>
             <a:fld id="{0647E4D3-4269-40FF-ADD2-F433546F1734}" type="datetimeFigureOut">
               <a:rPr lang="en-GB" smtClean="0"/>
-              <a:t>17/02/2023</a:t>
+              <a:t>18/02/2023</a:t>
             </a:fld>
             <a:endParaRPr lang="en-GB"/>
           </a:p>
@@ -1469,7 +1469,7 @@
           <a:p>
             <a:fld id="{1991B810-A44B-42D8-B2B0-10522A071A3E}" type="slidenum">
               <a:rPr lang="en-GB" smtClean="0"/>
-              <a:t>‹#›</a:t>
+              <a:t>‹Nr.›</a:t>
             </a:fld>
             <a:endParaRPr lang="en-GB"/>
           </a:p>
@@ -1830,7 +1830,7 @@
           <a:p>
             <a:fld id="{0647E4D3-4269-40FF-ADD2-F433546F1734}" type="datetimeFigureOut">
               <a:rPr lang="en-GB" smtClean="0"/>
-              <a:t>17/02/2023</a:t>
+              <a:t>18/02/2023</a:t>
             </a:fld>
             <a:endParaRPr lang="en-GB"/>
           </a:p>
@@ -1884,7 +1884,7 @@
           <a:p>
             <a:fld id="{1991B810-A44B-42D8-B2B0-10522A071A3E}" type="slidenum">
               <a:rPr lang="en-GB" smtClean="0"/>
-              <a:t>‹#›</a:t>
+              <a:t>‹Nr.›</a:t>
             </a:fld>
             <a:endParaRPr lang="en-GB"/>
           </a:p>
@@ -1972,7 +1972,7 @@
           <a:p>
             <a:fld id="{0647E4D3-4269-40FF-ADD2-F433546F1734}" type="datetimeFigureOut">
               <a:rPr lang="en-GB" smtClean="0"/>
-              <a:t>17/02/2023</a:t>
+              <a:t>18/02/2023</a:t>
             </a:fld>
             <a:endParaRPr lang="en-GB"/>
           </a:p>
@@ -2026,7 +2026,7 @@
           <a:p>
             <a:fld id="{1991B810-A44B-42D8-B2B0-10522A071A3E}" type="slidenum">
               <a:rPr lang="en-GB" smtClean="0"/>
-              <a:t>‹#›</a:t>
+              <a:t>‹Nr.›</a:t>
             </a:fld>
             <a:endParaRPr lang="en-GB"/>
           </a:p>
@@ -2085,7 +2085,7 @@
           <a:p>
             <a:fld id="{0647E4D3-4269-40FF-ADD2-F433546F1734}" type="datetimeFigureOut">
               <a:rPr lang="en-GB" smtClean="0"/>
-              <a:t>17/02/2023</a:t>
+              <a:t>18/02/2023</a:t>
             </a:fld>
             <a:endParaRPr lang="en-GB"/>
           </a:p>
@@ -2139,7 +2139,7 @@
           <a:p>
             <a:fld id="{1991B810-A44B-42D8-B2B0-10522A071A3E}" type="slidenum">
               <a:rPr lang="en-GB" smtClean="0"/>
-              <a:t>‹#›</a:t>
+              <a:t>‹Nr.›</a:t>
             </a:fld>
             <a:endParaRPr lang="en-GB"/>
           </a:p>
@@ -2398,7 +2398,7 @@
           <a:p>
             <a:fld id="{0647E4D3-4269-40FF-ADD2-F433546F1734}" type="datetimeFigureOut">
               <a:rPr lang="en-GB" smtClean="0"/>
-              <a:t>17/02/2023</a:t>
+              <a:t>18/02/2023</a:t>
             </a:fld>
             <a:endParaRPr lang="en-GB"/>
           </a:p>
@@ -2452,7 +2452,7 @@
           <a:p>
             <a:fld id="{1991B810-A44B-42D8-B2B0-10522A071A3E}" type="slidenum">
               <a:rPr lang="en-GB" smtClean="0"/>
-              <a:t>‹#›</a:t>
+              <a:t>‹Nr.›</a:t>
             </a:fld>
             <a:endParaRPr lang="en-GB"/>
           </a:p>
@@ -2687,7 +2687,7 @@
           <a:p>
             <a:fld id="{0647E4D3-4269-40FF-ADD2-F433546F1734}" type="datetimeFigureOut">
               <a:rPr lang="en-GB" smtClean="0"/>
-              <a:t>17/02/2023</a:t>
+              <a:t>18/02/2023</a:t>
             </a:fld>
             <a:endParaRPr lang="en-GB"/>
           </a:p>
@@ -2741,7 +2741,7 @@
           <a:p>
             <a:fld id="{1991B810-A44B-42D8-B2B0-10522A071A3E}" type="slidenum">
               <a:rPr lang="en-GB" smtClean="0"/>
-              <a:t>‹#›</a:t>
+              <a:t>‹Nr.›</a:t>
             </a:fld>
             <a:endParaRPr lang="en-GB"/>
           </a:p>
@@ -2930,7 +2930,7 @@
           <a:p>
             <a:fld id="{0647E4D3-4269-40FF-ADD2-F433546F1734}" type="datetimeFigureOut">
               <a:rPr lang="en-GB" smtClean="0"/>
-              <a:t>17/02/2023</a:t>
+              <a:t>18/02/2023</a:t>
             </a:fld>
             <a:endParaRPr lang="en-GB"/>
           </a:p>
@@ -3020,7 +3020,7 @@
           <a:p>
             <a:fld id="{1991B810-A44B-42D8-B2B0-10522A071A3E}" type="slidenum">
               <a:rPr lang="en-GB" smtClean="0"/>
-              <a:t>‹#›</a:t>
+              <a:t>‹Nr.›</a:t>
             </a:fld>
             <a:endParaRPr lang="en-GB"/>
           </a:p>
@@ -4422,8 +4422,8 @@
         </p:nvCxnSpPr>
         <p:spPr>
           <a:xfrm>
-            <a:off x="6665654" y="2998035"/>
-            <a:ext cx="0" cy="538865"/>
+            <a:off x="6804172" y="3079532"/>
+            <a:ext cx="0" cy="464177"/>
           </a:xfrm>
           <a:prstGeom prst="straightConnector1">
             <a:avLst/>
@@ -4464,7 +4464,7 @@
         </p:nvSpPr>
         <p:spPr>
           <a:xfrm>
-            <a:off x="5787150" y="3037292"/>
+            <a:off x="6769776" y="3120202"/>
             <a:ext cx="631904" cy="276999"/>
           </a:xfrm>
           <a:prstGeom prst="rect">
@@ -4725,7 +4725,7 @@
         </p:nvCxnSpPr>
         <p:spPr>
           <a:xfrm>
-            <a:off x="6632102" y="4749845"/>
+            <a:off x="6542077" y="4749845"/>
             <a:ext cx="0" cy="537761"/>
           </a:xfrm>
           <a:prstGeom prst="straightConnector1">
@@ -4767,7 +4767,7 @@
         </p:nvSpPr>
         <p:spPr>
           <a:xfrm>
-            <a:off x="6647463" y="4879236"/>
+            <a:off x="6539142" y="4875260"/>
             <a:ext cx="476412" cy="276999"/>
           </a:xfrm>
           <a:prstGeom prst="rect">
@@ -5941,8 +5941,8 @@
         </p:nvCxnSpPr>
         <p:spPr>
           <a:xfrm>
-            <a:off x="2956516" y="3274827"/>
-            <a:ext cx="0" cy="268882"/>
+            <a:off x="3233139" y="3410152"/>
+            <a:ext cx="0" cy="133557"/>
           </a:xfrm>
           <a:prstGeom prst="straightConnector1">
             <a:avLst/>
@@ -5985,8 +5985,8 @@
         </p:nvCxnSpPr>
         <p:spPr>
           <a:xfrm>
-            <a:off x="2956471" y="3278788"/>
-            <a:ext cx="3709183" cy="0"/>
+            <a:off x="3225662" y="3402560"/>
+            <a:ext cx="3578510" cy="10763"/>
           </a:xfrm>
           <a:prstGeom prst="line">
             <a:avLst/>
@@ -7619,6 +7619,172 @@
               <a:t>PSS detector</a:t>
             </a:r>
             <a:endParaRPr lang="de-DE" dirty="0"/>
+          </a:p>
+        </p:txBody>
+      </p:sp>
+      <p:cxnSp>
+        <p:nvCxnSpPr>
+          <p:cNvPr id="80" name="Straight Arrow Connector 26">
+            <a:extLst>
+              <a:ext uri="{FF2B5EF4-FFF2-40B4-BE49-F238E27FC236}">
+                <a16:creationId xmlns:a16="http://schemas.microsoft.com/office/drawing/2014/main" id="{57324F59-B578-A35B-25CC-AD62DF2EA473}"/>
+              </a:ext>
+            </a:extLst>
+          </p:cNvPr>
+          <p:cNvCxnSpPr>
+            <a:cxnSpLocks/>
+          </p:cNvCxnSpPr>
+          <p:nvPr/>
+        </p:nvCxnSpPr>
+        <p:spPr>
+          <a:xfrm flipV="1">
+            <a:off x="6507077" y="3077254"/>
+            <a:ext cx="0" cy="204808"/>
+          </a:xfrm>
+          <a:prstGeom prst="straightConnector1">
+            <a:avLst/>
+          </a:prstGeom>
+          <a:ln w="19050">
+            <a:solidFill>
+              <a:srgbClr val="FFC000"/>
+            </a:solidFill>
+            <a:tailEnd type="triangle"/>
+          </a:ln>
+        </p:spPr>
+        <p:style>
+          <a:lnRef idx="1">
+            <a:schemeClr val="accent1"/>
+          </a:lnRef>
+          <a:fillRef idx="0">
+            <a:schemeClr val="accent1"/>
+          </a:fillRef>
+          <a:effectRef idx="0">
+            <a:schemeClr val="accent1"/>
+          </a:effectRef>
+          <a:fontRef idx="minor">
+            <a:schemeClr val="tx1"/>
+          </a:fontRef>
+        </p:style>
+      </p:cxnSp>
+      <p:cxnSp>
+        <p:nvCxnSpPr>
+          <p:cNvPr id="94" name="Straight Connector 23">
+            <a:extLst>
+              <a:ext uri="{FF2B5EF4-FFF2-40B4-BE49-F238E27FC236}">
+                <a16:creationId xmlns:a16="http://schemas.microsoft.com/office/drawing/2014/main" id="{D13DBEDA-B8E9-D70F-9F87-4C0789F4ECD8}"/>
+              </a:ext>
+            </a:extLst>
+          </p:cNvPr>
+          <p:cNvCxnSpPr>
+            <a:cxnSpLocks/>
+          </p:cNvCxnSpPr>
+          <p:nvPr/>
+        </p:nvCxnSpPr>
+        <p:spPr>
+          <a:xfrm flipV="1">
+            <a:off x="3016905" y="3278917"/>
+            <a:ext cx="3490172" cy="1"/>
+          </a:xfrm>
+          <a:prstGeom prst="line">
+            <a:avLst/>
+          </a:prstGeom>
+          <a:ln w="19050">
+            <a:solidFill>
+              <a:srgbClr val="FFC000"/>
+            </a:solidFill>
+          </a:ln>
+        </p:spPr>
+        <p:style>
+          <a:lnRef idx="1">
+            <a:schemeClr val="accent1"/>
+          </a:lnRef>
+          <a:fillRef idx="0">
+            <a:schemeClr val="accent1"/>
+          </a:fillRef>
+          <a:effectRef idx="0">
+            <a:schemeClr val="accent1"/>
+          </a:effectRef>
+          <a:fontRef idx="minor">
+            <a:schemeClr val="tx1"/>
+          </a:fontRef>
+        </p:style>
+      </p:cxnSp>
+      <p:cxnSp>
+        <p:nvCxnSpPr>
+          <p:cNvPr id="102" name="Straight Connector 42">
+            <a:extLst>
+              <a:ext uri="{FF2B5EF4-FFF2-40B4-BE49-F238E27FC236}">
+                <a16:creationId xmlns:a16="http://schemas.microsoft.com/office/drawing/2014/main" id="{E79AC736-A969-D913-8D05-A965D1CC5A44}"/>
+              </a:ext>
+            </a:extLst>
+          </p:cNvPr>
+          <p:cNvCxnSpPr>
+            <a:cxnSpLocks/>
+          </p:cNvCxnSpPr>
+          <p:nvPr/>
+        </p:nvCxnSpPr>
+        <p:spPr>
+          <a:xfrm flipV="1">
+            <a:off x="3016905" y="3274828"/>
+            <a:ext cx="0" cy="258805"/>
+          </a:xfrm>
+          <a:prstGeom prst="line">
+            <a:avLst/>
+          </a:prstGeom>
+          <a:ln w="19050">
+            <a:solidFill>
+              <a:srgbClr val="FFC000"/>
+            </a:solidFill>
+          </a:ln>
+        </p:spPr>
+        <p:style>
+          <a:lnRef idx="1">
+            <a:schemeClr val="accent1"/>
+          </a:lnRef>
+          <a:fillRef idx="0">
+            <a:schemeClr val="accent1"/>
+          </a:fillRef>
+          <a:effectRef idx="0">
+            <a:schemeClr val="accent1"/>
+          </a:effectRef>
+          <a:fontRef idx="minor">
+            <a:schemeClr val="tx1"/>
+          </a:fontRef>
+        </p:style>
+      </p:cxnSp>
+      <p:sp>
+        <p:nvSpPr>
+          <p:cNvPr id="107" name="TextBox 28">
+            <a:extLst>
+              <a:ext uri="{FF2B5EF4-FFF2-40B4-BE49-F238E27FC236}">
+                <a16:creationId xmlns:a16="http://schemas.microsoft.com/office/drawing/2014/main" id="{4E568ECE-4AD0-D185-FF4D-5942094059A7}"/>
+              </a:ext>
+            </a:extLst>
+          </p:cNvPr>
+          <p:cNvSpPr txBox="1"/>
+          <p:nvPr/>
+        </p:nvSpPr>
+        <p:spPr>
+          <a:xfrm>
+            <a:off x="3633550" y="3039389"/>
+            <a:ext cx="1831912" cy="276999"/>
+          </a:xfrm>
+          <a:prstGeom prst="rect">
+            <a:avLst/>
+          </a:prstGeom>
+          <a:noFill/>
+        </p:spPr>
+        <p:txBody>
+          <a:bodyPr wrap="none" rtlCol="0">
+            <a:spAutoFit/>
+          </a:bodyPr>
+          <a:lstStyle/>
+          <a:p>
+            <a:r>
+              <a:rPr lang="en-US" sz="1200"/>
+              <a:t>mode / requested_N_id_2</a:t>
+            </a:r>
+            <a:endParaRPr lang="en-GB" sz="1200" dirty="0"/>
           </a:p>
         </p:txBody>
       </p:sp>

--- a/doc/overview.pptx
+++ b/doc/overview.pptx
@@ -261,7 +261,7 @@
           <a:p>
             <a:fld id="{0647E4D3-4269-40FF-ADD2-F433546F1734}" type="datetimeFigureOut">
               <a:rPr lang="en-GB" smtClean="0"/>
-              <a:t>18/02/2023</a:t>
+              <a:t>22/02/2023</a:t>
             </a:fld>
             <a:endParaRPr lang="en-GB"/>
           </a:p>
@@ -461,7 +461,7 @@
           <a:p>
             <a:fld id="{0647E4D3-4269-40FF-ADD2-F433546F1734}" type="datetimeFigureOut">
               <a:rPr lang="en-GB" smtClean="0"/>
-              <a:t>18/02/2023</a:t>
+              <a:t>22/02/2023</a:t>
             </a:fld>
             <a:endParaRPr lang="en-GB"/>
           </a:p>
@@ -671,7 +671,7 @@
           <a:p>
             <a:fld id="{0647E4D3-4269-40FF-ADD2-F433546F1734}" type="datetimeFigureOut">
               <a:rPr lang="en-GB" smtClean="0"/>
-              <a:t>18/02/2023</a:t>
+              <a:t>22/02/2023</a:t>
             </a:fld>
             <a:endParaRPr lang="en-GB"/>
           </a:p>
@@ -871,7 +871,7 @@
           <a:p>
             <a:fld id="{0647E4D3-4269-40FF-ADD2-F433546F1734}" type="datetimeFigureOut">
               <a:rPr lang="en-GB" smtClean="0"/>
-              <a:t>18/02/2023</a:t>
+              <a:t>22/02/2023</a:t>
             </a:fld>
             <a:endParaRPr lang="en-GB"/>
           </a:p>
@@ -1147,7 +1147,7 @@
           <a:p>
             <a:fld id="{0647E4D3-4269-40FF-ADD2-F433546F1734}" type="datetimeFigureOut">
               <a:rPr lang="en-GB" smtClean="0"/>
-              <a:t>18/02/2023</a:t>
+              <a:t>22/02/2023</a:t>
             </a:fld>
             <a:endParaRPr lang="en-GB"/>
           </a:p>
@@ -1415,7 +1415,7 @@
           <a:p>
             <a:fld id="{0647E4D3-4269-40FF-ADD2-F433546F1734}" type="datetimeFigureOut">
               <a:rPr lang="en-GB" smtClean="0"/>
-              <a:t>18/02/2023</a:t>
+              <a:t>22/02/2023</a:t>
             </a:fld>
             <a:endParaRPr lang="en-GB"/>
           </a:p>
@@ -1830,7 +1830,7 @@
           <a:p>
             <a:fld id="{0647E4D3-4269-40FF-ADD2-F433546F1734}" type="datetimeFigureOut">
               <a:rPr lang="en-GB" smtClean="0"/>
-              <a:t>18/02/2023</a:t>
+              <a:t>22/02/2023</a:t>
             </a:fld>
             <a:endParaRPr lang="en-GB"/>
           </a:p>
@@ -1972,7 +1972,7 @@
           <a:p>
             <a:fld id="{0647E4D3-4269-40FF-ADD2-F433546F1734}" type="datetimeFigureOut">
               <a:rPr lang="en-GB" smtClean="0"/>
-              <a:t>18/02/2023</a:t>
+              <a:t>22/02/2023</a:t>
             </a:fld>
             <a:endParaRPr lang="en-GB"/>
           </a:p>
@@ -2085,7 +2085,7 @@
           <a:p>
             <a:fld id="{0647E4D3-4269-40FF-ADD2-F433546F1734}" type="datetimeFigureOut">
               <a:rPr lang="en-GB" smtClean="0"/>
-              <a:t>18/02/2023</a:t>
+              <a:t>22/02/2023</a:t>
             </a:fld>
             <a:endParaRPr lang="en-GB"/>
           </a:p>
@@ -2398,7 +2398,7 @@
           <a:p>
             <a:fld id="{0647E4D3-4269-40FF-ADD2-F433546F1734}" type="datetimeFigureOut">
               <a:rPr lang="en-GB" smtClean="0"/>
-              <a:t>18/02/2023</a:t>
+              <a:t>22/02/2023</a:t>
             </a:fld>
             <a:endParaRPr lang="en-GB"/>
           </a:p>
@@ -2687,7 +2687,7 @@
           <a:p>
             <a:fld id="{0647E4D3-4269-40FF-ADD2-F433546F1734}" type="datetimeFigureOut">
               <a:rPr lang="en-GB" smtClean="0"/>
-              <a:t>18/02/2023</a:t>
+              <a:t>22/02/2023</a:t>
             </a:fld>
             <a:endParaRPr lang="en-GB"/>
           </a:p>
@@ -2930,7 +2930,7 @@
           <a:p>
             <a:fld id="{0647E4D3-4269-40FF-ADD2-F433546F1734}" type="datetimeFigureOut">
               <a:rPr lang="en-GB" smtClean="0"/>
-              <a:t>18/02/2023</a:t>
+              <a:t>22/02/2023</a:t>
             </a:fld>
             <a:endParaRPr lang="en-GB"/>
           </a:p>
@@ -3361,7 +3361,7 @@
         </p:nvSpPr>
         <p:spPr>
           <a:xfrm>
-            <a:off x="4568835" y="1471230"/>
+            <a:off x="5348648" y="1491022"/>
             <a:ext cx="4140124" cy="1601493"/>
           </a:xfrm>
           <a:prstGeom prst="rect">
@@ -3410,7 +3410,7 @@
         </p:nvSpPr>
         <p:spPr>
           <a:xfrm>
-            <a:off x="9611854" y="3274828"/>
+            <a:off x="10391667" y="3294620"/>
             <a:ext cx="1527201" cy="3405452"/>
           </a:xfrm>
           <a:prstGeom prst="rect">
@@ -3462,7 +3462,7 @@
         </p:nvSpPr>
         <p:spPr>
           <a:xfrm>
-            <a:off x="4657968" y="1791898"/>
+            <a:off x="5437781" y="1811690"/>
             <a:ext cx="792480" cy="1206137"/>
           </a:xfrm>
           <a:prstGeom prst="rect">
@@ -3570,7 +3570,7 @@
         </p:nvSpPr>
         <p:spPr>
           <a:xfrm>
-            <a:off x="1479753" y="1795859"/>
+            <a:off x="2259566" y="1815651"/>
             <a:ext cx="792480" cy="1206137"/>
           </a:xfrm>
           <a:prstGeom prst="rect">
@@ -3666,7 +3666,7 @@
         </p:nvSpPr>
         <p:spPr>
           <a:xfrm>
-            <a:off x="3073008" y="1795861"/>
+            <a:off x="3852821" y="1815653"/>
             <a:ext cx="792480" cy="1206137"/>
           </a:xfrm>
           <a:prstGeom prst="rect">
@@ -3762,7 +3762,7 @@
         </p:nvSpPr>
         <p:spPr>
           <a:xfrm>
-            <a:off x="6244079" y="1799811"/>
+            <a:off x="7023892" y="1819603"/>
             <a:ext cx="792480" cy="1206137"/>
           </a:xfrm>
           <a:prstGeom prst="rect">
@@ -3839,7 +3839,7 @@
         </p:nvSpPr>
         <p:spPr>
           <a:xfrm>
-            <a:off x="6047596" y="3543709"/>
+            <a:off x="6827409" y="3563501"/>
             <a:ext cx="988963" cy="1206137"/>
           </a:xfrm>
           <a:prstGeom prst="rect">
@@ -3935,7 +3935,7 @@
         </p:nvSpPr>
         <p:spPr>
           <a:xfrm>
-            <a:off x="5892162" y="5286615"/>
+            <a:off x="6671975" y="5306407"/>
             <a:ext cx="1151541" cy="1206137"/>
           </a:xfrm>
           <a:prstGeom prst="rect">
@@ -4012,7 +4012,7 @@
         </p:nvSpPr>
         <p:spPr>
           <a:xfrm>
-            <a:off x="7835383" y="5286614"/>
+            <a:off x="8615196" y="5306406"/>
             <a:ext cx="846237" cy="1206137"/>
           </a:xfrm>
           <a:prstGeom prst="rect">
@@ -4107,7 +4107,7 @@
         </p:nvCxnSpPr>
         <p:spPr>
           <a:xfrm>
-            <a:off x="2271630" y="2394968"/>
+            <a:off x="3051443" y="2414760"/>
             <a:ext cx="800775" cy="0"/>
           </a:xfrm>
           <a:prstGeom prst="straightConnector1">
@@ -4146,7 +4146,7 @@
         </p:nvSpPr>
         <p:spPr>
           <a:xfrm>
-            <a:off x="2271630" y="2117969"/>
+            <a:off x="3051443" y="2137761"/>
             <a:ext cx="780983" cy="276999"/>
           </a:xfrm>
           <a:prstGeom prst="rect">
@@ -4184,7 +4184,7 @@
         </p:nvCxnSpPr>
         <p:spPr>
           <a:xfrm>
-            <a:off x="3865488" y="2394968"/>
+            <a:off x="4645301" y="2414760"/>
             <a:ext cx="800775" cy="0"/>
           </a:xfrm>
           <a:prstGeom prst="straightConnector1">
@@ -4223,7 +4223,7 @@
         </p:nvSpPr>
         <p:spPr>
           <a:xfrm>
-            <a:off x="3838776" y="2117968"/>
+            <a:off x="4618589" y="2137760"/>
             <a:ext cx="780983" cy="276999"/>
           </a:xfrm>
           <a:prstGeom prst="rect">
@@ -4261,7 +4261,7 @@
         </p:nvCxnSpPr>
         <p:spPr>
           <a:xfrm>
-            <a:off x="5450448" y="2622580"/>
+            <a:off x="6230261" y="2642372"/>
             <a:ext cx="800775" cy="0"/>
           </a:xfrm>
           <a:prstGeom prst="straightConnector1">
@@ -4303,7 +4303,7 @@
         </p:nvSpPr>
         <p:spPr>
           <a:xfrm>
-            <a:off x="5401684" y="2366225"/>
+            <a:off x="6181497" y="2386017"/>
             <a:ext cx="871329" cy="276999"/>
           </a:xfrm>
           <a:prstGeom prst="rect">
@@ -4342,7 +4342,7 @@
         </p:nvCxnSpPr>
         <p:spPr>
           <a:xfrm>
-            <a:off x="5197434" y="4146777"/>
+            <a:off x="5977247" y="4166569"/>
             <a:ext cx="850162" cy="1"/>
           </a:xfrm>
           <a:prstGeom prst="straightConnector1">
@@ -4383,7 +4383,7 @@
         </p:nvCxnSpPr>
         <p:spPr>
           <a:xfrm>
-            <a:off x="2369660" y="2405858"/>
+            <a:off x="3149473" y="2425650"/>
             <a:ext cx="0" cy="1752408"/>
           </a:xfrm>
           <a:prstGeom prst="line">
@@ -4422,7 +4422,7 @@
         </p:nvCxnSpPr>
         <p:spPr>
           <a:xfrm>
-            <a:off x="6804172" y="3079532"/>
+            <a:off x="7583985" y="3099324"/>
             <a:ext cx="0" cy="464177"/>
           </a:xfrm>
           <a:prstGeom prst="straightConnector1">
@@ -4464,7 +4464,7 @@
         </p:nvSpPr>
         <p:spPr>
           <a:xfrm>
-            <a:off x="6769776" y="3120202"/>
+            <a:off x="7549589" y="3139994"/>
             <a:ext cx="631904" cy="276999"/>
           </a:xfrm>
           <a:prstGeom prst="rect">
@@ -4488,10 +4488,10 @@
       </p:sp>
       <p:sp>
         <p:nvSpPr>
-          <p:cNvPr id="30" name="TextBox 29">
-            <a:extLst>
-              <a:ext uri="{FF2B5EF4-FFF2-40B4-BE49-F238E27FC236}">
-                <a16:creationId xmlns:a16="http://schemas.microsoft.com/office/drawing/2014/main" id="{B81AF3F5-70ED-E623-B669-224A8102399A}"/>
+          <p:cNvPr id="31" name="TextBox 30">
+            <a:extLst>
+              <a:ext uri="{FF2B5EF4-FFF2-40B4-BE49-F238E27FC236}">
+                <a16:creationId xmlns:a16="http://schemas.microsoft.com/office/drawing/2014/main" id="{59097396-BCCD-8E8E-0471-CAB647BF4B42}"/>
               </a:ext>
             </a:extLst>
           </p:cNvPr>
@@ -4500,7 +4500,7 @@
         </p:nvSpPr>
         <p:spPr>
           <a:xfrm>
-            <a:off x="668776" y="2405858"/>
+            <a:off x="4572010" y="2412760"/>
             <a:ext cx="846707" cy="276999"/>
           </a:xfrm>
           <a:prstGeom prst="rect">
@@ -4516,7 +4516,7 @@
           <a:p>
             <a:r>
               <a:rPr lang="en-US" sz="1200" dirty="0"/>
-              <a:t>3.84 MSPS</a:t>
+              <a:t>1.92 MSPS</a:t>
             </a:r>
             <a:endParaRPr lang="en-GB" sz="1200" dirty="0"/>
           </a:p>
@@ -4524,42 +4524,6 @@
       </p:sp>
       <p:sp>
         <p:nvSpPr>
-          <p:cNvPr id="31" name="TextBox 30">
-            <a:extLst>
-              <a:ext uri="{FF2B5EF4-FFF2-40B4-BE49-F238E27FC236}">
-                <a16:creationId xmlns:a16="http://schemas.microsoft.com/office/drawing/2014/main" id="{59097396-BCCD-8E8E-0471-CAB647BF4B42}"/>
-              </a:ext>
-            </a:extLst>
-          </p:cNvPr>
-          <p:cNvSpPr txBox="1"/>
-          <p:nvPr/>
-        </p:nvSpPr>
-        <p:spPr>
-          <a:xfrm>
-            <a:off x="3792197" y="2392968"/>
-            <a:ext cx="846707" cy="276999"/>
-          </a:xfrm>
-          <a:prstGeom prst="rect">
-            <a:avLst/>
-          </a:prstGeom>
-          <a:noFill/>
-        </p:spPr>
-        <p:txBody>
-          <a:bodyPr wrap="none" rtlCol="0">
-            <a:spAutoFit/>
-          </a:bodyPr>
-          <a:lstStyle/>
-          <a:p>
-            <a:r>
-              <a:rPr lang="en-US" sz="1200" dirty="0"/>
-              <a:t>1.92 MSPS</a:t>
-            </a:r>
-            <a:endParaRPr lang="en-GB" sz="1200" dirty="0"/>
-          </a:p>
-        </p:txBody>
-      </p:sp>
-      <p:sp>
-        <p:nvSpPr>
           <p:cNvPr id="35" name="Rectangle 34">
             <a:extLst>
               <a:ext uri="{FF2B5EF4-FFF2-40B4-BE49-F238E27FC236}">
@@ -4572,7 +4536,7 @@
         </p:nvSpPr>
         <p:spPr>
           <a:xfrm>
-            <a:off x="4412097" y="3543709"/>
+            <a:off x="5191910" y="3563501"/>
             <a:ext cx="868917" cy="1206137"/>
           </a:xfrm>
           <a:prstGeom prst="rect">
@@ -4684,7 +4648,7 @@
         </p:nvCxnSpPr>
         <p:spPr>
           <a:xfrm flipV="1">
-            <a:off x="3352711" y="4146778"/>
+            <a:off x="4132524" y="4166570"/>
             <a:ext cx="1059386" cy="620"/>
           </a:xfrm>
           <a:prstGeom prst="straightConnector1">
@@ -4725,7 +4689,7 @@
         </p:nvCxnSpPr>
         <p:spPr>
           <a:xfrm>
-            <a:off x="6542077" y="4749845"/>
+            <a:off x="7321890" y="4769637"/>
             <a:ext cx="0" cy="537761"/>
           </a:xfrm>
           <a:prstGeom prst="straightConnector1">
@@ -4767,7 +4731,7 @@
         </p:nvSpPr>
         <p:spPr>
           <a:xfrm>
-            <a:off x="6539142" y="4875260"/>
+            <a:off x="7318955" y="4895052"/>
             <a:ext cx="476412" cy="276999"/>
           </a:xfrm>
           <a:prstGeom prst="rect">
@@ -4806,7 +4770,7 @@
         </p:nvCxnSpPr>
         <p:spPr>
           <a:xfrm>
-            <a:off x="5692615" y="5889682"/>
+            <a:off x="6472428" y="5909474"/>
             <a:ext cx="199547" cy="2"/>
           </a:xfrm>
           <a:prstGeom prst="straightConnector1">
@@ -4847,7 +4811,7 @@
         </p:nvCxnSpPr>
         <p:spPr>
           <a:xfrm>
-            <a:off x="5692615" y="4137274"/>
+            <a:off x="6472428" y="4157066"/>
             <a:ext cx="0" cy="1752408"/>
           </a:xfrm>
           <a:prstGeom prst="line">
@@ -4886,7 +4850,7 @@
         </p:nvCxnSpPr>
         <p:spPr>
           <a:xfrm>
-            <a:off x="7050847" y="5897801"/>
+            <a:off x="7830660" y="5917593"/>
             <a:ext cx="784537" cy="0"/>
           </a:xfrm>
           <a:prstGeom prst="straightConnector1">
@@ -4927,7 +4891,7 @@
         </p:nvCxnSpPr>
         <p:spPr>
           <a:xfrm>
-            <a:off x="5450448" y="2203509"/>
+            <a:off x="6230261" y="2223301"/>
             <a:ext cx="800775" cy="0"/>
           </a:xfrm>
           <a:prstGeom prst="straightConnector1">
@@ -4969,7 +4933,7 @@
         </p:nvSpPr>
         <p:spPr>
           <a:xfrm>
-            <a:off x="5402952" y="1954749"/>
+            <a:off x="6182765" y="1974541"/>
             <a:ext cx="832536" cy="276999"/>
           </a:xfrm>
           <a:prstGeom prst="rect">
@@ -5007,7 +4971,7 @@
         </p:nvCxnSpPr>
         <p:spPr>
           <a:xfrm>
-            <a:off x="1872422" y="823440"/>
+            <a:off x="2652235" y="843232"/>
             <a:ext cx="3571" cy="968007"/>
           </a:xfrm>
           <a:prstGeom prst="straightConnector1">
@@ -5051,7 +5015,7 @@
         </p:nvCxnSpPr>
         <p:spPr>
           <a:xfrm>
-            <a:off x="1872422" y="832264"/>
+            <a:off x="2652235" y="852056"/>
             <a:ext cx="1650591" cy="0"/>
           </a:xfrm>
           <a:prstGeom prst="line">
@@ -5094,7 +5058,7 @@
         </p:nvCxnSpPr>
         <p:spPr>
           <a:xfrm flipV="1">
-            <a:off x="8235164" y="815076"/>
+            <a:off x="9014977" y="834868"/>
             <a:ext cx="0" cy="976371"/>
           </a:xfrm>
           <a:prstGeom prst="line">
@@ -5135,7 +5099,7 @@
         </p:nvSpPr>
         <p:spPr>
           <a:xfrm>
-            <a:off x="9842183" y="5280313"/>
+            <a:off x="10621996" y="5300105"/>
             <a:ext cx="1040295" cy="1206137"/>
           </a:xfrm>
           <a:prstGeom prst="rect">
@@ -5216,7 +5180,7 @@
         </p:nvCxnSpPr>
         <p:spPr>
           <a:xfrm flipV="1">
-            <a:off x="8681620" y="5883382"/>
+            <a:off x="9461433" y="5903174"/>
             <a:ext cx="1160563" cy="6301"/>
           </a:xfrm>
           <a:prstGeom prst="straightConnector1">
@@ -5255,7 +5219,7 @@
         </p:nvSpPr>
         <p:spPr>
           <a:xfrm>
-            <a:off x="5271297" y="3884309"/>
+            <a:off x="6051110" y="3904101"/>
             <a:ext cx="702436" cy="276999"/>
           </a:xfrm>
           <a:prstGeom prst="rect">
@@ -5291,7 +5255,7 @@
         </p:nvSpPr>
         <p:spPr>
           <a:xfrm>
-            <a:off x="7085728" y="5869898"/>
+            <a:off x="7865541" y="5889690"/>
             <a:ext cx="702436" cy="276999"/>
           </a:xfrm>
           <a:prstGeom prst="rect">
@@ -5327,7 +5291,7 @@
         </p:nvSpPr>
         <p:spPr>
           <a:xfrm>
-            <a:off x="5234949" y="583044"/>
+            <a:off x="6014762" y="602836"/>
             <a:ext cx="950901" cy="276999"/>
           </a:xfrm>
           <a:prstGeom prst="rect">
@@ -5360,13 +5324,14 @@
           </p:cNvPr>
           <p:cNvCxnSpPr>
             <a:cxnSpLocks/>
+            <a:stCxn id="37" idx="3"/>
           </p:cNvCxnSpPr>
           <p:nvPr/>
         </p:nvCxnSpPr>
         <p:spPr>
-          <a:xfrm>
-            <a:off x="805901" y="2392494"/>
-            <a:ext cx="663655" cy="0"/>
+          <a:xfrm flipV="1">
+            <a:off x="1502418" y="2412286"/>
+            <a:ext cx="746951" cy="6432"/>
           </a:xfrm>
           <a:prstGeom prst="straightConnector1">
             <a:avLst/>
@@ -5404,7 +5369,7 @@
         </p:nvSpPr>
         <p:spPr>
           <a:xfrm>
-            <a:off x="688573" y="2115045"/>
+            <a:off x="301068" y="3192912"/>
             <a:ext cx="780983" cy="276999"/>
           </a:xfrm>
           <a:prstGeom prst="rect">
@@ -5440,7 +5405,7 @@
         </p:nvSpPr>
         <p:spPr>
           <a:xfrm>
-            <a:off x="3529067" y="228623"/>
+            <a:off x="4308880" y="248415"/>
             <a:ext cx="792480" cy="1206137"/>
           </a:xfrm>
           <a:prstGeom prst="rect">
@@ -5507,7 +5472,7 @@
         </p:nvCxnSpPr>
         <p:spPr>
           <a:xfrm flipV="1">
-            <a:off x="4321547" y="823440"/>
+            <a:off x="5101360" y="843232"/>
             <a:ext cx="3913617" cy="8252"/>
           </a:xfrm>
           <a:prstGeom prst="line">
@@ -5548,7 +5513,7 @@
         </p:nvSpPr>
         <p:spPr>
           <a:xfrm>
-            <a:off x="2444679" y="583044"/>
+            <a:off x="3224492" y="602836"/>
             <a:ext cx="780983" cy="276999"/>
           </a:xfrm>
           <a:prstGeom prst="rect">
@@ -5584,7 +5549,7 @@
         </p:nvSpPr>
         <p:spPr>
           <a:xfrm>
-            <a:off x="7838924" y="1799811"/>
+            <a:off x="8618737" y="1819603"/>
             <a:ext cx="792480" cy="1206137"/>
           </a:xfrm>
           <a:prstGeom prst="rect">
@@ -5663,7 +5628,7 @@
         </p:nvCxnSpPr>
         <p:spPr>
           <a:xfrm>
-            <a:off x="7036559" y="2191109"/>
+            <a:off x="7816372" y="2210901"/>
             <a:ext cx="800775" cy="0"/>
           </a:xfrm>
           <a:prstGeom prst="straightConnector1">
@@ -5707,7 +5672,7 @@
         </p:nvCxnSpPr>
         <p:spPr>
           <a:xfrm>
-            <a:off x="7043703" y="2509763"/>
+            <a:off x="7823516" y="2529555"/>
             <a:ext cx="800775" cy="0"/>
           </a:xfrm>
           <a:prstGeom prst="straightConnector1">
@@ -5749,7 +5714,7 @@
         </p:nvSpPr>
         <p:spPr>
           <a:xfrm>
-            <a:off x="7229251" y="1946776"/>
+            <a:off x="8009064" y="1966568"/>
             <a:ext cx="344966" cy="276999"/>
           </a:xfrm>
           <a:prstGeom prst="rect">
@@ -5785,7 +5750,7 @@
         </p:nvSpPr>
         <p:spPr>
           <a:xfrm>
-            <a:off x="7229251" y="2260427"/>
+            <a:off x="8009064" y="2280219"/>
             <a:ext cx="344966" cy="276999"/>
           </a:xfrm>
           <a:prstGeom prst="rect">
@@ -5821,7 +5786,7 @@
         </p:nvSpPr>
         <p:spPr>
           <a:xfrm>
-            <a:off x="2560231" y="3544329"/>
+            <a:off x="3340044" y="3564121"/>
             <a:ext cx="792480" cy="1206137"/>
           </a:xfrm>
           <a:prstGeom prst="rect">
@@ -5900,7 +5865,7 @@
         </p:nvCxnSpPr>
         <p:spPr>
           <a:xfrm>
-            <a:off x="2375241" y="4150377"/>
+            <a:off x="3155054" y="4170169"/>
             <a:ext cx="189829" cy="0"/>
           </a:xfrm>
           <a:prstGeom prst="straightConnector1">
@@ -5941,7 +5906,7 @@
         </p:nvCxnSpPr>
         <p:spPr>
           <a:xfrm>
-            <a:off x="3233139" y="3410152"/>
+            <a:off x="4012952" y="3429944"/>
             <a:ext cx="0" cy="133557"/>
           </a:xfrm>
           <a:prstGeom prst="straightConnector1">
@@ -5985,7 +5950,7 @@
         </p:nvCxnSpPr>
         <p:spPr>
           <a:xfrm>
-            <a:off x="3225662" y="3402560"/>
+            <a:off x="4005475" y="3422352"/>
             <a:ext cx="3578510" cy="10763"/>
           </a:xfrm>
           <a:prstGeom prst="line">
@@ -6028,7 +5993,7 @@
         </p:nvCxnSpPr>
         <p:spPr>
           <a:xfrm>
-            <a:off x="5281014" y="3741037"/>
+            <a:off x="6060827" y="3760829"/>
             <a:ext cx="766582" cy="0"/>
           </a:xfrm>
           <a:prstGeom prst="straightConnector1">
@@ -6070,7 +6035,7 @@
         </p:nvSpPr>
         <p:spPr>
           <a:xfrm>
-            <a:off x="5279575" y="3485419"/>
+            <a:off x="6059388" y="3505211"/>
             <a:ext cx="759760" cy="276999"/>
           </a:xfrm>
           <a:prstGeom prst="rect">
@@ -6108,7 +6073,7 @@
         </p:nvCxnSpPr>
         <p:spPr>
           <a:xfrm>
-            <a:off x="5450448" y="6183405"/>
+            <a:off x="6230261" y="6203197"/>
             <a:ext cx="441714" cy="0"/>
           </a:xfrm>
           <a:prstGeom prst="straightConnector1">
@@ -6152,7 +6117,7 @@
         </p:nvCxnSpPr>
         <p:spPr>
           <a:xfrm>
-            <a:off x="5450448" y="4430997"/>
+            <a:off x="6230261" y="4450789"/>
             <a:ext cx="0" cy="1752408"/>
           </a:xfrm>
           <a:prstGeom prst="line">
@@ -6195,7 +6160,7 @@
         </p:nvCxnSpPr>
         <p:spPr>
           <a:xfrm>
-            <a:off x="5281014" y="4430997"/>
+            <a:off x="6060827" y="4450789"/>
             <a:ext cx="169434" cy="0"/>
           </a:xfrm>
           <a:prstGeom prst="line">
@@ -6236,7 +6201,7 @@
         </p:nvSpPr>
         <p:spPr>
           <a:xfrm>
-            <a:off x="5066482" y="6190300"/>
+            <a:off x="5846295" y="6210092"/>
             <a:ext cx="889603" cy="276999"/>
           </a:xfrm>
           <a:prstGeom prst="rect">
@@ -6272,7 +6237,7 @@
         </p:nvSpPr>
         <p:spPr>
           <a:xfrm>
-            <a:off x="7835383" y="3877432"/>
+            <a:off x="8615196" y="3897224"/>
             <a:ext cx="846237" cy="1206137"/>
           </a:xfrm>
           <a:prstGeom prst="rect">
@@ -6365,7 +6330,7 @@
         </p:nvSpPr>
         <p:spPr>
           <a:xfrm>
-            <a:off x="9843678" y="3877430"/>
+            <a:off x="10623491" y="3897222"/>
             <a:ext cx="1040296" cy="1206137"/>
           </a:xfrm>
           <a:prstGeom prst="rect">
@@ -6462,7 +6427,7 @@
         </p:nvCxnSpPr>
         <p:spPr>
           <a:xfrm flipV="1">
-            <a:off x="8681620" y="4480499"/>
+            <a:off x="9461433" y="4500291"/>
             <a:ext cx="1162058" cy="2"/>
           </a:xfrm>
           <a:prstGeom prst="straightConnector1">
@@ -6503,7 +6468,7 @@
         </p:nvCxnSpPr>
         <p:spPr>
           <a:xfrm>
-            <a:off x="7513122" y="4480499"/>
+            <a:off x="8292935" y="4500291"/>
             <a:ext cx="331356" cy="0"/>
           </a:xfrm>
           <a:prstGeom prst="straightConnector1">
@@ -6544,7 +6509,7 @@
         </p:nvCxnSpPr>
         <p:spPr>
           <a:xfrm>
-            <a:off x="7513122" y="4480499"/>
+            <a:off x="8292935" y="4500291"/>
             <a:ext cx="0" cy="1402883"/>
           </a:xfrm>
           <a:prstGeom prst="line">
@@ -6583,7 +6548,7 @@
         </p:nvCxnSpPr>
         <p:spPr>
           <a:xfrm>
-            <a:off x="3348527" y="3630685"/>
+            <a:off x="4128340" y="3650477"/>
             <a:ext cx="1063570" cy="0"/>
           </a:xfrm>
           <a:prstGeom prst="straightConnector1">
@@ -6625,7 +6590,7 @@
         </p:nvSpPr>
         <p:spPr>
           <a:xfrm>
-            <a:off x="3404008" y="3410152"/>
+            <a:off x="4183821" y="3429944"/>
             <a:ext cx="942566" cy="276999"/>
           </a:xfrm>
           <a:prstGeom prst="rect">
@@ -6663,7 +6628,7 @@
         </p:nvCxnSpPr>
         <p:spPr>
           <a:xfrm>
-            <a:off x="3350619" y="3858586"/>
+            <a:off x="4130432" y="3878378"/>
             <a:ext cx="1063570" cy="0"/>
           </a:xfrm>
           <a:prstGeom prst="straightConnector1">
@@ -6705,7 +6670,7 @@
         </p:nvSpPr>
         <p:spPr>
           <a:xfrm>
-            <a:off x="3418234" y="3629432"/>
+            <a:off x="4198047" y="3649224"/>
             <a:ext cx="759760" cy="276999"/>
           </a:xfrm>
           <a:prstGeom prst="rect">
@@ -6743,7 +6708,7 @@
         </p:nvCxnSpPr>
         <p:spPr>
           <a:xfrm>
-            <a:off x="3367605" y="4430997"/>
+            <a:off x="4147418" y="4450789"/>
             <a:ext cx="1044492" cy="0"/>
           </a:xfrm>
           <a:prstGeom prst="straightConnector1">
@@ -6785,7 +6750,7 @@
         </p:nvSpPr>
         <p:spPr>
           <a:xfrm>
-            <a:off x="3434766" y="4178845"/>
+            <a:off x="4214579" y="4198637"/>
             <a:ext cx="889603" cy="276999"/>
           </a:xfrm>
           <a:prstGeom prst="rect">
@@ -6823,7 +6788,7 @@
         </p:nvCxnSpPr>
         <p:spPr>
           <a:xfrm>
-            <a:off x="7042432" y="6210316"/>
+            <a:off x="7822245" y="6230108"/>
             <a:ext cx="792951" cy="0"/>
           </a:xfrm>
           <a:prstGeom prst="straightConnector1">
@@ -6865,7 +6830,7 @@
         </p:nvSpPr>
         <p:spPr>
           <a:xfrm>
-            <a:off x="6992144" y="6180711"/>
+            <a:off x="7771957" y="6200503"/>
             <a:ext cx="889603" cy="276999"/>
           </a:xfrm>
           <a:prstGeom prst="rect">
@@ -6903,7 +6868,7 @@
         </p:nvCxnSpPr>
         <p:spPr>
           <a:xfrm flipV="1">
-            <a:off x="7212255" y="4170450"/>
+            <a:off x="7992068" y="4190242"/>
             <a:ext cx="632223" cy="8395"/>
           </a:xfrm>
           <a:prstGeom prst="straightConnector1">
@@ -6947,7 +6912,7 @@
         </p:nvCxnSpPr>
         <p:spPr>
           <a:xfrm>
-            <a:off x="7229251" y="4170450"/>
+            <a:off x="8009064" y="4190242"/>
             <a:ext cx="0" cy="1454495"/>
           </a:xfrm>
           <a:prstGeom prst="line">
@@ -6990,7 +6955,7 @@
         </p:nvCxnSpPr>
         <p:spPr>
           <a:xfrm>
-            <a:off x="7050847" y="5624945"/>
+            <a:off x="7830660" y="5644737"/>
             <a:ext cx="178404" cy="0"/>
           </a:xfrm>
           <a:prstGeom prst="line">
@@ -7031,7 +6996,7 @@
         </p:nvSpPr>
         <p:spPr>
           <a:xfrm>
-            <a:off x="7036559" y="3893450"/>
+            <a:off x="7816372" y="3913242"/>
             <a:ext cx="838243" cy="276999"/>
           </a:xfrm>
           <a:prstGeom prst="rect">
@@ -7067,7 +7032,7 @@
         </p:nvSpPr>
         <p:spPr>
           <a:xfrm>
-            <a:off x="8819716" y="5869897"/>
+            <a:off x="9599529" y="5889689"/>
             <a:ext cx="712054" cy="276999"/>
           </a:xfrm>
           <a:prstGeom prst="rect">
@@ -7107,7 +7072,7 @@
         </p:nvSpPr>
         <p:spPr>
           <a:xfrm>
-            <a:off x="8835816" y="4455844"/>
+            <a:off x="9615629" y="4475636"/>
             <a:ext cx="712054" cy="276999"/>
           </a:xfrm>
           <a:prstGeom prst="rect">
@@ -7149,7 +7114,7 @@
         </p:nvCxnSpPr>
         <p:spPr>
           <a:xfrm flipV="1">
-            <a:off x="2977760" y="6680280"/>
+            <a:off x="3757573" y="6700072"/>
             <a:ext cx="3490172" cy="1"/>
           </a:xfrm>
           <a:prstGeom prst="line">
@@ -7192,7 +7157,7 @@
         </p:nvCxnSpPr>
         <p:spPr>
           <a:xfrm flipV="1">
-            <a:off x="2984710" y="4749845"/>
+            <a:off x="3764523" y="4769637"/>
             <a:ext cx="0" cy="1939137"/>
           </a:xfrm>
           <a:prstGeom prst="straightConnector1">
@@ -7236,7 +7201,7 @@
         </p:nvCxnSpPr>
         <p:spPr>
           <a:xfrm flipV="1">
-            <a:off x="6471891" y="6492751"/>
+            <a:off x="7251704" y="6512543"/>
             <a:ext cx="0" cy="196231"/>
           </a:xfrm>
           <a:prstGeom prst="line">
@@ -7279,7 +7244,7 @@
             </p:nvSpPr>
             <p:spPr>
               <a:xfrm>
-                <a:off x="4023984" y="6438315"/>
+                <a:off x="4803797" y="6458107"/>
                 <a:ext cx="475066" cy="276999"/>
               </a:xfrm>
               <a:prstGeom prst="rect">
@@ -7362,7 +7327,7 @@
             </p:nvSpPr>
             <p:spPr>
               <a:xfrm>
-                <a:off x="4023984" y="6438315"/>
+                <a:off x="4803797" y="6458107"/>
                 <a:ext cx="475066" cy="276999"/>
               </a:xfrm>
               <a:prstGeom prst="rect">
@@ -7380,7 +7345,7 @@
               <a:lstStyle/>
               <a:p>
                 <a:r>
-                  <a:rPr lang="en-GB">
+                  <a:rPr lang="de-DE">
                     <a:noFill/>
                   </a:rPr>
                   <a:t> </a:t>
@@ -7404,7 +7369,7 @@
         </p:nvSpPr>
         <p:spPr>
           <a:xfrm>
-            <a:off x="10105054" y="3249144"/>
+            <a:off x="10884867" y="3268936"/>
             <a:ext cx="574196" cy="369332"/>
           </a:xfrm>
           <a:prstGeom prst="rect">
@@ -7442,7 +7407,7 @@
         </p:nvCxnSpPr>
         <p:spPr>
           <a:xfrm>
-            <a:off x="8681620" y="6210316"/>
+            <a:off x="9461433" y="6230108"/>
             <a:ext cx="1160564" cy="0"/>
           </a:xfrm>
           <a:prstGeom prst="straightConnector1">
@@ -7486,7 +7451,7 @@
         </p:nvCxnSpPr>
         <p:spPr>
           <a:xfrm>
-            <a:off x="8681620" y="4170450"/>
+            <a:off x="9461433" y="4190242"/>
             <a:ext cx="1160564" cy="0"/>
           </a:xfrm>
           <a:prstGeom prst="straightConnector1">
@@ -7528,7 +7493,7 @@
         </p:nvSpPr>
         <p:spPr>
           <a:xfrm>
-            <a:off x="8752944" y="6169887"/>
+            <a:off x="9532757" y="6189679"/>
             <a:ext cx="889603" cy="276999"/>
           </a:xfrm>
           <a:prstGeom prst="rect">
@@ -7564,7 +7529,7 @@
         </p:nvSpPr>
         <p:spPr>
           <a:xfrm>
-            <a:off x="8777168" y="3899127"/>
+            <a:off x="9556981" y="3918919"/>
             <a:ext cx="838243" cy="276999"/>
           </a:xfrm>
           <a:prstGeom prst="rect">
@@ -7600,7 +7565,7 @@
         </p:nvSpPr>
         <p:spPr>
           <a:xfrm>
-            <a:off x="6039335" y="1413183"/>
+            <a:off x="6819148" y="1432975"/>
             <a:ext cx="1368131" cy="369332"/>
           </a:xfrm>
           <a:prstGeom prst="rect">
@@ -7638,7 +7603,7 @@
         </p:nvCxnSpPr>
         <p:spPr>
           <a:xfrm flipV="1">
-            <a:off x="6507077" y="3077254"/>
+            <a:off x="7286890" y="3097046"/>
             <a:ext cx="0" cy="204808"/>
           </a:xfrm>
           <a:prstGeom prst="straightConnector1">
@@ -7682,7 +7647,7 @@
         </p:nvCxnSpPr>
         <p:spPr>
           <a:xfrm flipV="1">
-            <a:off x="3016905" y="3278917"/>
+            <a:off x="3796718" y="3298709"/>
             <a:ext cx="3490172" cy="1"/>
           </a:xfrm>
           <a:prstGeom prst="line">
@@ -7725,7 +7690,7 @@
         </p:nvCxnSpPr>
         <p:spPr>
           <a:xfrm flipV="1">
-            <a:off x="3016905" y="3274828"/>
+            <a:off x="3796718" y="3294620"/>
             <a:ext cx="0" cy="258805"/>
           </a:xfrm>
           <a:prstGeom prst="line">
@@ -7766,7 +7731,7 @@
         </p:nvSpPr>
         <p:spPr>
           <a:xfrm>
-            <a:off x="3633550" y="3039389"/>
+            <a:off x="4413363" y="3059181"/>
             <a:ext cx="1831912" cy="276999"/>
           </a:xfrm>
           <a:prstGeom prst="rect">
@@ -7788,6 +7753,798 @@
           </a:p>
         </p:txBody>
       </p:sp>
+      <p:sp>
+        <p:nvSpPr>
+          <p:cNvPr id="37" name="Rectangle 4">
+            <a:extLst>
+              <a:ext uri="{FF2B5EF4-FFF2-40B4-BE49-F238E27FC236}">
+                <a16:creationId xmlns:a16="http://schemas.microsoft.com/office/drawing/2014/main" id="{9E8D13FC-2F4E-9FA7-EDDC-AA4395A61D54}"/>
+              </a:ext>
+            </a:extLst>
+          </p:cNvPr>
+          <p:cNvSpPr/>
+          <p:nvPr/>
+        </p:nvSpPr>
+        <p:spPr>
+          <a:xfrm>
+            <a:off x="604908" y="1815649"/>
+            <a:ext cx="897510" cy="1206137"/>
+          </a:xfrm>
+          <a:prstGeom prst="rect">
+            <a:avLst/>
+          </a:prstGeom>
+          <a:solidFill>
+            <a:schemeClr val="bg1"/>
+          </a:solidFill>
+        </p:spPr>
+        <p:style>
+          <a:lnRef idx="2">
+            <a:schemeClr val="accent1">
+              <a:shade val="50000"/>
+            </a:schemeClr>
+          </a:lnRef>
+          <a:fillRef idx="1">
+            <a:schemeClr val="accent1"/>
+          </a:fillRef>
+          <a:effectRef idx="0">
+            <a:schemeClr val="accent1"/>
+          </a:effectRef>
+          <a:fontRef idx="minor">
+            <a:schemeClr val="lt1"/>
+          </a:fontRef>
+        </p:style>
+        <p:txBody>
+          <a:bodyPr rtlCol="0" anchor="ctr"/>
+          <a:lstStyle/>
+          <a:p>
+            <a:pPr algn="ctr"/>
+            <a:r>
+              <a:rPr lang="en-US">
+                <a:ln w="0"/>
+                <a:solidFill>
+                  <a:schemeClr val="tx1"/>
+                </a:solidFill>
+                <a:effectLst>
+                  <a:outerShdw blurRad="38100" dist="19050" dir="2700000" algn="tl" rotWithShape="0">
+                    <a:schemeClr val="dk1">
+                      <a:alpha val="40000"/>
+                    </a:schemeClr>
+                  </a:outerShdw>
+                </a:effectLst>
+              </a:rPr>
+              <a:t>AXI</a:t>
+            </a:r>
+          </a:p>
+          <a:p>
+            <a:pPr algn="ctr"/>
+            <a:r>
+              <a:rPr lang="en-US">
+                <a:ln w="0"/>
+                <a:solidFill>
+                  <a:schemeClr val="tx1"/>
+                </a:solidFill>
+                <a:effectLst>
+                  <a:outerShdw blurRad="38100" dist="19050" dir="2700000" algn="tl" rotWithShape="0">
+                    <a:schemeClr val="dk1">
+                      <a:alpha val="40000"/>
+                    </a:schemeClr>
+                  </a:outerShdw>
+                </a:effectLst>
+              </a:rPr>
+              <a:t>stream</a:t>
+            </a:r>
+            <a:endParaRPr lang="en-US" dirty="0">
+              <a:ln w="0"/>
+              <a:solidFill>
+                <a:schemeClr val="tx1"/>
+              </a:solidFill>
+              <a:effectLst>
+                <a:outerShdw blurRad="38100" dist="19050" dir="2700000" algn="tl" rotWithShape="0">
+                  <a:schemeClr val="dk1">
+                    <a:alpha val="40000"/>
+                  </a:schemeClr>
+                </a:outerShdw>
+              </a:effectLst>
+            </a:endParaRPr>
+          </a:p>
+          <a:p>
+            <a:pPr algn="ctr"/>
+            <a:r>
+              <a:rPr lang="en-US">
+                <a:ln w="0"/>
+                <a:solidFill>
+                  <a:schemeClr val="tx1"/>
+                </a:solidFill>
+                <a:effectLst>
+                  <a:outerShdw blurRad="38100" dist="19050" dir="2700000" algn="tl" rotWithShape="0">
+                    <a:schemeClr val="dk1">
+                      <a:alpha val="40000"/>
+                    </a:schemeClr>
+                  </a:outerShdw>
+                </a:effectLst>
+              </a:rPr>
+              <a:t>CDC</a:t>
+            </a:r>
+            <a:endParaRPr lang="en-GB" dirty="0">
+              <a:ln w="0"/>
+              <a:solidFill>
+                <a:schemeClr val="tx1"/>
+              </a:solidFill>
+              <a:effectLst>
+                <a:outerShdw blurRad="38100" dist="19050" dir="2700000" algn="tl" rotWithShape="0">
+                  <a:schemeClr val="dk1">
+                    <a:alpha val="40000"/>
+                  </a:schemeClr>
+                </a:outerShdw>
+              </a:effectLst>
+            </a:endParaRPr>
+          </a:p>
+        </p:txBody>
+      </p:sp>
+      <p:sp>
+        <p:nvSpPr>
+          <p:cNvPr id="70" name="Rectangle 4">
+            <a:extLst>
+              <a:ext uri="{FF2B5EF4-FFF2-40B4-BE49-F238E27FC236}">
+                <a16:creationId xmlns:a16="http://schemas.microsoft.com/office/drawing/2014/main" id="{A523A560-9920-115C-9513-3B2024E1834F}"/>
+              </a:ext>
+            </a:extLst>
+          </p:cNvPr>
+          <p:cNvSpPr/>
+          <p:nvPr/>
+        </p:nvSpPr>
+        <p:spPr>
+          <a:xfrm>
+            <a:off x="570769" y="3612925"/>
+            <a:ext cx="959943" cy="1206137"/>
+          </a:xfrm>
+          <a:prstGeom prst="rect">
+            <a:avLst/>
+          </a:prstGeom>
+          <a:solidFill>
+            <a:schemeClr val="bg1"/>
+          </a:solidFill>
+        </p:spPr>
+        <p:style>
+          <a:lnRef idx="2">
+            <a:schemeClr val="accent1">
+              <a:shade val="50000"/>
+            </a:schemeClr>
+          </a:lnRef>
+          <a:fillRef idx="1">
+            <a:schemeClr val="accent1"/>
+          </a:fillRef>
+          <a:effectRef idx="0">
+            <a:schemeClr val="accent1"/>
+          </a:effectRef>
+          <a:fontRef idx="minor">
+            <a:schemeClr val="lt1"/>
+          </a:fontRef>
+        </p:style>
+        <p:txBody>
+          <a:bodyPr rtlCol="0" anchor="ctr"/>
+          <a:lstStyle/>
+          <a:p>
+            <a:pPr algn="ctr"/>
+            <a:r>
+              <a:rPr lang="en-US">
+                <a:ln w="0"/>
+                <a:solidFill>
+                  <a:schemeClr val="tx1"/>
+                </a:solidFill>
+                <a:effectLst>
+                  <a:outerShdw blurRad="38100" dist="19050" dir="2700000" algn="tl" rotWithShape="0">
+                    <a:schemeClr val="dk1">
+                      <a:alpha val="40000"/>
+                    </a:schemeClr>
+                  </a:outerShdw>
+                </a:effectLst>
+              </a:rPr>
+              <a:t>AD9361</a:t>
+            </a:r>
+            <a:endParaRPr lang="en-GB" dirty="0">
+              <a:ln w="0"/>
+              <a:solidFill>
+                <a:schemeClr val="tx1"/>
+              </a:solidFill>
+              <a:effectLst>
+                <a:outerShdw blurRad="38100" dist="19050" dir="2700000" algn="tl" rotWithShape="0">
+                  <a:schemeClr val="dk1">
+                    <a:alpha val="40000"/>
+                  </a:schemeClr>
+                </a:outerShdw>
+              </a:effectLst>
+            </a:endParaRPr>
+          </a:p>
+        </p:txBody>
+      </p:sp>
+      <p:cxnSp>
+        <p:nvCxnSpPr>
+          <p:cNvPr id="96" name="Straight Arrow Connector 68">
+            <a:extLst>
+              <a:ext uri="{FF2B5EF4-FFF2-40B4-BE49-F238E27FC236}">
+                <a16:creationId xmlns:a16="http://schemas.microsoft.com/office/drawing/2014/main" id="{6CC6B3FC-3E64-04CA-2860-CEAAA75966E4}"/>
+              </a:ext>
+            </a:extLst>
+          </p:cNvPr>
+          <p:cNvCxnSpPr>
+            <a:cxnSpLocks/>
+          </p:cNvCxnSpPr>
+          <p:nvPr/>
+        </p:nvCxnSpPr>
+        <p:spPr>
+          <a:xfrm flipV="1">
+            <a:off x="1050741" y="3011682"/>
+            <a:ext cx="0" cy="601243"/>
+          </a:xfrm>
+          <a:prstGeom prst="straightConnector1">
+            <a:avLst/>
+          </a:prstGeom>
+          <a:ln w="19050">
+            <a:tailEnd type="triangle"/>
+          </a:ln>
+        </p:spPr>
+        <p:style>
+          <a:lnRef idx="1">
+            <a:schemeClr val="accent1"/>
+          </a:lnRef>
+          <a:fillRef idx="0">
+            <a:schemeClr val="accent1"/>
+          </a:fillRef>
+          <a:effectRef idx="0">
+            <a:schemeClr val="accent1"/>
+          </a:effectRef>
+          <a:fontRef idx="minor">
+            <a:schemeClr val="tx1"/>
+          </a:fontRef>
+        </p:style>
+      </p:cxnSp>
+      <p:cxnSp>
+        <p:nvCxnSpPr>
+          <p:cNvPr id="98" name="Straight Arrow Connector 68">
+            <a:extLst>
+              <a:ext uri="{FF2B5EF4-FFF2-40B4-BE49-F238E27FC236}">
+                <a16:creationId xmlns:a16="http://schemas.microsoft.com/office/drawing/2014/main" id="{B49CB11E-02EA-1375-3B7D-8A72FD84E0FD}"/>
+              </a:ext>
+            </a:extLst>
+          </p:cNvPr>
+          <p:cNvCxnSpPr>
+            <a:cxnSpLocks/>
+          </p:cNvCxnSpPr>
+          <p:nvPr/>
+        </p:nvCxnSpPr>
+        <p:spPr>
+          <a:xfrm>
+            <a:off x="1050740" y="1323511"/>
+            <a:ext cx="0" cy="496092"/>
+          </a:xfrm>
+          <a:prstGeom prst="straightConnector1">
+            <a:avLst/>
+          </a:prstGeom>
+          <a:ln w="19050">
+            <a:solidFill>
+              <a:srgbClr val="7030A0"/>
+            </a:solidFill>
+            <a:tailEnd type="triangle"/>
+          </a:ln>
+        </p:spPr>
+        <p:style>
+          <a:lnRef idx="1">
+            <a:schemeClr val="accent1"/>
+          </a:lnRef>
+          <a:fillRef idx="0">
+            <a:schemeClr val="accent1"/>
+          </a:fillRef>
+          <a:effectRef idx="0">
+            <a:schemeClr val="accent1"/>
+          </a:effectRef>
+          <a:fontRef idx="minor">
+            <a:schemeClr val="tx1"/>
+          </a:fontRef>
+        </p:style>
+      </p:cxnSp>
+      <p:sp>
+        <p:nvSpPr>
+          <p:cNvPr id="100" name="TextBox 70">
+            <a:extLst>
+              <a:ext uri="{FF2B5EF4-FFF2-40B4-BE49-F238E27FC236}">
+                <a16:creationId xmlns:a16="http://schemas.microsoft.com/office/drawing/2014/main" id="{147D1B50-23E8-3FA3-7E46-D69844C3EC20}"/>
+              </a:ext>
+            </a:extLst>
+          </p:cNvPr>
+          <p:cNvSpPr txBox="1"/>
+          <p:nvPr/>
+        </p:nvSpPr>
+        <p:spPr>
+          <a:xfrm>
+            <a:off x="1021221" y="1303854"/>
+            <a:ext cx="939681" cy="461665"/>
+          </a:xfrm>
+          <a:prstGeom prst="rect">
+            <a:avLst/>
+          </a:prstGeom>
+          <a:noFill/>
+        </p:spPr>
+        <p:txBody>
+          <a:bodyPr wrap="none" rtlCol="0">
+            <a:spAutoFit/>
+          </a:bodyPr>
+          <a:lstStyle/>
+          <a:p>
+            <a:r>
+              <a:rPr lang="en-US" sz="1200"/>
+              <a:t>122.88 MHz</a:t>
+            </a:r>
+            <a:br>
+              <a:rPr lang="en-US" sz="1200"/>
+            </a:br>
+            <a:r>
+              <a:rPr lang="en-US" sz="1200"/>
+              <a:t>clock</a:t>
+            </a:r>
+            <a:endParaRPr lang="en-GB" sz="1200" dirty="0"/>
+          </a:p>
+        </p:txBody>
+      </p:sp>
+      <p:cxnSp>
+        <p:nvCxnSpPr>
+          <p:cNvPr id="101" name="Straight Arrow Connector 68">
+            <a:extLst>
+              <a:ext uri="{FF2B5EF4-FFF2-40B4-BE49-F238E27FC236}">
+                <a16:creationId xmlns:a16="http://schemas.microsoft.com/office/drawing/2014/main" id="{9D641FE8-4E05-1176-A030-546CE5CE2924}"/>
+              </a:ext>
+            </a:extLst>
+          </p:cNvPr>
+          <p:cNvCxnSpPr>
+            <a:cxnSpLocks/>
+          </p:cNvCxnSpPr>
+          <p:nvPr/>
+        </p:nvCxnSpPr>
+        <p:spPr>
+          <a:xfrm flipV="1">
+            <a:off x="1315490" y="3017748"/>
+            <a:ext cx="0" cy="595177"/>
+          </a:xfrm>
+          <a:prstGeom prst="straightConnector1">
+            <a:avLst/>
+          </a:prstGeom>
+          <a:ln w="19050">
+            <a:solidFill>
+              <a:srgbClr val="C709C2"/>
+            </a:solidFill>
+            <a:tailEnd type="triangle"/>
+          </a:ln>
+        </p:spPr>
+        <p:style>
+          <a:lnRef idx="1">
+            <a:schemeClr val="accent1"/>
+          </a:lnRef>
+          <a:fillRef idx="0">
+            <a:schemeClr val="accent1"/>
+          </a:fillRef>
+          <a:effectRef idx="0">
+            <a:schemeClr val="accent1"/>
+          </a:effectRef>
+          <a:fontRef idx="minor">
+            <a:schemeClr val="tx1"/>
+          </a:fontRef>
+        </p:style>
+      </p:cxnSp>
+      <p:sp>
+        <p:nvSpPr>
+          <p:cNvPr id="103" name="TextBox 70">
+            <a:extLst>
+              <a:ext uri="{FF2B5EF4-FFF2-40B4-BE49-F238E27FC236}">
+                <a16:creationId xmlns:a16="http://schemas.microsoft.com/office/drawing/2014/main" id="{0F548B4F-E774-9C48-FF21-E970EEA6A8D3}"/>
+              </a:ext>
+            </a:extLst>
+          </p:cNvPr>
+          <p:cNvSpPr txBox="1"/>
+          <p:nvPr/>
+        </p:nvSpPr>
+        <p:spPr>
+          <a:xfrm>
+            <a:off x="1459478" y="2404480"/>
+            <a:ext cx="846707" cy="276999"/>
+          </a:xfrm>
+          <a:prstGeom prst="rect">
+            <a:avLst/>
+          </a:prstGeom>
+          <a:noFill/>
+        </p:spPr>
+        <p:txBody>
+          <a:bodyPr wrap="none" rtlCol="0">
+            <a:spAutoFit/>
+          </a:bodyPr>
+          <a:lstStyle/>
+          <a:p>
+            <a:r>
+              <a:rPr lang="en-US" sz="1200"/>
+              <a:t>3.84 MSPS</a:t>
+            </a:r>
+            <a:endParaRPr lang="en-GB" sz="1200" dirty="0"/>
+          </a:p>
+        </p:txBody>
+      </p:sp>
+      <p:sp>
+        <p:nvSpPr>
+          <p:cNvPr id="106" name="TextBox 70">
+            <a:extLst>
+              <a:ext uri="{FF2B5EF4-FFF2-40B4-BE49-F238E27FC236}">
+                <a16:creationId xmlns:a16="http://schemas.microsoft.com/office/drawing/2014/main" id="{383E3885-40EA-B91C-5BD9-8CC3107E5EC3}"/>
+              </a:ext>
+            </a:extLst>
+          </p:cNvPr>
+          <p:cNvSpPr txBox="1"/>
+          <p:nvPr/>
+        </p:nvSpPr>
+        <p:spPr>
+          <a:xfrm>
+            <a:off x="1298284" y="3097532"/>
+            <a:ext cx="782587" cy="461665"/>
+          </a:xfrm>
+          <a:prstGeom prst="rect">
+            <a:avLst/>
+          </a:prstGeom>
+          <a:noFill/>
+        </p:spPr>
+        <p:txBody>
+          <a:bodyPr wrap="none" rtlCol="0">
+            <a:spAutoFit/>
+          </a:bodyPr>
+          <a:lstStyle/>
+          <a:p>
+            <a:r>
+              <a:rPr lang="en-US" sz="1200"/>
+              <a:t>3.84 MHz</a:t>
+            </a:r>
+            <a:br>
+              <a:rPr lang="en-US" sz="1200"/>
+            </a:br>
+            <a:r>
+              <a:rPr lang="en-US" sz="1200"/>
+              <a:t>clock</a:t>
+            </a:r>
+            <a:endParaRPr lang="en-GB" sz="1200" dirty="0"/>
+          </a:p>
+        </p:txBody>
+      </p:sp>
+      <p:sp>
+        <p:nvSpPr>
+          <p:cNvPr id="108" name="TextBox 70">
+            <a:extLst>
+              <a:ext uri="{FF2B5EF4-FFF2-40B4-BE49-F238E27FC236}">
+                <a16:creationId xmlns:a16="http://schemas.microsoft.com/office/drawing/2014/main" id="{612AEF43-0B4F-D43D-88E7-A5F858FD7761}"/>
+              </a:ext>
+            </a:extLst>
+          </p:cNvPr>
+          <p:cNvSpPr txBox="1"/>
+          <p:nvPr/>
+        </p:nvSpPr>
+        <p:spPr>
+          <a:xfrm>
+            <a:off x="1491062" y="2153268"/>
+            <a:ext cx="780983" cy="276999"/>
+          </a:xfrm>
+          <a:prstGeom prst="rect">
+            <a:avLst/>
+          </a:prstGeom>
+          <a:noFill/>
+        </p:spPr>
+        <p:txBody>
+          <a:bodyPr wrap="none" rtlCol="0">
+            <a:spAutoFit/>
+          </a:bodyPr>
+          <a:lstStyle/>
+          <a:p>
+            <a:r>
+              <a:rPr lang="en-US" sz="1200" dirty="0"/>
+              <a:t>16 bit I/Q</a:t>
+            </a:r>
+            <a:endParaRPr lang="en-GB" sz="1200" dirty="0"/>
+          </a:p>
+        </p:txBody>
+      </p:sp>
+      <p:sp>
+        <p:nvSpPr>
+          <p:cNvPr id="109" name="Rechteck 108">
+            <a:extLst>
+              <a:ext uri="{FF2B5EF4-FFF2-40B4-BE49-F238E27FC236}">
+                <a16:creationId xmlns:a16="http://schemas.microsoft.com/office/drawing/2014/main" id="{34BD002D-6170-8E0A-F640-2361C57E2617}"/>
+              </a:ext>
+            </a:extLst>
+          </p:cNvPr>
+          <p:cNvSpPr/>
+          <p:nvPr/>
+        </p:nvSpPr>
+        <p:spPr>
+          <a:xfrm>
+            <a:off x="1417317" y="4448979"/>
+            <a:ext cx="711122" cy="245423"/>
+          </a:xfrm>
+          <a:prstGeom prst="rect">
+            <a:avLst/>
+          </a:prstGeom>
+          <a:solidFill>
+            <a:schemeClr val="accent6">
+              <a:lumMod val="60000"/>
+              <a:lumOff val="40000"/>
+            </a:schemeClr>
+          </a:solidFill>
+        </p:spPr>
+        <p:style>
+          <a:lnRef idx="2">
+            <a:schemeClr val="accent1">
+              <a:shade val="50000"/>
+            </a:schemeClr>
+          </a:lnRef>
+          <a:fillRef idx="1">
+            <a:schemeClr val="accent1"/>
+          </a:fillRef>
+          <a:effectRef idx="0">
+            <a:schemeClr val="accent1"/>
+          </a:effectRef>
+          <a:fontRef idx="minor">
+            <a:schemeClr val="lt1"/>
+          </a:fontRef>
+        </p:style>
+        <p:txBody>
+          <a:bodyPr rtlCol="0" anchor="ctr"/>
+          <a:lstStyle/>
+          <a:p>
+            <a:pPr algn="ctr"/>
+            <a:r>
+              <a:rPr lang="en-US" sz="1400">
+                <a:solidFill>
+                  <a:schemeClr val="bg1"/>
+                </a:solidFill>
+              </a:rPr>
+              <a:t>AXI lite</a:t>
+            </a:r>
+            <a:endParaRPr lang="de-DE" sz="1400">
+              <a:solidFill>
+                <a:schemeClr val="bg1"/>
+              </a:solidFill>
+            </a:endParaRPr>
+          </a:p>
+        </p:txBody>
+      </p:sp>
+      <p:sp>
+        <p:nvSpPr>
+          <p:cNvPr id="110" name="Rechteck 109">
+            <a:extLst>
+              <a:ext uri="{FF2B5EF4-FFF2-40B4-BE49-F238E27FC236}">
+                <a16:creationId xmlns:a16="http://schemas.microsoft.com/office/drawing/2014/main" id="{1F6E6869-ED6B-FC77-9691-E445CFF3A9A5}"/>
+              </a:ext>
+            </a:extLst>
+          </p:cNvPr>
+          <p:cNvSpPr/>
+          <p:nvPr/>
+        </p:nvSpPr>
+        <p:spPr>
+          <a:xfrm>
+            <a:off x="9330592" y="1546092"/>
+            <a:ext cx="711122" cy="245423"/>
+          </a:xfrm>
+          <a:prstGeom prst="rect">
+            <a:avLst/>
+          </a:prstGeom>
+          <a:solidFill>
+            <a:schemeClr val="accent6">
+              <a:lumMod val="60000"/>
+              <a:lumOff val="40000"/>
+            </a:schemeClr>
+          </a:solidFill>
+        </p:spPr>
+        <p:style>
+          <a:lnRef idx="2">
+            <a:schemeClr val="accent1">
+              <a:shade val="50000"/>
+            </a:schemeClr>
+          </a:lnRef>
+          <a:fillRef idx="1">
+            <a:schemeClr val="accent1"/>
+          </a:fillRef>
+          <a:effectRef idx="0">
+            <a:schemeClr val="accent1"/>
+          </a:effectRef>
+          <a:fontRef idx="minor">
+            <a:schemeClr val="lt1"/>
+          </a:fontRef>
+        </p:style>
+        <p:txBody>
+          <a:bodyPr rtlCol="0" anchor="ctr"/>
+          <a:lstStyle/>
+          <a:p>
+            <a:pPr algn="ctr"/>
+            <a:r>
+              <a:rPr lang="en-US" sz="1400">
+                <a:solidFill>
+                  <a:schemeClr val="bg1"/>
+                </a:solidFill>
+              </a:rPr>
+              <a:t>AXI lite</a:t>
+            </a:r>
+            <a:endParaRPr lang="de-DE" sz="1400">
+              <a:solidFill>
+                <a:schemeClr val="bg1"/>
+              </a:solidFill>
+            </a:endParaRPr>
+          </a:p>
+        </p:txBody>
+      </p:sp>
+      <p:sp>
+        <p:nvSpPr>
+          <p:cNvPr id="111" name="Rechteck 110">
+            <a:extLst>
+              <a:ext uri="{FF2B5EF4-FFF2-40B4-BE49-F238E27FC236}">
+                <a16:creationId xmlns:a16="http://schemas.microsoft.com/office/drawing/2014/main" id="{CC5EA5F4-E7BC-087D-63D4-AE8501D56DEE}"/>
+              </a:ext>
+            </a:extLst>
+          </p:cNvPr>
+          <p:cNvSpPr/>
+          <p:nvPr/>
+        </p:nvSpPr>
+        <p:spPr>
+          <a:xfrm>
+            <a:off x="2751561" y="4377578"/>
+            <a:ext cx="711122" cy="245423"/>
+          </a:xfrm>
+          <a:prstGeom prst="rect">
+            <a:avLst/>
+          </a:prstGeom>
+          <a:solidFill>
+            <a:schemeClr val="accent6">
+              <a:lumMod val="60000"/>
+              <a:lumOff val="40000"/>
+            </a:schemeClr>
+          </a:solidFill>
+        </p:spPr>
+        <p:style>
+          <a:lnRef idx="2">
+            <a:schemeClr val="accent1">
+              <a:shade val="50000"/>
+            </a:schemeClr>
+          </a:lnRef>
+          <a:fillRef idx="1">
+            <a:schemeClr val="accent1"/>
+          </a:fillRef>
+          <a:effectRef idx="0">
+            <a:schemeClr val="accent1"/>
+          </a:effectRef>
+          <a:fontRef idx="minor">
+            <a:schemeClr val="lt1"/>
+          </a:fontRef>
+        </p:style>
+        <p:txBody>
+          <a:bodyPr rtlCol="0" anchor="ctr"/>
+          <a:lstStyle/>
+          <a:p>
+            <a:pPr algn="ctr"/>
+            <a:r>
+              <a:rPr lang="en-US" sz="1400">
+                <a:solidFill>
+                  <a:schemeClr val="bg1"/>
+                </a:solidFill>
+              </a:rPr>
+              <a:t>AXI lite</a:t>
+            </a:r>
+            <a:endParaRPr lang="de-DE" sz="1400">
+              <a:solidFill>
+                <a:schemeClr val="bg1"/>
+              </a:solidFill>
+            </a:endParaRPr>
+          </a:p>
+        </p:txBody>
+      </p:sp>
+      <p:sp>
+        <p:nvSpPr>
+          <p:cNvPr id="112" name="Rechteck 111">
+            <a:extLst>
+              <a:ext uri="{FF2B5EF4-FFF2-40B4-BE49-F238E27FC236}">
+                <a16:creationId xmlns:a16="http://schemas.microsoft.com/office/drawing/2014/main" id="{8C4F3343-2BF7-1844-E3B4-F8E5FE580088}"/>
+              </a:ext>
+            </a:extLst>
+          </p:cNvPr>
+          <p:cNvSpPr/>
+          <p:nvPr/>
+        </p:nvSpPr>
+        <p:spPr>
+          <a:xfrm>
+            <a:off x="9836327" y="3440580"/>
+            <a:ext cx="711122" cy="245423"/>
+          </a:xfrm>
+          <a:prstGeom prst="rect">
+            <a:avLst/>
+          </a:prstGeom>
+          <a:solidFill>
+            <a:schemeClr val="accent6">
+              <a:lumMod val="60000"/>
+              <a:lumOff val="40000"/>
+            </a:schemeClr>
+          </a:solidFill>
+        </p:spPr>
+        <p:style>
+          <a:lnRef idx="2">
+            <a:schemeClr val="accent1">
+              <a:shade val="50000"/>
+            </a:schemeClr>
+          </a:lnRef>
+          <a:fillRef idx="1">
+            <a:schemeClr val="accent1"/>
+          </a:fillRef>
+          <a:effectRef idx="0">
+            <a:schemeClr val="accent1"/>
+          </a:effectRef>
+          <a:fontRef idx="minor">
+            <a:schemeClr val="lt1"/>
+          </a:fontRef>
+        </p:style>
+        <p:txBody>
+          <a:bodyPr rtlCol="0" anchor="ctr"/>
+          <a:lstStyle/>
+          <a:p>
+            <a:pPr algn="ctr"/>
+            <a:r>
+              <a:rPr lang="en-US" sz="1400">
+                <a:solidFill>
+                  <a:schemeClr val="bg1"/>
+                </a:solidFill>
+              </a:rPr>
+              <a:t>AXI lite</a:t>
+            </a:r>
+            <a:endParaRPr lang="de-DE" sz="1400">
+              <a:solidFill>
+                <a:schemeClr val="bg1"/>
+              </a:solidFill>
+            </a:endParaRPr>
+          </a:p>
+        </p:txBody>
+      </p:sp>
+      <p:cxnSp>
+        <p:nvCxnSpPr>
+          <p:cNvPr id="30" name="Straight Arrow Connector 68">
+            <a:extLst>
+              <a:ext uri="{FF2B5EF4-FFF2-40B4-BE49-F238E27FC236}">
+                <a16:creationId xmlns:a16="http://schemas.microsoft.com/office/drawing/2014/main" id="{0F0D0756-7BDF-DF36-4DA0-743E575A90FA}"/>
+              </a:ext>
+            </a:extLst>
+          </p:cNvPr>
+          <p:cNvCxnSpPr>
+            <a:cxnSpLocks/>
+          </p:cNvCxnSpPr>
+          <p:nvPr/>
+        </p:nvCxnSpPr>
+        <p:spPr>
+          <a:xfrm>
+            <a:off x="1502418" y="2105067"/>
+            <a:ext cx="746951" cy="0"/>
+          </a:xfrm>
+          <a:prstGeom prst="straightConnector1">
+            <a:avLst/>
+          </a:prstGeom>
+          <a:ln w="19050">
+            <a:solidFill>
+              <a:srgbClr val="7030A0"/>
+            </a:solidFill>
+            <a:tailEnd type="triangle"/>
+          </a:ln>
+        </p:spPr>
+        <p:style>
+          <a:lnRef idx="1">
+            <a:schemeClr val="accent1"/>
+          </a:lnRef>
+          <a:fillRef idx="0">
+            <a:schemeClr val="accent1"/>
+          </a:fillRef>
+          <a:effectRef idx="0">
+            <a:schemeClr val="accent1"/>
+          </a:effectRef>
+          <a:fontRef idx="minor">
+            <a:schemeClr val="tx1"/>
+          </a:fontRef>
+        </p:style>
+      </p:cxnSp>
     </p:spTree>
     <p:extLst>
       <p:ext uri="{BB962C8B-B14F-4D97-AF65-F5344CB8AC3E}">

--- a/doc/overview.pptx
+++ b/doc/overview.pptx
@@ -261,7 +261,7 @@
           <a:p>
             <a:fld id="{0647E4D3-4269-40FF-ADD2-F433546F1734}" type="datetimeFigureOut">
               <a:rPr lang="en-GB" smtClean="0"/>
-              <a:t>22/02/2023</a:t>
+              <a:t>23/02/2023</a:t>
             </a:fld>
             <a:endParaRPr lang="en-GB"/>
           </a:p>
@@ -315,7 +315,7 @@
           <a:p>
             <a:fld id="{1991B810-A44B-42D8-B2B0-10522A071A3E}" type="slidenum">
               <a:rPr lang="en-GB" smtClean="0"/>
-              <a:t>‹Nr.›</a:t>
+              <a:t>‹#›</a:t>
             </a:fld>
             <a:endParaRPr lang="en-GB"/>
           </a:p>
@@ -461,7 +461,7 @@
           <a:p>
             <a:fld id="{0647E4D3-4269-40FF-ADD2-F433546F1734}" type="datetimeFigureOut">
               <a:rPr lang="en-GB" smtClean="0"/>
-              <a:t>22/02/2023</a:t>
+              <a:t>23/02/2023</a:t>
             </a:fld>
             <a:endParaRPr lang="en-GB"/>
           </a:p>
@@ -515,7 +515,7 @@
           <a:p>
             <a:fld id="{1991B810-A44B-42D8-B2B0-10522A071A3E}" type="slidenum">
               <a:rPr lang="en-GB" smtClean="0"/>
-              <a:t>‹Nr.›</a:t>
+              <a:t>‹#›</a:t>
             </a:fld>
             <a:endParaRPr lang="en-GB"/>
           </a:p>
@@ -671,7 +671,7 @@
           <a:p>
             <a:fld id="{0647E4D3-4269-40FF-ADD2-F433546F1734}" type="datetimeFigureOut">
               <a:rPr lang="en-GB" smtClean="0"/>
-              <a:t>22/02/2023</a:t>
+              <a:t>23/02/2023</a:t>
             </a:fld>
             <a:endParaRPr lang="en-GB"/>
           </a:p>
@@ -725,7 +725,7 @@
           <a:p>
             <a:fld id="{1991B810-A44B-42D8-B2B0-10522A071A3E}" type="slidenum">
               <a:rPr lang="en-GB" smtClean="0"/>
-              <a:t>‹Nr.›</a:t>
+              <a:t>‹#›</a:t>
             </a:fld>
             <a:endParaRPr lang="en-GB"/>
           </a:p>
@@ -871,7 +871,7 @@
           <a:p>
             <a:fld id="{0647E4D3-4269-40FF-ADD2-F433546F1734}" type="datetimeFigureOut">
               <a:rPr lang="en-GB" smtClean="0"/>
-              <a:t>22/02/2023</a:t>
+              <a:t>23/02/2023</a:t>
             </a:fld>
             <a:endParaRPr lang="en-GB"/>
           </a:p>
@@ -925,7 +925,7 @@
           <a:p>
             <a:fld id="{1991B810-A44B-42D8-B2B0-10522A071A3E}" type="slidenum">
               <a:rPr lang="en-GB" smtClean="0"/>
-              <a:t>‹Nr.›</a:t>
+              <a:t>‹#›</a:t>
             </a:fld>
             <a:endParaRPr lang="en-GB"/>
           </a:p>
@@ -1147,7 +1147,7 @@
           <a:p>
             <a:fld id="{0647E4D3-4269-40FF-ADD2-F433546F1734}" type="datetimeFigureOut">
               <a:rPr lang="en-GB" smtClean="0"/>
-              <a:t>22/02/2023</a:t>
+              <a:t>23/02/2023</a:t>
             </a:fld>
             <a:endParaRPr lang="en-GB"/>
           </a:p>
@@ -1201,7 +1201,7 @@
           <a:p>
             <a:fld id="{1991B810-A44B-42D8-B2B0-10522A071A3E}" type="slidenum">
               <a:rPr lang="en-GB" smtClean="0"/>
-              <a:t>‹Nr.›</a:t>
+              <a:t>‹#›</a:t>
             </a:fld>
             <a:endParaRPr lang="en-GB"/>
           </a:p>
@@ -1415,7 +1415,7 @@
           <a:p>
             <a:fld id="{0647E4D3-4269-40FF-ADD2-F433546F1734}" type="datetimeFigureOut">
               <a:rPr lang="en-GB" smtClean="0"/>
-              <a:t>22/02/2023</a:t>
+              <a:t>23/02/2023</a:t>
             </a:fld>
             <a:endParaRPr lang="en-GB"/>
           </a:p>
@@ -1469,7 +1469,7 @@
           <a:p>
             <a:fld id="{1991B810-A44B-42D8-B2B0-10522A071A3E}" type="slidenum">
               <a:rPr lang="en-GB" smtClean="0"/>
-              <a:t>‹Nr.›</a:t>
+              <a:t>‹#›</a:t>
             </a:fld>
             <a:endParaRPr lang="en-GB"/>
           </a:p>
@@ -1830,7 +1830,7 @@
           <a:p>
             <a:fld id="{0647E4D3-4269-40FF-ADD2-F433546F1734}" type="datetimeFigureOut">
               <a:rPr lang="en-GB" smtClean="0"/>
-              <a:t>22/02/2023</a:t>
+              <a:t>23/02/2023</a:t>
             </a:fld>
             <a:endParaRPr lang="en-GB"/>
           </a:p>
@@ -1884,7 +1884,7 @@
           <a:p>
             <a:fld id="{1991B810-A44B-42D8-B2B0-10522A071A3E}" type="slidenum">
               <a:rPr lang="en-GB" smtClean="0"/>
-              <a:t>‹Nr.›</a:t>
+              <a:t>‹#›</a:t>
             </a:fld>
             <a:endParaRPr lang="en-GB"/>
           </a:p>
@@ -1972,7 +1972,7 @@
           <a:p>
             <a:fld id="{0647E4D3-4269-40FF-ADD2-F433546F1734}" type="datetimeFigureOut">
               <a:rPr lang="en-GB" smtClean="0"/>
-              <a:t>22/02/2023</a:t>
+              <a:t>23/02/2023</a:t>
             </a:fld>
             <a:endParaRPr lang="en-GB"/>
           </a:p>
@@ -2026,7 +2026,7 @@
           <a:p>
             <a:fld id="{1991B810-A44B-42D8-B2B0-10522A071A3E}" type="slidenum">
               <a:rPr lang="en-GB" smtClean="0"/>
-              <a:t>‹Nr.›</a:t>
+              <a:t>‹#›</a:t>
             </a:fld>
             <a:endParaRPr lang="en-GB"/>
           </a:p>
@@ -2085,7 +2085,7 @@
           <a:p>
             <a:fld id="{0647E4D3-4269-40FF-ADD2-F433546F1734}" type="datetimeFigureOut">
               <a:rPr lang="en-GB" smtClean="0"/>
-              <a:t>22/02/2023</a:t>
+              <a:t>23/02/2023</a:t>
             </a:fld>
             <a:endParaRPr lang="en-GB"/>
           </a:p>
@@ -2139,7 +2139,7 @@
           <a:p>
             <a:fld id="{1991B810-A44B-42D8-B2B0-10522A071A3E}" type="slidenum">
               <a:rPr lang="en-GB" smtClean="0"/>
-              <a:t>‹Nr.›</a:t>
+              <a:t>‹#›</a:t>
             </a:fld>
             <a:endParaRPr lang="en-GB"/>
           </a:p>
@@ -2398,7 +2398,7 @@
           <a:p>
             <a:fld id="{0647E4D3-4269-40FF-ADD2-F433546F1734}" type="datetimeFigureOut">
               <a:rPr lang="en-GB" smtClean="0"/>
-              <a:t>22/02/2023</a:t>
+              <a:t>23/02/2023</a:t>
             </a:fld>
             <a:endParaRPr lang="en-GB"/>
           </a:p>
@@ -2452,7 +2452,7 @@
           <a:p>
             <a:fld id="{1991B810-A44B-42D8-B2B0-10522A071A3E}" type="slidenum">
               <a:rPr lang="en-GB" smtClean="0"/>
-              <a:t>‹Nr.›</a:t>
+              <a:t>‹#›</a:t>
             </a:fld>
             <a:endParaRPr lang="en-GB"/>
           </a:p>
@@ -2687,7 +2687,7 @@
           <a:p>
             <a:fld id="{0647E4D3-4269-40FF-ADD2-F433546F1734}" type="datetimeFigureOut">
               <a:rPr lang="en-GB" smtClean="0"/>
-              <a:t>22/02/2023</a:t>
+              <a:t>23/02/2023</a:t>
             </a:fld>
             <a:endParaRPr lang="en-GB"/>
           </a:p>
@@ -2741,7 +2741,7 @@
           <a:p>
             <a:fld id="{1991B810-A44B-42D8-B2B0-10522A071A3E}" type="slidenum">
               <a:rPr lang="en-GB" smtClean="0"/>
-              <a:t>‹Nr.›</a:t>
+              <a:t>‹#›</a:t>
             </a:fld>
             <a:endParaRPr lang="en-GB"/>
           </a:p>
@@ -2930,7 +2930,7 @@
           <a:p>
             <a:fld id="{0647E4D3-4269-40FF-ADD2-F433546F1734}" type="datetimeFigureOut">
               <a:rPr lang="en-GB" smtClean="0"/>
-              <a:t>22/02/2023</a:t>
+              <a:t>23/02/2023</a:t>
             </a:fld>
             <a:endParaRPr lang="en-GB"/>
           </a:p>
@@ -3020,7 +3020,7 @@
           <a:p>
             <a:fld id="{1991B810-A44B-42D8-B2B0-10522A071A3E}" type="slidenum">
               <a:rPr lang="en-GB" smtClean="0"/>
-              <a:t>‹Nr.›</a:t>
+              <a:t>‹#›</a:t>
             </a:fld>
             <a:endParaRPr lang="en-GB"/>
           </a:p>
@@ -3361,8 +3361,8 @@
         </p:nvSpPr>
         <p:spPr>
           <a:xfrm>
-            <a:off x="5348648" y="1491022"/>
-            <a:ext cx="4140124" cy="1601493"/>
+            <a:off x="3654070" y="1464645"/>
+            <a:ext cx="5764364" cy="1601493"/>
           </a:xfrm>
           <a:prstGeom prst="rect">
             <a:avLst/>
@@ -3410,7 +3410,7 @@
         </p:nvSpPr>
         <p:spPr>
           <a:xfrm>
-            <a:off x="10391667" y="3294620"/>
+            <a:off x="10352088" y="247429"/>
             <a:ext cx="1527201" cy="3405452"/>
           </a:xfrm>
           <a:prstGeom prst="rect">
@@ -3462,7 +3462,7 @@
         </p:nvSpPr>
         <p:spPr>
           <a:xfrm>
-            <a:off x="5437781" y="1811690"/>
+            <a:off x="5367442" y="1785313"/>
             <a:ext cx="792480" cy="1206137"/>
           </a:xfrm>
           <a:prstGeom prst="rect">
@@ -3570,7 +3570,7 @@
         </p:nvSpPr>
         <p:spPr>
           <a:xfrm>
-            <a:off x="2259566" y="1815651"/>
+            <a:off x="2189227" y="1789274"/>
             <a:ext cx="792480" cy="1206137"/>
           </a:xfrm>
           <a:prstGeom prst="rect">
@@ -3666,7 +3666,7 @@
         </p:nvSpPr>
         <p:spPr>
           <a:xfrm>
-            <a:off x="3852821" y="1815653"/>
+            <a:off x="3782482" y="1789276"/>
             <a:ext cx="792480" cy="1206137"/>
           </a:xfrm>
           <a:prstGeom prst="rect">
@@ -3762,7 +3762,7 @@
         </p:nvSpPr>
         <p:spPr>
           <a:xfrm>
-            <a:off x="7023892" y="1819603"/>
+            <a:off x="6953553" y="1793226"/>
             <a:ext cx="792480" cy="1206137"/>
           </a:xfrm>
           <a:prstGeom prst="rect">
@@ -3839,7 +3839,7 @@
         </p:nvSpPr>
         <p:spPr>
           <a:xfrm>
-            <a:off x="6827409" y="3563501"/>
+            <a:off x="6757070" y="3537124"/>
             <a:ext cx="988963" cy="1206137"/>
           </a:xfrm>
           <a:prstGeom prst="rect">
@@ -3935,7 +3935,7 @@
         </p:nvSpPr>
         <p:spPr>
           <a:xfrm>
-            <a:off x="6671975" y="5306407"/>
+            <a:off x="6601636" y="5280030"/>
             <a:ext cx="1151541" cy="1206137"/>
           </a:xfrm>
           <a:prstGeom prst="rect">
@@ -4012,7 +4012,7 @@
         </p:nvSpPr>
         <p:spPr>
           <a:xfrm>
-            <a:off x="8615196" y="5306406"/>
+            <a:off x="8544857" y="5280029"/>
             <a:ext cx="846237" cy="1206137"/>
           </a:xfrm>
           <a:prstGeom prst="rect">
@@ -4107,7 +4107,7 @@
         </p:nvCxnSpPr>
         <p:spPr>
           <a:xfrm>
-            <a:off x="3051443" y="2414760"/>
+            <a:off x="2981104" y="2388383"/>
             <a:ext cx="800775" cy="0"/>
           </a:xfrm>
           <a:prstGeom prst="straightConnector1">
@@ -4146,7 +4146,7 @@
         </p:nvSpPr>
         <p:spPr>
           <a:xfrm>
-            <a:off x="3051443" y="2137761"/>
+            <a:off x="2913167" y="2111383"/>
             <a:ext cx="780983" cy="276999"/>
           </a:xfrm>
           <a:prstGeom prst="rect">
@@ -4184,7 +4184,7 @@
         </p:nvCxnSpPr>
         <p:spPr>
           <a:xfrm>
-            <a:off x="4645301" y="2414760"/>
+            <a:off x="4574962" y="2388383"/>
             <a:ext cx="800775" cy="0"/>
           </a:xfrm>
           <a:prstGeom prst="straightConnector1">
@@ -4223,7 +4223,7 @@
         </p:nvSpPr>
         <p:spPr>
           <a:xfrm>
-            <a:off x="4618589" y="2137760"/>
+            <a:off x="4548250" y="2111383"/>
             <a:ext cx="780983" cy="276999"/>
           </a:xfrm>
           <a:prstGeom prst="rect">
@@ -4261,7 +4261,7 @@
         </p:nvCxnSpPr>
         <p:spPr>
           <a:xfrm>
-            <a:off x="6230261" y="2642372"/>
+            <a:off x="6159922" y="2615995"/>
             <a:ext cx="800775" cy="0"/>
           </a:xfrm>
           <a:prstGeom prst="straightConnector1">
@@ -4303,7 +4303,7 @@
         </p:nvSpPr>
         <p:spPr>
           <a:xfrm>
-            <a:off x="6181497" y="2386017"/>
+            <a:off x="6111158" y="2359640"/>
             <a:ext cx="871329" cy="276999"/>
           </a:xfrm>
           <a:prstGeom prst="rect">
@@ -4342,7 +4342,7 @@
         </p:nvCxnSpPr>
         <p:spPr>
           <a:xfrm>
-            <a:off x="5977247" y="4166569"/>
+            <a:off x="5906908" y="4140192"/>
             <a:ext cx="850162" cy="1"/>
           </a:xfrm>
           <a:prstGeom prst="straightConnector1">
@@ -4383,7 +4383,7 @@
         </p:nvCxnSpPr>
         <p:spPr>
           <a:xfrm>
-            <a:off x="3149473" y="2425650"/>
+            <a:off x="3079134" y="2399273"/>
             <a:ext cx="0" cy="1752408"/>
           </a:xfrm>
           <a:prstGeom prst="line">
@@ -4422,7 +4422,7 @@
         </p:nvCxnSpPr>
         <p:spPr>
           <a:xfrm>
-            <a:off x="7583985" y="3099324"/>
+            <a:off x="7513646" y="3072947"/>
             <a:ext cx="0" cy="464177"/>
           </a:xfrm>
           <a:prstGeom prst="straightConnector1">
@@ -4464,7 +4464,7 @@
         </p:nvSpPr>
         <p:spPr>
           <a:xfrm>
-            <a:off x="7549589" y="3139994"/>
+            <a:off x="7479250" y="3113617"/>
             <a:ext cx="631904" cy="276999"/>
           </a:xfrm>
           <a:prstGeom prst="rect">
@@ -4500,7 +4500,7 @@
         </p:nvSpPr>
         <p:spPr>
           <a:xfrm>
-            <a:off x="4572010" y="2412760"/>
+            <a:off x="4501671" y="2386383"/>
             <a:ext cx="846707" cy="276999"/>
           </a:xfrm>
           <a:prstGeom prst="rect">
@@ -4536,7 +4536,7 @@
         </p:nvSpPr>
         <p:spPr>
           <a:xfrm>
-            <a:off x="5191910" y="3563501"/>
+            <a:off x="5121571" y="3537124"/>
             <a:ext cx="868917" cy="1206137"/>
           </a:xfrm>
           <a:prstGeom prst="rect">
@@ -4648,7 +4648,7 @@
         </p:nvCxnSpPr>
         <p:spPr>
           <a:xfrm flipV="1">
-            <a:off x="4132524" y="4166570"/>
+            <a:off x="4062185" y="4140193"/>
             <a:ext cx="1059386" cy="620"/>
           </a:xfrm>
           <a:prstGeom prst="straightConnector1">
@@ -4689,7 +4689,7 @@
         </p:nvCxnSpPr>
         <p:spPr>
           <a:xfrm>
-            <a:off x="7321890" y="4769637"/>
+            <a:off x="7251551" y="4743260"/>
             <a:ext cx="0" cy="537761"/>
           </a:xfrm>
           <a:prstGeom prst="straightConnector1">
@@ -4731,7 +4731,7 @@
         </p:nvSpPr>
         <p:spPr>
           <a:xfrm>
-            <a:off x="7318955" y="4895052"/>
+            <a:off x="7248616" y="4868675"/>
             <a:ext cx="476412" cy="276999"/>
           </a:xfrm>
           <a:prstGeom prst="rect">
@@ -4770,7 +4770,7 @@
         </p:nvCxnSpPr>
         <p:spPr>
           <a:xfrm>
-            <a:off x="6472428" y="5909474"/>
+            <a:off x="6402089" y="5883097"/>
             <a:ext cx="199547" cy="2"/>
           </a:xfrm>
           <a:prstGeom prst="straightConnector1">
@@ -4811,7 +4811,7 @@
         </p:nvCxnSpPr>
         <p:spPr>
           <a:xfrm>
-            <a:off x="6472428" y="4157066"/>
+            <a:off x="6402089" y="4130689"/>
             <a:ext cx="0" cy="1752408"/>
           </a:xfrm>
           <a:prstGeom prst="line">
@@ -4850,7 +4850,7 @@
         </p:nvCxnSpPr>
         <p:spPr>
           <a:xfrm>
-            <a:off x="7830660" y="5917593"/>
+            <a:off x="7760321" y="5891216"/>
             <a:ext cx="784537" cy="0"/>
           </a:xfrm>
           <a:prstGeom prst="straightConnector1">
@@ -4891,7 +4891,7 @@
         </p:nvCxnSpPr>
         <p:spPr>
           <a:xfrm>
-            <a:off x="6230261" y="2223301"/>
+            <a:off x="6159922" y="2196924"/>
             <a:ext cx="800775" cy="0"/>
           </a:xfrm>
           <a:prstGeom prst="straightConnector1">
@@ -4933,7 +4933,7 @@
         </p:nvSpPr>
         <p:spPr>
           <a:xfrm>
-            <a:off x="6182765" y="1974541"/>
+            <a:off x="6112426" y="1948164"/>
             <a:ext cx="832536" cy="276999"/>
           </a:xfrm>
           <a:prstGeom prst="rect">
@@ -4971,7 +4971,7 @@
         </p:nvCxnSpPr>
         <p:spPr>
           <a:xfrm>
-            <a:off x="2652235" y="843232"/>
+            <a:off x="2581896" y="816855"/>
             <a:ext cx="3571" cy="968007"/>
           </a:xfrm>
           <a:prstGeom prst="straightConnector1">
@@ -5015,7 +5015,7 @@
         </p:nvCxnSpPr>
         <p:spPr>
           <a:xfrm>
-            <a:off x="2652235" y="852056"/>
+            <a:off x="2581896" y="825679"/>
             <a:ext cx="1650591" cy="0"/>
           </a:xfrm>
           <a:prstGeom prst="line">
@@ -5058,7 +5058,7 @@
         </p:nvCxnSpPr>
         <p:spPr>
           <a:xfrm flipV="1">
-            <a:off x="9014977" y="834868"/>
+            <a:off x="8944638" y="808491"/>
             <a:ext cx="0" cy="976371"/>
           </a:xfrm>
           <a:prstGeom prst="line">
@@ -5099,8 +5099,8 @@
         </p:nvSpPr>
         <p:spPr>
           <a:xfrm>
-            <a:off x="10621996" y="5300105"/>
-            <a:ext cx="1040295" cy="1206137"/>
+            <a:off x="10614973" y="2665216"/>
+            <a:ext cx="1040295" cy="669685"/>
           </a:xfrm>
           <a:prstGeom prst="rect">
             <a:avLst/>
@@ -5173,15 +5173,13 @@
           </p:cNvPr>
           <p:cNvCxnSpPr>
             <a:cxnSpLocks/>
-            <a:stCxn id="10" idx="3"/>
-            <a:endCxn id="60" idx="1"/>
           </p:cNvCxnSpPr>
           <p:nvPr/>
         </p:nvCxnSpPr>
         <p:spPr>
-          <a:xfrm flipV="1">
-            <a:off x="9461433" y="5903174"/>
-            <a:ext cx="1160563" cy="6301"/>
+          <a:xfrm>
+            <a:off x="9391094" y="5883989"/>
+            <a:ext cx="1146279" cy="3899"/>
           </a:xfrm>
           <a:prstGeom prst="straightConnector1">
             <a:avLst/>
@@ -5219,7 +5217,7 @@
         </p:nvSpPr>
         <p:spPr>
           <a:xfrm>
-            <a:off x="6051110" y="3904101"/>
+            <a:off x="5980771" y="3877724"/>
             <a:ext cx="702436" cy="276999"/>
           </a:xfrm>
           <a:prstGeom prst="rect">
@@ -5255,7 +5253,7 @@
         </p:nvSpPr>
         <p:spPr>
           <a:xfrm>
-            <a:off x="7865541" y="5889690"/>
+            <a:off x="7795202" y="5863313"/>
             <a:ext cx="702436" cy="276999"/>
           </a:xfrm>
           <a:prstGeom prst="rect">
@@ -5291,7 +5289,7 @@
         </p:nvSpPr>
         <p:spPr>
           <a:xfrm>
-            <a:off x="6014762" y="602836"/>
+            <a:off x="5944423" y="576459"/>
             <a:ext cx="950901" cy="276999"/>
           </a:xfrm>
           <a:prstGeom prst="rect">
@@ -5330,7 +5328,7 @@
         </p:nvCxnSpPr>
         <p:spPr>
           <a:xfrm flipV="1">
-            <a:off x="1502418" y="2412286"/>
+            <a:off x="1432079" y="2385909"/>
             <a:ext cx="746951" cy="6432"/>
           </a:xfrm>
           <a:prstGeom prst="straightConnector1">
@@ -5369,7 +5367,7 @@
         </p:nvSpPr>
         <p:spPr>
           <a:xfrm>
-            <a:off x="301068" y="3192912"/>
+            <a:off x="230729" y="3166535"/>
             <a:ext cx="780983" cy="276999"/>
           </a:xfrm>
           <a:prstGeom prst="rect">
@@ -5405,7 +5403,7 @@
         </p:nvSpPr>
         <p:spPr>
           <a:xfrm>
-            <a:off x="4308880" y="248415"/>
+            <a:off x="4238541" y="222038"/>
             <a:ext cx="792480" cy="1206137"/>
           </a:xfrm>
           <a:prstGeom prst="rect">
@@ -5472,7 +5470,7 @@
         </p:nvCxnSpPr>
         <p:spPr>
           <a:xfrm flipV="1">
-            <a:off x="5101360" y="843232"/>
+            <a:off x="5031021" y="816855"/>
             <a:ext cx="3913617" cy="8252"/>
           </a:xfrm>
           <a:prstGeom prst="line">
@@ -5513,7 +5511,7 @@
         </p:nvSpPr>
         <p:spPr>
           <a:xfrm>
-            <a:off x="3224492" y="602836"/>
+            <a:off x="3154153" y="576459"/>
             <a:ext cx="780983" cy="276999"/>
           </a:xfrm>
           <a:prstGeom prst="rect">
@@ -5549,7 +5547,7 @@
         </p:nvSpPr>
         <p:spPr>
           <a:xfrm>
-            <a:off x="8618737" y="1819603"/>
+            <a:off x="8548398" y="1793226"/>
             <a:ext cx="792480" cy="1206137"/>
           </a:xfrm>
           <a:prstGeom prst="rect">
@@ -5628,7 +5626,7 @@
         </p:nvCxnSpPr>
         <p:spPr>
           <a:xfrm>
-            <a:off x="7816372" y="2210901"/>
+            <a:off x="7746033" y="2184524"/>
             <a:ext cx="800775" cy="0"/>
           </a:xfrm>
           <a:prstGeom prst="straightConnector1">
@@ -5672,7 +5670,7 @@
         </p:nvCxnSpPr>
         <p:spPr>
           <a:xfrm>
-            <a:off x="7823516" y="2529555"/>
+            <a:off x="7753177" y="2503178"/>
             <a:ext cx="800775" cy="0"/>
           </a:xfrm>
           <a:prstGeom prst="straightConnector1">
@@ -5714,7 +5712,7 @@
         </p:nvSpPr>
         <p:spPr>
           <a:xfrm>
-            <a:off x="8009064" y="1966568"/>
+            <a:off x="7938725" y="1940191"/>
             <a:ext cx="344966" cy="276999"/>
           </a:xfrm>
           <a:prstGeom prst="rect">
@@ -5750,7 +5748,7 @@
         </p:nvSpPr>
         <p:spPr>
           <a:xfrm>
-            <a:off x="8009064" y="2280219"/>
+            <a:off x="7938725" y="2253842"/>
             <a:ext cx="344966" cy="276999"/>
           </a:xfrm>
           <a:prstGeom prst="rect">
@@ -5786,7 +5784,7 @@
         </p:nvSpPr>
         <p:spPr>
           <a:xfrm>
-            <a:off x="3340044" y="3564121"/>
+            <a:off x="3269705" y="3537744"/>
             <a:ext cx="792480" cy="1206137"/>
           </a:xfrm>
           <a:prstGeom prst="rect">
@@ -5865,7 +5863,7 @@
         </p:nvCxnSpPr>
         <p:spPr>
           <a:xfrm>
-            <a:off x="3155054" y="4170169"/>
+            <a:off x="3084715" y="4143792"/>
             <a:ext cx="189829" cy="0"/>
           </a:xfrm>
           <a:prstGeom prst="straightConnector1">
@@ -5906,7 +5904,7 @@
         </p:nvCxnSpPr>
         <p:spPr>
           <a:xfrm>
-            <a:off x="4012952" y="3429944"/>
+            <a:off x="3942613" y="3403567"/>
             <a:ext cx="0" cy="133557"/>
           </a:xfrm>
           <a:prstGeom prst="straightConnector1">
@@ -5950,7 +5948,7 @@
         </p:nvCxnSpPr>
         <p:spPr>
           <a:xfrm>
-            <a:off x="4005475" y="3422352"/>
+            <a:off x="3935136" y="3395975"/>
             <a:ext cx="3578510" cy="10763"/>
           </a:xfrm>
           <a:prstGeom prst="line">
@@ -5993,7 +5991,7 @@
         </p:nvCxnSpPr>
         <p:spPr>
           <a:xfrm>
-            <a:off x="6060827" y="3760829"/>
+            <a:off x="5990488" y="3734452"/>
             <a:ext cx="766582" cy="0"/>
           </a:xfrm>
           <a:prstGeom prst="straightConnector1">
@@ -6035,7 +6033,7 @@
         </p:nvSpPr>
         <p:spPr>
           <a:xfrm>
-            <a:off x="6059388" y="3505211"/>
+            <a:off x="5989049" y="3478834"/>
             <a:ext cx="759760" cy="276999"/>
           </a:xfrm>
           <a:prstGeom prst="rect">
@@ -6073,7 +6071,7 @@
         </p:nvCxnSpPr>
         <p:spPr>
           <a:xfrm>
-            <a:off x="6230261" y="6203197"/>
+            <a:off x="6159922" y="6176820"/>
             <a:ext cx="441714" cy="0"/>
           </a:xfrm>
           <a:prstGeom prst="straightConnector1">
@@ -6117,7 +6115,7 @@
         </p:nvCxnSpPr>
         <p:spPr>
           <a:xfrm>
-            <a:off x="6230261" y="4450789"/>
+            <a:off x="6159922" y="4424412"/>
             <a:ext cx="0" cy="1752408"/>
           </a:xfrm>
           <a:prstGeom prst="line">
@@ -6160,7 +6158,7 @@
         </p:nvCxnSpPr>
         <p:spPr>
           <a:xfrm>
-            <a:off x="6060827" y="4450789"/>
+            <a:off x="5990488" y="4424412"/>
             <a:ext cx="169434" cy="0"/>
           </a:xfrm>
           <a:prstGeom prst="line">
@@ -6201,7 +6199,7 @@
         </p:nvSpPr>
         <p:spPr>
           <a:xfrm>
-            <a:off x="5846295" y="6210092"/>
+            <a:off x="5775956" y="6183715"/>
             <a:ext cx="889603" cy="276999"/>
           </a:xfrm>
           <a:prstGeom prst="rect">
@@ -6237,7 +6235,7 @@
         </p:nvSpPr>
         <p:spPr>
           <a:xfrm>
-            <a:off x="8615196" y="3897224"/>
+            <a:off x="8544857" y="3870847"/>
             <a:ext cx="846237" cy="1206137"/>
           </a:xfrm>
           <a:prstGeom prst="rect">
@@ -6330,8 +6328,8 @@
         </p:nvSpPr>
         <p:spPr>
           <a:xfrm>
-            <a:off x="10623491" y="3897222"/>
-            <a:ext cx="1040296" cy="1206137"/>
+            <a:off x="10619827" y="1914277"/>
+            <a:ext cx="1040296" cy="669684"/>
           </a:xfrm>
           <a:prstGeom prst="rect">
             <a:avLst/>
@@ -6361,22 +6359,6 @@
           <a:lstStyle/>
           <a:p>
             <a:pPr algn="ctr"/>
-            <a:r>
-              <a:rPr lang="en-US">
-                <a:ln w="0"/>
-                <a:solidFill>
-                  <a:schemeClr val="tx1"/>
-                </a:solidFill>
-                <a:effectLst>
-                  <a:outerShdw blurRad="38100" dist="19050" dir="2700000" algn="tl" rotWithShape="0">
-                    <a:schemeClr val="dk1">
-                      <a:alpha val="40000"/>
-                    </a:schemeClr>
-                  </a:outerShdw>
-                </a:effectLst>
-              </a:rPr>
-              <a:t>LDPC </a:t>
-            </a:r>
             <a:r>
               <a:rPr lang="en-US" dirty="0">
                 <a:ln w="0"/>
@@ -6391,7 +6373,7 @@
                   </a:outerShdw>
                 </a:effectLst>
               </a:rPr>
-              <a:t>decoder</a:t>
+              <a:t>LDPC decoder</a:t>
             </a:r>
             <a:endParaRPr lang="en-GB" dirty="0">
               <a:ln w="0"/>
@@ -6420,15 +6402,13 @@
           </p:cNvPr>
           <p:cNvCxnSpPr>
             <a:cxnSpLocks/>
-            <a:stCxn id="53" idx="3"/>
-            <a:endCxn id="55" idx="1"/>
           </p:cNvCxnSpPr>
           <p:nvPr/>
         </p:nvCxnSpPr>
         <p:spPr>
-          <a:xfrm flipV="1">
-            <a:off x="9461433" y="4500291"/>
-            <a:ext cx="1162058" cy="2"/>
+          <a:xfrm>
+            <a:off x="9391094" y="4473912"/>
+            <a:ext cx="1160564" cy="0"/>
           </a:xfrm>
           <a:prstGeom prst="straightConnector1">
             <a:avLst/>
@@ -6468,7 +6448,7 @@
         </p:nvCxnSpPr>
         <p:spPr>
           <a:xfrm>
-            <a:off x="8292935" y="4500291"/>
+            <a:off x="8222596" y="4473914"/>
             <a:ext cx="331356" cy="0"/>
           </a:xfrm>
           <a:prstGeom prst="straightConnector1">
@@ -6509,7 +6489,7 @@
         </p:nvCxnSpPr>
         <p:spPr>
           <a:xfrm>
-            <a:off x="8292935" y="4500291"/>
+            <a:off x="8222596" y="4473914"/>
             <a:ext cx="0" cy="1402883"/>
           </a:xfrm>
           <a:prstGeom prst="line">
@@ -6548,7 +6528,7 @@
         </p:nvCxnSpPr>
         <p:spPr>
           <a:xfrm>
-            <a:off x="4128340" y="3650477"/>
+            <a:off x="4058001" y="3624100"/>
             <a:ext cx="1063570" cy="0"/>
           </a:xfrm>
           <a:prstGeom prst="straightConnector1">
@@ -6590,7 +6570,7 @@
         </p:nvSpPr>
         <p:spPr>
           <a:xfrm>
-            <a:off x="4183821" y="3429944"/>
+            <a:off x="4113482" y="3403567"/>
             <a:ext cx="942566" cy="276999"/>
           </a:xfrm>
           <a:prstGeom prst="rect">
@@ -6628,7 +6608,7 @@
         </p:nvCxnSpPr>
         <p:spPr>
           <a:xfrm>
-            <a:off x="4130432" y="3878378"/>
+            <a:off x="4060093" y="3852001"/>
             <a:ext cx="1063570" cy="0"/>
           </a:xfrm>
           <a:prstGeom prst="straightConnector1">
@@ -6670,7 +6650,7 @@
         </p:nvSpPr>
         <p:spPr>
           <a:xfrm>
-            <a:off x="4198047" y="3649224"/>
+            <a:off x="4127708" y="3622847"/>
             <a:ext cx="759760" cy="276999"/>
           </a:xfrm>
           <a:prstGeom prst="rect">
@@ -6708,7 +6688,7 @@
         </p:nvCxnSpPr>
         <p:spPr>
           <a:xfrm>
-            <a:off x="4147418" y="4450789"/>
+            <a:off x="4077079" y="4424412"/>
             <a:ext cx="1044492" cy="0"/>
           </a:xfrm>
           <a:prstGeom prst="straightConnector1">
@@ -6750,7 +6730,7 @@
         </p:nvSpPr>
         <p:spPr>
           <a:xfrm>
-            <a:off x="4214579" y="4198637"/>
+            <a:off x="4144240" y="4172260"/>
             <a:ext cx="889603" cy="276999"/>
           </a:xfrm>
           <a:prstGeom prst="rect">
@@ -6788,7 +6768,7 @@
         </p:nvCxnSpPr>
         <p:spPr>
           <a:xfrm>
-            <a:off x="7822245" y="6230108"/>
+            <a:off x="7751906" y="6203731"/>
             <a:ext cx="792951" cy="0"/>
           </a:xfrm>
           <a:prstGeom prst="straightConnector1">
@@ -6830,7 +6810,7 @@
         </p:nvSpPr>
         <p:spPr>
           <a:xfrm>
-            <a:off x="7771957" y="6200503"/>
+            <a:off x="7701618" y="6174126"/>
             <a:ext cx="889603" cy="276999"/>
           </a:xfrm>
           <a:prstGeom prst="rect">
@@ -6868,7 +6848,7 @@
         </p:nvCxnSpPr>
         <p:spPr>
           <a:xfrm flipV="1">
-            <a:off x="7992068" y="4190242"/>
+            <a:off x="7921729" y="4163865"/>
             <a:ext cx="632223" cy="8395"/>
           </a:xfrm>
           <a:prstGeom prst="straightConnector1">
@@ -6912,7 +6892,7 @@
         </p:nvCxnSpPr>
         <p:spPr>
           <a:xfrm>
-            <a:off x="8009064" y="4190242"/>
+            <a:off x="7938725" y="4163865"/>
             <a:ext cx="0" cy="1454495"/>
           </a:xfrm>
           <a:prstGeom prst="line">
@@ -6955,7 +6935,7 @@
         </p:nvCxnSpPr>
         <p:spPr>
           <a:xfrm>
-            <a:off x="7830660" y="5644737"/>
+            <a:off x="7760321" y="5618360"/>
             <a:ext cx="178404" cy="0"/>
           </a:xfrm>
           <a:prstGeom prst="line">
@@ -6996,7 +6976,7 @@
         </p:nvSpPr>
         <p:spPr>
           <a:xfrm>
-            <a:off x="7816372" y="3913242"/>
+            <a:off x="7746033" y="3886865"/>
             <a:ext cx="838243" cy="276999"/>
           </a:xfrm>
           <a:prstGeom prst="rect">
@@ -7032,7 +7012,7 @@
         </p:nvSpPr>
         <p:spPr>
           <a:xfrm>
-            <a:off x="9599529" y="5889689"/>
+            <a:off x="9541742" y="5906517"/>
             <a:ext cx="712054" cy="276999"/>
           </a:xfrm>
           <a:prstGeom prst="rect">
@@ -7048,11 +7028,7 @@
           <a:p>
             <a:r>
               <a:rPr lang="en-US" sz="1200" dirty="0"/>
-              <a:t>8 </a:t>
-            </a:r>
-            <a:r>
-              <a:rPr lang="en-US" sz="1200"/>
-              <a:t>bit LLR</a:t>
+              <a:t>8 bit LLR</a:t>
             </a:r>
             <a:endParaRPr lang="en-GB" sz="1200" dirty="0"/>
           </a:p>
@@ -7072,7 +7048,7 @@
         </p:nvSpPr>
         <p:spPr>
           <a:xfrm>
-            <a:off x="9615629" y="4475636"/>
+            <a:off x="9545290" y="4474273"/>
             <a:ext cx="712054" cy="276999"/>
           </a:xfrm>
           <a:prstGeom prst="rect">
@@ -7088,11 +7064,7 @@
           <a:p>
             <a:r>
               <a:rPr lang="en-US" sz="1200" dirty="0"/>
-              <a:t>8 </a:t>
-            </a:r>
-            <a:r>
-              <a:rPr lang="en-US" sz="1200"/>
-              <a:t>bit LLR</a:t>
+              <a:t>8 bit LLR</a:t>
             </a:r>
             <a:endParaRPr lang="en-GB" sz="1200" dirty="0"/>
           </a:p>
@@ -7114,7 +7086,7 @@
         </p:nvCxnSpPr>
         <p:spPr>
           <a:xfrm flipV="1">
-            <a:off x="3757573" y="6700072"/>
+            <a:off x="3687234" y="6673695"/>
             <a:ext cx="3490172" cy="1"/>
           </a:xfrm>
           <a:prstGeom prst="line">
@@ -7157,7 +7129,7 @@
         </p:nvCxnSpPr>
         <p:spPr>
           <a:xfrm flipV="1">
-            <a:off x="3764523" y="4769637"/>
+            <a:off x="3694184" y="4743260"/>
             <a:ext cx="0" cy="1939137"/>
           </a:xfrm>
           <a:prstGeom prst="straightConnector1">
@@ -7201,7 +7173,7 @@
         </p:nvCxnSpPr>
         <p:spPr>
           <a:xfrm flipV="1">
-            <a:off x="7251704" y="6512543"/>
+            <a:off x="7181365" y="6486166"/>
             <a:ext cx="0" cy="196231"/>
           </a:xfrm>
           <a:prstGeom prst="line">
@@ -7228,8 +7200,8 @@
           </a:fontRef>
         </p:style>
       </p:cxnSp>
-      <mc:AlternateContent xmlns:mc="http://schemas.openxmlformats.org/markup-compatibility/2006" xmlns:a14="http://schemas.microsoft.com/office/drawing/2010/main">
-        <mc:Choice Requires="a14">
+      <mc:AlternateContent xmlns:mc="http://schemas.openxmlformats.org/markup-compatibility/2006">
+        <mc:Choice xmlns:a14="http://schemas.microsoft.com/office/drawing/2010/main" Requires="a14">
           <p:sp>
             <p:nvSpPr>
               <p:cNvPr id="73" name="TextBox 61">
@@ -7244,7 +7216,7 @@
             </p:nvSpPr>
             <p:spPr>
               <a:xfrm>
-                <a:off x="4803797" y="6458107"/>
+                <a:off x="4733458" y="6431730"/>
                 <a:ext cx="475066" cy="276999"/>
               </a:xfrm>
               <a:prstGeom prst="rect">
@@ -7310,7 +7282,7 @@
             </p:txBody>
           </p:sp>
         </mc:Choice>
-        <mc:Fallback xmlns="">
+        <mc:Fallback>
           <p:sp>
             <p:nvSpPr>
               <p:cNvPr id="73" name="TextBox 61">
@@ -7327,7 +7299,7 @@
             </p:nvSpPr>
             <p:spPr>
               <a:xfrm>
-                <a:off x="4803797" y="6458107"/>
+                <a:off x="4733458" y="6431730"/>
                 <a:ext cx="475066" cy="276999"/>
               </a:xfrm>
               <a:prstGeom prst="rect">
@@ -7345,7 +7317,7 @@
               <a:lstStyle/>
               <a:p>
                 <a:r>
-                  <a:rPr lang="de-DE">
+                  <a:rPr lang="en-GB">
                     <a:noFill/>
                   </a:rPr>
                   <a:t> </a:t>
@@ -7369,8 +7341,8 @@
         </p:nvSpPr>
         <p:spPr>
           <a:xfrm>
-            <a:off x="10884867" y="3268936"/>
-            <a:ext cx="574196" cy="369332"/>
+            <a:off x="10352021" y="213049"/>
+            <a:ext cx="1541256" cy="369332"/>
           </a:xfrm>
           <a:prstGeom prst="rect">
             <a:avLst/>
@@ -7385,7 +7357,7 @@
           <a:p>
             <a:r>
               <a:rPr lang="en-US" dirty="0"/>
-              <a:t>CPU</a:t>
+              <a:t>Cortex A9 CPU</a:t>
             </a:r>
             <a:endParaRPr lang="de-DE" dirty="0"/>
           </a:p>
@@ -7407,7 +7379,7 @@
         </p:nvCxnSpPr>
         <p:spPr>
           <a:xfrm>
-            <a:off x="9461433" y="6230108"/>
+            <a:off x="9391094" y="6203731"/>
             <a:ext cx="1160564" cy="0"/>
           </a:xfrm>
           <a:prstGeom prst="straightConnector1">
@@ -7451,7 +7423,7 @@
         </p:nvCxnSpPr>
         <p:spPr>
           <a:xfrm>
-            <a:off x="9461433" y="4190242"/>
+            <a:off x="9391094" y="4163865"/>
             <a:ext cx="1160564" cy="0"/>
           </a:xfrm>
           <a:prstGeom prst="straightConnector1">
@@ -7493,7 +7465,7 @@
         </p:nvSpPr>
         <p:spPr>
           <a:xfrm>
-            <a:off x="9532757" y="6189679"/>
+            <a:off x="9462418" y="6163302"/>
             <a:ext cx="889603" cy="276999"/>
           </a:xfrm>
           <a:prstGeom prst="rect">
@@ -7529,7 +7501,7 @@
         </p:nvSpPr>
         <p:spPr>
           <a:xfrm>
-            <a:off x="9556981" y="3918919"/>
+            <a:off x="9513778" y="4130689"/>
             <a:ext cx="838243" cy="276999"/>
           </a:xfrm>
           <a:prstGeom prst="rect">
@@ -7544,7 +7516,7 @@
           <a:lstStyle/>
           <a:p>
             <a:r>
-              <a:rPr lang="en-US" sz="1200"/>
+              <a:rPr lang="en-US" sz="1200" dirty="0" err="1"/>
               <a:t>Data_start</a:t>
             </a:r>
             <a:endParaRPr lang="en-GB" sz="1200" dirty="0"/>
@@ -7565,7 +7537,7 @@
         </p:nvSpPr>
         <p:spPr>
           <a:xfrm>
-            <a:off x="6819148" y="1432975"/>
+            <a:off x="6019626" y="1387743"/>
             <a:ext cx="1368131" cy="369332"/>
           </a:xfrm>
           <a:prstGeom prst="rect">
@@ -7603,7 +7575,7 @@
         </p:nvCxnSpPr>
         <p:spPr>
           <a:xfrm flipV="1">
-            <a:off x="7286890" y="3097046"/>
+            <a:off x="7216551" y="3070669"/>
             <a:ext cx="0" cy="204808"/>
           </a:xfrm>
           <a:prstGeom prst="straightConnector1">
@@ -7647,7 +7619,7 @@
         </p:nvCxnSpPr>
         <p:spPr>
           <a:xfrm flipV="1">
-            <a:off x="3796718" y="3298709"/>
+            <a:off x="3726379" y="3272332"/>
             <a:ext cx="3490172" cy="1"/>
           </a:xfrm>
           <a:prstGeom prst="line">
@@ -7690,7 +7662,7 @@
         </p:nvCxnSpPr>
         <p:spPr>
           <a:xfrm flipV="1">
-            <a:off x="3796718" y="3294620"/>
+            <a:off x="3726379" y="3268243"/>
             <a:ext cx="0" cy="258805"/>
           </a:xfrm>
           <a:prstGeom prst="line">
@@ -7731,7 +7703,7 @@
         </p:nvSpPr>
         <p:spPr>
           <a:xfrm>
-            <a:off x="4413363" y="3059181"/>
+            <a:off x="4343024" y="3032804"/>
             <a:ext cx="1831912" cy="276999"/>
           </a:xfrm>
           <a:prstGeom prst="rect">
@@ -7767,7 +7739,7 @@
         </p:nvSpPr>
         <p:spPr>
           <a:xfrm>
-            <a:off x="604908" y="1815649"/>
+            <a:off x="534569" y="1789272"/>
             <a:ext cx="897510" cy="1206137"/>
           </a:xfrm>
           <a:prstGeom prst="rect">
@@ -7895,7 +7867,7 @@
         </p:nvSpPr>
         <p:spPr>
           <a:xfrm>
-            <a:off x="570769" y="3612925"/>
+            <a:off x="500430" y="3586548"/>
             <a:ext cx="959943" cy="1206137"/>
           </a:xfrm>
           <a:prstGeom prst="rect">
@@ -7974,7 +7946,7 @@
         </p:nvCxnSpPr>
         <p:spPr>
           <a:xfrm flipV="1">
-            <a:off x="1050741" y="3011682"/>
+            <a:off x="980402" y="2985305"/>
             <a:ext cx="0" cy="601243"/>
           </a:xfrm>
           <a:prstGeom prst="straightConnector1">
@@ -8015,7 +7987,7 @@
         </p:nvCxnSpPr>
         <p:spPr>
           <a:xfrm>
-            <a:off x="1050740" y="1323511"/>
+            <a:off x="1813437" y="1582598"/>
             <a:ext cx="0" cy="496092"/>
           </a:xfrm>
           <a:prstGeom prst="straightConnector1">
@@ -8025,7 +7997,8 @@
             <a:solidFill>
               <a:srgbClr val="7030A0"/>
             </a:solidFill>
-            <a:tailEnd type="triangle"/>
+            <a:headEnd type="none"/>
+            <a:tailEnd type="none"/>
           </a:ln>
         </p:spPr>
         <p:style>
@@ -8057,7 +8030,7 @@
         </p:nvSpPr>
         <p:spPr>
           <a:xfrm>
-            <a:off x="1021221" y="1303854"/>
+            <a:off x="1421801" y="1142006"/>
             <a:ext cx="939681" cy="461665"/>
           </a:xfrm>
           <a:prstGeom prst="rect">
@@ -8072,14 +8045,14 @@
           <a:lstStyle/>
           <a:p>
             <a:r>
-              <a:rPr lang="en-US" sz="1200"/>
+              <a:rPr lang="en-US" sz="1200" dirty="0"/>
               <a:t>122.88 MHz</a:t>
             </a:r>
             <a:br>
-              <a:rPr lang="en-US" sz="1200"/>
+              <a:rPr lang="en-US" sz="1200" dirty="0"/>
             </a:br>
             <a:r>
-              <a:rPr lang="en-US" sz="1200"/>
+              <a:rPr lang="en-US" sz="1200" dirty="0"/>
               <a:t>clock</a:t>
             </a:r>
             <a:endParaRPr lang="en-GB" sz="1200" dirty="0"/>
@@ -8102,7 +8075,7 @@
         </p:nvCxnSpPr>
         <p:spPr>
           <a:xfrm flipV="1">
-            <a:off x="1315490" y="3017748"/>
+            <a:off x="1245151" y="2991371"/>
             <a:ext cx="0" cy="595177"/>
           </a:xfrm>
           <a:prstGeom prst="straightConnector1">
@@ -8144,7 +8117,7 @@
         </p:nvSpPr>
         <p:spPr>
           <a:xfrm>
-            <a:off x="1459478" y="2404480"/>
+            <a:off x="1389139" y="2378103"/>
             <a:ext cx="846707" cy="276999"/>
           </a:xfrm>
           <a:prstGeom prst="rect">
@@ -8180,7 +8153,7 @@
         </p:nvSpPr>
         <p:spPr>
           <a:xfrm>
-            <a:off x="1298284" y="3097532"/>
+            <a:off x="1227945" y="3071155"/>
             <a:ext cx="782587" cy="461665"/>
           </a:xfrm>
           <a:prstGeom prst="rect">
@@ -8223,7 +8196,7 @@
         </p:nvSpPr>
         <p:spPr>
           <a:xfrm>
-            <a:off x="1491062" y="2153268"/>
+            <a:off x="1420723" y="2126891"/>
             <a:ext cx="780983" cy="276999"/>
           </a:xfrm>
           <a:prstGeom prst="rect">
@@ -8259,7 +8232,7 @@
         </p:nvSpPr>
         <p:spPr>
           <a:xfrm>
-            <a:off x="1417317" y="4448979"/>
+            <a:off x="1346978" y="4422602"/>
             <a:ext cx="711122" cy="245423"/>
           </a:xfrm>
           <a:prstGeom prst="rect">
@@ -8323,7 +8296,7 @@
         </p:nvSpPr>
         <p:spPr>
           <a:xfrm>
-            <a:off x="9330592" y="1546092"/>
+            <a:off x="9260253" y="1519715"/>
             <a:ext cx="711122" cy="245423"/>
           </a:xfrm>
           <a:prstGeom prst="rect">
@@ -8387,7 +8360,7 @@
         </p:nvSpPr>
         <p:spPr>
           <a:xfrm>
-            <a:off x="2751561" y="4377578"/>
+            <a:off x="2681222" y="4351201"/>
             <a:ext cx="711122" cy="245423"/>
           </a:xfrm>
           <a:prstGeom prst="rect">
@@ -8451,7 +8424,7 @@
         </p:nvSpPr>
         <p:spPr>
           <a:xfrm>
-            <a:off x="9836327" y="3440580"/>
+            <a:off x="9826251" y="552484"/>
             <a:ext cx="711122" cy="245423"/>
           </a:xfrm>
           <a:prstGeom prst="rect">
@@ -8517,7 +8490,7 @@
         </p:nvCxnSpPr>
         <p:spPr>
           <a:xfrm>
-            <a:off x="1502418" y="2105067"/>
+            <a:off x="1432079" y="2078690"/>
             <a:ext cx="746951" cy="0"/>
           </a:xfrm>
           <a:prstGeom prst="straightConnector1">
@@ -8527,6 +8500,7 @@
             <a:solidFill>
               <a:srgbClr val="7030A0"/>
             </a:solidFill>
+            <a:headEnd type="triangle"/>
             <a:tailEnd type="triangle"/>
           </a:ln>
         </p:spPr>
@@ -8545,6 +8519,590 @@
           </a:fontRef>
         </p:style>
       </p:cxnSp>
+      <p:sp>
+        <p:nvSpPr>
+          <p:cNvPr id="104" name="Rectangle 103">
+            <a:extLst>
+              <a:ext uri="{FF2B5EF4-FFF2-40B4-BE49-F238E27FC236}">
+                <a16:creationId xmlns:a16="http://schemas.microsoft.com/office/drawing/2014/main" id="{E5FCA3EE-6240-FE7F-3AE1-5B36FFE20A64}"/>
+              </a:ext>
+            </a:extLst>
+          </p:cNvPr>
+          <p:cNvSpPr/>
+          <p:nvPr/>
+        </p:nvSpPr>
+        <p:spPr>
+          <a:xfrm>
+            <a:off x="10534116" y="3886865"/>
+            <a:ext cx="868917" cy="1206137"/>
+          </a:xfrm>
+          <a:prstGeom prst="rect">
+            <a:avLst/>
+          </a:prstGeom>
+          <a:solidFill>
+            <a:schemeClr val="bg1"/>
+          </a:solidFill>
+        </p:spPr>
+        <p:style>
+          <a:lnRef idx="2">
+            <a:schemeClr val="accent1">
+              <a:shade val="50000"/>
+            </a:schemeClr>
+          </a:lnRef>
+          <a:fillRef idx="1">
+            <a:schemeClr val="accent1"/>
+          </a:fillRef>
+          <a:effectRef idx="0">
+            <a:schemeClr val="accent1"/>
+          </a:effectRef>
+          <a:fontRef idx="minor">
+            <a:schemeClr val="lt1"/>
+          </a:fontRef>
+        </p:style>
+        <p:txBody>
+          <a:bodyPr rtlCol="0" anchor="ctr"/>
+          <a:lstStyle/>
+          <a:p>
+            <a:pPr algn="ctr"/>
+            <a:r>
+              <a:rPr lang="en-US" dirty="0">
+                <a:ln w="0"/>
+                <a:solidFill>
+                  <a:schemeClr val="tx1"/>
+                </a:solidFill>
+                <a:effectLst>
+                  <a:outerShdw blurRad="38100" dist="19050" dir="2700000" algn="tl" rotWithShape="0">
+                    <a:schemeClr val="dk1">
+                      <a:alpha val="40000"/>
+                    </a:schemeClr>
+                  </a:outerShdw>
+                </a:effectLst>
+              </a:rPr>
+              <a:t>AXI stream FIFO</a:t>
+            </a:r>
+          </a:p>
+        </p:txBody>
+      </p:sp>
+      <p:sp>
+        <p:nvSpPr>
+          <p:cNvPr id="105" name="Rectangle 104">
+            <a:extLst>
+              <a:ext uri="{FF2B5EF4-FFF2-40B4-BE49-F238E27FC236}">
+                <a16:creationId xmlns:a16="http://schemas.microsoft.com/office/drawing/2014/main" id="{05CF6F87-E97D-DFE1-9378-9340573C4F0B}"/>
+              </a:ext>
+            </a:extLst>
+          </p:cNvPr>
+          <p:cNvSpPr/>
+          <p:nvPr/>
+        </p:nvSpPr>
+        <p:spPr>
+          <a:xfrm>
+            <a:off x="10534115" y="5302258"/>
+            <a:ext cx="868917" cy="1206137"/>
+          </a:xfrm>
+          <a:prstGeom prst="rect">
+            <a:avLst/>
+          </a:prstGeom>
+          <a:solidFill>
+            <a:schemeClr val="bg1"/>
+          </a:solidFill>
+        </p:spPr>
+        <p:style>
+          <a:lnRef idx="2">
+            <a:schemeClr val="accent1">
+              <a:shade val="50000"/>
+            </a:schemeClr>
+          </a:lnRef>
+          <a:fillRef idx="1">
+            <a:schemeClr val="accent1"/>
+          </a:fillRef>
+          <a:effectRef idx="0">
+            <a:schemeClr val="accent1"/>
+          </a:effectRef>
+          <a:fontRef idx="minor">
+            <a:schemeClr val="lt1"/>
+          </a:fontRef>
+        </p:style>
+        <p:txBody>
+          <a:bodyPr rtlCol="0" anchor="ctr"/>
+          <a:lstStyle/>
+          <a:p>
+            <a:pPr algn="ctr"/>
+            <a:r>
+              <a:rPr lang="en-US" dirty="0">
+                <a:ln w="0"/>
+                <a:solidFill>
+                  <a:schemeClr val="tx1"/>
+                </a:solidFill>
+                <a:effectLst>
+                  <a:outerShdw blurRad="38100" dist="19050" dir="2700000" algn="tl" rotWithShape="0">
+                    <a:schemeClr val="dk1">
+                      <a:alpha val="40000"/>
+                    </a:schemeClr>
+                  </a:outerShdw>
+                </a:effectLst>
+              </a:rPr>
+              <a:t>AXI stream FIFO</a:t>
+            </a:r>
+          </a:p>
+        </p:txBody>
+      </p:sp>
+      <p:sp>
+        <p:nvSpPr>
+          <p:cNvPr id="113" name="Rechteck 111">
+            <a:extLst>
+              <a:ext uri="{FF2B5EF4-FFF2-40B4-BE49-F238E27FC236}">
+                <a16:creationId xmlns:a16="http://schemas.microsoft.com/office/drawing/2014/main" id="{D837449F-A948-40BD-BA03-D1B500133D2E}"/>
+              </a:ext>
+            </a:extLst>
+          </p:cNvPr>
+          <p:cNvSpPr/>
+          <p:nvPr/>
+        </p:nvSpPr>
+        <p:spPr>
+          <a:xfrm>
+            <a:off x="9943538" y="4797932"/>
+            <a:ext cx="711122" cy="245423"/>
+          </a:xfrm>
+          <a:prstGeom prst="rect">
+            <a:avLst/>
+          </a:prstGeom>
+          <a:solidFill>
+            <a:schemeClr val="accent6">
+              <a:lumMod val="60000"/>
+              <a:lumOff val="40000"/>
+            </a:schemeClr>
+          </a:solidFill>
+        </p:spPr>
+        <p:style>
+          <a:lnRef idx="2">
+            <a:schemeClr val="accent1">
+              <a:shade val="50000"/>
+            </a:schemeClr>
+          </a:lnRef>
+          <a:fillRef idx="1">
+            <a:schemeClr val="accent1"/>
+          </a:fillRef>
+          <a:effectRef idx="0">
+            <a:schemeClr val="accent1"/>
+          </a:effectRef>
+          <a:fontRef idx="minor">
+            <a:schemeClr val="lt1"/>
+          </a:fontRef>
+        </p:style>
+        <p:txBody>
+          <a:bodyPr rtlCol="0" anchor="ctr"/>
+          <a:lstStyle/>
+          <a:p>
+            <a:pPr algn="ctr"/>
+            <a:r>
+              <a:rPr lang="en-US" sz="1400" dirty="0">
+                <a:solidFill>
+                  <a:schemeClr val="bg1"/>
+                </a:solidFill>
+              </a:rPr>
+              <a:t>AXI lite</a:t>
+            </a:r>
+            <a:endParaRPr lang="de-DE" sz="1400" dirty="0">
+              <a:solidFill>
+                <a:schemeClr val="bg1"/>
+              </a:solidFill>
+            </a:endParaRPr>
+          </a:p>
+        </p:txBody>
+      </p:sp>
+      <p:sp>
+        <p:nvSpPr>
+          <p:cNvPr id="114" name="Rechteck 111">
+            <a:extLst>
+              <a:ext uri="{FF2B5EF4-FFF2-40B4-BE49-F238E27FC236}">
+                <a16:creationId xmlns:a16="http://schemas.microsoft.com/office/drawing/2014/main" id="{F080F6C4-FAAF-D75A-D6CF-CD45A7DC0CC9}"/>
+              </a:ext>
+            </a:extLst>
+          </p:cNvPr>
+          <p:cNvSpPr/>
+          <p:nvPr/>
+        </p:nvSpPr>
+        <p:spPr>
+          <a:xfrm>
+            <a:off x="9947018" y="5392438"/>
+            <a:ext cx="711122" cy="245423"/>
+          </a:xfrm>
+          <a:prstGeom prst="rect">
+            <a:avLst/>
+          </a:prstGeom>
+          <a:solidFill>
+            <a:schemeClr val="accent6">
+              <a:lumMod val="60000"/>
+              <a:lumOff val="40000"/>
+            </a:schemeClr>
+          </a:solidFill>
+        </p:spPr>
+        <p:style>
+          <a:lnRef idx="2">
+            <a:schemeClr val="accent1">
+              <a:shade val="50000"/>
+            </a:schemeClr>
+          </a:lnRef>
+          <a:fillRef idx="1">
+            <a:schemeClr val="accent1"/>
+          </a:fillRef>
+          <a:effectRef idx="0">
+            <a:schemeClr val="accent1"/>
+          </a:effectRef>
+          <a:fontRef idx="minor">
+            <a:schemeClr val="lt1"/>
+          </a:fontRef>
+        </p:style>
+        <p:txBody>
+          <a:bodyPr rtlCol="0" anchor="ctr"/>
+          <a:lstStyle/>
+          <a:p>
+            <a:pPr algn="ctr"/>
+            <a:r>
+              <a:rPr lang="en-US" sz="1400" dirty="0">
+                <a:solidFill>
+                  <a:schemeClr val="bg1"/>
+                </a:solidFill>
+              </a:rPr>
+              <a:t>AXI lite</a:t>
+            </a:r>
+            <a:endParaRPr lang="de-DE" sz="1400" dirty="0">
+              <a:solidFill>
+                <a:schemeClr val="bg1"/>
+              </a:solidFill>
+            </a:endParaRPr>
+          </a:p>
+        </p:txBody>
+      </p:sp>
+      <p:sp>
+        <p:nvSpPr>
+          <p:cNvPr id="115" name="Rectangle 114">
+            <a:extLst>
+              <a:ext uri="{FF2B5EF4-FFF2-40B4-BE49-F238E27FC236}">
+                <a16:creationId xmlns:a16="http://schemas.microsoft.com/office/drawing/2014/main" id="{58BF31CC-0EBE-831C-9D76-D254AB741332}"/>
+              </a:ext>
+            </a:extLst>
+          </p:cNvPr>
+          <p:cNvSpPr/>
+          <p:nvPr/>
+        </p:nvSpPr>
+        <p:spPr>
+          <a:xfrm>
+            <a:off x="10780765" y="3470345"/>
+            <a:ext cx="1040295" cy="254009"/>
+          </a:xfrm>
+          <a:prstGeom prst="rect">
+            <a:avLst/>
+          </a:prstGeom>
+          <a:solidFill>
+            <a:schemeClr val="bg1"/>
+          </a:solidFill>
+        </p:spPr>
+        <p:style>
+          <a:lnRef idx="2">
+            <a:schemeClr val="accent1">
+              <a:shade val="50000"/>
+            </a:schemeClr>
+          </a:lnRef>
+          <a:fillRef idx="1">
+            <a:schemeClr val="accent1"/>
+          </a:fillRef>
+          <a:effectRef idx="0">
+            <a:schemeClr val="accent1"/>
+          </a:effectRef>
+          <a:fontRef idx="minor">
+            <a:schemeClr val="lt1"/>
+          </a:fontRef>
+        </p:style>
+        <p:txBody>
+          <a:bodyPr rtlCol="0" anchor="ctr"/>
+          <a:lstStyle/>
+          <a:p>
+            <a:pPr algn="ctr"/>
+            <a:r>
+              <a:rPr lang="en-US" dirty="0">
+                <a:ln w="0"/>
+                <a:solidFill>
+                  <a:schemeClr val="tx1"/>
+                </a:solidFill>
+                <a:effectLst>
+                  <a:outerShdw blurRad="38100" dist="19050" dir="2700000" algn="tl" rotWithShape="0">
+                    <a:schemeClr val="dk1">
+                      <a:alpha val="40000"/>
+                    </a:schemeClr>
+                  </a:outerShdw>
+                </a:effectLst>
+              </a:rPr>
+              <a:t>Interrupt</a:t>
+            </a:r>
+            <a:endParaRPr lang="en-GB" dirty="0">
+              <a:ln w="0"/>
+              <a:solidFill>
+                <a:schemeClr val="tx1"/>
+              </a:solidFill>
+              <a:effectLst>
+                <a:outerShdw blurRad="38100" dist="19050" dir="2700000" algn="tl" rotWithShape="0">
+                  <a:schemeClr val="dk1">
+                    <a:alpha val="40000"/>
+                  </a:schemeClr>
+                </a:outerShdw>
+              </a:effectLst>
+            </a:endParaRPr>
+          </a:p>
+        </p:txBody>
+      </p:sp>
+      <p:cxnSp>
+        <p:nvCxnSpPr>
+          <p:cNvPr id="116" name="Straight Arrow Connector 60">
+            <a:extLst>
+              <a:ext uri="{FF2B5EF4-FFF2-40B4-BE49-F238E27FC236}">
+                <a16:creationId xmlns:a16="http://schemas.microsoft.com/office/drawing/2014/main" id="{88FAD138-3E82-2578-B9C8-1025E7EF6FAF}"/>
+              </a:ext>
+            </a:extLst>
+          </p:cNvPr>
+          <p:cNvCxnSpPr>
+            <a:cxnSpLocks/>
+          </p:cNvCxnSpPr>
+          <p:nvPr/>
+        </p:nvCxnSpPr>
+        <p:spPr>
+          <a:xfrm flipV="1">
+            <a:off x="11587626" y="3734452"/>
+            <a:ext cx="0" cy="405740"/>
+          </a:xfrm>
+          <a:prstGeom prst="straightConnector1">
+            <a:avLst/>
+          </a:prstGeom>
+          <a:ln w="19050">
+            <a:solidFill>
+              <a:schemeClr val="tx1"/>
+            </a:solidFill>
+            <a:tailEnd type="triangle"/>
+          </a:ln>
+        </p:spPr>
+        <p:style>
+          <a:lnRef idx="1">
+            <a:schemeClr val="accent1"/>
+          </a:lnRef>
+          <a:fillRef idx="0">
+            <a:schemeClr val="accent1"/>
+          </a:fillRef>
+          <a:effectRef idx="0">
+            <a:schemeClr val="accent1"/>
+          </a:effectRef>
+          <a:fontRef idx="minor">
+            <a:schemeClr val="tx1"/>
+          </a:fontRef>
+        </p:style>
+      </p:cxnSp>
+      <p:cxnSp>
+        <p:nvCxnSpPr>
+          <p:cNvPr id="119" name="Straight Arrow Connector 60">
+            <a:extLst>
+              <a:ext uri="{FF2B5EF4-FFF2-40B4-BE49-F238E27FC236}">
+                <a16:creationId xmlns:a16="http://schemas.microsoft.com/office/drawing/2014/main" id="{E465A6DD-7839-278C-CF33-77D6F2BF241C}"/>
+              </a:ext>
+            </a:extLst>
+          </p:cNvPr>
+          <p:cNvCxnSpPr>
+            <a:cxnSpLocks/>
+          </p:cNvCxnSpPr>
+          <p:nvPr/>
+        </p:nvCxnSpPr>
+        <p:spPr>
+          <a:xfrm flipV="1">
+            <a:off x="11744422" y="3734452"/>
+            <a:ext cx="0" cy="1780697"/>
+          </a:xfrm>
+          <a:prstGeom prst="straightConnector1">
+            <a:avLst/>
+          </a:prstGeom>
+          <a:ln w="19050">
+            <a:solidFill>
+              <a:schemeClr val="tx1"/>
+            </a:solidFill>
+            <a:tailEnd type="triangle"/>
+          </a:ln>
+        </p:spPr>
+        <p:style>
+          <a:lnRef idx="1">
+            <a:schemeClr val="accent1"/>
+          </a:lnRef>
+          <a:fillRef idx="0">
+            <a:schemeClr val="accent1"/>
+          </a:fillRef>
+          <a:effectRef idx="0">
+            <a:schemeClr val="accent1"/>
+          </a:effectRef>
+          <a:fontRef idx="minor">
+            <a:schemeClr val="tx1"/>
+          </a:fontRef>
+        </p:style>
+      </p:cxnSp>
+      <p:cxnSp>
+        <p:nvCxnSpPr>
+          <p:cNvPr id="122" name="Straight Connector 121">
+            <a:extLst>
+              <a:ext uri="{FF2B5EF4-FFF2-40B4-BE49-F238E27FC236}">
+                <a16:creationId xmlns:a16="http://schemas.microsoft.com/office/drawing/2014/main" id="{4F0DA8C3-E2D8-7B6B-958E-2B26FE92F6AB}"/>
+              </a:ext>
+            </a:extLst>
+          </p:cNvPr>
+          <p:cNvCxnSpPr>
+            <a:cxnSpLocks/>
+          </p:cNvCxnSpPr>
+          <p:nvPr/>
+        </p:nvCxnSpPr>
+        <p:spPr>
+          <a:xfrm>
+            <a:off x="11403032" y="4130689"/>
+            <a:ext cx="184594" cy="0"/>
+          </a:xfrm>
+          <a:prstGeom prst="line">
+            <a:avLst/>
+          </a:prstGeom>
+          <a:ln w="19050">
+            <a:solidFill>
+              <a:schemeClr val="tx1"/>
+            </a:solidFill>
+          </a:ln>
+        </p:spPr>
+        <p:style>
+          <a:lnRef idx="1">
+            <a:schemeClr val="accent1"/>
+          </a:lnRef>
+          <a:fillRef idx="0">
+            <a:schemeClr val="accent1"/>
+          </a:fillRef>
+          <a:effectRef idx="0">
+            <a:schemeClr val="accent1"/>
+          </a:effectRef>
+          <a:fontRef idx="minor">
+            <a:schemeClr val="tx1"/>
+          </a:fontRef>
+        </p:style>
+      </p:cxnSp>
+      <p:cxnSp>
+        <p:nvCxnSpPr>
+          <p:cNvPr id="124" name="Straight Connector 123">
+            <a:extLst>
+              <a:ext uri="{FF2B5EF4-FFF2-40B4-BE49-F238E27FC236}">
+                <a16:creationId xmlns:a16="http://schemas.microsoft.com/office/drawing/2014/main" id="{87AA74F6-503B-6F58-88C4-C917B30342B5}"/>
+              </a:ext>
+            </a:extLst>
+          </p:cNvPr>
+          <p:cNvCxnSpPr>
+            <a:cxnSpLocks/>
+          </p:cNvCxnSpPr>
+          <p:nvPr/>
+        </p:nvCxnSpPr>
+        <p:spPr>
+          <a:xfrm>
+            <a:off x="11403032" y="5515149"/>
+            <a:ext cx="341390" cy="0"/>
+          </a:xfrm>
+          <a:prstGeom prst="line">
+            <a:avLst/>
+          </a:prstGeom>
+          <a:ln w="19050">
+            <a:solidFill>
+              <a:schemeClr val="tx1"/>
+            </a:solidFill>
+          </a:ln>
+        </p:spPr>
+        <p:style>
+          <a:lnRef idx="1">
+            <a:schemeClr val="accent1"/>
+          </a:lnRef>
+          <a:fillRef idx="0">
+            <a:schemeClr val="accent1"/>
+          </a:fillRef>
+          <a:effectRef idx="0">
+            <a:schemeClr val="accent1"/>
+          </a:effectRef>
+          <a:fontRef idx="minor">
+            <a:schemeClr val="tx1"/>
+          </a:fontRef>
+        </p:style>
+      </p:cxnSp>
+      <p:sp>
+        <p:nvSpPr>
+          <p:cNvPr id="127" name="Rectangle 59">
+            <a:extLst>
+              <a:ext uri="{FF2B5EF4-FFF2-40B4-BE49-F238E27FC236}">
+                <a16:creationId xmlns:a16="http://schemas.microsoft.com/office/drawing/2014/main" id="{459E0841-34EF-27C1-3479-4042618B7E83}"/>
+              </a:ext>
+            </a:extLst>
+          </p:cNvPr>
+          <p:cNvSpPr/>
+          <p:nvPr/>
+        </p:nvSpPr>
+        <p:spPr>
+          <a:xfrm>
+            <a:off x="10614972" y="918174"/>
+            <a:ext cx="1040296" cy="669684"/>
+          </a:xfrm>
+          <a:prstGeom prst="rect">
+            <a:avLst/>
+          </a:prstGeom>
+          <a:solidFill>
+            <a:schemeClr val="bg1"/>
+          </a:solidFill>
+        </p:spPr>
+        <p:style>
+          <a:lnRef idx="2">
+            <a:schemeClr val="accent1">
+              <a:shade val="50000"/>
+            </a:schemeClr>
+          </a:lnRef>
+          <a:fillRef idx="1">
+            <a:schemeClr val="accent1"/>
+          </a:fillRef>
+          <a:effectRef idx="0">
+            <a:schemeClr val="accent1"/>
+          </a:effectRef>
+          <a:fontRef idx="minor">
+            <a:schemeClr val="lt1"/>
+          </a:fontRef>
+        </p:style>
+        <p:txBody>
+          <a:bodyPr rtlCol="0" anchor="ctr"/>
+          <a:lstStyle/>
+          <a:p>
+            <a:pPr algn="ctr"/>
+            <a:r>
+              <a:rPr lang="en-US" dirty="0">
+                <a:ln w="0"/>
+                <a:solidFill>
+                  <a:schemeClr val="tx1"/>
+                </a:solidFill>
+                <a:effectLst>
+                  <a:outerShdw blurRad="38100" dist="19050" dir="2700000" algn="tl" rotWithShape="0">
+                    <a:schemeClr val="dk1">
+                      <a:alpha val="40000"/>
+                    </a:schemeClr>
+                  </a:outerShdw>
+                </a:effectLst>
+              </a:rPr>
+              <a:t>MAC</a:t>
+            </a:r>
+            <a:endParaRPr lang="en-GB" dirty="0">
+              <a:ln w="0"/>
+              <a:solidFill>
+                <a:schemeClr val="tx1"/>
+              </a:solidFill>
+              <a:effectLst>
+                <a:outerShdw blurRad="38100" dist="19050" dir="2700000" algn="tl" rotWithShape="0">
+                  <a:schemeClr val="dk1">
+                    <a:alpha val="40000"/>
+                  </a:schemeClr>
+                </a:outerShdw>
+              </a:effectLst>
+            </a:endParaRPr>
+          </a:p>
+        </p:txBody>
+      </p:sp>
     </p:spTree>
     <p:extLst>
       <p:ext uri="{BB962C8B-B14F-4D97-AF65-F5344CB8AC3E}">

--- a/doc/overview.pptx
+++ b/doc/overview.pptx
@@ -261,7 +261,7 @@
           <a:p>
             <a:fld id="{0647E4D3-4269-40FF-ADD2-F433546F1734}" type="datetimeFigureOut">
               <a:rPr lang="en-GB" smtClean="0"/>
-              <a:t>23/02/2023</a:t>
+              <a:t>25/02/2023</a:t>
             </a:fld>
             <a:endParaRPr lang="en-GB"/>
           </a:p>
@@ -315,7 +315,7 @@
           <a:p>
             <a:fld id="{1991B810-A44B-42D8-B2B0-10522A071A3E}" type="slidenum">
               <a:rPr lang="en-GB" smtClean="0"/>
-              <a:t>‹#›</a:t>
+              <a:t>‹Nr.›</a:t>
             </a:fld>
             <a:endParaRPr lang="en-GB"/>
           </a:p>
@@ -461,7 +461,7 @@
           <a:p>
             <a:fld id="{0647E4D3-4269-40FF-ADD2-F433546F1734}" type="datetimeFigureOut">
               <a:rPr lang="en-GB" smtClean="0"/>
-              <a:t>23/02/2023</a:t>
+              <a:t>25/02/2023</a:t>
             </a:fld>
             <a:endParaRPr lang="en-GB"/>
           </a:p>
@@ -515,7 +515,7 @@
           <a:p>
             <a:fld id="{1991B810-A44B-42D8-B2B0-10522A071A3E}" type="slidenum">
               <a:rPr lang="en-GB" smtClean="0"/>
-              <a:t>‹#›</a:t>
+              <a:t>‹Nr.›</a:t>
             </a:fld>
             <a:endParaRPr lang="en-GB"/>
           </a:p>
@@ -671,7 +671,7 @@
           <a:p>
             <a:fld id="{0647E4D3-4269-40FF-ADD2-F433546F1734}" type="datetimeFigureOut">
               <a:rPr lang="en-GB" smtClean="0"/>
-              <a:t>23/02/2023</a:t>
+              <a:t>25/02/2023</a:t>
             </a:fld>
             <a:endParaRPr lang="en-GB"/>
           </a:p>
@@ -725,7 +725,7 @@
           <a:p>
             <a:fld id="{1991B810-A44B-42D8-B2B0-10522A071A3E}" type="slidenum">
               <a:rPr lang="en-GB" smtClean="0"/>
-              <a:t>‹#›</a:t>
+              <a:t>‹Nr.›</a:t>
             </a:fld>
             <a:endParaRPr lang="en-GB"/>
           </a:p>
@@ -871,7 +871,7 @@
           <a:p>
             <a:fld id="{0647E4D3-4269-40FF-ADD2-F433546F1734}" type="datetimeFigureOut">
               <a:rPr lang="en-GB" smtClean="0"/>
-              <a:t>23/02/2023</a:t>
+              <a:t>25/02/2023</a:t>
             </a:fld>
             <a:endParaRPr lang="en-GB"/>
           </a:p>
@@ -925,7 +925,7 @@
           <a:p>
             <a:fld id="{1991B810-A44B-42D8-B2B0-10522A071A3E}" type="slidenum">
               <a:rPr lang="en-GB" smtClean="0"/>
-              <a:t>‹#›</a:t>
+              <a:t>‹Nr.›</a:t>
             </a:fld>
             <a:endParaRPr lang="en-GB"/>
           </a:p>
@@ -1147,7 +1147,7 @@
           <a:p>
             <a:fld id="{0647E4D3-4269-40FF-ADD2-F433546F1734}" type="datetimeFigureOut">
               <a:rPr lang="en-GB" smtClean="0"/>
-              <a:t>23/02/2023</a:t>
+              <a:t>25/02/2023</a:t>
             </a:fld>
             <a:endParaRPr lang="en-GB"/>
           </a:p>
@@ -1201,7 +1201,7 @@
           <a:p>
             <a:fld id="{1991B810-A44B-42D8-B2B0-10522A071A3E}" type="slidenum">
               <a:rPr lang="en-GB" smtClean="0"/>
-              <a:t>‹#›</a:t>
+              <a:t>‹Nr.›</a:t>
             </a:fld>
             <a:endParaRPr lang="en-GB"/>
           </a:p>
@@ -1415,7 +1415,7 @@
           <a:p>
             <a:fld id="{0647E4D3-4269-40FF-ADD2-F433546F1734}" type="datetimeFigureOut">
               <a:rPr lang="en-GB" smtClean="0"/>
-              <a:t>23/02/2023</a:t>
+              <a:t>25/02/2023</a:t>
             </a:fld>
             <a:endParaRPr lang="en-GB"/>
           </a:p>
@@ -1469,7 +1469,7 @@
           <a:p>
             <a:fld id="{1991B810-A44B-42D8-B2B0-10522A071A3E}" type="slidenum">
               <a:rPr lang="en-GB" smtClean="0"/>
-              <a:t>‹#›</a:t>
+              <a:t>‹Nr.›</a:t>
             </a:fld>
             <a:endParaRPr lang="en-GB"/>
           </a:p>
@@ -1830,7 +1830,7 @@
           <a:p>
             <a:fld id="{0647E4D3-4269-40FF-ADD2-F433546F1734}" type="datetimeFigureOut">
               <a:rPr lang="en-GB" smtClean="0"/>
-              <a:t>23/02/2023</a:t>
+              <a:t>25/02/2023</a:t>
             </a:fld>
             <a:endParaRPr lang="en-GB"/>
           </a:p>
@@ -1884,7 +1884,7 @@
           <a:p>
             <a:fld id="{1991B810-A44B-42D8-B2B0-10522A071A3E}" type="slidenum">
               <a:rPr lang="en-GB" smtClean="0"/>
-              <a:t>‹#›</a:t>
+              <a:t>‹Nr.›</a:t>
             </a:fld>
             <a:endParaRPr lang="en-GB"/>
           </a:p>
@@ -1972,7 +1972,7 @@
           <a:p>
             <a:fld id="{0647E4D3-4269-40FF-ADD2-F433546F1734}" type="datetimeFigureOut">
               <a:rPr lang="en-GB" smtClean="0"/>
-              <a:t>23/02/2023</a:t>
+              <a:t>25/02/2023</a:t>
             </a:fld>
             <a:endParaRPr lang="en-GB"/>
           </a:p>
@@ -2026,7 +2026,7 @@
           <a:p>
             <a:fld id="{1991B810-A44B-42D8-B2B0-10522A071A3E}" type="slidenum">
               <a:rPr lang="en-GB" smtClean="0"/>
-              <a:t>‹#›</a:t>
+              <a:t>‹Nr.›</a:t>
             </a:fld>
             <a:endParaRPr lang="en-GB"/>
           </a:p>
@@ -2085,7 +2085,7 @@
           <a:p>
             <a:fld id="{0647E4D3-4269-40FF-ADD2-F433546F1734}" type="datetimeFigureOut">
               <a:rPr lang="en-GB" smtClean="0"/>
-              <a:t>23/02/2023</a:t>
+              <a:t>25/02/2023</a:t>
             </a:fld>
             <a:endParaRPr lang="en-GB"/>
           </a:p>
@@ -2139,7 +2139,7 @@
           <a:p>
             <a:fld id="{1991B810-A44B-42D8-B2B0-10522A071A3E}" type="slidenum">
               <a:rPr lang="en-GB" smtClean="0"/>
-              <a:t>‹#›</a:t>
+              <a:t>‹Nr.›</a:t>
             </a:fld>
             <a:endParaRPr lang="en-GB"/>
           </a:p>
@@ -2398,7 +2398,7 @@
           <a:p>
             <a:fld id="{0647E4D3-4269-40FF-ADD2-F433546F1734}" type="datetimeFigureOut">
               <a:rPr lang="en-GB" smtClean="0"/>
-              <a:t>23/02/2023</a:t>
+              <a:t>25/02/2023</a:t>
             </a:fld>
             <a:endParaRPr lang="en-GB"/>
           </a:p>
@@ -2452,7 +2452,7 @@
           <a:p>
             <a:fld id="{1991B810-A44B-42D8-B2B0-10522A071A3E}" type="slidenum">
               <a:rPr lang="en-GB" smtClean="0"/>
-              <a:t>‹#›</a:t>
+              <a:t>‹Nr.›</a:t>
             </a:fld>
             <a:endParaRPr lang="en-GB"/>
           </a:p>
@@ -2687,7 +2687,7 @@
           <a:p>
             <a:fld id="{0647E4D3-4269-40FF-ADD2-F433546F1734}" type="datetimeFigureOut">
               <a:rPr lang="en-GB" smtClean="0"/>
-              <a:t>23/02/2023</a:t>
+              <a:t>25/02/2023</a:t>
             </a:fld>
             <a:endParaRPr lang="en-GB"/>
           </a:p>
@@ -2741,7 +2741,7 @@
           <a:p>
             <a:fld id="{1991B810-A44B-42D8-B2B0-10522A071A3E}" type="slidenum">
               <a:rPr lang="en-GB" smtClean="0"/>
-              <a:t>‹#›</a:t>
+              <a:t>‹Nr.›</a:t>
             </a:fld>
             <a:endParaRPr lang="en-GB"/>
           </a:p>
@@ -2930,7 +2930,7 @@
           <a:p>
             <a:fld id="{0647E4D3-4269-40FF-ADD2-F433546F1734}" type="datetimeFigureOut">
               <a:rPr lang="en-GB" smtClean="0"/>
-              <a:t>23/02/2023</a:t>
+              <a:t>25/02/2023</a:t>
             </a:fld>
             <a:endParaRPr lang="en-GB"/>
           </a:p>
@@ -3020,7 +3020,7 @@
           <a:p>
             <a:fld id="{1991B810-A44B-42D8-B2B0-10522A071A3E}" type="slidenum">
               <a:rPr lang="en-GB" smtClean="0"/>
-              <a:t>‹#›</a:t>
+              <a:t>‹Nr.›</a:t>
             </a:fld>
             <a:endParaRPr lang="en-GB"/>
           </a:p>
@@ -7200,8 +7200,8 @@
           </a:fontRef>
         </p:style>
       </p:cxnSp>
-      <mc:AlternateContent xmlns:mc="http://schemas.openxmlformats.org/markup-compatibility/2006">
-        <mc:Choice xmlns:a14="http://schemas.microsoft.com/office/drawing/2010/main" Requires="a14">
+      <mc:AlternateContent xmlns:mc="http://schemas.openxmlformats.org/markup-compatibility/2006" xmlns:a14="http://schemas.microsoft.com/office/drawing/2010/main">
+        <mc:Choice Requires="a14">
           <p:sp>
             <p:nvSpPr>
               <p:cNvPr id="73" name="TextBox 61">
@@ -7282,7 +7282,7 @@
             </p:txBody>
           </p:sp>
         </mc:Choice>
-        <mc:Fallback>
+        <mc:Fallback xmlns="">
           <p:sp>
             <p:nvSpPr>
               <p:cNvPr id="73" name="TextBox 61">
@@ -8661,8 +8661,8 @@
         </p:nvSpPr>
         <p:spPr>
           <a:xfrm>
-            <a:off x="9943538" y="4797932"/>
-            <a:ext cx="711122" cy="245423"/>
+            <a:off x="9942606" y="4797932"/>
+            <a:ext cx="712054" cy="245423"/>
           </a:xfrm>
           <a:prstGeom prst="rect">
             <a:avLst/>
@@ -9099,6 +9099,70 @@
                   </a:schemeClr>
                 </a:outerShdw>
               </a:effectLst>
+            </a:endParaRPr>
+          </a:p>
+        </p:txBody>
+      </p:sp>
+      <p:sp>
+        <p:nvSpPr>
+          <p:cNvPr id="45" name="Rechteck 111">
+            <a:extLst>
+              <a:ext uri="{FF2B5EF4-FFF2-40B4-BE49-F238E27FC236}">
+                <a16:creationId xmlns:a16="http://schemas.microsoft.com/office/drawing/2014/main" id="{E9DB22C0-CFFE-0BE9-0495-7A68AFF394D7}"/>
+              </a:ext>
+            </a:extLst>
+          </p:cNvPr>
+          <p:cNvSpPr/>
+          <p:nvPr/>
+        </p:nvSpPr>
+        <p:spPr>
+          <a:xfrm>
+            <a:off x="6457664" y="5351995"/>
+            <a:ext cx="712054" cy="245423"/>
+          </a:xfrm>
+          <a:prstGeom prst="rect">
+            <a:avLst/>
+          </a:prstGeom>
+          <a:solidFill>
+            <a:schemeClr val="accent6">
+              <a:lumMod val="60000"/>
+              <a:lumOff val="40000"/>
+            </a:schemeClr>
+          </a:solidFill>
+        </p:spPr>
+        <p:style>
+          <a:lnRef idx="2">
+            <a:schemeClr val="accent1">
+              <a:shade val="50000"/>
+            </a:schemeClr>
+          </a:lnRef>
+          <a:fillRef idx="1">
+            <a:schemeClr val="accent1"/>
+          </a:fillRef>
+          <a:effectRef idx="0">
+            <a:schemeClr val="accent1"/>
+          </a:effectRef>
+          <a:fontRef idx="minor">
+            <a:schemeClr val="lt1"/>
+          </a:fontRef>
+        </p:style>
+        <p:txBody>
+          <a:bodyPr rtlCol="0" anchor="ctr"/>
+          <a:lstStyle/>
+          <a:p>
+            <a:pPr algn="ctr"/>
+            <a:r>
+              <a:rPr lang="en-US" sz="1400" dirty="0">
+                <a:solidFill>
+                  <a:schemeClr val="bg1"/>
+                </a:solidFill>
+              </a:rPr>
+              <a:t>AXI lite</a:t>
+            </a:r>
+            <a:endParaRPr lang="de-DE" sz="1400" dirty="0">
+              <a:solidFill>
+                <a:schemeClr val="bg1"/>
+              </a:solidFill>
             </a:endParaRPr>
           </a:p>
         </p:txBody>

--- a/doc/overview.pptx
+++ b/doc/overview.pptx
@@ -261,7 +261,7 @@
           <a:p>
             <a:fld id="{0647E4D3-4269-40FF-ADD2-F433546F1734}" type="datetimeFigureOut">
               <a:rPr lang="en-GB" smtClean="0"/>
-              <a:t>25/02/2023</a:t>
+              <a:t>27/02/2023</a:t>
             </a:fld>
             <a:endParaRPr lang="en-GB"/>
           </a:p>
@@ -461,7 +461,7 @@
           <a:p>
             <a:fld id="{0647E4D3-4269-40FF-ADD2-F433546F1734}" type="datetimeFigureOut">
               <a:rPr lang="en-GB" smtClean="0"/>
-              <a:t>25/02/2023</a:t>
+              <a:t>27/02/2023</a:t>
             </a:fld>
             <a:endParaRPr lang="en-GB"/>
           </a:p>
@@ -671,7 +671,7 @@
           <a:p>
             <a:fld id="{0647E4D3-4269-40FF-ADD2-F433546F1734}" type="datetimeFigureOut">
               <a:rPr lang="en-GB" smtClean="0"/>
-              <a:t>25/02/2023</a:t>
+              <a:t>27/02/2023</a:t>
             </a:fld>
             <a:endParaRPr lang="en-GB"/>
           </a:p>
@@ -871,7 +871,7 @@
           <a:p>
             <a:fld id="{0647E4D3-4269-40FF-ADD2-F433546F1734}" type="datetimeFigureOut">
               <a:rPr lang="en-GB" smtClean="0"/>
-              <a:t>25/02/2023</a:t>
+              <a:t>27/02/2023</a:t>
             </a:fld>
             <a:endParaRPr lang="en-GB"/>
           </a:p>
@@ -1147,7 +1147,7 @@
           <a:p>
             <a:fld id="{0647E4D3-4269-40FF-ADD2-F433546F1734}" type="datetimeFigureOut">
               <a:rPr lang="en-GB" smtClean="0"/>
-              <a:t>25/02/2023</a:t>
+              <a:t>27/02/2023</a:t>
             </a:fld>
             <a:endParaRPr lang="en-GB"/>
           </a:p>
@@ -1415,7 +1415,7 @@
           <a:p>
             <a:fld id="{0647E4D3-4269-40FF-ADD2-F433546F1734}" type="datetimeFigureOut">
               <a:rPr lang="en-GB" smtClean="0"/>
-              <a:t>25/02/2023</a:t>
+              <a:t>27/02/2023</a:t>
             </a:fld>
             <a:endParaRPr lang="en-GB"/>
           </a:p>
@@ -1830,7 +1830,7 @@
           <a:p>
             <a:fld id="{0647E4D3-4269-40FF-ADD2-F433546F1734}" type="datetimeFigureOut">
               <a:rPr lang="en-GB" smtClean="0"/>
-              <a:t>25/02/2023</a:t>
+              <a:t>27/02/2023</a:t>
             </a:fld>
             <a:endParaRPr lang="en-GB"/>
           </a:p>
@@ -1972,7 +1972,7 @@
           <a:p>
             <a:fld id="{0647E4D3-4269-40FF-ADD2-F433546F1734}" type="datetimeFigureOut">
               <a:rPr lang="en-GB" smtClean="0"/>
-              <a:t>25/02/2023</a:t>
+              <a:t>27/02/2023</a:t>
             </a:fld>
             <a:endParaRPr lang="en-GB"/>
           </a:p>
@@ -2085,7 +2085,7 @@
           <a:p>
             <a:fld id="{0647E4D3-4269-40FF-ADD2-F433546F1734}" type="datetimeFigureOut">
               <a:rPr lang="en-GB" smtClean="0"/>
-              <a:t>25/02/2023</a:t>
+              <a:t>27/02/2023</a:t>
             </a:fld>
             <a:endParaRPr lang="en-GB"/>
           </a:p>
@@ -2398,7 +2398,7 @@
           <a:p>
             <a:fld id="{0647E4D3-4269-40FF-ADD2-F433546F1734}" type="datetimeFigureOut">
               <a:rPr lang="en-GB" smtClean="0"/>
-              <a:t>25/02/2023</a:t>
+              <a:t>27/02/2023</a:t>
             </a:fld>
             <a:endParaRPr lang="en-GB"/>
           </a:p>
@@ -2687,7 +2687,7 @@
           <a:p>
             <a:fld id="{0647E4D3-4269-40FF-ADD2-F433546F1734}" type="datetimeFigureOut">
               <a:rPr lang="en-GB" smtClean="0"/>
-              <a:t>25/02/2023</a:t>
+              <a:t>27/02/2023</a:t>
             </a:fld>
             <a:endParaRPr lang="en-GB"/>
           </a:p>
@@ -2930,7 +2930,7 @@
           <a:p>
             <a:fld id="{0647E4D3-4269-40FF-ADD2-F433546F1734}" type="datetimeFigureOut">
               <a:rPr lang="en-GB" smtClean="0"/>
-              <a:t>25/02/2023</a:t>
+              <a:t>27/02/2023</a:t>
             </a:fld>
             <a:endParaRPr lang="en-GB"/>
           </a:p>
@@ -4044,6 +4044,22 @@
           <a:p>
             <a:pPr algn="ctr"/>
             <a:r>
+              <a:rPr lang="en-US">
+                <a:ln w="0"/>
+                <a:solidFill>
+                  <a:schemeClr val="tx1"/>
+                </a:solidFill>
+                <a:effectLst>
+                  <a:outerShdw blurRad="38100" dist="19050" dir="2700000" algn="tl" rotWithShape="0">
+                    <a:schemeClr val="dk1">
+                      <a:alpha val="40000"/>
+                    </a:schemeClr>
+                  </a:outerShdw>
+                </a:effectLst>
+              </a:rPr>
+              <a:t>QPSK </a:t>
+            </a:r>
+            <a:r>
               <a:rPr lang="en-US" dirty="0">
                 <a:ln w="0"/>
                 <a:solidFill>
@@ -4057,7 +4073,7 @@
                   </a:outerShdw>
                 </a:effectLst>
               </a:rPr>
-              <a:t>PBCH QPSK soft </a:t>
+              <a:t>soft </a:t>
             </a:r>
             <a:r>
               <a:rPr lang="en-US" dirty="0" err="1">
@@ -6848,8 +6864,8 @@
         </p:nvCxnSpPr>
         <p:spPr>
           <a:xfrm flipV="1">
-            <a:off x="7921729" y="4163865"/>
-            <a:ext cx="632223" cy="8395"/>
+            <a:off x="7938725" y="4163865"/>
+            <a:ext cx="615227" cy="8395"/>
           </a:xfrm>
           <a:prstGeom prst="straightConnector1">
             <a:avLst/>
@@ -9164,6 +9180,61 @@
                 <a:schemeClr val="bg1"/>
               </a:solidFill>
             </a:endParaRPr>
+          </a:p>
+        </p:txBody>
+      </p:sp>
+      <p:sp>
+        <p:nvSpPr>
+          <p:cNvPr id="77" name="Rechteck 76">
+            <a:extLst>
+              <a:ext uri="{FF2B5EF4-FFF2-40B4-BE49-F238E27FC236}">
+                <a16:creationId xmlns:a16="http://schemas.microsoft.com/office/drawing/2014/main" id="{3E784670-60D5-3A2C-0064-9B9796D360C7}"/>
+              </a:ext>
+            </a:extLst>
+          </p:cNvPr>
+          <p:cNvSpPr/>
+          <p:nvPr/>
+        </p:nvSpPr>
+        <p:spPr>
+          <a:xfrm>
+            <a:off x="7837714" y="3738609"/>
+            <a:ext cx="3817552" cy="1413361"/>
+          </a:xfrm>
+          <a:prstGeom prst="rect">
+            <a:avLst/>
+          </a:prstGeom>
+          <a:solidFill>
+            <a:schemeClr val="bg2">
+              <a:lumMod val="50000"/>
+              <a:alpha val="67000"/>
+            </a:schemeClr>
+          </a:solidFill>
+          <a:ln>
+            <a:noFill/>
+          </a:ln>
+        </p:spPr>
+        <p:style>
+          <a:lnRef idx="2">
+            <a:schemeClr val="accent1">
+              <a:shade val="50000"/>
+            </a:schemeClr>
+          </a:lnRef>
+          <a:fillRef idx="1">
+            <a:schemeClr val="accent1"/>
+          </a:fillRef>
+          <a:effectRef idx="0">
+            <a:schemeClr val="accent1"/>
+          </a:effectRef>
+          <a:fontRef idx="minor">
+            <a:schemeClr val="lt1"/>
+          </a:fontRef>
+        </p:style>
+        <p:txBody>
+          <a:bodyPr rtlCol="0" anchor="ctr"/>
+          <a:lstStyle/>
+          <a:p>
+            <a:pPr algn="ctr"/>
+            <a:endParaRPr lang="de-DE"/>
           </a:p>
         </p:txBody>
       </p:sp>

--- a/doc/overview.pptx
+++ b/doc/overview.pptx
@@ -261,7 +261,7 @@
           <a:p>
             <a:fld id="{0647E4D3-4269-40FF-ADD2-F433546F1734}" type="datetimeFigureOut">
               <a:rPr lang="en-GB" smtClean="0"/>
-              <a:t>27/02/2023</a:t>
+              <a:t>02/03/2023</a:t>
             </a:fld>
             <a:endParaRPr lang="en-GB"/>
           </a:p>
@@ -461,7 +461,7 @@
           <a:p>
             <a:fld id="{0647E4D3-4269-40FF-ADD2-F433546F1734}" type="datetimeFigureOut">
               <a:rPr lang="en-GB" smtClean="0"/>
-              <a:t>27/02/2023</a:t>
+              <a:t>02/03/2023</a:t>
             </a:fld>
             <a:endParaRPr lang="en-GB"/>
           </a:p>
@@ -671,7 +671,7 @@
           <a:p>
             <a:fld id="{0647E4D3-4269-40FF-ADD2-F433546F1734}" type="datetimeFigureOut">
               <a:rPr lang="en-GB" smtClean="0"/>
-              <a:t>27/02/2023</a:t>
+              <a:t>02/03/2023</a:t>
             </a:fld>
             <a:endParaRPr lang="en-GB"/>
           </a:p>
@@ -871,7 +871,7 @@
           <a:p>
             <a:fld id="{0647E4D3-4269-40FF-ADD2-F433546F1734}" type="datetimeFigureOut">
               <a:rPr lang="en-GB" smtClean="0"/>
-              <a:t>27/02/2023</a:t>
+              <a:t>02/03/2023</a:t>
             </a:fld>
             <a:endParaRPr lang="en-GB"/>
           </a:p>
@@ -1147,7 +1147,7 @@
           <a:p>
             <a:fld id="{0647E4D3-4269-40FF-ADD2-F433546F1734}" type="datetimeFigureOut">
               <a:rPr lang="en-GB" smtClean="0"/>
-              <a:t>27/02/2023</a:t>
+              <a:t>02/03/2023</a:t>
             </a:fld>
             <a:endParaRPr lang="en-GB"/>
           </a:p>
@@ -1415,7 +1415,7 @@
           <a:p>
             <a:fld id="{0647E4D3-4269-40FF-ADD2-F433546F1734}" type="datetimeFigureOut">
               <a:rPr lang="en-GB" smtClean="0"/>
-              <a:t>27/02/2023</a:t>
+              <a:t>02/03/2023</a:t>
             </a:fld>
             <a:endParaRPr lang="en-GB"/>
           </a:p>
@@ -1830,7 +1830,7 @@
           <a:p>
             <a:fld id="{0647E4D3-4269-40FF-ADD2-F433546F1734}" type="datetimeFigureOut">
               <a:rPr lang="en-GB" smtClean="0"/>
-              <a:t>27/02/2023</a:t>
+              <a:t>02/03/2023</a:t>
             </a:fld>
             <a:endParaRPr lang="en-GB"/>
           </a:p>
@@ -1972,7 +1972,7 @@
           <a:p>
             <a:fld id="{0647E4D3-4269-40FF-ADD2-F433546F1734}" type="datetimeFigureOut">
               <a:rPr lang="en-GB" smtClean="0"/>
-              <a:t>27/02/2023</a:t>
+              <a:t>02/03/2023</a:t>
             </a:fld>
             <a:endParaRPr lang="en-GB"/>
           </a:p>
@@ -2085,7 +2085,7 @@
           <a:p>
             <a:fld id="{0647E4D3-4269-40FF-ADD2-F433546F1734}" type="datetimeFigureOut">
               <a:rPr lang="en-GB" smtClean="0"/>
-              <a:t>27/02/2023</a:t>
+              <a:t>02/03/2023</a:t>
             </a:fld>
             <a:endParaRPr lang="en-GB"/>
           </a:p>
@@ -2398,7 +2398,7 @@
           <a:p>
             <a:fld id="{0647E4D3-4269-40FF-ADD2-F433546F1734}" type="datetimeFigureOut">
               <a:rPr lang="en-GB" smtClean="0"/>
-              <a:t>27/02/2023</a:t>
+              <a:t>02/03/2023</a:t>
             </a:fld>
             <a:endParaRPr lang="en-GB"/>
           </a:p>
@@ -2687,7 +2687,7 @@
           <a:p>
             <a:fld id="{0647E4D3-4269-40FF-ADD2-F433546F1734}" type="datetimeFigureOut">
               <a:rPr lang="en-GB" smtClean="0"/>
-              <a:t>27/02/2023</a:t>
+              <a:t>02/03/2023</a:t>
             </a:fld>
             <a:endParaRPr lang="en-GB"/>
           </a:p>
@@ -2930,7 +2930,7 @@
           <a:p>
             <a:fld id="{0647E4D3-4269-40FF-ADD2-F433546F1734}" type="datetimeFigureOut">
               <a:rPr lang="en-GB" smtClean="0"/>
-              <a:t>27/02/2023</a:t>
+              <a:t>02/03/2023</a:t>
             </a:fld>
             <a:endParaRPr lang="en-GB"/>
           </a:p>
@@ -4057,22 +4057,6 @@
                   </a:outerShdw>
                 </a:effectLst>
               </a:rPr>
-              <a:t>QPSK </a:t>
-            </a:r>
-            <a:r>
-              <a:rPr lang="en-US" dirty="0">
-                <a:ln w="0"/>
-                <a:solidFill>
-                  <a:schemeClr val="tx1"/>
-                </a:solidFill>
-                <a:effectLst>
-                  <a:outerShdw blurRad="38100" dist="19050" dir="2700000" algn="tl" rotWithShape="0">
-                    <a:schemeClr val="dk1">
-                      <a:alpha val="40000"/>
-                    </a:schemeClr>
-                  </a:outerShdw>
-                </a:effectLst>
-              </a:rPr>
               <a:t>soft </a:t>
             </a:r>
             <a:r>
@@ -5269,8 +5253,8 @@
         </p:nvSpPr>
         <p:spPr>
           <a:xfrm>
-            <a:off x="7795202" y="5863313"/>
-            <a:ext cx="702436" cy="276999"/>
+            <a:off x="7761310" y="5864054"/>
+            <a:ext cx="841512" cy="461665"/>
           </a:xfrm>
           <a:prstGeom prst="rect">
             <a:avLst/>
@@ -5285,7 +5269,18 @@
           <a:p>
             <a:r>
               <a:rPr lang="en-US" sz="1200" dirty="0"/>
-              <a:t>8 bit I/Q</a:t>
+              <a:t>8 bit I</a:t>
+            </a:r>
+            <a:r>
+              <a:rPr lang="en-US" sz="1200"/>
+              <a:t>/Q</a:t>
+            </a:r>
+            <a:br>
+              <a:rPr lang="en-US" sz="1200"/>
+            </a:br>
+            <a:r>
+              <a:rPr lang="en-US" sz="1200"/>
+              <a:t>axi-stream</a:t>
             </a:r>
             <a:endParaRPr lang="en-GB" sz="1200" dirty="0"/>
           </a:p>
@@ -6239,99 +6234,6 @@
       </p:sp>
       <p:sp>
         <p:nvSpPr>
-          <p:cNvPr id="53" name="Rectangle 9">
-            <a:extLst>
-              <a:ext uri="{FF2B5EF4-FFF2-40B4-BE49-F238E27FC236}">
-                <a16:creationId xmlns:a16="http://schemas.microsoft.com/office/drawing/2014/main" id="{F856C74E-874F-E798-D81E-859B9D682506}"/>
-              </a:ext>
-            </a:extLst>
-          </p:cNvPr>
-          <p:cNvSpPr/>
-          <p:nvPr/>
-        </p:nvSpPr>
-        <p:spPr>
-          <a:xfrm>
-            <a:off x="8544857" y="3870847"/>
-            <a:ext cx="846237" cy="1206137"/>
-          </a:xfrm>
-          <a:prstGeom prst="rect">
-            <a:avLst/>
-          </a:prstGeom>
-          <a:solidFill>
-            <a:schemeClr val="bg1"/>
-          </a:solidFill>
-        </p:spPr>
-        <p:style>
-          <a:lnRef idx="2">
-            <a:schemeClr val="accent1">
-              <a:shade val="50000"/>
-            </a:schemeClr>
-          </a:lnRef>
-          <a:fillRef idx="1">
-            <a:schemeClr val="accent1"/>
-          </a:fillRef>
-          <a:effectRef idx="0">
-            <a:schemeClr val="accent1"/>
-          </a:effectRef>
-          <a:fontRef idx="minor">
-            <a:schemeClr val="lt1"/>
-          </a:fontRef>
-        </p:style>
-        <p:txBody>
-          <a:bodyPr rtlCol="0" anchor="ctr"/>
-          <a:lstStyle/>
-          <a:p>
-            <a:pPr algn="ctr"/>
-            <a:r>
-              <a:rPr lang="en-US">
-                <a:ln w="0"/>
-                <a:solidFill>
-                  <a:schemeClr val="tx1"/>
-                </a:solidFill>
-                <a:effectLst>
-                  <a:outerShdw blurRad="38100" dist="19050" dir="2700000" algn="tl" rotWithShape="0">
-                    <a:schemeClr val="dk1">
-                      <a:alpha val="40000"/>
-                    </a:schemeClr>
-                  </a:outerShdw>
-                </a:effectLst>
-              </a:rPr>
-              <a:t>QAM soft </a:t>
-            </a:r>
-            <a:r>
-              <a:rPr lang="en-US" dirty="0" err="1">
-                <a:ln w="0"/>
-                <a:solidFill>
-                  <a:schemeClr val="tx1"/>
-                </a:solidFill>
-                <a:effectLst>
-                  <a:outerShdw blurRad="38100" dist="19050" dir="2700000" algn="tl" rotWithShape="0">
-                    <a:schemeClr val="dk1">
-                      <a:alpha val="40000"/>
-                    </a:schemeClr>
-                  </a:outerShdw>
-                </a:effectLst>
-              </a:rPr>
-              <a:t>demap</a:t>
-            </a:r>
-            <a:endParaRPr lang="en-GB" dirty="0">
-              <a:ln w="0"/>
-              <a:solidFill>
-                <a:schemeClr val="tx1"/>
-              </a:solidFill>
-              <a:effectLst>
-                <a:outerShdw blurRad="38100" dist="19050" dir="2700000" algn="tl" rotWithShape="0">
-                  <a:schemeClr val="dk1">
-                    <a:alpha val="40000"/>
-                  </a:schemeClr>
-                </a:outerShdw>
-              </a:effectLst>
-            </a:endParaRPr>
-          </a:p>
-        </p:txBody>
-      </p:sp>
-      <p:sp>
-        <p:nvSpPr>
           <p:cNvPr id="55" name="Rectangle 59">
             <a:extLst>
               <a:ext uri="{FF2B5EF4-FFF2-40B4-BE49-F238E27FC236}">
@@ -6409,10 +6311,10 @@
       </p:sp>
       <p:cxnSp>
         <p:nvCxnSpPr>
-          <p:cNvPr id="56" name="Straight Arrow Connector 60">
-            <a:extLst>
-              <a:ext uri="{FF2B5EF4-FFF2-40B4-BE49-F238E27FC236}">
-                <a16:creationId xmlns:a16="http://schemas.microsoft.com/office/drawing/2014/main" id="{83F5FB04-C463-A27B-1328-71382F60A4A8}"/>
+          <p:cNvPr id="66" name="Straight Arrow Connector 20">
+            <a:extLst>
+              <a:ext uri="{FF2B5EF4-FFF2-40B4-BE49-F238E27FC236}">
+                <a16:creationId xmlns:a16="http://schemas.microsoft.com/office/drawing/2014/main" id="{12AC6158-F34A-7A89-BAB2-60553B8D58D7}"/>
               </a:ext>
             </a:extLst>
           </p:cNvPr>
@@ -6423,13 +6325,16 @@
         </p:nvCxnSpPr>
         <p:spPr>
           <a:xfrm>
-            <a:off x="9391094" y="4473912"/>
-            <a:ext cx="1160564" cy="0"/>
+            <a:off x="4058001" y="3624100"/>
+            <a:ext cx="1063570" cy="0"/>
           </a:xfrm>
           <a:prstGeom prst="straightConnector1">
             <a:avLst/>
           </a:prstGeom>
           <a:ln w="19050">
+            <a:solidFill>
+              <a:srgbClr val="FFC000"/>
+            </a:solidFill>
             <a:tailEnd type="triangle"/>
           </a:ln>
         </p:spPr>
@@ -6448,12 +6353,48 @@
           </a:fontRef>
         </p:style>
       </p:cxnSp>
+      <p:sp>
+        <p:nvSpPr>
+          <p:cNvPr id="74" name="TextBox 61">
+            <a:extLst>
+              <a:ext uri="{FF2B5EF4-FFF2-40B4-BE49-F238E27FC236}">
+                <a16:creationId xmlns:a16="http://schemas.microsoft.com/office/drawing/2014/main" id="{C572DA17-0EC2-93C3-A060-53467914FD5B}"/>
+              </a:ext>
+            </a:extLst>
+          </p:cNvPr>
+          <p:cNvSpPr txBox="1"/>
+          <p:nvPr/>
+        </p:nvSpPr>
+        <p:spPr>
+          <a:xfrm>
+            <a:off x="4113482" y="3403567"/>
+            <a:ext cx="942566" cy="276999"/>
+          </a:xfrm>
+          <a:prstGeom prst="rect">
+            <a:avLst/>
+          </a:prstGeom>
+          <a:noFill/>
+        </p:spPr>
+        <p:txBody>
+          <a:bodyPr wrap="none" rtlCol="0">
+            <a:spAutoFit/>
+          </a:bodyPr>
+          <a:lstStyle/>
+          <a:p>
+            <a:r>
+              <a:rPr lang="en-US" sz="1200"/>
+              <a:t>Frame_start</a:t>
+            </a:r>
+            <a:endParaRPr lang="en-GB" sz="1200" dirty="0"/>
+          </a:p>
+        </p:txBody>
+      </p:sp>
       <p:cxnSp>
         <p:nvCxnSpPr>
-          <p:cNvPr id="57" name="Straight Arrow Connector 43">
-            <a:extLst>
-              <a:ext uri="{FF2B5EF4-FFF2-40B4-BE49-F238E27FC236}">
-                <a16:creationId xmlns:a16="http://schemas.microsoft.com/office/drawing/2014/main" id="{4424599C-D249-F678-5A36-9EAC99125876}"/>
+          <p:cNvPr id="83" name="Straight Arrow Connector 20">
+            <a:extLst>
+              <a:ext uri="{FF2B5EF4-FFF2-40B4-BE49-F238E27FC236}">
+                <a16:creationId xmlns:a16="http://schemas.microsoft.com/office/drawing/2014/main" id="{E65F006B-5FC3-30D3-D3A6-B4042AD90393}"/>
               </a:ext>
             </a:extLst>
           </p:cNvPr>
@@ -6464,13 +6405,16 @@
         </p:nvCxnSpPr>
         <p:spPr>
           <a:xfrm>
-            <a:off x="8222596" y="4473914"/>
-            <a:ext cx="331356" cy="0"/>
+            <a:off x="4060093" y="3852001"/>
+            <a:ext cx="1063570" cy="0"/>
           </a:xfrm>
           <a:prstGeom prst="straightConnector1">
             <a:avLst/>
           </a:prstGeom>
           <a:ln w="19050">
+            <a:solidFill>
+              <a:srgbClr val="FFC000"/>
+            </a:solidFill>
             <a:tailEnd type="triangle"/>
           </a:ln>
         </p:spPr>
@@ -6489,12 +6433,48 @@
           </a:fontRef>
         </p:style>
       </p:cxnSp>
+      <p:sp>
+        <p:nvSpPr>
+          <p:cNvPr id="84" name="TextBox 61">
+            <a:extLst>
+              <a:ext uri="{FF2B5EF4-FFF2-40B4-BE49-F238E27FC236}">
+                <a16:creationId xmlns:a16="http://schemas.microsoft.com/office/drawing/2014/main" id="{ACB56E0E-99ED-FA00-5472-978A2E0CF607}"/>
+              </a:ext>
+            </a:extLst>
+          </p:cNvPr>
+          <p:cNvSpPr txBox="1"/>
+          <p:nvPr/>
+        </p:nvSpPr>
+        <p:spPr>
+          <a:xfrm>
+            <a:off x="4127708" y="3622847"/>
+            <a:ext cx="759760" cy="276999"/>
+          </a:xfrm>
+          <a:prstGeom prst="rect">
+            <a:avLst/>
+          </a:prstGeom>
+          <a:noFill/>
+        </p:spPr>
+        <p:txBody>
+          <a:bodyPr wrap="none" rtlCol="0">
+            <a:spAutoFit/>
+          </a:bodyPr>
+          <a:lstStyle/>
+          <a:p>
+            <a:r>
+              <a:rPr lang="en-US" sz="1200"/>
+              <a:t>SSS_start</a:t>
+            </a:r>
+            <a:endParaRPr lang="en-GB" sz="1200" dirty="0"/>
+          </a:p>
+        </p:txBody>
+      </p:sp>
       <p:cxnSp>
         <p:nvCxnSpPr>
-          <p:cNvPr id="59" name="Straight Connector 42">
-            <a:extLst>
-              <a:ext uri="{FF2B5EF4-FFF2-40B4-BE49-F238E27FC236}">
-                <a16:creationId xmlns:a16="http://schemas.microsoft.com/office/drawing/2014/main" id="{A0B06B54-35B2-DC52-B0F6-9031CA007D04}"/>
+          <p:cNvPr id="85" name="Straight Arrow Connector 20">
+            <a:extLst>
+              <a:ext uri="{FF2B5EF4-FFF2-40B4-BE49-F238E27FC236}">
+                <a16:creationId xmlns:a16="http://schemas.microsoft.com/office/drawing/2014/main" id="{BD8504AA-60A3-FEB7-41BC-AE4C2228B570}"/>
               </a:ext>
             </a:extLst>
           </p:cNvPr>
@@ -6505,13 +6485,18 @@
         </p:nvCxnSpPr>
         <p:spPr>
           <a:xfrm>
-            <a:off x="8222596" y="4473914"/>
-            <a:ext cx="0" cy="1402883"/>
-          </a:xfrm>
-          <a:prstGeom prst="line">
-            <a:avLst/>
-          </a:prstGeom>
-          <a:ln w="19050"/>
+            <a:off x="4077079" y="4424412"/>
+            <a:ext cx="1044492" cy="0"/>
+          </a:xfrm>
+          <a:prstGeom prst="straightConnector1">
+            <a:avLst/>
+          </a:prstGeom>
+          <a:ln w="19050">
+            <a:solidFill>
+              <a:srgbClr val="FFC000"/>
+            </a:solidFill>
+            <a:tailEnd type="triangle"/>
+          </a:ln>
         </p:spPr>
         <p:style>
           <a:lnRef idx="1">
@@ -6528,56 +6513,12 @@
           </a:fontRef>
         </p:style>
       </p:cxnSp>
-      <p:cxnSp>
-        <p:nvCxnSpPr>
-          <p:cNvPr id="66" name="Straight Arrow Connector 20">
-            <a:extLst>
-              <a:ext uri="{FF2B5EF4-FFF2-40B4-BE49-F238E27FC236}">
-                <a16:creationId xmlns:a16="http://schemas.microsoft.com/office/drawing/2014/main" id="{12AC6158-F34A-7A89-BAB2-60553B8D58D7}"/>
-              </a:ext>
-            </a:extLst>
-          </p:cNvPr>
-          <p:cNvCxnSpPr>
-            <a:cxnSpLocks/>
-          </p:cNvCxnSpPr>
-          <p:nvPr/>
-        </p:nvCxnSpPr>
-        <p:spPr>
-          <a:xfrm>
-            <a:off x="4058001" y="3624100"/>
-            <a:ext cx="1063570" cy="0"/>
-          </a:xfrm>
-          <a:prstGeom prst="straightConnector1">
-            <a:avLst/>
-          </a:prstGeom>
-          <a:ln w="19050">
-            <a:solidFill>
-              <a:srgbClr val="FFC000"/>
-            </a:solidFill>
-            <a:tailEnd type="triangle"/>
-          </a:ln>
-        </p:spPr>
-        <p:style>
-          <a:lnRef idx="1">
-            <a:schemeClr val="accent1"/>
-          </a:lnRef>
-          <a:fillRef idx="0">
-            <a:schemeClr val="accent1"/>
-          </a:fillRef>
-          <a:effectRef idx="0">
-            <a:schemeClr val="accent1"/>
-          </a:effectRef>
-          <a:fontRef idx="minor">
-            <a:schemeClr val="tx1"/>
-          </a:fontRef>
-        </p:style>
-      </p:cxnSp>
-      <p:sp>
-        <p:nvSpPr>
-          <p:cNvPr id="74" name="TextBox 61">
-            <a:extLst>
-              <a:ext uri="{FF2B5EF4-FFF2-40B4-BE49-F238E27FC236}">
-                <a16:creationId xmlns:a16="http://schemas.microsoft.com/office/drawing/2014/main" id="{C572DA17-0EC2-93C3-A060-53467914FD5B}"/>
+      <p:sp>
+        <p:nvSpPr>
+          <p:cNvPr id="87" name="TextBox 61">
+            <a:extLst>
+              <a:ext uri="{FF2B5EF4-FFF2-40B4-BE49-F238E27FC236}">
+                <a16:creationId xmlns:a16="http://schemas.microsoft.com/office/drawing/2014/main" id="{52AB0CA3-22F0-0C31-0598-C01C13E08111}"/>
               </a:ext>
             </a:extLst>
           </p:cNvPr>
@@ -6586,8 +6527,8 @@
         </p:nvSpPr>
         <p:spPr>
           <a:xfrm>
-            <a:off x="4113482" y="3403567"/>
-            <a:ext cx="942566" cy="276999"/>
+            <a:off x="4144240" y="4172260"/>
+            <a:ext cx="889603" cy="276999"/>
           </a:xfrm>
           <a:prstGeom prst="rect">
             <a:avLst/>
@@ -6602,62 +6543,18 @@
           <a:p>
             <a:r>
               <a:rPr lang="en-US" sz="1200"/>
-              <a:t>Frame_start</a:t>
+              <a:t>PBCH_start</a:t>
             </a:r>
             <a:endParaRPr lang="en-GB" sz="1200" dirty="0"/>
           </a:p>
         </p:txBody>
       </p:sp>
-      <p:cxnSp>
-        <p:nvCxnSpPr>
-          <p:cNvPr id="83" name="Straight Arrow Connector 20">
-            <a:extLst>
-              <a:ext uri="{FF2B5EF4-FFF2-40B4-BE49-F238E27FC236}">
-                <a16:creationId xmlns:a16="http://schemas.microsoft.com/office/drawing/2014/main" id="{E65F006B-5FC3-30D3-D3A6-B4042AD90393}"/>
-              </a:ext>
-            </a:extLst>
-          </p:cNvPr>
-          <p:cNvCxnSpPr>
-            <a:cxnSpLocks/>
-          </p:cNvCxnSpPr>
-          <p:nvPr/>
-        </p:nvCxnSpPr>
-        <p:spPr>
-          <a:xfrm>
-            <a:off x="4060093" y="3852001"/>
-            <a:ext cx="1063570" cy="0"/>
-          </a:xfrm>
-          <a:prstGeom prst="straightConnector1">
-            <a:avLst/>
-          </a:prstGeom>
-          <a:ln w="19050">
-            <a:solidFill>
-              <a:srgbClr val="FFC000"/>
-            </a:solidFill>
-            <a:tailEnd type="triangle"/>
-          </a:ln>
-        </p:spPr>
-        <p:style>
-          <a:lnRef idx="1">
-            <a:schemeClr val="accent1"/>
-          </a:lnRef>
-          <a:fillRef idx="0">
-            <a:schemeClr val="accent1"/>
-          </a:fillRef>
-          <a:effectRef idx="0">
-            <a:schemeClr val="accent1"/>
-          </a:effectRef>
-          <a:fontRef idx="minor">
-            <a:schemeClr val="tx1"/>
-          </a:fontRef>
-        </p:style>
-      </p:cxnSp>
-      <p:sp>
-        <p:nvSpPr>
-          <p:cNvPr id="84" name="TextBox 61">
-            <a:extLst>
-              <a:ext uri="{FF2B5EF4-FFF2-40B4-BE49-F238E27FC236}">
-                <a16:creationId xmlns:a16="http://schemas.microsoft.com/office/drawing/2014/main" id="{ACB56E0E-99ED-FA00-5472-978A2E0CF607}"/>
+      <p:sp>
+        <p:nvSpPr>
+          <p:cNvPr id="23" name="TextBox 62">
+            <a:extLst>
+              <a:ext uri="{FF2B5EF4-FFF2-40B4-BE49-F238E27FC236}">
+                <a16:creationId xmlns:a16="http://schemas.microsoft.com/office/drawing/2014/main" id="{7A20FA97-E2B3-7715-3ACA-5B3A5D42EA96}"/>
               </a:ext>
             </a:extLst>
           </p:cNvPr>
@@ -6666,8 +6563,8 @@
         </p:nvSpPr>
         <p:spPr>
           <a:xfrm>
-            <a:off x="4127708" y="3622847"/>
-            <a:ext cx="759760" cy="276999"/>
+            <a:off x="9573010" y="5856846"/>
+            <a:ext cx="841512" cy="461665"/>
           </a:xfrm>
           <a:prstGeom prst="rect">
             <a:avLst/>
@@ -6681,406 +6578,19 @@
           <a:lstStyle/>
           <a:p>
             <a:r>
+              <a:rPr lang="en-US" sz="1200" dirty="0"/>
+              <a:t>8 </a:t>
+            </a:r>
+            <a:r>
               <a:rPr lang="en-US" sz="1200"/>
-              <a:t>SSS_start</a:t>
-            </a:r>
-            <a:endParaRPr lang="en-GB" sz="1200" dirty="0"/>
-          </a:p>
-        </p:txBody>
-      </p:sp>
-      <p:cxnSp>
-        <p:nvCxnSpPr>
-          <p:cNvPr id="85" name="Straight Arrow Connector 20">
-            <a:extLst>
-              <a:ext uri="{FF2B5EF4-FFF2-40B4-BE49-F238E27FC236}">
-                <a16:creationId xmlns:a16="http://schemas.microsoft.com/office/drawing/2014/main" id="{BD8504AA-60A3-FEB7-41BC-AE4C2228B570}"/>
-              </a:ext>
-            </a:extLst>
-          </p:cNvPr>
-          <p:cNvCxnSpPr>
-            <a:cxnSpLocks/>
-          </p:cNvCxnSpPr>
-          <p:nvPr/>
-        </p:nvCxnSpPr>
-        <p:spPr>
-          <a:xfrm>
-            <a:off x="4077079" y="4424412"/>
-            <a:ext cx="1044492" cy="0"/>
-          </a:xfrm>
-          <a:prstGeom prst="straightConnector1">
-            <a:avLst/>
-          </a:prstGeom>
-          <a:ln w="19050">
-            <a:solidFill>
-              <a:srgbClr val="FFC000"/>
-            </a:solidFill>
-            <a:tailEnd type="triangle"/>
-          </a:ln>
-        </p:spPr>
-        <p:style>
-          <a:lnRef idx="1">
-            <a:schemeClr val="accent1"/>
-          </a:lnRef>
-          <a:fillRef idx="0">
-            <a:schemeClr val="accent1"/>
-          </a:fillRef>
-          <a:effectRef idx="0">
-            <a:schemeClr val="accent1"/>
-          </a:effectRef>
-          <a:fontRef idx="minor">
-            <a:schemeClr val="tx1"/>
-          </a:fontRef>
-        </p:style>
-      </p:cxnSp>
-      <p:sp>
-        <p:nvSpPr>
-          <p:cNvPr id="87" name="TextBox 61">
-            <a:extLst>
-              <a:ext uri="{FF2B5EF4-FFF2-40B4-BE49-F238E27FC236}">
-                <a16:creationId xmlns:a16="http://schemas.microsoft.com/office/drawing/2014/main" id="{52AB0CA3-22F0-0C31-0598-C01C13E08111}"/>
-              </a:ext>
-            </a:extLst>
-          </p:cNvPr>
-          <p:cNvSpPr txBox="1"/>
-          <p:nvPr/>
-        </p:nvSpPr>
-        <p:spPr>
-          <a:xfrm>
-            <a:off x="4144240" y="4172260"/>
-            <a:ext cx="889603" cy="276999"/>
-          </a:xfrm>
-          <a:prstGeom prst="rect">
-            <a:avLst/>
-          </a:prstGeom>
-          <a:noFill/>
-        </p:spPr>
-        <p:txBody>
-          <a:bodyPr wrap="none" rtlCol="0">
-            <a:spAutoFit/>
-          </a:bodyPr>
-          <a:lstStyle/>
-          <a:p>
-            <a:r>
+              <a:t>bit LLR</a:t>
+            </a:r>
+            <a:br>
               <a:rPr lang="en-US" sz="1200"/>
-              <a:t>PBCH_start</a:t>
-            </a:r>
-            <a:endParaRPr lang="en-GB" sz="1200" dirty="0"/>
-          </a:p>
-        </p:txBody>
-      </p:sp>
-      <p:cxnSp>
-        <p:nvCxnSpPr>
-          <p:cNvPr id="88" name="Straight Arrow Connector 20">
-            <a:extLst>
-              <a:ext uri="{FF2B5EF4-FFF2-40B4-BE49-F238E27FC236}">
-                <a16:creationId xmlns:a16="http://schemas.microsoft.com/office/drawing/2014/main" id="{DEFFBBAB-1F6A-8B76-FF2B-165E6E16F707}"/>
-              </a:ext>
-            </a:extLst>
-          </p:cNvPr>
-          <p:cNvCxnSpPr>
-            <a:cxnSpLocks/>
-          </p:cNvCxnSpPr>
-          <p:nvPr/>
-        </p:nvCxnSpPr>
-        <p:spPr>
-          <a:xfrm>
-            <a:off x="7751906" y="6203731"/>
-            <a:ext cx="792951" cy="0"/>
-          </a:xfrm>
-          <a:prstGeom prst="straightConnector1">
-            <a:avLst/>
-          </a:prstGeom>
-          <a:ln w="19050">
-            <a:solidFill>
-              <a:srgbClr val="FFC000"/>
-            </a:solidFill>
-            <a:tailEnd type="triangle"/>
-          </a:ln>
-        </p:spPr>
-        <p:style>
-          <a:lnRef idx="1">
-            <a:schemeClr val="accent1"/>
-          </a:lnRef>
-          <a:fillRef idx="0">
-            <a:schemeClr val="accent1"/>
-          </a:fillRef>
-          <a:effectRef idx="0">
-            <a:schemeClr val="accent1"/>
-          </a:effectRef>
-          <a:fontRef idx="minor">
-            <a:schemeClr val="tx1"/>
-          </a:fontRef>
-        </p:style>
-      </p:cxnSp>
-      <p:sp>
-        <p:nvSpPr>
-          <p:cNvPr id="90" name="TextBox 61">
-            <a:extLst>
-              <a:ext uri="{FF2B5EF4-FFF2-40B4-BE49-F238E27FC236}">
-                <a16:creationId xmlns:a16="http://schemas.microsoft.com/office/drawing/2014/main" id="{462094A6-98B1-2424-2AF1-B58C60EB7EF0}"/>
-              </a:ext>
-            </a:extLst>
-          </p:cNvPr>
-          <p:cNvSpPr txBox="1"/>
-          <p:nvPr/>
-        </p:nvSpPr>
-        <p:spPr>
-          <a:xfrm>
-            <a:off x="7701618" y="6174126"/>
-            <a:ext cx="889603" cy="276999"/>
-          </a:xfrm>
-          <a:prstGeom prst="rect">
-            <a:avLst/>
-          </a:prstGeom>
-          <a:noFill/>
-        </p:spPr>
-        <p:txBody>
-          <a:bodyPr wrap="none" rtlCol="0">
-            <a:spAutoFit/>
-          </a:bodyPr>
-          <a:lstStyle/>
-          <a:p>
+            </a:br>
             <a:r>
               <a:rPr lang="en-US" sz="1200"/>
-              <a:t>PBCH_start</a:t>
-            </a:r>
-            <a:endParaRPr lang="en-GB" sz="1200" dirty="0"/>
-          </a:p>
-        </p:txBody>
-      </p:sp>
-      <p:cxnSp>
-        <p:nvCxnSpPr>
-          <p:cNvPr id="91" name="Straight Arrow Connector 20">
-            <a:extLst>
-              <a:ext uri="{FF2B5EF4-FFF2-40B4-BE49-F238E27FC236}">
-                <a16:creationId xmlns:a16="http://schemas.microsoft.com/office/drawing/2014/main" id="{32CB675D-6DAB-0789-3FED-DFE543BB2F9C}"/>
-              </a:ext>
-            </a:extLst>
-          </p:cNvPr>
-          <p:cNvCxnSpPr>
-            <a:cxnSpLocks/>
-          </p:cNvCxnSpPr>
-          <p:nvPr/>
-        </p:nvCxnSpPr>
-        <p:spPr>
-          <a:xfrm flipV="1">
-            <a:off x="7938725" y="4163865"/>
-            <a:ext cx="615227" cy="8395"/>
-          </a:xfrm>
-          <a:prstGeom prst="straightConnector1">
-            <a:avLst/>
-          </a:prstGeom>
-          <a:ln w="19050">
-            <a:solidFill>
-              <a:srgbClr val="FFC000"/>
-            </a:solidFill>
-            <a:tailEnd type="triangle"/>
-          </a:ln>
-        </p:spPr>
-        <p:style>
-          <a:lnRef idx="1">
-            <a:schemeClr val="accent1"/>
-          </a:lnRef>
-          <a:fillRef idx="0">
-            <a:schemeClr val="accent1"/>
-          </a:fillRef>
-          <a:effectRef idx="0">
-            <a:schemeClr val="accent1"/>
-          </a:effectRef>
-          <a:fontRef idx="minor">
-            <a:schemeClr val="tx1"/>
-          </a:fontRef>
-        </p:style>
-      </p:cxnSp>
-      <p:cxnSp>
-        <p:nvCxnSpPr>
-          <p:cNvPr id="93" name="Straight Connector 42">
-            <a:extLst>
-              <a:ext uri="{FF2B5EF4-FFF2-40B4-BE49-F238E27FC236}">
-                <a16:creationId xmlns:a16="http://schemas.microsoft.com/office/drawing/2014/main" id="{39802CD1-8AC0-C184-A049-09FEB48FD1D4}"/>
-              </a:ext>
-            </a:extLst>
-          </p:cNvPr>
-          <p:cNvCxnSpPr>
-            <a:cxnSpLocks/>
-          </p:cNvCxnSpPr>
-          <p:nvPr/>
-        </p:nvCxnSpPr>
-        <p:spPr>
-          <a:xfrm>
-            <a:off x="7938725" y="4163865"/>
-            <a:ext cx="0" cy="1454495"/>
-          </a:xfrm>
-          <a:prstGeom prst="line">
-            <a:avLst/>
-          </a:prstGeom>
-          <a:ln w="19050">
-            <a:solidFill>
-              <a:srgbClr val="FFC000"/>
-            </a:solidFill>
-          </a:ln>
-        </p:spPr>
-        <p:style>
-          <a:lnRef idx="1">
-            <a:schemeClr val="accent1"/>
-          </a:lnRef>
-          <a:fillRef idx="0">
-            <a:schemeClr val="accent1"/>
-          </a:fillRef>
-          <a:effectRef idx="0">
-            <a:schemeClr val="accent1"/>
-          </a:effectRef>
-          <a:fontRef idx="minor">
-            <a:schemeClr val="tx1"/>
-          </a:fontRef>
-        </p:style>
-      </p:cxnSp>
-      <p:cxnSp>
-        <p:nvCxnSpPr>
-          <p:cNvPr id="95" name="Straight Connector 42">
-            <a:extLst>
-              <a:ext uri="{FF2B5EF4-FFF2-40B4-BE49-F238E27FC236}">
-                <a16:creationId xmlns:a16="http://schemas.microsoft.com/office/drawing/2014/main" id="{E440E6D1-A6C8-F35C-4B67-1C286DEF8E49}"/>
-              </a:ext>
-            </a:extLst>
-          </p:cNvPr>
-          <p:cNvCxnSpPr>
-            <a:cxnSpLocks/>
-          </p:cNvCxnSpPr>
-          <p:nvPr/>
-        </p:nvCxnSpPr>
-        <p:spPr>
-          <a:xfrm>
-            <a:off x="7760321" y="5618360"/>
-            <a:ext cx="178404" cy="0"/>
-          </a:xfrm>
-          <a:prstGeom prst="line">
-            <a:avLst/>
-          </a:prstGeom>
-          <a:ln w="19050">
-            <a:solidFill>
-              <a:srgbClr val="FFC000"/>
-            </a:solidFill>
-          </a:ln>
-        </p:spPr>
-        <p:style>
-          <a:lnRef idx="1">
-            <a:schemeClr val="accent1"/>
-          </a:lnRef>
-          <a:fillRef idx="0">
-            <a:schemeClr val="accent1"/>
-          </a:fillRef>
-          <a:effectRef idx="0">
-            <a:schemeClr val="accent1"/>
-          </a:effectRef>
-          <a:fontRef idx="minor">
-            <a:schemeClr val="tx1"/>
-          </a:fontRef>
-        </p:style>
-      </p:cxnSp>
-      <p:sp>
-        <p:nvSpPr>
-          <p:cNvPr id="97" name="TextBox 61">
-            <a:extLst>
-              <a:ext uri="{FF2B5EF4-FFF2-40B4-BE49-F238E27FC236}">
-                <a16:creationId xmlns:a16="http://schemas.microsoft.com/office/drawing/2014/main" id="{3656D070-8840-897C-A0E8-8DA9B256D7B3}"/>
-              </a:ext>
-            </a:extLst>
-          </p:cNvPr>
-          <p:cNvSpPr txBox="1"/>
-          <p:nvPr/>
-        </p:nvSpPr>
-        <p:spPr>
-          <a:xfrm>
-            <a:off x="7746033" y="3886865"/>
-            <a:ext cx="838243" cy="276999"/>
-          </a:xfrm>
-          <a:prstGeom prst="rect">
-            <a:avLst/>
-          </a:prstGeom>
-          <a:noFill/>
-        </p:spPr>
-        <p:txBody>
-          <a:bodyPr wrap="none" rtlCol="0">
-            <a:spAutoFit/>
-          </a:bodyPr>
-          <a:lstStyle/>
-          <a:p>
-            <a:r>
-              <a:rPr lang="en-US" sz="1200"/>
-              <a:t>Data_start</a:t>
-            </a:r>
-            <a:endParaRPr lang="en-GB" sz="1200" dirty="0"/>
-          </a:p>
-        </p:txBody>
-      </p:sp>
-      <p:sp>
-        <p:nvSpPr>
-          <p:cNvPr id="23" name="TextBox 62">
-            <a:extLst>
-              <a:ext uri="{FF2B5EF4-FFF2-40B4-BE49-F238E27FC236}">
-                <a16:creationId xmlns:a16="http://schemas.microsoft.com/office/drawing/2014/main" id="{7A20FA97-E2B3-7715-3ACA-5B3A5D42EA96}"/>
-              </a:ext>
-            </a:extLst>
-          </p:cNvPr>
-          <p:cNvSpPr txBox="1"/>
-          <p:nvPr/>
-        </p:nvSpPr>
-        <p:spPr>
-          <a:xfrm>
-            <a:off x="9541742" y="5906517"/>
-            <a:ext cx="712054" cy="276999"/>
-          </a:xfrm>
-          <a:prstGeom prst="rect">
-            <a:avLst/>
-          </a:prstGeom>
-          <a:noFill/>
-        </p:spPr>
-        <p:txBody>
-          <a:bodyPr wrap="none" rtlCol="0">
-            <a:spAutoFit/>
-          </a:bodyPr>
-          <a:lstStyle/>
-          <a:p>
-            <a:r>
-              <a:rPr lang="en-US" sz="1200" dirty="0"/>
-              <a:t>8 bit LLR</a:t>
-            </a:r>
-            <a:endParaRPr lang="en-GB" sz="1200" dirty="0"/>
-          </a:p>
-        </p:txBody>
-      </p:sp>
-      <p:sp>
-        <p:nvSpPr>
-          <p:cNvPr id="38" name="TextBox 62">
-            <a:extLst>
-              <a:ext uri="{FF2B5EF4-FFF2-40B4-BE49-F238E27FC236}">
-                <a16:creationId xmlns:a16="http://schemas.microsoft.com/office/drawing/2014/main" id="{A7DCB205-80D9-4111-6C36-9DE13F752147}"/>
-              </a:ext>
-            </a:extLst>
-          </p:cNvPr>
-          <p:cNvSpPr txBox="1"/>
-          <p:nvPr/>
-        </p:nvSpPr>
-        <p:spPr>
-          <a:xfrm>
-            <a:off x="9545290" y="4474273"/>
-            <a:ext cx="712054" cy="276999"/>
-          </a:xfrm>
-          <a:prstGeom prst="rect">
-            <a:avLst/>
-          </a:prstGeom>
-          <a:noFill/>
-        </p:spPr>
-        <p:txBody>
-          <a:bodyPr wrap="none" rtlCol="0">
-            <a:spAutoFit/>
-          </a:bodyPr>
-          <a:lstStyle/>
-          <a:p>
-            <a:r>
-              <a:rPr lang="en-US" sz="1200" dirty="0"/>
-              <a:t>8 bit LLR</a:t>
+              <a:t>axi-stream</a:t>
             </a:r>
             <a:endParaRPr lang="en-GB" sz="1200" dirty="0"/>
           </a:p>
@@ -7379,166 +6889,6 @@
           </a:p>
         </p:txBody>
       </p:sp>
-      <p:cxnSp>
-        <p:nvCxnSpPr>
-          <p:cNvPr id="79" name="Straight Arrow Connector 20">
-            <a:extLst>
-              <a:ext uri="{FF2B5EF4-FFF2-40B4-BE49-F238E27FC236}">
-                <a16:creationId xmlns:a16="http://schemas.microsoft.com/office/drawing/2014/main" id="{29F68B52-C706-F204-5EF4-8064858A2547}"/>
-              </a:ext>
-            </a:extLst>
-          </p:cNvPr>
-          <p:cNvCxnSpPr>
-            <a:cxnSpLocks/>
-          </p:cNvCxnSpPr>
-          <p:nvPr/>
-        </p:nvCxnSpPr>
-        <p:spPr>
-          <a:xfrm>
-            <a:off x="9391094" y="6203731"/>
-            <a:ext cx="1160564" cy="0"/>
-          </a:xfrm>
-          <a:prstGeom prst="straightConnector1">
-            <a:avLst/>
-          </a:prstGeom>
-          <a:ln w="19050">
-            <a:solidFill>
-              <a:srgbClr val="FFC000"/>
-            </a:solidFill>
-            <a:tailEnd type="triangle"/>
-          </a:ln>
-        </p:spPr>
-        <p:style>
-          <a:lnRef idx="1">
-            <a:schemeClr val="accent1"/>
-          </a:lnRef>
-          <a:fillRef idx="0">
-            <a:schemeClr val="accent1"/>
-          </a:fillRef>
-          <a:effectRef idx="0">
-            <a:schemeClr val="accent1"/>
-          </a:effectRef>
-          <a:fontRef idx="minor">
-            <a:schemeClr val="tx1"/>
-          </a:fontRef>
-        </p:style>
-      </p:cxnSp>
-      <p:cxnSp>
-        <p:nvCxnSpPr>
-          <p:cNvPr id="81" name="Straight Arrow Connector 20">
-            <a:extLst>
-              <a:ext uri="{FF2B5EF4-FFF2-40B4-BE49-F238E27FC236}">
-                <a16:creationId xmlns:a16="http://schemas.microsoft.com/office/drawing/2014/main" id="{FE0240EC-EF15-BF38-ED35-695EC5E3C65D}"/>
-              </a:ext>
-            </a:extLst>
-          </p:cNvPr>
-          <p:cNvCxnSpPr>
-            <a:cxnSpLocks/>
-          </p:cNvCxnSpPr>
-          <p:nvPr/>
-        </p:nvCxnSpPr>
-        <p:spPr>
-          <a:xfrm>
-            <a:off x="9391094" y="4163865"/>
-            <a:ext cx="1160564" cy="0"/>
-          </a:xfrm>
-          <a:prstGeom prst="straightConnector1">
-            <a:avLst/>
-          </a:prstGeom>
-          <a:ln w="19050">
-            <a:solidFill>
-              <a:srgbClr val="FFC000"/>
-            </a:solidFill>
-            <a:tailEnd type="triangle"/>
-          </a:ln>
-        </p:spPr>
-        <p:style>
-          <a:lnRef idx="1">
-            <a:schemeClr val="accent1"/>
-          </a:lnRef>
-          <a:fillRef idx="0">
-            <a:schemeClr val="accent1"/>
-          </a:fillRef>
-          <a:effectRef idx="0">
-            <a:schemeClr val="accent1"/>
-          </a:effectRef>
-          <a:fontRef idx="minor">
-            <a:schemeClr val="tx1"/>
-          </a:fontRef>
-        </p:style>
-      </p:cxnSp>
-      <p:sp>
-        <p:nvSpPr>
-          <p:cNvPr id="82" name="TextBox 61">
-            <a:extLst>
-              <a:ext uri="{FF2B5EF4-FFF2-40B4-BE49-F238E27FC236}">
-                <a16:creationId xmlns:a16="http://schemas.microsoft.com/office/drawing/2014/main" id="{FFB1D4DC-82FC-4666-3424-10C9498C484F}"/>
-              </a:ext>
-            </a:extLst>
-          </p:cNvPr>
-          <p:cNvSpPr txBox="1"/>
-          <p:nvPr/>
-        </p:nvSpPr>
-        <p:spPr>
-          <a:xfrm>
-            <a:off x="9462418" y="6163302"/>
-            <a:ext cx="889603" cy="276999"/>
-          </a:xfrm>
-          <a:prstGeom prst="rect">
-            <a:avLst/>
-          </a:prstGeom>
-          <a:noFill/>
-        </p:spPr>
-        <p:txBody>
-          <a:bodyPr wrap="none" rtlCol="0">
-            <a:spAutoFit/>
-          </a:bodyPr>
-          <a:lstStyle/>
-          <a:p>
-            <a:r>
-              <a:rPr lang="en-US" sz="1200"/>
-              <a:t>PBCH_start</a:t>
-            </a:r>
-            <a:endParaRPr lang="en-GB" sz="1200" dirty="0"/>
-          </a:p>
-        </p:txBody>
-      </p:sp>
-      <p:sp>
-        <p:nvSpPr>
-          <p:cNvPr id="89" name="TextBox 61">
-            <a:extLst>
-              <a:ext uri="{FF2B5EF4-FFF2-40B4-BE49-F238E27FC236}">
-                <a16:creationId xmlns:a16="http://schemas.microsoft.com/office/drawing/2014/main" id="{E139BD0B-945A-6A65-EFF3-068A7CF95699}"/>
-              </a:ext>
-            </a:extLst>
-          </p:cNvPr>
-          <p:cNvSpPr txBox="1"/>
-          <p:nvPr/>
-        </p:nvSpPr>
-        <p:spPr>
-          <a:xfrm>
-            <a:off x="9513778" y="4130689"/>
-            <a:ext cx="838243" cy="276999"/>
-          </a:xfrm>
-          <a:prstGeom prst="rect">
-            <a:avLst/>
-          </a:prstGeom>
-          <a:noFill/>
-        </p:spPr>
-        <p:txBody>
-          <a:bodyPr wrap="none" rtlCol="0">
-            <a:spAutoFit/>
-          </a:bodyPr>
-          <a:lstStyle/>
-          <a:p>
-            <a:r>
-              <a:rPr lang="en-US" sz="1200" dirty="0" err="1"/>
-              <a:t>Data_start</a:t>
-            </a:r>
-            <a:endParaRPr lang="en-GB" sz="1200" dirty="0"/>
-          </a:p>
-        </p:txBody>
-      </p:sp>
       <p:sp>
         <p:nvSpPr>
           <p:cNvPr id="65" name="Textfeld 77">
@@ -8537,10 +7887,10 @@
       </p:cxnSp>
       <p:sp>
         <p:nvSpPr>
-          <p:cNvPr id="104" name="Rectangle 103">
-            <a:extLst>
-              <a:ext uri="{FF2B5EF4-FFF2-40B4-BE49-F238E27FC236}">
-                <a16:creationId xmlns:a16="http://schemas.microsoft.com/office/drawing/2014/main" id="{E5FCA3EE-6240-FE7F-3AE1-5B36FFE20A64}"/>
+          <p:cNvPr id="105" name="Rectangle 104">
+            <a:extLst>
+              <a:ext uri="{FF2B5EF4-FFF2-40B4-BE49-F238E27FC236}">
+                <a16:creationId xmlns:a16="http://schemas.microsoft.com/office/drawing/2014/main" id="{05CF6F87-E97D-DFE1-9378-9340573C4F0B}"/>
               </a:ext>
             </a:extLst>
           </p:cNvPr>
@@ -8549,7 +7899,7 @@
         </p:nvSpPr>
         <p:spPr>
           <a:xfrm>
-            <a:off x="10534116" y="3886865"/>
+            <a:off x="10534115" y="5302258"/>
             <a:ext cx="868917" cy="1206137"/>
           </a:xfrm>
           <a:prstGeom prst="rect">
@@ -8601,134 +7951,6 @@
       </p:sp>
       <p:sp>
         <p:nvSpPr>
-          <p:cNvPr id="105" name="Rectangle 104">
-            <a:extLst>
-              <a:ext uri="{FF2B5EF4-FFF2-40B4-BE49-F238E27FC236}">
-                <a16:creationId xmlns:a16="http://schemas.microsoft.com/office/drawing/2014/main" id="{05CF6F87-E97D-DFE1-9378-9340573C4F0B}"/>
-              </a:ext>
-            </a:extLst>
-          </p:cNvPr>
-          <p:cNvSpPr/>
-          <p:nvPr/>
-        </p:nvSpPr>
-        <p:spPr>
-          <a:xfrm>
-            <a:off x="10534115" y="5302258"/>
-            <a:ext cx="868917" cy="1206137"/>
-          </a:xfrm>
-          <a:prstGeom prst="rect">
-            <a:avLst/>
-          </a:prstGeom>
-          <a:solidFill>
-            <a:schemeClr val="bg1"/>
-          </a:solidFill>
-        </p:spPr>
-        <p:style>
-          <a:lnRef idx="2">
-            <a:schemeClr val="accent1">
-              <a:shade val="50000"/>
-            </a:schemeClr>
-          </a:lnRef>
-          <a:fillRef idx="1">
-            <a:schemeClr val="accent1"/>
-          </a:fillRef>
-          <a:effectRef idx="0">
-            <a:schemeClr val="accent1"/>
-          </a:effectRef>
-          <a:fontRef idx="minor">
-            <a:schemeClr val="lt1"/>
-          </a:fontRef>
-        </p:style>
-        <p:txBody>
-          <a:bodyPr rtlCol="0" anchor="ctr"/>
-          <a:lstStyle/>
-          <a:p>
-            <a:pPr algn="ctr"/>
-            <a:r>
-              <a:rPr lang="en-US" dirty="0">
-                <a:ln w="0"/>
-                <a:solidFill>
-                  <a:schemeClr val="tx1"/>
-                </a:solidFill>
-                <a:effectLst>
-                  <a:outerShdw blurRad="38100" dist="19050" dir="2700000" algn="tl" rotWithShape="0">
-                    <a:schemeClr val="dk1">
-                      <a:alpha val="40000"/>
-                    </a:schemeClr>
-                  </a:outerShdw>
-                </a:effectLst>
-              </a:rPr>
-              <a:t>AXI stream FIFO</a:t>
-            </a:r>
-          </a:p>
-        </p:txBody>
-      </p:sp>
-      <p:sp>
-        <p:nvSpPr>
-          <p:cNvPr id="113" name="Rechteck 111">
-            <a:extLst>
-              <a:ext uri="{FF2B5EF4-FFF2-40B4-BE49-F238E27FC236}">
-                <a16:creationId xmlns:a16="http://schemas.microsoft.com/office/drawing/2014/main" id="{D837449F-A948-40BD-BA03-D1B500133D2E}"/>
-              </a:ext>
-            </a:extLst>
-          </p:cNvPr>
-          <p:cNvSpPr/>
-          <p:nvPr/>
-        </p:nvSpPr>
-        <p:spPr>
-          <a:xfrm>
-            <a:off x="9942606" y="4797932"/>
-            <a:ext cx="712054" cy="245423"/>
-          </a:xfrm>
-          <a:prstGeom prst="rect">
-            <a:avLst/>
-          </a:prstGeom>
-          <a:solidFill>
-            <a:schemeClr val="accent6">
-              <a:lumMod val="60000"/>
-              <a:lumOff val="40000"/>
-            </a:schemeClr>
-          </a:solidFill>
-        </p:spPr>
-        <p:style>
-          <a:lnRef idx="2">
-            <a:schemeClr val="accent1">
-              <a:shade val="50000"/>
-            </a:schemeClr>
-          </a:lnRef>
-          <a:fillRef idx="1">
-            <a:schemeClr val="accent1"/>
-          </a:fillRef>
-          <a:effectRef idx="0">
-            <a:schemeClr val="accent1"/>
-          </a:effectRef>
-          <a:fontRef idx="minor">
-            <a:schemeClr val="lt1"/>
-          </a:fontRef>
-        </p:style>
-        <p:txBody>
-          <a:bodyPr rtlCol="0" anchor="ctr"/>
-          <a:lstStyle/>
-          <a:p>
-            <a:pPr algn="ctr"/>
-            <a:r>
-              <a:rPr lang="en-US" sz="1400" dirty="0">
-                <a:solidFill>
-                  <a:schemeClr val="bg1"/>
-                </a:solidFill>
-              </a:rPr>
-              <a:t>AXI lite</a:t>
-            </a:r>
-            <a:endParaRPr lang="de-DE" sz="1400" dirty="0">
-              <a:solidFill>
-                <a:schemeClr val="bg1"/>
-              </a:solidFill>
-            </a:endParaRPr>
-          </a:p>
-        </p:txBody>
-      </p:sp>
-      <p:sp>
-        <p:nvSpPr>
           <p:cNvPr id="114" name="Rechteck 111">
             <a:extLst>
               <a:ext uri="{FF2B5EF4-FFF2-40B4-BE49-F238E27FC236}">
@@ -8870,10 +8092,10 @@
       </p:sp>
       <p:cxnSp>
         <p:nvCxnSpPr>
-          <p:cNvPr id="116" name="Straight Arrow Connector 60">
-            <a:extLst>
-              <a:ext uri="{FF2B5EF4-FFF2-40B4-BE49-F238E27FC236}">
-                <a16:creationId xmlns:a16="http://schemas.microsoft.com/office/drawing/2014/main" id="{88FAD138-3E82-2578-B9C8-1025E7EF6FAF}"/>
+          <p:cNvPr id="119" name="Straight Arrow Connector 60">
+            <a:extLst>
+              <a:ext uri="{FF2B5EF4-FFF2-40B4-BE49-F238E27FC236}">
+                <a16:creationId xmlns:a16="http://schemas.microsoft.com/office/drawing/2014/main" id="{E465A6DD-7839-278C-CF33-77D6F2BF241C}"/>
               </a:ext>
             </a:extLst>
           </p:cNvPr>
@@ -8884,8 +8106,8 @@
         </p:nvCxnSpPr>
         <p:spPr>
           <a:xfrm flipV="1">
-            <a:off x="11587626" y="3734452"/>
-            <a:ext cx="0" cy="405740"/>
+            <a:off x="11094171" y="3734452"/>
+            <a:ext cx="0" cy="1566164"/>
           </a:xfrm>
           <a:prstGeom prst="straightConnector1">
             <a:avLst/>
@@ -8895,136 +8117,6 @@
               <a:schemeClr val="tx1"/>
             </a:solidFill>
             <a:tailEnd type="triangle"/>
-          </a:ln>
-        </p:spPr>
-        <p:style>
-          <a:lnRef idx="1">
-            <a:schemeClr val="accent1"/>
-          </a:lnRef>
-          <a:fillRef idx="0">
-            <a:schemeClr val="accent1"/>
-          </a:fillRef>
-          <a:effectRef idx="0">
-            <a:schemeClr val="accent1"/>
-          </a:effectRef>
-          <a:fontRef idx="minor">
-            <a:schemeClr val="tx1"/>
-          </a:fontRef>
-        </p:style>
-      </p:cxnSp>
-      <p:cxnSp>
-        <p:nvCxnSpPr>
-          <p:cNvPr id="119" name="Straight Arrow Connector 60">
-            <a:extLst>
-              <a:ext uri="{FF2B5EF4-FFF2-40B4-BE49-F238E27FC236}">
-                <a16:creationId xmlns:a16="http://schemas.microsoft.com/office/drawing/2014/main" id="{E465A6DD-7839-278C-CF33-77D6F2BF241C}"/>
-              </a:ext>
-            </a:extLst>
-          </p:cNvPr>
-          <p:cNvCxnSpPr>
-            <a:cxnSpLocks/>
-          </p:cNvCxnSpPr>
-          <p:nvPr/>
-        </p:nvCxnSpPr>
-        <p:spPr>
-          <a:xfrm flipV="1">
-            <a:off x="11744422" y="3734452"/>
-            <a:ext cx="0" cy="1780697"/>
-          </a:xfrm>
-          <a:prstGeom prst="straightConnector1">
-            <a:avLst/>
-          </a:prstGeom>
-          <a:ln w="19050">
-            <a:solidFill>
-              <a:schemeClr val="tx1"/>
-            </a:solidFill>
-            <a:tailEnd type="triangle"/>
-          </a:ln>
-        </p:spPr>
-        <p:style>
-          <a:lnRef idx="1">
-            <a:schemeClr val="accent1"/>
-          </a:lnRef>
-          <a:fillRef idx="0">
-            <a:schemeClr val="accent1"/>
-          </a:fillRef>
-          <a:effectRef idx="0">
-            <a:schemeClr val="accent1"/>
-          </a:effectRef>
-          <a:fontRef idx="minor">
-            <a:schemeClr val="tx1"/>
-          </a:fontRef>
-        </p:style>
-      </p:cxnSp>
-      <p:cxnSp>
-        <p:nvCxnSpPr>
-          <p:cNvPr id="122" name="Straight Connector 121">
-            <a:extLst>
-              <a:ext uri="{FF2B5EF4-FFF2-40B4-BE49-F238E27FC236}">
-                <a16:creationId xmlns:a16="http://schemas.microsoft.com/office/drawing/2014/main" id="{4F0DA8C3-E2D8-7B6B-958E-2B26FE92F6AB}"/>
-              </a:ext>
-            </a:extLst>
-          </p:cNvPr>
-          <p:cNvCxnSpPr>
-            <a:cxnSpLocks/>
-          </p:cNvCxnSpPr>
-          <p:nvPr/>
-        </p:nvCxnSpPr>
-        <p:spPr>
-          <a:xfrm>
-            <a:off x="11403032" y="4130689"/>
-            <a:ext cx="184594" cy="0"/>
-          </a:xfrm>
-          <a:prstGeom prst="line">
-            <a:avLst/>
-          </a:prstGeom>
-          <a:ln w="19050">
-            <a:solidFill>
-              <a:schemeClr val="tx1"/>
-            </a:solidFill>
-          </a:ln>
-        </p:spPr>
-        <p:style>
-          <a:lnRef idx="1">
-            <a:schemeClr val="accent1"/>
-          </a:lnRef>
-          <a:fillRef idx="0">
-            <a:schemeClr val="accent1"/>
-          </a:fillRef>
-          <a:effectRef idx="0">
-            <a:schemeClr val="accent1"/>
-          </a:effectRef>
-          <a:fontRef idx="minor">
-            <a:schemeClr val="tx1"/>
-          </a:fontRef>
-        </p:style>
-      </p:cxnSp>
-      <p:cxnSp>
-        <p:nvCxnSpPr>
-          <p:cNvPr id="124" name="Straight Connector 123">
-            <a:extLst>
-              <a:ext uri="{FF2B5EF4-FFF2-40B4-BE49-F238E27FC236}">
-                <a16:creationId xmlns:a16="http://schemas.microsoft.com/office/drawing/2014/main" id="{87AA74F6-503B-6F58-88C4-C917B30342B5}"/>
-              </a:ext>
-            </a:extLst>
-          </p:cNvPr>
-          <p:cNvCxnSpPr>
-            <a:cxnSpLocks/>
-          </p:cNvCxnSpPr>
-          <p:nvPr/>
-        </p:nvCxnSpPr>
-        <p:spPr>
-          <a:xfrm>
-            <a:off x="11403032" y="5515149"/>
-            <a:ext cx="341390" cy="0"/>
-          </a:xfrm>
-          <a:prstGeom prst="line">
-            <a:avLst/>
-          </a:prstGeom>
-          <a:ln w="19050">
-            <a:solidFill>
-              <a:schemeClr val="tx1"/>
-            </a:solidFill>
           </a:ln>
         </p:spPr>
         <p:style>
@@ -9183,61 +8275,226 @@
           </a:p>
         </p:txBody>
       </p:sp>
-      <p:sp>
-        <p:nvSpPr>
-          <p:cNvPr id="77" name="Rechteck 76">
-            <a:extLst>
-              <a:ext uri="{FF2B5EF4-FFF2-40B4-BE49-F238E27FC236}">
-                <a16:creationId xmlns:a16="http://schemas.microsoft.com/office/drawing/2014/main" id="{3E784670-60D5-3A2C-0064-9B9796D360C7}"/>
-              </a:ext>
-            </a:extLst>
-          </p:cNvPr>
-          <p:cNvSpPr/>
-          <p:nvPr/>
-        </p:nvSpPr>
-        <p:spPr>
-          <a:xfrm>
-            <a:off x="7837714" y="3738609"/>
-            <a:ext cx="3817552" cy="1413361"/>
-          </a:xfrm>
-          <a:prstGeom prst="rect">
-            <a:avLst/>
-          </a:prstGeom>
-          <a:solidFill>
-            <a:schemeClr val="bg2">
-              <a:lumMod val="50000"/>
-              <a:alpha val="67000"/>
-            </a:schemeClr>
-          </a:solidFill>
-          <a:ln>
-            <a:noFill/>
+      <p:cxnSp>
+        <p:nvCxnSpPr>
+          <p:cNvPr id="92" name="Gerader Verbinder 91">
+            <a:extLst>
+              <a:ext uri="{FF2B5EF4-FFF2-40B4-BE49-F238E27FC236}">
+                <a16:creationId xmlns:a16="http://schemas.microsoft.com/office/drawing/2014/main" id="{C3BDF7DE-AE8B-EEA5-7941-34AA41F36A4C}"/>
+              </a:ext>
+            </a:extLst>
+          </p:cNvPr>
+          <p:cNvCxnSpPr>
+            <a:cxnSpLocks/>
+          </p:cNvCxnSpPr>
+          <p:nvPr/>
+        </p:nvCxnSpPr>
+        <p:spPr>
+          <a:xfrm>
+            <a:off x="8111154" y="6569827"/>
+            <a:ext cx="142307" cy="88132"/>
+          </a:xfrm>
+          <a:prstGeom prst="line">
+            <a:avLst/>
+          </a:prstGeom>
+          <a:ln w="19050">
+            <a:solidFill>
+              <a:schemeClr val="tx1">
+                <a:lumMod val="50000"/>
+                <a:lumOff val="50000"/>
+              </a:schemeClr>
+            </a:solidFill>
           </a:ln>
         </p:spPr>
         <p:style>
-          <a:lnRef idx="2">
-            <a:schemeClr val="accent1">
-              <a:shade val="50000"/>
-            </a:schemeClr>
+          <a:lnRef idx="1">
+            <a:schemeClr val="accent1"/>
           </a:lnRef>
-          <a:fillRef idx="1">
+          <a:fillRef idx="0">
             <a:schemeClr val="accent1"/>
           </a:fillRef>
           <a:effectRef idx="0">
             <a:schemeClr val="accent1"/>
           </a:effectRef>
           <a:fontRef idx="minor">
-            <a:schemeClr val="lt1"/>
+            <a:schemeClr val="tx1"/>
           </a:fontRef>
         </p:style>
-        <p:txBody>
-          <a:bodyPr rtlCol="0" anchor="ctr"/>
-          <a:lstStyle/>
-          <a:p>
-            <a:pPr algn="ctr"/>
-            <a:endParaRPr lang="de-DE"/>
-          </a:p>
-        </p:txBody>
-      </p:sp>
+      </p:cxnSp>
+      <p:cxnSp>
+        <p:nvCxnSpPr>
+          <p:cNvPr id="99" name="Straight Arrow Connector 26">
+            <a:extLst>
+              <a:ext uri="{FF2B5EF4-FFF2-40B4-BE49-F238E27FC236}">
+                <a16:creationId xmlns:a16="http://schemas.microsoft.com/office/drawing/2014/main" id="{E6F96796-3A9B-A22C-5A98-6D57D25DD14C}"/>
+              </a:ext>
+            </a:extLst>
+          </p:cNvPr>
+          <p:cNvCxnSpPr>
+            <a:cxnSpLocks/>
+          </p:cNvCxnSpPr>
+          <p:nvPr/>
+        </p:nvCxnSpPr>
+        <p:spPr>
+          <a:xfrm flipV="1">
+            <a:off x="8111154" y="6370567"/>
+            <a:ext cx="0" cy="204808"/>
+          </a:xfrm>
+          <a:prstGeom prst="straightConnector1">
+            <a:avLst/>
+          </a:prstGeom>
+          <a:ln w="19050">
+            <a:solidFill>
+              <a:schemeClr val="bg2">
+                <a:lumMod val="50000"/>
+              </a:schemeClr>
+            </a:solidFill>
+            <a:tailEnd type="triangle"/>
+          </a:ln>
+        </p:spPr>
+        <p:style>
+          <a:lnRef idx="1">
+            <a:schemeClr val="accent1"/>
+          </a:lnRef>
+          <a:fillRef idx="0">
+            <a:schemeClr val="accent1"/>
+          </a:fillRef>
+          <a:effectRef idx="0">
+            <a:schemeClr val="accent1"/>
+          </a:effectRef>
+          <a:fontRef idx="minor">
+            <a:schemeClr val="tx1"/>
+          </a:fontRef>
+        </p:style>
+      </p:cxnSp>
+      <p:cxnSp>
+        <p:nvCxnSpPr>
+          <p:cNvPr id="117" name="Straight Arrow Connector 26">
+            <a:extLst>
+              <a:ext uri="{FF2B5EF4-FFF2-40B4-BE49-F238E27FC236}">
+                <a16:creationId xmlns:a16="http://schemas.microsoft.com/office/drawing/2014/main" id="{D48B9075-4C74-D991-B815-9E9A942AF57E}"/>
+              </a:ext>
+            </a:extLst>
+          </p:cNvPr>
+          <p:cNvCxnSpPr>
+            <a:cxnSpLocks/>
+          </p:cNvCxnSpPr>
+          <p:nvPr/>
+        </p:nvCxnSpPr>
+        <p:spPr>
+          <a:xfrm flipV="1">
+            <a:off x="9872546" y="6371866"/>
+            <a:ext cx="0" cy="204808"/>
+          </a:xfrm>
+          <a:prstGeom prst="straightConnector1">
+            <a:avLst/>
+          </a:prstGeom>
+          <a:ln w="19050">
+            <a:solidFill>
+              <a:schemeClr val="bg2">
+                <a:lumMod val="50000"/>
+              </a:schemeClr>
+            </a:solidFill>
+            <a:tailEnd type="triangle"/>
+          </a:ln>
+        </p:spPr>
+        <p:style>
+          <a:lnRef idx="1">
+            <a:schemeClr val="accent1"/>
+          </a:lnRef>
+          <a:fillRef idx="0">
+            <a:schemeClr val="accent1"/>
+          </a:fillRef>
+          <a:effectRef idx="0">
+            <a:schemeClr val="accent1"/>
+          </a:effectRef>
+          <a:fontRef idx="minor">
+            <a:schemeClr val="tx1"/>
+          </a:fontRef>
+        </p:style>
+      </p:cxnSp>
+      <p:sp>
+        <p:nvSpPr>
+          <p:cNvPr id="121" name="TextBox 62">
+            <a:extLst>
+              <a:ext uri="{FF2B5EF4-FFF2-40B4-BE49-F238E27FC236}">
+                <a16:creationId xmlns:a16="http://schemas.microsoft.com/office/drawing/2014/main" id="{AB82E328-B5DC-6A68-A11B-A9B0E4A86194}"/>
+              </a:ext>
+            </a:extLst>
+          </p:cNvPr>
+          <p:cNvSpPr txBox="1"/>
+          <p:nvPr/>
+        </p:nvSpPr>
+        <p:spPr>
+          <a:xfrm>
+            <a:off x="8314398" y="6555698"/>
+            <a:ext cx="1453090" cy="276999"/>
+          </a:xfrm>
+          <a:prstGeom prst="rect">
+            <a:avLst/>
+          </a:prstGeom>
+          <a:noFill/>
+        </p:spPr>
+        <p:txBody>
+          <a:bodyPr wrap="none" rtlCol="0">
+            <a:spAutoFit/>
+          </a:bodyPr>
+          <a:lstStyle/>
+          <a:p>
+            <a:r>
+              <a:rPr lang="en-US" sz="1200"/>
+              <a:t>symbol type in tuser</a:t>
+            </a:r>
+            <a:endParaRPr lang="en-GB" sz="1200" dirty="0"/>
+          </a:p>
+        </p:txBody>
+      </p:sp>
+      <p:cxnSp>
+        <p:nvCxnSpPr>
+          <p:cNvPr id="125" name="Gerader Verbinder 124">
+            <a:extLst>
+              <a:ext uri="{FF2B5EF4-FFF2-40B4-BE49-F238E27FC236}">
+                <a16:creationId xmlns:a16="http://schemas.microsoft.com/office/drawing/2014/main" id="{DA364468-2F4E-0D57-E619-6C54DEBEF829}"/>
+              </a:ext>
+            </a:extLst>
+          </p:cNvPr>
+          <p:cNvCxnSpPr>
+            <a:cxnSpLocks/>
+          </p:cNvCxnSpPr>
+          <p:nvPr/>
+        </p:nvCxnSpPr>
+        <p:spPr>
+          <a:xfrm flipH="1">
+            <a:off x="9777920" y="6567014"/>
+            <a:ext cx="96662" cy="105399"/>
+          </a:xfrm>
+          <a:prstGeom prst="line">
+            <a:avLst/>
+          </a:prstGeom>
+          <a:ln w="19050">
+            <a:solidFill>
+              <a:schemeClr val="tx1">
+                <a:lumMod val="50000"/>
+                <a:lumOff val="50000"/>
+              </a:schemeClr>
+            </a:solidFill>
+          </a:ln>
+        </p:spPr>
+        <p:style>
+          <a:lnRef idx="1">
+            <a:schemeClr val="accent1"/>
+          </a:lnRef>
+          <a:fillRef idx="0">
+            <a:schemeClr val="accent1"/>
+          </a:fillRef>
+          <a:effectRef idx="0">
+            <a:schemeClr val="accent1"/>
+          </a:effectRef>
+          <a:fontRef idx="minor">
+            <a:schemeClr val="tx1"/>
+          </a:fontRef>
+        </p:style>
+      </p:cxnSp>
     </p:spTree>
     <p:extLst>
       <p:ext uri="{BB962C8B-B14F-4D97-AF65-F5344CB8AC3E}">

--- a/doc/overview.pptx
+++ b/doc/overview.pptx
@@ -261,7 +261,7 @@
           <a:p>
             <a:fld id="{0647E4D3-4269-40FF-ADD2-F433546F1734}" type="datetimeFigureOut">
               <a:rPr lang="en-GB" smtClean="0"/>
-              <a:t>02/03/2023</a:t>
+              <a:t>03/03/2023</a:t>
             </a:fld>
             <a:endParaRPr lang="en-GB"/>
           </a:p>
@@ -315,7 +315,7 @@
           <a:p>
             <a:fld id="{1991B810-A44B-42D8-B2B0-10522A071A3E}" type="slidenum">
               <a:rPr lang="en-GB" smtClean="0"/>
-              <a:t>‹Nr.›</a:t>
+              <a:t>‹#›</a:t>
             </a:fld>
             <a:endParaRPr lang="en-GB"/>
           </a:p>
@@ -461,7 +461,7 @@
           <a:p>
             <a:fld id="{0647E4D3-4269-40FF-ADD2-F433546F1734}" type="datetimeFigureOut">
               <a:rPr lang="en-GB" smtClean="0"/>
-              <a:t>02/03/2023</a:t>
+              <a:t>03/03/2023</a:t>
             </a:fld>
             <a:endParaRPr lang="en-GB"/>
           </a:p>
@@ -515,7 +515,7 @@
           <a:p>
             <a:fld id="{1991B810-A44B-42D8-B2B0-10522A071A3E}" type="slidenum">
               <a:rPr lang="en-GB" smtClean="0"/>
-              <a:t>‹Nr.›</a:t>
+              <a:t>‹#›</a:t>
             </a:fld>
             <a:endParaRPr lang="en-GB"/>
           </a:p>
@@ -671,7 +671,7 @@
           <a:p>
             <a:fld id="{0647E4D3-4269-40FF-ADD2-F433546F1734}" type="datetimeFigureOut">
               <a:rPr lang="en-GB" smtClean="0"/>
-              <a:t>02/03/2023</a:t>
+              <a:t>03/03/2023</a:t>
             </a:fld>
             <a:endParaRPr lang="en-GB"/>
           </a:p>
@@ -725,7 +725,7 @@
           <a:p>
             <a:fld id="{1991B810-A44B-42D8-B2B0-10522A071A3E}" type="slidenum">
               <a:rPr lang="en-GB" smtClean="0"/>
-              <a:t>‹Nr.›</a:t>
+              <a:t>‹#›</a:t>
             </a:fld>
             <a:endParaRPr lang="en-GB"/>
           </a:p>
@@ -871,7 +871,7 @@
           <a:p>
             <a:fld id="{0647E4D3-4269-40FF-ADD2-F433546F1734}" type="datetimeFigureOut">
               <a:rPr lang="en-GB" smtClean="0"/>
-              <a:t>02/03/2023</a:t>
+              <a:t>03/03/2023</a:t>
             </a:fld>
             <a:endParaRPr lang="en-GB"/>
           </a:p>
@@ -925,7 +925,7 @@
           <a:p>
             <a:fld id="{1991B810-A44B-42D8-B2B0-10522A071A3E}" type="slidenum">
               <a:rPr lang="en-GB" smtClean="0"/>
-              <a:t>‹Nr.›</a:t>
+              <a:t>‹#›</a:t>
             </a:fld>
             <a:endParaRPr lang="en-GB"/>
           </a:p>
@@ -1147,7 +1147,7 @@
           <a:p>
             <a:fld id="{0647E4D3-4269-40FF-ADD2-F433546F1734}" type="datetimeFigureOut">
               <a:rPr lang="en-GB" smtClean="0"/>
-              <a:t>02/03/2023</a:t>
+              <a:t>03/03/2023</a:t>
             </a:fld>
             <a:endParaRPr lang="en-GB"/>
           </a:p>
@@ -1201,7 +1201,7 @@
           <a:p>
             <a:fld id="{1991B810-A44B-42D8-B2B0-10522A071A3E}" type="slidenum">
               <a:rPr lang="en-GB" smtClean="0"/>
-              <a:t>‹Nr.›</a:t>
+              <a:t>‹#›</a:t>
             </a:fld>
             <a:endParaRPr lang="en-GB"/>
           </a:p>
@@ -1415,7 +1415,7 @@
           <a:p>
             <a:fld id="{0647E4D3-4269-40FF-ADD2-F433546F1734}" type="datetimeFigureOut">
               <a:rPr lang="en-GB" smtClean="0"/>
-              <a:t>02/03/2023</a:t>
+              <a:t>03/03/2023</a:t>
             </a:fld>
             <a:endParaRPr lang="en-GB"/>
           </a:p>
@@ -1469,7 +1469,7 @@
           <a:p>
             <a:fld id="{1991B810-A44B-42D8-B2B0-10522A071A3E}" type="slidenum">
               <a:rPr lang="en-GB" smtClean="0"/>
-              <a:t>‹Nr.›</a:t>
+              <a:t>‹#›</a:t>
             </a:fld>
             <a:endParaRPr lang="en-GB"/>
           </a:p>
@@ -1830,7 +1830,7 @@
           <a:p>
             <a:fld id="{0647E4D3-4269-40FF-ADD2-F433546F1734}" type="datetimeFigureOut">
               <a:rPr lang="en-GB" smtClean="0"/>
-              <a:t>02/03/2023</a:t>
+              <a:t>03/03/2023</a:t>
             </a:fld>
             <a:endParaRPr lang="en-GB"/>
           </a:p>
@@ -1884,7 +1884,7 @@
           <a:p>
             <a:fld id="{1991B810-A44B-42D8-B2B0-10522A071A3E}" type="slidenum">
               <a:rPr lang="en-GB" smtClean="0"/>
-              <a:t>‹Nr.›</a:t>
+              <a:t>‹#›</a:t>
             </a:fld>
             <a:endParaRPr lang="en-GB"/>
           </a:p>
@@ -1972,7 +1972,7 @@
           <a:p>
             <a:fld id="{0647E4D3-4269-40FF-ADD2-F433546F1734}" type="datetimeFigureOut">
               <a:rPr lang="en-GB" smtClean="0"/>
-              <a:t>02/03/2023</a:t>
+              <a:t>03/03/2023</a:t>
             </a:fld>
             <a:endParaRPr lang="en-GB"/>
           </a:p>
@@ -2026,7 +2026,7 @@
           <a:p>
             <a:fld id="{1991B810-A44B-42D8-B2B0-10522A071A3E}" type="slidenum">
               <a:rPr lang="en-GB" smtClean="0"/>
-              <a:t>‹Nr.›</a:t>
+              <a:t>‹#›</a:t>
             </a:fld>
             <a:endParaRPr lang="en-GB"/>
           </a:p>
@@ -2085,7 +2085,7 @@
           <a:p>
             <a:fld id="{0647E4D3-4269-40FF-ADD2-F433546F1734}" type="datetimeFigureOut">
               <a:rPr lang="en-GB" smtClean="0"/>
-              <a:t>02/03/2023</a:t>
+              <a:t>03/03/2023</a:t>
             </a:fld>
             <a:endParaRPr lang="en-GB"/>
           </a:p>
@@ -2139,7 +2139,7 @@
           <a:p>
             <a:fld id="{1991B810-A44B-42D8-B2B0-10522A071A3E}" type="slidenum">
               <a:rPr lang="en-GB" smtClean="0"/>
-              <a:t>‹Nr.›</a:t>
+              <a:t>‹#›</a:t>
             </a:fld>
             <a:endParaRPr lang="en-GB"/>
           </a:p>
@@ -2398,7 +2398,7 @@
           <a:p>
             <a:fld id="{0647E4D3-4269-40FF-ADD2-F433546F1734}" type="datetimeFigureOut">
               <a:rPr lang="en-GB" smtClean="0"/>
-              <a:t>02/03/2023</a:t>
+              <a:t>03/03/2023</a:t>
             </a:fld>
             <a:endParaRPr lang="en-GB"/>
           </a:p>
@@ -2452,7 +2452,7 @@
           <a:p>
             <a:fld id="{1991B810-A44B-42D8-B2B0-10522A071A3E}" type="slidenum">
               <a:rPr lang="en-GB" smtClean="0"/>
-              <a:t>‹Nr.›</a:t>
+              <a:t>‹#›</a:t>
             </a:fld>
             <a:endParaRPr lang="en-GB"/>
           </a:p>
@@ -2687,7 +2687,7 @@
           <a:p>
             <a:fld id="{0647E4D3-4269-40FF-ADD2-F433546F1734}" type="datetimeFigureOut">
               <a:rPr lang="en-GB" smtClean="0"/>
-              <a:t>02/03/2023</a:t>
+              <a:t>03/03/2023</a:t>
             </a:fld>
             <a:endParaRPr lang="en-GB"/>
           </a:p>
@@ -2741,7 +2741,7 @@
           <a:p>
             <a:fld id="{1991B810-A44B-42D8-B2B0-10522A071A3E}" type="slidenum">
               <a:rPr lang="en-GB" smtClean="0"/>
-              <a:t>‹Nr.›</a:t>
+              <a:t>‹#›</a:t>
             </a:fld>
             <a:endParaRPr lang="en-GB"/>
           </a:p>
@@ -2930,7 +2930,7 @@
           <a:p>
             <a:fld id="{0647E4D3-4269-40FF-ADD2-F433546F1734}" type="datetimeFigureOut">
               <a:rPr lang="en-GB" smtClean="0"/>
-              <a:t>02/03/2023</a:t>
+              <a:t>03/03/2023</a:t>
             </a:fld>
             <a:endParaRPr lang="en-GB"/>
           </a:p>
@@ -3020,7 +3020,7 @@
           <a:p>
             <a:fld id="{1991B810-A44B-42D8-B2B0-10522A071A3E}" type="slidenum">
               <a:rPr lang="en-GB" smtClean="0"/>
-              <a:t>‹Nr.›</a:t>
+              <a:t>‹#›</a:t>
             </a:fld>
             <a:endParaRPr lang="en-GB"/>
           </a:p>
@@ -4044,7 +4044,7 @@
           <a:p>
             <a:pPr algn="ctr"/>
             <a:r>
-              <a:rPr lang="en-US">
+              <a:rPr lang="en-US" dirty="0">
                 <a:ln w="0"/>
                 <a:solidFill>
                   <a:schemeClr val="tx1"/>
@@ -4057,7 +4057,7 @@
                   </a:outerShdw>
                 </a:effectLst>
               </a:rPr>
-              <a:t>soft </a:t>
+              <a:t>Soft </a:t>
             </a:r>
             <a:r>
               <a:rPr lang="en-US" dirty="0" err="1">
@@ -5253,8 +5253,8 @@
         </p:nvSpPr>
         <p:spPr>
           <a:xfrm>
-            <a:off x="7761310" y="5864054"/>
-            <a:ext cx="841512" cy="461665"/>
+            <a:off x="7802346" y="5637861"/>
+            <a:ext cx="702436" cy="276999"/>
           </a:xfrm>
           <a:prstGeom prst="rect">
             <a:avLst/>
@@ -5269,18 +5269,7 @@
           <a:p>
             <a:r>
               <a:rPr lang="en-US" sz="1200" dirty="0"/>
-              <a:t>8 bit I</a:t>
-            </a:r>
-            <a:r>
-              <a:rPr lang="en-US" sz="1200"/>
-              <a:t>/Q</a:t>
-            </a:r>
-            <a:br>
-              <a:rPr lang="en-US" sz="1200"/>
-            </a:br>
-            <a:r>
-              <a:rPr lang="en-US" sz="1200"/>
-              <a:t>axi-stream</a:t>
+              <a:t>8 bit I/Q</a:t>
             </a:r>
             <a:endParaRPr lang="en-GB" sz="1200" dirty="0"/>
           </a:p>
@@ -6045,7 +6034,7 @@
         <p:spPr>
           <a:xfrm>
             <a:off x="5989049" y="3478834"/>
-            <a:ext cx="759760" cy="276999"/>
+            <a:ext cx="764312" cy="276999"/>
           </a:xfrm>
           <a:prstGeom prst="rect">
             <a:avLst/>
@@ -6059,174 +6048,8 @@
           <a:lstStyle/>
           <a:p>
             <a:r>
-              <a:rPr lang="en-US" sz="1200"/>
-              <a:t>SSS_start</a:t>
-            </a:r>
-            <a:endParaRPr lang="en-GB" sz="1200" dirty="0"/>
-          </a:p>
-        </p:txBody>
-      </p:sp>
-      <p:cxnSp>
-        <p:nvCxnSpPr>
-          <p:cNvPr id="32" name="Straight Arrow Connector 20">
-            <a:extLst>
-              <a:ext uri="{FF2B5EF4-FFF2-40B4-BE49-F238E27FC236}">
-                <a16:creationId xmlns:a16="http://schemas.microsoft.com/office/drawing/2014/main" id="{82741F6C-C5F8-6820-928B-D82BA23FC46E}"/>
-              </a:ext>
-            </a:extLst>
-          </p:cNvPr>
-          <p:cNvCxnSpPr>
-            <a:cxnSpLocks/>
-          </p:cNvCxnSpPr>
-          <p:nvPr/>
-        </p:nvCxnSpPr>
-        <p:spPr>
-          <a:xfrm>
-            <a:off x="6159922" y="6176820"/>
-            <a:ext cx="441714" cy="0"/>
-          </a:xfrm>
-          <a:prstGeom prst="straightConnector1">
-            <a:avLst/>
-          </a:prstGeom>
-          <a:ln w="19050">
-            <a:solidFill>
-              <a:srgbClr val="FFC000"/>
-            </a:solidFill>
-            <a:tailEnd type="triangle"/>
-          </a:ln>
-        </p:spPr>
-        <p:style>
-          <a:lnRef idx="1">
-            <a:schemeClr val="accent1"/>
-          </a:lnRef>
-          <a:fillRef idx="0">
-            <a:schemeClr val="accent1"/>
-          </a:fillRef>
-          <a:effectRef idx="0">
-            <a:schemeClr val="accent1"/>
-          </a:effectRef>
-          <a:fontRef idx="minor">
-            <a:schemeClr val="tx1"/>
-          </a:fontRef>
-        </p:style>
-      </p:cxnSp>
-      <p:cxnSp>
-        <p:nvCxnSpPr>
-          <p:cNvPr id="34" name="Straight Connector 42">
-            <a:extLst>
-              <a:ext uri="{FF2B5EF4-FFF2-40B4-BE49-F238E27FC236}">
-                <a16:creationId xmlns:a16="http://schemas.microsoft.com/office/drawing/2014/main" id="{23E23C20-0A06-E520-0F96-1AFA62177D0E}"/>
-              </a:ext>
-            </a:extLst>
-          </p:cNvPr>
-          <p:cNvCxnSpPr>
-            <a:cxnSpLocks/>
-          </p:cNvCxnSpPr>
-          <p:nvPr/>
-        </p:nvCxnSpPr>
-        <p:spPr>
-          <a:xfrm>
-            <a:off x="6159922" y="4424412"/>
-            <a:ext cx="0" cy="1752408"/>
-          </a:xfrm>
-          <a:prstGeom prst="line">
-            <a:avLst/>
-          </a:prstGeom>
-          <a:ln w="19050">
-            <a:solidFill>
-              <a:srgbClr val="FFC000"/>
-            </a:solidFill>
-          </a:ln>
-        </p:spPr>
-        <p:style>
-          <a:lnRef idx="1">
-            <a:schemeClr val="accent1"/>
-          </a:lnRef>
-          <a:fillRef idx="0">
-            <a:schemeClr val="accent1"/>
-          </a:fillRef>
-          <a:effectRef idx="0">
-            <a:schemeClr val="accent1"/>
-          </a:effectRef>
-          <a:fontRef idx="minor">
-            <a:schemeClr val="tx1"/>
-          </a:fontRef>
-        </p:style>
-      </p:cxnSp>
-      <p:cxnSp>
-        <p:nvCxnSpPr>
-          <p:cNvPr id="42" name="Straight Connector 42">
-            <a:extLst>
-              <a:ext uri="{FF2B5EF4-FFF2-40B4-BE49-F238E27FC236}">
-                <a16:creationId xmlns:a16="http://schemas.microsoft.com/office/drawing/2014/main" id="{382C3FE4-F70E-3185-11AA-B6C158E370AA}"/>
-              </a:ext>
-            </a:extLst>
-          </p:cNvPr>
-          <p:cNvCxnSpPr>
-            <a:cxnSpLocks/>
-          </p:cNvCxnSpPr>
-          <p:nvPr/>
-        </p:nvCxnSpPr>
-        <p:spPr>
-          <a:xfrm>
-            <a:off x="5990488" y="4424412"/>
-            <a:ext cx="169434" cy="0"/>
-          </a:xfrm>
-          <a:prstGeom prst="line">
-            <a:avLst/>
-          </a:prstGeom>
-          <a:ln w="19050">
-            <a:solidFill>
-              <a:srgbClr val="FFC000"/>
-            </a:solidFill>
-          </a:ln>
-        </p:spPr>
-        <p:style>
-          <a:lnRef idx="1">
-            <a:schemeClr val="accent1"/>
-          </a:lnRef>
-          <a:fillRef idx="0">
-            <a:schemeClr val="accent1"/>
-          </a:fillRef>
-          <a:effectRef idx="0">
-            <a:schemeClr val="accent1"/>
-          </a:effectRef>
-          <a:fontRef idx="minor">
-            <a:schemeClr val="tx1"/>
-          </a:fontRef>
-        </p:style>
-      </p:cxnSp>
-      <p:sp>
-        <p:nvSpPr>
-          <p:cNvPr id="52" name="TextBox 61">
-            <a:extLst>
-              <a:ext uri="{FF2B5EF4-FFF2-40B4-BE49-F238E27FC236}">
-                <a16:creationId xmlns:a16="http://schemas.microsoft.com/office/drawing/2014/main" id="{65043CCA-5B92-F806-DBE2-9C4022635DE0}"/>
-              </a:ext>
-            </a:extLst>
-          </p:cNvPr>
-          <p:cNvSpPr txBox="1"/>
-          <p:nvPr/>
-        </p:nvSpPr>
-        <p:spPr>
-          <a:xfrm>
-            <a:off x="5775956" y="6183715"/>
-            <a:ext cx="889603" cy="276999"/>
-          </a:xfrm>
-          <a:prstGeom prst="rect">
-            <a:avLst/>
-          </a:prstGeom>
-          <a:noFill/>
-        </p:spPr>
-        <p:txBody>
-          <a:bodyPr wrap="none" rtlCol="0">
-            <a:spAutoFit/>
-          </a:bodyPr>
-          <a:lstStyle/>
-          <a:p>
-            <a:r>
               <a:rPr lang="en-US" sz="1200" dirty="0" err="1"/>
-              <a:t>PBCH_start</a:t>
+              <a:t>SSS_valid</a:t>
             </a:r>
             <a:endParaRPr lang="en-GB" sz="1200" dirty="0"/>
           </a:p>
@@ -6311,10 +6134,10 @@
       </p:sp>
       <p:cxnSp>
         <p:nvCxnSpPr>
-          <p:cNvPr id="66" name="Straight Arrow Connector 20">
-            <a:extLst>
-              <a:ext uri="{FF2B5EF4-FFF2-40B4-BE49-F238E27FC236}">
-                <a16:creationId xmlns:a16="http://schemas.microsoft.com/office/drawing/2014/main" id="{12AC6158-F34A-7A89-BAB2-60553B8D58D7}"/>
+          <p:cNvPr id="83" name="Straight Arrow Connector 20">
+            <a:extLst>
+              <a:ext uri="{FF2B5EF4-FFF2-40B4-BE49-F238E27FC236}">
+                <a16:creationId xmlns:a16="http://schemas.microsoft.com/office/drawing/2014/main" id="{E65F006B-5FC3-30D3-D3A6-B4042AD90393}"/>
               </a:ext>
             </a:extLst>
           </p:cNvPr>
@@ -6325,7 +6148,7 @@
         </p:nvCxnSpPr>
         <p:spPr>
           <a:xfrm>
-            <a:off x="4058001" y="3624100"/>
+            <a:off x="4060093" y="3724354"/>
             <a:ext cx="1063570" cy="0"/>
           </a:xfrm>
           <a:prstGeom prst="straightConnector1">
@@ -6355,10 +6178,10 @@
       </p:cxnSp>
       <p:sp>
         <p:nvSpPr>
-          <p:cNvPr id="74" name="TextBox 61">
-            <a:extLst>
-              <a:ext uri="{FF2B5EF4-FFF2-40B4-BE49-F238E27FC236}">
-                <a16:creationId xmlns:a16="http://schemas.microsoft.com/office/drawing/2014/main" id="{C572DA17-0EC2-93C3-A060-53467914FD5B}"/>
+          <p:cNvPr id="84" name="TextBox 61">
+            <a:extLst>
+              <a:ext uri="{FF2B5EF4-FFF2-40B4-BE49-F238E27FC236}">
+                <a16:creationId xmlns:a16="http://schemas.microsoft.com/office/drawing/2014/main" id="{ACB56E0E-99ED-FA00-5472-978A2E0CF607}"/>
               </a:ext>
             </a:extLst>
           </p:cNvPr>
@@ -6367,8 +6190,8 @@
         </p:nvSpPr>
         <p:spPr>
           <a:xfrm>
-            <a:off x="4113482" y="3403567"/>
-            <a:ext cx="942566" cy="276999"/>
+            <a:off x="4178722" y="3478029"/>
+            <a:ext cx="772584" cy="276999"/>
           </a:xfrm>
           <a:prstGeom prst="rect">
             <a:avLst/>
@@ -6382,8 +6205,44 @@
           <a:lstStyle/>
           <a:p>
             <a:r>
-              <a:rPr lang="en-US" sz="1200"/>
-              <a:t>Frame_start</a:t>
+              <a:rPr lang="en-US" sz="1200" dirty="0" err="1"/>
+              <a:t>SSB_start</a:t>
+            </a:r>
+            <a:endParaRPr lang="en-GB" sz="1200" dirty="0"/>
+          </a:p>
+        </p:txBody>
+      </p:sp>
+      <p:sp>
+        <p:nvSpPr>
+          <p:cNvPr id="23" name="TextBox 62">
+            <a:extLst>
+              <a:ext uri="{FF2B5EF4-FFF2-40B4-BE49-F238E27FC236}">
+                <a16:creationId xmlns:a16="http://schemas.microsoft.com/office/drawing/2014/main" id="{7A20FA97-E2B3-7715-3ACA-5B3A5D42EA96}"/>
+              </a:ext>
+            </a:extLst>
+          </p:cNvPr>
+          <p:cNvSpPr txBox="1"/>
+          <p:nvPr/>
+        </p:nvSpPr>
+        <p:spPr>
+          <a:xfrm>
+            <a:off x="9590991" y="5622426"/>
+            <a:ext cx="712054" cy="276999"/>
+          </a:xfrm>
+          <a:prstGeom prst="rect">
+            <a:avLst/>
+          </a:prstGeom>
+          <a:noFill/>
+        </p:spPr>
+        <p:txBody>
+          <a:bodyPr wrap="none" rtlCol="0">
+            <a:spAutoFit/>
+          </a:bodyPr>
+          <a:lstStyle/>
+          <a:p>
+            <a:r>
+              <a:rPr lang="en-US" sz="1200" dirty="0"/>
+              <a:t>8 bit LLR</a:t>
             </a:r>
             <a:endParaRPr lang="en-GB" sz="1200" dirty="0"/>
           </a:p>
@@ -6391,10 +6250,10 @@
       </p:sp>
       <p:cxnSp>
         <p:nvCxnSpPr>
-          <p:cNvPr id="83" name="Straight Arrow Connector 20">
-            <a:extLst>
-              <a:ext uri="{FF2B5EF4-FFF2-40B4-BE49-F238E27FC236}">
-                <a16:creationId xmlns:a16="http://schemas.microsoft.com/office/drawing/2014/main" id="{E65F006B-5FC3-30D3-D3A6-B4042AD90393}"/>
+          <p:cNvPr id="49" name="Straight Connector 23">
+            <a:extLst>
+              <a:ext uri="{FF2B5EF4-FFF2-40B4-BE49-F238E27FC236}">
+                <a16:creationId xmlns:a16="http://schemas.microsoft.com/office/drawing/2014/main" id="{0CAD3CCD-094D-28C7-9D7A-718ED6AEBB95}"/>
               </a:ext>
             </a:extLst>
           </p:cNvPr>
@@ -6405,215 +6264,8 @@
         </p:nvCxnSpPr>
         <p:spPr>
           <a:xfrm>
-            <a:off x="4060093" y="3852001"/>
-            <a:ext cx="1063570" cy="0"/>
-          </a:xfrm>
-          <a:prstGeom prst="straightConnector1">
-            <a:avLst/>
-          </a:prstGeom>
-          <a:ln w="19050">
-            <a:solidFill>
-              <a:srgbClr val="FFC000"/>
-            </a:solidFill>
-            <a:tailEnd type="triangle"/>
-          </a:ln>
-        </p:spPr>
-        <p:style>
-          <a:lnRef idx="1">
-            <a:schemeClr val="accent1"/>
-          </a:lnRef>
-          <a:fillRef idx="0">
-            <a:schemeClr val="accent1"/>
-          </a:fillRef>
-          <a:effectRef idx="0">
-            <a:schemeClr val="accent1"/>
-          </a:effectRef>
-          <a:fontRef idx="minor">
-            <a:schemeClr val="tx1"/>
-          </a:fontRef>
-        </p:style>
-      </p:cxnSp>
-      <p:sp>
-        <p:nvSpPr>
-          <p:cNvPr id="84" name="TextBox 61">
-            <a:extLst>
-              <a:ext uri="{FF2B5EF4-FFF2-40B4-BE49-F238E27FC236}">
-                <a16:creationId xmlns:a16="http://schemas.microsoft.com/office/drawing/2014/main" id="{ACB56E0E-99ED-FA00-5472-978A2E0CF607}"/>
-              </a:ext>
-            </a:extLst>
-          </p:cNvPr>
-          <p:cNvSpPr txBox="1"/>
-          <p:nvPr/>
-        </p:nvSpPr>
-        <p:spPr>
-          <a:xfrm>
-            <a:off x="4127708" y="3622847"/>
-            <a:ext cx="759760" cy="276999"/>
-          </a:xfrm>
-          <a:prstGeom prst="rect">
-            <a:avLst/>
-          </a:prstGeom>
-          <a:noFill/>
-        </p:spPr>
-        <p:txBody>
-          <a:bodyPr wrap="none" rtlCol="0">
-            <a:spAutoFit/>
-          </a:bodyPr>
-          <a:lstStyle/>
-          <a:p>
-            <a:r>
-              <a:rPr lang="en-US" sz="1200"/>
-              <a:t>SSS_start</a:t>
-            </a:r>
-            <a:endParaRPr lang="en-GB" sz="1200" dirty="0"/>
-          </a:p>
-        </p:txBody>
-      </p:sp>
-      <p:cxnSp>
-        <p:nvCxnSpPr>
-          <p:cNvPr id="85" name="Straight Arrow Connector 20">
-            <a:extLst>
-              <a:ext uri="{FF2B5EF4-FFF2-40B4-BE49-F238E27FC236}">
-                <a16:creationId xmlns:a16="http://schemas.microsoft.com/office/drawing/2014/main" id="{BD8504AA-60A3-FEB7-41BC-AE4C2228B570}"/>
-              </a:ext>
-            </a:extLst>
-          </p:cNvPr>
-          <p:cNvCxnSpPr>
-            <a:cxnSpLocks/>
-          </p:cNvCxnSpPr>
-          <p:nvPr/>
-        </p:nvCxnSpPr>
-        <p:spPr>
-          <a:xfrm>
-            <a:off x="4077079" y="4424412"/>
-            <a:ext cx="1044492" cy="0"/>
-          </a:xfrm>
-          <a:prstGeom prst="straightConnector1">
-            <a:avLst/>
-          </a:prstGeom>
-          <a:ln w="19050">
-            <a:solidFill>
-              <a:srgbClr val="FFC000"/>
-            </a:solidFill>
-            <a:tailEnd type="triangle"/>
-          </a:ln>
-        </p:spPr>
-        <p:style>
-          <a:lnRef idx="1">
-            <a:schemeClr val="accent1"/>
-          </a:lnRef>
-          <a:fillRef idx="0">
-            <a:schemeClr val="accent1"/>
-          </a:fillRef>
-          <a:effectRef idx="0">
-            <a:schemeClr val="accent1"/>
-          </a:effectRef>
-          <a:fontRef idx="minor">
-            <a:schemeClr val="tx1"/>
-          </a:fontRef>
-        </p:style>
-      </p:cxnSp>
-      <p:sp>
-        <p:nvSpPr>
-          <p:cNvPr id="87" name="TextBox 61">
-            <a:extLst>
-              <a:ext uri="{FF2B5EF4-FFF2-40B4-BE49-F238E27FC236}">
-                <a16:creationId xmlns:a16="http://schemas.microsoft.com/office/drawing/2014/main" id="{52AB0CA3-22F0-0C31-0598-C01C13E08111}"/>
-              </a:ext>
-            </a:extLst>
-          </p:cNvPr>
-          <p:cNvSpPr txBox="1"/>
-          <p:nvPr/>
-        </p:nvSpPr>
-        <p:spPr>
-          <a:xfrm>
-            <a:off x="4144240" y="4172260"/>
-            <a:ext cx="889603" cy="276999"/>
-          </a:xfrm>
-          <a:prstGeom prst="rect">
-            <a:avLst/>
-          </a:prstGeom>
-          <a:noFill/>
-        </p:spPr>
-        <p:txBody>
-          <a:bodyPr wrap="none" rtlCol="0">
-            <a:spAutoFit/>
-          </a:bodyPr>
-          <a:lstStyle/>
-          <a:p>
-            <a:r>
-              <a:rPr lang="en-US" sz="1200"/>
-              <a:t>PBCH_start</a:t>
-            </a:r>
-            <a:endParaRPr lang="en-GB" sz="1200" dirty="0"/>
-          </a:p>
-        </p:txBody>
-      </p:sp>
-      <p:sp>
-        <p:nvSpPr>
-          <p:cNvPr id="23" name="TextBox 62">
-            <a:extLst>
-              <a:ext uri="{FF2B5EF4-FFF2-40B4-BE49-F238E27FC236}">
-                <a16:creationId xmlns:a16="http://schemas.microsoft.com/office/drawing/2014/main" id="{7A20FA97-E2B3-7715-3ACA-5B3A5D42EA96}"/>
-              </a:ext>
-            </a:extLst>
-          </p:cNvPr>
-          <p:cNvSpPr txBox="1"/>
-          <p:nvPr/>
-        </p:nvSpPr>
-        <p:spPr>
-          <a:xfrm>
-            <a:off x="9573010" y="5856846"/>
-            <a:ext cx="841512" cy="461665"/>
-          </a:xfrm>
-          <a:prstGeom prst="rect">
-            <a:avLst/>
-          </a:prstGeom>
-          <a:noFill/>
-        </p:spPr>
-        <p:txBody>
-          <a:bodyPr wrap="none" rtlCol="0">
-            <a:spAutoFit/>
-          </a:bodyPr>
-          <a:lstStyle/>
-          <a:p>
-            <a:r>
-              <a:rPr lang="en-US" sz="1200" dirty="0"/>
-              <a:t>8 </a:t>
-            </a:r>
-            <a:r>
-              <a:rPr lang="en-US" sz="1200"/>
-              <a:t>bit LLR</a:t>
-            </a:r>
-            <a:br>
-              <a:rPr lang="en-US" sz="1200"/>
-            </a:br>
-            <a:r>
-              <a:rPr lang="en-US" sz="1200"/>
-              <a:t>axi-stream</a:t>
-            </a:r>
-            <a:endParaRPr lang="en-GB" sz="1200" dirty="0"/>
-          </a:p>
-        </p:txBody>
-      </p:sp>
-      <p:cxnSp>
-        <p:nvCxnSpPr>
-          <p:cNvPr id="49" name="Straight Connector 23">
-            <a:extLst>
-              <a:ext uri="{FF2B5EF4-FFF2-40B4-BE49-F238E27FC236}">
-                <a16:creationId xmlns:a16="http://schemas.microsoft.com/office/drawing/2014/main" id="{0CAD3CCD-094D-28C7-9D7A-718ED6AEBB95}"/>
-              </a:ext>
-            </a:extLst>
-          </p:cNvPr>
-          <p:cNvCxnSpPr>
-            <a:cxnSpLocks/>
-          </p:cNvCxnSpPr>
-          <p:nvPr/>
-        </p:nvCxnSpPr>
-        <p:spPr>
-          <a:xfrm flipV="1">
-            <a:off x="3687234" y="6673695"/>
-            <a:ext cx="3490172" cy="1"/>
+            <a:off x="3692689" y="6301375"/>
+            <a:ext cx="2908947" cy="0"/>
           </a:xfrm>
           <a:prstGeom prst="line">
             <a:avLst/>
@@ -6656,7 +6308,7 @@
         <p:spPr>
           <a:xfrm flipV="1">
             <a:off x="3694184" y="4743260"/>
-            <a:ext cx="0" cy="1939137"/>
+            <a:ext cx="0" cy="1575251"/>
           </a:xfrm>
           <a:prstGeom prst="straightConnector1">
             <a:avLst/>
@@ -6666,49 +6318,6 @@
               <a:srgbClr val="FFC000"/>
             </a:solidFill>
             <a:tailEnd type="triangle"/>
-          </a:ln>
-        </p:spPr>
-        <p:style>
-          <a:lnRef idx="1">
-            <a:schemeClr val="accent1"/>
-          </a:lnRef>
-          <a:fillRef idx="0">
-            <a:schemeClr val="accent1"/>
-          </a:fillRef>
-          <a:effectRef idx="0">
-            <a:schemeClr val="accent1"/>
-          </a:effectRef>
-          <a:fontRef idx="minor">
-            <a:schemeClr val="tx1"/>
-          </a:fontRef>
-        </p:style>
-      </p:cxnSp>
-      <p:cxnSp>
-        <p:nvCxnSpPr>
-          <p:cNvPr id="67" name="Straight Connector 23">
-            <a:extLst>
-              <a:ext uri="{FF2B5EF4-FFF2-40B4-BE49-F238E27FC236}">
-                <a16:creationId xmlns:a16="http://schemas.microsoft.com/office/drawing/2014/main" id="{E83905BA-9432-AE76-6B49-EF31316E0E8C}"/>
-              </a:ext>
-            </a:extLst>
-          </p:cNvPr>
-          <p:cNvCxnSpPr>
-            <a:cxnSpLocks/>
-          </p:cNvCxnSpPr>
-          <p:nvPr/>
-        </p:nvCxnSpPr>
-        <p:spPr>
-          <a:xfrm flipV="1">
-            <a:off x="7181365" y="6486166"/>
-            <a:ext cx="0" cy="196231"/>
-          </a:xfrm>
-          <a:prstGeom prst="line">
-            <a:avLst/>
-          </a:prstGeom>
-          <a:ln w="19050">
-            <a:solidFill>
-              <a:srgbClr val="FFC000"/>
-            </a:solidFill>
           </a:ln>
         </p:spPr>
         <p:style>
@@ -6742,7 +6351,7 @@
             </p:nvSpPr>
             <p:spPr>
               <a:xfrm>
-                <a:off x="4733458" y="6431730"/>
+                <a:off x="4837206" y="6024376"/>
                 <a:ext cx="475066" cy="276999"/>
               </a:xfrm>
               <a:prstGeom prst="rect">
@@ -6825,7 +6434,7 @@
             </p:nvSpPr>
             <p:spPr>
               <a:xfrm>
-                <a:off x="4733458" y="6431730"/>
+                <a:off x="4837206" y="6024376"/>
                 <a:ext cx="475066" cy="276999"/>
               </a:xfrm>
               <a:prstGeom prst="rect">
@@ -8275,150 +7884,12 @@
           </a:p>
         </p:txBody>
       </p:sp>
-      <p:cxnSp>
-        <p:nvCxnSpPr>
-          <p:cNvPr id="92" name="Gerader Verbinder 91">
-            <a:extLst>
-              <a:ext uri="{FF2B5EF4-FFF2-40B4-BE49-F238E27FC236}">
-                <a16:creationId xmlns:a16="http://schemas.microsoft.com/office/drawing/2014/main" id="{C3BDF7DE-AE8B-EEA5-7941-34AA41F36A4C}"/>
-              </a:ext>
-            </a:extLst>
-          </p:cNvPr>
-          <p:cNvCxnSpPr>
-            <a:cxnSpLocks/>
-          </p:cNvCxnSpPr>
-          <p:nvPr/>
-        </p:nvCxnSpPr>
-        <p:spPr>
-          <a:xfrm>
-            <a:off x="8111154" y="6569827"/>
-            <a:ext cx="142307" cy="88132"/>
-          </a:xfrm>
-          <a:prstGeom prst="line">
-            <a:avLst/>
-          </a:prstGeom>
-          <a:ln w="19050">
-            <a:solidFill>
-              <a:schemeClr val="tx1">
-                <a:lumMod val="50000"/>
-                <a:lumOff val="50000"/>
-              </a:schemeClr>
-            </a:solidFill>
-          </a:ln>
-        </p:spPr>
-        <p:style>
-          <a:lnRef idx="1">
-            <a:schemeClr val="accent1"/>
-          </a:lnRef>
-          <a:fillRef idx="0">
-            <a:schemeClr val="accent1"/>
-          </a:fillRef>
-          <a:effectRef idx="0">
-            <a:schemeClr val="accent1"/>
-          </a:effectRef>
-          <a:fontRef idx="minor">
-            <a:schemeClr val="tx1"/>
-          </a:fontRef>
-        </p:style>
-      </p:cxnSp>
-      <p:cxnSp>
-        <p:nvCxnSpPr>
-          <p:cNvPr id="99" name="Straight Arrow Connector 26">
-            <a:extLst>
-              <a:ext uri="{FF2B5EF4-FFF2-40B4-BE49-F238E27FC236}">
-                <a16:creationId xmlns:a16="http://schemas.microsoft.com/office/drawing/2014/main" id="{E6F96796-3A9B-A22C-5A98-6D57D25DD14C}"/>
-              </a:ext>
-            </a:extLst>
-          </p:cNvPr>
-          <p:cNvCxnSpPr>
-            <a:cxnSpLocks/>
-          </p:cNvCxnSpPr>
-          <p:nvPr/>
-        </p:nvCxnSpPr>
-        <p:spPr>
-          <a:xfrm flipV="1">
-            <a:off x="8111154" y="6370567"/>
-            <a:ext cx="0" cy="204808"/>
-          </a:xfrm>
-          <a:prstGeom prst="straightConnector1">
-            <a:avLst/>
-          </a:prstGeom>
-          <a:ln w="19050">
-            <a:solidFill>
-              <a:schemeClr val="bg2">
-                <a:lumMod val="50000"/>
-              </a:schemeClr>
-            </a:solidFill>
-            <a:tailEnd type="triangle"/>
-          </a:ln>
-        </p:spPr>
-        <p:style>
-          <a:lnRef idx="1">
-            <a:schemeClr val="accent1"/>
-          </a:lnRef>
-          <a:fillRef idx="0">
-            <a:schemeClr val="accent1"/>
-          </a:fillRef>
-          <a:effectRef idx="0">
-            <a:schemeClr val="accent1"/>
-          </a:effectRef>
-          <a:fontRef idx="minor">
-            <a:schemeClr val="tx1"/>
-          </a:fontRef>
-        </p:style>
-      </p:cxnSp>
-      <p:cxnSp>
-        <p:nvCxnSpPr>
-          <p:cNvPr id="117" name="Straight Arrow Connector 26">
-            <a:extLst>
-              <a:ext uri="{FF2B5EF4-FFF2-40B4-BE49-F238E27FC236}">
-                <a16:creationId xmlns:a16="http://schemas.microsoft.com/office/drawing/2014/main" id="{D48B9075-4C74-D991-B815-9E9A942AF57E}"/>
-              </a:ext>
-            </a:extLst>
-          </p:cNvPr>
-          <p:cNvCxnSpPr>
-            <a:cxnSpLocks/>
-          </p:cNvCxnSpPr>
-          <p:nvPr/>
-        </p:nvCxnSpPr>
-        <p:spPr>
-          <a:xfrm flipV="1">
-            <a:off x="9872546" y="6371866"/>
-            <a:ext cx="0" cy="204808"/>
-          </a:xfrm>
-          <a:prstGeom prst="straightConnector1">
-            <a:avLst/>
-          </a:prstGeom>
-          <a:ln w="19050">
-            <a:solidFill>
-              <a:schemeClr val="bg2">
-                <a:lumMod val="50000"/>
-              </a:schemeClr>
-            </a:solidFill>
-            <a:tailEnd type="triangle"/>
-          </a:ln>
-        </p:spPr>
-        <p:style>
-          <a:lnRef idx="1">
-            <a:schemeClr val="accent1"/>
-          </a:lnRef>
-          <a:fillRef idx="0">
-            <a:schemeClr val="accent1"/>
-          </a:fillRef>
-          <a:effectRef idx="0">
-            <a:schemeClr val="accent1"/>
-          </a:effectRef>
-          <a:fontRef idx="minor">
-            <a:schemeClr val="tx1"/>
-          </a:fontRef>
-        </p:style>
-      </p:cxnSp>
-      <p:sp>
-        <p:nvSpPr>
-          <p:cNvPr id="121" name="TextBox 62">
-            <a:extLst>
-              <a:ext uri="{FF2B5EF4-FFF2-40B4-BE49-F238E27FC236}">
-                <a16:creationId xmlns:a16="http://schemas.microsoft.com/office/drawing/2014/main" id="{AB82E328-B5DC-6A68-A11B-A9B0E4A86194}"/>
+      <p:sp>
+        <p:nvSpPr>
+          <p:cNvPr id="32" name="TextBox 61">
+            <a:extLst>
+              <a:ext uri="{FF2B5EF4-FFF2-40B4-BE49-F238E27FC236}">
+                <a16:creationId xmlns:a16="http://schemas.microsoft.com/office/drawing/2014/main" id="{CBAFB115-4B35-E74E-CD21-7E74DF20AE69}"/>
               </a:ext>
             </a:extLst>
           </p:cNvPr>
@@ -8427,8 +7898,8 @@
         </p:nvSpPr>
         <p:spPr>
           <a:xfrm>
-            <a:off x="8314398" y="6555698"/>
-            <a:ext cx="1453090" cy="276999"/>
+            <a:off x="406895" y="6158154"/>
+            <a:ext cx="1972463" cy="276999"/>
           </a:xfrm>
           <a:prstGeom prst="rect">
             <a:avLst/>
@@ -8442,59 +7913,125 @@
           <a:lstStyle/>
           <a:p>
             <a:r>
-              <a:rPr lang="en-US" sz="1200"/>
-              <a:t>symbol type in tuser</a:t>
+              <a:rPr lang="en-US" sz="1200" dirty="0"/>
+              <a:t>(1) with symbol type in </a:t>
+            </a:r>
+            <a:r>
+              <a:rPr lang="en-US" sz="1200" dirty="0" err="1"/>
+              <a:t>tuser</a:t>
             </a:r>
             <a:endParaRPr lang="en-GB" sz="1200" dirty="0"/>
           </a:p>
         </p:txBody>
       </p:sp>
-      <p:cxnSp>
-        <p:nvCxnSpPr>
-          <p:cNvPr id="125" name="Gerader Verbinder 124">
-            <a:extLst>
-              <a:ext uri="{FF2B5EF4-FFF2-40B4-BE49-F238E27FC236}">
-                <a16:creationId xmlns:a16="http://schemas.microsoft.com/office/drawing/2014/main" id="{DA364468-2F4E-0D57-E619-6C54DEBEF829}"/>
-              </a:ext>
-            </a:extLst>
-          </p:cNvPr>
-          <p:cNvCxnSpPr>
-            <a:cxnSpLocks/>
-          </p:cNvCxnSpPr>
-          <p:nvPr/>
-        </p:nvCxnSpPr>
-        <p:spPr>
-          <a:xfrm flipH="1">
-            <a:off x="9777920" y="6567014"/>
-            <a:ext cx="96662" cy="105399"/>
-          </a:xfrm>
-          <a:prstGeom prst="line">
-            <a:avLst/>
-          </a:prstGeom>
-          <a:ln w="19050">
-            <a:solidFill>
-              <a:schemeClr val="tx1">
-                <a:lumMod val="50000"/>
-                <a:lumOff val="50000"/>
-              </a:schemeClr>
-            </a:solidFill>
-          </a:ln>
-        </p:spPr>
-        <p:style>
-          <a:lnRef idx="1">
-            <a:schemeClr val="accent1"/>
-          </a:lnRef>
-          <a:fillRef idx="0">
-            <a:schemeClr val="accent1"/>
-          </a:fillRef>
-          <a:effectRef idx="0">
-            <a:schemeClr val="accent1"/>
-          </a:effectRef>
-          <a:fontRef idx="minor">
-            <a:schemeClr val="tx1"/>
-          </a:fontRef>
-        </p:style>
-      </p:cxnSp>
+      <p:sp>
+        <p:nvSpPr>
+          <p:cNvPr id="34" name="TextBox 33">
+            <a:extLst>
+              <a:ext uri="{FF2B5EF4-FFF2-40B4-BE49-F238E27FC236}">
+                <a16:creationId xmlns:a16="http://schemas.microsoft.com/office/drawing/2014/main" id="{4520EF11-955A-1BEC-1011-F0B47CB2E8BC}"/>
+              </a:ext>
+            </a:extLst>
+          </p:cNvPr>
+          <p:cNvSpPr txBox="1"/>
+          <p:nvPr/>
+        </p:nvSpPr>
+        <p:spPr>
+          <a:xfrm>
+            <a:off x="7957599" y="5883097"/>
+            <a:ext cx="356188" cy="276999"/>
+          </a:xfrm>
+          <a:prstGeom prst="rect">
+            <a:avLst/>
+          </a:prstGeom>
+          <a:noFill/>
+        </p:spPr>
+        <p:txBody>
+          <a:bodyPr wrap="none" rtlCol="0">
+            <a:spAutoFit/>
+          </a:bodyPr>
+          <a:lstStyle/>
+          <a:p>
+            <a:r>
+              <a:rPr lang="en-US" sz="1200" dirty="0"/>
+              <a:t>(1)</a:t>
+            </a:r>
+            <a:endParaRPr lang="en-GB" sz="1200" dirty="0"/>
+          </a:p>
+        </p:txBody>
+      </p:sp>
+      <p:sp>
+        <p:nvSpPr>
+          <p:cNvPr id="38" name="TextBox 37">
+            <a:extLst>
+              <a:ext uri="{FF2B5EF4-FFF2-40B4-BE49-F238E27FC236}">
+                <a16:creationId xmlns:a16="http://schemas.microsoft.com/office/drawing/2014/main" id="{CB01CB4C-55D0-CB04-0FEE-E447DAC781BF}"/>
+              </a:ext>
+            </a:extLst>
+          </p:cNvPr>
+          <p:cNvSpPr txBox="1"/>
+          <p:nvPr/>
+        </p:nvSpPr>
+        <p:spPr>
+          <a:xfrm>
+            <a:off x="9800097" y="5881155"/>
+            <a:ext cx="356188" cy="276999"/>
+          </a:xfrm>
+          <a:prstGeom prst="rect">
+            <a:avLst/>
+          </a:prstGeom>
+          <a:noFill/>
+        </p:spPr>
+        <p:txBody>
+          <a:bodyPr wrap="none" rtlCol="0">
+            <a:spAutoFit/>
+          </a:bodyPr>
+          <a:lstStyle/>
+          <a:p>
+            <a:r>
+              <a:rPr lang="en-US" sz="1200" dirty="0"/>
+              <a:t>(1)</a:t>
+            </a:r>
+            <a:endParaRPr lang="en-GB" sz="1200" dirty="0"/>
+          </a:p>
+        </p:txBody>
+      </p:sp>
+      <p:sp>
+        <p:nvSpPr>
+          <p:cNvPr id="42" name="TextBox 41">
+            <a:extLst>
+              <a:ext uri="{FF2B5EF4-FFF2-40B4-BE49-F238E27FC236}">
+                <a16:creationId xmlns:a16="http://schemas.microsoft.com/office/drawing/2014/main" id="{03DD4709-E7D9-32E2-341F-CBB14D85758C}"/>
+              </a:ext>
+            </a:extLst>
+          </p:cNvPr>
+          <p:cNvSpPr txBox="1"/>
+          <p:nvPr/>
+        </p:nvSpPr>
+        <p:spPr>
+          <a:xfrm>
+            <a:off x="6071085" y="4109564"/>
+            <a:ext cx="356188" cy="276999"/>
+          </a:xfrm>
+          <a:prstGeom prst="rect">
+            <a:avLst/>
+          </a:prstGeom>
+          <a:noFill/>
+        </p:spPr>
+        <p:txBody>
+          <a:bodyPr wrap="none" rtlCol="0">
+            <a:spAutoFit/>
+          </a:bodyPr>
+          <a:lstStyle/>
+          <a:p>
+            <a:r>
+              <a:rPr lang="en-US" sz="1200" dirty="0"/>
+              <a:t>(1)</a:t>
+            </a:r>
+            <a:endParaRPr lang="en-GB" sz="1200" dirty="0"/>
+          </a:p>
+        </p:txBody>
+      </p:sp>
     </p:spTree>
     <p:extLst>
       <p:ext uri="{BB962C8B-B14F-4D97-AF65-F5344CB8AC3E}">

--- a/doc/overview.pptx
+++ b/doc/overview.pptx
@@ -8032,6 +8032,82 @@
           </a:p>
         </p:txBody>
       </p:sp>
+      <p:sp>
+        <p:nvSpPr>
+          <p:cNvPr id="52" name="TextBox 61">
+            <a:extLst>
+              <a:ext uri="{FF2B5EF4-FFF2-40B4-BE49-F238E27FC236}">
+                <a16:creationId xmlns:a16="http://schemas.microsoft.com/office/drawing/2014/main" id="{22C06901-4030-F69A-32B2-BF736B47B870}"/>
+              </a:ext>
+            </a:extLst>
+          </p:cNvPr>
+          <p:cNvSpPr txBox="1"/>
+          <p:nvPr/>
+        </p:nvSpPr>
+        <p:spPr>
+          <a:xfrm>
+            <a:off x="401644" y="6369895"/>
+            <a:ext cx="4187428" cy="276999"/>
+          </a:xfrm>
+          <a:prstGeom prst="rect">
+            <a:avLst/>
+          </a:prstGeom>
+          <a:noFill/>
+        </p:spPr>
+        <p:txBody>
+          <a:bodyPr wrap="none" rtlCol="0">
+            <a:spAutoFit/>
+          </a:bodyPr>
+          <a:lstStyle/>
+          <a:p>
+            <a:r>
+              <a:rPr lang="en-US" sz="1200" dirty="0"/>
+              <a:t>(2) with subframe number, slot number, symbol number in </a:t>
+            </a:r>
+            <a:r>
+              <a:rPr lang="en-US" sz="1200" dirty="0" err="1"/>
+              <a:t>tuser</a:t>
+            </a:r>
+            <a:endParaRPr lang="en-GB" sz="1200" dirty="0"/>
+          </a:p>
+        </p:txBody>
+      </p:sp>
+      <p:sp>
+        <p:nvSpPr>
+          <p:cNvPr id="53" name="TextBox 52">
+            <a:extLst>
+              <a:ext uri="{FF2B5EF4-FFF2-40B4-BE49-F238E27FC236}">
+                <a16:creationId xmlns:a16="http://schemas.microsoft.com/office/drawing/2014/main" id="{1B89C36C-05E2-DCE9-A90F-14039DA461AA}"/>
+              </a:ext>
+            </a:extLst>
+          </p:cNvPr>
+          <p:cNvSpPr txBox="1"/>
+          <p:nvPr/>
+        </p:nvSpPr>
+        <p:spPr>
+          <a:xfrm>
+            <a:off x="4343024" y="4109564"/>
+            <a:ext cx="356188" cy="276999"/>
+          </a:xfrm>
+          <a:prstGeom prst="rect">
+            <a:avLst/>
+          </a:prstGeom>
+          <a:noFill/>
+        </p:spPr>
+        <p:txBody>
+          <a:bodyPr wrap="none" rtlCol="0">
+            <a:spAutoFit/>
+          </a:bodyPr>
+          <a:lstStyle/>
+          <a:p>
+            <a:r>
+              <a:rPr lang="en-US" sz="1200" dirty="0"/>
+              <a:t>(2)</a:t>
+            </a:r>
+            <a:endParaRPr lang="en-GB" sz="1200" dirty="0"/>
+          </a:p>
+        </p:txBody>
+      </p:sp>
     </p:spTree>
     <p:extLst>
       <p:ext uri="{BB962C8B-B14F-4D97-AF65-F5344CB8AC3E}">

--- a/doc/overview.pptx
+++ b/doc/overview.pptx
@@ -5217,8 +5217,8 @@
         </p:nvSpPr>
         <p:spPr>
           <a:xfrm>
-            <a:off x="5980771" y="3877724"/>
-            <a:ext cx="702436" cy="276999"/>
+            <a:off x="5921384" y="3890189"/>
+            <a:ext cx="902811" cy="276999"/>
           </a:xfrm>
           <a:prstGeom prst="rect">
             <a:avLst/>
@@ -5233,7 +5233,7 @@
           <a:p>
             <a:r>
               <a:rPr lang="en-US" sz="1200" dirty="0"/>
-              <a:t>8 bit I/Q</a:t>
+              <a:t>8 bit I/Q FD</a:t>
             </a:r>
             <a:endParaRPr lang="en-GB" sz="1200" dirty="0"/>
           </a:p>
@@ -8103,6 +8103,78 @@
             <a:r>
               <a:rPr lang="en-US" sz="1200" dirty="0"/>
               <a:t>(2)</a:t>
+            </a:r>
+            <a:endParaRPr lang="en-GB" sz="1200" dirty="0"/>
+          </a:p>
+        </p:txBody>
+      </p:sp>
+      <p:sp>
+        <p:nvSpPr>
+          <p:cNvPr id="56" name="TextBox 55">
+            <a:extLst>
+              <a:ext uri="{FF2B5EF4-FFF2-40B4-BE49-F238E27FC236}">
+                <a16:creationId xmlns:a16="http://schemas.microsoft.com/office/drawing/2014/main" id="{F61D61F1-4580-F3E6-A5BE-F1132E69FCA4}"/>
+              </a:ext>
+            </a:extLst>
+          </p:cNvPr>
+          <p:cNvSpPr txBox="1"/>
+          <p:nvPr/>
+        </p:nvSpPr>
+        <p:spPr>
+          <a:xfrm>
+            <a:off x="4133736" y="3884654"/>
+            <a:ext cx="986167" cy="276999"/>
+          </a:xfrm>
+          <a:prstGeom prst="rect">
+            <a:avLst/>
+          </a:prstGeom>
+          <a:noFill/>
+        </p:spPr>
+        <p:txBody>
+          <a:bodyPr wrap="none" rtlCol="0">
+            <a:spAutoFit/>
+          </a:bodyPr>
+          <a:lstStyle/>
+          <a:p>
+            <a:r>
+              <a:rPr lang="en-US" sz="1200" dirty="0"/>
+              <a:t>16 bit I/Q TD</a:t>
+            </a:r>
+            <a:endParaRPr lang="en-GB" sz="1200" dirty="0"/>
+          </a:p>
+        </p:txBody>
+      </p:sp>
+      <p:sp>
+        <p:nvSpPr>
+          <p:cNvPr id="57" name="TextBox 61">
+            <a:extLst>
+              <a:ext uri="{FF2B5EF4-FFF2-40B4-BE49-F238E27FC236}">
+                <a16:creationId xmlns:a16="http://schemas.microsoft.com/office/drawing/2014/main" id="{3F57E600-DF34-4C7B-BB0A-1A1063B50594}"/>
+              </a:ext>
+            </a:extLst>
+          </p:cNvPr>
+          <p:cNvSpPr txBox="1"/>
+          <p:nvPr/>
+        </p:nvSpPr>
+        <p:spPr>
+          <a:xfrm>
+            <a:off x="410467" y="5928034"/>
+            <a:ext cx="2821157" cy="276999"/>
+          </a:xfrm>
+          <a:prstGeom prst="rect">
+            <a:avLst/>
+          </a:prstGeom>
+          <a:noFill/>
+        </p:spPr>
+        <p:txBody>
+          <a:bodyPr wrap="none" rtlCol="0">
+            <a:spAutoFit/>
+          </a:bodyPr>
+          <a:lstStyle/>
+          <a:p>
+            <a:r>
+              <a:rPr lang="en-US" sz="1200" dirty="0"/>
+              <a:t>TD = time domain, FD = frequency domain</a:t>
             </a:r>
             <a:endParaRPr lang="en-GB" sz="1200" dirty="0"/>
           </a:p>

--- a/doc/overview.pptx
+++ b/doc/overview.pptx
@@ -261,7 +261,7 @@
           <a:p>
             <a:fld id="{0647E4D3-4269-40FF-ADD2-F433546F1734}" type="datetimeFigureOut">
               <a:rPr lang="en-GB" smtClean="0"/>
-              <a:t>03/03/2023</a:t>
+              <a:t>04/03/2023</a:t>
             </a:fld>
             <a:endParaRPr lang="en-GB"/>
           </a:p>
@@ -315,7 +315,7 @@
           <a:p>
             <a:fld id="{1991B810-A44B-42D8-B2B0-10522A071A3E}" type="slidenum">
               <a:rPr lang="en-GB" smtClean="0"/>
-              <a:t>‹#›</a:t>
+              <a:t>‹Nr.›</a:t>
             </a:fld>
             <a:endParaRPr lang="en-GB"/>
           </a:p>
@@ -461,7 +461,7 @@
           <a:p>
             <a:fld id="{0647E4D3-4269-40FF-ADD2-F433546F1734}" type="datetimeFigureOut">
               <a:rPr lang="en-GB" smtClean="0"/>
-              <a:t>03/03/2023</a:t>
+              <a:t>04/03/2023</a:t>
             </a:fld>
             <a:endParaRPr lang="en-GB"/>
           </a:p>
@@ -515,7 +515,7 @@
           <a:p>
             <a:fld id="{1991B810-A44B-42D8-B2B0-10522A071A3E}" type="slidenum">
               <a:rPr lang="en-GB" smtClean="0"/>
-              <a:t>‹#›</a:t>
+              <a:t>‹Nr.›</a:t>
             </a:fld>
             <a:endParaRPr lang="en-GB"/>
           </a:p>
@@ -671,7 +671,7 @@
           <a:p>
             <a:fld id="{0647E4D3-4269-40FF-ADD2-F433546F1734}" type="datetimeFigureOut">
               <a:rPr lang="en-GB" smtClean="0"/>
-              <a:t>03/03/2023</a:t>
+              <a:t>04/03/2023</a:t>
             </a:fld>
             <a:endParaRPr lang="en-GB"/>
           </a:p>
@@ -725,7 +725,7 @@
           <a:p>
             <a:fld id="{1991B810-A44B-42D8-B2B0-10522A071A3E}" type="slidenum">
               <a:rPr lang="en-GB" smtClean="0"/>
-              <a:t>‹#›</a:t>
+              <a:t>‹Nr.›</a:t>
             </a:fld>
             <a:endParaRPr lang="en-GB"/>
           </a:p>
@@ -871,7 +871,7 @@
           <a:p>
             <a:fld id="{0647E4D3-4269-40FF-ADD2-F433546F1734}" type="datetimeFigureOut">
               <a:rPr lang="en-GB" smtClean="0"/>
-              <a:t>03/03/2023</a:t>
+              <a:t>04/03/2023</a:t>
             </a:fld>
             <a:endParaRPr lang="en-GB"/>
           </a:p>
@@ -925,7 +925,7 @@
           <a:p>
             <a:fld id="{1991B810-A44B-42D8-B2B0-10522A071A3E}" type="slidenum">
               <a:rPr lang="en-GB" smtClean="0"/>
-              <a:t>‹#›</a:t>
+              <a:t>‹Nr.›</a:t>
             </a:fld>
             <a:endParaRPr lang="en-GB"/>
           </a:p>
@@ -1147,7 +1147,7 @@
           <a:p>
             <a:fld id="{0647E4D3-4269-40FF-ADD2-F433546F1734}" type="datetimeFigureOut">
               <a:rPr lang="en-GB" smtClean="0"/>
-              <a:t>03/03/2023</a:t>
+              <a:t>04/03/2023</a:t>
             </a:fld>
             <a:endParaRPr lang="en-GB"/>
           </a:p>
@@ -1201,7 +1201,7 @@
           <a:p>
             <a:fld id="{1991B810-A44B-42D8-B2B0-10522A071A3E}" type="slidenum">
               <a:rPr lang="en-GB" smtClean="0"/>
-              <a:t>‹#›</a:t>
+              <a:t>‹Nr.›</a:t>
             </a:fld>
             <a:endParaRPr lang="en-GB"/>
           </a:p>
@@ -1415,7 +1415,7 @@
           <a:p>
             <a:fld id="{0647E4D3-4269-40FF-ADD2-F433546F1734}" type="datetimeFigureOut">
               <a:rPr lang="en-GB" smtClean="0"/>
-              <a:t>03/03/2023</a:t>
+              <a:t>04/03/2023</a:t>
             </a:fld>
             <a:endParaRPr lang="en-GB"/>
           </a:p>
@@ -1469,7 +1469,7 @@
           <a:p>
             <a:fld id="{1991B810-A44B-42D8-B2B0-10522A071A3E}" type="slidenum">
               <a:rPr lang="en-GB" smtClean="0"/>
-              <a:t>‹#›</a:t>
+              <a:t>‹Nr.›</a:t>
             </a:fld>
             <a:endParaRPr lang="en-GB"/>
           </a:p>
@@ -1830,7 +1830,7 @@
           <a:p>
             <a:fld id="{0647E4D3-4269-40FF-ADD2-F433546F1734}" type="datetimeFigureOut">
               <a:rPr lang="en-GB" smtClean="0"/>
-              <a:t>03/03/2023</a:t>
+              <a:t>04/03/2023</a:t>
             </a:fld>
             <a:endParaRPr lang="en-GB"/>
           </a:p>
@@ -1884,7 +1884,7 @@
           <a:p>
             <a:fld id="{1991B810-A44B-42D8-B2B0-10522A071A3E}" type="slidenum">
               <a:rPr lang="en-GB" smtClean="0"/>
-              <a:t>‹#›</a:t>
+              <a:t>‹Nr.›</a:t>
             </a:fld>
             <a:endParaRPr lang="en-GB"/>
           </a:p>
@@ -1972,7 +1972,7 @@
           <a:p>
             <a:fld id="{0647E4D3-4269-40FF-ADD2-F433546F1734}" type="datetimeFigureOut">
               <a:rPr lang="en-GB" smtClean="0"/>
-              <a:t>03/03/2023</a:t>
+              <a:t>04/03/2023</a:t>
             </a:fld>
             <a:endParaRPr lang="en-GB"/>
           </a:p>
@@ -2026,7 +2026,7 @@
           <a:p>
             <a:fld id="{1991B810-A44B-42D8-B2B0-10522A071A3E}" type="slidenum">
               <a:rPr lang="en-GB" smtClean="0"/>
-              <a:t>‹#›</a:t>
+              <a:t>‹Nr.›</a:t>
             </a:fld>
             <a:endParaRPr lang="en-GB"/>
           </a:p>
@@ -2085,7 +2085,7 @@
           <a:p>
             <a:fld id="{0647E4D3-4269-40FF-ADD2-F433546F1734}" type="datetimeFigureOut">
               <a:rPr lang="en-GB" smtClean="0"/>
-              <a:t>03/03/2023</a:t>
+              <a:t>04/03/2023</a:t>
             </a:fld>
             <a:endParaRPr lang="en-GB"/>
           </a:p>
@@ -2139,7 +2139,7 @@
           <a:p>
             <a:fld id="{1991B810-A44B-42D8-B2B0-10522A071A3E}" type="slidenum">
               <a:rPr lang="en-GB" smtClean="0"/>
-              <a:t>‹#›</a:t>
+              <a:t>‹Nr.›</a:t>
             </a:fld>
             <a:endParaRPr lang="en-GB"/>
           </a:p>
@@ -2398,7 +2398,7 @@
           <a:p>
             <a:fld id="{0647E4D3-4269-40FF-ADD2-F433546F1734}" type="datetimeFigureOut">
               <a:rPr lang="en-GB" smtClean="0"/>
-              <a:t>03/03/2023</a:t>
+              <a:t>04/03/2023</a:t>
             </a:fld>
             <a:endParaRPr lang="en-GB"/>
           </a:p>
@@ -2452,7 +2452,7 @@
           <a:p>
             <a:fld id="{1991B810-A44B-42D8-B2B0-10522A071A3E}" type="slidenum">
               <a:rPr lang="en-GB" smtClean="0"/>
-              <a:t>‹#›</a:t>
+              <a:t>‹Nr.›</a:t>
             </a:fld>
             <a:endParaRPr lang="en-GB"/>
           </a:p>
@@ -2687,7 +2687,7 @@
           <a:p>
             <a:fld id="{0647E4D3-4269-40FF-ADD2-F433546F1734}" type="datetimeFigureOut">
               <a:rPr lang="en-GB" smtClean="0"/>
-              <a:t>03/03/2023</a:t>
+              <a:t>04/03/2023</a:t>
             </a:fld>
             <a:endParaRPr lang="en-GB"/>
           </a:p>
@@ -2741,7 +2741,7 @@
           <a:p>
             <a:fld id="{1991B810-A44B-42D8-B2B0-10522A071A3E}" type="slidenum">
               <a:rPr lang="en-GB" smtClean="0"/>
-              <a:t>‹#›</a:t>
+              <a:t>‹Nr.›</a:t>
             </a:fld>
             <a:endParaRPr lang="en-GB"/>
           </a:p>
@@ -2930,7 +2930,7 @@
           <a:p>
             <a:fld id="{0647E4D3-4269-40FF-ADD2-F433546F1734}" type="datetimeFigureOut">
               <a:rPr lang="en-GB" smtClean="0"/>
-              <a:t>03/03/2023</a:t>
+              <a:t>04/03/2023</a:t>
             </a:fld>
             <a:endParaRPr lang="en-GB"/>
           </a:p>
@@ -3020,7 +3020,7 @@
           <a:p>
             <a:fld id="{1991B810-A44B-42D8-B2B0-10522A071A3E}" type="slidenum">
               <a:rPr lang="en-GB" smtClean="0"/>
-              <a:t>‹#›</a:t>
+              <a:t>‹Nr.›</a:t>
             </a:fld>
             <a:endParaRPr lang="en-GB"/>
           </a:p>
@@ -8180,6 +8180,353 @@
           </a:p>
         </p:txBody>
       </p:sp>
+      <p:sp>
+        <p:nvSpPr>
+          <p:cNvPr id="59" name="Rectangle 8">
+            <a:extLst>
+              <a:ext uri="{FF2B5EF4-FFF2-40B4-BE49-F238E27FC236}">
+                <a16:creationId xmlns:a16="http://schemas.microsoft.com/office/drawing/2014/main" id="{8102D6FA-C890-3410-CE30-F9F67F26FC87}"/>
+              </a:ext>
+            </a:extLst>
+          </p:cNvPr>
+          <p:cNvSpPr/>
+          <p:nvPr/>
+        </p:nvSpPr>
+        <p:spPr>
+          <a:xfrm>
+            <a:off x="8474380" y="3537123"/>
+            <a:ext cx="1151541" cy="1206137"/>
+          </a:xfrm>
+          <a:prstGeom prst="rect">
+            <a:avLst/>
+          </a:prstGeom>
+          <a:solidFill>
+            <a:schemeClr val="bg1"/>
+          </a:solidFill>
+        </p:spPr>
+        <p:style>
+          <a:lnRef idx="2">
+            <a:schemeClr val="accent1">
+              <a:shade val="50000"/>
+            </a:schemeClr>
+          </a:lnRef>
+          <a:fillRef idx="1">
+            <a:schemeClr val="accent1"/>
+          </a:fillRef>
+          <a:effectRef idx="0">
+            <a:schemeClr val="accent1"/>
+          </a:effectRef>
+          <a:fontRef idx="minor">
+            <a:schemeClr val="lt1"/>
+          </a:fontRef>
+        </p:style>
+        <p:txBody>
+          <a:bodyPr rtlCol="0" anchor="ctr"/>
+          <a:lstStyle/>
+          <a:p>
+            <a:pPr algn="ctr"/>
+            <a:r>
+              <a:rPr lang="en-US">
+                <a:ln w="0"/>
+                <a:solidFill>
+                  <a:schemeClr val="tx1"/>
+                </a:solidFill>
+                <a:effectLst>
+                  <a:outerShdw blurRad="38100" dist="19050" dir="2700000" algn="tl" rotWithShape="0">
+                    <a:schemeClr val="dk1">
+                      <a:alpha val="40000"/>
+                    </a:schemeClr>
+                  </a:outerShdw>
+                </a:effectLst>
+              </a:rPr>
+              <a:t>resource grid subscriber</a:t>
+            </a:r>
+            <a:endParaRPr lang="en-GB" dirty="0">
+              <a:ln w="0"/>
+              <a:solidFill>
+                <a:schemeClr val="tx1"/>
+              </a:solidFill>
+              <a:effectLst>
+                <a:outerShdw blurRad="38100" dist="19050" dir="2700000" algn="tl" rotWithShape="0">
+                  <a:schemeClr val="dk1">
+                    <a:alpha val="40000"/>
+                  </a:schemeClr>
+                </a:outerShdw>
+              </a:effectLst>
+            </a:endParaRPr>
+          </a:p>
+        </p:txBody>
+      </p:sp>
+      <p:cxnSp>
+        <p:nvCxnSpPr>
+          <p:cNvPr id="66" name="Straight Arrow Connector 40">
+            <a:extLst>
+              <a:ext uri="{FF2B5EF4-FFF2-40B4-BE49-F238E27FC236}">
+                <a16:creationId xmlns:a16="http://schemas.microsoft.com/office/drawing/2014/main" id="{5A38EAD6-4871-5894-DEEC-6405721AD63D}"/>
+              </a:ext>
+            </a:extLst>
+          </p:cNvPr>
+          <p:cNvCxnSpPr>
+            <a:cxnSpLocks/>
+          </p:cNvCxnSpPr>
+          <p:nvPr/>
+        </p:nvCxnSpPr>
+        <p:spPr>
+          <a:xfrm>
+            <a:off x="7987917" y="4386563"/>
+            <a:ext cx="486463" cy="0"/>
+          </a:xfrm>
+          <a:prstGeom prst="straightConnector1">
+            <a:avLst/>
+          </a:prstGeom>
+          <a:ln w="19050">
+            <a:tailEnd type="triangle"/>
+          </a:ln>
+        </p:spPr>
+        <p:style>
+          <a:lnRef idx="1">
+            <a:schemeClr val="accent1"/>
+          </a:lnRef>
+          <a:fillRef idx="0">
+            <a:schemeClr val="accent1"/>
+          </a:fillRef>
+          <a:effectRef idx="0">
+            <a:schemeClr val="accent1"/>
+          </a:effectRef>
+          <a:fontRef idx="minor">
+            <a:schemeClr val="tx1"/>
+          </a:fontRef>
+        </p:style>
+      </p:cxnSp>
+      <p:cxnSp>
+        <p:nvCxnSpPr>
+          <p:cNvPr id="72" name="Straight Connector 42">
+            <a:extLst>
+              <a:ext uri="{FF2B5EF4-FFF2-40B4-BE49-F238E27FC236}">
+                <a16:creationId xmlns:a16="http://schemas.microsoft.com/office/drawing/2014/main" id="{7FDEC6F5-B950-CB91-35E5-AF1F766F05F0}"/>
+              </a:ext>
+            </a:extLst>
+          </p:cNvPr>
+          <p:cNvCxnSpPr>
+            <a:cxnSpLocks/>
+          </p:cNvCxnSpPr>
+          <p:nvPr/>
+        </p:nvCxnSpPr>
+        <p:spPr>
+          <a:xfrm>
+            <a:off x="6409508" y="4868675"/>
+            <a:ext cx="1578409" cy="0"/>
+          </a:xfrm>
+          <a:prstGeom prst="line">
+            <a:avLst/>
+          </a:prstGeom>
+          <a:ln w="19050"/>
+        </p:spPr>
+        <p:style>
+          <a:lnRef idx="1">
+            <a:schemeClr val="accent1"/>
+          </a:lnRef>
+          <a:fillRef idx="0">
+            <a:schemeClr val="accent1"/>
+          </a:fillRef>
+          <a:effectRef idx="0">
+            <a:schemeClr val="accent1"/>
+          </a:effectRef>
+          <a:fontRef idx="minor">
+            <a:schemeClr val="tx1"/>
+          </a:fontRef>
+        </p:style>
+      </p:cxnSp>
+      <p:sp>
+        <p:nvSpPr>
+          <p:cNvPr id="81" name="Rechteck 111">
+            <a:extLst>
+              <a:ext uri="{FF2B5EF4-FFF2-40B4-BE49-F238E27FC236}">
+                <a16:creationId xmlns:a16="http://schemas.microsoft.com/office/drawing/2014/main" id="{E13E4B61-4B7A-8E24-ED7B-45E09A56B9CF}"/>
+              </a:ext>
+            </a:extLst>
+          </p:cNvPr>
+          <p:cNvSpPr/>
+          <p:nvPr/>
+        </p:nvSpPr>
+        <p:spPr>
+          <a:xfrm>
+            <a:off x="9456518" y="3597349"/>
+            <a:ext cx="711122" cy="245423"/>
+          </a:xfrm>
+          <a:prstGeom prst="rect">
+            <a:avLst/>
+          </a:prstGeom>
+          <a:solidFill>
+            <a:schemeClr val="accent6">
+              <a:lumMod val="60000"/>
+              <a:lumOff val="40000"/>
+            </a:schemeClr>
+          </a:solidFill>
+        </p:spPr>
+        <p:style>
+          <a:lnRef idx="2">
+            <a:schemeClr val="accent1">
+              <a:shade val="50000"/>
+            </a:schemeClr>
+          </a:lnRef>
+          <a:fillRef idx="1">
+            <a:schemeClr val="accent1"/>
+          </a:fillRef>
+          <a:effectRef idx="0">
+            <a:schemeClr val="accent1"/>
+          </a:effectRef>
+          <a:fontRef idx="minor">
+            <a:schemeClr val="lt1"/>
+          </a:fontRef>
+        </p:style>
+        <p:txBody>
+          <a:bodyPr rtlCol="0" anchor="ctr"/>
+          <a:lstStyle/>
+          <a:p>
+            <a:pPr algn="ctr"/>
+            <a:r>
+              <a:rPr lang="en-US" sz="1400" dirty="0">
+                <a:solidFill>
+                  <a:schemeClr val="bg1"/>
+                </a:solidFill>
+              </a:rPr>
+              <a:t>AXI lite</a:t>
+            </a:r>
+            <a:endParaRPr lang="de-DE" sz="1400" dirty="0">
+              <a:solidFill>
+                <a:schemeClr val="bg1"/>
+              </a:solidFill>
+            </a:endParaRPr>
+          </a:p>
+        </p:txBody>
+      </p:sp>
+      <p:cxnSp>
+        <p:nvCxnSpPr>
+          <p:cNvPr id="82" name="Straight Arrow Connector 60">
+            <a:extLst>
+              <a:ext uri="{FF2B5EF4-FFF2-40B4-BE49-F238E27FC236}">
+                <a16:creationId xmlns:a16="http://schemas.microsoft.com/office/drawing/2014/main" id="{73BF56A3-867C-0549-4F85-8AC4FA6D43C5}"/>
+              </a:ext>
+            </a:extLst>
+          </p:cNvPr>
+          <p:cNvCxnSpPr>
+            <a:cxnSpLocks/>
+          </p:cNvCxnSpPr>
+          <p:nvPr/>
+        </p:nvCxnSpPr>
+        <p:spPr>
+          <a:xfrm flipV="1">
+            <a:off x="10890311" y="3734452"/>
+            <a:ext cx="0" cy="427201"/>
+          </a:xfrm>
+          <a:prstGeom prst="straightConnector1">
+            <a:avLst/>
+          </a:prstGeom>
+          <a:ln w="19050">
+            <a:solidFill>
+              <a:schemeClr val="tx1"/>
+            </a:solidFill>
+            <a:tailEnd type="triangle"/>
+          </a:ln>
+        </p:spPr>
+        <p:style>
+          <a:lnRef idx="1">
+            <a:schemeClr val="accent1"/>
+          </a:lnRef>
+          <a:fillRef idx="0">
+            <a:schemeClr val="accent1"/>
+          </a:fillRef>
+          <a:effectRef idx="0">
+            <a:schemeClr val="accent1"/>
+          </a:effectRef>
+          <a:fontRef idx="minor">
+            <a:schemeClr val="tx1"/>
+          </a:fontRef>
+        </p:style>
+      </p:cxnSp>
+      <p:cxnSp>
+        <p:nvCxnSpPr>
+          <p:cNvPr id="87" name="Straight Connector 23">
+            <a:extLst>
+              <a:ext uri="{FF2B5EF4-FFF2-40B4-BE49-F238E27FC236}">
+                <a16:creationId xmlns:a16="http://schemas.microsoft.com/office/drawing/2014/main" id="{CEEC669A-5BDF-1731-3065-899FC4DE2CD3}"/>
+              </a:ext>
+            </a:extLst>
+          </p:cNvPr>
+          <p:cNvCxnSpPr>
+            <a:cxnSpLocks/>
+          </p:cNvCxnSpPr>
+          <p:nvPr/>
+        </p:nvCxnSpPr>
+        <p:spPr>
+          <a:xfrm flipV="1">
+            <a:off x="9625921" y="4161653"/>
+            <a:ext cx="1264390" cy="6088"/>
+          </a:xfrm>
+          <a:prstGeom prst="line">
+            <a:avLst/>
+          </a:prstGeom>
+          <a:ln w="19050">
+            <a:solidFill>
+              <a:schemeClr val="tx1"/>
+            </a:solidFill>
+          </a:ln>
+        </p:spPr>
+        <p:style>
+          <a:lnRef idx="1">
+            <a:schemeClr val="accent1"/>
+          </a:lnRef>
+          <a:fillRef idx="0">
+            <a:schemeClr val="accent1"/>
+          </a:fillRef>
+          <a:effectRef idx="0">
+            <a:schemeClr val="accent1"/>
+          </a:effectRef>
+          <a:fontRef idx="minor">
+            <a:schemeClr val="tx1"/>
+          </a:fontRef>
+        </p:style>
+      </p:cxnSp>
+      <p:cxnSp>
+        <p:nvCxnSpPr>
+          <p:cNvPr id="93" name="Straight Connector 42">
+            <a:extLst>
+              <a:ext uri="{FF2B5EF4-FFF2-40B4-BE49-F238E27FC236}">
+                <a16:creationId xmlns:a16="http://schemas.microsoft.com/office/drawing/2014/main" id="{28B12D27-2F1E-7944-B92A-AFD269E0A26D}"/>
+              </a:ext>
+            </a:extLst>
+          </p:cNvPr>
+          <p:cNvCxnSpPr>
+            <a:cxnSpLocks/>
+          </p:cNvCxnSpPr>
+          <p:nvPr/>
+        </p:nvCxnSpPr>
+        <p:spPr>
+          <a:xfrm flipV="1">
+            <a:off x="7987917" y="4386563"/>
+            <a:ext cx="0" cy="482112"/>
+          </a:xfrm>
+          <a:prstGeom prst="line">
+            <a:avLst/>
+          </a:prstGeom>
+          <a:ln w="19050"/>
+        </p:spPr>
+        <p:style>
+          <a:lnRef idx="1">
+            <a:schemeClr val="accent1"/>
+          </a:lnRef>
+          <a:fillRef idx="0">
+            <a:schemeClr val="accent1"/>
+          </a:fillRef>
+          <a:effectRef idx="0">
+            <a:schemeClr val="accent1"/>
+          </a:effectRef>
+          <a:fontRef idx="minor">
+            <a:schemeClr val="tx1"/>
+          </a:fontRef>
+        </p:style>
+      </p:cxnSp>
     </p:spTree>
     <p:extLst>
       <p:ext uri="{BB962C8B-B14F-4D97-AF65-F5344CB8AC3E}">

--- a/doc/overview.pptx
+++ b/doc/overview.pptx
@@ -261,7 +261,7 @@
           <a:p>
             <a:fld id="{0647E4D3-4269-40FF-ADD2-F433546F1734}" type="datetimeFigureOut">
               <a:rPr lang="en-GB" smtClean="0"/>
-              <a:t>04/03/2023</a:t>
+              <a:t>05/03/2023</a:t>
             </a:fld>
             <a:endParaRPr lang="en-GB"/>
           </a:p>
@@ -461,7 +461,7 @@
           <a:p>
             <a:fld id="{0647E4D3-4269-40FF-ADD2-F433546F1734}" type="datetimeFigureOut">
               <a:rPr lang="en-GB" smtClean="0"/>
-              <a:t>04/03/2023</a:t>
+              <a:t>05/03/2023</a:t>
             </a:fld>
             <a:endParaRPr lang="en-GB"/>
           </a:p>
@@ -671,7 +671,7 @@
           <a:p>
             <a:fld id="{0647E4D3-4269-40FF-ADD2-F433546F1734}" type="datetimeFigureOut">
               <a:rPr lang="en-GB" smtClean="0"/>
-              <a:t>04/03/2023</a:t>
+              <a:t>05/03/2023</a:t>
             </a:fld>
             <a:endParaRPr lang="en-GB"/>
           </a:p>
@@ -871,7 +871,7 @@
           <a:p>
             <a:fld id="{0647E4D3-4269-40FF-ADD2-F433546F1734}" type="datetimeFigureOut">
               <a:rPr lang="en-GB" smtClean="0"/>
-              <a:t>04/03/2023</a:t>
+              <a:t>05/03/2023</a:t>
             </a:fld>
             <a:endParaRPr lang="en-GB"/>
           </a:p>
@@ -1147,7 +1147,7 @@
           <a:p>
             <a:fld id="{0647E4D3-4269-40FF-ADD2-F433546F1734}" type="datetimeFigureOut">
               <a:rPr lang="en-GB" smtClean="0"/>
-              <a:t>04/03/2023</a:t>
+              <a:t>05/03/2023</a:t>
             </a:fld>
             <a:endParaRPr lang="en-GB"/>
           </a:p>
@@ -1415,7 +1415,7 @@
           <a:p>
             <a:fld id="{0647E4D3-4269-40FF-ADD2-F433546F1734}" type="datetimeFigureOut">
               <a:rPr lang="en-GB" smtClean="0"/>
-              <a:t>04/03/2023</a:t>
+              <a:t>05/03/2023</a:t>
             </a:fld>
             <a:endParaRPr lang="en-GB"/>
           </a:p>
@@ -1830,7 +1830,7 @@
           <a:p>
             <a:fld id="{0647E4D3-4269-40FF-ADD2-F433546F1734}" type="datetimeFigureOut">
               <a:rPr lang="en-GB" smtClean="0"/>
-              <a:t>04/03/2023</a:t>
+              <a:t>05/03/2023</a:t>
             </a:fld>
             <a:endParaRPr lang="en-GB"/>
           </a:p>
@@ -1972,7 +1972,7 @@
           <a:p>
             <a:fld id="{0647E4D3-4269-40FF-ADD2-F433546F1734}" type="datetimeFigureOut">
               <a:rPr lang="en-GB" smtClean="0"/>
-              <a:t>04/03/2023</a:t>
+              <a:t>05/03/2023</a:t>
             </a:fld>
             <a:endParaRPr lang="en-GB"/>
           </a:p>
@@ -2085,7 +2085,7 @@
           <a:p>
             <a:fld id="{0647E4D3-4269-40FF-ADD2-F433546F1734}" type="datetimeFigureOut">
               <a:rPr lang="en-GB" smtClean="0"/>
-              <a:t>04/03/2023</a:t>
+              <a:t>05/03/2023</a:t>
             </a:fld>
             <a:endParaRPr lang="en-GB"/>
           </a:p>
@@ -2398,7 +2398,7 @@
           <a:p>
             <a:fld id="{0647E4D3-4269-40FF-ADD2-F433546F1734}" type="datetimeFigureOut">
               <a:rPr lang="en-GB" smtClean="0"/>
-              <a:t>04/03/2023</a:t>
+              <a:t>05/03/2023</a:t>
             </a:fld>
             <a:endParaRPr lang="en-GB"/>
           </a:p>
@@ -2687,7 +2687,7 @@
           <a:p>
             <a:fld id="{0647E4D3-4269-40FF-ADD2-F433546F1734}" type="datetimeFigureOut">
               <a:rPr lang="en-GB" smtClean="0"/>
-              <a:t>04/03/2023</a:t>
+              <a:t>05/03/2023</a:t>
             </a:fld>
             <a:endParaRPr lang="en-GB"/>
           </a:p>
@@ -2930,7 +2930,7 @@
           <a:p>
             <a:fld id="{0647E4D3-4269-40FF-ADD2-F433546F1734}" type="datetimeFigureOut">
               <a:rPr lang="en-GB" smtClean="0"/>
-              <a:t>04/03/2023</a:t>
+              <a:t>05/03/2023</a:t>
             </a:fld>
             <a:endParaRPr lang="en-GB"/>
           </a:p>
@@ -6264,7 +6264,7 @@
         </p:nvCxnSpPr>
         <p:spPr>
           <a:xfrm>
-            <a:off x="3692689" y="6301375"/>
+            <a:off x="3692689" y="6054194"/>
             <a:ext cx="2908947" cy="0"/>
           </a:xfrm>
           <a:prstGeom prst="line">
@@ -6307,8 +6307,8 @@
         </p:nvCxnSpPr>
         <p:spPr>
           <a:xfrm flipV="1">
-            <a:off x="3694184" y="4743260"/>
-            <a:ext cx="0" cy="1575251"/>
+            <a:off x="3692689" y="4743260"/>
+            <a:ext cx="1495" cy="1310934"/>
           </a:xfrm>
           <a:prstGeom prst="straightConnector1">
             <a:avLst/>
@@ -6335,8 +6335,8 @@
           </a:fontRef>
         </p:style>
       </p:cxnSp>
-      <mc:AlternateContent xmlns:mc="http://schemas.openxmlformats.org/markup-compatibility/2006" xmlns:a14="http://schemas.microsoft.com/office/drawing/2010/main">
-        <mc:Choice Requires="a14">
+      <mc:AlternateContent xmlns:mc="http://schemas.openxmlformats.org/markup-compatibility/2006">
+        <mc:Choice xmlns:a14="http://schemas.microsoft.com/office/drawing/2010/main" Requires="a14">
           <p:sp>
             <p:nvSpPr>
               <p:cNvPr id="73" name="TextBox 61">
@@ -6351,7 +6351,7 @@
             </p:nvSpPr>
             <p:spPr>
               <a:xfrm>
-                <a:off x="4837206" y="6024376"/>
+                <a:off x="4854167" y="5760925"/>
                 <a:ext cx="475066" cy="276999"/>
               </a:xfrm>
               <a:prstGeom prst="rect">
@@ -6417,7 +6417,7 @@
             </p:txBody>
           </p:sp>
         </mc:Choice>
-        <mc:Fallback xmlns="">
+        <mc:Fallback>
           <p:sp>
             <p:nvSpPr>
               <p:cNvPr id="73" name="TextBox 61">
@@ -6434,7 +6434,7 @@
             </p:nvSpPr>
             <p:spPr>
               <a:xfrm>
-                <a:off x="4837206" y="6024376"/>
+                <a:off x="4854167" y="5760925"/>
                 <a:ext cx="475066" cy="276999"/>
               </a:xfrm>
               <a:prstGeom prst="rect">
@@ -6452,7 +6452,7 @@
               <a:lstStyle/>
               <a:p>
                 <a:r>
-                  <a:rPr lang="en-GB">
+                  <a:rPr lang="de-DE">
                     <a:noFill/>
                   </a:rPr>
                   <a:t> </a:t>
@@ -7898,7 +7898,7 @@
         </p:nvSpPr>
         <p:spPr>
           <a:xfrm>
-            <a:off x="406895" y="6158154"/>
+            <a:off x="389019" y="6369895"/>
             <a:ext cx="1972463" cy="276999"/>
           </a:xfrm>
           <a:prstGeom prst="rect">
@@ -7913,8 +7913,12 @@
           <a:lstStyle/>
           <a:p>
             <a:r>
+              <a:rPr lang="en-US" sz="1200"/>
+              <a:t>(2) </a:t>
+            </a:r>
+            <a:r>
               <a:rPr lang="en-US" sz="1200" dirty="0"/>
-              <a:t>(1) with symbol type in </a:t>
+              <a:t>with symbol type in </a:t>
             </a:r>
             <a:r>
               <a:rPr lang="en-US" sz="1200" dirty="0" err="1"/>
@@ -7953,8 +7957,8 @@
           <a:lstStyle/>
           <a:p>
             <a:r>
-              <a:rPr lang="en-US" sz="1200" dirty="0"/>
-              <a:t>(1)</a:t>
+              <a:rPr lang="en-US" sz="1200"/>
+              <a:t>(2)</a:t>
             </a:r>
             <a:endParaRPr lang="en-GB" sz="1200" dirty="0"/>
           </a:p>
@@ -7989,8 +7993,8 @@
           <a:lstStyle/>
           <a:p>
             <a:r>
-              <a:rPr lang="en-US" sz="1200" dirty="0"/>
-              <a:t>(1)</a:t>
+              <a:rPr lang="en-US" sz="1200"/>
+              <a:t>(2)</a:t>
             </a:r>
             <a:endParaRPr lang="en-GB" sz="1200" dirty="0"/>
           </a:p>
@@ -8046,7 +8050,7 @@
         </p:nvSpPr>
         <p:spPr>
           <a:xfrm>
-            <a:off x="401644" y="6369895"/>
+            <a:off x="394062" y="6162875"/>
             <a:ext cx="4187428" cy="276999"/>
           </a:xfrm>
           <a:prstGeom prst="rect">
@@ -8061,8 +8065,12 @@
           <a:lstStyle/>
           <a:p>
             <a:r>
+              <a:rPr lang="en-US" sz="1200"/>
+              <a:t>(1) </a:t>
+            </a:r>
+            <a:r>
               <a:rPr lang="en-US" sz="1200" dirty="0"/>
-              <a:t>(2) with subframe number, slot number, symbol number in </a:t>
+              <a:t>with subframe number, slot number, symbol number in </a:t>
             </a:r>
             <a:r>
               <a:rPr lang="en-US" sz="1200" dirty="0" err="1"/>
@@ -8101,8 +8109,8 @@
           <a:lstStyle/>
           <a:p>
             <a:r>
-              <a:rPr lang="en-US" sz="1200" dirty="0"/>
-              <a:t>(2)</a:t>
+              <a:rPr lang="en-US" sz="1200"/>
+              <a:t>(1)</a:t>
             </a:r>
             <a:endParaRPr lang="en-GB" sz="1200" dirty="0"/>
           </a:p>

--- a/doc/overview.pptx
+++ b/doc/overview.pptx
@@ -3410,8 +3410,8 @@
         </p:nvSpPr>
         <p:spPr>
           <a:xfrm>
-            <a:off x="10352088" y="247429"/>
-            <a:ext cx="1527201" cy="3405452"/>
+            <a:off x="10210914" y="247429"/>
+            <a:ext cx="1800867" cy="3405452"/>
           </a:xfrm>
           <a:prstGeom prst="rect">
             <a:avLst/>
@@ -5099,8 +5099,8 @@
         </p:nvSpPr>
         <p:spPr>
           <a:xfrm>
-            <a:off x="10614973" y="2665216"/>
-            <a:ext cx="1040295" cy="669685"/>
+            <a:off x="10227417" y="1293552"/>
+            <a:ext cx="883930" cy="669685"/>
           </a:xfrm>
           <a:prstGeom prst="rect">
             <a:avLst/>
@@ -5131,7 +5131,7 @@
           <a:p>
             <a:pPr algn="ctr"/>
             <a:r>
-              <a:rPr lang="en-US" dirty="0">
+              <a:rPr lang="en-US">
                 <a:ln w="0"/>
                 <a:solidFill>
                   <a:schemeClr val="tx1"/>
@@ -5144,7 +5144,7 @@
                   </a:outerShdw>
                 </a:effectLst>
               </a:rPr>
-              <a:t>Polar decoder</a:t>
+              <a:t>Polar decode</a:t>
             </a:r>
             <a:endParaRPr lang="en-GB" dirty="0">
               <a:ln w="0"/>
@@ -6069,8 +6069,8 @@
         </p:nvSpPr>
         <p:spPr>
           <a:xfrm>
-            <a:off x="10619827" y="1914277"/>
-            <a:ext cx="1040296" cy="669684"/>
+            <a:off x="11111347" y="1294164"/>
+            <a:ext cx="883946" cy="669684"/>
           </a:xfrm>
           <a:prstGeom prst="rect">
             <a:avLst/>
@@ -6101,7 +6101,7 @@
           <a:p>
             <a:pPr algn="ctr"/>
             <a:r>
-              <a:rPr lang="en-US" dirty="0">
+              <a:rPr lang="en-US">
                 <a:ln w="0"/>
                 <a:solidFill>
                   <a:schemeClr val="tx1"/>
@@ -6114,7 +6114,7 @@
                   </a:outerShdw>
                 </a:effectLst>
               </a:rPr>
-              <a:t>LDPC decoder</a:t>
+              <a:t>LDPC decode</a:t>
             </a:r>
             <a:endParaRPr lang="en-GB" dirty="0">
               <a:ln w="0"/>
@@ -6335,8 +6335,8 @@
           </a:fontRef>
         </p:style>
       </p:cxnSp>
-      <mc:AlternateContent xmlns:mc="http://schemas.openxmlformats.org/markup-compatibility/2006">
-        <mc:Choice xmlns:a14="http://schemas.microsoft.com/office/drawing/2010/main" Requires="a14">
+      <mc:AlternateContent xmlns:mc="http://schemas.openxmlformats.org/markup-compatibility/2006" xmlns:a14="http://schemas.microsoft.com/office/drawing/2010/main">
+        <mc:Choice Requires="a14">
           <p:sp>
             <p:nvSpPr>
               <p:cNvPr id="73" name="TextBox 61">
@@ -6417,7 +6417,7 @@
             </p:txBody>
           </p:sp>
         </mc:Choice>
-        <mc:Fallback>
+        <mc:Fallback xmlns="">
           <p:sp>
             <p:nvSpPr>
               <p:cNvPr id="73" name="TextBox 61">
@@ -7636,7 +7636,7 @@
         </p:nvSpPr>
         <p:spPr>
           <a:xfrm>
-            <a:off x="10780765" y="3470345"/>
+            <a:off x="10491068" y="3464469"/>
             <a:ext cx="1040295" cy="254009"/>
           </a:xfrm>
           <a:prstGeom prst="rect">
@@ -7757,8 +7757,8 @@
         </p:nvSpPr>
         <p:spPr>
           <a:xfrm>
-            <a:off x="10614972" y="918174"/>
-            <a:ext cx="1040296" cy="669684"/>
+            <a:off x="10650258" y="711280"/>
+            <a:ext cx="1040296" cy="469569"/>
           </a:xfrm>
           <a:prstGeom prst="rect">
             <a:avLst/>
@@ -8535,6 +8535,160 @@
           </a:fontRef>
         </p:style>
       </p:cxnSp>
+      <p:sp>
+        <p:nvSpPr>
+          <p:cNvPr id="67" name="Rectangle 59">
+            <a:extLst>
+              <a:ext uri="{FF2B5EF4-FFF2-40B4-BE49-F238E27FC236}">
+                <a16:creationId xmlns:a16="http://schemas.microsoft.com/office/drawing/2014/main" id="{65B785E8-182D-8A11-60D6-955A887173AD}"/>
+              </a:ext>
+            </a:extLst>
+          </p:cNvPr>
+          <p:cNvSpPr/>
+          <p:nvPr/>
+        </p:nvSpPr>
+        <p:spPr>
+          <a:xfrm>
+            <a:off x="10276287" y="2132750"/>
+            <a:ext cx="1672478" cy="530632"/>
+          </a:xfrm>
+          <a:prstGeom prst="rect">
+            <a:avLst/>
+          </a:prstGeom>
+          <a:solidFill>
+            <a:schemeClr val="bg1"/>
+          </a:solidFill>
+        </p:spPr>
+        <p:style>
+          <a:lnRef idx="2">
+            <a:schemeClr val="accent1">
+              <a:shade val="50000"/>
+            </a:schemeClr>
+          </a:lnRef>
+          <a:fillRef idx="1">
+            <a:schemeClr val="accent1"/>
+          </a:fillRef>
+          <a:effectRef idx="0">
+            <a:schemeClr val="accent1"/>
+          </a:effectRef>
+          <a:fontRef idx="minor">
+            <a:schemeClr val="lt1"/>
+          </a:fontRef>
+        </p:style>
+        <p:txBody>
+          <a:bodyPr rtlCol="0" anchor="ctr"/>
+          <a:lstStyle/>
+          <a:p>
+            <a:pPr algn="ctr"/>
+            <a:r>
+              <a:rPr lang="en-US">
+                <a:ln w="0"/>
+                <a:solidFill>
+                  <a:schemeClr val="tx1"/>
+                </a:solidFill>
+                <a:effectLst>
+                  <a:outerShdw blurRad="38100" dist="19050" dir="2700000" algn="tl" rotWithShape="0">
+                    <a:schemeClr val="dk1">
+                      <a:alpha val="40000"/>
+                    </a:schemeClr>
+                  </a:outerShdw>
+                </a:effectLst>
+              </a:rPr>
+              <a:t>Channel estimator</a:t>
+            </a:r>
+            <a:endParaRPr lang="en-GB" dirty="0">
+              <a:ln w="0"/>
+              <a:solidFill>
+                <a:schemeClr val="tx1"/>
+              </a:solidFill>
+              <a:effectLst>
+                <a:outerShdw blurRad="38100" dist="19050" dir="2700000" algn="tl" rotWithShape="0">
+                  <a:schemeClr val="dk1">
+                    <a:alpha val="40000"/>
+                  </a:schemeClr>
+                </a:outerShdw>
+              </a:effectLst>
+            </a:endParaRPr>
+          </a:p>
+        </p:txBody>
+      </p:sp>
+      <p:sp>
+        <p:nvSpPr>
+          <p:cNvPr id="74" name="Rectangle 59">
+            <a:extLst>
+              <a:ext uri="{FF2B5EF4-FFF2-40B4-BE49-F238E27FC236}">
+                <a16:creationId xmlns:a16="http://schemas.microsoft.com/office/drawing/2014/main" id="{D2F04D63-D619-EA10-A2DD-FD0464A69ED4}"/>
+              </a:ext>
+            </a:extLst>
+          </p:cNvPr>
+          <p:cNvSpPr/>
+          <p:nvPr/>
+        </p:nvSpPr>
+        <p:spPr>
+          <a:xfrm>
+            <a:off x="10276287" y="2812510"/>
+            <a:ext cx="1672478" cy="530632"/>
+          </a:xfrm>
+          <a:prstGeom prst="rect">
+            <a:avLst/>
+          </a:prstGeom>
+          <a:solidFill>
+            <a:schemeClr val="bg1"/>
+          </a:solidFill>
+        </p:spPr>
+        <p:style>
+          <a:lnRef idx="2">
+            <a:schemeClr val="accent1">
+              <a:shade val="50000"/>
+            </a:schemeClr>
+          </a:lnRef>
+          <a:fillRef idx="1">
+            <a:schemeClr val="accent1"/>
+          </a:fillRef>
+          <a:effectRef idx="0">
+            <a:schemeClr val="accent1"/>
+          </a:effectRef>
+          <a:fontRef idx="minor">
+            <a:schemeClr val="lt1"/>
+          </a:fontRef>
+        </p:style>
+        <p:txBody>
+          <a:bodyPr rtlCol="0" anchor="ctr"/>
+          <a:lstStyle/>
+          <a:p>
+            <a:pPr algn="ctr"/>
+            <a:r>
+              <a:rPr lang="en-US">
+                <a:ln w="0"/>
+                <a:solidFill>
+                  <a:schemeClr val="tx1"/>
+                </a:solidFill>
+                <a:effectLst>
+                  <a:outerShdw blurRad="38100" dist="19050" dir="2700000" algn="tl" rotWithShape="0">
+                    <a:schemeClr val="dk1">
+                      <a:alpha val="40000"/>
+                    </a:schemeClr>
+                  </a:outerShdw>
+                </a:effectLst>
+              </a:rPr>
+              <a:t>Demapper</a:t>
+            </a:r>
+            <a:endParaRPr lang="en-GB" dirty="0">
+              <a:ln w="0"/>
+              <a:solidFill>
+                <a:schemeClr val="tx1"/>
+              </a:solidFill>
+              <a:effectLst>
+                <a:outerShdw blurRad="38100" dist="19050" dir="2700000" algn="tl" rotWithShape="0">
+                  <a:schemeClr val="dk1">
+                    <a:alpha val="40000"/>
+                  </a:schemeClr>
+                </a:outerShdw>
+              </a:effectLst>
+            </a:endParaRPr>
+          </a:p>
+        </p:txBody>
+      </p:sp>
     </p:spTree>
     <p:extLst>
       <p:ext uri="{BB962C8B-B14F-4D97-AF65-F5344CB8AC3E}">

--- a/doc/overview.pptx
+++ b/doc/overview.pptx
@@ -8051,7 +8051,7 @@
         <p:spPr>
           <a:xfrm>
             <a:off x="394062" y="6162875"/>
-            <a:ext cx="4187428" cy="276999"/>
+            <a:ext cx="4798686" cy="276999"/>
           </a:xfrm>
           <a:prstGeom prst="rect">
             <a:avLst/>
@@ -8066,11 +8066,19 @@
           <a:p>
             <a:r>
               <a:rPr lang="en-US" sz="1200"/>
-              <a:t>(1) </a:t>
+              <a:t>(1) with system frame </a:t>
             </a:r>
             <a:r>
               <a:rPr lang="en-US" sz="1200" dirty="0"/>
-              <a:t>with subframe number, slot number, symbol number in </a:t>
+              <a:t>number</a:t>
+            </a:r>
+            <a:r>
+              <a:rPr lang="en-US" sz="1200"/>
+              <a:t>, subframe </a:t>
+            </a:r>
+            <a:r>
+              <a:rPr lang="en-US" sz="1200" dirty="0"/>
+              <a:t>number, symbol number in </a:t>
             </a:r>
             <a:r>
               <a:rPr lang="en-US" sz="1200" dirty="0" err="1"/>

--- a/doc/overview.pptx
+++ b/doc/overview.pptx
@@ -8210,8 +8210,8 @@
         </p:nvSpPr>
         <p:spPr>
           <a:xfrm>
-            <a:off x="8474380" y="3537123"/>
-            <a:ext cx="1151541" cy="1206137"/>
+            <a:off x="8320449" y="3550111"/>
+            <a:ext cx="1184217" cy="1206137"/>
           </a:xfrm>
           <a:prstGeom prst="rect">
             <a:avLst/>
@@ -8255,7 +8255,7 @@
                   </a:outerShdw>
                 </a:effectLst>
               </a:rPr>
-              <a:t>resource grid subscriber</a:t>
+              <a:t>Ressource Grid Subscriber</a:t>
             </a:r>
             <a:endParaRPr lang="en-GB" dirty="0">
               <a:ln w="0"/>
@@ -8290,7 +8290,7 @@
         <p:spPr>
           <a:xfrm>
             <a:off x="7987917" y="4386563"/>
-            <a:ext cx="486463" cy="0"/>
+            <a:ext cx="325870" cy="0"/>
           </a:xfrm>
           <a:prstGeom prst="straightConnector1">
             <a:avLst/>
@@ -8367,7 +8367,7 @@
         </p:nvSpPr>
         <p:spPr>
           <a:xfrm>
-            <a:off x="9456518" y="3597349"/>
+            <a:off x="9353600" y="3573355"/>
             <a:ext cx="711122" cy="245423"/>
           </a:xfrm>
           <a:prstGeom prst="rect">
@@ -8476,9 +8476,9 @@
           <p:nvPr/>
         </p:nvCxnSpPr>
         <p:spPr>
-          <a:xfrm flipV="1">
-            <a:off x="9625921" y="4161653"/>
-            <a:ext cx="1264390" cy="6088"/>
+          <a:xfrm>
+            <a:off x="9504666" y="4151681"/>
+            <a:ext cx="1385645" cy="0"/>
           </a:xfrm>
           <a:prstGeom prst="line">
             <a:avLst/>

--- a/doc/overview.pptx
+++ b/doc/overview.pptx
@@ -261,7 +261,7 @@
           <a:p>
             <a:fld id="{0647E4D3-4269-40FF-ADD2-F433546F1734}" type="datetimeFigureOut">
               <a:rPr lang="en-GB" smtClean="0"/>
-              <a:t>05/03/2023</a:t>
+              <a:t>06/03/2023</a:t>
             </a:fld>
             <a:endParaRPr lang="en-GB"/>
           </a:p>
@@ -315,7 +315,7 @@
           <a:p>
             <a:fld id="{1991B810-A44B-42D8-B2B0-10522A071A3E}" type="slidenum">
               <a:rPr lang="en-GB" smtClean="0"/>
-              <a:t>‹Nr.›</a:t>
+              <a:t>‹#›</a:t>
             </a:fld>
             <a:endParaRPr lang="en-GB"/>
           </a:p>
@@ -461,7 +461,7 @@
           <a:p>
             <a:fld id="{0647E4D3-4269-40FF-ADD2-F433546F1734}" type="datetimeFigureOut">
               <a:rPr lang="en-GB" smtClean="0"/>
-              <a:t>05/03/2023</a:t>
+              <a:t>06/03/2023</a:t>
             </a:fld>
             <a:endParaRPr lang="en-GB"/>
           </a:p>
@@ -515,7 +515,7 @@
           <a:p>
             <a:fld id="{1991B810-A44B-42D8-B2B0-10522A071A3E}" type="slidenum">
               <a:rPr lang="en-GB" smtClean="0"/>
-              <a:t>‹Nr.›</a:t>
+              <a:t>‹#›</a:t>
             </a:fld>
             <a:endParaRPr lang="en-GB"/>
           </a:p>
@@ -671,7 +671,7 @@
           <a:p>
             <a:fld id="{0647E4D3-4269-40FF-ADD2-F433546F1734}" type="datetimeFigureOut">
               <a:rPr lang="en-GB" smtClean="0"/>
-              <a:t>05/03/2023</a:t>
+              <a:t>06/03/2023</a:t>
             </a:fld>
             <a:endParaRPr lang="en-GB"/>
           </a:p>
@@ -725,7 +725,7 @@
           <a:p>
             <a:fld id="{1991B810-A44B-42D8-B2B0-10522A071A3E}" type="slidenum">
               <a:rPr lang="en-GB" smtClean="0"/>
-              <a:t>‹Nr.›</a:t>
+              <a:t>‹#›</a:t>
             </a:fld>
             <a:endParaRPr lang="en-GB"/>
           </a:p>
@@ -871,7 +871,7 @@
           <a:p>
             <a:fld id="{0647E4D3-4269-40FF-ADD2-F433546F1734}" type="datetimeFigureOut">
               <a:rPr lang="en-GB" smtClean="0"/>
-              <a:t>05/03/2023</a:t>
+              <a:t>06/03/2023</a:t>
             </a:fld>
             <a:endParaRPr lang="en-GB"/>
           </a:p>
@@ -925,7 +925,7 @@
           <a:p>
             <a:fld id="{1991B810-A44B-42D8-B2B0-10522A071A3E}" type="slidenum">
               <a:rPr lang="en-GB" smtClean="0"/>
-              <a:t>‹Nr.›</a:t>
+              <a:t>‹#›</a:t>
             </a:fld>
             <a:endParaRPr lang="en-GB"/>
           </a:p>
@@ -1147,7 +1147,7 @@
           <a:p>
             <a:fld id="{0647E4D3-4269-40FF-ADD2-F433546F1734}" type="datetimeFigureOut">
               <a:rPr lang="en-GB" smtClean="0"/>
-              <a:t>05/03/2023</a:t>
+              <a:t>06/03/2023</a:t>
             </a:fld>
             <a:endParaRPr lang="en-GB"/>
           </a:p>
@@ -1201,7 +1201,7 @@
           <a:p>
             <a:fld id="{1991B810-A44B-42D8-B2B0-10522A071A3E}" type="slidenum">
               <a:rPr lang="en-GB" smtClean="0"/>
-              <a:t>‹Nr.›</a:t>
+              <a:t>‹#›</a:t>
             </a:fld>
             <a:endParaRPr lang="en-GB"/>
           </a:p>
@@ -1415,7 +1415,7 @@
           <a:p>
             <a:fld id="{0647E4D3-4269-40FF-ADD2-F433546F1734}" type="datetimeFigureOut">
               <a:rPr lang="en-GB" smtClean="0"/>
-              <a:t>05/03/2023</a:t>
+              <a:t>06/03/2023</a:t>
             </a:fld>
             <a:endParaRPr lang="en-GB"/>
           </a:p>
@@ -1469,7 +1469,7 @@
           <a:p>
             <a:fld id="{1991B810-A44B-42D8-B2B0-10522A071A3E}" type="slidenum">
               <a:rPr lang="en-GB" smtClean="0"/>
-              <a:t>‹Nr.›</a:t>
+              <a:t>‹#›</a:t>
             </a:fld>
             <a:endParaRPr lang="en-GB"/>
           </a:p>
@@ -1830,7 +1830,7 @@
           <a:p>
             <a:fld id="{0647E4D3-4269-40FF-ADD2-F433546F1734}" type="datetimeFigureOut">
               <a:rPr lang="en-GB" smtClean="0"/>
-              <a:t>05/03/2023</a:t>
+              <a:t>06/03/2023</a:t>
             </a:fld>
             <a:endParaRPr lang="en-GB"/>
           </a:p>
@@ -1884,7 +1884,7 @@
           <a:p>
             <a:fld id="{1991B810-A44B-42D8-B2B0-10522A071A3E}" type="slidenum">
               <a:rPr lang="en-GB" smtClean="0"/>
-              <a:t>‹Nr.›</a:t>
+              <a:t>‹#›</a:t>
             </a:fld>
             <a:endParaRPr lang="en-GB"/>
           </a:p>
@@ -1972,7 +1972,7 @@
           <a:p>
             <a:fld id="{0647E4D3-4269-40FF-ADD2-F433546F1734}" type="datetimeFigureOut">
               <a:rPr lang="en-GB" smtClean="0"/>
-              <a:t>05/03/2023</a:t>
+              <a:t>06/03/2023</a:t>
             </a:fld>
             <a:endParaRPr lang="en-GB"/>
           </a:p>
@@ -2026,7 +2026,7 @@
           <a:p>
             <a:fld id="{1991B810-A44B-42D8-B2B0-10522A071A3E}" type="slidenum">
               <a:rPr lang="en-GB" smtClean="0"/>
-              <a:t>‹Nr.›</a:t>
+              <a:t>‹#›</a:t>
             </a:fld>
             <a:endParaRPr lang="en-GB"/>
           </a:p>
@@ -2085,7 +2085,7 @@
           <a:p>
             <a:fld id="{0647E4D3-4269-40FF-ADD2-F433546F1734}" type="datetimeFigureOut">
               <a:rPr lang="en-GB" smtClean="0"/>
-              <a:t>05/03/2023</a:t>
+              <a:t>06/03/2023</a:t>
             </a:fld>
             <a:endParaRPr lang="en-GB"/>
           </a:p>
@@ -2139,7 +2139,7 @@
           <a:p>
             <a:fld id="{1991B810-A44B-42D8-B2B0-10522A071A3E}" type="slidenum">
               <a:rPr lang="en-GB" smtClean="0"/>
-              <a:t>‹Nr.›</a:t>
+              <a:t>‹#›</a:t>
             </a:fld>
             <a:endParaRPr lang="en-GB"/>
           </a:p>
@@ -2398,7 +2398,7 @@
           <a:p>
             <a:fld id="{0647E4D3-4269-40FF-ADD2-F433546F1734}" type="datetimeFigureOut">
               <a:rPr lang="en-GB" smtClean="0"/>
-              <a:t>05/03/2023</a:t>
+              <a:t>06/03/2023</a:t>
             </a:fld>
             <a:endParaRPr lang="en-GB"/>
           </a:p>
@@ -2452,7 +2452,7 @@
           <a:p>
             <a:fld id="{1991B810-A44B-42D8-B2B0-10522A071A3E}" type="slidenum">
               <a:rPr lang="en-GB" smtClean="0"/>
-              <a:t>‹Nr.›</a:t>
+              <a:t>‹#›</a:t>
             </a:fld>
             <a:endParaRPr lang="en-GB"/>
           </a:p>
@@ -2687,7 +2687,7 @@
           <a:p>
             <a:fld id="{0647E4D3-4269-40FF-ADD2-F433546F1734}" type="datetimeFigureOut">
               <a:rPr lang="en-GB" smtClean="0"/>
-              <a:t>05/03/2023</a:t>
+              <a:t>06/03/2023</a:t>
             </a:fld>
             <a:endParaRPr lang="en-GB"/>
           </a:p>
@@ -2741,7 +2741,7 @@
           <a:p>
             <a:fld id="{1991B810-A44B-42D8-B2B0-10522A071A3E}" type="slidenum">
               <a:rPr lang="en-GB" smtClean="0"/>
-              <a:t>‹Nr.›</a:t>
+              <a:t>‹#›</a:t>
             </a:fld>
             <a:endParaRPr lang="en-GB"/>
           </a:p>
@@ -2930,7 +2930,7 @@
           <a:p>
             <a:fld id="{0647E4D3-4269-40FF-ADD2-F433546F1734}" type="datetimeFigureOut">
               <a:rPr lang="en-GB" smtClean="0"/>
-              <a:t>05/03/2023</a:t>
+              <a:t>06/03/2023</a:t>
             </a:fld>
             <a:endParaRPr lang="en-GB"/>
           </a:p>
@@ -3020,7 +3020,7 @@
           <a:p>
             <a:fld id="{1991B810-A44B-42D8-B2B0-10522A071A3E}" type="slidenum">
               <a:rPr lang="en-GB" smtClean="0"/>
-              <a:t>‹Nr.›</a:t>
+              <a:t>‹#›</a:t>
             </a:fld>
             <a:endParaRPr lang="en-GB"/>
           </a:p>
@@ -7636,8 +7636,8 @@
         </p:nvSpPr>
         <p:spPr>
           <a:xfrm>
-            <a:off x="10491068" y="3464469"/>
-            <a:ext cx="1040295" cy="254009"/>
+            <a:off x="10956189" y="3480442"/>
+            <a:ext cx="1039104" cy="254009"/>
           </a:xfrm>
           <a:prstGeom prst="rect">
             <a:avLst/>
@@ -7715,7 +7715,7 @@
         </p:nvCxnSpPr>
         <p:spPr>
           <a:xfrm flipV="1">
-            <a:off x="11094171" y="3734452"/>
+            <a:off x="11303968" y="3730156"/>
             <a:ext cx="0" cy="1566164"/>
           </a:xfrm>
           <a:prstGeom prst="straightConnector1">
@@ -8210,7 +8210,7 @@
         </p:nvSpPr>
         <p:spPr>
           <a:xfrm>
-            <a:off x="8320449" y="3550111"/>
+            <a:off x="8157106" y="3548312"/>
             <a:ext cx="1184217" cy="1206137"/>
           </a:xfrm>
           <a:prstGeom prst="rect">
@@ -8290,7 +8290,7 @@
         <p:spPr>
           <a:xfrm>
             <a:off x="7987917" y="4386563"/>
-            <a:ext cx="325870" cy="0"/>
+            <a:ext cx="166473" cy="0"/>
           </a:xfrm>
           <a:prstGeom prst="straightConnector1">
             <a:avLst/>
@@ -8367,7 +8367,7 @@
         </p:nvSpPr>
         <p:spPr>
           <a:xfrm>
-            <a:off x="9353600" y="3573355"/>
+            <a:off x="9190257" y="3571556"/>
             <a:ext cx="711122" cy="245423"/>
           </a:xfrm>
           <a:prstGeom prst="rect">
@@ -8433,8 +8433,8 @@
         </p:nvCxnSpPr>
         <p:spPr>
           <a:xfrm flipV="1">
-            <a:off x="10890311" y="3734452"/>
-            <a:ext cx="0" cy="427201"/>
+            <a:off x="11122649" y="3734452"/>
+            <a:ext cx="0" cy="1058233"/>
           </a:xfrm>
           <a:prstGeom prst="straightConnector1">
             <a:avLst/>
@@ -8477,8 +8477,8 @@
         </p:nvCxnSpPr>
         <p:spPr>
           <a:xfrm>
-            <a:off x="9504666" y="4151681"/>
-            <a:ext cx="1385645" cy="0"/>
+            <a:off x="10596661" y="4792685"/>
+            <a:ext cx="525988" cy="0"/>
           </a:xfrm>
           <a:prstGeom prst="line">
             <a:avLst/>
@@ -8697,6 +8697,300 @@
           </a:p>
         </p:txBody>
       </p:sp>
+      <p:sp>
+        <p:nvSpPr>
+          <p:cNvPr id="85" name="Rectangle 84">
+            <a:extLst>
+              <a:ext uri="{FF2B5EF4-FFF2-40B4-BE49-F238E27FC236}">
+                <a16:creationId xmlns:a16="http://schemas.microsoft.com/office/drawing/2014/main" id="{7FD2CFEB-2F52-81D4-23AA-A5901108DC0C}"/>
+              </a:ext>
+            </a:extLst>
+          </p:cNvPr>
+          <p:cNvSpPr/>
+          <p:nvPr/>
+        </p:nvSpPr>
+        <p:spPr>
+          <a:xfrm>
+            <a:off x="9768267" y="3927572"/>
+            <a:ext cx="846237" cy="1206137"/>
+          </a:xfrm>
+          <a:prstGeom prst="rect">
+            <a:avLst/>
+          </a:prstGeom>
+          <a:solidFill>
+            <a:schemeClr val="bg1"/>
+          </a:solidFill>
+        </p:spPr>
+        <p:style>
+          <a:lnRef idx="2">
+            <a:schemeClr val="accent1">
+              <a:shade val="50000"/>
+            </a:schemeClr>
+          </a:lnRef>
+          <a:fillRef idx="1">
+            <a:schemeClr val="accent1"/>
+          </a:fillRef>
+          <a:effectRef idx="0">
+            <a:schemeClr val="accent1"/>
+          </a:effectRef>
+          <a:fontRef idx="minor">
+            <a:schemeClr val="lt1"/>
+          </a:fontRef>
+        </p:style>
+        <p:txBody>
+          <a:bodyPr rtlCol="0" anchor="ctr"/>
+          <a:lstStyle/>
+          <a:p>
+            <a:pPr algn="ctr"/>
+            <a:r>
+              <a:rPr lang="en-US" dirty="0">
+                <a:ln w="0"/>
+                <a:solidFill>
+                  <a:schemeClr val="tx1"/>
+                </a:solidFill>
+                <a:effectLst>
+                  <a:outerShdw blurRad="38100" dist="19050" dir="2700000" algn="tl" rotWithShape="0">
+                    <a:schemeClr val="dk1">
+                      <a:alpha val="40000"/>
+                    </a:schemeClr>
+                  </a:outerShdw>
+                </a:effectLst>
+              </a:rPr>
+              <a:t>AXI</a:t>
+            </a:r>
+          </a:p>
+          <a:p>
+            <a:pPr algn="ctr"/>
+            <a:r>
+              <a:rPr lang="en-US" dirty="0">
+                <a:ln w="0"/>
+                <a:solidFill>
+                  <a:schemeClr val="tx1"/>
+                </a:solidFill>
+                <a:effectLst>
+                  <a:outerShdw blurRad="38100" dist="19050" dir="2700000" algn="tl" rotWithShape="0">
+                    <a:schemeClr val="dk1">
+                      <a:alpha val="40000"/>
+                    </a:schemeClr>
+                  </a:outerShdw>
+                </a:effectLst>
+              </a:rPr>
+              <a:t>DMA</a:t>
+            </a:r>
+            <a:endParaRPr lang="en-GB" dirty="0">
+              <a:ln w="0"/>
+              <a:solidFill>
+                <a:schemeClr val="tx1"/>
+              </a:solidFill>
+              <a:effectLst>
+                <a:outerShdw blurRad="38100" dist="19050" dir="2700000" algn="tl" rotWithShape="0">
+                  <a:schemeClr val="dk1">
+                    <a:alpha val="40000"/>
+                  </a:schemeClr>
+                </a:outerShdw>
+              </a:effectLst>
+            </a:endParaRPr>
+          </a:p>
+        </p:txBody>
+      </p:sp>
+      <p:cxnSp>
+        <p:nvCxnSpPr>
+          <p:cNvPr id="88" name="Straight Arrow Connector 87">
+            <a:extLst>
+              <a:ext uri="{FF2B5EF4-FFF2-40B4-BE49-F238E27FC236}">
+                <a16:creationId xmlns:a16="http://schemas.microsoft.com/office/drawing/2014/main" id="{8EB48725-2868-00D6-D730-AD5F1F7D483D}"/>
+              </a:ext>
+            </a:extLst>
+          </p:cNvPr>
+          <p:cNvCxnSpPr>
+            <a:cxnSpLocks/>
+          </p:cNvCxnSpPr>
+          <p:nvPr/>
+        </p:nvCxnSpPr>
+        <p:spPr>
+          <a:xfrm>
+            <a:off x="9340878" y="4386563"/>
+            <a:ext cx="427389" cy="0"/>
+          </a:xfrm>
+          <a:prstGeom prst="straightConnector1">
+            <a:avLst/>
+          </a:prstGeom>
+          <a:ln w="19050">
+            <a:tailEnd type="triangle"/>
+          </a:ln>
+        </p:spPr>
+        <p:style>
+          <a:lnRef idx="1">
+            <a:schemeClr val="accent1"/>
+          </a:lnRef>
+          <a:fillRef idx="0">
+            <a:schemeClr val="accent1"/>
+          </a:fillRef>
+          <a:effectRef idx="0">
+            <a:schemeClr val="accent1"/>
+          </a:effectRef>
+          <a:fontRef idx="minor">
+            <a:schemeClr val="tx1"/>
+          </a:fontRef>
+        </p:style>
+      </p:cxnSp>
+      <p:sp>
+        <p:nvSpPr>
+          <p:cNvPr id="95" name="Rectangle 94">
+            <a:extLst>
+              <a:ext uri="{FF2B5EF4-FFF2-40B4-BE49-F238E27FC236}">
+                <a16:creationId xmlns:a16="http://schemas.microsoft.com/office/drawing/2014/main" id="{3F0E81AC-2D7D-FF2A-5B36-BC6AE7F72EA4}"/>
+              </a:ext>
+            </a:extLst>
+          </p:cNvPr>
+          <p:cNvSpPr/>
+          <p:nvPr/>
+        </p:nvSpPr>
+        <p:spPr>
+          <a:xfrm>
+            <a:off x="10241100" y="3480442"/>
+            <a:ext cx="711122" cy="254009"/>
+          </a:xfrm>
+          <a:prstGeom prst="rect">
+            <a:avLst/>
+          </a:prstGeom>
+          <a:solidFill>
+            <a:schemeClr val="bg1"/>
+          </a:solidFill>
+        </p:spPr>
+        <p:style>
+          <a:lnRef idx="2">
+            <a:schemeClr val="accent1">
+              <a:shade val="50000"/>
+            </a:schemeClr>
+          </a:lnRef>
+          <a:fillRef idx="1">
+            <a:schemeClr val="accent1"/>
+          </a:fillRef>
+          <a:effectRef idx="0">
+            <a:schemeClr val="accent1"/>
+          </a:effectRef>
+          <a:fontRef idx="minor">
+            <a:schemeClr val="lt1"/>
+          </a:fontRef>
+        </p:style>
+        <p:txBody>
+          <a:bodyPr rtlCol="0" anchor="ctr"/>
+          <a:lstStyle/>
+          <a:p>
+            <a:pPr algn="ctr"/>
+            <a:r>
+              <a:rPr lang="en-US" dirty="0">
+                <a:ln w="0"/>
+                <a:solidFill>
+                  <a:schemeClr val="tx1"/>
+                </a:solidFill>
+                <a:effectLst>
+                  <a:outerShdw blurRad="38100" dist="19050" dir="2700000" algn="tl" rotWithShape="0">
+                    <a:schemeClr val="dk1">
+                      <a:alpha val="40000"/>
+                    </a:schemeClr>
+                  </a:outerShdw>
+                </a:effectLst>
+              </a:rPr>
+              <a:t>DMA</a:t>
+            </a:r>
+            <a:endParaRPr lang="en-GB" dirty="0">
+              <a:ln w="0"/>
+              <a:solidFill>
+                <a:schemeClr val="tx1"/>
+              </a:solidFill>
+              <a:effectLst>
+                <a:outerShdw blurRad="38100" dist="19050" dir="2700000" algn="tl" rotWithShape="0">
+                  <a:schemeClr val="dk1">
+                    <a:alpha val="40000"/>
+                  </a:schemeClr>
+                </a:outerShdw>
+              </a:effectLst>
+            </a:endParaRPr>
+          </a:p>
+        </p:txBody>
+      </p:sp>
+      <p:cxnSp>
+        <p:nvCxnSpPr>
+          <p:cNvPr id="97" name="Straight Arrow Connector 96">
+            <a:extLst>
+              <a:ext uri="{FF2B5EF4-FFF2-40B4-BE49-F238E27FC236}">
+                <a16:creationId xmlns:a16="http://schemas.microsoft.com/office/drawing/2014/main" id="{08ED1B61-DA75-ED87-84E7-071097E553FC}"/>
+              </a:ext>
+            </a:extLst>
+          </p:cNvPr>
+          <p:cNvCxnSpPr>
+            <a:cxnSpLocks/>
+          </p:cNvCxnSpPr>
+          <p:nvPr/>
+        </p:nvCxnSpPr>
+        <p:spPr>
+          <a:xfrm flipV="1">
+            <a:off x="10869594" y="3734451"/>
+            <a:ext cx="0" cy="652112"/>
+          </a:xfrm>
+          <a:prstGeom prst="straightConnector1">
+            <a:avLst/>
+          </a:prstGeom>
+          <a:ln w="19050">
+            <a:tailEnd type="triangle"/>
+          </a:ln>
+        </p:spPr>
+        <p:style>
+          <a:lnRef idx="1">
+            <a:schemeClr val="accent1"/>
+          </a:lnRef>
+          <a:fillRef idx="0">
+            <a:schemeClr val="accent1"/>
+          </a:fillRef>
+          <a:effectRef idx="0">
+            <a:schemeClr val="accent1"/>
+          </a:effectRef>
+          <a:fontRef idx="minor">
+            <a:schemeClr val="tx1"/>
+          </a:fontRef>
+        </p:style>
+      </p:cxnSp>
+      <p:cxnSp>
+        <p:nvCxnSpPr>
+          <p:cNvPr id="120" name="Straight Connector 119">
+            <a:extLst>
+              <a:ext uri="{FF2B5EF4-FFF2-40B4-BE49-F238E27FC236}">
+                <a16:creationId xmlns:a16="http://schemas.microsoft.com/office/drawing/2014/main" id="{3CE2EFA2-4FCF-3D8F-2B98-34CC1E146250}"/>
+              </a:ext>
+            </a:extLst>
+          </p:cNvPr>
+          <p:cNvCxnSpPr>
+            <a:cxnSpLocks/>
+          </p:cNvCxnSpPr>
+          <p:nvPr/>
+        </p:nvCxnSpPr>
+        <p:spPr>
+          <a:xfrm>
+            <a:off x="10612644" y="4386563"/>
+            <a:ext cx="254914" cy="0"/>
+          </a:xfrm>
+          <a:prstGeom prst="line">
+            <a:avLst/>
+          </a:prstGeom>
+          <a:ln w="19050"/>
+        </p:spPr>
+        <p:style>
+          <a:lnRef idx="1">
+            <a:schemeClr val="accent1"/>
+          </a:lnRef>
+          <a:fillRef idx="0">
+            <a:schemeClr val="accent1"/>
+          </a:fillRef>
+          <a:effectRef idx="0">
+            <a:schemeClr val="accent1"/>
+          </a:effectRef>
+          <a:fontRef idx="minor">
+            <a:schemeClr val="tx1"/>
+          </a:fontRef>
+        </p:style>
+      </p:cxnSp>
     </p:spTree>
     <p:extLst>
       <p:ext uri="{BB962C8B-B14F-4D97-AF65-F5344CB8AC3E}">

--- a/doc/overview.pptx
+++ b/doc/overview.pptx
@@ -261,7 +261,7 @@
           <a:p>
             <a:fld id="{0647E4D3-4269-40FF-ADD2-F433546F1734}" type="datetimeFigureOut">
               <a:rPr lang="en-GB" smtClean="0"/>
-              <a:t>06/03/2023</a:t>
+              <a:t>10/03/2023</a:t>
             </a:fld>
             <a:endParaRPr lang="en-GB"/>
           </a:p>
@@ -461,7 +461,7 @@
           <a:p>
             <a:fld id="{0647E4D3-4269-40FF-ADD2-F433546F1734}" type="datetimeFigureOut">
               <a:rPr lang="en-GB" smtClean="0"/>
-              <a:t>06/03/2023</a:t>
+              <a:t>10/03/2023</a:t>
             </a:fld>
             <a:endParaRPr lang="en-GB"/>
           </a:p>
@@ -671,7 +671,7 @@
           <a:p>
             <a:fld id="{0647E4D3-4269-40FF-ADD2-F433546F1734}" type="datetimeFigureOut">
               <a:rPr lang="en-GB" smtClean="0"/>
-              <a:t>06/03/2023</a:t>
+              <a:t>10/03/2023</a:t>
             </a:fld>
             <a:endParaRPr lang="en-GB"/>
           </a:p>
@@ -871,7 +871,7 @@
           <a:p>
             <a:fld id="{0647E4D3-4269-40FF-ADD2-F433546F1734}" type="datetimeFigureOut">
               <a:rPr lang="en-GB" smtClean="0"/>
-              <a:t>06/03/2023</a:t>
+              <a:t>10/03/2023</a:t>
             </a:fld>
             <a:endParaRPr lang="en-GB"/>
           </a:p>
@@ -1147,7 +1147,7 @@
           <a:p>
             <a:fld id="{0647E4D3-4269-40FF-ADD2-F433546F1734}" type="datetimeFigureOut">
               <a:rPr lang="en-GB" smtClean="0"/>
-              <a:t>06/03/2023</a:t>
+              <a:t>10/03/2023</a:t>
             </a:fld>
             <a:endParaRPr lang="en-GB"/>
           </a:p>
@@ -1415,7 +1415,7 @@
           <a:p>
             <a:fld id="{0647E4D3-4269-40FF-ADD2-F433546F1734}" type="datetimeFigureOut">
               <a:rPr lang="en-GB" smtClean="0"/>
-              <a:t>06/03/2023</a:t>
+              <a:t>10/03/2023</a:t>
             </a:fld>
             <a:endParaRPr lang="en-GB"/>
           </a:p>
@@ -1830,7 +1830,7 @@
           <a:p>
             <a:fld id="{0647E4D3-4269-40FF-ADD2-F433546F1734}" type="datetimeFigureOut">
               <a:rPr lang="en-GB" smtClean="0"/>
-              <a:t>06/03/2023</a:t>
+              <a:t>10/03/2023</a:t>
             </a:fld>
             <a:endParaRPr lang="en-GB"/>
           </a:p>
@@ -1972,7 +1972,7 @@
           <a:p>
             <a:fld id="{0647E4D3-4269-40FF-ADD2-F433546F1734}" type="datetimeFigureOut">
               <a:rPr lang="en-GB" smtClean="0"/>
-              <a:t>06/03/2023</a:t>
+              <a:t>10/03/2023</a:t>
             </a:fld>
             <a:endParaRPr lang="en-GB"/>
           </a:p>
@@ -2085,7 +2085,7 @@
           <a:p>
             <a:fld id="{0647E4D3-4269-40FF-ADD2-F433546F1734}" type="datetimeFigureOut">
               <a:rPr lang="en-GB" smtClean="0"/>
-              <a:t>06/03/2023</a:t>
+              <a:t>10/03/2023</a:t>
             </a:fld>
             <a:endParaRPr lang="en-GB"/>
           </a:p>
@@ -2398,7 +2398,7 @@
           <a:p>
             <a:fld id="{0647E4D3-4269-40FF-ADD2-F433546F1734}" type="datetimeFigureOut">
               <a:rPr lang="en-GB" smtClean="0"/>
-              <a:t>06/03/2023</a:t>
+              <a:t>10/03/2023</a:t>
             </a:fld>
             <a:endParaRPr lang="en-GB"/>
           </a:p>
@@ -2687,7 +2687,7 @@
           <a:p>
             <a:fld id="{0647E4D3-4269-40FF-ADD2-F433546F1734}" type="datetimeFigureOut">
               <a:rPr lang="en-GB" smtClean="0"/>
-              <a:t>06/03/2023</a:t>
+              <a:t>10/03/2023</a:t>
             </a:fld>
             <a:endParaRPr lang="en-GB"/>
           </a:p>
@@ -2930,7 +2930,7 @@
           <a:p>
             <a:fld id="{0647E4D3-4269-40FF-ADD2-F433546F1734}" type="datetimeFigureOut">
               <a:rPr lang="en-GB" smtClean="0"/>
-              <a:t>06/03/2023</a:t>
+              <a:t>10/03/2023</a:t>
             </a:fld>
             <a:endParaRPr lang="en-GB"/>
           </a:p>
@@ -8434,7 +8434,7 @@
         <p:spPr>
           <a:xfrm flipV="1">
             <a:off x="11122649" y="3734452"/>
-            <a:ext cx="0" cy="1058233"/>
+            <a:ext cx="0" cy="1465953"/>
           </a:xfrm>
           <a:prstGeom prst="straightConnector1">
             <a:avLst/>
@@ -8477,8 +8477,8 @@
         </p:nvCxnSpPr>
         <p:spPr>
           <a:xfrm>
-            <a:off x="10596661" y="4792685"/>
-            <a:ext cx="525988" cy="0"/>
+            <a:off x="9128740" y="5187542"/>
+            <a:ext cx="1993909" cy="0"/>
           </a:xfrm>
           <a:prstGeom prst="line">
             <a:avLst/>
@@ -8756,9 +8756,146 @@
                   </a:outerShdw>
                 </a:effectLst>
               </a:rPr>
-              <a:t>AXI</a:t>
-            </a:r>
-          </a:p>
+              <a:t>DMA</a:t>
+            </a:r>
+          </a:p>
+          <a:p>
+            <a:pPr algn="ctr"/>
+            <a:r>
+              <a:rPr lang="en-US" dirty="0">
+                <a:ln w="0"/>
+                <a:solidFill>
+                  <a:schemeClr val="tx1"/>
+                </a:solidFill>
+                <a:effectLst>
+                  <a:outerShdw blurRad="38100" dist="19050" dir="2700000" algn="tl" rotWithShape="0">
+                    <a:schemeClr val="dk1">
+                      <a:alpha val="40000"/>
+                    </a:schemeClr>
+                  </a:outerShdw>
+                </a:effectLst>
+              </a:rPr>
+              <a:t>ring</a:t>
+            </a:r>
+          </a:p>
+          <a:p>
+            <a:pPr algn="ctr"/>
+            <a:r>
+              <a:rPr lang="en-US" dirty="0">
+                <a:ln w="0"/>
+                <a:solidFill>
+                  <a:schemeClr val="tx1"/>
+                </a:solidFill>
+                <a:effectLst>
+                  <a:outerShdw blurRad="38100" dist="19050" dir="2700000" algn="tl" rotWithShape="0">
+                    <a:schemeClr val="dk1">
+                      <a:alpha val="40000"/>
+                    </a:schemeClr>
+                  </a:outerShdw>
+                </a:effectLst>
+              </a:rPr>
+              <a:t>writer</a:t>
+            </a:r>
+            <a:endParaRPr lang="en-GB" dirty="0">
+              <a:ln w="0"/>
+              <a:solidFill>
+                <a:schemeClr val="tx1"/>
+              </a:solidFill>
+              <a:effectLst>
+                <a:outerShdw blurRad="38100" dist="19050" dir="2700000" algn="tl" rotWithShape="0">
+                  <a:schemeClr val="dk1">
+                    <a:alpha val="40000"/>
+                  </a:schemeClr>
+                </a:outerShdw>
+              </a:effectLst>
+            </a:endParaRPr>
+          </a:p>
+        </p:txBody>
+      </p:sp>
+      <p:cxnSp>
+        <p:nvCxnSpPr>
+          <p:cNvPr id="88" name="Straight Arrow Connector 87">
+            <a:extLst>
+              <a:ext uri="{FF2B5EF4-FFF2-40B4-BE49-F238E27FC236}">
+                <a16:creationId xmlns:a16="http://schemas.microsoft.com/office/drawing/2014/main" id="{8EB48725-2868-00D6-D730-AD5F1F7D483D}"/>
+              </a:ext>
+            </a:extLst>
+          </p:cNvPr>
+          <p:cNvCxnSpPr>
+            <a:cxnSpLocks/>
+          </p:cNvCxnSpPr>
+          <p:nvPr/>
+        </p:nvCxnSpPr>
+        <p:spPr>
+          <a:xfrm>
+            <a:off x="9340878" y="4021180"/>
+            <a:ext cx="427389" cy="0"/>
+          </a:xfrm>
+          <a:prstGeom prst="straightConnector1">
+            <a:avLst/>
+          </a:prstGeom>
+          <a:ln w="19050">
+            <a:tailEnd type="triangle"/>
+          </a:ln>
+        </p:spPr>
+        <p:style>
+          <a:lnRef idx="1">
+            <a:schemeClr val="accent1"/>
+          </a:lnRef>
+          <a:fillRef idx="0">
+            <a:schemeClr val="accent1"/>
+          </a:fillRef>
+          <a:effectRef idx="0">
+            <a:schemeClr val="accent1"/>
+          </a:effectRef>
+          <a:fontRef idx="minor">
+            <a:schemeClr val="tx1"/>
+          </a:fontRef>
+        </p:style>
+      </p:cxnSp>
+      <p:sp>
+        <p:nvSpPr>
+          <p:cNvPr id="95" name="Rectangle 94">
+            <a:extLst>
+              <a:ext uri="{FF2B5EF4-FFF2-40B4-BE49-F238E27FC236}">
+                <a16:creationId xmlns:a16="http://schemas.microsoft.com/office/drawing/2014/main" id="{3F0E81AC-2D7D-FF2A-5B36-BC6AE7F72EA4}"/>
+              </a:ext>
+            </a:extLst>
+          </p:cNvPr>
+          <p:cNvSpPr/>
+          <p:nvPr/>
+        </p:nvSpPr>
+        <p:spPr>
+          <a:xfrm>
+            <a:off x="10241100" y="3480442"/>
+            <a:ext cx="711122" cy="254009"/>
+          </a:xfrm>
+          <a:prstGeom prst="rect">
+            <a:avLst/>
+          </a:prstGeom>
+          <a:solidFill>
+            <a:schemeClr val="bg1"/>
+          </a:solidFill>
+        </p:spPr>
+        <p:style>
+          <a:lnRef idx="2">
+            <a:schemeClr val="accent1">
+              <a:shade val="50000"/>
+            </a:schemeClr>
+          </a:lnRef>
+          <a:fillRef idx="1">
+            <a:schemeClr val="accent1"/>
+          </a:fillRef>
+          <a:effectRef idx="0">
+            <a:schemeClr val="accent1"/>
+          </a:effectRef>
+          <a:fontRef idx="minor">
+            <a:schemeClr val="lt1"/>
+          </a:fontRef>
+        </p:style>
+        <p:txBody>
+          <a:bodyPr rtlCol="0" anchor="ctr"/>
+          <a:lstStyle/>
           <a:p>
             <a:pPr algn="ctr"/>
             <a:r>
@@ -8795,124 +8932,6 @@
       </p:sp>
       <p:cxnSp>
         <p:nvCxnSpPr>
-          <p:cNvPr id="88" name="Straight Arrow Connector 87">
-            <a:extLst>
-              <a:ext uri="{FF2B5EF4-FFF2-40B4-BE49-F238E27FC236}">
-                <a16:creationId xmlns:a16="http://schemas.microsoft.com/office/drawing/2014/main" id="{8EB48725-2868-00D6-D730-AD5F1F7D483D}"/>
-              </a:ext>
-            </a:extLst>
-          </p:cNvPr>
-          <p:cNvCxnSpPr>
-            <a:cxnSpLocks/>
-          </p:cNvCxnSpPr>
-          <p:nvPr/>
-        </p:nvCxnSpPr>
-        <p:spPr>
-          <a:xfrm>
-            <a:off x="9340878" y="4386563"/>
-            <a:ext cx="427389" cy="0"/>
-          </a:xfrm>
-          <a:prstGeom prst="straightConnector1">
-            <a:avLst/>
-          </a:prstGeom>
-          <a:ln w="19050">
-            <a:tailEnd type="triangle"/>
-          </a:ln>
-        </p:spPr>
-        <p:style>
-          <a:lnRef idx="1">
-            <a:schemeClr val="accent1"/>
-          </a:lnRef>
-          <a:fillRef idx="0">
-            <a:schemeClr val="accent1"/>
-          </a:fillRef>
-          <a:effectRef idx="0">
-            <a:schemeClr val="accent1"/>
-          </a:effectRef>
-          <a:fontRef idx="minor">
-            <a:schemeClr val="tx1"/>
-          </a:fontRef>
-        </p:style>
-      </p:cxnSp>
-      <p:sp>
-        <p:nvSpPr>
-          <p:cNvPr id="95" name="Rectangle 94">
-            <a:extLst>
-              <a:ext uri="{FF2B5EF4-FFF2-40B4-BE49-F238E27FC236}">
-                <a16:creationId xmlns:a16="http://schemas.microsoft.com/office/drawing/2014/main" id="{3F0E81AC-2D7D-FF2A-5B36-BC6AE7F72EA4}"/>
-              </a:ext>
-            </a:extLst>
-          </p:cNvPr>
-          <p:cNvSpPr/>
-          <p:nvPr/>
-        </p:nvSpPr>
-        <p:spPr>
-          <a:xfrm>
-            <a:off x="10241100" y="3480442"/>
-            <a:ext cx="711122" cy="254009"/>
-          </a:xfrm>
-          <a:prstGeom prst="rect">
-            <a:avLst/>
-          </a:prstGeom>
-          <a:solidFill>
-            <a:schemeClr val="bg1"/>
-          </a:solidFill>
-        </p:spPr>
-        <p:style>
-          <a:lnRef idx="2">
-            <a:schemeClr val="accent1">
-              <a:shade val="50000"/>
-            </a:schemeClr>
-          </a:lnRef>
-          <a:fillRef idx="1">
-            <a:schemeClr val="accent1"/>
-          </a:fillRef>
-          <a:effectRef idx="0">
-            <a:schemeClr val="accent1"/>
-          </a:effectRef>
-          <a:fontRef idx="minor">
-            <a:schemeClr val="lt1"/>
-          </a:fontRef>
-        </p:style>
-        <p:txBody>
-          <a:bodyPr rtlCol="0" anchor="ctr"/>
-          <a:lstStyle/>
-          <a:p>
-            <a:pPr algn="ctr"/>
-            <a:r>
-              <a:rPr lang="en-US" dirty="0">
-                <a:ln w="0"/>
-                <a:solidFill>
-                  <a:schemeClr val="tx1"/>
-                </a:solidFill>
-                <a:effectLst>
-                  <a:outerShdw blurRad="38100" dist="19050" dir="2700000" algn="tl" rotWithShape="0">
-                    <a:schemeClr val="dk1">
-                      <a:alpha val="40000"/>
-                    </a:schemeClr>
-                  </a:outerShdw>
-                </a:effectLst>
-              </a:rPr>
-              <a:t>DMA</a:t>
-            </a:r>
-            <a:endParaRPr lang="en-GB" dirty="0">
-              <a:ln w="0"/>
-              <a:solidFill>
-                <a:schemeClr val="tx1"/>
-              </a:solidFill>
-              <a:effectLst>
-                <a:outerShdw blurRad="38100" dist="19050" dir="2700000" algn="tl" rotWithShape="0">
-                  <a:schemeClr val="dk1">
-                    <a:alpha val="40000"/>
-                  </a:schemeClr>
-                </a:outerShdw>
-              </a:effectLst>
-            </a:endParaRPr>
-          </a:p>
-        </p:txBody>
-      </p:sp>
-      <p:cxnSp>
-        <p:nvCxnSpPr>
           <p:cNvPr id="97" name="Straight Arrow Connector 96">
             <a:extLst>
               <a:ext uri="{FF2B5EF4-FFF2-40B4-BE49-F238E27FC236}">
@@ -8975,6 +8994,325 @@
             <a:avLst/>
           </a:prstGeom>
           <a:ln w="19050"/>
+        </p:spPr>
+        <p:style>
+          <a:lnRef idx="1">
+            <a:schemeClr val="accent1"/>
+          </a:lnRef>
+          <a:fillRef idx="0">
+            <a:schemeClr val="accent1"/>
+          </a:fillRef>
+          <a:effectRef idx="0">
+            <a:schemeClr val="accent1"/>
+          </a:effectRef>
+          <a:fontRef idx="minor">
+            <a:schemeClr val="tx1"/>
+          </a:fontRef>
+        </p:style>
+      </p:cxnSp>
+      <p:cxnSp>
+        <p:nvCxnSpPr>
+          <p:cNvPr id="77" name="Straight Arrow Connector 20">
+            <a:extLst>
+              <a:ext uri="{FF2B5EF4-FFF2-40B4-BE49-F238E27FC236}">
+                <a16:creationId xmlns:a16="http://schemas.microsoft.com/office/drawing/2014/main" id="{A7B6674E-E841-D5C4-11CB-5ED846D42A8F}"/>
+              </a:ext>
+            </a:extLst>
+          </p:cNvPr>
+          <p:cNvCxnSpPr>
+            <a:cxnSpLocks/>
+          </p:cNvCxnSpPr>
+          <p:nvPr/>
+        </p:nvCxnSpPr>
+        <p:spPr>
+          <a:xfrm flipH="1">
+            <a:off x="9340877" y="4274203"/>
+            <a:ext cx="427389" cy="0"/>
+          </a:xfrm>
+          <a:prstGeom prst="straightConnector1">
+            <a:avLst/>
+          </a:prstGeom>
+          <a:ln w="19050">
+            <a:solidFill>
+              <a:srgbClr val="FFC000"/>
+            </a:solidFill>
+            <a:tailEnd type="triangle"/>
+          </a:ln>
+        </p:spPr>
+        <p:style>
+          <a:lnRef idx="1">
+            <a:schemeClr val="accent1"/>
+          </a:lnRef>
+          <a:fillRef idx="0">
+            <a:schemeClr val="accent1"/>
+          </a:fillRef>
+          <a:effectRef idx="0">
+            <a:schemeClr val="accent1"/>
+          </a:effectRef>
+          <a:fontRef idx="minor">
+            <a:schemeClr val="tx1"/>
+          </a:fontRef>
+        </p:style>
+      </p:cxnSp>
+      <p:sp>
+        <p:nvSpPr>
+          <p:cNvPr id="90" name="TextBox 61">
+            <a:extLst>
+              <a:ext uri="{FF2B5EF4-FFF2-40B4-BE49-F238E27FC236}">
+                <a16:creationId xmlns:a16="http://schemas.microsoft.com/office/drawing/2014/main" id="{C36139DA-5B3D-F08A-4DA2-85A99AD70C6B}"/>
+              </a:ext>
+            </a:extLst>
+          </p:cNvPr>
+          <p:cNvSpPr txBox="1"/>
+          <p:nvPr/>
+        </p:nvSpPr>
+        <p:spPr>
+          <a:xfrm>
+            <a:off x="9331088" y="4047388"/>
+            <a:ext cx="472052" cy="276999"/>
+          </a:xfrm>
+          <a:prstGeom prst="rect">
+            <a:avLst/>
+          </a:prstGeom>
+          <a:noFill/>
+        </p:spPr>
+        <p:txBody>
+          <a:bodyPr wrap="none" rtlCol="0">
+            <a:spAutoFit/>
+          </a:bodyPr>
+          <a:lstStyle/>
+          <a:p>
+            <a:r>
+              <a:rPr lang="en-US" sz="1200" dirty="0"/>
+              <a:t>busy</a:t>
+            </a:r>
+            <a:endParaRPr lang="en-GB" sz="1200" dirty="0"/>
+          </a:p>
+        </p:txBody>
+      </p:sp>
+      <p:sp>
+        <p:nvSpPr>
+          <p:cNvPr id="104" name="TextBox 61">
+            <a:extLst>
+              <a:ext uri="{FF2B5EF4-FFF2-40B4-BE49-F238E27FC236}">
+                <a16:creationId xmlns:a16="http://schemas.microsoft.com/office/drawing/2014/main" id="{F1D18C40-6A99-D79A-A3FD-69FCFF2D05F9}"/>
+              </a:ext>
+            </a:extLst>
+          </p:cNvPr>
+          <p:cNvSpPr txBox="1"/>
+          <p:nvPr/>
+        </p:nvSpPr>
+        <p:spPr>
+          <a:xfrm>
+            <a:off x="9288354" y="3783274"/>
+            <a:ext cx="511743" cy="276999"/>
+          </a:xfrm>
+          <a:prstGeom prst="rect">
+            <a:avLst/>
+          </a:prstGeom>
+          <a:noFill/>
+        </p:spPr>
+        <p:txBody>
+          <a:bodyPr wrap="none" rtlCol="0">
+            <a:spAutoFit/>
+          </a:bodyPr>
+          <a:lstStyle/>
+          <a:p>
+            <a:r>
+              <a:rPr lang="en-US" sz="1200" dirty="0" err="1"/>
+              <a:t>bram</a:t>
+            </a:r>
+            <a:endParaRPr lang="en-GB" sz="1200" dirty="0"/>
+          </a:p>
+        </p:txBody>
+      </p:sp>
+      <p:cxnSp>
+        <p:nvCxnSpPr>
+          <p:cNvPr id="113" name="Straight Arrow Connector 20">
+            <a:extLst>
+              <a:ext uri="{FF2B5EF4-FFF2-40B4-BE49-F238E27FC236}">
+                <a16:creationId xmlns:a16="http://schemas.microsoft.com/office/drawing/2014/main" id="{F226AD09-F49E-3CB3-8EBB-06E12CD56757}"/>
+              </a:ext>
+            </a:extLst>
+          </p:cNvPr>
+          <p:cNvCxnSpPr>
+            <a:cxnSpLocks/>
+          </p:cNvCxnSpPr>
+          <p:nvPr/>
+        </p:nvCxnSpPr>
+        <p:spPr>
+          <a:xfrm>
+            <a:off x="9340877" y="4712178"/>
+            <a:ext cx="420559" cy="0"/>
+          </a:xfrm>
+          <a:prstGeom prst="straightConnector1">
+            <a:avLst/>
+          </a:prstGeom>
+          <a:ln w="19050">
+            <a:solidFill>
+              <a:srgbClr val="FFC000"/>
+            </a:solidFill>
+            <a:tailEnd type="triangle"/>
+          </a:ln>
+        </p:spPr>
+        <p:style>
+          <a:lnRef idx="1">
+            <a:schemeClr val="accent1"/>
+          </a:lnRef>
+          <a:fillRef idx="0">
+            <a:schemeClr val="accent1"/>
+          </a:fillRef>
+          <a:effectRef idx="0">
+            <a:schemeClr val="accent1"/>
+          </a:effectRef>
+          <a:fontRef idx="minor">
+            <a:schemeClr val="tx1"/>
+          </a:fontRef>
+        </p:style>
+      </p:cxnSp>
+      <p:sp>
+        <p:nvSpPr>
+          <p:cNvPr id="122" name="TextBox 61">
+            <a:extLst>
+              <a:ext uri="{FF2B5EF4-FFF2-40B4-BE49-F238E27FC236}">
+                <a16:creationId xmlns:a16="http://schemas.microsoft.com/office/drawing/2014/main" id="{F2AA49FE-A637-12F4-00C8-557DC515E9F2}"/>
+              </a:ext>
+            </a:extLst>
+          </p:cNvPr>
+          <p:cNvSpPr txBox="1"/>
+          <p:nvPr/>
+        </p:nvSpPr>
+        <p:spPr>
+          <a:xfrm>
+            <a:off x="9304477" y="4496141"/>
+            <a:ext cx="471219" cy="276999"/>
+          </a:xfrm>
+          <a:prstGeom prst="rect">
+            <a:avLst/>
+          </a:prstGeom>
+          <a:noFill/>
+        </p:spPr>
+        <p:txBody>
+          <a:bodyPr wrap="none" rtlCol="0">
+            <a:spAutoFit/>
+          </a:bodyPr>
+          <a:lstStyle/>
+          <a:p>
+            <a:r>
+              <a:rPr lang="en-US" sz="1200" dirty="0"/>
+              <a:t>start</a:t>
+            </a:r>
+            <a:endParaRPr lang="en-GB" sz="1200" dirty="0"/>
+          </a:p>
+        </p:txBody>
+      </p:sp>
+      <p:cxnSp>
+        <p:nvCxnSpPr>
+          <p:cNvPr id="126" name="Straight Arrow Connector 20">
+            <a:extLst>
+              <a:ext uri="{FF2B5EF4-FFF2-40B4-BE49-F238E27FC236}">
+                <a16:creationId xmlns:a16="http://schemas.microsoft.com/office/drawing/2014/main" id="{0FABC181-EE53-2D02-455D-60B36FCA70C5}"/>
+              </a:ext>
+            </a:extLst>
+          </p:cNvPr>
+          <p:cNvCxnSpPr>
+            <a:cxnSpLocks/>
+          </p:cNvCxnSpPr>
+          <p:nvPr/>
+        </p:nvCxnSpPr>
+        <p:spPr>
+          <a:xfrm flipH="1">
+            <a:off x="9338898" y="4485980"/>
+            <a:ext cx="427389" cy="0"/>
+          </a:xfrm>
+          <a:prstGeom prst="straightConnector1">
+            <a:avLst/>
+          </a:prstGeom>
+          <a:ln w="19050">
+            <a:solidFill>
+              <a:srgbClr val="FFC000"/>
+            </a:solidFill>
+            <a:tailEnd type="triangle"/>
+          </a:ln>
+        </p:spPr>
+        <p:style>
+          <a:lnRef idx="1">
+            <a:schemeClr val="accent1"/>
+          </a:lnRef>
+          <a:fillRef idx="0">
+            <a:schemeClr val="accent1"/>
+          </a:fillRef>
+          <a:effectRef idx="0">
+            <a:schemeClr val="accent1"/>
+          </a:effectRef>
+          <a:fontRef idx="minor">
+            <a:schemeClr val="tx1"/>
+          </a:fontRef>
+        </p:style>
+      </p:cxnSp>
+      <p:sp>
+        <p:nvSpPr>
+          <p:cNvPr id="128" name="TextBox 61">
+            <a:extLst>
+              <a:ext uri="{FF2B5EF4-FFF2-40B4-BE49-F238E27FC236}">
+                <a16:creationId xmlns:a16="http://schemas.microsoft.com/office/drawing/2014/main" id="{18D3C681-6AB0-F48C-A581-B2A5278D2294}"/>
+              </a:ext>
+            </a:extLst>
+          </p:cNvPr>
+          <p:cNvSpPr txBox="1"/>
+          <p:nvPr/>
+        </p:nvSpPr>
+        <p:spPr>
+          <a:xfrm>
+            <a:off x="9350610" y="4258233"/>
+            <a:ext cx="502061" cy="276999"/>
+          </a:xfrm>
+          <a:prstGeom prst="rect">
+            <a:avLst/>
+          </a:prstGeom>
+          <a:noFill/>
+        </p:spPr>
+        <p:txBody>
+          <a:bodyPr wrap="none" rtlCol="0">
+            <a:spAutoFit/>
+          </a:bodyPr>
+          <a:lstStyle/>
+          <a:p>
+            <a:r>
+              <a:rPr lang="en-US" sz="1200" dirty="0"/>
+              <a:t>ring#</a:t>
+            </a:r>
+            <a:endParaRPr lang="en-GB" sz="1200" dirty="0"/>
+          </a:p>
+        </p:txBody>
+      </p:sp>
+      <p:cxnSp>
+        <p:nvCxnSpPr>
+          <p:cNvPr id="131" name="Straight Connector 23">
+            <a:extLst>
+              <a:ext uri="{FF2B5EF4-FFF2-40B4-BE49-F238E27FC236}">
+                <a16:creationId xmlns:a16="http://schemas.microsoft.com/office/drawing/2014/main" id="{EA16D8FE-6771-F09C-1B6E-814CEF06747D}"/>
+              </a:ext>
+            </a:extLst>
+          </p:cNvPr>
+          <p:cNvCxnSpPr>
+            <a:cxnSpLocks/>
+          </p:cNvCxnSpPr>
+          <p:nvPr/>
+        </p:nvCxnSpPr>
+        <p:spPr>
+          <a:xfrm flipV="1">
+            <a:off x="9128740" y="4754449"/>
+            <a:ext cx="0" cy="444282"/>
+          </a:xfrm>
+          <a:prstGeom prst="line">
+            <a:avLst/>
+          </a:prstGeom>
+          <a:ln w="19050">
+            <a:solidFill>
+              <a:schemeClr val="tx1"/>
+            </a:solidFill>
+          </a:ln>
         </p:spPr>
         <p:style>
           <a:lnRef idx="1">

--- a/doc/overview.pptx
+++ b/doc/overview.pptx
@@ -8828,7 +8828,7 @@
         </p:nvCxnSpPr>
         <p:spPr>
           <a:xfrm>
-            <a:off x="9340878" y="4021180"/>
+            <a:off x="9340878" y="4087593"/>
             <a:ext cx="427389" cy="0"/>
           </a:xfrm>
           <a:prstGeom prst="straightConnector1">
@@ -9026,7 +9026,7 @@
         </p:nvCxnSpPr>
         <p:spPr>
           <a:xfrm flipH="1">
-            <a:off x="9340877" y="4274203"/>
+            <a:off x="9332123" y="4351201"/>
             <a:ext cx="427389" cy="0"/>
           </a:xfrm>
           <a:prstGeom prst="straightConnector1">
@@ -9068,8 +9068,8 @@
         </p:nvSpPr>
         <p:spPr>
           <a:xfrm>
-            <a:off x="9331088" y="4047388"/>
-            <a:ext cx="472052" cy="276999"/>
+            <a:off x="9279523" y="4095752"/>
+            <a:ext cx="557973" cy="276999"/>
           </a:xfrm>
           <a:prstGeom prst="rect">
             <a:avLst/>
@@ -9084,43 +9084,7 @@
           <a:p>
             <a:r>
               <a:rPr lang="en-US" sz="1200" dirty="0"/>
-              <a:t>busy</a:t>
-            </a:r>
-            <a:endParaRPr lang="en-GB" sz="1200" dirty="0"/>
-          </a:p>
-        </p:txBody>
-      </p:sp>
-      <p:sp>
-        <p:nvSpPr>
-          <p:cNvPr id="104" name="TextBox 61">
-            <a:extLst>
-              <a:ext uri="{FF2B5EF4-FFF2-40B4-BE49-F238E27FC236}">
-                <a16:creationId xmlns:a16="http://schemas.microsoft.com/office/drawing/2014/main" id="{F1D18C40-6A99-D79A-A3FD-69FCFF2D05F9}"/>
-              </a:ext>
-            </a:extLst>
-          </p:cNvPr>
-          <p:cNvSpPr txBox="1"/>
-          <p:nvPr/>
-        </p:nvSpPr>
-        <p:spPr>
-          <a:xfrm>
-            <a:off x="9288354" y="3783274"/>
-            <a:ext cx="511743" cy="276999"/>
-          </a:xfrm>
-          <a:prstGeom prst="rect">
-            <a:avLst/>
-          </a:prstGeom>
-          <a:noFill/>
-        </p:spPr>
-        <p:txBody>
-          <a:bodyPr wrap="none" rtlCol="0">
-            <a:spAutoFit/>
-          </a:bodyPr>
-          <a:lstStyle/>
-          <a:p>
-            <a:r>
-              <a:rPr lang="en-US" sz="1200" dirty="0" err="1"/>
-              <a:t>bram</a:t>
+              <a:t>status</a:t>
             </a:r>
             <a:endParaRPr lang="en-GB" sz="1200" dirty="0"/>
           </a:p>
@@ -9142,7 +9106,7 @@
         </p:nvCxnSpPr>
         <p:spPr>
           <a:xfrm>
-            <a:off x="9340877" y="4712178"/>
+            <a:off x="9344292" y="4610132"/>
             <a:ext cx="420559" cy="0"/>
           </a:xfrm>
           <a:prstGeom prst="straightConnector1">
@@ -9184,7 +9148,7 @@
         </p:nvSpPr>
         <p:spPr>
           <a:xfrm>
-            <a:off x="9304477" y="4496141"/>
+            <a:off x="9290064" y="4375123"/>
             <a:ext cx="471219" cy="276999"/>
           </a:xfrm>
           <a:prstGeom prst="rect">
@@ -9201,86 +9165,6 @@
             <a:r>
               <a:rPr lang="en-US" sz="1200" dirty="0"/>
               <a:t>start</a:t>
-            </a:r>
-            <a:endParaRPr lang="en-GB" sz="1200" dirty="0"/>
-          </a:p>
-        </p:txBody>
-      </p:sp>
-      <p:cxnSp>
-        <p:nvCxnSpPr>
-          <p:cNvPr id="126" name="Straight Arrow Connector 20">
-            <a:extLst>
-              <a:ext uri="{FF2B5EF4-FFF2-40B4-BE49-F238E27FC236}">
-                <a16:creationId xmlns:a16="http://schemas.microsoft.com/office/drawing/2014/main" id="{0FABC181-EE53-2D02-455D-60B36FCA70C5}"/>
-              </a:ext>
-            </a:extLst>
-          </p:cNvPr>
-          <p:cNvCxnSpPr>
-            <a:cxnSpLocks/>
-          </p:cNvCxnSpPr>
-          <p:nvPr/>
-        </p:nvCxnSpPr>
-        <p:spPr>
-          <a:xfrm flipH="1">
-            <a:off x="9338898" y="4485980"/>
-            <a:ext cx="427389" cy="0"/>
-          </a:xfrm>
-          <a:prstGeom prst="straightConnector1">
-            <a:avLst/>
-          </a:prstGeom>
-          <a:ln w="19050">
-            <a:solidFill>
-              <a:srgbClr val="FFC000"/>
-            </a:solidFill>
-            <a:tailEnd type="triangle"/>
-          </a:ln>
-        </p:spPr>
-        <p:style>
-          <a:lnRef idx="1">
-            <a:schemeClr val="accent1"/>
-          </a:lnRef>
-          <a:fillRef idx="0">
-            <a:schemeClr val="accent1"/>
-          </a:fillRef>
-          <a:effectRef idx="0">
-            <a:schemeClr val="accent1"/>
-          </a:effectRef>
-          <a:fontRef idx="minor">
-            <a:schemeClr val="tx1"/>
-          </a:fontRef>
-        </p:style>
-      </p:cxnSp>
-      <p:sp>
-        <p:nvSpPr>
-          <p:cNvPr id="128" name="TextBox 61">
-            <a:extLst>
-              <a:ext uri="{FF2B5EF4-FFF2-40B4-BE49-F238E27FC236}">
-                <a16:creationId xmlns:a16="http://schemas.microsoft.com/office/drawing/2014/main" id="{18D3C681-6AB0-F48C-A581-B2A5278D2294}"/>
-              </a:ext>
-            </a:extLst>
-          </p:cNvPr>
-          <p:cNvSpPr txBox="1"/>
-          <p:nvPr/>
-        </p:nvSpPr>
-        <p:spPr>
-          <a:xfrm>
-            <a:off x="9350610" y="4258233"/>
-            <a:ext cx="502061" cy="276999"/>
-          </a:xfrm>
-          <a:prstGeom prst="rect">
-            <a:avLst/>
-          </a:prstGeom>
-          <a:noFill/>
-        </p:spPr>
-        <p:txBody>
-          <a:bodyPr wrap="none" rtlCol="0">
-            <a:spAutoFit/>
-          </a:bodyPr>
-          <a:lstStyle/>
-          <a:p>
-            <a:r>
-              <a:rPr lang="en-US" sz="1200" dirty="0"/>
-              <a:t>ring#</a:t>
             </a:r>
             <a:endParaRPr lang="en-GB" sz="1200" dirty="0"/>
           </a:p>

--- a/doc/overview.pptx
+++ b/doc/overview.pptx
@@ -261,7 +261,7 @@
           <a:p>
             <a:fld id="{0647E4D3-4269-40FF-ADD2-F433546F1734}" type="datetimeFigureOut">
               <a:rPr lang="en-GB" smtClean="0"/>
-              <a:t>10/03/2023</a:t>
+              <a:t>11/03/2023</a:t>
             </a:fld>
             <a:endParaRPr lang="en-GB"/>
           </a:p>
@@ -315,7 +315,7 @@
           <a:p>
             <a:fld id="{1991B810-A44B-42D8-B2B0-10522A071A3E}" type="slidenum">
               <a:rPr lang="en-GB" smtClean="0"/>
-              <a:t>‹#›</a:t>
+              <a:t>‹Nr.›</a:t>
             </a:fld>
             <a:endParaRPr lang="en-GB"/>
           </a:p>
@@ -461,7 +461,7 @@
           <a:p>
             <a:fld id="{0647E4D3-4269-40FF-ADD2-F433546F1734}" type="datetimeFigureOut">
               <a:rPr lang="en-GB" smtClean="0"/>
-              <a:t>10/03/2023</a:t>
+              <a:t>11/03/2023</a:t>
             </a:fld>
             <a:endParaRPr lang="en-GB"/>
           </a:p>
@@ -515,7 +515,7 @@
           <a:p>
             <a:fld id="{1991B810-A44B-42D8-B2B0-10522A071A3E}" type="slidenum">
               <a:rPr lang="en-GB" smtClean="0"/>
-              <a:t>‹#›</a:t>
+              <a:t>‹Nr.›</a:t>
             </a:fld>
             <a:endParaRPr lang="en-GB"/>
           </a:p>
@@ -671,7 +671,7 @@
           <a:p>
             <a:fld id="{0647E4D3-4269-40FF-ADD2-F433546F1734}" type="datetimeFigureOut">
               <a:rPr lang="en-GB" smtClean="0"/>
-              <a:t>10/03/2023</a:t>
+              <a:t>11/03/2023</a:t>
             </a:fld>
             <a:endParaRPr lang="en-GB"/>
           </a:p>
@@ -725,7 +725,7 @@
           <a:p>
             <a:fld id="{1991B810-A44B-42D8-B2B0-10522A071A3E}" type="slidenum">
               <a:rPr lang="en-GB" smtClean="0"/>
-              <a:t>‹#›</a:t>
+              <a:t>‹Nr.›</a:t>
             </a:fld>
             <a:endParaRPr lang="en-GB"/>
           </a:p>
@@ -871,7 +871,7 @@
           <a:p>
             <a:fld id="{0647E4D3-4269-40FF-ADD2-F433546F1734}" type="datetimeFigureOut">
               <a:rPr lang="en-GB" smtClean="0"/>
-              <a:t>10/03/2023</a:t>
+              <a:t>11/03/2023</a:t>
             </a:fld>
             <a:endParaRPr lang="en-GB"/>
           </a:p>
@@ -925,7 +925,7 @@
           <a:p>
             <a:fld id="{1991B810-A44B-42D8-B2B0-10522A071A3E}" type="slidenum">
               <a:rPr lang="en-GB" smtClean="0"/>
-              <a:t>‹#›</a:t>
+              <a:t>‹Nr.›</a:t>
             </a:fld>
             <a:endParaRPr lang="en-GB"/>
           </a:p>
@@ -1147,7 +1147,7 @@
           <a:p>
             <a:fld id="{0647E4D3-4269-40FF-ADD2-F433546F1734}" type="datetimeFigureOut">
               <a:rPr lang="en-GB" smtClean="0"/>
-              <a:t>10/03/2023</a:t>
+              <a:t>11/03/2023</a:t>
             </a:fld>
             <a:endParaRPr lang="en-GB"/>
           </a:p>
@@ -1201,7 +1201,7 @@
           <a:p>
             <a:fld id="{1991B810-A44B-42D8-B2B0-10522A071A3E}" type="slidenum">
               <a:rPr lang="en-GB" smtClean="0"/>
-              <a:t>‹#›</a:t>
+              <a:t>‹Nr.›</a:t>
             </a:fld>
             <a:endParaRPr lang="en-GB"/>
           </a:p>
@@ -1415,7 +1415,7 @@
           <a:p>
             <a:fld id="{0647E4D3-4269-40FF-ADD2-F433546F1734}" type="datetimeFigureOut">
               <a:rPr lang="en-GB" smtClean="0"/>
-              <a:t>10/03/2023</a:t>
+              <a:t>11/03/2023</a:t>
             </a:fld>
             <a:endParaRPr lang="en-GB"/>
           </a:p>
@@ -1469,7 +1469,7 @@
           <a:p>
             <a:fld id="{1991B810-A44B-42D8-B2B0-10522A071A3E}" type="slidenum">
               <a:rPr lang="en-GB" smtClean="0"/>
-              <a:t>‹#›</a:t>
+              <a:t>‹Nr.›</a:t>
             </a:fld>
             <a:endParaRPr lang="en-GB"/>
           </a:p>
@@ -1830,7 +1830,7 @@
           <a:p>
             <a:fld id="{0647E4D3-4269-40FF-ADD2-F433546F1734}" type="datetimeFigureOut">
               <a:rPr lang="en-GB" smtClean="0"/>
-              <a:t>10/03/2023</a:t>
+              <a:t>11/03/2023</a:t>
             </a:fld>
             <a:endParaRPr lang="en-GB"/>
           </a:p>
@@ -1884,7 +1884,7 @@
           <a:p>
             <a:fld id="{1991B810-A44B-42D8-B2B0-10522A071A3E}" type="slidenum">
               <a:rPr lang="en-GB" smtClean="0"/>
-              <a:t>‹#›</a:t>
+              <a:t>‹Nr.›</a:t>
             </a:fld>
             <a:endParaRPr lang="en-GB"/>
           </a:p>
@@ -1972,7 +1972,7 @@
           <a:p>
             <a:fld id="{0647E4D3-4269-40FF-ADD2-F433546F1734}" type="datetimeFigureOut">
               <a:rPr lang="en-GB" smtClean="0"/>
-              <a:t>10/03/2023</a:t>
+              <a:t>11/03/2023</a:t>
             </a:fld>
             <a:endParaRPr lang="en-GB"/>
           </a:p>
@@ -2026,7 +2026,7 @@
           <a:p>
             <a:fld id="{1991B810-A44B-42D8-B2B0-10522A071A3E}" type="slidenum">
               <a:rPr lang="en-GB" smtClean="0"/>
-              <a:t>‹#›</a:t>
+              <a:t>‹Nr.›</a:t>
             </a:fld>
             <a:endParaRPr lang="en-GB"/>
           </a:p>
@@ -2085,7 +2085,7 @@
           <a:p>
             <a:fld id="{0647E4D3-4269-40FF-ADD2-F433546F1734}" type="datetimeFigureOut">
               <a:rPr lang="en-GB" smtClean="0"/>
-              <a:t>10/03/2023</a:t>
+              <a:t>11/03/2023</a:t>
             </a:fld>
             <a:endParaRPr lang="en-GB"/>
           </a:p>
@@ -2139,7 +2139,7 @@
           <a:p>
             <a:fld id="{1991B810-A44B-42D8-B2B0-10522A071A3E}" type="slidenum">
               <a:rPr lang="en-GB" smtClean="0"/>
-              <a:t>‹#›</a:t>
+              <a:t>‹Nr.›</a:t>
             </a:fld>
             <a:endParaRPr lang="en-GB"/>
           </a:p>
@@ -2398,7 +2398,7 @@
           <a:p>
             <a:fld id="{0647E4D3-4269-40FF-ADD2-F433546F1734}" type="datetimeFigureOut">
               <a:rPr lang="en-GB" smtClean="0"/>
-              <a:t>10/03/2023</a:t>
+              <a:t>11/03/2023</a:t>
             </a:fld>
             <a:endParaRPr lang="en-GB"/>
           </a:p>
@@ -2452,7 +2452,7 @@
           <a:p>
             <a:fld id="{1991B810-A44B-42D8-B2B0-10522A071A3E}" type="slidenum">
               <a:rPr lang="en-GB" smtClean="0"/>
-              <a:t>‹#›</a:t>
+              <a:t>‹Nr.›</a:t>
             </a:fld>
             <a:endParaRPr lang="en-GB"/>
           </a:p>
@@ -2687,7 +2687,7 @@
           <a:p>
             <a:fld id="{0647E4D3-4269-40FF-ADD2-F433546F1734}" type="datetimeFigureOut">
               <a:rPr lang="en-GB" smtClean="0"/>
-              <a:t>10/03/2023</a:t>
+              <a:t>11/03/2023</a:t>
             </a:fld>
             <a:endParaRPr lang="en-GB"/>
           </a:p>
@@ -2741,7 +2741,7 @@
           <a:p>
             <a:fld id="{1991B810-A44B-42D8-B2B0-10522A071A3E}" type="slidenum">
               <a:rPr lang="en-GB" smtClean="0"/>
-              <a:t>‹#›</a:t>
+              <a:t>‹Nr.›</a:t>
             </a:fld>
             <a:endParaRPr lang="en-GB"/>
           </a:p>
@@ -2930,7 +2930,7 @@
           <a:p>
             <a:fld id="{0647E4D3-4269-40FF-ADD2-F433546F1734}" type="datetimeFigureOut">
               <a:rPr lang="en-GB" smtClean="0"/>
-              <a:t>10/03/2023</a:t>
+              <a:t>11/03/2023</a:t>
             </a:fld>
             <a:endParaRPr lang="en-GB"/>
           </a:p>
@@ -3020,7 +3020,7 @@
           <a:p>
             <a:fld id="{1991B810-A44B-42D8-B2B0-10522A071A3E}" type="slidenum">
               <a:rPr lang="en-GB" smtClean="0"/>
-              <a:t>‹#›</a:t>
+              <a:t>‹Nr.›</a:t>
             </a:fld>
             <a:endParaRPr lang="en-GB"/>
           </a:p>
@@ -7715,7 +7715,7 @@
         </p:nvCxnSpPr>
         <p:spPr>
           <a:xfrm flipV="1">
-            <a:off x="11303968" y="3730156"/>
+            <a:off x="11384619" y="3732136"/>
             <a:ext cx="0" cy="1566164"/>
           </a:xfrm>
           <a:prstGeom prst="straightConnector1">
@@ -8433,7 +8433,7 @@
         </p:nvCxnSpPr>
         <p:spPr>
           <a:xfrm flipV="1">
-            <a:off x="11122649" y="3734452"/>
+            <a:off x="11296820" y="3733018"/>
             <a:ext cx="0" cy="1465953"/>
           </a:xfrm>
           <a:prstGeom prst="straightConnector1">
@@ -8478,7 +8478,7 @@
         <p:spPr>
           <a:xfrm>
             <a:off x="9128740" y="5187542"/>
-            <a:ext cx="1993909" cy="0"/>
+            <a:ext cx="2168080" cy="0"/>
           </a:xfrm>
           <a:prstGeom prst="line">
             <a:avLst/>
@@ -8743,6 +8743,155 @@
           <a:p>
             <a:pPr algn="ctr"/>
             <a:r>
+              <a:rPr lang="en-US">
+                <a:ln w="0"/>
+                <a:solidFill>
+                  <a:schemeClr val="tx1"/>
+                </a:solidFill>
+                <a:effectLst>
+                  <a:outerShdw blurRad="38100" dist="19050" dir="2700000" algn="tl" rotWithShape="0">
+                    <a:schemeClr val="dk1">
+                      <a:alpha val="40000"/>
+                    </a:schemeClr>
+                  </a:outerShdw>
+                </a:effectLst>
+              </a:rPr>
+              <a:t>AXI</a:t>
+            </a:r>
+            <a:br>
+              <a:rPr lang="en-US">
+                <a:ln w="0"/>
+                <a:solidFill>
+                  <a:schemeClr val="tx1"/>
+                </a:solidFill>
+                <a:effectLst>
+                  <a:outerShdw blurRad="38100" dist="19050" dir="2700000" algn="tl" rotWithShape="0">
+                    <a:schemeClr val="dk1">
+                      <a:alpha val="40000"/>
+                    </a:schemeClr>
+                  </a:outerShdw>
+                </a:effectLst>
+              </a:rPr>
+            </a:br>
+            <a:r>
+              <a:rPr lang="en-US">
+                <a:ln w="0"/>
+                <a:solidFill>
+                  <a:schemeClr val="tx1"/>
+                </a:solidFill>
+                <a:effectLst>
+                  <a:outerShdw blurRad="38100" dist="19050" dir="2700000" algn="tl" rotWithShape="0">
+                    <a:schemeClr val="dk1">
+                      <a:alpha val="40000"/>
+                    </a:schemeClr>
+                  </a:outerShdw>
+                </a:effectLst>
+              </a:rPr>
+              <a:t>DMAC</a:t>
+            </a:r>
+            <a:endParaRPr lang="en-GB" dirty="0">
+              <a:ln w="0"/>
+              <a:solidFill>
+                <a:schemeClr val="tx1"/>
+              </a:solidFill>
+              <a:effectLst>
+                <a:outerShdw blurRad="38100" dist="19050" dir="2700000" algn="tl" rotWithShape="0">
+                  <a:schemeClr val="dk1">
+                    <a:alpha val="40000"/>
+                  </a:schemeClr>
+                </a:outerShdw>
+              </a:effectLst>
+            </a:endParaRPr>
+          </a:p>
+        </p:txBody>
+      </p:sp>
+      <p:cxnSp>
+        <p:nvCxnSpPr>
+          <p:cNvPr id="88" name="Straight Arrow Connector 87">
+            <a:extLst>
+              <a:ext uri="{FF2B5EF4-FFF2-40B4-BE49-F238E27FC236}">
+                <a16:creationId xmlns:a16="http://schemas.microsoft.com/office/drawing/2014/main" id="{8EB48725-2868-00D6-D730-AD5F1F7D483D}"/>
+              </a:ext>
+            </a:extLst>
+          </p:cNvPr>
+          <p:cNvCxnSpPr>
+            <a:cxnSpLocks/>
+          </p:cNvCxnSpPr>
+          <p:nvPr/>
+        </p:nvCxnSpPr>
+        <p:spPr>
+          <a:xfrm>
+            <a:off x="9340878" y="4377169"/>
+            <a:ext cx="427389" cy="0"/>
+          </a:xfrm>
+          <a:prstGeom prst="straightConnector1">
+            <a:avLst/>
+          </a:prstGeom>
+          <a:ln w="19050">
+            <a:tailEnd type="triangle"/>
+          </a:ln>
+        </p:spPr>
+        <p:style>
+          <a:lnRef idx="1">
+            <a:schemeClr val="accent1"/>
+          </a:lnRef>
+          <a:fillRef idx="0">
+            <a:schemeClr val="accent1"/>
+          </a:fillRef>
+          <a:effectRef idx="0">
+            <a:schemeClr val="accent1"/>
+          </a:effectRef>
+          <a:fontRef idx="minor">
+            <a:schemeClr val="tx1"/>
+          </a:fontRef>
+        </p:style>
+      </p:cxnSp>
+      <p:sp>
+        <p:nvSpPr>
+          <p:cNvPr id="95" name="Rectangle 94">
+            <a:extLst>
+              <a:ext uri="{FF2B5EF4-FFF2-40B4-BE49-F238E27FC236}">
+                <a16:creationId xmlns:a16="http://schemas.microsoft.com/office/drawing/2014/main" id="{3F0E81AC-2D7D-FF2A-5B36-BC6AE7F72EA4}"/>
+              </a:ext>
+            </a:extLst>
+          </p:cNvPr>
+          <p:cNvSpPr/>
+          <p:nvPr/>
+        </p:nvSpPr>
+        <p:spPr>
+          <a:xfrm>
+            <a:off x="10241100" y="3480442"/>
+            <a:ext cx="711122" cy="254009"/>
+          </a:xfrm>
+          <a:prstGeom prst="rect">
+            <a:avLst/>
+          </a:prstGeom>
+          <a:solidFill>
+            <a:schemeClr val="bg1"/>
+          </a:solidFill>
+        </p:spPr>
+        <p:style>
+          <a:lnRef idx="2">
+            <a:schemeClr val="accent1">
+              <a:shade val="50000"/>
+            </a:schemeClr>
+          </a:lnRef>
+          <a:fillRef idx="1">
+            <a:schemeClr val="accent1"/>
+          </a:fillRef>
+          <a:effectRef idx="0">
+            <a:schemeClr val="accent1"/>
+          </a:effectRef>
+          <a:fontRef idx="minor">
+            <a:schemeClr val="lt1"/>
+          </a:fontRef>
+        </p:style>
+        <p:txBody>
+          <a:bodyPr rtlCol="0" anchor="ctr"/>
+          <a:lstStyle/>
+          <a:p>
+            <a:pPr algn="ctr"/>
+            <a:r>
               <a:rPr lang="en-US" dirty="0">
                 <a:ln w="0"/>
                 <a:solidFill>
@@ -8758,44 +8907,6 @@
               </a:rPr>
               <a:t>DMA</a:t>
             </a:r>
-          </a:p>
-          <a:p>
-            <a:pPr algn="ctr"/>
-            <a:r>
-              <a:rPr lang="en-US" dirty="0">
-                <a:ln w="0"/>
-                <a:solidFill>
-                  <a:schemeClr val="tx1"/>
-                </a:solidFill>
-                <a:effectLst>
-                  <a:outerShdw blurRad="38100" dist="19050" dir="2700000" algn="tl" rotWithShape="0">
-                    <a:schemeClr val="dk1">
-                      <a:alpha val="40000"/>
-                    </a:schemeClr>
-                  </a:outerShdw>
-                </a:effectLst>
-              </a:rPr>
-              <a:t>ring</a:t>
-            </a:r>
-          </a:p>
-          <a:p>
-            <a:pPr algn="ctr"/>
-            <a:r>
-              <a:rPr lang="en-US" dirty="0">
-                <a:ln w="0"/>
-                <a:solidFill>
-                  <a:schemeClr val="tx1"/>
-                </a:solidFill>
-                <a:effectLst>
-                  <a:outerShdw blurRad="38100" dist="19050" dir="2700000" algn="tl" rotWithShape="0">
-                    <a:schemeClr val="dk1">
-                      <a:alpha val="40000"/>
-                    </a:schemeClr>
-                  </a:outerShdw>
-                </a:effectLst>
-              </a:rPr>
-              <a:t>writer</a:t>
-            </a:r>
             <a:endParaRPr lang="en-GB" dirty="0">
               <a:ln w="0"/>
               <a:solidFill>
@@ -8814,124 +8925,6 @@
       </p:sp>
       <p:cxnSp>
         <p:nvCxnSpPr>
-          <p:cNvPr id="88" name="Straight Arrow Connector 87">
-            <a:extLst>
-              <a:ext uri="{FF2B5EF4-FFF2-40B4-BE49-F238E27FC236}">
-                <a16:creationId xmlns:a16="http://schemas.microsoft.com/office/drawing/2014/main" id="{8EB48725-2868-00D6-D730-AD5F1F7D483D}"/>
-              </a:ext>
-            </a:extLst>
-          </p:cNvPr>
-          <p:cNvCxnSpPr>
-            <a:cxnSpLocks/>
-          </p:cNvCxnSpPr>
-          <p:nvPr/>
-        </p:nvCxnSpPr>
-        <p:spPr>
-          <a:xfrm>
-            <a:off x="9340878" y="4087593"/>
-            <a:ext cx="427389" cy="0"/>
-          </a:xfrm>
-          <a:prstGeom prst="straightConnector1">
-            <a:avLst/>
-          </a:prstGeom>
-          <a:ln w="19050">
-            <a:tailEnd type="triangle"/>
-          </a:ln>
-        </p:spPr>
-        <p:style>
-          <a:lnRef idx="1">
-            <a:schemeClr val="accent1"/>
-          </a:lnRef>
-          <a:fillRef idx="0">
-            <a:schemeClr val="accent1"/>
-          </a:fillRef>
-          <a:effectRef idx="0">
-            <a:schemeClr val="accent1"/>
-          </a:effectRef>
-          <a:fontRef idx="minor">
-            <a:schemeClr val="tx1"/>
-          </a:fontRef>
-        </p:style>
-      </p:cxnSp>
-      <p:sp>
-        <p:nvSpPr>
-          <p:cNvPr id="95" name="Rectangle 94">
-            <a:extLst>
-              <a:ext uri="{FF2B5EF4-FFF2-40B4-BE49-F238E27FC236}">
-                <a16:creationId xmlns:a16="http://schemas.microsoft.com/office/drawing/2014/main" id="{3F0E81AC-2D7D-FF2A-5B36-BC6AE7F72EA4}"/>
-              </a:ext>
-            </a:extLst>
-          </p:cNvPr>
-          <p:cNvSpPr/>
-          <p:nvPr/>
-        </p:nvSpPr>
-        <p:spPr>
-          <a:xfrm>
-            <a:off x="10241100" y="3480442"/>
-            <a:ext cx="711122" cy="254009"/>
-          </a:xfrm>
-          <a:prstGeom prst="rect">
-            <a:avLst/>
-          </a:prstGeom>
-          <a:solidFill>
-            <a:schemeClr val="bg1"/>
-          </a:solidFill>
-        </p:spPr>
-        <p:style>
-          <a:lnRef idx="2">
-            <a:schemeClr val="accent1">
-              <a:shade val="50000"/>
-            </a:schemeClr>
-          </a:lnRef>
-          <a:fillRef idx="1">
-            <a:schemeClr val="accent1"/>
-          </a:fillRef>
-          <a:effectRef idx="0">
-            <a:schemeClr val="accent1"/>
-          </a:effectRef>
-          <a:fontRef idx="minor">
-            <a:schemeClr val="lt1"/>
-          </a:fontRef>
-        </p:style>
-        <p:txBody>
-          <a:bodyPr rtlCol="0" anchor="ctr"/>
-          <a:lstStyle/>
-          <a:p>
-            <a:pPr algn="ctr"/>
-            <a:r>
-              <a:rPr lang="en-US" dirty="0">
-                <a:ln w="0"/>
-                <a:solidFill>
-                  <a:schemeClr val="tx1"/>
-                </a:solidFill>
-                <a:effectLst>
-                  <a:outerShdw blurRad="38100" dist="19050" dir="2700000" algn="tl" rotWithShape="0">
-                    <a:schemeClr val="dk1">
-                      <a:alpha val="40000"/>
-                    </a:schemeClr>
-                  </a:outerShdw>
-                </a:effectLst>
-              </a:rPr>
-              <a:t>DMA</a:t>
-            </a:r>
-            <a:endParaRPr lang="en-GB" dirty="0">
-              <a:ln w="0"/>
-              <a:solidFill>
-                <a:schemeClr val="tx1"/>
-              </a:solidFill>
-              <a:effectLst>
-                <a:outerShdw blurRad="38100" dist="19050" dir="2700000" algn="tl" rotWithShape="0">
-                  <a:schemeClr val="dk1">
-                    <a:alpha val="40000"/>
-                  </a:schemeClr>
-                </a:outerShdw>
-              </a:effectLst>
-            </a:endParaRPr>
-          </a:p>
-        </p:txBody>
-      </p:sp>
-      <p:cxnSp>
-        <p:nvCxnSpPr>
           <p:cNvPr id="97" name="Straight Arrow Connector 96">
             <a:extLst>
               <a:ext uri="{FF2B5EF4-FFF2-40B4-BE49-F238E27FC236}">
@@ -9012,10 +9005,10 @@
       </p:cxnSp>
       <p:cxnSp>
         <p:nvCxnSpPr>
-          <p:cNvPr id="77" name="Straight Arrow Connector 20">
-            <a:extLst>
-              <a:ext uri="{FF2B5EF4-FFF2-40B4-BE49-F238E27FC236}">
-                <a16:creationId xmlns:a16="http://schemas.microsoft.com/office/drawing/2014/main" id="{A7B6674E-E841-D5C4-11CB-5ED846D42A8F}"/>
+          <p:cNvPr id="131" name="Straight Connector 23">
+            <a:extLst>
+              <a:ext uri="{FF2B5EF4-FFF2-40B4-BE49-F238E27FC236}">
+                <a16:creationId xmlns:a16="http://schemas.microsoft.com/office/drawing/2014/main" id="{EA16D8FE-6771-F09C-1B6E-814CEF06747D}"/>
               </a:ext>
             </a:extLst>
           </p:cNvPr>
@@ -9025,18 +9018,17 @@
           <p:nvPr/>
         </p:nvCxnSpPr>
         <p:spPr>
-          <a:xfrm flipH="1">
-            <a:off x="9332123" y="4351201"/>
-            <a:ext cx="427389" cy="0"/>
-          </a:xfrm>
-          <a:prstGeom prst="straightConnector1">
+          <a:xfrm flipV="1">
+            <a:off x="9128740" y="4754449"/>
+            <a:ext cx="0" cy="444282"/>
+          </a:xfrm>
+          <a:prstGeom prst="line">
             <a:avLst/>
           </a:prstGeom>
           <a:ln w="19050">
             <a:solidFill>
-              <a:srgbClr val="FFC000"/>
+              <a:schemeClr val="tx1"/>
             </a:solidFill>
-            <a:tailEnd type="triangle"/>
           </a:ln>
         </p:spPr>
         <p:style>
@@ -9056,10 +9048,10 @@
       </p:cxnSp>
       <p:sp>
         <p:nvSpPr>
-          <p:cNvPr id="90" name="TextBox 61">
-            <a:extLst>
-              <a:ext uri="{FF2B5EF4-FFF2-40B4-BE49-F238E27FC236}">
-                <a16:creationId xmlns:a16="http://schemas.microsoft.com/office/drawing/2014/main" id="{C36139DA-5B3D-F08A-4DA2-85A99AD70C6B}"/>
+          <p:cNvPr id="79" name="TextBox 33">
+            <a:extLst>
+              <a:ext uri="{FF2B5EF4-FFF2-40B4-BE49-F238E27FC236}">
+                <a16:creationId xmlns:a16="http://schemas.microsoft.com/office/drawing/2014/main" id="{FDED0430-0EED-79E2-5308-B4EB2D8E6593}"/>
               </a:ext>
             </a:extLst>
           </p:cNvPr>
@@ -9068,8 +9060,8 @@
         </p:nvSpPr>
         <p:spPr>
           <a:xfrm>
-            <a:off x="9279523" y="4095752"/>
-            <a:ext cx="557973" cy="276999"/>
+            <a:off x="9297835" y="4351201"/>
+            <a:ext cx="513474" cy="276999"/>
           </a:xfrm>
           <a:prstGeom prst="rect">
             <a:avLst/>
@@ -9083,8 +9075,8 @@
           <a:lstStyle/>
           <a:p>
             <a:r>
-              <a:rPr lang="en-US" sz="1200" dirty="0"/>
-              <a:t>status</a:t>
+              <a:rPr lang="en-US" sz="1200"/>
+              <a:t>(axis)</a:t>
             </a:r>
             <a:endParaRPr lang="en-GB" sz="1200" dirty="0"/>
           </a:p>
@@ -9092,10 +9084,10 @@
       </p:sp>
       <p:cxnSp>
         <p:nvCxnSpPr>
-          <p:cNvPr id="113" name="Straight Arrow Connector 20">
-            <a:extLst>
-              <a:ext uri="{FF2B5EF4-FFF2-40B4-BE49-F238E27FC236}">
-                <a16:creationId xmlns:a16="http://schemas.microsoft.com/office/drawing/2014/main" id="{F226AD09-F49E-3CB3-8EBB-06E12CD56757}"/>
+          <p:cNvPr id="89" name="Straight Arrow Connector 60">
+            <a:extLst>
+              <a:ext uri="{FF2B5EF4-FFF2-40B4-BE49-F238E27FC236}">
+                <a16:creationId xmlns:a16="http://schemas.microsoft.com/office/drawing/2014/main" id="{6CE07976-B119-0315-46CB-029098D10154}"/>
               </a:ext>
             </a:extLst>
           </p:cNvPr>
@@ -9105,16 +9097,16 @@
           <p:nvPr/>
         </p:nvCxnSpPr>
         <p:spPr>
-          <a:xfrm>
-            <a:off x="9344292" y="4610132"/>
-            <a:ext cx="420559" cy="0"/>
+          <a:xfrm flipH="1" flipV="1">
+            <a:off x="11199838" y="3732778"/>
+            <a:ext cx="7474" cy="1010482"/>
           </a:xfrm>
           <a:prstGeom prst="straightConnector1">
             <a:avLst/>
           </a:prstGeom>
           <a:ln w="19050">
             <a:solidFill>
-              <a:srgbClr val="FFC000"/>
+              <a:schemeClr val="tx1"/>
             </a:solidFill>
             <a:tailEnd type="triangle"/>
           </a:ln>
@@ -9134,48 +9126,12 @@
           </a:fontRef>
         </p:style>
       </p:cxnSp>
-      <p:sp>
-        <p:nvSpPr>
-          <p:cNvPr id="122" name="TextBox 61">
-            <a:extLst>
-              <a:ext uri="{FF2B5EF4-FFF2-40B4-BE49-F238E27FC236}">
-                <a16:creationId xmlns:a16="http://schemas.microsoft.com/office/drawing/2014/main" id="{F2AA49FE-A637-12F4-00C8-557DC515E9F2}"/>
-              </a:ext>
-            </a:extLst>
-          </p:cNvPr>
-          <p:cNvSpPr txBox="1"/>
-          <p:nvPr/>
-        </p:nvSpPr>
-        <p:spPr>
-          <a:xfrm>
-            <a:off x="9290064" y="4375123"/>
-            <a:ext cx="471219" cy="276999"/>
-          </a:xfrm>
-          <a:prstGeom prst="rect">
-            <a:avLst/>
-          </a:prstGeom>
-          <a:noFill/>
-        </p:spPr>
-        <p:txBody>
-          <a:bodyPr wrap="none" rtlCol="0">
-            <a:spAutoFit/>
-          </a:bodyPr>
-          <a:lstStyle/>
-          <a:p>
-            <a:r>
-              <a:rPr lang="en-US" sz="1200" dirty="0"/>
-              <a:t>start</a:t>
-            </a:r>
-            <a:endParaRPr lang="en-GB" sz="1200" dirty="0"/>
-          </a:p>
-        </p:txBody>
-      </p:sp>
       <p:cxnSp>
         <p:nvCxnSpPr>
-          <p:cNvPr id="131" name="Straight Connector 23">
-            <a:extLst>
-              <a:ext uri="{FF2B5EF4-FFF2-40B4-BE49-F238E27FC236}">
-                <a16:creationId xmlns:a16="http://schemas.microsoft.com/office/drawing/2014/main" id="{EA16D8FE-6771-F09C-1B6E-814CEF06747D}"/>
+          <p:cNvPr id="92" name="Straight Connector 23">
+            <a:extLst>
+              <a:ext uri="{FF2B5EF4-FFF2-40B4-BE49-F238E27FC236}">
+                <a16:creationId xmlns:a16="http://schemas.microsoft.com/office/drawing/2014/main" id="{8477971B-2019-1B2C-1240-9D83A5DE78CB}"/>
               </a:ext>
             </a:extLst>
           </p:cNvPr>
@@ -9185,9 +9141,9 @@
           <p:nvPr/>
         </p:nvCxnSpPr>
         <p:spPr>
-          <a:xfrm flipV="1">
-            <a:off x="9128740" y="4754449"/>
-            <a:ext cx="0" cy="444282"/>
+          <a:xfrm>
+            <a:off x="10612644" y="4735704"/>
+            <a:ext cx="587194" cy="0"/>
           </a:xfrm>
           <a:prstGeom prst="line">
             <a:avLst/>

--- a/doc/overview.pptx
+++ b/doc/overview.pptx
@@ -261,7 +261,7 @@
           <a:p>
             <a:fld id="{0647E4D3-4269-40FF-ADD2-F433546F1734}" type="datetimeFigureOut">
               <a:rPr lang="en-GB" smtClean="0"/>
-              <a:t>11/03/2023</a:t>
+              <a:t>05/05/2023</a:t>
             </a:fld>
             <a:endParaRPr lang="en-GB"/>
           </a:p>
@@ -315,7 +315,7 @@
           <a:p>
             <a:fld id="{1991B810-A44B-42D8-B2B0-10522A071A3E}" type="slidenum">
               <a:rPr lang="en-GB" smtClean="0"/>
-              <a:t>‹Nr.›</a:t>
+              <a:t>‹#›</a:t>
             </a:fld>
             <a:endParaRPr lang="en-GB"/>
           </a:p>
@@ -461,7 +461,7 @@
           <a:p>
             <a:fld id="{0647E4D3-4269-40FF-ADD2-F433546F1734}" type="datetimeFigureOut">
               <a:rPr lang="en-GB" smtClean="0"/>
-              <a:t>11/03/2023</a:t>
+              <a:t>05/05/2023</a:t>
             </a:fld>
             <a:endParaRPr lang="en-GB"/>
           </a:p>
@@ -515,7 +515,7 @@
           <a:p>
             <a:fld id="{1991B810-A44B-42D8-B2B0-10522A071A3E}" type="slidenum">
               <a:rPr lang="en-GB" smtClean="0"/>
-              <a:t>‹Nr.›</a:t>
+              <a:t>‹#›</a:t>
             </a:fld>
             <a:endParaRPr lang="en-GB"/>
           </a:p>
@@ -671,7 +671,7 @@
           <a:p>
             <a:fld id="{0647E4D3-4269-40FF-ADD2-F433546F1734}" type="datetimeFigureOut">
               <a:rPr lang="en-GB" smtClean="0"/>
-              <a:t>11/03/2023</a:t>
+              <a:t>05/05/2023</a:t>
             </a:fld>
             <a:endParaRPr lang="en-GB"/>
           </a:p>
@@ -725,7 +725,7 @@
           <a:p>
             <a:fld id="{1991B810-A44B-42D8-B2B0-10522A071A3E}" type="slidenum">
               <a:rPr lang="en-GB" smtClean="0"/>
-              <a:t>‹Nr.›</a:t>
+              <a:t>‹#›</a:t>
             </a:fld>
             <a:endParaRPr lang="en-GB"/>
           </a:p>
@@ -871,7 +871,7 @@
           <a:p>
             <a:fld id="{0647E4D3-4269-40FF-ADD2-F433546F1734}" type="datetimeFigureOut">
               <a:rPr lang="en-GB" smtClean="0"/>
-              <a:t>11/03/2023</a:t>
+              <a:t>05/05/2023</a:t>
             </a:fld>
             <a:endParaRPr lang="en-GB"/>
           </a:p>
@@ -925,7 +925,7 @@
           <a:p>
             <a:fld id="{1991B810-A44B-42D8-B2B0-10522A071A3E}" type="slidenum">
               <a:rPr lang="en-GB" smtClean="0"/>
-              <a:t>‹Nr.›</a:t>
+              <a:t>‹#›</a:t>
             </a:fld>
             <a:endParaRPr lang="en-GB"/>
           </a:p>
@@ -1147,7 +1147,7 @@
           <a:p>
             <a:fld id="{0647E4D3-4269-40FF-ADD2-F433546F1734}" type="datetimeFigureOut">
               <a:rPr lang="en-GB" smtClean="0"/>
-              <a:t>11/03/2023</a:t>
+              <a:t>05/05/2023</a:t>
             </a:fld>
             <a:endParaRPr lang="en-GB"/>
           </a:p>
@@ -1201,7 +1201,7 @@
           <a:p>
             <a:fld id="{1991B810-A44B-42D8-B2B0-10522A071A3E}" type="slidenum">
               <a:rPr lang="en-GB" smtClean="0"/>
-              <a:t>‹Nr.›</a:t>
+              <a:t>‹#›</a:t>
             </a:fld>
             <a:endParaRPr lang="en-GB"/>
           </a:p>
@@ -1415,7 +1415,7 @@
           <a:p>
             <a:fld id="{0647E4D3-4269-40FF-ADD2-F433546F1734}" type="datetimeFigureOut">
               <a:rPr lang="en-GB" smtClean="0"/>
-              <a:t>11/03/2023</a:t>
+              <a:t>05/05/2023</a:t>
             </a:fld>
             <a:endParaRPr lang="en-GB"/>
           </a:p>
@@ -1469,7 +1469,7 @@
           <a:p>
             <a:fld id="{1991B810-A44B-42D8-B2B0-10522A071A3E}" type="slidenum">
               <a:rPr lang="en-GB" smtClean="0"/>
-              <a:t>‹Nr.›</a:t>
+              <a:t>‹#›</a:t>
             </a:fld>
             <a:endParaRPr lang="en-GB"/>
           </a:p>
@@ -1830,7 +1830,7 @@
           <a:p>
             <a:fld id="{0647E4D3-4269-40FF-ADD2-F433546F1734}" type="datetimeFigureOut">
               <a:rPr lang="en-GB" smtClean="0"/>
-              <a:t>11/03/2023</a:t>
+              <a:t>05/05/2023</a:t>
             </a:fld>
             <a:endParaRPr lang="en-GB"/>
           </a:p>
@@ -1884,7 +1884,7 @@
           <a:p>
             <a:fld id="{1991B810-A44B-42D8-B2B0-10522A071A3E}" type="slidenum">
               <a:rPr lang="en-GB" smtClean="0"/>
-              <a:t>‹Nr.›</a:t>
+              <a:t>‹#›</a:t>
             </a:fld>
             <a:endParaRPr lang="en-GB"/>
           </a:p>
@@ -1972,7 +1972,7 @@
           <a:p>
             <a:fld id="{0647E4D3-4269-40FF-ADD2-F433546F1734}" type="datetimeFigureOut">
               <a:rPr lang="en-GB" smtClean="0"/>
-              <a:t>11/03/2023</a:t>
+              <a:t>05/05/2023</a:t>
             </a:fld>
             <a:endParaRPr lang="en-GB"/>
           </a:p>
@@ -2026,7 +2026,7 @@
           <a:p>
             <a:fld id="{1991B810-A44B-42D8-B2B0-10522A071A3E}" type="slidenum">
               <a:rPr lang="en-GB" smtClean="0"/>
-              <a:t>‹Nr.›</a:t>
+              <a:t>‹#›</a:t>
             </a:fld>
             <a:endParaRPr lang="en-GB"/>
           </a:p>
@@ -2085,7 +2085,7 @@
           <a:p>
             <a:fld id="{0647E4D3-4269-40FF-ADD2-F433546F1734}" type="datetimeFigureOut">
               <a:rPr lang="en-GB" smtClean="0"/>
-              <a:t>11/03/2023</a:t>
+              <a:t>05/05/2023</a:t>
             </a:fld>
             <a:endParaRPr lang="en-GB"/>
           </a:p>
@@ -2139,7 +2139,7 @@
           <a:p>
             <a:fld id="{1991B810-A44B-42D8-B2B0-10522A071A3E}" type="slidenum">
               <a:rPr lang="en-GB" smtClean="0"/>
-              <a:t>‹Nr.›</a:t>
+              <a:t>‹#›</a:t>
             </a:fld>
             <a:endParaRPr lang="en-GB"/>
           </a:p>
@@ -2398,7 +2398,7 @@
           <a:p>
             <a:fld id="{0647E4D3-4269-40FF-ADD2-F433546F1734}" type="datetimeFigureOut">
               <a:rPr lang="en-GB" smtClean="0"/>
-              <a:t>11/03/2023</a:t>
+              <a:t>05/05/2023</a:t>
             </a:fld>
             <a:endParaRPr lang="en-GB"/>
           </a:p>
@@ -2452,7 +2452,7 @@
           <a:p>
             <a:fld id="{1991B810-A44B-42D8-B2B0-10522A071A3E}" type="slidenum">
               <a:rPr lang="en-GB" smtClean="0"/>
-              <a:t>‹Nr.›</a:t>
+              <a:t>‹#›</a:t>
             </a:fld>
             <a:endParaRPr lang="en-GB"/>
           </a:p>
@@ -2687,7 +2687,7 @@
           <a:p>
             <a:fld id="{0647E4D3-4269-40FF-ADD2-F433546F1734}" type="datetimeFigureOut">
               <a:rPr lang="en-GB" smtClean="0"/>
-              <a:t>11/03/2023</a:t>
+              <a:t>05/05/2023</a:t>
             </a:fld>
             <a:endParaRPr lang="en-GB"/>
           </a:p>
@@ -2741,7 +2741,7 @@
           <a:p>
             <a:fld id="{1991B810-A44B-42D8-B2B0-10522A071A3E}" type="slidenum">
               <a:rPr lang="en-GB" smtClean="0"/>
-              <a:t>‹Nr.›</a:t>
+              <a:t>‹#›</a:t>
             </a:fld>
             <a:endParaRPr lang="en-GB"/>
           </a:p>
@@ -2930,7 +2930,7 @@
           <a:p>
             <a:fld id="{0647E4D3-4269-40FF-ADD2-F433546F1734}" type="datetimeFigureOut">
               <a:rPr lang="en-GB" smtClean="0"/>
-              <a:t>11/03/2023</a:t>
+              <a:t>05/05/2023</a:t>
             </a:fld>
             <a:endParaRPr lang="en-GB"/>
           </a:p>
@@ -3020,7 +3020,7 @@
           <a:p>
             <a:fld id="{1991B810-A44B-42D8-B2B0-10522A071A3E}" type="slidenum">
               <a:rPr lang="en-GB" smtClean="0"/>
-              <a:t>‹Nr.›</a:t>
+              <a:t>‹#›</a:t>
             </a:fld>
             <a:endParaRPr lang="en-GB"/>
           </a:p>
@@ -4423,7 +4423,7 @@
         <p:spPr>
           <a:xfrm>
             <a:off x="7513646" y="3072947"/>
-            <a:ext cx="0" cy="464177"/>
+            <a:ext cx="0" cy="330620"/>
           </a:xfrm>
           <a:prstGeom prst="straightConnector1">
             <a:avLst/>
@@ -4432,7 +4432,7 @@
             <a:solidFill>
               <a:srgbClr val="00B050"/>
             </a:solidFill>
-            <a:tailEnd type="triangle"/>
+            <a:tailEnd type="none"/>
           </a:ln>
         </p:spPr>
         <p:style>
@@ -4464,7 +4464,7 @@
         </p:nvSpPr>
         <p:spPr>
           <a:xfrm>
-            <a:off x="7479250" y="3113617"/>
+            <a:off x="7479304" y="3118303"/>
             <a:ext cx="631904" cy="276999"/>
           </a:xfrm>
           <a:prstGeom prst="rect">
@@ -9169,6 +9169,258 @@
           </a:fontRef>
         </p:style>
       </p:cxnSp>
+      <p:cxnSp>
+        <p:nvCxnSpPr>
+          <p:cNvPr id="90" name="Straight Connector 23">
+            <a:extLst>
+              <a:ext uri="{FF2B5EF4-FFF2-40B4-BE49-F238E27FC236}">
+                <a16:creationId xmlns:a16="http://schemas.microsoft.com/office/drawing/2014/main" id="{F5CAFAF7-74AB-BE7F-400C-2AB9BE46FA7D}"/>
+              </a:ext>
+            </a:extLst>
+          </p:cNvPr>
+          <p:cNvCxnSpPr>
+            <a:cxnSpLocks/>
+          </p:cNvCxnSpPr>
+          <p:nvPr/>
+        </p:nvCxnSpPr>
+        <p:spPr>
+          <a:xfrm>
+            <a:off x="4473149" y="4971935"/>
+            <a:ext cx="1779560" cy="0"/>
+          </a:xfrm>
+          <a:prstGeom prst="line">
+            <a:avLst/>
+          </a:prstGeom>
+          <a:ln w="19050">
+            <a:solidFill>
+              <a:srgbClr val="00B050"/>
+            </a:solidFill>
+          </a:ln>
+        </p:spPr>
+        <p:style>
+          <a:lnRef idx="1">
+            <a:schemeClr val="accent1"/>
+          </a:lnRef>
+          <a:fillRef idx="0">
+            <a:schemeClr val="accent1"/>
+          </a:fillRef>
+          <a:effectRef idx="0">
+            <a:schemeClr val="accent1"/>
+          </a:effectRef>
+          <a:fontRef idx="minor">
+            <a:schemeClr val="tx1"/>
+          </a:fontRef>
+        </p:style>
+      </p:cxnSp>
+      <p:cxnSp>
+        <p:nvCxnSpPr>
+          <p:cNvPr id="99" name="Straight Connector 23">
+            <a:extLst>
+              <a:ext uri="{FF2B5EF4-FFF2-40B4-BE49-F238E27FC236}">
+                <a16:creationId xmlns:a16="http://schemas.microsoft.com/office/drawing/2014/main" id="{086B3725-7366-4531-0235-DCCA9A3FC9B2}"/>
+              </a:ext>
+            </a:extLst>
+          </p:cNvPr>
+          <p:cNvCxnSpPr>
+            <a:cxnSpLocks/>
+          </p:cNvCxnSpPr>
+          <p:nvPr/>
+        </p:nvCxnSpPr>
+        <p:spPr>
+          <a:xfrm>
+            <a:off x="4060093" y="4545313"/>
+            <a:ext cx="421196" cy="0"/>
+          </a:xfrm>
+          <a:prstGeom prst="line">
+            <a:avLst/>
+          </a:prstGeom>
+          <a:ln w="19050">
+            <a:solidFill>
+              <a:srgbClr val="00B050"/>
+            </a:solidFill>
+          </a:ln>
+        </p:spPr>
+        <p:style>
+          <a:lnRef idx="1">
+            <a:schemeClr val="accent1"/>
+          </a:lnRef>
+          <a:fillRef idx="0">
+            <a:schemeClr val="accent1"/>
+          </a:fillRef>
+          <a:effectRef idx="0">
+            <a:schemeClr val="accent1"/>
+          </a:effectRef>
+          <a:fontRef idx="minor">
+            <a:schemeClr val="tx1"/>
+          </a:fontRef>
+        </p:style>
+      </p:cxnSp>
+      <p:cxnSp>
+        <p:nvCxnSpPr>
+          <p:cNvPr id="113" name="Straight Connector 23">
+            <a:extLst>
+              <a:ext uri="{FF2B5EF4-FFF2-40B4-BE49-F238E27FC236}">
+                <a16:creationId xmlns:a16="http://schemas.microsoft.com/office/drawing/2014/main" id="{07DFA50F-83EA-ED1C-97E5-CE91722C6346}"/>
+              </a:ext>
+            </a:extLst>
+          </p:cNvPr>
+          <p:cNvCxnSpPr>
+            <a:cxnSpLocks/>
+          </p:cNvCxnSpPr>
+          <p:nvPr/>
+        </p:nvCxnSpPr>
+        <p:spPr>
+          <a:xfrm>
+            <a:off x="4473149" y="4535939"/>
+            <a:ext cx="0" cy="435996"/>
+          </a:xfrm>
+          <a:prstGeom prst="line">
+            <a:avLst/>
+          </a:prstGeom>
+          <a:ln w="19050">
+            <a:solidFill>
+              <a:srgbClr val="00B050"/>
+            </a:solidFill>
+          </a:ln>
+        </p:spPr>
+        <p:style>
+          <a:lnRef idx="1">
+            <a:schemeClr val="accent1"/>
+          </a:lnRef>
+          <a:fillRef idx="0">
+            <a:schemeClr val="accent1"/>
+          </a:fillRef>
+          <a:effectRef idx="0">
+            <a:schemeClr val="accent1"/>
+          </a:effectRef>
+          <a:fontRef idx="minor">
+            <a:schemeClr val="tx1"/>
+          </a:fontRef>
+        </p:style>
+      </p:cxnSp>
+      <p:cxnSp>
+        <p:nvCxnSpPr>
+          <p:cNvPr id="118" name="Straight Connector 23">
+            <a:extLst>
+              <a:ext uri="{FF2B5EF4-FFF2-40B4-BE49-F238E27FC236}">
+                <a16:creationId xmlns:a16="http://schemas.microsoft.com/office/drawing/2014/main" id="{B3A63E30-9E33-6603-FE3D-2003D24E770D}"/>
+              </a:ext>
+            </a:extLst>
+          </p:cNvPr>
+          <p:cNvCxnSpPr>
+            <a:cxnSpLocks/>
+          </p:cNvCxnSpPr>
+          <p:nvPr/>
+        </p:nvCxnSpPr>
+        <p:spPr>
+          <a:xfrm>
+            <a:off x="6256161" y="4545313"/>
+            <a:ext cx="0" cy="435996"/>
+          </a:xfrm>
+          <a:prstGeom prst="line">
+            <a:avLst/>
+          </a:prstGeom>
+          <a:ln w="19050">
+            <a:solidFill>
+              <a:srgbClr val="00B050"/>
+            </a:solidFill>
+          </a:ln>
+        </p:spPr>
+        <p:style>
+          <a:lnRef idx="1">
+            <a:schemeClr val="accent1"/>
+          </a:lnRef>
+          <a:fillRef idx="0">
+            <a:schemeClr val="accent1"/>
+          </a:fillRef>
+          <a:effectRef idx="0">
+            <a:schemeClr val="accent1"/>
+          </a:effectRef>
+          <a:fontRef idx="minor">
+            <a:schemeClr val="tx1"/>
+          </a:fontRef>
+        </p:style>
+      </p:cxnSp>
+      <p:cxnSp>
+        <p:nvCxnSpPr>
+          <p:cNvPr id="121" name="Straight Arrow Connector 120">
+            <a:extLst>
+              <a:ext uri="{FF2B5EF4-FFF2-40B4-BE49-F238E27FC236}">
+                <a16:creationId xmlns:a16="http://schemas.microsoft.com/office/drawing/2014/main" id="{E717B57E-11AE-0532-1434-5E9E22276370}"/>
+              </a:ext>
+            </a:extLst>
+          </p:cNvPr>
+          <p:cNvCxnSpPr>
+            <a:cxnSpLocks/>
+          </p:cNvCxnSpPr>
+          <p:nvPr/>
+        </p:nvCxnSpPr>
+        <p:spPr>
+          <a:xfrm>
+            <a:off x="6249179" y="4545313"/>
+            <a:ext cx="504182" cy="0"/>
+          </a:xfrm>
+          <a:prstGeom prst="straightConnector1">
+            <a:avLst/>
+          </a:prstGeom>
+          <a:ln w="19050">
+            <a:solidFill>
+              <a:srgbClr val="00B050"/>
+            </a:solidFill>
+            <a:tailEnd type="triangle"/>
+          </a:ln>
+        </p:spPr>
+        <p:style>
+          <a:lnRef idx="1">
+            <a:schemeClr val="accent1"/>
+          </a:lnRef>
+          <a:fillRef idx="0">
+            <a:schemeClr val="accent1"/>
+          </a:fillRef>
+          <a:effectRef idx="0">
+            <a:schemeClr val="accent1"/>
+          </a:effectRef>
+          <a:fontRef idx="minor">
+            <a:schemeClr val="tx1"/>
+          </a:fontRef>
+        </p:style>
+      </p:cxnSp>
+      <p:sp>
+        <p:nvSpPr>
+          <p:cNvPr id="124" name="TextBox 123">
+            <a:extLst>
+              <a:ext uri="{FF2B5EF4-FFF2-40B4-BE49-F238E27FC236}">
+                <a16:creationId xmlns:a16="http://schemas.microsoft.com/office/drawing/2014/main" id="{F713DADD-0B42-674A-B183-97275E81025A}"/>
+              </a:ext>
+            </a:extLst>
+          </p:cNvPr>
+          <p:cNvSpPr txBox="1"/>
+          <p:nvPr/>
+        </p:nvSpPr>
+        <p:spPr>
+          <a:xfrm>
+            <a:off x="4988542" y="4951021"/>
+            <a:ext cx="631904" cy="276999"/>
+          </a:xfrm>
+          <a:prstGeom prst="rect">
+            <a:avLst/>
+          </a:prstGeom>
+          <a:noFill/>
+        </p:spPr>
+        <p:txBody>
+          <a:bodyPr wrap="none" rtlCol="0">
+            <a:spAutoFit/>
+          </a:bodyPr>
+          <a:lstStyle/>
+          <a:p>
+            <a:r>
+              <a:rPr lang="en-US" sz="1200" dirty="0"/>
+              <a:t>N_id_2</a:t>
+            </a:r>
+            <a:endParaRPr lang="en-GB" sz="1200" dirty="0"/>
+          </a:p>
+        </p:txBody>
+      </p:sp>
     </p:spTree>
     <p:extLst>
       <p:ext uri="{BB962C8B-B14F-4D97-AF65-F5344CB8AC3E}">

--- a/doc/overview.pptx
+++ b/doc/overview.pptx
@@ -261,7 +261,7 @@
           <a:p>
             <a:fld id="{0647E4D3-4269-40FF-ADD2-F433546F1734}" type="datetimeFigureOut">
               <a:rPr lang="en-GB" smtClean="0"/>
-              <a:t>05/05/2023</a:t>
+              <a:t>25/05/2023</a:t>
             </a:fld>
             <a:endParaRPr lang="en-GB"/>
           </a:p>
@@ -461,7 +461,7 @@
           <a:p>
             <a:fld id="{0647E4D3-4269-40FF-ADD2-F433546F1734}" type="datetimeFigureOut">
               <a:rPr lang="en-GB" smtClean="0"/>
-              <a:t>05/05/2023</a:t>
+              <a:t>25/05/2023</a:t>
             </a:fld>
             <a:endParaRPr lang="en-GB"/>
           </a:p>
@@ -671,7 +671,7 @@
           <a:p>
             <a:fld id="{0647E4D3-4269-40FF-ADD2-F433546F1734}" type="datetimeFigureOut">
               <a:rPr lang="en-GB" smtClean="0"/>
-              <a:t>05/05/2023</a:t>
+              <a:t>25/05/2023</a:t>
             </a:fld>
             <a:endParaRPr lang="en-GB"/>
           </a:p>
@@ -871,7 +871,7 @@
           <a:p>
             <a:fld id="{0647E4D3-4269-40FF-ADD2-F433546F1734}" type="datetimeFigureOut">
               <a:rPr lang="en-GB" smtClean="0"/>
-              <a:t>05/05/2023</a:t>
+              <a:t>25/05/2023</a:t>
             </a:fld>
             <a:endParaRPr lang="en-GB"/>
           </a:p>
@@ -1147,7 +1147,7 @@
           <a:p>
             <a:fld id="{0647E4D3-4269-40FF-ADD2-F433546F1734}" type="datetimeFigureOut">
               <a:rPr lang="en-GB" smtClean="0"/>
-              <a:t>05/05/2023</a:t>
+              <a:t>25/05/2023</a:t>
             </a:fld>
             <a:endParaRPr lang="en-GB"/>
           </a:p>
@@ -1415,7 +1415,7 @@
           <a:p>
             <a:fld id="{0647E4D3-4269-40FF-ADD2-F433546F1734}" type="datetimeFigureOut">
               <a:rPr lang="en-GB" smtClean="0"/>
-              <a:t>05/05/2023</a:t>
+              <a:t>25/05/2023</a:t>
             </a:fld>
             <a:endParaRPr lang="en-GB"/>
           </a:p>
@@ -1830,7 +1830,7 @@
           <a:p>
             <a:fld id="{0647E4D3-4269-40FF-ADD2-F433546F1734}" type="datetimeFigureOut">
               <a:rPr lang="en-GB" smtClean="0"/>
-              <a:t>05/05/2023</a:t>
+              <a:t>25/05/2023</a:t>
             </a:fld>
             <a:endParaRPr lang="en-GB"/>
           </a:p>
@@ -1972,7 +1972,7 @@
           <a:p>
             <a:fld id="{0647E4D3-4269-40FF-ADD2-F433546F1734}" type="datetimeFigureOut">
               <a:rPr lang="en-GB" smtClean="0"/>
-              <a:t>05/05/2023</a:t>
+              <a:t>25/05/2023</a:t>
             </a:fld>
             <a:endParaRPr lang="en-GB"/>
           </a:p>
@@ -2085,7 +2085,7 @@
           <a:p>
             <a:fld id="{0647E4D3-4269-40FF-ADD2-F433546F1734}" type="datetimeFigureOut">
               <a:rPr lang="en-GB" smtClean="0"/>
-              <a:t>05/05/2023</a:t>
+              <a:t>25/05/2023</a:t>
             </a:fld>
             <a:endParaRPr lang="en-GB"/>
           </a:p>
@@ -2398,7 +2398,7 @@
           <a:p>
             <a:fld id="{0647E4D3-4269-40FF-ADD2-F433546F1734}" type="datetimeFigureOut">
               <a:rPr lang="en-GB" smtClean="0"/>
-              <a:t>05/05/2023</a:t>
+              <a:t>25/05/2023</a:t>
             </a:fld>
             <a:endParaRPr lang="en-GB"/>
           </a:p>
@@ -2687,7 +2687,7 @@
           <a:p>
             <a:fld id="{0647E4D3-4269-40FF-ADD2-F433546F1734}" type="datetimeFigureOut">
               <a:rPr lang="en-GB" smtClean="0"/>
-              <a:t>05/05/2023</a:t>
+              <a:t>25/05/2023</a:t>
             </a:fld>
             <a:endParaRPr lang="en-GB"/>
           </a:p>
@@ -2930,7 +2930,7 @@
           <a:p>
             <a:fld id="{0647E4D3-4269-40FF-ADD2-F433546F1734}" type="datetimeFigureOut">
               <a:rPr lang="en-GB" smtClean="0"/>
-              <a:t>05/05/2023</a:t>
+              <a:t>25/05/2023</a:t>
             </a:fld>
             <a:endParaRPr lang="en-GB"/>
           </a:p>
@@ -3570,7 +3570,7 @@
         </p:nvSpPr>
         <p:spPr>
           <a:xfrm>
-            <a:off x="2189227" y="1789274"/>
+            <a:off x="1971497" y="1782486"/>
             <a:ext cx="792480" cy="1206137"/>
           </a:xfrm>
           <a:prstGeom prst="rect">
@@ -4102,13 +4102,14 @@
           </p:cNvPr>
           <p:cNvCxnSpPr>
             <a:cxnSpLocks/>
+            <a:stCxn id="5" idx="3"/>
           </p:cNvCxnSpPr>
           <p:nvPr/>
         </p:nvCxnSpPr>
         <p:spPr>
-          <a:xfrm>
-            <a:off x="2981104" y="2388383"/>
-            <a:ext cx="800775" cy="0"/>
+          <a:xfrm flipV="1">
+            <a:off x="2763977" y="2377928"/>
+            <a:ext cx="999233" cy="7627"/>
           </a:xfrm>
           <a:prstGeom prst="straightConnector1">
             <a:avLst/>
@@ -4146,7 +4147,7 @@
         </p:nvSpPr>
         <p:spPr>
           <a:xfrm>
-            <a:off x="2913167" y="2111383"/>
+            <a:off x="2834878" y="2073463"/>
             <a:ext cx="780983" cy="276999"/>
           </a:xfrm>
           <a:prstGeom prst="rect">
@@ -4327,30 +4328,27 @@
       </p:sp>
       <p:cxnSp>
         <p:nvCxnSpPr>
-          <p:cNvPr id="21" name="Straight Arrow Connector 20">
-            <a:extLst>
-              <a:ext uri="{FF2B5EF4-FFF2-40B4-BE49-F238E27FC236}">
-                <a16:creationId xmlns:a16="http://schemas.microsoft.com/office/drawing/2014/main" id="{FE70BC6C-70FE-6F08-CB64-936A53C53D80}"/>
+          <p:cNvPr id="24" name="Straight Connector 23">
+            <a:extLst>
+              <a:ext uri="{FF2B5EF4-FFF2-40B4-BE49-F238E27FC236}">
+                <a16:creationId xmlns:a16="http://schemas.microsoft.com/office/drawing/2014/main" id="{EB7E1334-1821-0C6E-EF23-2806A518CC63}"/>
               </a:ext>
             </a:extLst>
           </p:cNvPr>
           <p:cNvCxnSpPr>
             <a:cxnSpLocks/>
-            <a:endCxn id="8" idx="1"/>
           </p:cNvCxnSpPr>
           <p:nvPr/>
         </p:nvCxnSpPr>
         <p:spPr>
-          <a:xfrm>
-            <a:off x="5906908" y="4140192"/>
-            <a:ext cx="850162" cy="1"/>
-          </a:xfrm>
-          <a:prstGeom prst="straightConnector1">
-            <a:avLst/>
-          </a:prstGeom>
-          <a:ln w="19050">
-            <a:tailEnd type="triangle"/>
-          </a:ln>
+          <a:xfrm flipH="1">
+            <a:off x="3072800" y="2399273"/>
+            <a:ext cx="6334" cy="752862"/>
+          </a:xfrm>
+          <a:prstGeom prst="line">
+            <a:avLst/>
+          </a:prstGeom>
+          <a:ln w="19050"/>
         </p:spPr>
         <p:style>
           <a:lnRef idx="1">
@@ -4367,89 +4365,6 @@
           </a:fontRef>
         </p:style>
       </p:cxnSp>
-      <p:cxnSp>
-        <p:nvCxnSpPr>
-          <p:cNvPr id="24" name="Straight Connector 23">
-            <a:extLst>
-              <a:ext uri="{FF2B5EF4-FFF2-40B4-BE49-F238E27FC236}">
-                <a16:creationId xmlns:a16="http://schemas.microsoft.com/office/drawing/2014/main" id="{EB7E1334-1821-0C6E-EF23-2806A518CC63}"/>
-              </a:ext>
-            </a:extLst>
-          </p:cNvPr>
-          <p:cNvCxnSpPr>
-            <a:cxnSpLocks/>
-          </p:cNvCxnSpPr>
-          <p:nvPr/>
-        </p:nvCxnSpPr>
-        <p:spPr>
-          <a:xfrm>
-            <a:off x="3079134" y="2399273"/>
-            <a:ext cx="0" cy="1752408"/>
-          </a:xfrm>
-          <a:prstGeom prst="line">
-            <a:avLst/>
-          </a:prstGeom>
-          <a:ln w="19050"/>
-        </p:spPr>
-        <p:style>
-          <a:lnRef idx="1">
-            <a:schemeClr val="accent1"/>
-          </a:lnRef>
-          <a:fillRef idx="0">
-            <a:schemeClr val="accent1"/>
-          </a:fillRef>
-          <a:effectRef idx="0">
-            <a:schemeClr val="accent1"/>
-          </a:effectRef>
-          <a:fontRef idx="minor">
-            <a:schemeClr val="tx1"/>
-          </a:fontRef>
-        </p:style>
-      </p:cxnSp>
-      <p:cxnSp>
-        <p:nvCxnSpPr>
-          <p:cNvPr id="27" name="Straight Arrow Connector 26">
-            <a:extLst>
-              <a:ext uri="{FF2B5EF4-FFF2-40B4-BE49-F238E27FC236}">
-                <a16:creationId xmlns:a16="http://schemas.microsoft.com/office/drawing/2014/main" id="{CB8B11F7-B59E-5994-BA7B-92671FE75A63}"/>
-              </a:ext>
-            </a:extLst>
-          </p:cNvPr>
-          <p:cNvCxnSpPr>
-            <a:cxnSpLocks/>
-          </p:cNvCxnSpPr>
-          <p:nvPr/>
-        </p:nvCxnSpPr>
-        <p:spPr>
-          <a:xfrm>
-            <a:off x="7513646" y="3072947"/>
-            <a:ext cx="0" cy="330620"/>
-          </a:xfrm>
-          <a:prstGeom prst="straightConnector1">
-            <a:avLst/>
-          </a:prstGeom>
-          <a:ln w="19050">
-            <a:solidFill>
-              <a:srgbClr val="00B050"/>
-            </a:solidFill>
-            <a:tailEnd type="none"/>
-          </a:ln>
-        </p:spPr>
-        <p:style>
-          <a:lnRef idx="1">
-            <a:schemeClr val="accent1"/>
-          </a:lnRef>
-          <a:fillRef idx="0">
-            <a:schemeClr val="accent1"/>
-          </a:fillRef>
-          <a:effectRef idx="0">
-            <a:schemeClr val="accent1"/>
-          </a:effectRef>
-          <a:fontRef idx="minor">
-            <a:schemeClr val="tx1"/>
-          </a:fontRef>
-        </p:style>
-      </p:cxnSp>
       <p:sp>
         <p:nvSpPr>
           <p:cNvPr id="29" name="TextBox 28">
@@ -4464,7 +4379,7 @@
         </p:nvSpPr>
         <p:spPr>
           <a:xfrm>
-            <a:off x="7479304" y="3118303"/>
+            <a:off x="7459516" y="3139245"/>
             <a:ext cx="631904" cy="276999"/>
           </a:xfrm>
           <a:prstGeom prst="rect">
@@ -4536,7 +4451,7 @@
         </p:nvSpPr>
         <p:spPr>
           <a:xfrm>
-            <a:off x="5121571" y="3537124"/>
+            <a:off x="2378659" y="3970917"/>
             <a:ext cx="868917" cy="1206137"/>
           </a:xfrm>
           <a:prstGeom prst="rect">
@@ -4584,7 +4499,7 @@
               <a:t>FFT</a:t>
             </a:r>
             <a:br>
-              <a:rPr lang="en-US">
+              <a:rPr lang="en-US" dirty="0">
                 <a:ln w="0"/>
                 <a:solidFill>
                   <a:schemeClr val="tx1"/>
@@ -4599,7 +4514,7 @@
               </a:rPr>
             </a:br>
             <a:r>
-              <a:rPr lang="en-US">
+              <a:rPr lang="en-US" dirty="0">
                 <a:ln w="0"/>
                 <a:solidFill>
                   <a:schemeClr val="tx1"/>
@@ -4614,19 +4529,6 @@
               </a:rPr>
               <a:t>demodulator</a:t>
             </a:r>
-            <a:endParaRPr lang="en-US" dirty="0">
-              <a:ln w="0"/>
-              <a:solidFill>
-                <a:schemeClr val="tx1"/>
-              </a:solidFill>
-              <a:effectLst>
-                <a:outerShdw blurRad="38100" dist="19050" dir="2700000" algn="tl" rotWithShape="0">
-                  <a:schemeClr val="dk1">
-                    <a:alpha val="40000"/>
-                  </a:schemeClr>
-                </a:outerShdw>
-              </a:effectLst>
-            </a:endParaRPr>
           </a:p>
         </p:txBody>
       </p:sp>
@@ -4648,7 +4550,7 @@
         </p:nvCxnSpPr>
         <p:spPr>
           <a:xfrm flipV="1">
-            <a:off x="4062185" y="4140193"/>
+            <a:off x="1319273" y="4573986"/>
             <a:ext cx="1059386" cy="620"/>
           </a:xfrm>
           <a:prstGeom prst="straightConnector1">
@@ -4971,7 +4873,7 @@
         </p:nvCxnSpPr>
         <p:spPr>
           <a:xfrm>
-            <a:off x="2581896" y="816855"/>
+            <a:off x="2367635" y="816551"/>
             <a:ext cx="3571" cy="968007"/>
           </a:xfrm>
           <a:prstGeom prst="straightConnector1">
@@ -5015,8 +4917,8 @@
         </p:nvCxnSpPr>
         <p:spPr>
           <a:xfrm>
-            <a:off x="2581896" y="825679"/>
-            <a:ext cx="1650591" cy="0"/>
+            <a:off x="2361482" y="816855"/>
+            <a:ext cx="1871005" cy="8824"/>
           </a:xfrm>
           <a:prstGeom prst="line">
             <a:avLst/>
@@ -5217,7 +5119,7 @@
         </p:nvSpPr>
         <p:spPr>
           <a:xfrm>
-            <a:off x="5921384" y="3890189"/>
+            <a:off x="5270671" y="4276610"/>
             <a:ext cx="902811" cy="276999"/>
           </a:xfrm>
           <a:prstGeom prst="rect">
@@ -5328,7 +5230,7 @@
         </p:nvCxnSpPr>
         <p:spPr>
           <a:xfrm flipV="1">
-            <a:off x="1432079" y="2385909"/>
+            <a:off x="1214349" y="2379121"/>
             <a:ext cx="746951" cy="6432"/>
           </a:xfrm>
           <a:prstGeom prst="straightConnector1">
@@ -5367,7 +5269,7 @@
         </p:nvSpPr>
         <p:spPr>
           <a:xfrm>
-            <a:off x="230729" y="3166535"/>
+            <a:off x="-37700" y="1387743"/>
             <a:ext cx="780983" cy="276999"/>
           </a:xfrm>
           <a:prstGeom prst="rect">
@@ -5784,7 +5686,7 @@
         </p:nvSpPr>
         <p:spPr>
           <a:xfrm>
-            <a:off x="3269705" y="3537744"/>
+            <a:off x="526793" y="3971537"/>
             <a:ext cx="792480" cy="1206137"/>
           </a:xfrm>
           <a:prstGeom prst="rect">
@@ -5816,7 +5718,7 @@
           <a:p>
             <a:pPr algn="ctr"/>
             <a:r>
-              <a:rPr lang="en-US">
+              <a:rPr lang="en-US" dirty="0">
                 <a:ln w="0"/>
                 <a:solidFill>
                   <a:schemeClr val="tx1"/>
@@ -5831,19 +5733,6 @@
               </a:rPr>
               <a:t>Frame sync + CP align</a:t>
             </a:r>
-            <a:endParaRPr lang="en-US" dirty="0">
-              <a:ln w="0"/>
-              <a:solidFill>
-                <a:schemeClr val="tx1"/>
-              </a:solidFill>
-              <a:effectLst>
-                <a:outerShdw blurRad="38100" dist="19050" dir="2700000" algn="tl" rotWithShape="0">
-                  <a:schemeClr val="dk1">
-                    <a:alpha val="40000"/>
-                  </a:schemeClr>
-                </a:outerShdw>
-              </a:effectLst>
-            </a:endParaRPr>
           </a:p>
         </p:txBody>
       </p:sp>
@@ -5863,8 +5752,8 @@
         </p:nvCxnSpPr>
         <p:spPr>
           <a:xfrm>
-            <a:off x="3084715" y="4143792"/>
-            <a:ext cx="189829" cy="0"/>
+            <a:off x="313405" y="4573985"/>
+            <a:ext cx="218227" cy="3600"/>
           </a:xfrm>
           <a:prstGeom prst="straightConnector1">
             <a:avLst/>
@@ -5904,8 +5793,8 @@
         </p:nvCxnSpPr>
         <p:spPr>
           <a:xfrm>
-            <a:off x="3942613" y="3403567"/>
-            <a:ext cx="0" cy="133557"/>
+            <a:off x="1199701" y="3403567"/>
+            <a:ext cx="0" cy="567350"/>
           </a:xfrm>
           <a:prstGeom prst="straightConnector1">
             <a:avLst/>
@@ -5947,9 +5836,9 @@
           <p:nvPr/>
         </p:nvCxnSpPr>
         <p:spPr>
-          <a:xfrm>
-            <a:off x="3935136" y="3395975"/>
-            <a:ext cx="3578510" cy="10763"/>
+          <a:xfrm flipV="1">
+            <a:off x="1199701" y="3406738"/>
+            <a:ext cx="6313945" cy="934"/>
           </a:xfrm>
           <a:prstGeom prst="line">
             <a:avLst/>
@@ -5991,8 +5880,8 @@
         </p:nvCxnSpPr>
         <p:spPr>
           <a:xfrm>
-            <a:off x="5990488" y="3734452"/>
-            <a:ext cx="766582" cy="0"/>
+            <a:off x="5031021" y="4020967"/>
+            <a:ext cx="1726049" cy="0"/>
           </a:xfrm>
           <a:prstGeom prst="straightConnector1">
             <a:avLst/>
@@ -6033,7 +5922,7 @@
         </p:nvSpPr>
         <p:spPr>
           <a:xfrm>
-            <a:off x="5989049" y="3478834"/>
+            <a:off x="5397135" y="3759137"/>
             <a:ext cx="764312" cy="276999"/>
           </a:xfrm>
           <a:prstGeom prst="rect">
@@ -6148,7 +6037,7 @@
         </p:nvCxnSpPr>
         <p:spPr>
           <a:xfrm>
-            <a:off x="4060093" y="3724354"/>
+            <a:off x="1317181" y="4158147"/>
             <a:ext cx="1063570" cy="0"/>
           </a:xfrm>
           <a:prstGeom prst="straightConnector1">
@@ -6190,7 +6079,7 @@
         </p:nvSpPr>
         <p:spPr>
           <a:xfrm>
-            <a:off x="4178722" y="3478029"/>
+            <a:off x="1435810" y="3911822"/>
             <a:ext cx="772584" cy="276999"/>
           </a:xfrm>
           <a:prstGeom prst="rect">
@@ -6250,10 +6139,10 @@
       </p:sp>
       <p:cxnSp>
         <p:nvCxnSpPr>
-          <p:cNvPr id="49" name="Straight Connector 23">
-            <a:extLst>
-              <a:ext uri="{FF2B5EF4-FFF2-40B4-BE49-F238E27FC236}">
-                <a16:creationId xmlns:a16="http://schemas.microsoft.com/office/drawing/2014/main" id="{0CAD3CCD-094D-28C7-9D7A-718ED6AEBB95}"/>
+          <p:cNvPr id="50" name="Straight Arrow Connector 26">
+            <a:extLst>
+              <a:ext uri="{FF2B5EF4-FFF2-40B4-BE49-F238E27FC236}">
+                <a16:creationId xmlns:a16="http://schemas.microsoft.com/office/drawing/2014/main" id="{E8AEC7AB-9448-7784-8FF2-2A590C8A43CF}"/>
               </a:ext>
             </a:extLst>
           </p:cNvPr>
@@ -6263,17 +6152,18 @@
           <p:nvPr/>
         </p:nvCxnSpPr>
         <p:spPr>
-          <a:xfrm>
-            <a:off x="3692689" y="6054194"/>
-            <a:ext cx="2908947" cy="0"/>
-          </a:xfrm>
-          <a:prstGeom prst="line">
+          <a:xfrm flipV="1">
+            <a:off x="896674" y="5175232"/>
+            <a:ext cx="0" cy="395101"/>
+          </a:xfrm>
+          <a:prstGeom prst="straightConnector1">
             <a:avLst/>
           </a:prstGeom>
           <a:ln w="19050">
             <a:solidFill>
               <a:srgbClr val="FFC000"/>
             </a:solidFill>
+            <a:tailEnd type="triangle"/>
           </a:ln>
         </p:spPr>
         <p:style>
@@ -6291,52 +6181,8 @@
           </a:fontRef>
         </p:style>
       </p:cxnSp>
-      <p:cxnSp>
-        <p:nvCxnSpPr>
-          <p:cNvPr id="50" name="Straight Arrow Connector 26">
-            <a:extLst>
-              <a:ext uri="{FF2B5EF4-FFF2-40B4-BE49-F238E27FC236}">
-                <a16:creationId xmlns:a16="http://schemas.microsoft.com/office/drawing/2014/main" id="{E8AEC7AB-9448-7784-8FF2-2A590C8A43CF}"/>
-              </a:ext>
-            </a:extLst>
-          </p:cNvPr>
-          <p:cNvCxnSpPr>
-            <a:cxnSpLocks/>
-          </p:cNvCxnSpPr>
-          <p:nvPr/>
-        </p:nvCxnSpPr>
-        <p:spPr>
-          <a:xfrm flipV="1">
-            <a:off x="3692689" y="4743260"/>
-            <a:ext cx="1495" cy="1310934"/>
-          </a:xfrm>
-          <a:prstGeom prst="straightConnector1">
-            <a:avLst/>
-          </a:prstGeom>
-          <a:ln w="19050">
-            <a:solidFill>
-              <a:srgbClr val="FFC000"/>
-            </a:solidFill>
-            <a:tailEnd type="triangle"/>
-          </a:ln>
-        </p:spPr>
-        <p:style>
-          <a:lnRef idx="1">
-            <a:schemeClr val="accent1"/>
-          </a:lnRef>
-          <a:fillRef idx="0">
-            <a:schemeClr val="accent1"/>
-          </a:fillRef>
-          <a:effectRef idx="0">
-            <a:schemeClr val="accent1"/>
-          </a:effectRef>
-          <a:fontRef idx="minor">
-            <a:schemeClr val="tx1"/>
-          </a:fontRef>
-        </p:style>
-      </p:cxnSp>
-      <mc:AlternateContent xmlns:mc="http://schemas.openxmlformats.org/markup-compatibility/2006" xmlns:a14="http://schemas.microsoft.com/office/drawing/2010/main">
-        <mc:Choice Requires="a14">
+      <mc:AlternateContent xmlns:mc="http://schemas.openxmlformats.org/markup-compatibility/2006">
+        <mc:Choice xmlns:a14="http://schemas.microsoft.com/office/drawing/2010/main" Requires="a14">
           <p:sp>
             <p:nvSpPr>
               <p:cNvPr id="73" name="TextBox 61">
@@ -6351,7 +6197,7 @@
             </p:nvSpPr>
             <p:spPr>
               <a:xfrm>
-                <a:off x="4854167" y="5760925"/>
+                <a:off x="6061186" y="6467922"/>
                 <a:ext cx="475066" cy="276999"/>
               </a:xfrm>
               <a:prstGeom prst="rect">
@@ -6417,7 +6263,7 @@
             </p:txBody>
           </p:sp>
         </mc:Choice>
-        <mc:Fallback xmlns="">
+        <mc:Fallback>
           <p:sp>
             <p:nvSpPr>
               <p:cNvPr id="73" name="TextBox 61">
@@ -6434,7 +6280,7 @@
             </p:nvSpPr>
             <p:spPr>
               <a:xfrm>
-                <a:off x="4854167" y="5760925"/>
+                <a:off x="6061186" y="6467922"/>
                 <a:ext cx="475066" cy="276999"/>
               </a:xfrm>
               <a:prstGeom prst="rect">
@@ -6452,7 +6298,7 @@
               <a:lstStyle/>
               <a:p>
                 <a:r>
-                  <a:rPr lang="de-DE">
+                  <a:rPr lang="en-GB">
                     <a:noFill/>
                   </a:rPr>
                   <a:t> </a:t>
@@ -6593,9 +6439,9 @@
           <p:nvPr/>
         </p:nvCxnSpPr>
         <p:spPr>
-          <a:xfrm flipV="1">
-            <a:off x="3726379" y="3272332"/>
-            <a:ext cx="3490172" cy="1"/>
+          <a:xfrm>
+            <a:off x="980126" y="3263466"/>
+            <a:ext cx="6236425" cy="8866"/>
           </a:xfrm>
           <a:prstGeom prst="line">
             <a:avLst/>
@@ -6637,8 +6483,8 @@
         </p:nvCxnSpPr>
         <p:spPr>
           <a:xfrm flipV="1">
-            <a:off x="3726379" y="3268243"/>
-            <a:ext cx="0" cy="258805"/>
+            <a:off x="980126" y="3256802"/>
+            <a:ext cx="0" cy="697375"/>
           </a:xfrm>
           <a:prstGeom prst="line">
             <a:avLst/>
@@ -6714,7 +6560,7 @@
         </p:nvSpPr>
         <p:spPr>
           <a:xfrm>
-            <a:off x="534569" y="1789272"/>
+            <a:off x="316839" y="1782484"/>
             <a:ext cx="897510" cy="1206137"/>
           </a:xfrm>
           <a:prstGeom prst="rect">
@@ -6842,7 +6688,7 @@
         </p:nvSpPr>
         <p:spPr>
           <a:xfrm>
-            <a:off x="500430" y="3586548"/>
+            <a:off x="319234" y="134716"/>
             <a:ext cx="959943" cy="1206137"/>
           </a:xfrm>
           <a:prstGeom prst="rect">
@@ -6920,9 +6766,9 @@
           <p:nvPr/>
         </p:nvCxnSpPr>
         <p:spPr>
-          <a:xfrm flipV="1">
-            <a:off x="980402" y="2985305"/>
-            <a:ext cx="0" cy="601243"/>
+          <a:xfrm>
+            <a:off x="669443" y="1340853"/>
+            <a:ext cx="0" cy="460251"/>
           </a:xfrm>
           <a:prstGeom prst="straightConnector1">
             <a:avLst/>
@@ -6946,12 +6792,48 @@
           </a:fontRef>
         </p:style>
       </p:cxnSp>
+      <p:sp>
+        <p:nvSpPr>
+          <p:cNvPr id="100" name="TextBox 70">
+            <a:extLst>
+              <a:ext uri="{FF2B5EF4-FFF2-40B4-BE49-F238E27FC236}">
+                <a16:creationId xmlns:a16="http://schemas.microsoft.com/office/drawing/2014/main" id="{147D1B50-23E8-3FA3-7E46-D69844C3EC20}"/>
+              </a:ext>
+            </a:extLst>
+          </p:cNvPr>
+          <p:cNvSpPr txBox="1"/>
+          <p:nvPr/>
+        </p:nvSpPr>
+        <p:spPr>
+          <a:xfrm>
+            <a:off x="1276366" y="1806728"/>
+            <a:ext cx="630237" cy="276999"/>
+          </a:xfrm>
+          <a:prstGeom prst="rect">
+            <a:avLst/>
+          </a:prstGeom>
+          <a:noFill/>
+        </p:spPr>
+        <p:txBody>
+          <a:bodyPr wrap="none" rtlCol="0">
+            <a:spAutoFit/>
+          </a:bodyPr>
+          <a:lstStyle/>
+          <a:p>
+            <a:r>
+              <a:rPr lang="en-US" sz="1200" dirty="0" err="1"/>
+              <a:t>sys_clk</a:t>
+            </a:r>
+            <a:endParaRPr lang="en-GB" sz="1200" dirty="0"/>
+          </a:p>
+        </p:txBody>
+      </p:sp>
       <p:cxnSp>
         <p:nvCxnSpPr>
-          <p:cNvPr id="98" name="Straight Arrow Connector 68">
-            <a:extLst>
-              <a:ext uri="{FF2B5EF4-FFF2-40B4-BE49-F238E27FC236}">
-                <a16:creationId xmlns:a16="http://schemas.microsoft.com/office/drawing/2014/main" id="{B49CB11E-02EA-1375-3B7D-8A72FD84E0FD}"/>
+          <p:cNvPr id="101" name="Straight Arrow Connector 68">
+            <a:extLst>
+              <a:ext uri="{FF2B5EF4-FFF2-40B4-BE49-F238E27FC236}">
+                <a16:creationId xmlns:a16="http://schemas.microsoft.com/office/drawing/2014/main" id="{9D641FE8-4E05-1176-A030-546CE5CE2924}"/>
               </a:ext>
             </a:extLst>
           </p:cNvPr>
@@ -6962,18 +6844,17 @@
         </p:nvCxnSpPr>
         <p:spPr>
           <a:xfrm>
-            <a:off x="1813437" y="1582598"/>
-            <a:ext cx="0" cy="496092"/>
+            <a:off x="1006781" y="1340853"/>
+            <a:ext cx="0" cy="444009"/>
           </a:xfrm>
           <a:prstGeom prst="straightConnector1">
             <a:avLst/>
           </a:prstGeom>
           <a:ln w="19050">
             <a:solidFill>
-              <a:srgbClr val="7030A0"/>
+              <a:srgbClr val="C709C2"/>
             </a:solidFill>
-            <a:headEnd type="none"/>
-            <a:tailEnd type="none"/>
+            <a:tailEnd type="triangle"/>
           </a:ln>
         </p:spPr>
         <p:style>
@@ -6993,10 +6874,10 @@
       </p:cxnSp>
       <p:sp>
         <p:nvSpPr>
-          <p:cNvPr id="100" name="TextBox 70">
-            <a:extLst>
-              <a:ext uri="{FF2B5EF4-FFF2-40B4-BE49-F238E27FC236}">
-                <a16:creationId xmlns:a16="http://schemas.microsoft.com/office/drawing/2014/main" id="{147D1B50-23E8-3FA3-7E46-D69844C3EC20}"/>
+          <p:cNvPr id="108" name="TextBox 70">
+            <a:extLst>
+              <a:ext uri="{FF2B5EF4-FFF2-40B4-BE49-F238E27FC236}">
+                <a16:creationId xmlns:a16="http://schemas.microsoft.com/office/drawing/2014/main" id="{612AEF43-0B4F-D43D-88E7-A5F858FD7761}"/>
               </a:ext>
             </a:extLst>
           </p:cNvPr>
@@ -7005,8 +6886,8 @@
         </p:nvSpPr>
         <p:spPr>
           <a:xfrm>
-            <a:off x="1421801" y="1142006"/>
-            <a:ext cx="939681" cy="461665"/>
+            <a:off x="1202993" y="2120103"/>
+            <a:ext cx="780983" cy="276999"/>
           </a:xfrm>
           <a:prstGeom prst="rect">
             <a:avLst/>
@@ -7021,178 +6902,12 @@
           <a:p>
             <a:r>
               <a:rPr lang="en-US" sz="1200" dirty="0"/>
-              <a:t>122.88 MHz</a:t>
-            </a:r>
-            <a:br>
-              <a:rPr lang="en-US" sz="1200" dirty="0"/>
-            </a:br>
-            <a:r>
-              <a:rPr lang="en-US" sz="1200" dirty="0"/>
-              <a:t>clock</a:t>
+              <a:t>16 bit I/Q</a:t>
             </a:r>
             <a:endParaRPr lang="en-GB" sz="1200" dirty="0"/>
           </a:p>
         </p:txBody>
       </p:sp>
-      <p:cxnSp>
-        <p:nvCxnSpPr>
-          <p:cNvPr id="101" name="Straight Arrow Connector 68">
-            <a:extLst>
-              <a:ext uri="{FF2B5EF4-FFF2-40B4-BE49-F238E27FC236}">
-                <a16:creationId xmlns:a16="http://schemas.microsoft.com/office/drawing/2014/main" id="{9D641FE8-4E05-1176-A030-546CE5CE2924}"/>
-              </a:ext>
-            </a:extLst>
-          </p:cNvPr>
-          <p:cNvCxnSpPr>
-            <a:cxnSpLocks/>
-          </p:cNvCxnSpPr>
-          <p:nvPr/>
-        </p:nvCxnSpPr>
-        <p:spPr>
-          <a:xfrm flipV="1">
-            <a:off x="1245151" y="2991371"/>
-            <a:ext cx="0" cy="595177"/>
-          </a:xfrm>
-          <a:prstGeom prst="straightConnector1">
-            <a:avLst/>
-          </a:prstGeom>
-          <a:ln w="19050">
-            <a:solidFill>
-              <a:srgbClr val="C709C2"/>
-            </a:solidFill>
-            <a:tailEnd type="triangle"/>
-          </a:ln>
-        </p:spPr>
-        <p:style>
-          <a:lnRef idx="1">
-            <a:schemeClr val="accent1"/>
-          </a:lnRef>
-          <a:fillRef idx="0">
-            <a:schemeClr val="accent1"/>
-          </a:fillRef>
-          <a:effectRef idx="0">
-            <a:schemeClr val="accent1"/>
-          </a:effectRef>
-          <a:fontRef idx="minor">
-            <a:schemeClr val="tx1"/>
-          </a:fontRef>
-        </p:style>
-      </p:cxnSp>
-      <p:sp>
-        <p:nvSpPr>
-          <p:cNvPr id="103" name="TextBox 70">
-            <a:extLst>
-              <a:ext uri="{FF2B5EF4-FFF2-40B4-BE49-F238E27FC236}">
-                <a16:creationId xmlns:a16="http://schemas.microsoft.com/office/drawing/2014/main" id="{0F548B4F-E774-9C48-FF21-E970EEA6A8D3}"/>
-              </a:ext>
-            </a:extLst>
-          </p:cNvPr>
-          <p:cNvSpPr txBox="1"/>
-          <p:nvPr/>
-        </p:nvSpPr>
-        <p:spPr>
-          <a:xfrm>
-            <a:off x="1389139" y="2378103"/>
-            <a:ext cx="846707" cy="276999"/>
-          </a:xfrm>
-          <a:prstGeom prst="rect">
-            <a:avLst/>
-          </a:prstGeom>
-          <a:noFill/>
-        </p:spPr>
-        <p:txBody>
-          <a:bodyPr wrap="none" rtlCol="0">
-            <a:spAutoFit/>
-          </a:bodyPr>
-          <a:lstStyle/>
-          <a:p>
-            <a:r>
-              <a:rPr lang="en-US" sz="1200"/>
-              <a:t>3.84 MSPS</a:t>
-            </a:r>
-            <a:endParaRPr lang="en-GB" sz="1200" dirty="0"/>
-          </a:p>
-        </p:txBody>
-      </p:sp>
-      <p:sp>
-        <p:nvSpPr>
-          <p:cNvPr id="106" name="TextBox 70">
-            <a:extLst>
-              <a:ext uri="{FF2B5EF4-FFF2-40B4-BE49-F238E27FC236}">
-                <a16:creationId xmlns:a16="http://schemas.microsoft.com/office/drawing/2014/main" id="{383E3885-40EA-B91C-5BD9-8CC3107E5EC3}"/>
-              </a:ext>
-            </a:extLst>
-          </p:cNvPr>
-          <p:cNvSpPr txBox="1"/>
-          <p:nvPr/>
-        </p:nvSpPr>
-        <p:spPr>
-          <a:xfrm>
-            <a:off x="1227945" y="3071155"/>
-            <a:ext cx="782587" cy="461665"/>
-          </a:xfrm>
-          <a:prstGeom prst="rect">
-            <a:avLst/>
-          </a:prstGeom>
-          <a:noFill/>
-        </p:spPr>
-        <p:txBody>
-          <a:bodyPr wrap="none" rtlCol="0">
-            <a:spAutoFit/>
-          </a:bodyPr>
-          <a:lstStyle/>
-          <a:p>
-            <a:r>
-              <a:rPr lang="en-US" sz="1200"/>
-              <a:t>3.84 MHz</a:t>
-            </a:r>
-            <a:br>
-              <a:rPr lang="en-US" sz="1200"/>
-            </a:br>
-            <a:r>
-              <a:rPr lang="en-US" sz="1200"/>
-              <a:t>clock</a:t>
-            </a:r>
-            <a:endParaRPr lang="en-GB" sz="1200" dirty="0"/>
-          </a:p>
-        </p:txBody>
-      </p:sp>
-      <p:sp>
-        <p:nvSpPr>
-          <p:cNvPr id="108" name="TextBox 70">
-            <a:extLst>
-              <a:ext uri="{FF2B5EF4-FFF2-40B4-BE49-F238E27FC236}">
-                <a16:creationId xmlns:a16="http://schemas.microsoft.com/office/drawing/2014/main" id="{612AEF43-0B4F-D43D-88E7-A5F858FD7761}"/>
-              </a:ext>
-            </a:extLst>
-          </p:cNvPr>
-          <p:cNvSpPr txBox="1"/>
-          <p:nvPr/>
-        </p:nvSpPr>
-        <p:spPr>
-          <a:xfrm>
-            <a:off x="1420723" y="2126891"/>
-            <a:ext cx="780983" cy="276999"/>
-          </a:xfrm>
-          <a:prstGeom prst="rect">
-            <a:avLst/>
-          </a:prstGeom>
-          <a:noFill/>
-        </p:spPr>
-        <p:txBody>
-          <a:bodyPr wrap="none" rtlCol="0">
-            <a:spAutoFit/>
-          </a:bodyPr>
-          <a:lstStyle/>
-          <a:p>
-            <a:r>
-              <a:rPr lang="en-US" sz="1200" dirty="0"/>
-              <a:t>16 bit I/Q</a:t>
-            </a:r>
-            <a:endParaRPr lang="en-GB" sz="1200" dirty="0"/>
-          </a:p>
-        </p:txBody>
-      </p:sp>
       <p:sp>
         <p:nvSpPr>
           <p:cNvPr id="109" name="Rechteck 108">
@@ -7207,7 +6922,7 @@
         </p:nvSpPr>
         <p:spPr>
           <a:xfrm>
-            <a:off x="1346978" y="4422602"/>
+            <a:off x="1165782" y="970770"/>
             <a:ext cx="711122" cy="245423"/>
           </a:xfrm>
           <a:prstGeom prst="rect">
@@ -7335,7 +7050,7 @@
         </p:nvSpPr>
         <p:spPr>
           <a:xfrm>
-            <a:off x="2681222" y="4351201"/>
+            <a:off x="19399" y="4697644"/>
             <a:ext cx="711122" cy="245423"/>
           </a:xfrm>
           <a:prstGeom prst="rect">
@@ -7370,14 +7085,14 @@
           <a:p>
             <a:pPr algn="ctr"/>
             <a:r>
-              <a:rPr lang="en-US" sz="1400">
+              <a:rPr lang="en-US" sz="1400" dirty="0">
                 <a:solidFill>
                   <a:schemeClr val="bg1"/>
                 </a:solidFill>
               </a:rPr>
               <a:t>AXI lite</a:t>
             </a:r>
-            <a:endParaRPr lang="de-DE" sz="1400">
+            <a:endParaRPr lang="de-DE" sz="1400" dirty="0">
               <a:solidFill>
                 <a:schemeClr val="bg1"/>
               </a:solidFill>
@@ -7465,7 +7180,7 @@
         </p:nvCxnSpPr>
         <p:spPr>
           <a:xfrm>
-            <a:off x="1432079" y="2078690"/>
+            <a:off x="1214349" y="2071902"/>
             <a:ext cx="746951" cy="0"/>
           </a:xfrm>
           <a:prstGeom prst="straightConnector1">
@@ -7898,7 +7613,7 @@
         </p:nvSpPr>
         <p:spPr>
           <a:xfrm>
-            <a:off x="389019" y="6369895"/>
+            <a:off x="370961" y="6121873"/>
             <a:ext cx="1972463" cy="276999"/>
           </a:xfrm>
           <a:prstGeom prst="rect">
@@ -8014,7 +7729,7 @@
         </p:nvSpPr>
         <p:spPr>
           <a:xfrm>
-            <a:off x="6071085" y="4109564"/>
+            <a:off x="5495687" y="4545244"/>
             <a:ext cx="356188" cy="276999"/>
           </a:xfrm>
           <a:prstGeom prst="rect">
@@ -8050,7 +7765,7 @@
         </p:nvSpPr>
         <p:spPr>
           <a:xfrm>
-            <a:off x="394062" y="6162875"/>
+            <a:off x="376004" y="5914853"/>
             <a:ext cx="4798686" cy="276999"/>
           </a:xfrm>
           <a:prstGeom prst="rect">
@@ -8065,20 +7780,8 @@
           <a:lstStyle/>
           <a:p>
             <a:r>
-              <a:rPr lang="en-US" sz="1200"/>
-              <a:t>(1) with system frame </a:t>
-            </a:r>
-            <a:r>
               <a:rPr lang="en-US" sz="1200" dirty="0"/>
-              <a:t>number</a:t>
-            </a:r>
-            <a:r>
-              <a:rPr lang="en-US" sz="1200"/>
-              <a:t>, subframe </a:t>
-            </a:r>
-            <a:r>
-              <a:rPr lang="en-US" sz="1200" dirty="0"/>
-              <a:t>number, symbol number in </a:t>
+              <a:t>(1) with system frame number, subframe number, symbol number in </a:t>
             </a:r>
             <a:r>
               <a:rPr lang="en-US" sz="1200" dirty="0" err="1"/>
@@ -8102,7 +7805,7 @@
         </p:nvSpPr>
         <p:spPr>
           <a:xfrm>
-            <a:off x="4343024" y="4109564"/>
+            <a:off x="1600112" y="4543357"/>
             <a:ext cx="356188" cy="276999"/>
           </a:xfrm>
           <a:prstGeom prst="rect">
@@ -8138,7 +7841,7 @@
         </p:nvSpPr>
         <p:spPr>
           <a:xfrm>
-            <a:off x="4133736" y="3884654"/>
+            <a:off x="1325519" y="4310459"/>
             <a:ext cx="986167" cy="276999"/>
           </a:xfrm>
           <a:prstGeom prst="rect">
@@ -8174,7 +7877,7 @@
         </p:nvSpPr>
         <p:spPr>
           <a:xfrm>
-            <a:off x="410467" y="5928034"/>
+            <a:off x="370960" y="6321904"/>
             <a:ext cx="2821157" cy="276999"/>
           </a:xfrm>
           <a:prstGeom prst="rect">
@@ -9171,10 +8874,10 @@
       </p:cxnSp>
       <p:cxnSp>
         <p:nvCxnSpPr>
-          <p:cNvPr id="90" name="Straight Connector 23">
-            <a:extLst>
-              <a:ext uri="{FF2B5EF4-FFF2-40B4-BE49-F238E27FC236}">
-                <a16:creationId xmlns:a16="http://schemas.microsoft.com/office/drawing/2014/main" id="{F5CAFAF7-74AB-BE7F-400C-2AB9BE46FA7D}"/>
+          <p:cNvPr id="99" name="Straight Connector 23">
+            <a:extLst>
+              <a:ext uri="{FF2B5EF4-FFF2-40B4-BE49-F238E27FC236}">
+                <a16:creationId xmlns:a16="http://schemas.microsoft.com/office/drawing/2014/main" id="{086B3725-7366-4531-0235-DCCA9A3FC9B2}"/>
               </a:ext>
             </a:extLst>
           </p:cNvPr>
@@ -9185,50 +8888,7 @@
         </p:nvCxnSpPr>
         <p:spPr>
           <a:xfrm>
-            <a:off x="4473149" y="4971935"/>
-            <a:ext cx="1779560" cy="0"/>
-          </a:xfrm>
-          <a:prstGeom prst="line">
-            <a:avLst/>
-          </a:prstGeom>
-          <a:ln w="19050">
-            <a:solidFill>
-              <a:srgbClr val="00B050"/>
-            </a:solidFill>
-          </a:ln>
-        </p:spPr>
-        <p:style>
-          <a:lnRef idx="1">
-            <a:schemeClr val="accent1"/>
-          </a:lnRef>
-          <a:fillRef idx="0">
-            <a:schemeClr val="accent1"/>
-          </a:fillRef>
-          <a:effectRef idx="0">
-            <a:schemeClr val="accent1"/>
-          </a:effectRef>
-          <a:fontRef idx="minor">
-            <a:schemeClr val="tx1"/>
-          </a:fontRef>
-        </p:style>
-      </p:cxnSp>
-      <p:cxnSp>
-        <p:nvCxnSpPr>
-          <p:cNvPr id="99" name="Straight Connector 23">
-            <a:extLst>
-              <a:ext uri="{FF2B5EF4-FFF2-40B4-BE49-F238E27FC236}">
-                <a16:creationId xmlns:a16="http://schemas.microsoft.com/office/drawing/2014/main" id="{086B3725-7366-4531-0235-DCCA9A3FC9B2}"/>
-              </a:ext>
-            </a:extLst>
-          </p:cNvPr>
-          <p:cNvCxnSpPr>
-            <a:cxnSpLocks/>
-          </p:cNvCxnSpPr>
-          <p:nvPr/>
-        </p:nvCxnSpPr>
-        <p:spPr>
-          <a:xfrm>
-            <a:off x="4060093" y="4545313"/>
+            <a:off x="1317181" y="4979106"/>
             <a:ext cx="421196" cy="0"/>
           </a:xfrm>
           <a:prstGeom prst="line">
@@ -9271,7 +8931,7 @@
         </p:nvCxnSpPr>
         <p:spPr>
           <a:xfrm>
-            <a:off x="4473149" y="4535939"/>
+            <a:off x="1730237" y="4969732"/>
             <a:ext cx="0" cy="435996"/>
           </a:xfrm>
           <a:prstGeom prst="line">
@@ -9282,6 +8942,81 @@
               <a:srgbClr val="00B050"/>
             </a:solidFill>
           </a:ln>
+        </p:spPr>
+        <p:style>
+          <a:lnRef idx="1">
+            <a:schemeClr val="accent1"/>
+          </a:lnRef>
+          <a:fillRef idx="0">
+            <a:schemeClr val="accent1"/>
+          </a:fillRef>
+          <a:effectRef idx="0">
+            <a:schemeClr val="accent1"/>
+          </a:effectRef>
+          <a:fontRef idx="minor">
+            <a:schemeClr val="tx1"/>
+          </a:fontRef>
+        </p:style>
+      </p:cxnSp>
+      <p:sp>
+        <p:nvSpPr>
+          <p:cNvPr id="122" name="TextBox 70">
+            <a:extLst>
+              <a:ext uri="{FF2B5EF4-FFF2-40B4-BE49-F238E27FC236}">
+                <a16:creationId xmlns:a16="http://schemas.microsoft.com/office/drawing/2014/main" id="{A4B820B3-4C0F-D3E1-C541-B2F84A17A74E}"/>
+              </a:ext>
+            </a:extLst>
+          </p:cNvPr>
+          <p:cNvSpPr txBox="1"/>
+          <p:nvPr/>
+        </p:nvSpPr>
+        <p:spPr>
+          <a:xfrm>
+            <a:off x="980126" y="1394596"/>
+            <a:ext cx="883575" cy="276999"/>
+          </a:xfrm>
+          <a:prstGeom prst="rect">
+            <a:avLst/>
+          </a:prstGeom>
+          <a:noFill/>
+        </p:spPr>
+        <p:txBody>
+          <a:bodyPr wrap="none" rtlCol="0">
+            <a:spAutoFit/>
+          </a:bodyPr>
+          <a:lstStyle/>
+          <a:p>
+            <a:r>
+              <a:rPr lang="en-US" sz="1200" dirty="0" err="1"/>
+              <a:t>sample_clk</a:t>
+            </a:r>
+            <a:endParaRPr lang="en-GB" sz="1200" dirty="0"/>
+          </a:p>
+        </p:txBody>
+      </p:sp>
+      <p:cxnSp>
+        <p:nvCxnSpPr>
+          <p:cNvPr id="129" name="Straight Connector 128">
+            <a:extLst>
+              <a:ext uri="{FF2B5EF4-FFF2-40B4-BE49-F238E27FC236}">
+                <a16:creationId xmlns:a16="http://schemas.microsoft.com/office/drawing/2014/main" id="{15D057E5-42E3-2ADA-8AB6-B9C09079B8FD}"/>
+              </a:ext>
+            </a:extLst>
+          </p:cNvPr>
+          <p:cNvCxnSpPr>
+            <a:cxnSpLocks/>
+          </p:cNvCxnSpPr>
+          <p:nvPr/>
+        </p:nvCxnSpPr>
+        <p:spPr>
+          <a:xfrm flipH="1">
+            <a:off x="307071" y="3152135"/>
+            <a:ext cx="2765729" cy="0"/>
+          </a:xfrm>
+          <a:prstGeom prst="line">
+            <a:avLst/>
+          </a:prstGeom>
+          <a:ln w="19050"/>
         </p:spPr>
         <p:style>
           <a:lnRef idx="1">
@@ -9300,10 +9035,10 @@
       </p:cxnSp>
       <p:cxnSp>
         <p:nvCxnSpPr>
-          <p:cNvPr id="118" name="Straight Connector 23">
-            <a:extLst>
-              <a:ext uri="{FF2B5EF4-FFF2-40B4-BE49-F238E27FC236}">
-                <a16:creationId xmlns:a16="http://schemas.microsoft.com/office/drawing/2014/main" id="{B3A63E30-9E33-6603-FE3D-2003D24E770D}"/>
+          <p:cNvPr id="134" name="Straight Connector 133">
+            <a:extLst>
+              <a:ext uri="{FF2B5EF4-FFF2-40B4-BE49-F238E27FC236}">
+                <a16:creationId xmlns:a16="http://schemas.microsoft.com/office/drawing/2014/main" id="{9FAB175A-7F54-B50E-2332-4091A52C7B1E}"/>
               </a:ext>
             </a:extLst>
           </p:cNvPr>
@@ -9313,17 +9048,187 @@
           <p:nvPr/>
         </p:nvCxnSpPr>
         <p:spPr>
-          <a:xfrm>
-            <a:off x="6256161" y="4545313"/>
-            <a:ext cx="0" cy="435996"/>
+          <a:xfrm flipH="1">
+            <a:off x="313405" y="3152135"/>
+            <a:ext cx="3434" cy="1421850"/>
           </a:xfrm>
           <a:prstGeom prst="line">
             <a:avLst/>
           </a:prstGeom>
+          <a:ln w="19050"/>
+        </p:spPr>
+        <p:style>
+          <a:lnRef idx="1">
+            <a:schemeClr val="accent1"/>
+          </a:lnRef>
+          <a:fillRef idx="0">
+            <a:schemeClr val="accent1"/>
+          </a:fillRef>
+          <a:effectRef idx="0">
+            <a:schemeClr val="accent1"/>
+          </a:effectRef>
+          <a:fontRef idx="minor">
+            <a:schemeClr val="tx1"/>
+          </a:fontRef>
+        </p:style>
+      </p:cxnSp>
+      <p:sp>
+        <p:nvSpPr>
+          <p:cNvPr id="147" name="Rectangle 146">
+            <a:extLst>
+              <a:ext uri="{FF2B5EF4-FFF2-40B4-BE49-F238E27FC236}">
+                <a16:creationId xmlns:a16="http://schemas.microsoft.com/office/drawing/2014/main" id="{9481009B-FF88-7166-6E95-50107CA989B8}"/>
+              </a:ext>
+            </a:extLst>
+          </p:cNvPr>
+          <p:cNvSpPr/>
+          <p:nvPr/>
+        </p:nvSpPr>
+        <p:spPr>
+          <a:xfrm>
+            <a:off x="4162713" y="3963926"/>
+            <a:ext cx="868917" cy="1206137"/>
+          </a:xfrm>
+          <a:prstGeom prst="rect">
+            <a:avLst/>
+          </a:prstGeom>
+          <a:solidFill>
+            <a:schemeClr val="bg1"/>
+          </a:solidFill>
+        </p:spPr>
+        <p:style>
+          <a:lnRef idx="2">
+            <a:schemeClr val="accent1">
+              <a:shade val="50000"/>
+            </a:schemeClr>
+          </a:lnRef>
+          <a:fillRef idx="1">
+            <a:schemeClr val="accent1"/>
+          </a:fillRef>
+          <a:effectRef idx="0">
+            <a:schemeClr val="accent1"/>
+          </a:effectRef>
+          <a:fontRef idx="minor">
+            <a:schemeClr val="lt1"/>
+          </a:fontRef>
+        </p:style>
+        <p:txBody>
+          <a:bodyPr rtlCol="0" anchor="ctr"/>
+          <a:lstStyle/>
+          <a:p>
+            <a:pPr algn="ctr"/>
+            <a:r>
+              <a:rPr lang="en-US" dirty="0">
+                <a:ln w="0"/>
+                <a:solidFill>
+                  <a:schemeClr val="tx1"/>
+                </a:solidFill>
+                <a:effectLst>
+                  <a:outerShdw blurRad="38100" dist="19050" dir="2700000" algn="tl" rotWithShape="0">
+                    <a:schemeClr val="dk1">
+                      <a:alpha val="40000"/>
+                    </a:schemeClr>
+                  </a:outerShdw>
+                </a:effectLst>
+              </a:rPr>
+              <a:t>BWP</a:t>
+            </a:r>
+            <a:br>
+              <a:rPr lang="en-US" dirty="0">
+                <a:ln w="0"/>
+                <a:solidFill>
+                  <a:schemeClr val="tx1"/>
+                </a:solidFill>
+                <a:effectLst>
+                  <a:outerShdw blurRad="38100" dist="19050" dir="2700000" algn="tl" rotWithShape="0">
+                    <a:schemeClr val="dk1">
+                      <a:alpha val="40000"/>
+                    </a:schemeClr>
+                  </a:outerShdw>
+                </a:effectLst>
+              </a:rPr>
+            </a:br>
+            <a:r>
+              <a:rPr lang="en-US" dirty="0">
+                <a:ln w="0"/>
+                <a:solidFill>
+                  <a:schemeClr val="tx1"/>
+                </a:solidFill>
+                <a:effectLst>
+                  <a:outerShdw blurRad="38100" dist="19050" dir="2700000" algn="tl" rotWithShape="0">
+                    <a:schemeClr val="dk1">
+                      <a:alpha val="40000"/>
+                    </a:schemeClr>
+                  </a:outerShdw>
+                </a:effectLst>
+              </a:rPr>
+              <a:t>extractor</a:t>
+            </a:r>
+          </a:p>
+        </p:txBody>
+      </p:sp>
+      <p:sp>
+        <p:nvSpPr>
+          <p:cNvPr id="148" name="TextBox 147">
+            <a:extLst>
+              <a:ext uri="{FF2B5EF4-FFF2-40B4-BE49-F238E27FC236}">
+                <a16:creationId xmlns:a16="http://schemas.microsoft.com/office/drawing/2014/main" id="{1F204BD3-5710-DF93-5AFD-8F8C21D82012}"/>
+              </a:ext>
+            </a:extLst>
+          </p:cNvPr>
+          <p:cNvSpPr txBox="1"/>
+          <p:nvPr/>
+        </p:nvSpPr>
+        <p:spPr>
+          <a:xfrm>
+            <a:off x="3234382" y="4283971"/>
+            <a:ext cx="902811" cy="276999"/>
+          </a:xfrm>
+          <a:prstGeom prst="rect">
+            <a:avLst/>
+          </a:prstGeom>
+          <a:noFill/>
+        </p:spPr>
+        <p:txBody>
+          <a:bodyPr wrap="none" rtlCol="0">
+            <a:spAutoFit/>
+          </a:bodyPr>
+          <a:lstStyle/>
+          <a:p>
+            <a:r>
+              <a:rPr lang="en-US" sz="1200" dirty="0"/>
+              <a:t>8 bit I/Q FD</a:t>
+            </a:r>
+            <a:endParaRPr lang="en-GB" sz="1200" dirty="0"/>
+          </a:p>
+        </p:txBody>
+      </p:sp>
+      <p:cxnSp>
+        <p:nvCxnSpPr>
+          <p:cNvPr id="149" name="Straight Arrow Connector 148">
+            <a:extLst>
+              <a:ext uri="{FF2B5EF4-FFF2-40B4-BE49-F238E27FC236}">
+                <a16:creationId xmlns:a16="http://schemas.microsoft.com/office/drawing/2014/main" id="{5A953143-7C16-3805-B839-1170B03C3B65}"/>
+              </a:ext>
+            </a:extLst>
+          </p:cNvPr>
+          <p:cNvCxnSpPr>
+            <a:cxnSpLocks/>
+            <a:stCxn id="35" idx="3"/>
+            <a:endCxn id="147" idx="1"/>
+          </p:cNvCxnSpPr>
+          <p:nvPr/>
+        </p:nvCxnSpPr>
+        <p:spPr>
+          <a:xfrm flipV="1">
+            <a:off x="3247576" y="4566995"/>
+            <a:ext cx="915137" cy="6991"/>
+          </a:xfrm>
+          <a:prstGeom prst="straightConnector1">
+            <a:avLst/>
+          </a:prstGeom>
           <a:ln w="19050">
-            <a:solidFill>
-              <a:srgbClr val="00B050"/>
-            </a:solidFill>
+            <a:tailEnd type="triangle"/>
           </a:ln>
         </p:spPr>
         <p:style>
@@ -9343,10 +9248,10 @@
       </p:cxnSp>
       <p:cxnSp>
         <p:nvCxnSpPr>
-          <p:cNvPr id="121" name="Straight Arrow Connector 120">
-            <a:extLst>
-              <a:ext uri="{FF2B5EF4-FFF2-40B4-BE49-F238E27FC236}">
-                <a16:creationId xmlns:a16="http://schemas.microsoft.com/office/drawing/2014/main" id="{E717B57E-11AE-0532-1434-5E9E22276370}"/>
+          <p:cNvPr id="155" name="Straight Connector 42">
+            <a:extLst>
+              <a:ext uri="{FF2B5EF4-FFF2-40B4-BE49-F238E27FC236}">
+                <a16:creationId xmlns:a16="http://schemas.microsoft.com/office/drawing/2014/main" id="{B1607B83-FC66-B9D4-CE05-867D7B70686F}"/>
               </a:ext>
             </a:extLst>
           </p:cNvPr>
@@ -9357,8 +9262,520 @@
         </p:nvCxnSpPr>
         <p:spPr>
           <a:xfrm>
-            <a:off x="6249179" y="4545313"/>
-            <a:ext cx="504182" cy="0"/>
+            <a:off x="5023227" y="4565545"/>
+            <a:ext cx="1386281" cy="0"/>
+          </a:xfrm>
+          <a:prstGeom prst="line">
+            <a:avLst/>
+          </a:prstGeom>
+          <a:ln w="19050"/>
+        </p:spPr>
+        <p:style>
+          <a:lnRef idx="1">
+            <a:schemeClr val="accent1"/>
+          </a:lnRef>
+          <a:fillRef idx="0">
+            <a:schemeClr val="accent1"/>
+          </a:fillRef>
+          <a:effectRef idx="0">
+            <a:schemeClr val="accent1"/>
+          </a:effectRef>
+          <a:fontRef idx="minor">
+            <a:schemeClr val="tx1"/>
+          </a:fontRef>
+        </p:style>
+      </p:cxnSp>
+      <p:cxnSp>
+        <p:nvCxnSpPr>
+          <p:cNvPr id="157" name="Straight Arrow Connector 156">
+            <a:extLst>
+              <a:ext uri="{FF2B5EF4-FFF2-40B4-BE49-F238E27FC236}">
+                <a16:creationId xmlns:a16="http://schemas.microsoft.com/office/drawing/2014/main" id="{05FE9A85-1FCA-B790-F453-94E8F31ED0C2}"/>
+              </a:ext>
+            </a:extLst>
+          </p:cNvPr>
+          <p:cNvCxnSpPr>
+            <a:cxnSpLocks/>
+            <a:endCxn id="8" idx="1"/>
+          </p:cNvCxnSpPr>
+          <p:nvPr/>
+        </p:nvCxnSpPr>
+        <p:spPr>
+          <a:xfrm>
+            <a:off x="6402089" y="4140193"/>
+            <a:ext cx="354981" cy="0"/>
+          </a:xfrm>
+          <a:prstGeom prst="straightConnector1">
+            <a:avLst/>
+          </a:prstGeom>
+          <a:ln w="19050">
+            <a:tailEnd type="triangle"/>
+          </a:ln>
+        </p:spPr>
+        <p:style>
+          <a:lnRef idx="1">
+            <a:schemeClr val="accent1"/>
+          </a:lnRef>
+          <a:fillRef idx="0">
+            <a:schemeClr val="accent1"/>
+          </a:fillRef>
+          <a:effectRef idx="0">
+            <a:schemeClr val="accent1"/>
+          </a:effectRef>
+          <a:fontRef idx="minor">
+            <a:schemeClr val="tx1"/>
+          </a:fontRef>
+        </p:style>
+      </p:cxnSp>
+      <p:cxnSp>
+        <p:nvCxnSpPr>
+          <p:cNvPr id="164" name="Straight Arrow Connector 20">
+            <a:extLst>
+              <a:ext uri="{FF2B5EF4-FFF2-40B4-BE49-F238E27FC236}">
+                <a16:creationId xmlns:a16="http://schemas.microsoft.com/office/drawing/2014/main" id="{A9A6948A-15AC-D3C6-0AE7-D2A35FCCB934}"/>
+              </a:ext>
+            </a:extLst>
+          </p:cNvPr>
+          <p:cNvCxnSpPr>
+            <a:cxnSpLocks/>
+          </p:cNvCxnSpPr>
+          <p:nvPr/>
+        </p:nvCxnSpPr>
+        <p:spPr>
+          <a:xfrm>
+            <a:off x="5851875" y="6158154"/>
+            <a:ext cx="749761" cy="0"/>
+          </a:xfrm>
+          <a:prstGeom prst="straightConnector1">
+            <a:avLst/>
+          </a:prstGeom>
+          <a:ln w="19050">
+            <a:solidFill>
+              <a:srgbClr val="FFC000"/>
+            </a:solidFill>
+            <a:tailEnd type="triangle"/>
+          </a:ln>
+        </p:spPr>
+        <p:style>
+          <a:lnRef idx="1">
+            <a:schemeClr val="accent1"/>
+          </a:lnRef>
+          <a:fillRef idx="0">
+            <a:schemeClr val="accent1"/>
+          </a:fillRef>
+          <a:effectRef idx="0">
+            <a:schemeClr val="accent1"/>
+          </a:effectRef>
+          <a:fontRef idx="minor">
+            <a:schemeClr val="tx1"/>
+          </a:fontRef>
+        </p:style>
+      </p:cxnSp>
+      <p:cxnSp>
+        <p:nvCxnSpPr>
+          <p:cNvPr id="166" name="Straight Connector 42">
+            <a:extLst>
+              <a:ext uri="{FF2B5EF4-FFF2-40B4-BE49-F238E27FC236}">
+                <a16:creationId xmlns:a16="http://schemas.microsoft.com/office/drawing/2014/main" id="{9E4D08A0-E051-95E2-9467-BD0311F461F6}"/>
+              </a:ext>
+            </a:extLst>
+          </p:cNvPr>
+          <p:cNvCxnSpPr>
+            <a:cxnSpLocks/>
+          </p:cNvCxnSpPr>
+          <p:nvPr/>
+        </p:nvCxnSpPr>
+        <p:spPr>
+          <a:xfrm flipV="1">
+            <a:off x="5851875" y="5006893"/>
+            <a:ext cx="0" cy="1151261"/>
+          </a:xfrm>
+          <a:prstGeom prst="line">
+            <a:avLst/>
+          </a:prstGeom>
+          <a:ln w="19050">
+            <a:solidFill>
+              <a:srgbClr val="FFC000"/>
+            </a:solidFill>
+          </a:ln>
+        </p:spPr>
+        <p:style>
+          <a:lnRef idx="1">
+            <a:schemeClr val="accent1"/>
+          </a:lnRef>
+          <a:fillRef idx="0">
+            <a:schemeClr val="accent1"/>
+          </a:fillRef>
+          <a:effectRef idx="0">
+            <a:schemeClr val="accent1"/>
+          </a:effectRef>
+          <a:fontRef idx="minor">
+            <a:schemeClr val="tx1"/>
+          </a:fontRef>
+        </p:style>
+      </p:cxnSp>
+      <p:cxnSp>
+        <p:nvCxnSpPr>
+          <p:cNvPr id="168" name="Straight Connector 42">
+            <a:extLst>
+              <a:ext uri="{FF2B5EF4-FFF2-40B4-BE49-F238E27FC236}">
+                <a16:creationId xmlns:a16="http://schemas.microsoft.com/office/drawing/2014/main" id="{04C20AE5-30F7-A7E3-ADE5-87B925CE8A82}"/>
+              </a:ext>
+            </a:extLst>
+          </p:cNvPr>
+          <p:cNvCxnSpPr>
+            <a:cxnSpLocks/>
+          </p:cNvCxnSpPr>
+          <p:nvPr/>
+        </p:nvCxnSpPr>
+        <p:spPr>
+          <a:xfrm>
+            <a:off x="5031021" y="5006893"/>
+            <a:ext cx="820854" cy="0"/>
+          </a:xfrm>
+          <a:prstGeom prst="line">
+            <a:avLst/>
+          </a:prstGeom>
+          <a:ln w="19050">
+            <a:solidFill>
+              <a:srgbClr val="FFC000"/>
+            </a:solidFill>
+          </a:ln>
+        </p:spPr>
+        <p:style>
+          <a:lnRef idx="1">
+            <a:schemeClr val="accent1"/>
+          </a:lnRef>
+          <a:fillRef idx="0">
+            <a:schemeClr val="accent1"/>
+          </a:fillRef>
+          <a:effectRef idx="0">
+            <a:schemeClr val="accent1"/>
+          </a:effectRef>
+          <a:fontRef idx="minor">
+            <a:schemeClr val="tx1"/>
+          </a:fontRef>
+        </p:style>
+      </p:cxnSp>
+      <p:cxnSp>
+        <p:nvCxnSpPr>
+          <p:cNvPr id="171" name="Straight Connector 42">
+            <a:extLst>
+              <a:ext uri="{FF2B5EF4-FFF2-40B4-BE49-F238E27FC236}">
+                <a16:creationId xmlns:a16="http://schemas.microsoft.com/office/drawing/2014/main" id="{C3665280-C44C-5103-22AF-613EC505D43D}"/>
+              </a:ext>
+            </a:extLst>
+          </p:cNvPr>
+          <p:cNvCxnSpPr>
+            <a:cxnSpLocks/>
+          </p:cNvCxnSpPr>
+          <p:nvPr/>
+        </p:nvCxnSpPr>
+        <p:spPr>
+          <a:xfrm flipV="1">
+            <a:off x="7086286" y="6486166"/>
+            <a:ext cx="0" cy="242564"/>
+          </a:xfrm>
+          <a:prstGeom prst="line">
+            <a:avLst/>
+          </a:prstGeom>
+          <a:ln w="19050">
+            <a:solidFill>
+              <a:srgbClr val="FFC000"/>
+            </a:solidFill>
+          </a:ln>
+        </p:spPr>
+        <p:style>
+          <a:lnRef idx="1">
+            <a:schemeClr val="accent1"/>
+          </a:lnRef>
+          <a:fillRef idx="0">
+            <a:schemeClr val="accent1"/>
+          </a:fillRef>
+          <a:effectRef idx="0">
+            <a:schemeClr val="accent1"/>
+          </a:effectRef>
+          <a:fontRef idx="minor">
+            <a:schemeClr val="tx1"/>
+          </a:fontRef>
+        </p:style>
+      </p:cxnSp>
+      <p:cxnSp>
+        <p:nvCxnSpPr>
+          <p:cNvPr id="173" name="Straight Connector 42">
+            <a:extLst>
+              <a:ext uri="{FF2B5EF4-FFF2-40B4-BE49-F238E27FC236}">
+                <a16:creationId xmlns:a16="http://schemas.microsoft.com/office/drawing/2014/main" id="{B7BAA504-2652-6022-5874-C2952C1B2F08}"/>
+              </a:ext>
+            </a:extLst>
+          </p:cNvPr>
+          <p:cNvCxnSpPr>
+            <a:cxnSpLocks/>
+          </p:cNvCxnSpPr>
+          <p:nvPr/>
+        </p:nvCxnSpPr>
+        <p:spPr>
+          <a:xfrm>
+            <a:off x="5603240" y="6713773"/>
+            <a:ext cx="1498315" cy="0"/>
+          </a:xfrm>
+          <a:prstGeom prst="line">
+            <a:avLst/>
+          </a:prstGeom>
+          <a:ln w="19050">
+            <a:solidFill>
+              <a:srgbClr val="FFC000"/>
+            </a:solidFill>
+          </a:ln>
+        </p:spPr>
+        <p:style>
+          <a:lnRef idx="1">
+            <a:schemeClr val="accent1"/>
+          </a:lnRef>
+          <a:fillRef idx="0">
+            <a:schemeClr val="accent1"/>
+          </a:fillRef>
+          <a:effectRef idx="0">
+            <a:schemeClr val="accent1"/>
+          </a:effectRef>
+          <a:fontRef idx="minor">
+            <a:schemeClr val="tx1"/>
+          </a:fontRef>
+        </p:style>
+      </p:cxnSp>
+      <p:cxnSp>
+        <p:nvCxnSpPr>
+          <p:cNvPr id="175" name="Straight Connector 42">
+            <a:extLst>
+              <a:ext uri="{FF2B5EF4-FFF2-40B4-BE49-F238E27FC236}">
+                <a16:creationId xmlns:a16="http://schemas.microsoft.com/office/drawing/2014/main" id="{C43F4D2E-31BB-15BB-37D9-CE9082DDA3C7}"/>
+              </a:ext>
+            </a:extLst>
+          </p:cNvPr>
+          <p:cNvCxnSpPr>
+            <a:cxnSpLocks/>
+          </p:cNvCxnSpPr>
+          <p:nvPr/>
+        </p:nvCxnSpPr>
+        <p:spPr>
+          <a:xfrm flipV="1">
+            <a:off x="5617616" y="5570333"/>
+            <a:ext cx="0" cy="1151261"/>
+          </a:xfrm>
+          <a:prstGeom prst="line">
+            <a:avLst/>
+          </a:prstGeom>
+          <a:ln w="19050">
+            <a:solidFill>
+              <a:srgbClr val="FFC000"/>
+            </a:solidFill>
+          </a:ln>
+        </p:spPr>
+        <p:style>
+          <a:lnRef idx="1">
+            <a:schemeClr val="accent1"/>
+          </a:lnRef>
+          <a:fillRef idx="0">
+            <a:schemeClr val="accent1"/>
+          </a:fillRef>
+          <a:effectRef idx="0">
+            <a:schemeClr val="accent1"/>
+          </a:effectRef>
+          <a:fontRef idx="minor">
+            <a:schemeClr val="tx1"/>
+          </a:fontRef>
+        </p:style>
+      </p:cxnSp>
+      <p:cxnSp>
+        <p:nvCxnSpPr>
+          <p:cNvPr id="176" name="Straight Connector 42">
+            <a:extLst>
+              <a:ext uri="{FF2B5EF4-FFF2-40B4-BE49-F238E27FC236}">
+                <a16:creationId xmlns:a16="http://schemas.microsoft.com/office/drawing/2014/main" id="{3C88DDFA-D809-7A64-5744-D2C8F1CA03FF}"/>
+              </a:ext>
+            </a:extLst>
+          </p:cNvPr>
+          <p:cNvCxnSpPr>
+            <a:cxnSpLocks/>
+          </p:cNvCxnSpPr>
+          <p:nvPr/>
+        </p:nvCxnSpPr>
+        <p:spPr>
+          <a:xfrm>
+            <a:off x="896674" y="5570333"/>
+            <a:ext cx="4720942" cy="5123"/>
+          </a:xfrm>
+          <a:prstGeom prst="line">
+            <a:avLst/>
+          </a:prstGeom>
+          <a:ln w="19050">
+            <a:solidFill>
+              <a:srgbClr val="FFC000"/>
+            </a:solidFill>
+          </a:ln>
+        </p:spPr>
+        <p:style>
+          <a:lnRef idx="1">
+            <a:schemeClr val="accent1"/>
+          </a:lnRef>
+          <a:fillRef idx="0">
+            <a:schemeClr val="accent1"/>
+          </a:fillRef>
+          <a:effectRef idx="0">
+            <a:schemeClr val="accent1"/>
+          </a:effectRef>
+          <a:fontRef idx="minor">
+            <a:schemeClr val="tx1"/>
+          </a:fontRef>
+        </p:style>
+      </p:cxnSp>
+      <p:cxnSp>
+        <p:nvCxnSpPr>
+          <p:cNvPr id="179" name="Straight Connector 23">
+            <a:extLst>
+              <a:ext uri="{FF2B5EF4-FFF2-40B4-BE49-F238E27FC236}">
+                <a16:creationId xmlns:a16="http://schemas.microsoft.com/office/drawing/2014/main" id="{5C87D0C7-59E6-492B-C315-315C94FF3541}"/>
+              </a:ext>
+            </a:extLst>
+          </p:cNvPr>
+          <p:cNvCxnSpPr>
+            <a:cxnSpLocks/>
+          </p:cNvCxnSpPr>
+          <p:nvPr/>
+        </p:nvCxnSpPr>
+        <p:spPr>
+          <a:xfrm>
+            <a:off x="7513646" y="3066138"/>
+            <a:ext cx="0" cy="337429"/>
+          </a:xfrm>
+          <a:prstGeom prst="line">
+            <a:avLst/>
+          </a:prstGeom>
+          <a:ln w="19050">
+            <a:solidFill>
+              <a:srgbClr val="00B050"/>
+            </a:solidFill>
+          </a:ln>
+        </p:spPr>
+        <p:style>
+          <a:lnRef idx="1">
+            <a:schemeClr val="accent1"/>
+          </a:lnRef>
+          <a:fillRef idx="0">
+            <a:schemeClr val="accent1"/>
+          </a:fillRef>
+          <a:effectRef idx="0">
+            <a:schemeClr val="accent1"/>
+          </a:effectRef>
+          <a:fontRef idx="minor">
+            <a:schemeClr val="tx1"/>
+          </a:fontRef>
+        </p:style>
+      </p:cxnSp>
+      <p:cxnSp>
+        <p:nvCxnSpPr>
+          <p:cNvPr id="181" name="Straight Connector 23">
+            <a:extLst>
+              <a:ext uri="{FF2B5EF4-FFF2-40B4-BE49-F238E27FC236}">
+                <a16:creationId xmlns:a16="http://schemas.microsoft.com/office/drawing/2014/main" id="{4134A07C-5887-DC4D-5809-1D4E138FFC93}"/>
+              </a:ext>
+            </a:extLst>
+          </p:cNvPr>
+          <p:cNvCxnSpPr>
+            <a:cxnSpLocks/>
+          </p:cNvCxnSpPr>
+          <p:nvPr/>
+        </p:nvCxnSpPr>
+        <p:spPr>
+          <a:xfrm>
+            <a:off x="1738377" y="5395519"/>
+            <a:ext cx="4435105" cy="7442"/>
+          </a:xfrm>
+          <a:prstGeom prst="line">
+            <a:avLst/>
+          </a:prstGeom>
+          <a:ln w="19050">
+            <a:solidFill>
+              <a:srgbClr val="00B050"/>
+            </a:solidFill>
+          </a:ln>
+        </p:spPr>
+        <p:style>
+          <a:lnRef idx="1">
+            <a:schemeClr val="accent1"/>
+          </a:lnRef>
+          <a:fillRef idx="0">
+            <a:schemeClr val="accent1"/>
+          </a:fillRef>
+          <a:effectRef idx="0">
+            <a:schemeClr val="accent1"/>
+          </a:effectRef>
+          <a:fontRef idx="minor">
+            <a:schemeClr val="tx1"/>
+          </a:fontRef>
+        </p:style>
+      </p:cxnSp>
+      <p:cxnSp>
+        <p:nvCxnSpPr>
+          <p:cNvPr id="183" name="Straight Connector 23">
+            <a:extLst>
+              <a:ext uri="{FF2B5EF4-FFF2-40B4-BE49-F238E27FC236}">
+                <a16:creationId xmlns:a16="http://schemas.microsoft.com/office/drawing/2014/main" id="{283B16D5-C09F-F1CB-6006-B025D0E0E1A1}"/>
+              </a:ext>
+            </a:extLst>
+          </p:cNvPr>
+          <p:cNvCxnSpPr>
+            <a:cxnSpLocks/>
+          </p:cNvCxnSpPr>
+          <p:nvPr/>
+        </p:nvCxnSpPr>
+        <p:spPr>
+          <a:xfrm>
+            <a:off x="6159922" y="4681856"/>
+            <a:ext cx="0" cy="734873"/>
+          </a:xfrm>
+          <a:prstGeom prst="line">
+            <a:avLst/>
+          </a:prstGeom>
+          <a:ln w="19050">
+            <a:solidFill>
+              <a:srgbClr val="00B050"/>
+            </a:solidFill>
+          </a:ln>
+        </p:spPr>
+        <p:style>
+          <a:lnRef idx="1">
+            <a:schemeClr val="accent1"/>
+          </a:lnRef>
+          <a:fillRef idx="0">
+            <a:schemeClr val="accent1"/>
+          </a:fillRef>
+          <a:effectRef idx="0">
+            <a:schemeClr val="accent1"/>
+          </a:effectRef>
+          <a:fontRef idx="minor">
+            <a:schemeClr val="tx1"/>
+          </a:fontRef>
+        </p:style>
+      </p:cxnSp>
+      <p:cxnSp>
+        <p:nvCxnSpPr>
+          <p:cNvPr id="185" name="Straight Arrow Connector 26">
+            <a:extLst>
+              <a:ext uri="{FF2B5EF4-FFF2-40B4-BE49-F238E27FC236}">
+                <a16:creationId xmlns:a16="http://schemas.microsoft.com/office/drawing/2014/main" id="{5B4B871A-8183-4831-EAF9-DF0831560382}"/>
+              </a:ext>
+            </a:extLst>
+          </p:cNvPr>
+          <p:cNvCxnSpPr>
+            <a:cxnSpLocks/>
+          </p:cNvCxnSpPr>
+          <p:nvPr/>
+        </p:nvCxnSpPr>
+        <p:spPr>
+          <a:xfrm>
+            <a:off x="6159873" y="4681856"/>
+            <a:ext cx="595582" cy="0"/>
           </a:xfrm>
           <a:prstGeom prst="straightConnector1">
             <a:avLst/>
@@ -9387,10 +9804,10 @@
       </p:cxnSp>
       <p:sp>
         <p:nvSpPr>
-          <p:cNvPr id="124" name="TextBox 123">
-            <a:extLst>
-              <a:ext uri="{FF2B5EF4-FFF2-40B4-BE49-F238E27FC236}">
-                <a16:creationId xmlns:a16="http://schemas.microsoft.com/office/drawing/2014/main" id="{F713DADD-0B42-674A-B183-97275E81025A}"/>
+          <p:cNvPr id="188" name="TextBox 61">
+            <a:extLst>
+              <a:ext uri="{FF2B5EF4-FFF2-40B4-BE49-F238E27FC236}">
+                <a16:creationId xmlns:a16="http://schemas.microsoft.com/office/drawing/2014/main" id="{62CBFBD5-6B45-1AAE-3BB4-3222D60E502B}"/>
               </a:ext>
             </a:extLst>
           </p:cNvPr>
@@ -9399,8 +9816,8 @@
         </p:nvSpPr>
         <p:spPr>
           <a:xfrm>
-            <a:off x="4988542" y="4951021"/>
-            <a:ext cx="631904" cy="276999"/>
+            <a:off x="4990659" y="4990897"/>
+            <a:ext cx="894156" cy="276999"/>
           </a:xfrm>
           <a:prstGeom prst="rect">
             <a:avLst/>
@@ -9414,8 +9831,8 @@
           <a:lstStyle/>
           <a:p>
             <a:r>
-              <a:rPr lang="en-US" sz="1200" dirty="0"/>
-              <a:t>N_id_2</a:t>
+              <a:rPr lang="en-US" sz="1200" dirty="0" err="1"/>
+              <a:t>PBCH_valid</a:t>
             </a:r>
             <a:endParaRPr lang="en-GB" sz="1200" dirty="0"/>
           </a:p>

--- a/doc/overview.pptx
+++ b/doc/overview.pptx
@@ -261,7 +261,7 @@
           <a:p>
             <a:fld id="{0647E4D3-4269-40FF-ADD2-F433546F1734}" type="datetimeFigureOut">
               <a:rPr lang="en-GB" smtClean="0"/>
-              <a:t>25/05/2023</a:t>
+              <a:t>28/05/2023</a:t>
             </a:fld>
             <a:endParaRPr lang="en-GB"/>
           </a:p>
@@ -315,7 +315,7 @@
           <a:p>
             <a:fld id="{1991B810-A44B-42D8-B2B0-10522A071A3E}" type="slidenum">
               <a:rPr lang="en-GB" smtClean="0"/>
-              <a:t>‹#›</a:t>
+              <a:t>‹Nr.›</a:t>
             </a:fld>
             <a:endParaRPr lang="en-GB"/>
           </a:p>
@@ -461,7 +461,7 @@
           <a:p>
             <a:fld id="{0647E4D3-4269-40FF-ADD2-F433546F1734}" type="datetimeFigureOut">
               <a:rPr lang="en-GB" smtClean="0"/>
-              <a:t>25/05/2023</a:t>
+              <a:t>28/05/2023</a:t>
             </a:fld>
             <a:endParaRPr lang="en-GB"/>
           </a:p>
@@ -515,7 +515,7 @@
           <a:p>
             <a:fld id="{1991B810-A44B-42D8-B2B0-10522A071A3E}" type="slidenum">
               <a:rPr lang="en-GB" smtClean="0"/>
-              <a:t>‹#›</a:t>
+              <a:t>‹Nr.›</a:t>
             </a:fld>
             <a:endParaRPr lang="en-GB"/>
           </a:p>
@@ -671,7 +671,7 @@
           <a:p>
             <a:fld id="{0647E4D3-4269-40FF-ADD2-F433546F1734}" type="datetimeFigureOut">
               <a:rPr lang="en-GB" smtClean="0"/>
-              <a:t>25/05/2023</a:t>
+              <a:t>28/05/2023</a:t>
             </a:fld>
             <a:endParaRPr lang="en-GB"/>
           </a:p>
@@ -725,7 +725,7 @@
           <a:p>
             <a:fld id="{1991B810-A44B-42D8-B2B0-10522A071A3E}" type="slidenum">
               <a:rPr lang="en-GB" smtClean="0"/>
-              <a:t>‹#›</a:t>
+              <a:t>‹Nr.›</a:t>
             </a:fld>
             <a:endParaRPr lang="en-GB"/>
           </a:p>
@@ -871,7 +871,7 @@
           <a:p>
             <a:fld id="{0647E4D3-4269-40FF-ADD2-F433546F1734}" type="datetimeFigureOut">
               <a:rPr lang="en-GB" smtClean="0"/>
-              <a:t>25/05/2023</a:t>
+              <a:t>28/05/2023</a:t>
             </a:fld>
             <a:endParaRPr lang="en-GB"/>
           </a:p>
@@ -925,7 +925,7 @@
           <a:p>
             <a:fld id="{1991B810-A44B-42D8-B2B0-10522A071A3E}" type="slidenum">
               <a:rPr lang="en-GB" smtClean="0"/>
-              <a:t>‹#›</a:t>
+              <a:t>‹Nr.›</a:t>
             </a:fld>
             <a:endParaRPr lang="en-GB"/>
           </a:p>
@@ -1147,7 +1147,7 @@
           <a:p>
             <a:fld id="{0647E4D3-4269-40FF-ADD2-F433546F1734}" type="datetimeFigureOut">
               <a:rPr lang="en-GB" smtClean="0"/>
-              <a:t>25/05/2023</a:t>
+              <a:t>28/05/2023</a:t>
             </a:fld>
             <a:endParaRPr lang="en-GB"/>
           </a:p>
@@ -1201,7 +1201,7 @@
           <a:p>
             <a:fld id="{1991B810-A44B-42D8-B2B0-10522A071A3E}" type="slidenum">
               <a:rPr lang="en-GB" smtClean="0"/>
-              <a:t>‹#›</a:t>
+              <a:t>‹Nr.›</a:t>
             </a:fld>
             <a:endParaRPr lang="en-GB"/>
           </a:p>
@@ -1415,7 +1415,7 @@
           <a:p>
             <a:fld id="{0647E4D3-4269-40FF-ADD2-F433546F1734}" type="datetimeFigureOut">
               <a:rPr lang="en-GB" smtClean="0"/>
-              <a:t>25/05/2023</a:t>
+              <a:t>28/05/2023</a:t>
             </a:fld>
             <a:endParaRPr lang="en-GB"/>
           </a:p>
@@ -1469,7 +1469,7 @@
           <a:p>
             <a:fld id="{1991B810-A44B-42D8-B2B0-10522A071A3E}" type="slidenum">
               <a:rPr lang="en-GB" smtClean="0"/>
-              <a:t>‹#›</a:t>
+              <a:t>‹Nr.›</a:t>
             </a:fld>
             <a:endParaRPr lang="en-GB"/>
           </a:p>
@@ -1830,7 +1830,7 @@
           <a:p>
             <a:fld id="{0647E4D3-4269-40FF-ADD2-F433546F1734}" type="datetimeFigureOut">
               <a:rPr lang="en-GB" smtClean="0"/>
-              <a:t>25/05/2023</a:t>
+              <a:t>28/05/2023</a:t>
             </a:fld>
             <a:endParaRPr lang="en-GB"/>
           </a:p>
@@ -1884,7 +1884,7 @@
           <a:p>
             <a:fld id="{1991B810-A44B-42D8-B2B0-10522A071A3E}" type="slidenum">
               <a:rPr lang="en-GB" smtClean="0"/>
-              <a:t>‹#›</a:t>
+              <a:t>‹Nr.›</a:t>
             </a:fld>
             <a:endParaRPr lang="en-GB"/>
           </a:p>
@@ -1972,7 +1972,7 @@
           <a:p>
             <a:fld id="{0647E4D3-4269-40FF-ADD2-F433546F1734}" type="datetimeFigureOut">
               <a:rPr lang="en-GB" smtClean="0"/>
-              <a:t>25/05/2023</a:t>
+              <a:t>28/05/2023</a:t>
             </a:fld>
             <a:endParaRPr lang="en-GB"/>
           </a:p>
@@ -2026,7 +2026,7 @@
           <a:p>
             <a:fld id="{1991B810-A44B-42D8-B2B0-10522A071A3E}" type="slidenum">
               <a:rPr lang="en-GB" smtClean="0"/>
-              <a:t>‹#›</a:t>
+              <a:t>‹Nr.›</a:t>
             </a:fld>
             <a:endParaRPr lang="en-GB"/>
           </a:p>
@@ -2085,7 +2085,7 @@
           <a:p>
             <a:fld id="{0647E4D3-4269-40FF-ADD2-F433546F1734}" type="datetimeFigureOut">
               <a:rPr lang="en-GB" smtClean="0"/>
-              <a:t>25/05/2023</a:t>
+              <a:t>28/05/2023</a:t>
             </a:fld>
             <a:endParaRPr lang="en-GB"/>
           </a:p>
@@ -2139,7 +2139,7 @@
           <a:p>
             <a:fld id="{1991B810-A44B-42D8-B2B0-10522A071A3E}" type="slidenum">
               <a:rPr lang="en-GB" smtClean="0"/>
-              <a:t>‹#›</a:t>
+              <a:t>‹Nr.›</a:t>
             </a:fld>
             <a:endParaRPr lang="en-GB"/>
           </a:p>
@@ -2398,7 +2398,7 @@
           <a:p>
             <a:fld id="{0647E4D3-4269-40FF-ADD2-F433546F1734}" type="datetimeFigureOut">
               <a:rPr lang="en-GB" smtClean="0"/>
-              <a:t>25/05/2023</a:t>
+              <a:t>28/05/2023</a:t>
             </a:fld>
             <a:endParaRPr lang="en-GB"/>
           </a:p>
@@ -2452,7 +2452,7 @@
           <a:p>
             <a:fld id="{1991B810-A44B-42D8-B2B0-10522A071A3E}" type="slidenum">
               <a:rPr lang="en-GB" smtClean="0"/>
-              <a:t>‹#›</a:t>
+              <a:t>‹Nr.›</a:t>
             </a:fld>
             <a:endParaRPr lang="en-GB"/>
           </a:p>
@@ -2687,7 +2687,7 @@
           <a:p>
             <a:fld id="{0647E4D3-4269-40FF-ADD2-F433546F1734}" type="datetimeFigureOut">
               <a:rPr lang="en-GB" smtClean="0"/>
-              <a:t>25/05/2023</a:t>
+              <a:t>28/05/2023</a:t>
             </a:fld>
             <a:endParaRPr lang="en-GB"/>
           </a:p>
@@ -2741,7 +2741,7 @@
           <a:p>
             <a:fld id="{1991B810-A44B-42D8-B2B0-10522A071A3E}" type="slidenum">
               <a:rPr lang="en-GB" smtClean="0"/>
-              <a:t>‹#›</a:t>
+              <a:t>‹Nr.›</a:t>
             </a:fld>
             <a:endParaRPr lang="en-GB"/>
           </a:p>
@@ -2930,7 +2930,7 @@
           <a:p>
             <a:fld id="{0647E4D3-4269-40FF-ADD2-F433546F1734}" type="datetimeFigureOut">
               <a:rPr lang="en-GB" smtClean="0"/>
-              <a:t>25/05/2023</a:t>
+              <a:t>28/05/2023</a:t>
             </a:fld>
             <a:endParaRPr lang="en-GB"/>
           </a:p>
@@ -3020,7 +3020,7 @@
           <a:p>
             <a:fld id="{1991B810-A44B-42D8-B2B0-10522A071A3E}" type="slidenum">
               <a:rPr lang="en-GB" smtClean="0"/>
-              <a:t>‹#›</a:t>
+              <a:t>‹Nr.›</a:t>
             </a:fld>
             <a:endParaRPr lang="en-GB"/>
           </a:p>
@@ -6181,8 +6181,8 @@
           </a:fontRef>
         </p:style>
       </p:cxnSp>
-      <mc:AlternateContent xmlns:mc="http://schemas.openxmlformats.org/markup-compatibility/2006">
-        <mc:Choice xmlns:a14="http://schemas.microsoft.com/office/drawing/2010/main" Requires="a14">
+      <mc:AlternateContent xmlns:mc="http://schemas.openxmlformats.org/markup-compatibility/2006" xmlns:a14="http://schemas.microsoft.com/office/drawing/2010/main">
+        <mc:Choice Requires="a14">
           <p:sp>
             <p:nvSpPr>
               <p:cNvPr id="73" name="TextBox 61">
@@ -6263,7 +6263,7 @@
             </p:txBody>
           </p:sp>
         </mc:Choice>
-        <mc:Fallback>
+        <mc:Fallback xmlns="">
           <p:sp>
             <p:nvSpPr>
               <p:cNvPr id="73" name="TextBox 61">
@@ -7913,8 +7913,8 @@
         </p:nvSpPr>
         <p:spPr>
           <a:xfrm>
-            <a:off x="8157106" y="3548312"/>
-            <a:ext cx="1184217" cy="1206137"/>
+            <a:off x="8157107" y="3548312"/>
+            <a:ext cx="1139936" cy="1206137"/>
           </a:xfrm>
           <a:prstGeom prst="rect">
             <a:avLst/>
@@ -7958,7 +7958,7 @@
                   </a:outerShdw>
                 </a:effectLst>
               </a:rPr>
-              <a:t>Ressource Grid Subscriber</a:t>
+              <a:t>Ressource Grid Framer</a:t>
             </a:r>
             <a:endParaRPr lang="en-GB" dirty="0">
               <a:ln w="0"/>
@@ -8524,8 +8524,8 @@
         </p:nvCxnSpPr>
         <p:spPr>
           <a:xfrm>
-            <a:off x="9340878" y="4377169"/>
-            <a:ext cx="427389" cy="0"/>
+            <a:off x="9297043" y="4377169"/>
+            <a:ext cx="471224" cy="0"/>
           </a:xfrm>
           <a:prstGeom prst="straightConnector1">
             <a:avLst/>
@@ -8763,7 +8763,7 @@
         </p:nvSpPr>
         <p:spPr>
           <a:xfrm>
-            <a:off x="9297835" y="4351201"/>
+            <a:off x="9240677" y="4342559"/>
             <a:ext cx="513474" cy="276999"/>
           </a:xfrm>
           <a:prstGeom prst="rect">

--- a/doc/overview.pptx
+++ b/doc/overview.pptx
@@ -261,7 +261,7 @@
           <a:p>
             <a:fld id="{0647E4D3-4269-40FF-ADD2-F433546F1734}" type="datetimeFigureOut">
               <a:rPr lang="en-GB" smtClean="0"/>
-              <a:t>28/05/2023</a:t>
+              <a:t>30/05/2023</a:t>
             </a:fld>
             <a:endParaRPr lang="en-GB"/>
           </a:p>
@@ -315,7 +315,7 @@
           <a:p>
             <a:fld id="{1991B810-A44B-42D8-B2B0-10522A071A3E}" type="slidenum">
               <a:rPr lang="en-GB" smtClean="0"/>
-              <a:t>‹Nr.›</a:t>
+              <a:t>‹#›</a:t>
             </a:fld>
             <a:endParaRPr lang="en-GB"/>
           </a:p>
@@ -461,7 +461,7 @@
           <a:p>
             <a:fld id="{0647E4D3-4269-40FF-ADD2-F433546F1734}" type="datetimeFigureOut">
               <a:rPr lang="en-GB" smtClean="0"/>
-              <a:t>28/05/2023</a:t>
+              <a:t>30/05/2023</a:t>
             </a:fld>
             <a:endParaRPr lang="en-GB"/>
           </a:p>
@@ -515,7 +515,7 @@
           <a:p>
             <a:fld id="{1991B810-A44B-42D8-B2B0-10522A071A3E}" type="slidenum">
               <a:rPr lang="en-GB" smtClean="0"/>
-              <a:t>‹Nr.›</a:t>
+              <a:t>‹#›</a:t>
             </a:fld>
             <a:endParaRPr lang="en-GB"/>
           </a:p>
@@ -671,7 +671,7 @@
           <a:p>
             <a:fld id="{0647E4D3-4269-40FF-ADD2-F433546F1734}" type="datetimeFigureOut">
               <a:rPr lang="en-GB" smtClean="0"/>
-              <a:t>28/05/2023</a:t>
+              <a:t>30/05/2023</a:t>
             </a:fld>
             <a:endParaRPr lang="en-GB"/>
           </a:p>
@@ -725,7 +725,7 @@
           <a:p>
             <a:fld id="{1991B810-A44B-42D8-B2B0-10522A071A3E}" type="slidenum">
               <a:rPr lang="en-GB" smtClean="0"/>
-              <a:t>‹Nr.›</a:t>
+              <a:t>‹#›</a:t>
             </a:fld>
             <a:endParaRPr lang="en-GB"/>
           </a:p>
@@ -871,7 +871,7 @@
           <a:p>
             <a:fld id="{0647E4D3-4269-40FF-ADD2-F433546F1734}" type="datetimeFigureOut">
               <a:rPr lang="en-GB" smtClean="0"/>
-              <a:t>28/05/2023</a:t>
+              <a:t>30/05/2023</a:t>
             </a:fld>
             <a:endParaRPr lang="en-GB"/>
           </a:p>
@@ -925,7 +925,7 @@
           <a:p>
             <a:fld id="{1991B810-A44B-42D8-B2B0-10522A071A3E}" type="slidenum">
               <a:rPr lang="en-GB" smtClean="0"/>
-              <a:t>‹Nr.›</a:t>
+              <a:t>‹#›</a:t>
             </a:fld>
             <a:endParaRPr lang="en-GB"/>
           </a:p>
@@ -1147,7 +1147,7 @@
           <a:p>
             <a:fld id="{0647E4D3-4269-40FF-ADD2-F433546F1734}" type="datetimeFigureOut">
               <a:rPr lang="en-GB" smtClean="0"/>
-              <a:t>28/05/2023</a:t>
+              <a:t>30/05/2023</a:t>
             </a:fld>
             <a:endParaRPr lang="en-GB"/>
           </a:p>
@@ -1201,7 +1201,7 @@
           <a:p>
             <a:fld id="{1991B810-A44B-42D8-B2B0-10522A071A3E}" type="slidenum">
               <a:rPr lang="en-GB" smtClean="0"/>
-              <a:t>‹Nr.›</a:t>
+              <a:t>‹#›</a:t>
             </a:fld>
             <a:endParaRPr lang="en-GB"/>
           </a:p>
@@ -1415,7 +1415,7 @@
           <a:p>
             <a:fld id="{0647E4D3-4269-40FF-ADD2-F433546F1734}" type="datetimeFigureOut">
               <a:rPr lang="en-GB" smtClean="0"/>
-              <a:t>28/05/2023</a:t>
+              <a:t>30/05/2023</a:t>
             </a:fld>
             <a:endParaRPr lang="en-GB"/>
           </a:p>
@@ -1469,7 +1469,7 @@
           <a:p>
             <a:fld id="{1991B810-A44B-42D8-B2B0-10522A071A3E}" type="slidenum">
               <a:rPr lang="en-GB" smtClean="0"/>
-              <a:t>‹Nr.›</a:t>
+              <a:t>‹#›</a:t>
             </a:fld>
             <a:endParaRPr lang="en-GB"/>
           </a:p>
@@ -1830,7 +1830,7 @@
           <a:p>
             <a:fld id="{0647E4D3-4269-40FF-ADD2-F433546F1734}" type="datetimeFigureOut">
               <a:rPr lang="en-GB" smtClean="0"/>
-              <a:t>28/05/2023</a:t>
+              <a:t>30/05/2023</a:t>
             </a:fld>
             <a:endParaRPr lang="en-GB"/>
           </a:p>
@@ -1884,7 +1884,7 @@
           <a:p>
             <a:fld id="{1991B810-A44B-42D8-B2B0-10522A071A3E}" type="slidenum">
               <a:rPr lang="en-GB" smtClean="0"/>
-              <a:t>‹Nr.›</a:t>
+              <a:t>‹#›</a:t>
             </a:fld>
             <a:endParaRPr lang="en-GB"/>
           </a:p>
@@ -1972,7 +1972,7 @@
           <a:p>
             <a:fld id="{0647E4D3-4269-40FF-ADD2-F433546F1734}" type="datetimeFigureOut">
               <a:rPr lang="en-GB" smtClean="0"/>
-              <a:t>28/05/2023</a:t>
+              <a:t>30/05/2023</a:t>
             </a:fld>
             <a:endParaRPr lang="en-GB"/>
           </a:p>
@@ -2026,7 +2026,7 @@
           <a:p>
             <a:fld id="{1991B810-A44B-42D8-B2B0-10522A071A3E}" type="slidenum">
               <a:rPr lang="en-GB" smtClean="0"/>
-              <a:t>‹Nr.›</a:t>
+              <a:t>‹#›</a:t>
             </a:fld>
             <a:endParaRPr lang="en-GB"/>
           </a:p>
@@ -2085,7 +2085,7 @@
           <a:p>
             <a:fld id="{0647E4D3-4269-40FF-ADD2-F433546F1734}" type="datetimeFigureOut">
               <a:rPr lang="en-GB" smtClean="0"/>
-              <a:t>28/05/2023</a:t>
+              <a:t>30/05/2023</a:t>
             </a:fld>
             <a:endParaRPr lang="en-GB"/>
           </a:p>
@@ -2139,7 +2139,7 @@
           <a:p>
             <a:fld id="{1991B810-A44B-42D8-B2B0-10522A071A3E}" type="slidenum">
               <a:rPr lang="en-GB" smtClean="0"/>
-              <a:t>‹Nr.›</a:t>
+              <a:t>‹#›</a:t>
             </a:fld>
             <a:endParaRPr lang="en-GB"/>
           </a:p>
@@ -2398,7 +2398,7 @@
           <a:p>
             <a:fld id="{0647E4D3-4269-40FF-ADD2-F433546F1734}" type="datetimeFigureOut">
               <a:rPr lang="en-GB" smtClean="0"/>
-              <a:t>28/05/2023</a:t>
+              <a:t>30/05/2023</a:t>
             </a:fld>
             <a:endParaRPr lang="en-GB"/>
           </a:p>
@@ -2452,7 +2452,7 @@
           <a:p>
             <a:fld id="{1991B810-A44B-42D8-B2B0-10522A071A3E}" type="slidenum">
               <a:rPr lang="en-GB" smtClean="0"/>
-              <a:t>‹Nr.›</a:t>
+              <a:t>‹#›</a:t>
             </a:fld>
             <a:endParaRPr lang="en-GB"/>
           </a:p>
@@ -2687,7 +2687,7 @@
           <a:p>
             <a:fld id="{0647E4D3-4269-40FF-ADD2-F433546F1734}" type="datetimeFigureOut">
               <a:rPr lang="en-GB" smtClean="0"/>
-              <a:t>28/05/2023</a:t>
+              <a:t>30/05/2023</a:t>
             </a:fld>
             <a:endParaRPr lang="en-GB"/>
           </a:p>
@@ -2741,7 +2741,7 @@
           <a:p>
             <a:fld id="{1991B810-A44B-42D8-B2B0-10522A071A3E}" type="slidenum">
               <a:rPr lang="en-GB" smtClean="0"/>
-              <a:t>‹Nr.›</a:t>
+              <a:t>‹#›</a:t>
             </a:fld>
             <a:endParaRPr lang="en-GB"/>
           </a:p>
@@ -2930,7 +2930,7 @@
           <a:p>
             <a:fld id="{0647E4D3-4269-40FF-ADD2-F433546F1734}" type="datetimeFigureOut">
               <a:rPr lang="en-GB" smtClean="0"/>
-              <a:t>28/05/2023</a:t>
+              <a:t>30/05/2023</a:t>
             </a:fld>
             <a:endParaRPr lang="en-GB"/>
           </a:p>
@@ -3020,7 +3020,7 @@
           <a:p>
             <a:fld id="{1991B810-A44B-42D8-B2B0-10522A071A3E}" type="slidenum">
               <a:rPr lang="en-GB" smtClean="0"/>
-              <a:t>‹Nr.›</a:t>
+              <a:t>‹#›</a:t>
             </a:fld>
             <a:endParaRPr lang="en-GB"/>
           </a:p>
@@ -3839,7 +3839,7 @@
         </p:nvSpPr>
         <p:spPr>
           <a:xfrm>
-            <a:off x="6757070" y="3537124"/>
+            <a:off x="5513206" y="5278086"/>
             <a:ext cx="988963" cy="1206137"/>
           </a:xfrm>
           <a:prstGeom prst="rect">
@@ -3935,7 +3935,7 @@
         </p:nvSpPr>
         <p:spPr>
           <a:xfrm>
-            <a:off x="6601636" y="5280030"/>
+            <a:off x="6915785" y="5278086"/>
             <a:ext cx="1151541" cy="1206137"/>
           </a:xfrm>
           <a:prstGeom prst="rect">
@@ -4012,7 +4012,7 @@
         </p:nvSpPr>
         <p:spPr>
           <a:xfrm>
-            <a:off x="8544857" y="5280029"/>
+            <a:off x="8792130" y="5284819"/>
             <a:ext cx="846237" cy="1206137"/>
           </a:xfrm>
           <a:prstGeom prst="rect">
@@ -4451,7 +4451,7 @@
         </p:nvSpPr>
         <p:spPr>
           <a:xfrm>
-            <a:off x="2378659" y="3970917"/>
+            <a:off x="2215554" y="3642283"/>
             <a:ext cx="868917" cy="1206137"/>
           </a:xfrm>
           <a:prstGeom prst="rect">
@@ -4550,8 +4550,8 @@
         </p:nvCxnSpPr>
         <p:spPr>
           <a:xfrm flipV="1">
-            <a:off x="1319273" y="4573986"/>
-            <a:ext cx="1059386" cy="620"/>
+            <a:off x="1294194" y="4245352"/>
+            <a:ext cx="921360" cy="620"/>
           </a:xfrm>
           <a:prstGeom prst="straightConnector1">
             <a:avLst/>
@@ -4586,13 +4586,15 @@
           </p:cNvPr>
           <p:cNvCxnSpPr>
             <a:cxnSpLocks/>
+            <a:stCxn id="8" idx="3"/>
+            <a:endCxn id="9" idx="1"/>
           </p:cNvCxnSpPr>
           <p:nvPr/>
         </p:nvCxnSpPr>
         <p:spPr>
           <a:xfrm>
-            <a:off x="7251551" y="4743260"/>
-            <a:ext cx="0" cy="537761"/>
+            <a:off x="6502169" y="5881155"/>
+            <a:ext cx="413616" cy="0"/>
           </a:xfrm>
           <a:prstGeom prst="straightConnector1">
             <a:avLst/>
@@ -4633,7 +4635,7 @@
         </p:nvSpPr>
         <p:spPr>
           <a:xfrm>
-            <a:off x="7248616" y="4868675"/>
+            <a:off x="6468830" y="5612005"/>
             <a:ext cx="476412" cy="276999"/>
           </a:xfrm>
           <a:prstGeom prst="rect">
@@ -4657,103 +4659,24 @@
       </p:sp>
       <p:cxnSp>
         <p:nvCxnSpPr>
-          <p:cNvPr id="41" name="Straight Arrow Connector 40">
-            <a:extLst>
-              <a:ext uri="{FF2B5EF4-FFF2-40B4-BE49-F238E27FC236}">
-                <a16:creationId xmlns:a16="http://schemas.microsoft.com/office/drawing/2014/main" id="{8853A8B6-970C-F2EE-0F20-6724A0B871E6}"/>
+          <p:cNvPr id="44" name="Straight Arrow Connector 43">
+            <a:extLst>
+              <a:ext uri="{FF2B5EF4-FFF2-40B4-BE49-F238E27FC236}">
+                <a16:creationId xmlns:a16="http://schemas.microsoft.com/office/drawing/2014/main" id="{5D1DB479-7DFA-EF82-BC88-2369A35EA94B}"/>
               </a:ext>
             </a:extLst>
           </p:cNvPr>
           <p:cNvCxnSpPr>
             <a:cxnSpLocks/>
-            <a:endCxn id="9" idx="1"/>
+            <a:stCxn id="9" idx="3"/>
+            <a:endCxn id="10" idx="1"/>
           </p:cNvCxnSpPr>
           <p:nvPr/>
         </p:nvCxnSpPr>
         <p:spPr>
           <a:xfrm>
-            <a:off x="6402089" y="5883097"/>
-            <a:ext cx="199547" cy="2"/>
-          </a:xfrm>
-          <a:prstGeom prst="straightConnector1">
-            <a:avLst/>
-          </a:prstGeom>
-          <a:ln w="19050">
-            <a:tailEnd type="triangle"/>
-          </a:ln>
-        </p:spPr>
-        <p:style>
-          <a:lnRef idx="1">
-            <a:schemeClr val="accent1"/>
-          </a:lnRef>
-          <a:fillRef idx="0">
-            <a:schemeClr val="accent1"/>
-          </a:fillRef>
-          <a:effectRef idx="0">
-            <a:schemeClr val="accent1"/>
-          </a:effectRef>
-          <a:fontRef idx="minor">
-            <a:schemeClr val="tx1"/>
-          </a:fontRef>
-        </p:style>
-      </p:cxnSp>
-      <p:cxnSp>
-        <p:nvCxnSpPr>
-          <p:cNvPr id="43" name="Straight Connector 42">
-            <a:extLst>
-              <a:ext uri="{FF2B5EF4-FFF2-40B4-BE49-F238E27FC236}">
-                <a16:creationId xmlns:a16="http://schemas.microsoft.com/office/drawing/2014/main" id="{992DBB46-CB2A-AFCD-A301-0AAF3C924E0F}"/>
-              </a:ext>
-            </a:extLst>
-          </p:cNvPr>
-          <p:cNvCxnSpPr>
-            <a:cxnSpLocks/>
-          </p:cNvCxnSpPr>
-          <p:nvPr/>
-        </p:nvCxnSpPr>
-        <p:spPr>
-          <a:xfrm>
-            <a:off x="6402089" y="4130689"/>
-            <a:ext cx="0" cy="1752408"/>
-          </a:xfrm>
-          <a:prstGeom prst="line">
-            <a:avLst/>
-          </a:prstGeom>
-          <a:ln w="19050"/>
-        </p:spPr>
-        <p:style>
-          <a:lnRef idx="1">
-            <a:schemeClr val="accent1"/>
-          </a:lnRef>
-          <a:fillRef idx="0">
-            <a:schemeClr val="accent1"/>
-          </a:fillRef>
-          <a:effectRef idx="0">
-            <a:schemeClr val="accent1"/>
-          </a:effectRef>
-          <a:fontRef idx="minor">
-            <a:schemeClr val="tx1"/>
-          </a:fontRef>
-        </p:style>
-      </p:cxnSp>
-      <p:cxnSp>
-        <p:nvCxnSpPr>
-          <p:cNvPr id="44" name="Straight Arrow Connector 43">
-            <a:extLst>
-              <a:ext uri="{FF2B5EF4-FFF2-40B4-BE49-F238E27FC236}">
-                <a16:creationId xmlns:a16="http://schemas.microsoft.com/office/drawing/2014/main" id="{5D1DB479-7DFA-EF82-BC88-2369A35EA94B}"/>
-              </a:ext>
-            </a:extLst>
-          </p:cNvPr>
-          <p:cNvCxnSpPr>
-            <a:cxnSpLocks/>
-          </p:cNvCxnSpPr>
-          <p:nvPr/>
-        </p:nvCxnSpPr>
-        <p:spPr>
-          <a:xfrm>
-            <a:off x="7760321" y="5891216"/>
-            <a:ext cx="784537" cy="0"/>
+            <a:off x="8067326" y="5881155"/>
+            <a:ext cx="724804" cy="6733"/>
           </a:xfrm>
           <a:prstGeom prst="straightConnector1">
             <a:avLst/>
@@ -5075,13 +4998,14 @@
           </p:cNvPr>
           <p:cNvCxnSpPr>
             <a:cxnSpLocks/>
+            <a:stCxn id="10" idx="3"/>
           </p:cNvCxnSpPr>
           <p:nvPr/>
         </p:nvCxnSpPr>
         <p:spPr>
           <a:xfrm>
-            <a:off x="9391094" y="5883989"/>
-            <a:ext cx="1146279" cy="3899"/>
+            <a:off x="9638367" y="5887888"/>
+            <a:ext cx="899006" cy="0"/>
           </a:xfrm>
           <a:prstGeom prst="straightConnector1">
             <a:avLst/>
@@ -5107,10 +5031,10 @@
       </p:cxnSp>
       <p:sp>
         <p:nvSpPr>
-          <p:cNvPr id="62" name="TextBox 61">
-            <a:extLst>
-              <a:ext uri="{FF2B5EF4-FFF2-40B4-BE49-F238E27FC236}">
-                <a16:creationId xmlns:a16="http://schemas.microsoft.com/office/drawing/2014/main" id="{F1560041-191B-E17C-4B1D-23548B94B90D}"/>
+          <p:cNvPr id="63" name="TextBox 62">
+            <a:extLst>
+              <a:ext uri="{FF2B5EF4-FFF2-40B4-BE49-F238E27FC236}">
+                <a16:creationId xmlns:a16="http://schemas.microsoft.com/office/drawing/2014/main" id="{E1945D03-F727-77AF-DCB7-367C0FAC86DE}"/>
               </a:ext>
             </a:extLst>
           </p:cNvPr>
@@ -5119,43 +5043,7 @@
         </p:nvSpPr>
         <p:spPr>
           <a:xfrm>
-            <a:off x="5270671" y="4276610"/>
-            <a:ext cx="902811" cy="276999"/>
-          </a:xfrm>
-          <a:prstGeom prst="rect">
-            <a:avLst/>
-          </a:prstGeom>
-          <a:noFill/>
-        </p:spPr>
-        <p:txBody>
-          <a:bodyPr wrap="none" rtlCol="0">
-            <a:spAutoFit/>
-          </a:bodyPr>
-          <a:lstStyle/>
-          <a:p>
-            <a:r>
-              <a:rPr lang="en-US" sz="1200" dirty="0"/>
-              <a:t>8 bit I/Q FD</a:t>
-            </a:r>
-            <a:endParaRPr lang="en-GB" sz="1200" dirty="0"/>
-          </a:p>
-        </p:txBody>
-      </p:sp>
-      <p:sp>
-        <p:nvSpPr>
-          <p:cNvPr id="63" name="TextBox 62">
-            <a:extLst>
-              <a:ext uri="{FF2B5EF4-FFF2-40B4-BE49-F238E27FC236}">
-                <a16:creationId xmlns:a16="http://schemas.microsoft.com/office/drawing/2014/main" id="{E1945D03-F727-77AF-DCB7-367C0FAC86DE}"/>
-              </a:ext>
-            </a:extLst>
-          </p:cNvPr>
-          <p:cNvSpPr txBox="1"/>
-          <p:nvPr/>
-        </p:nvSpPr>
-        <p:spPr>
-          <a:xfrm>
-            <a:off x="7802346" y="5637861"/>
+            <a:off x="8069017" y="5637861"/>
             <a:ext cx="702436" cy="276999"/>
           </a:xfrm>
           <a:prstGeom prst="rect">
@@ -5686,7 +5574,7 @@
         </p:nvSpPr>
         <p:spPr>
           <a:xfrm>
-            <a:off x="526793" y="3971537"/>
+            <a:off x="501714" y="3642903"/>
             <a:ext cx="792480" cy="1206137"/>
           </a:xfrm>
           <a:prstGeom prst="rect">
@@ -5752,8 +5640,8 @@
         </p:nvCxnSpPr>
         <p:spPr>
           <a:xfrm>
-            <a:off x="313405" y="4573985"/>
-            <a:ext cx="218227" cy="3600"/>
+            <a:off x="315112" y="4248951"/>
+            <a:ext cx="191441" cy="0"/>
           </a:xfrm>
           <a:prstGeom prst="straightConnector1">
             <a:avLst/>
@@ -5793,8 +5681,8 @@
         </p:nvCxnSpPr>
         <p:spPr>
           <a:xfrm>
-            <a:off x="1199701" y="3403567"/>
-            <a:ext cx="0" cy="567350"/>
+            <a:off x="1174622" y="3403567"/>
+            <a:ext cx="0" cy="238716"/>
           </a:xfrm>
           <a:prstGeom prst="straightConnector1">
             <a:avLst/>
@@ -5836,9 +5724,9 @@
           <p:nvPr/>
         </p:nvCxnSpPr>
         <p:spPr>
-          <a:xfrm flipV="1">
-            <a:off x="1199701" y="3406738"/>
-            <a:ext cx="6313945" cy="934"/>
+          <a:xfrm>
+            <a:off x="1160097" y="3396432"/>
+            <a:ext cx="6353549" cy="10306"/>
           </a:xfrm>
           <a:prstGeom prst="line">
             <a:avLst/>
@@ -5864,86 +5752,6 @@
           </a:fontRef>
         </p:style>
       </p:cxnSp>
-      <p:cxnSp>
-        <p:nvCxnSpPr>
-          <p:cNvPr id="16" name="Straight Arrow Connector 20">
-            <a:extLst>
-              <a:ext uri="{FF2B5EF4-FFF2-40B4-BE49-F238E27FC236}">
-                <a16:creationId xmlns:a16="http://schemas.microsoft.com/office/drawing/2014/main" id="{250F26E1-B29C-706A-9F7C-1D4B1473F0E4}"/>
-              </a:ext>
-            </a:extLst>
-          </p:cNvPr>
-          <p:cNvCxnSpPr>
-            <a:cxnSpLocks/>
-          </p:cNvCxnSpPr>
-          <p:nvPr/>
-        </p:nvCxnSpPr>
-        <p:spPr>
-          <a:xfrm>
-            <a:off x="5031021" y="4020967"/>
-            <a:ext cx="1726049" cy="0"/>
-          </a:xfrm>
-          <a:prstGeom prst="straightConnector1">
-            <a:avLst/>
-          </a:prstGeom>
-          <a:ln w="19050">
-            <a:solidFill>
-              <a:srgbClr val="FFC000"/>
-            </a:solidFill>
-            <a:tailEnd type="triangle"/>
-          </a:ln>
-        </p:spPr>
-        <p:style>
-          <a:lnRef idx="1">
-            <a:schemeClr val="accent1"/>
-          </a:lnRef>
-          <a:fillRef idx="0">
-            <a:schemeClr val="accent1"/>
-          </a:fillRef>
-          <a:effectRef idx="0">
-            <a:schemeClr val="accent1"/>
-          </a:effectRef>
-          <a:fontRef idx="minor">
-            <a:schemeClr val="tx1"/>
-          </a:fontRef>
-        </p:style>
-      </p:cxnSp>
-      <p:sp>
-        <p:nvSpPr>
-          <p:cNvPr id="25" name="TextBox 61">
-            <a:extLst>
-              <a:ext uri="{FF2B5EF4-FFF2-40B4-BE49-F238E27FC236}">
-                <a16:creationId xmlns:a16="http://schemas.microsoft.com/office/drawing/2014/main" id="{6FFF3123-B018-FAC5-2E24-603CED33FF4C}"/>
-              </a:ext>
-            </a:extLst>
-          </p:cNvPr>
-          <p:cNvSpPr txBox="1"/>
-          <p:nvPr/>
-        </p:nvSpPr>
-        <p:spPr>
-          <a:xfrm>
-            <a:off x="5397135" y="3759137"/>
-            <a:ext cx="764312" cy="276999"/>
-          </a:xfrm>
-          <a:prstGeom prst="rect">
-            <a:avLst/>
-          </a:prstGeom>
-          <a:noFill/>
-        </p:spPr>
-        <p:txBody>
-          <a:bodyPr wrap="none" rtlCol="0">
-            <a:spAutoFit/>
-          </a:bodyPr>
-          <a:lstStyle/>
-          <a:p>
-            <a:r>
-              <a:rPr lang="en-US" sz="1200" dirty="0" err="1"/>
-              <a:t>SSS_valid</a:t>
-            </a:r>
-            <a:endParaRPr lang="en-GB" sz="1200" dirty="0"/>
-          </a:p>
-        </p:txBody>
-      </p:sp>
       <p:sp>
         <p:nvSpPr>
           <p:cNvPr id="55" name="Rectangle 59">
@@ -6037,8 +5845,8 @@
         </p:nvCxnSpPr>
         <p:spPr>
           <a:xfrm>
-            <a:off x="1317181" y="4158147"/>
-            <a:ext cx="1063570" cy="0"/>
+            <a:off x="1292102" y="3829513"/>
+            <a:ext cx="923452" cy="0"/>
           </a:xfrm>
           <a:prstGeom prst="straightConnector1">
             <a:avLst/>
@@ -6079,7 +5887,7 @@
         </p:nvSpPr>
         <p:spPr>
           <a:xfrm>
-            <a:off x="1435810" y="3911822"/>
+            <a:off x="1338758" y="3578364"/>
             <a:ext cx="772584" cy="276999"/>
           </a:xfrm>
           <a:prstGeom prst="rect">
@@ -6115,7 +5923,7 @@
         </p:nvSpPr>
         <p:spPr>
           <a:xfrm>
-            <a:off x="9590991" y="5622426"/>
+            <a:off x="9704128" y="5620025"/>
             <a:ext cx="712054" cy="276999"/>
           </a:xfrm>
           <a:prstGeom prst="rect">
@@ -6137,52 +5945,8 @@
           </a:p>
         </p:txBody>
       </p:sp>
-      <p:cxnSp>
-        <p:nvCxnSpPr>
-          <p:cNvPr id="50" name="Straight Arrow Connector 26">
-            <a:extLst>
-              <a:ext uri="{FF2B5EF4-FFF2-40B4-BE49-F238E27FC236}">
-                <a16:creationId xmlns:a16="http://schemas.microsoft.com/office/drawing/2014/main" id="{E8AEC7AB-9448-7784-8FF2-2A590C8A43CF}"/>
-              </a:ext>
-            </a:extLst>
-          </p:cNvPr>
-          <p:cNvCxnSpPr>
-            <a:cxnSpLocks/>
-          </p:cNvCxnSpPr>
-          <p:nvPr/>
-        </p:nvCxnSpPr>
-        <p:spPr>
-          <a:xfrm flipV="1">
-            <a:off x="896674" y="5175232"/>
-            <a:ext cx="0" cy="395101"/>
-          </a:xfrm>
-          <a:prstGeom prst="straightConnector1">
-            <a:avLst/>
-          </a:prstGeom>
-          <a:ln w="19050">
-            <a:solidFill>
-              <a:srgbClr val="FFC000"/>
-            </a:solidFill>
-            <a:tailEnd type="triangle"/>
-          </a:ln>
-        </p:spPr>
-        <p:style>
-          <a:lnRef idx="1">
-            <a:schemeClr val="accent1"/>
-          </a:lnRef>
-          <a:fillRef idx="0">
-            <a:schemeClr val="accent1"/>
-          </a:fillRef>
-          <a:effectRef idx="0">
-            <a:schemeClr val="accent1"/>
-          </a:effectRef>
-          <a:fontRef idx="minor">
-            <a:schemeClr val="tx1"/>
-          </a:fontRef>
-        </p:style>
-      </p:cxnSp>
-      <mc:AlternateContent xmlns:mc="http://schemas.openxmlformats.org/markup-compatibility/2006" xmlns:a14="http://schemas.microsoft.com/office/drawing/2010/main">
-        <mc:Choice Requires="a14">
+      <mc:AlternateContent xmlns:mc="http://schemas.openxmlformats.org/markup-compatibility/2006">
+        <mc:Choice xmlns:a14="http://schemas.microsoft.com/office/drawing/2010/main" Requires="a14">
           <p:sp>
             <p:nvSpPr>
               <p:cNvPr id="73" name="TextBox 61">
@@ -6197,7 +5961,7 @@
             </p:nvSpPr>
             <p:spPr>
               <a:xfrm>
-                <a:off x="6061186" y="6467922"/>
+                <a:off x="3192117" y="5091867"/>
                 <a:ext cx="475066" cy="276999"/>
               </a:xfrm>
               <a:prstGeom prst="rect">
@@ -6263,7 +6027,7 @@
             </p:txBody>
           </p:sp>
         </mc:Choice>
-        <mc:Fallback xmlns="">
+        <mc:Fallback>
           <p:sp>
             <p:nvSpPr>
               <p:cNvPr id="73" name="TextBox 61">
@@ -6280,7 +6044,7 @@
             </p:nvSpPr>
             <p:spPr>
               <a:xfrm>
-                <a:off x="6061186" y="6467922"/>
+                <a:off x="3192117" y="5091867"/>
                 <a:ext cx="475066" cy="276999"/>
               </a:xfrm>
               <a:prstGeom prst="rect">
@@ -6482,9 +6246,9 @@
           <p:nvPr/>
         </p:nvCxnSpPr>
         <p:spPr>
-          <a:xfrm flipV="1">
+          <a:xfrm flipH="1" flipV="1">
             <a:off x="980126" y="3256802"/>
-            <a:ext cx="0" cy="697375"/>
+            <a:ext cx="314" cy="375398"/>
           </a:xfrm>
           <a:prstGeom prst="line">
             <a:avLst/>
@@ -7050,7 +6814,7 @@
         </p:nvSpPr>
         <p:spPr>
           <a:xfrm>
-            <a:off x="19399" y="4697644"/>
+            <a:off x="1195481" y="4485342"/>
             <a:ext cx="711122" cy="245423"/>
           </a:xfrm>
           <a:prstGeom prst="rect">
@@ -7549,7 +7313,7 @@
         </p:nvSpPr>
         <p:spPr>
           <a:xfrm>
-            <a:off x="6457664" y="5351995"/>
+            <a:off x="7802227" y="5332022"/>
             <a:ext cx="712054" cy="245423"/>
           </a:xfrm>
           <a:prstGeom prst="rect">
@@ -7657,7 +7421,7 @@
         </p:nvSpPr>
         <p:spPr>
           <a:xfrm>
-            <a:off x="7957599" y="5883097"/>
+            <a:off x="8203916" y="5894048"/>
             <a:ext cx="356188" cy="276999"/>
           </a:xfrm>
           <a:prstGeom prst="rect">
@@ -7729,7 +7493,7 @@
         </p:nvSpPr>
         <p:spPr>
           <a:xfrm>
-            <a:off x="5495687" y="4545244"/>
+            <a:off x="3286574" y="4204768"/>
             <a:ext cx="356188" cy="276999"/>
           </a:xfrm>
           <a:prstGeom prst="rect">
@@ -7765,7 +7529,7 @@
         </p:nvSpPr>
         <p:spPr>
           <a:xfrm>
-            <a:off x="376004" y="5914853"/>
+            <a:off x="370960" y="5911783"/>
             <a:ext cx="4798686" cy="276999"/>
           </a:xfrm>
           <a:prstGeom prst="rect">
@@ -7805,7 +7569,7 @@
         </p:nvSpPr>
         <p:spPr>
           <a:xfrm>
-            <a:off x="1600112" y="4543357"/>
+            <a:off x="1575033" y="4214723"/>
             <a:ext cx="356188" cy="276999"/>
           </a:xfrm>
           <a:prstGeom prst="rect">
@@ -7841,7 +7605,7 @@
         </p:nvSpPr>
         <p:spPr>
           <a:xfrm>
-            <a:off x="1325519" y="4310459"/>
+            <a:off x="1300440" y="3981825"/>
             <a:ext cx="986167" cy="276999"/>
           </a:xfrm>
           <a:prstGeom prst="rect">
@@ -7913,7 +7677,7 @@
         </p:nvSpPr>
         <p:spPr>
           <a:xfrm>
-            <a:off x="8157107" y="3548312"/>
+            <a:off x="5563722" y="3642282"/>
             <a:ext cx="1139936" cy="1206137"/>
           </a:xfrm>
           <a:prstGeom prst="rect">
@@ -7987,13 +7751,15 @@
           </p:cNvPr>
           <p:cNvCxnSpPr>
             <a:cxnSpLocks/>
+            <a:stCxn id="59" idx="3"/>
+            <a:endCxn id="85" idx="1"/>
           </p:cNvCxnSpPr>
           <p:nvPr/>
         </p:nvCxnSpPr>
         <p:spPr>
           <a:xfrm>
-            <a:off x="7987917" y="4386563"/>
-            <a:ext cx="166473" cy="0"/>
+            <a:off x="6703658" y="4245351"/>
+            <a:ext cx="876796" cy="3246"/>
           </a:xfrm>
           <a:prstGeom prst="straightConnector1">
             <a:avLst/>
@@ -8001,235 +7767,6 @@
           <a:ln w="19050">
             <a:tailEnd type="triangle"/>
           </a:ln>
-        </p:spPr>
-        <p:style>
-          <a:lnRef idx="1">
-            <a:schemeClr val="accent1"/>
-          </a:lnRef>
-          <a:fillRef idx="0">
-            <a:schemeClr val="accent1"/>
-          </a:fillRef>
-          <a:effectRef idx="0">
-            <a:schemeClr val="accent1"/>
-          </a:effectRef>
-          <a:fontRef idx="minor">
-            <a:schemeClr val="tx1"/>
-          </a:fontRef>
-        </p:style>
-      </p:cxnSp>
-      <p:cxnSp>
-        <p:nvCxnSpPr>
-          <p:cNvPr id="72" name="Straight Connector 42">
-            <a:extLst>
-              <a:ext uri="{FF2B5EF4-FFF2-40B4-BE49-F238E27FC236}">
-                <a16:creationId xmlns:a16="http://schemas.microsoft.com/office/drawing/2014/main" id="{7FDEC6F5-B950-CB91-35E5-AF1F766F05F0}"/>
-              </a:ext>
-            </a:extLst>
-          </p:cNvPr>
-          <p:cNvCxnSpPr>
-            <a:cxnSpLocks/>
-          </p:cNvCxnSpPr>
-          <p:nvPr/>
-        </p:nvCxnSpPr>
-        <p:spPr>
-          <a:xfrm>
-            <a:off x="6409508" y="4868675"/>
-            <a:ext cx="1578409" cy="0"/>
-          </a:xfrm>
-          <a:prstGeom prst="line">
-            <a:avLst/>
-          </a:prstGeom>
-          <a:ln w="19050"/>
-        </p:spPr>
-        <p:style>
-          <a:lnRef idx="1">
-            <a:schemeClr val="accent1"/>
-          </a:lnRef>
-          <a:fillRef idx="0">
-            <a:schemeClr val="accent1"/>
-          </a:fillRef>
-          <a:effectRef idx="0">
-            <a:schemeClr val="accent1"/>
-          </a:effectRef>
-          <a:fontRef idx="minor">
-            <a:schemeClr val="tx1"/>
-          </a:fontRef>
-        </p:style>
-      </p:cxnSp>
-      <p:sp>
-        <p:nvSpPr>
-          <p:cNvPr id="81" name="Rechteck 111">
-            <a:extLst>
-              <a:ext uri="{FF2B5EF4-FFF2-40B4-BE49-F238E27FC236}">
-                <a16:creationId xmlns:a16="http://schemas.microsoft.com/office/drawing/2014/main" id="{E13E4B61-4B7A-8E24-ED7B-45E09A56B9CF}"/>
-              </a:ext>
-            </a:extLst>
-          </p:cNvPr>
-          <p:cNvSpPr/>
-          <p:nvPr/>
-        </p:nvSpPr>
-        <p:spPr>
-          <a:xfrm>
-            <a:off x="9190257" y="3571556"/>
-            <a:ext cx="711122" cy="245423"/>
-          </a:xfrm>
-          <a:prstGeom prst="rect">
-            <a:avLst/>
-          </a:prstGeom>
-          <a:solidFill>
-            <a:schemeClr val="accent6">
-              <a:lumMod val="60000"/>
-              <a:lumOff val="40000"/>
-            </a:schemeClr>
-          </a:solidFill>
-        </p:spPr>
-        <p:style>
-          <a:lnRef idx="2">
-            <a:schemeClr val="accent1">
-              <a:shade val="50000"/>
-            </a:schemeClr>
-          </a:lnRef>
-          <a:fillRef idx="1">
-            <a:schemeClr val="accent1"/>
-          </a:fillRef>
-          <a:effectRef idx="0">
-            <a:schemeClr val="accent1"/>
-          </a:effectRef>
-          <a:fontRef idx="minor">
-            <a:schemeClr val="lt1"/>
-          </a:fontRef>
-        </p:style>
-        <p:txBody>
-          <a:bodyPr rtlCol="0" anchor="ctr"/>
-          <a:lstStyle/>
-          <a:p>
-            <a:pPr algn="ctr"/>
-            <a:r>
-              <a:rPr lang="en-US" sz="1400" dirty="0">
-                <a:solidFill>
-                  <a:schemeClr val="bg1"/>
-                </a:solidFill>
-              </a:rPr>
-              <a:t>AXI lite</a:t>
-            </a:r>
-            <a:endParaRPr lang="de-DE" sz="1400" dirty="0">
-              <a:solidFill>
-                <a:schemeClr val="bg1"/>
-              </a:solidFill>
-            </a:endParaRPr>
-          </a:p>
-        </p:txBody>
-      </p:sp>
-      <p:cxnSp>
-        <p:nvCxnSpPr>
-          <p:cNvPr id="82" name="Straight Arrow Connector 60">
-            <a:extLst>
-              <a:ext uri="{FF2B5EF4-FFF2-40B4-BE49-F238E27FC236}">
-                <a16:creationId xmlns:a16="http://schemas.microsoft.com/office/drawing/2014/main" id="{73BF56A3-867C-0549-4F85-8AC4FA6D43C5}"/>
-              </a:ext>
-            </a:extLst>
-          </p:cNvPr>
-          <p:cNvCxnSpPr>
-            <a:cxnSpLocks/>
-          </p:cNvCxnSpPr>
-          <p:nvPr/>
-        </p:nvCxnSpPr>
-        <p:spPr>
-          <a:xfrm flipV="1">
-            <a:off x="11296820" y="3733018"/>
-            <a:ext cx="0" cy="1465953"/>
-          </a:xfrm>
-          <a:prstGeom prst="straightConnector1">
-            <a:avLst/>
-          </a:prstGeom>
-          <a:ln w="19050">
-            <a:solidFill>
-              <a:schemeClr val="tx1"/>
-            </a:solidFill>
-            <a:tailEnd type="triangle"/>
-          </a:ln>
-        </p:spPr>
-        <p:style>
-          <a:lnRef idx="1">
-            <a:schemeClr val="accent1"/>
-          </a:lnRef>
-          <a:fillRef idx="0">
-            <a:schemeClr val="accent1"/>
-          </a:fillRef>
-          <a:effectRef idx="0">
-            <a:schemeClr val="accent1"/>
-          </a:effectRef>
-          <a:fontRef idx="minor">
-            <a:schemeClr val="tx1"/>
-          </a:fontRef>
-        </p:style>
-      </p:cxnSp>
-      <p:cxnSp>
-        <p:nvCxnSpPr>
-          <p:cNvPr id="87" name="Straight Connector 23">
-            <a:extLst>
-              <a:ext uri="{FF2B5EF4-FFF2-40B4-BE49-F238E27FC236}">
-                <a16:creationId xmlns:a16="http://schemas.microsoft.com/office/drawing/2014/main" id="{CEEC669A-5BDF-1731-3065-899FC4DE2CD3}"/>
-              </a:ext>
-            </a:extLst>
-          </p:cNvPr>
-          <p:cNvCxnSpPr>
-            <a:cxnSpLocks/>
-          </p:cNvCxnSpPr>
-          <p:nvPr/>
-        </p:nvCxnSpPr>
-        <p:spPr>
-          <a:xfrm>
-            <a:off x="9128740" y="5187542"/>
-            <a:ext cx="2168080" cy="0"/>
-          </a:xfrm>
-          <a:prstGeom prst="line">
-            <a:avLst/>
-          </a:prstGeom>
-          <a:ln w="19050">
-            <a:solidFill>
-              <a:schemeClr val="tx1"/>
-            </a:solidFill>
-          </a:ln>
-        </p:spPr>
-        <p:style>
-          <a:lnRef idx="1">
-            <a:schemeClr val="accent1"/>
-          </a:lnRef>
-          <a:fillRef idx="0">
-            <a:schemeClr val="accent1"/>
-          </a:fillRef>
-          <a:effectRef idx="0">
-            <a:schemeClr val="accent1"/>
-          </a:effectRef>
-          <a:fontRef idx="minor">
-            <a:schemeClr val="tx1"/>
-          </a:fontRef>
-        </p:style>
-      </p:cxnSp>
-      <p:cxnSp>
-        <p:nvCxnSpPr>
-          <p:cNvPr id="93" name="Straight Connector 42">
-            <a:extLst>
-              <a:ext uri="{FF2B5EF4-FFF2-40B4-BE49-F238E27FC236}">
-                <a16:creationId xmlns:a16="http://schemas.microsoft.com/office/drawing/2014/main" id="{28B12D27-2F1E-7944-B92A-AFD269E0A26D}"/>
-              </a:ext>
-            </a:extLst>
-          </p:cNvPr>
-          <p:cNvCxnSpPr>
-            <a:cxnSpLocks/>
-          </p:cNvCxnSpPr>
-          <p:nvPr/>
-        </p:nvCxnSpPr>
-        <p:spPr>
-          <a:xfrm flipV="1">
-            <a:off x="7987917" y="4386563"/>
-            <a:ext cx="0" cy="482112"/>
-          </a:xfrm>
-          <a:prstGeom prst="line">
-            <a:avLst/>
-          </a:prstGeom>
-          <a:ln w="19050"/>
         </p:spPr>
         <p:style>
           <a:lnRef idx="1">
@@ -8414,7 +7951,7 @@
         </p:nvSpPr>
         <p:spPr>
           <a:xfrm>
-            <a:off x="9768267" y="3927572"/>
+            <a:off x="7580454" y="3645528"/>
             <a:ext cx="846237" cy="1206137"/>
           </a:xfrm>
           <a:prstGeom prst="rect">
@@ -8508,47 +8045,6 @@
           </a:p>
         </p:txBody>
       </p:sp>
-      <p:cxnSp>
-        <p:nvCxnSpPr>
-          <p:cNvPr id="88" name="Straight Arrow Connector 87">
-            <a:extLst>
-              <a:ext uri="{FF2B5EF4-FFF2-40B4-BE49-F238E27FC236}">
-                <a16:creationId xmlns:a16="http://schemas.microsoft.com/office/drawing/2014/main" id="{8EB48725-2868-00D6-D730-AD5F1F7D483D}"/>
-              </a:ext>
-            </a:extLst>
-          </p:cNvPr>
-          <p:cNvCxnSpPr>
-            <a:cxnSpLocks/>
-          </p:cNvCxnSpPr>
-          <p:nvPr/>
-        </p:nvCxnSpPr>
-        <p:spPr>
-          <a:xfrm>
-            <a:off x="9297043" y="4377169"/>
-            <a:ext cx="471224" cy="0"/>
-          </a:xfrm>
-          <a:prstGeom prst="straightConnector1">
-            <a:avLst/>
-          </a:prstGeom>
-          <a:ln w="19050">
-            <a:tailEnd type="triangle"/>
-          </a:ln>
-        </p:spPr>
-        <p:style>
-          <a:lnRef idx="1">
-            <a:schemeClr val="accent1"/>
-          </a:lnRef>
-          <a:fillRef idx="0">
-            <a:schemeClr val="accent1"/>
-          </a:fillRef>
-          <a:effectRef idx="0">
-            <a:schemeClr val="accent1"/>
-          </a:effectRef>
-          <a:fontRef idx="minor">
-            <a:schemeClr val="tx1"/>
-          </a:fontRef>
-        </p:style>
-      </p:cxnSp>
       <p:sp>
         <p:nvSpPr>
           <p:cNvPr id="95" name="Rectangle 94">
@@ -8641,9 +8137,9 @@
           <p:nvPr/>
         </p:nvCxnSpPr>
         <p:spPr>
-          <a:xfrm flipV="1">
+          <a:xfrm flipH="1" flipV="1">
             <a:off x="10869594" y="3734451"/>
-            <a:ext cx="0" cy="652112"/>
+            <a:ext cx="7956" cy="526399"/>
           </a:xfrm>
           <a:prstGeom prst="straightConnector1">
             <a:avLst/>
@@ -8678,13 +8174,14 @@
           </p:cNvPr>
           <p:cNvCxnSpPr>
             <a:cxnSpLocks/>
+            <a:stCxn id="85" idx="3"/>
           </p:cNvCxnSpPr>
           <p:nvPr/>
         </p:nvCxnSpPr>
         <p:spPr>
           <a:xfrm>
-            <a:off x="10612644" y="4386563"/>
-            <a:ext cx="254914" cy="0"/>
+            <a:off x="8426691" y="4248597"/>
+            <a:ext cx="2465086" cy="10887"/>
           </a:xfrm>
           <a:prstGeom prst="line">
             <a:avLst/>
@@ -8706,12 +8203,48 @@
           </a:fontRef>
         </p:style>
       </p:cxnSp>
+      <p:sp>
+        <p:nvSpPr>
+          <p:cNvPr id="79" name="TextBox 33">
+            <a:extLst>
+              <a:ext uri="{FF2B5EF4-FFF2-40B4-BE49-F238E27FC236}">
+                <a16:creationId xmlns:a16="http://schemas.microsoft.com/office/drawing/2014/main" id="{FDED0430-0EED-79E2-5308-B4EB2D8E6593}"/>
+              </a:ext>
+            </a:extLst>
+          </p:cNvPr>
+          <p:cNvSpPr txBox="1"/>
+          <p:nvPr/>
+        </p:nvSpPr>
+        <p:spPr>
+          <a:xfrm>
+            <a:off x="9399949" y="4004215"/>
+            <a:ext cx="513474" cy="276999"/>
+          </a:xfrm>
+          <a:prstGeom prst="rect">
+            <a:avLst/>
+          </a:prstGeom>
+          <a:noFill/>
+        </p:spPr>
+        <p:txBody>
+          <a:bodyPr wrap="none" rtlCol="0">
+            <a:spAutoFit/>
+          </a:bodyPr>
+          <a:lstStyle/>
+          <a:p>
+            <a:r>
+              <a:rPr lang="en-US" sz="1200" dirty="0"/>
+              <a:t>(axis)</a:t>
+            </a:r>
+            <a:endParaRPr lang="en-GB" sz="1200" dirty="0"/>
+          </a:p>
+        </p:txBody>
+      </p:sp>
       <p:cxnSp>
         <p:nvCxnSpPr>
-          <p:cNvPr id="131" name="Straight Connector 23">
-            <a:extLst>
-              <a:ext uri="{FF2B5EF4-FFF2-40B4-BE49-F238E27FC236}">
-                <a16:creationId xmlns:a16="http://schemas.microsoft.com/office/drawing/2014/main" id="{EA16D8FE-6771-F09C-1B6E-814CEF06747D}"/>
+          <p:cNvPr id="89" name="Straight Arrow Connector 60">
+            <a:extLst>
+              <a:ext uri="{FF2B5EF4-FFF2-40B4-BE49-F238E27FC236}">
+                <a16:creationId xmlns:a16="http://schemas.microsoft.com/office/drawing/2014/main" id="{6CE07976-B119-0315-46CB-029098D10154}"/>
               </a:ext>
             </a:extLst>
           </p:cNvPr>
@@ -8722,87 +8255,8 @@
         </p:nvCxnSpPr>
         <p:spPr>
           <a:xfrm flipV="1">
-            <a:off x="9128740" y="4754449"/>
-            <a:ext cx="0" cy="444282"/>
-          </a:xfrm>
-          <a:prstGeom prst="line">
-            <a:avLst/>
-          </a:prstGeom>
-          <a:ln w="19050">
-            <a:solidFill>
-              <a:schemeClr val="tx1"/>
-            </a:solidFill>
-          </a:ln>
-        </p:spPr>
-        <p:style>
-          <a:lnRef idx="1">
-            <a:schemeClr val="accent1"/>
-          </a:lnRef>
-          <a:fillRef idx="0">
-            <a:schemeClr val="accent1"/>
-          </a:fillRef>
-          <a:effectRef idx="0">
-            <a:schemeClr val="accent1"/>
-          </a:effectRef>
-          <a:fontRef idx="minor">
-            <a:schemeClr val="tx1"/>
-          </a:fontRef>
-        </p:style>
-      </p:cxnSp>
-      <p:sp>
-        <p:nvSpPr>
-          <p:cNvPr id="79" name="TextBox 33">
-            <a:extLst>
-              <a:ext uri="{FF2B5EF4-FFF2-40B4-BE49-F238E27FC236}">
-                <a16:creationId xmlns:a16="http://schemas.microsoft.com/office/drawing/2014/main" id="{FDED0430-0EED-79E2-5308-B4EB2D8E6593}"/>
-              </a:ext>
-            </a:extLst>
-          </p:cNvPr>
-          <p:cNvSpPr txBox="1"/>
-          <p:nvPr/>
-        </p:nvSpPr>
-        <p:spPr>
-          <a:xfrm>
-            <a:off x="9240677" y="4342559"/>
-            <a:ext cx="513474" cy="276999"/>
-          </a:xfrm>
-          <a:prstGeom prst="rect">
-            <a:avLst/>
-          </a:prstGeom>
-          <a:noFill/>
-        </p:spPr>
-        <p:txBody>
-          <a:bodyPr wrap="none" rtlCol="0">
-            <a:spAutoFit/>
-          </a:bodyPr>
-          <a:lstStyle/>
-          <a:p>
-            <a:r>
-              <a:rPr lang="en-US" sz="1200"/>
-              <a:t>(axis)</a:t>
-            </a:r>
-            <a:endParaRPr lang="en-GB" sz="1200" dirty="0"/>
-          </a:p>
-        </p:txBody>
-      </p:sp>
-      <p:cxnSp>
-        <p:nvCxnSpPr>
-          <p:cNvPr id="89" name="Straight Arrow Connector 60">
-            <a:extLst>
-              <a:ext uri="{FF2B5EF4-FFF2-40B4-BE49-F238E27FC236}">
-                <a16:creationId xmlns:a16="http://schemas.microsoft.com/office/drawing/2014/main" id="{6CE07976-B119-0315-46CB-029098D10154}"/>
-              </a:ext>
-            </a:extLst>
-          </p:cNvPr>
-          <p:cNvCxnSpPr>
-            <a:cxnSpLocks/>
-          </p:cNvCxnSpPr>
-          <p:nvPr/>
-        </p:nvCxnSpPr>
-        <p:spPr>
-          <a:xfrm flipH="1" flipV="1">
             <a:off x="11199838" y="3732778"/>
-            <a:ext cx="7474" cy="1010482"/>
+            <a:ext cx="0" cy="723605"/>
           </a:xfrm>
           <a:prstGeom prst="straightConnector1">
             <a:avLst/>
@@ -8845,8 +8299,8 @@
         </p:nvCxnSpPr>
         <p:spPr>
           <a:xfrm>
-            <a:off x="10612644" y="4735704"/>
-            <a:ext cx="587194" cy="0"/>
+            <a:off x="8426691" y="4456383"/>
+            <a:ext cx="2773147" cy="9611"/>
           </a:xfrm>
           <a:prstGeom prst="line">
             <a:avLst/>
@@ -8854,92 +8308,6 @@
           <a:ln w="19050">
             <a:solidFill>
               <a:schemeClr val="tx1"/>
-            </a:solidFill>
-          </a:ln>
-        </p:spPr>
-        <p:style>
-          <a:lnRef idx="1">
-            <a:schemeClr val="accent1"/>
-          </a:lnRef>
-          <a:fillRef idx="0">
-            <a:schemeClr val="accent1"/>
-          </a:fillRef>
-          <a:effectRef idx="0">
-            <a:schemeClr val="accent1"/>
-          </a:effectRef>
-          <a:fontRef idx="minor">
-            <a:schemeClr val="tx1"/>
-          </a:fontRef>
-        </p:style>
-      </p:cxnSp>
-      <p:cxnSp>
-        <p:nvCxnSpPr>
-          <p:cNvPr id="99" name="Straight Connector 23">
-            <a:extLst>
-              <a:ext uri="{FF2B5EF4-FFF2-40B4-BE49-F238E27FC236}">
-                <a16:creationId xmlns:a16="http://schemas.microsoft.com/office/drawing/2014/main" id="{086B3725-7366-4531-0235-DCCA9A3FC9B2}"/>
-              </a:ext>
-            </a:extLst>
-          </p:cNvPr>
-          <p:cNvCxnSpPr>
-            <a:cxnSpLocks/>
-          </p:cNvCxnSpPr>
-          <p:nvPr/>
-        </p:nvCxnSpPr>
-        <p:spPr>
-          <a:xfrm>
-            <a:off x="1317181" y="4979106"/>
-            <a:ext cx="421196" cy="0"/>
-          </a:xfrm>
-          <a:prstGeom prst="line">
-            <a:avLst/>
-          </a:prstGeom>
-          <a:ln w="19050">
-            <a:solidFill>
-              <a:srgbClr val="00B050"/>
-            </a:solidFill>
-          </a:ln>
-        </p:spPr>
-        <p:style>
-          <a:lnRef idx="1">
-            <a:schemeClr val="accent1"/>
-          </a:lnRef>
-          <a:fillRef idx="0">
-            <a:schemeClr val="accent1"/>
-          </a:fillRef>
-          <a:effectRef idx="0">
-            <a:schemeClr val="accent1"/>
-          </a:effectRef>
-          <a:fontRef idx="minor">
-            <a:schemeClr val="tx1"/>
-          </a:fontRef>
-        </p:style>
-      </p:cxnSp>
-      <p:cxnSp>
-        <p:nvCxnSpPr>
-          <p:cNvPr id="113" name="Straight Connector 23">
-            <a:extLst>
-              <a:ext uri="{FF2B5EF4-FFF2-40B4-BE49-F238E27FC236}">
-                <a16:creationId xmlns:a16="http://schemas.microsoft.com/office/drawing/2014/main" id="{07DFA50F-83EA-ED1C-97E5-CE91722C6346}"/>
-              </a:ext>
-            </a:extLst>
-          </p:cNvPr>
-          <p:cNvCxnSpPr>
-            <a:cxnSpLocks/>
-          </p:cNvCxnSpPr>
-          <p:nvPr/>
-        </p:nvCxnSpPr>
-        <p:spPr>
-          <a:xfrm>
-            <a:off x="1730237" y="4969732"/>
-            <a:ext cx="0" cy="435996"/>
-          </a:xfrm>
-          <a:prstGeom prst="line">
-            <a:avLst/>
-          </a:prstGeom>
-          <a:ln w="19050">
-            <a:solidFill>
-              <a:srgbClr val="00B050"/>
             </a:solidFill>
           </a:ln>
         </p:spPr>
@@ -9048,9 +8416,9 @@
           <p:nvPr/>
         </p:nvCxnSpPr>
         <p:spPr>
-          <a:xfrm flipH="1">
-            <a:off x="313405" y="3152135"/>
-            <a:ext cx="3434" cy="1421850"/>
+          <a:xfrm>
+            <a:off x="316839" y="3152135"/>
+            <a:ext cx="5218" cy="1091158"/>
           </a:xfrm>
           <a:prstGeom prst="line">
             <a:avLst/>
@@ -9086,7 +8454,7 @@
         </p:nvSpPr>
         <p:spPr>
           <a:xfrm>
-            <a:off x="4162713" y="3963926"/>
+            <a:off x="3877851" y="3640225"/>
             <a:ext cx="868917" cy="1206137"/>
           </a:xfrm>
           <a:prstGeom prst="rect">
@@ -9181,7 +8549,7 @@
         </p:nvSpPr>
         <p:spPr>
           <a:xfrm>
-            <a:off x="3234382" y="4283971"/>
+            <a:off x="3041920" y="3978907"/>
             <a:ext cx="902811" cy="276999"/>
           </a:xfrm>
           <a:prstGeom prst="rect">
@@ -9221,8 +8589,8 @@
         </p:nvCxnSpPr>
         <p:spPr>
           <a:xfrm flipV="1">
-            <a:off x="3247576" y="4566995"/>
-            <a:ext cx="915137" cy="6991"/>
+            <a:off x="3084471" y="4243294"/>
+            <a:ext cx="793380" cy="2058"/>
           </a:xfrm>
           <a:prstGeom prst="straightConnector1">
             <a:avLst/>
@@ -9257,13 +8625,15 @@
           </p:cNvPr>
           <p:cNvCxnSpPr>
             <a:cxnSpLocks/>
+            <a:stCxn id="147" idx="3"/>
+            <a:endCxn id="59" idx="1"/>
           </p:cNvCxnSpPr>
           <p:nvPr/>
         </p:nvCxnSpPr>
         <p:spPr>
           <a:xfrm>
-            <a:off x="5023227" y="4565545"/>
-            <a:ext cx="1386281" cy="0"/>
+            <a:off x="4746768" y="4243294"/>
+            <a:ext cx="816954" cy="2057"/>
           </a:xfrm>
           <a:prstGeom prst="line">
             <a:avLst/>
@@ -9302,7 +8672,7 @@
         </p:nvCxnSpPr>
         <p:spPr>
           <a:xfrm>
-            <a:off x="6402089" y="4140193"/>
+            <a:off x="5158225" y="5881155"/>
             <a:ext cx="354981" cy="0"/>
           </a:xfrm>
           <a:prstGeom prst="straightConnector1">
@@ -9310,136 +8680,6 @@
           </a:prstGeom>
           <a:ln w="19050">
             <a:tailEnd type="triangle"/>
-          </a:ln>
-        </p:spPr>
-        <p:style>
-          <a:lnRef idx="1">
-            <a:schemeClr val="accent1"/>
-          </a:lnRef>
-          <a:fillRef idx="0">
-            <a:schemeClr val="accent1"/>
-          </a:fillRef>
-          <a:effectRef idx="0">
-            <a:schemeClr val="accent1"/>
-          </a:effectRef>
-          <a:fontRef idx="minor">
-            <a:schemeClr val="tx1"/>
-          </a:fontRef>
-        </p:style>
-      </p:cxnSp>
-      <p:cxnSp>
-        <p:nvCxnSpPr>
-          <p:cNvPr id="164" name="Straight Arrow Connector 20">
-            <a:extLst>
-              <a:ext uri="{FF2B5EF4-FFF2-40B4-BE49-F238E27FC236}">
-                <a16:creationId xmlns:a16="http://schemas.microsoft.com/office/drawing/2014/main" id="{A9A6948A-15AC-D3C6-0AE7-D2A35FCCB934}"/>
-              </a:ext>
-            </a:extLst>
-          </p:cNvPr>
-          <p:cNvCxnSpPr>
-            <a:cxnSpLocks/>
-          </p:cNvCxnSpPr>
-          <p:nvPr/>
-        </p:nvCxnSpPr>
-        <p:spPr>
-          <a:xfrm>
-            <a:off x="5851875" y="6158154"/>
-            <a:ext cx="749761" cy="0"/>
-          </a:xfrm>
-          <a:prstGeom prst="straightConnector1">
-            <a:avLst/>
-          </a:prstGeom>
-          <a:ln w="19050">
-            <a:solidFill>
-              <a:srgbClr val="FFC000"/>
-            </a:solidFill>
-            <a:tailEnd type="triangle"/>
-          </a:ln>
-        </p:spPr>
-        <p:style>
-          <a:lnRef idx="1">
-            <a:schemeClr val="accent1"/>
-          </a:lnRef>
-          <a:fillRef idx="0">
-            <a:schemeClr val="accent1"/>
-          </a:fillRef>
-          <a:effectRef idx="0">
-            <a:schemeClr val="accent1"/>
-          </a:effectRef>
-          <a:fontRef idx="minor">
-            <a:schemeClr val="tx1"/>
-          </a:fontRef>
-        </p:style>
-      </p:cxnSp>
-      <p:cxnSp>
-        <p:nvCxnSpPr>
-          <p:cNvPr id="166" name="Straight Connector 42">
-            <a:extLst>
-              <a:ext uri="{FF2B5EF4-FFF2-40B4-BE49-F238E27FC236}">
-                <a16:creationId xmlns:a16="http://schemas.microsoft.com/office/drawing/2014/main" id="{9E4D08A0-E051-95E2-9467-BD0311F461F6}"/>
-              </a:ext>
-            </a:extLst>
-          </p:cNvPr>
-          <p:cNvCxnSpPr>
-            <a:cxnSpLocks/>
-          </p:cNvCxnSpPr>
-          <p:nvPr/>
-        </p:nvCxnSpPr>
-        <p:spPr>
-          <a:xfrm flipV="1">
-            <a:off x="5851875" y="5006893"/>
-            <a:ext cx="0" cy="1151261"/>
-          </a:xfrm>
-          <a:prstGeom prst="line">
-            <a:avLst/>
-          </a:prstGeom>
-          <a:ln w="19050">
-            <a:solidFill>
-              <a:srgbClr val="FFC000"/>
-            </a:solidFill>
-          </a:ln>
-        </p:spPr>
-        <p:style>
-          <a:lnRef idx="1">
-            <a:schemeClr val="accent1"/>
-          </a:lnRef>
-          <a:fillRef idx="0">
-            <a:schemeClr val="accent1"/>
-          </a:fillRef>
-          <a:effectRef idx="0">
-            <a:schemeClr val="accent1"/>
-          </a:effectRef>
-          <a:fontRef idx="minor">
-            <a:schemeClr val="tx1"/>
-          </a:fontRef>
-        </p:style>
-      </p:cxnSp>
-      <p:cxnSp>
-        <p:nvCxnSpPr>
-          <p:cNvPr id="168" name="Straight Connector 42">
-            <a:extLst>
-              <a:ext uri="{FF2B5EF4-FFF2-40B4-BE49-F238E27FC236}">
-                <a16:creationId xmlns:a16="http://schemas.microsoft.com/office/drawing/2014/main" id="{04C20AE5-30F7-A7E3-ADE5-87B925CE8A82}"/>
-              </a:ext>
-            </a:extLst>
-          </p:cNvPr>
-          <p:cNvCxnSpPr>
-            <a:cxnSpLocks/>
-          </p:cNvCxnSpPr>
-          <p:nvPr/>
-        </p:nvCxnSpPr>
-        <p:spPr>
-          <a:xfrm>
-            <a:off x="5031021" y="5006893"/>
-            <a:ext cx="820854" cy="0"/>
-          </a:xfrm>
-          <a:prstGeom prst="line">
-            <a:avLst/>
-          </a:prstGeom>
-          <a:ln w="19050">
-            <a:solidFill>
-              <a:srgbClr val="FFC000"/>
-            </a:solidFill>
           </a:ln>
         </p:spPr>
         <p:style>
@@ -9473,8 +8713,8 @@
         </p:nvCxnSpPr>
         <p:spPr>
           <a:xfrm flipV="1">
-            <a:off x="7086286" y="6486166"/>
-            <a:ext cx="0" cy="242564"/>
+            <a:off x="7866900" y="5169553"/>
+            <a:ext cx="0" cy="104580"/>
           </a:xfrm>
           <a:prstGeom prst="line">
             <a:avLst/>
@@ -9516,94 +8756,8 @@
         </p:nvCxnSpPr>
         <p:spPr>
           <a:xfrm>
-            <a:off x="5603240" y="6713773"/>
-            <a:ext cx="1498315" cy="0"/>
-          </a:xfrm>
-          <a:prstGeom prst="line">
-            <a:avLst/>
-          </a:prstGeom>
-          <a:ln w="19050">
-            <a:solidFill>
-              <a:srgbClr val="FFC000"/>
-            </a:solidFill>
-          </a:ln>
-        </p:spPr>
-        <p:style>
-          <a:lnRef idx="1">
-            <a:schemeClr val="accent1"/>
-          </a:lnRef>
-          <a:fillRef idx="0">
-            <a:schemeClr val="accent1"/>
-          </a:fillRef>
-          <a:effectRef idx="0">
-            <a:schemeClr val="accent1"/>
-          </a:effectRef>
-          <a:fontRef idx="minor">
-            <a:schemeClr val="tx1"/>
-          </a:fontRef>
-        </p:style>
-      </p:cxnSp>
-      <p:cxnSp>
-        <p:nvCxnSpPr>
-          <p:cNvPr id="175" name="Straight Connector 42">
-            <a:extLst>
-              <a:ext uri="{FF2B5EF4-FFF2-40B4-BE49-F238E27FC236}">
-                <a16:creationId xmlns:a16="http://schemas.microsoft.com/office/drawing/2014/main" id="{C43F4D2E-31BB-15BB-37D9-CE9082DDA3C7}"/>
-              </a:ext>
-            </a:extLst>
-          </p:cNvPr>
-          <p:cNvCxnSpPr>
-            <a:cxnSpLocks/>
-          </p:cNvCxnSpPr>
-          <p:nvPr/>
-        </p:nvCxnSpPr>
-        <p:spPr>
-          <a:xfrm flipV="1">
-            <a:off x="5617616" y="5570333"/>
-            <a:ext cx="0" cy="1151261"/>
-          </a:xfrm>
-          <a:prstGeom prst="line">
-            <a:avLst/>
-          </a:prstGeom>
-          <a:ln w="19050">
-            <a:solidFill>
-              <a:srgbClr val="FFC000"/>
-            </a:solidFill>
-          </a:ln>
-        </p:spPr>
-        <p:style>
-          <a:lnRef idx="1">
-            <a:schemeClr val="accent1"/>
-          </a:lnRef>
-          <a:fillRef idx="0">
-            <a:schemeClr val="accent1"/>
-          </a:fillRef>
-          <a:effectRef idx="0">
-            <a:schemeClr val="accent1"/>
-          </a:effectRef>
-          <a:fontRef idx="minor">
-            <a:schemeClr val="tx1"/>
-          </a:fontRef>
-        </p:style>
-      </p:cxnSp>
-      <p:cxnSp>
-        <p:nvCxnSpPr>
-          <p:cNvPr id="176" name="Straight Connector 42">
-            <a:extLst>
-              <a:ext uri="{FF2B5EF4-FFF2-40B4-BE49-F238E27FC236}">
-                <a16:creationId xmlns:a16="http://schemas.microsoft.com/office/drawing/2014/main" id="{3C88DDFA-D809-7A64-5744-D2C8F1CA03FF}"/>
-              </a:ext>
-            </a:extLst>
-          </p:cNvPr>
-          <p:cNvCxnSpPr>
-            <a:cxnSpLocks/>
-          </p:cNvCxnSpPr>
-          <p:nvPr/>
-        </p:nvCxnSpPr>
-        <p:spPr>
-          <a:xfrm>
-            <a:off x="896674" y="5570333"/>
-            <a:ext cx="4720942" cy="5123"/>
+            <a:off x="905985" y="5142695"/>
+            <a:ext cx="6960589" cy="30627"/>
           </a:xfrm>
           <a:prstGeom prst="line">
             <a:avLst/>
@@ -9674,10 +8828,10 @@
       </p:cxnSp>
       <p:cxnSp>
         <p:nvCxnSpPr>
-          <p:cNvPr id="181" name="Straight Connector 23">
-            <a:extLst>
-              <a:ext uri="{FF2B5EF4-FFF2-40B4-BE49-F238E27FC236}">
-                <a16:creationId xmlns:a16="http://schemas.microsoft.com/office/drawing/2014/main" id="{4134A07C-5887-DC4D-5809-1D4E138FFC93}"/>
+          <p:cNvPr id="154" name="Straight Connector 153">
+            <a:extLst>
+              <a:ext uri="{FF2B5EF4-FFF2-40B4-BE49-F238E27FC236}">
+                <a16:creationId xmlns:a16="http://schemas.microsoft.com/office/drawing/2014/main" id="{EADEB59B-A61B-DBD3-04BB-488C93808653}"/>
               </a:ext>
             </a:extLst>
           </p:cNvPr>
@@ -9688,17 +8842,13 @@
         </p:nvCxnSpPr>
         <p:spPr>
           <a:xfrm>
-            <a:off x="1738377" y="5395519"/>
-            <a:ext cx="4435105" cy="7442"/>
+            <a:off x="5163730" y="4226607"/>
+            <a:ext cx="0" cy="1654547"/>
           </a:xfrm>
           <a:prstGeom prst="line">
             <a:avLst/>
           </a:prstGeom>
-          <a:ln w="19050">
-            <a:solidFill>
-              <a:srgbClr val="00B050"/>
-            </a:solidFill>
-          </a:ln>
+          <a:ln w="19050"/>
         </p:spPr>
         <p:style>
           <a:lnRef idx="1">
@@ -9717,10 +8867,10 @@
       </p:cxnSp>
       <p:cxnSp>
         <p:nvCxnSpPr>
-          <p:cNvPr id="183" name="Straight Connector 23">
-            <a:extLst>
-              <a:ext uri="{FF2B5EF4-FFF2-40B4-BE49-F238E27FC236}">
-                <a16:creationId xmlns:a16="http://schemas.microsoft.com/office/drawing/2014/main" id="{283B16D5-C09F-F1CB-6006-B025D0E0E1A1}"/>
+          <p:cNvPr id="167" name="Straight Connector 166">
+            <a:extLst>
+              <a:ext uri="{FF2B5EF4-FFF2-40B4-BE49-F238E27FC236}">
+                <a16:creationId xmlns:a16="http://schemas.microsoft.com/office/drawing/2014/main" id="{EB6902AA-AA1C-E29B-9224-E4476B6D7050}"/>
               </a:ext>
             </a:extLst>
           </p:cNvPr>
@@ -9731,17 +8881,13 @@
         </p:nvCxnSpPr>
         <p:spPr>
           <a:xfrm>
-            <a:off x="6159922" y="4681856"/>
-            <a:ext cx="0" cy="734873"/>
+            <a:off x="5155245" y="5065220"/>
+            <a:ext cx="1540642" cy="9238"/>
           </a:xfrm>
           <a:prstGeom prst="line">
             <a:avLst/>
           </a:prstGeom>
-          <a:ln w="19050">
-            <a:solidFill>
-              <a:srgbClr val="00B050"/>
-            </a:solidFill>
-          </a:ln>
+          <a:ln w="19050"/>
         </p:spPr>
         <p:style>
           <a:lnRef idx="1">
@@ -9760,10 +8906,10 @@
       </p:cxnSp>
       <p:cxnSp>
         <p:nvCxnSpPr>
-          <p:cNvPr id="185" name="Straight Arrow Connector 26">
-            <a:extLst>
-              <a:ext uri="{FF2B5EF4-FFF2-40B4-BE49-F238E27FC236}">
-                <a16:creationId xmlns:a16="http://schemas.microsoft.com/office/drawing/2014/main" id="{5B4B871A-8183-4831-EAF9-DF0831560382}"/>
+          <p:cNvPr id="178" name="Straight Connector 177">
+            <a:extLst>
+              <a:ext uri="{FF2B5EF4-FFF2-40B4-BE49-F238E27FC236}">
+                <a16:creationId xmlns:a16="http://schemas.microsoft.com/office/drawing/2014/main" id="{80A4AC39-2EFE-DF7E-5D30-52E63C20C408}"/>
               </a:ext>
             </a:extLst>
           </p:cNvPr>
@@ -9773,9 +8919,240 @@
           <p:nvPr/>
         </p:nvCxnSpPr>
         <p:spPr>
-          <a:xfrm>
-            <a:off x="6159873" y="4681856"/>
-            <a:ext cx="595582" cy="0"/>
+          <a:xfrm flipV="1">
+            <a:off x="6695887" y="5062609"/>
+            <a:ext cx="0" cy="423048"/>
+          </a:xfrm>
+          <a:prstGeom prst="line">
+            <a:avLst/>
+          </a:prstGeom>
+          <a:ln w="19050"/>
+        </p:spPr>
+        <p:style>
+          <a:lnRef idx="1">
+            <a:schemeClr val="accent1"/>
+          </a:lnRef>
+          <a:fillRef idx="0">
+            <a:schemeClr val="accent1"/>
+          </a:fillRef>
+          <a:effectRef idx="0">
+            <a:schemeClr val="accent1"/>
+          </a:effectRef>
+          <a:fontRef idx="minor">
+            <a:schemeClr val="tx1"/>
+          </a:fontRef>
+        </p:style>
+      </p:cxnSp>
+      <p:cxnSp>
+        <p:nvCxnSpPr>
+          <p:cNvPr id="184" name="Straight Arrow Connector 40">
+            <a:extLst>
+              <a:ext uri="{FF2B5EF4-FFF2-40B4-BE49-F238E27FC236}">
+                <a16:creationId xmlns:a16="http://schemas.microsoft.com/office/drawing/2014/main" id="{03DC3202-B0F8-1F91-FB98-5164C508D159}"/>
+              </a:ext>
+            </a:extLst>
+          </p:cNvPr>
+          <p:cNvCxnSpPr>
+            <a:cxnSpLocks/>
+          </p:cNvCxnSpPr>
+          <p:nvPr/>
+        </p:nvCxnSpPr>
+        <p:spPr>
+          <a:xfrm>
+            <a:off x="6695887" y="5485006"/>
+            <a:ext cx="218834" cy="3246"/>
+          </a:xfrm>
+          <a:prstGeom prst="straightConnector1">
+            <a:avLst/>
+          </a:prstGeom>
+          <a:ln w="19050">
+            <a:tailEnd type="triangle"/>
+          </a:ln>
+        </p:spPr>
+        <p:style>
+          <a:lnRef idx="1">
+            <a:schemeClr val="accent1"/>
+          </a:lnRef>
+          <a:fillRef idx="0">
+            <a:schemeClr val="accent1"/>
+          </a:fillRef>
+          <a:effectRef idx="0">
+            <a:schemeClr val="accent1"/>
+          </a:effectRef>
+          <a:fontRef idx="minor">
+            <a:schemeClr val="tx1"/>
+          </a:fontRef>
+        </p:style>
+      </p:cxnSp>
+      <p:cxnSp>
+        <p:nvCxnSpPr>
+          <p:cNvPr id="197" name="Straight Arrow Connector 26">
+            <a:extLst>
+              <a:ext uri="{FF2B5EF4-FFF2-40B4-BE49-F238E27FC236}">
+                <a16:creationId xmlns:a16="http://schemas.microsoft.com/office/drawing/2014/main" id="{1B607C43-9494-4E1A-7BBE-AD9D68C7EC17}"/>
+              </a:ext>
+            </a:extLst>
+          </p:cNvPr>
+          <p:cNvCxnSpPr>
+            <a:cxnSpLocks/>
+          </p:cNvCxnSpPr>
+          <p:nvPr/>
+        </p:nvCxnSpPr>
+        <p:spPr>
+          <a:xfrm flipV="1">
+            <a:off x="905985" y="4865031"/>
+            <a:ext cx="0" cy="277664"/>
+          </a:xfrm>
+          <a:prstGeom prst="straightConnector1">
+            <a:avLst/>
+          </a:prstGeom>
+          <a:ln w="19050">
+            <a:solidFill>
+              <a:srgbClr val="FFC000"/>
+            </a:solidFill>
+            <a:tailEnd type="triangle"/>
+          </a:ln>
+        </p:spPr>
+        <p:style>
+          <a:lnRef idx="1">
+            <a:schemeClr val="accent1"/>
+          </a:lnRef>
+          <a:fillRef idx="0">
+            <a:schemeClr val="accent1"/>
+          </a:fillRef>
+          <a:effectRef idx="0">
+            <a:schemeClr val="accent1"/>
+          </a:effectRef>
+          <a:fontRef idx="minor">
+            <a:schemeClr val="tx1"/>
+          </a:fontRef>
+        </p:style>
+      </p:cxnSp>
+      <p:sp>
+        <p:nvSpPr>
+          <p:cNvPr id="81" name="Rechteck 111">
+            <a:extLst>
+              <a:ext uri="{FF2B5EF4-FFF2-40B4-BE49-F238E27FC236}">
+                <a16:creationId xmlns:a16="http://schemas.microsoft.com/office/drawing/2014/main" id="{E13E4B61-4B7A-8E24-ED7B-45E09A56B9CF}"/>
+              </a:ext>
+            </a:extLst>
+          </p:cNvPr>
+          <p:cNvSpPr/>
+          <p:nvPr/>
+        </p:nvSpPr>
+        <p:spPr>
+          <a:xfrm>
+            <a:off x="8262960" y="3719601"/>
+            <a:ext cx="711122" cy="245423"/>
+          </a:xfrm>
+          <a:prstGeom prst="rect">
+            <a:avLst/>
+          </a:prstGeom>
+          <a:solidFill>
+            <a:schemeClr val="accent6">
+              <a:lumMod val="60000"/>
+              <a:lumOff val="40000"/>
+            </a:schemeClr>
+          </a:solidFill>
+        </p:spPr>
+        <p:style>
+          <a:lnRef idx="2">
+            <a:schemeClr val="accent1">
+              <a:shade val="50000"/>
+            </a:schemeClr>
+          </a:lnRef>
+          <a:fillRef idx="1">
+            <a:schemeClr val="accent1"/>
+          </a:fillRef>
+          <a:effectRef idx="0">
+            <a:schemeClr val="accent1"/>
+          </a:effectRef>
+          <a:fontRef idx="minor">
+            <a:schemeClr val="lt1"/>
+          </a:fontRef>
+        </p:style>
+        <p:txBody>
+          <a:bodyPr rtlCol="0" anchor="ctr"/>
+          <a:lstStyle/>
+          <a:p>
+            <a:pPr algn="ctr"/>
+            <a:r>
+              <a:rPr lang="en-US" sz="1400" dirty="0">
+                <a:solidFill>
+                  <a:schemeClr val="bg1"/>
+                </a:solidFill>
+              </a:rPr>
+              <a:t>AXI lite</a:t>
+            </a:r>
+            <a:endParaRPr lang="de-DE" sz="1400" dirty="0">
+              <a:solidFill>
+                <a:schemeClr val="bg1"/>
+              </a:solidFill>
+            </a:endParaRPr>
+          </a:p>
+        </p:txBody>
+      </p:sp>
+      <p:cxnSp>
+        <p:nvCxnSpPr>
+          <p:cNvPr id="201" name="Straight Connector 23">
+            <a:extLst>
+              <a:ext uri="{FF2B5EF4-FFF2-40B4-BE49-F238E27FC236}">
+                <a16:creationId xmlns:a16="http://schemas.microsoft.com/office/drawing/2014/main" id="{FE8EADB2-7322-3BAC-6BBD-7BBB7959B2FD}"/>
+              </a:ext>
+            </a:extLst>
+          </p:cNvPr>
+          <p:cNvCxnSpPr>
+            <a:cxnSpLocks/>
+          </p:cNvCxnSpPr>
+          <p:nvPr/>
+        </p:nvCxnSpPr>
+        <p:spPr>
+          <a:xfrm>
+            <a:off x="1090766" y="4980680"/>
+            <a:ext cx="6353549" cy="10306"/>
+          </a:xfrm>
+          <a:prstGeom prst="line">
+            <a:avLst/>
+          </a:prstGeom>
+          <a:ln w="19050">
+            <a:solidFill>
+              <a:srgbClr val="00B050"/>
+            </a:solidFill>
+          </a:ln>
+        </p:spPr>
+        <p:style>
+          <a:lnRef idx="1">
+            <a:schemeClr val="accent1"/>
+          </a:lnRef>
+          <a:fillRef idx="0">
+            <a:schemeClr val="accent1"/>
+          </a:fillRef>
+          <a:effectRef idx="0">
+            <a:schemeClr val="accent1"/>
+          </a:effectRef>
+          <a:fontRef idx="minor">
+            <a:schemeClr val="tx1"/>
+          </a:fontRef>
+        </p:style>
+      </p:cxnSp>
+      <p:cxnSp>
+        <p:nvCxnSpPr>
+          <p:cNvPr id="203" name="Straight Arrow Connector 26">
+            <a:extLst>
+              <a:ext uri="{FF2B5EF4-FFF2-40B4-BE49-F238E27FC236}">
+                <a16:creationId xmlns:a16="http://schemas.microsoft.com/office/drawing/2014/main" id="{957085FB-8CD2-C89E-938A-52C57A73CE45}"/>
+              </a:ext>
+            </a:extLst>
+          </p:cNvPr>
+          <p:cNvCxnSpPr>
+            <a:cxnSpLocks/>
+          </p:cNvCxnSpPr>
+          <p:nvPr/>
+        </p:nvCxnSpPr>
+        <p:spPr>
+          <a:xfrm>
+            <a:off x="7444315" y="4990986"/>
+            <a:ext cx="8045" cy="276974"/>
           </a:xfrm>
           <a:prstGeom prst="straightConnector1">
             <a:avLst/>
@@ -9802,12 +9179,55 @@
           </a:fontRef>
         </p:style>
       </p:cxnSp>
-      <p:sp>
-        <p:nvSpPr>
-          <p:cNvPr id="188" name="TextBox 61">
-            <a:extLst>
-              <a:ext uri="{FF2B5EF4-FFF2-40B4-BE49-F238E27FC236}">
-                <a16:creationId xmlns:a16="http://schemas.microsoft.com/office/drawing/2014/main" id="{62CBFBD5-6B45-1AAE-3BB4-3222D60E502B}"/>
+      <p:cxnSp>
+        <p:nvCxnSpPr>
+          <p:cNvPr id="205" name="Straight Connector 23">
+            <a:extLst>
+              <a:ext uri="{FF2B5EF4-FFF2-40B4-BE49-F238E27FC236}">
+                <a16:creationId xmlns:a16="http://schemas.microsoft.com/office/drawing/2014/main" id="{B61840E2-FBE4-51C7-22DB-471A3CD6D2D5}"/>
+              </a:ext>
+            </a:extLst>
+          </p:cNvPr>
+          <p:cNvCxnSpPr>
+            <a:cxnSpLocks/>
+          </p:cNvCxnSpPr>
+          <p:nvPr/>
+        </p:nvCxnSpPr>
+        <p:spPr>
+          <a:xfrm>
+            <a:off x="1096172" y="4846362"/>
+            <a:ext cx="0" cy="134318"/>
+          </a:xfrm>
+          <a:prstGeom prst="line">
+            <a:avLst/>
+          </a:prstGeom>
+          <a:ln w="19050">
+            <a:solidFill>
+              <a:srgbClr val="00B050"/>
+            </a:solidFill>
+          </a:ln>
+        </p:spPr>
+        <p:style>
+          <a:lnRef idx="1">
+            <a:schemeClr val="accent1"/>
+          </a:lnRef>
+          <a:fillRef idx="0">
+            <a:schemeClr val="accent1"/>
+          </a:fillRef>
+          <a:effectRef idx="0">
+            <a:schemeClr val="accent1"/>
+          </a:effectRef>
+          <a:fontRef idx="minor">
+            <a:schemeClr val="tx1"/>
+          </a:fontRef>
+        </p:style>
+      </p:cxnSp>
+      <p:sp>
+        <p:nvSpPr>
+          <p:cNvPr id="207" name="TextBox 206">
+            <a:extLst>
+              <a:ext uri="{FF2B5EF4-FFF2-40B4-BE49-F238E27FC236}">
+                <a16:creationId xmlns:a16="http://schemas.microsoft.com/office/drawing/2014/main" id="{2287D23B-7DEA-67D4-E19A-DE87193A2DB2}"/>
               </a:ext>
             </a:extLst>
           </p:cNvPr>
@@ -9816,8 +9236,8 @@
         </p:nvSpPr>
         <p:spPr>
           <a:xfrm>
-            <a:off x="4990659" y="4990897"/>
-            <a:ext cx="894156" cy="276999"/>
+            <a:off x="3161908" y="4728969"/>
+            <a:ext cx="631904" cy="276999"/>
           </a:xfrm>
           <a:prstGeom prst="rect">
             <a:avLst/>
@@ -9831,8 +9251,8 @@
           <a:lstStyle/>
           <a:p>
             <a:r>
-              <a:rPr lang="en-US" sz="1200" dirty="0" err="1"/>
-              <a:t>PBCH_valid</a:t>
+              <a:rPr lang="en-US" sz="1200" dirty="0"/>
+              <a:t>N_id_2</a:t>
             </a:r>
             <a:endParaRPr lang="en-GB" sz="1200" dirty="0"/>
           </a:p>

--- a/doc/overview.pptx
+++ b/doc/overview.pptx
@@ -315,7 +315,7 @@
           <a:p>
             <a:fld id="{1991B810-A44B-42D8-B2B0-10522A071A3E}" type="slidenum">
               <a:rPr lang="en-GB" smtClean="0"/>
-              <a:t>‹#›</a:t>
+              <a:t>‹Nr.›</a:t>
             </a:fld>
             <a:endParaRPr lang="en-GB"/>
           </a:p>
@@ -515,7 +515,7 @@
           <a:p>
             <a:fld id="{1991B810-A44B-42D8-B2B0-10522A071A3E}" type="slidenum">
               <a:rPr lang="en-GB" smtClean="0"/>
-              <a:t>‹#›</a:t>
+              <a:t>‹Nr.›</a:t>
             </a:fld>
             <a:endParaRPr lang="en-GB"/>
           </a:p>
@@ -725,7 +725,7 @@
           <a:p>
             <a:fld id="{1991B810-A44B-42D8-B2B0-10522A071A3E}" type="slidenum">
               <a:rPr lang="en-GB" smtClean="0"/>
-              <a:t>‹#›</a:t>
+              <a:t>‹Nr.›</a:t>
             </a:fld>
             <a:endParaRPr lang="en-GB"/>
           </a:p>
@@ -925,7 +925,7 @@
           <a:p>
             <a:fld id="{1991B810-A44B-42D8-B2B0-10522A071A3E}" type="slidenum">
               <a:rPr lang="en-GB" smtClean="0"/>
-              <a:t>‹#›</a:t>
+              <a:t>‹Nr.›</a:t>
             </a:fld>
             <a:endParaRPr lang="en-GB"/>
           </a:p>
@@ -1201,7 +1201,7 @@
           <a:p>
             <a:fld id="{1991B810-A44B-42D8-B2B0-10522A071A3E}" type="slidenum">
               <a:rPr lang="en-GB" smtClean="0"/>
-              <a:t>‹#›</a:t>
+              <a:t>‹Nr.›</a:t>
             </a:fld>
             <a:endParaRPr lang="en-GB"/>
           </a:p>
@@ -1469,7 +1469,7 @@
           <a:p>
             <a:fld id="{1991B810-A44B-42D8-B2B0-10522A071A3E}" type="slidenum">
               <a:rPr lang="en-GB" smtClean="0"/>
-              <a:t>‹#›</a:t>
+              <a:t>‹Nr.›</a:t>
             </a:fld>
             <a:endParaRPr lang="en-GB"/>
           </a:p>
@@ -1884,7 +1884,7 @@
           <a:p>
             <a:fld id="{1991B810-A44B-42D8-B2B0-10522A071A3E}" type="slidenum">
               <a:rPr lang="en-GB" smtClean="0"/>
-              <a:t>‹#›</a:t>
+              <a:t>‹Nr.›</a:t>
             </a:fld>
             <a:endParaRPr lang="en-GB"/>
           </a:p>
@@ -2026,7 +2026,7 @@
           <a:p>
             <a:fld id="{1991B810-A44B-42D8-B2B0-10522A071A3E}" type="slidenum">
               <a:rPr lang="en-GB" smtClean="0"/>
-              <a:t>‹#›</a:t>
+              <a:t>‹Nr.›</a:t>
             </a:fld>
             <a:endParaRPr lang="en-GB"/>
           </a:p>
@@ -2139,7 +2139,7 @@
           <a:p>
             <a:fld id="{1991B810-A44B-42D8-B2B0-10522A071A3E}" type="slidenum">
               <a:rPr lang="en-GB" smtClean="0"/>
-              <a:t>‹#›</a:t>
+              <a:t>‹Nr.›</a:t>
             </a:fld>
             <a:endParaRPr lang="en-GB"/>
           </a:p>
@@ -2452,7 +2452,7 @@
           <a:p>
             <a:fld id="{1991B810-A44B-42D8-B2B0-10522A071A3E}" type="slidenum">
               <a:rPr lang="en-GB" smtClean="0"/>
-              <a:t>‹#›</a:t>
+              <a:t>‹Nr.›</a:t>
             </a:fld>
             <a:endParaRPr lang="en-GB"/>
           </a:p>
@@ -2741,7 +2741,7 @@
           <a:p>
             <a:fld id="{1991B810-A44B-42D8-B2B0-10522A071A3E}" type="slidenum">
               <a:rPr lang="en-GB" smtClean="0"/>
-              <a:t>‹#›</a:t>
+              <a:t>‹Nr.›</a:t>
             </a:fld>
             <a:endParaRPr lang="en-GB"/>
           </a:p>
@@ -3020,7 +3020,7 @@
           <a:p>
             <a:fld id="{1991B810-A44B-42D8-B2B0-10522A071A3E}" type="slidenum">
               <a:rPr lang="en-GB" smtClean="0"/>
-              <a:t>‹#›</a:t>
+              <a:t>‹Nr.›</a:t>
             </a:fld>
             <a:endParaRPr lang="en-GB"/>
           </a:p>
@@ -4651,7 +4651,15 @@
           <a:p>
             <a:r>
               <a:rPr lang="en-US" sz="1200" dirty="0" err="1"/>
-              <a:t>N_id</a:t>
+              <a:t>N</a:t>
+            </a:r>
+            <a:r>
+              <a:rPr lang="en-US" sz="1200" err="1"/>
+              <a:t>_</a:t>
+            </a:r>
+            <a:r>
+              <a:rPr lang="en-US" sz="1200"/>
+              <a:t>id</a:t>
             </a:r>
             <a:endParaRPr lang="en-GB" sz="1200" dirty="0"/>
           </a:p>
@@ -5945,8 +5953,8 @@
           </a:p>
         </p:txBody>
       </p:sp>
-      <mc:AlternateContent xmlns:mc="http://schemas.openxmlformats.org/markup-compatibility/2006">
-        <mc:Choice xmlns:a14="http://schemas.microsoft.com/office/drawing/2010/main" Requires="a14">
+      <mc:AlternateContent xmlns:mc="http://schemas.openxmlformats.org/markup-compatibility/2006" xmlns:a14="http://schemas.microsoft.com/office/drawing/2010/main">
+        <mc:Choice Requires="a14">
           <p:sp>
             <p:nvSpPr>
               <p:cNvPr id="73" name="TextBox 61">
@@ -6027,7 +6035,7 @@
             </p:txBody>
           </p:sp>
         </mc:Choice>
-        <mc:Fallback>
+        <mc:Fallback xmlns="">
           <p:sp>
             <p:nvSpPr>
               <p:cNvPr id="73" name="TextBox 61">
@@ -9094,10 +9102,10 @@
       </p:sp>
       <p:cxnSp>
         <p:nvCxnSpPr>
-          <p:cNvPr id="201" name="Straight Connector 23">
-            <a:extLst>
-              <a:ext uri="{FF2B5EF4-FFF2-40B4-BE49-F238E27FC236}">
-                <a16:creationId xmlns:a16="http://schemas.microsoft.com/office/drawing/2014/main" id="{FE8EADB2-7322-3BAC-6BBD-7BBB7959B2FD}"/>
+          <p:cNvPr id="203" name="Straight Arrow Connector 26">
+            <a:extLst>
+              <a:ext uri="{FF2B5EF4-FFF2-40B4-BE49-F238E27FC236}">
+                <a16:creationId xmlns:a16="http://schemas.microsoft.com/office/drawing/2014/main" id="{957085FB-8CD2-C89E-938A-52C57A73CE45}"/>
               </a:ext>
             </a:extLst>
           </p:cNvPr>
@@ -9108,51 +9116,8 @@
         </p:nvCxnSpPr>
         <p:spPr>
           <a:xfrm>
-            <a:off x="1090766" y="4980680"/>
-            <a:ext cx="6353549" cy="10306"/>
-          </a:xfrm>
-          <a:prstGeom prst="line">
-            <a:avLst/>
-          </a:prstGeom>
-          <a:ln w="19050">
-            <a:solidFill>
-              <a:srgbClr val="00B050"/>
-            </a:solidFill>
-          </a:ln>
-        </p:spPr>
-        <p:style>
-          <a:lnRef idx="1">
-            <a:schemeClr val="accent1"/>
-          </a:lnRef>
-          <a:fillRef idx="0">
-            <a:schemeClr val="accent1"/>
-          </a:fillRef>
-          <a:effectRef idx="0">
-            <a:schemeClr val="accent1"/>
-          </a:effectRef>
-          <a:fontRef idx="minor">
-            <a:schemeClr val="tx1"/>
-          </a:fontRef>
-        </p:style>
-      </p:cxnSp>
-      <p:cxnSp>
-        <p:nvCxnSpPr>
-          <p:cNvPr id="203" name="Straight Arrow Connector 26">
-            <a:extLst>
-              <a:ext uri="{FF2B5EF4-FFF2-40B4-BE49-F238E27FC236}">
-                <a16:creationId xmlns:a16="http://schemas.microsoft.com/office/drawing/2014/main" id="{957085FB-8CD2-C89E-938A-52C57A73CE45}"/>
-              </a:ext>
-            </a:extLst>
-          </p:cNvPr>
-          <p:cNvCxnSpPr>
-            <a:cxnSpLocks/>
-          </p:cNvCxnSpPr>
-          <p:nvPr/>
-        </p:nvCxnSpPr>
-        <p:spPr>
-          <a:xfrm>
-            <a:off x="7444315" y="4990986"/>
-            <a:ext cx="8045" cy="276974"/>
+            <a:off x="1096172" y="5368866"/>
+            <a:ext cx="4416020" cy="23572"/>
           </a:xfrm>
           <a:prstGeom prst="straightConnector1">
             <a:avLst/>
@@ -9196,7 +9161,7 @@
         <p:spPr>
           <a:xfrm>
             <a:off x="1096172" y="4846362"/>
-            <a:ext cx="0" cy="134318"/>
+            <a:ext cx="0" cy="522504"/>
           </a:xfrm>
           <a:prstGeom prst="line">
             <a:avLst/>
@@ -9253,6 +9218,50 @@
             <a:r>
               <a:rPr lang="en-US" sz="1200" dirty="0"/>
               <a:t>N_id_2</a:t>
+            </a:r>
+            <a:endParaRPr lang="en-GB" sz="1200" dirty="0"/>
+          </a:p>
+        </p:txBody>
+      </p:sp>
+      <p:sp>
+        <p:nvSpPr>
+          <p:cNvPr id="41" name="TextBox 39">
+            <a:extLst>
+              <a:ext uri="{FF2B5EF4-FFF2-40B4-BE49-F238E27FC236}">
+                <a16:creationId xmlns:a16="http://schemas.microsoft.com/office/drawing/2014/main" id="{E6BCDC69-8A71-2EF4-BA05-525A9D0A5262}"/>
+              </a:ext>
+            </a:extLst>
+          </p:cNvPr>
+          <p:cNvSpPr txBox="1"/>
+          <p:nvPr/>
+        </p:nvSpPr>
+        <p:spPr>
+          <a:xfrm>
+            <a:off x="2516613" y="5335006"/>
+            <a:ext cx="631904" cy="276999"/>
+          </a:xfrm>
+          <a:prstGeom prst="rect">
+            <a:avLst/>
+          </a:prstGeom>
+          <a:noFill/>
+        </p:spPr>
+        <p:txBody>
+          <a:bodyPr wrap="none" rtlCol="0">
+            <a:spAutoFit/>
+          </a:bodyPr>
+          <a:lstStyle/>
+          <a:p>
+            <a:r>
+              <a:rPr lang="en-US" sz="1200" dirty="0" err="1"/>
+              <a:t>N</a:t>
+            </a:r>
+            <a:r>
+              <a:rPr lang="en-US" sz="1200" err="1"/>
+              <a:t>_</a:t>
+            </a:r>
+            <a:r>
+              <a:rPr lang="en-US" sz="1200"/>
+              <a:t>id_2</a:t>
             </a:r>
             <a:endParaRPr lang="en-GB" sz="1200" dirty="0"/>
           </a:p>

--- a/doc/overview.pptx
+++ b/doc/overview.pptx
@@ -8624,47 +8624,6 @@
       </p:cxnSp>
       <p:cxnSp>
         <p:nvCxnSpPr>
-          <p:cNvPr id="155" name="Straight Connector 42">
-            <a:extLst>
-              <a:ext uri="{FF2B5EF4-FFF2-40B4-BE49-F238E27FC236}">
-                <a16:creationId xmlns:a16="http://schemas.microsoft.com/office/drawing/2014/main" id="{B1607B83-FC66-B9D4-CE05-867D7B70686F}"/>
-              </a:ext>
-            </a:extLst>
-          </p:cNvPr>
-          <p:cNvCxnSpPr>
-            <a:cxnSpLocks/>
-            <a:stCxn id="147" idx="3"/>
-            <a:endCxn id="59" idx="1"/>
-          </p:cNvCxnSpPr>
-          <p:nvPr/>
-        </p:nvCxnSpPr>
-        <p:spPr>
-          <a:xfrm>
-            <a:off x="4746768" y="4243294"/>
-            <a:ext cx="816954" cy="2057"/>
-          </a:xfrm>
-          <a:prstGeom prst="line">
-            <a:avLst/>
-          </a:prstGeom>
-          <a:ln w="19050"/>
-        </p:spPr>
-        <p:style>
-          <a:lnRef idx="1">
-            <a:schemeClr val="accent1"/>
-          </a:lnRef>
-          <a:fillRef idx="0">
-            <a:schemeClr val="accent1"/>
-          </a:fillRef>
-          <a:effectRef idx="0">
-            <a:schemeClr val="accent1"/>
-          </a:effectRef>
-          <a:fontRef idx="minor">
-            <a:schemeClr val="tx1"/>
-          </a:fontRef>
-        </p:style>
-      </p:cxnSp>
-      <p:cxnSp>
-        <p:nvCxnSpPr>
           <p:cNvPr id="157" name="Straight Arrow Connector 156">
             <a:extLst>
               <a:ext uri="{FF2B5EF4-FFF2-40B4-BE49-F238E27FC236}">
@@ -8850,8 +8809,8 @@
         </p:nvCxnSpPr>
         <p:spPr>
           <a:xfrm>
-            <a:off x="5163730" y="4226607"/>
-            <a:ext cx="0" cy="1654547"/>
+            <a:off x="5163730" y="4243293"/>
+            <a:ext cx="0" cy="1637861"/>
           </a:xfrm>
           <a:prstGeom prst="line">
             <a:avLst/>
@@ -9267,6 +9226,49 @@
           </a:p>
         </p:txBody>
       </p:sp>
+      <p:cxnSp>
+        <p:nvCxnSpPr>
+          <p:cNvPr id="16" name="Straight Arrow Connector 40">
+            <a:extLst>
+              <a:ext uri="{FF2B5EF4-FFF2-40B4-BE49-F238E27FC236}">
+                <a16:creationId xmlns:a16="http://schemas.microsoft.com/office/drawing/2014/main" id="{9301E952-B5D3-FD5B-55E7-2D88EEEA37DD}"/>
+              </a:ext>
+            </a:extLst>
+          </p:cNvPr>
+          <p:cNvCxnSpPr>
+            <a:cxnSpLocks/>
+            <a:stCxn id="147" idx="3"/>
+            <a:endCxn id="59" idx="1"/>
+          </p:cNvCxnSpPr>
+          <p:nvPr/>
+        </p:nvCxnSpPr>
+        <p:spPr>
+          <a:xfrm>
+            <a:off x="4746768" y="4243294"/>
+            <a:ext cx="816954" cy="2057"/>
+          </a:xfrm>
+          <a:prstGeom prst="straightConnector1">
+            <a:avLst/>
+          </a:prstGeom>
+          <a:ln w="19050">
+            <a:tailEnd type="triangle"/>
+          </a:ln>
+        </p:spPr>
+        <p:style>
+          <a:lnRef idx="1">
+            <a:schemeClr val="accent1"/>
+          </a:lnRef>
+          <a:fillRef idx="0">
+            <a:schemeClr val="accent1"/>
+          </a:fillRef>
+          <a:effectRef idx="0">
+            <a:schemeClr val="accent1"/>
+          </a:effectRef>
+          <a:fontRef idx="minor">
+            <a:schemeClr val="tx1"/>
+          </a:fontRef>
+        </p:style>
+      </p:cxnSp>
     </p:spTree>
     <p:extLst>
       <p:ext uri="{BB962C8B-B14F-4D97-AF65-F5344CB8AC3E}">

--- a/doc/overview.pptx
+++ b/doc/overview.pptx
@@ -261,7 +261,7 @@
           <a:p>
             <a:fld id="{0647E4D3-4269-40FF-ADD2-F433546F1734}" type="datetimeFigureOut">
               <a:rPr lang="en-GB" smtClean="0"/>
-              <a:t>30/05/2023</a:t>
+              <a:t>01/06/2023</a:t>
             </a:fld>
             <a:endParaRPr lang="en-GB"/>
           </a:p>
@@ -461,7 +461,7 @@
           <a:p>
             <a:fld id="{0647E4D3-4269-40FF-ADD2-F433546F1734}" type="datetimeFigureOut">
               <a:rPr lang="en-GB" smtClean="0"/>
-              <a:t>30/05/2023</a:t>
+              <a:t>01/06/2023</a:t>
             </a:fld>
             <a:endParaRPr lang="en-GB"/>
           </a:p>
@@ -671,7 +671,7 @@
           <a:p>
             <a:fld id="{0647E4D3-4269-40FF-ADD2-F433546F1734}" type="datetimeFigureOut">
               <a:rPr lang="en-GB" smtClean="0"/>
-              <a:t>30/05/2023</a:t>
+              <a:t>01/06/2023</a:t>
             </a:fld>
             <a:endParaRPr lang="en-GB"/>
           </a:p>
@@ -871,7 +871,7 @@
           <a:p>
             <a:fld id="{0647E4D3-4269-40FF-ADD2-F433546F1734}" type="datetimeFigureOut">
               <a:rPr lang="en-GB" smtClean="0"/>
-              <a:t>30/05/2023</a:t>
+              <a:t>01/06/2023</a:t>
             </a:fld>
             <a:endParaRPr lang="en-GB"/>
           </a:p>
@@ -1147,7 +1147,7 @@
           <a:p>
             <a:fld id="{0647E4D3-4269-40FF-ADD2-F433546F1734}" type="datetimeFigureOut">
               <a:rPr lang="en-GB" smtClean="0"/>
-              <a:t>30/05/2023</a:t>
+              <a:t>01/06/2023</a:t>
             </a:fld>
             <a:endParaRPr lang="en-GB"/>
           </a:p>
@@ -1415,7 +1415,7 @@
           <a:p>
             <a:fld id="{0647E4D3-4269-40FF-ADD2-F433546F1734}" type="datetimeFigureOut">
               <a:rPr lang="en-GB" smtClean="0"/>
-              <a:t>30/05/2023</a:t>
+              <a:t>01/06/2023</a:t>
             </a:fld>
             <a:endParaRPr lang="en-GB"/>
           </a:p>
@@ -1830,7 +1830,7 @@
           <a:p>
             <a:fld id="{0647E4D3-4269-40FF-ADD2-F433546F1734}" type="datetimeFigureOut">
               <a:rPr lang="en-GB" smtClean="0"/>
-              <a:t>30/05/2023</a:t>
+              <a:t>01/06/2023</a:t>
             </a:fld>
             <a:endParaRPr lang="en-GB"/>
           </a:p>
@@ -1972,7 +1972,7 @@
           <a:p>
             <a:fld id="{0647E4D3-4269-40FF-ADD2-F433546F1734}" type="datetimeFigureOut">
               <a:rPr lang="en-GB" smtClean="0"/>
-              <a:t>30/05/2023</a:t>
+              <a:t>01/06/2023</a:t>
             </a:fld>
             <a:endParaRPr lang="en-GB"/>
           </a:p>
@@ -2085,7 +2085,7 @@
           <a:p>
             <a:fld id="{0647E4D3-4269-40FF-ADD2-F433546F1734}" type="datetimeFigureOut">
               <a:rPr lang="en-GB" smtClean="0"/>
-              <a:t>30/05/2023</a:t>
+              <a:t>01/06/2023</a:t>
             </a:fld>
             <a:endParaRPr lang="en-GB"/>
           </a:p>
@@ -2398,7 +2398,7 @@
           <a:p>
             <a:fld id="{0647E4D3-4269-40FF-ADD2-F433546F1734}" type="datetimeFigureOut">
               <a:rPr lang="en-GB" smtClean="0"/>
-              <a:t>30/05/2023</a:t>
+              <a:t>01/06/2023</a:t>
             </a:fld>
             <a:endParaRPr lang="en-GB"/>
           </a:p>
@@ -2687,7 +2687,7 @@
           <a:p>
             <a:fld id="{0647E4D3-4269-40FF-ADD2-F433546F1734}" type="datetimeFigureOut">
               <a:rPr lang="en-GB" smtClean="0"/>
-              <a:t>30/05/2023</a:t>
+              <a:t>01/06/2023</a:t>
             </a:fld>
             <a:endParaRPr lang="en-GB"/>
           </a:p>
@@ -2930,7 +2930,7 @@
           <a:p>
             <a:fld id="{0647E4D3-4269-40FF-ADD2-F433546F1734}" type="datetimeFigureOut">
               <a:rPr lang="en-GB" smtClean="0"/>
-              <a:t>30/05/2023</a:t>
+              <a:t>01/06/2023</a:t>
             </a:fld>
             <a:endParaRPr lang="en-GB"/>
           </a:p>
@@ -8225,7 +8225,7 @@
         </p:nvSpPr>
         <p:spPr>
           <a:xfrm>
-            <a:off x="9399949" y="4004215"/>
+            <a:off x="6885319" y="3983851"/>
             <a:ext cx="513474" cy="276999"/>
           </a:xfrm>
           <a:prstGeom prst="rect">

--- a/doc/overview.pptx
+++ b/doc/overview.pptx
@@ -315,7 +315,7 @@
           <a:p>
             <a:fld id="{1991B810-A44B-42D8-B2B0-10522A071A3E}" type="slidenum">
               <a:rPr lang="en-GB" smtClean="0"/>
-              <a:t>‹Nr.›</a:t>
+              <a:t>‹#›</a:t>
             </a:fld>
             <a:endParaRPr lang="en-GB"/>
           </a:p>
@@ -515,7 +515,7 @@
           <a:p>
             <a:fld id="{1991B810-A44B-42D8-B2B0-10522A071A3E}" type="slidenum">
               <a:rPr lang="en-GB" smtClean="0"/>
-              <a:t>‹Nr.›</a:t>
+              <a:t>‹#›</a:t>
             </a:fld>
             <a:endParaRPr lang="en-GB"/>
           </a:p>
@@ -725,7 +725,7 @@
           <a:p>
             <a:fld id="{1991B810-A44B-42D8-B2B0-10522A071A3E}" type="slidenum">
               <a:rPr lang="en-GB" smtClean="0"/>
-              <a:t>‹Nr.›</a:t>
+              <a:t>‹#›</a:t>
             </a:fld>
             <a:endParaRPr lang="en-GB"/>
           </a:p>
@@ -925,7 +925,7 @@
           <a:p>
             <a:fld id="{1991B810-A44B-42D8-B2B0-10522A071A3E}" type="slidenum">
               <a:rPr lang="en-GB" smtClean="0"/>
-              <a:t>‹Nr.›</a:t>
+              <a:t>‹#›</a:t>
             </a:fld>
             <a:endParaRPr lang="en-GB"/>
           </a:p>
@@ -1201,7 +1201,7 @@
           <a:p>
             <a:fld id="{1991B810-A44B-42D8-B2B0-10522A071A3E}" type="slidenum">
               <a:rPr lang="en-GB" smtClean="0"/>
-              <a:t>‹Nr.›</a:t>
+              <a:t>‹#›</a:t>
             </a:fld>
             <a:endParaRPr lang="en-GB"/>
           </a:p>
@@ -1469,7 +1469,7 @@
           <a:p>
             <a:fld id="{1991B810-A44B-42D8-B2B0-10522A071A3E}" type="slidenum">
               <a:rPr lang="en-GB" smtClean="0"/>
-              <a:t>‹Nr.›</a:t>
+              <a:t>‹#›</a:t>
             </a:fld>
             <a:endParaRPr lang="en-GB"/>
           </a:p>
@@ -1884,7 +1884,7 @@
           <a:p>
             <a:fld id="{1991B810-A44B-42D8-B2B0-10522A071A3E}" type="slidenum">
               <a:rPr lang="en-GB" smtClean="0"/>
-              <a:t>‹Nr.›</a:t>
+              <a:t>‹#›</a:t>
             </a:fld>
             <a:endParaRPr lang="en-GB"/>
           </a:p>
@@ -2026,7 +2026,7 @@
           <a:p>
             <a:fld id="{1991B810-A44B-42D8-B2B0-10522A071A3E}" type="slidenum">
               <a:rPr lang="en-GB" smtClean="0"/>
-              <a:t>‹Nr.›</a:t>
+              <a:t>‹#›</a:t>
             </a:fld>
             <a:endParaRPr lang="en-GB"/>
           </a:p>
@@ -2139,7 +2139,7 @@
           <a:p>
             <a:fld id="{1991B810-A44B-42D8-B2B0-10522A071A3E}" type="slidenum">
               <a:rPr lang="en-GB" smtClean="0"/>
-              <a:t>‹Nr.›</a:t>
+              <a:t>‹#›</a:t>
             </a:fld>
             <a:endParaRPr lang="en-GB"/>
           </a:p>
@@ -2452,7 +2452,7 @@
           <a:p>
             <a:fld id="{1991B810-A44B-42D8-B2B0-10522A071A3E}" type="slidenum">
               <a:rPr lang="en-GB" smtClean="0"/>
-              <a:t>‹Nr.›</a:t>
+              <a:t>‹#›</a:t>
             </a:fld>
             <a:endParaRPr lang="en-GB"/>
           </a:p>
@@ -2741,7 +2741,7 @@
           <a:p>
             <a:fld id="{1991B810-A44B-42D8-B2B0-10522A071A3E}" type="slidenum">
               <a:rPr lang="en-GB" smtClean="0"/>
-              <a:t>‹Nr.›</a:t>
+              <a:t>‹#›</a:t>
             </a:fld>
             <a:endParaRPr lang="en-GB"/>
           </a:p>
@@ -3020,7 +3020,7 @@
           <a:p>
             <a:fld id="{1991B810-A44B-42D8-B2B0-10522A071A3E}" type="slidenum">
               <a:rPr lang="en-GB" smtClean="0"/>
-              <a:t>‹Nr.›</a:t>
+              <a:t>‹#›</a:t>
             </a:fld>
             <a:endParaRPr lang="en-GB"/>
           </a:p>
@@ -7059,7 +7059,7 @@
         </p:nvSpPr>
         <p:spPr>
           <a:xfrm>
-            <a:off x="9947018" y="5392438"/>
+            <a:off x="11254505" y="5350793"/>
             <a:ext cx="711122" cy="245423"/>
           </a:xfrm>
           <a:prstGeom prst="rect">
@@ -7303,70 +7303,6 @@
                   </a:schemeClr>
                 </a:outerShdw>
               </a:effectLst>
-            </a:endParaRPr>
-          </a:p>
-        </p:txBody>
-      </p:sp>
-      <p:sp>
-        <p:nvSpPr>
-          <p:cNvPr id="45" name="Rechteck 111">
-            <a:extLst>
-              <a:ext uri="{FF2B5EF4-FFF2-40B4-BE49-F238E27FC236}">
-                <a16:creationId xmlns:a16="http://schemas.microsoft.com/office/drawing/2014/main" id="{E9DB22C0-CFFE-0BE9-0495-7A68AFF394D7}"/>
-              </a:ext>
-            </a:extLst>
-          </p:cNvPr>
-          <p:cNvSpPr/>
-          <p:nvPr/>
-        </p:nvSpPr>
-        <p:spPr>
-          <a:xfrm>
-            <a:off x="7802227" y="5332022"/>
-            <a:ext cx="712054" cy="245423"/>
-          </a:xfrm>
-          <a:prstGeom prst="rect">
-            <a:avLst/>
-          </a:prstGeom>
-          <a:solidFill>
-            <a:schemeClr val="accent6">
-              <a:lumMod val="60000"/>
-              <a:lumOff val="40000"/>
-            </a:schemeClr>
-          </a:solidFill>
-        </p:spPr>
-        <p:style>
-          <a:lnRef idx="2">
-            <a:schemeClr val="accent1">
-              <a:shade val="50000"/>
-            </a:schemeClr>
-          </a:lnRef>
-          <a:fillRef idx="1">
-            <a:schemeClr val="accent1"/>
-          </a:fillRef>
-          <a:effectRef idx="0">
-            <a:schemeClr val="accent1"/>
-          </a:effectRef>
-          <a:fontRef idx="minor">
-            <a:schemeClr val="lt1"/>
-          </a:fontRef>
-        </p:style>
-        <p:txBody>
-          <a:bodyPr rtlCol="0" anchor="ctr"/>
-          <a:lstStyle/>
-          <a:p>
-            <a:pPr algn="ctr"/>
-            <a:r>
-              <a:rPr lang="en-US" sz="1400" dirty="0">
-                <a:solidFill>
-                  <a:schemeClr val="bg1"/>
-                </a:solidFill>
-              </a:rPr>
-              <a:t>AXI lite</a:t>
-            </a:r>
-            <a:endParaRPr lang="de-DE" sz="1400" dirty="0">
-              <a:solidFill>
-                <a:schemeClr val="bg1"/>
-              </a:solidFill>
             </a:endParaRPr>
           </a:p>
         </p:txBody>
